--- a/trunk/Appli/Méthodologie/Général/Copil/Copil 1/VAL.pptx
+++ b/trunk/Appli/Méthodologie/Général/Copil/Copil 1/VAL.pptx
@@ -361,7 +361,7 @@
             <a:fld id="{B6F15528-21DE-4FAA-801E-634DDDAF4B2B}" type="slidenum">
               <a:rPr lang="en-US" smtClean="0"/>
               <a:pPr/>
-              <a:t>‹#›</a:t>
+              <a:t>‹N°›</a:t>
             </a:fld>
             <a:endParaRPr lang="en-US"/>
           </a:p>
@@ -563,7 +563,7 @@
             <a:fld id="{B6F15528-21DE-4FAA-801E-634DDDAF4B2B}" type="slidenum">
               <a:rPr lang="en-US" smtClean="0"/>
               <a:pPr/>
-              <a:t>‹#›</a:t>
+              <a:t>‹N°›</a:t>
             </a:fld>
             <a:endParaRPr lang="en-US"/>
           </a:p>
@@ -740,7 +740,7 @@
             <a:fld id="{B6F15528-21DE-4FAA-801E-634DDDAF4B2B}" type="slidenum">
               <a:rPr lang="en-US" smtClean="0"/>
               <a:pPr/>
-              <a:t>‹#›</a:t>
+              <a:t>‹N°›</a:t>
             </a:fld>
             <a:endParaRPr lang="en-US"/>
           </a:p>
@@ -907,7 +907,7 @@
             <a:fld id="{B6F15528-21DE-4FAA-801E-634DDDAF4B2B}" type="slidenum">
               <a:rPr lang="en-US" smtClean="0"/>
               <a:pPr/>
-              <a:t>‹#›</a:t>
+              <a:t>‹N°›</a:t>
             </a:fld>
             <a:endParaRPr lang="en-US"/>
           </a:p>
@@ -1157,7 +1157,7 @@
             <a:fld id="{B6F15528-21DE-4FAA-801E-634DDDAF4B2B}" type="slidenum">
               <a:rPr lang="en-US" smtClean="0"/>
               <a:pPr/>
-              <a:t>‹#›</a:t>
+              <a:t>‹N°›</a:t>
             </a:fld>
             <a:endParaRPr lang="en-US"/>
           </a:p>
@@ -1477,7 +1477,7 @@
             <a:fld id="{B6F15528-21DE-4FAA-801E-634DDDAF4B2B}" type="slidenum">
               <a:rPr lang="en-US" smtClean="0"/>
               <a:pPr/>
-              <a:t>‹#›</a:t>
+              <a:t>‹N°›</a:t>
             </a:fld>
             <a:endParaRPr lang="en-US"/>
           </a:p>
@@ -1945,7 +1945,7 @@
             <a:fld id="{B6F15528-21DE-4FAA-801E-634DDDAF4B2B}" type="slidenum">
               <a:rPr lang="en-US" smtClean="0"/>
               <a:pPr/>
-              <a:t>‹#›</a:t>
+              <a:t>‹N°›</a:t>
             </a:fld>
             <a:endParaRPr lang="en-US"/>
           </a:p>
@@ -2095,7 +2095,7 @@
             <a:fld id="{B6F15528-21DE-4FAA-801E-634DDDAF4B2B}" type="slidenum">
               <a:rPr lang="en-US" smtClean="0"/>
               <a:pPr/>
-              <a:t>‹#›</a:t>
+              <a:t>‹N°›</a:t>
             </a:fld>
             <a:endParaRPr lang="en-US"/>
           </a:p>
@@ -2187,7 +2187,7 @@
             <a:fld id="{B6F15528-21DE-4FAA-801E-634DDDAF4B2B}" type="slidenum">
               <a:rPr lang="en-US" smtClean="0"/>
               <a:pPr/>
-              <a:t>‹#›</a:t>
+              <a:t>‹N°›</a:t>
             </a:fld>
             <a:endParaRPr lang="en-US"/>
           </a:p>
@@ -2463,7 +2463,7 @@
             <a:fld id="{B6F15528-21DE-4FAA-801E-634DDDAF4B2B}" type="slidenum">
               <a:rPr lang="en-US" smtClean="0"/>
               <a:pPr/>
-              <a:t>‹#›</a:t>
+              <a:t>‹N°›</a:t>
             </a:fld>
             <a:endParaRPr lang="en-US"/>
           </a:p>
@@ -2770,7 +2770,7 @@
             <a:fld id="{B6F15528-21DE-4FAA-801E-634DDDAF4B2B}" type="slidenum">
               <a:rPr lang="en-US" smtClean="0"/>
               <a:pPr/>
-              <a:t>‹#›</a:t>
+              <a:t>‹N°›</a:t>
             </a:fld>
             <a:endParaRPr lang="en-US"/>
           </a:p>
@@ -3102,7 +3102,7 @@
             <a:fld id="{B6F15528-21DE-4FAA-801E-634DDDAF4B2B}" type="slidenum">
               <a:rPr lang="en-US" smtClean="0"/>
               <a:pPr/>
-              <a:t>‹#›</a:t>
+              <a:t>‹N°›</a:t>
             </a:fld>
             <a:endParaRPr lang="en-US"/>
           </a:p>
@@ -12661,7 +12661,7 @@
       </p:sp>
       <p:pic>
         <p:nvPicPr>
-          <p:cNvPr id="3074" name="Picture 2"/>
+          <p:cNvPr id="1026" name="Picture 2"/>
           <p:cNvPicPr>
             <a:picLocks noChangeAspect="1" noChangeArrowheads="1"/>
           </p:cNvPicPr>
@@ -12682,8 +12682,8 @@
         </p:blipFill>
         <p:spPr bwMode="auto">
           <a:xfrm>
-            <a:off x="1905000" y="1905000"/>
-            <a:ext cx="4827741" cy="3757612"/>
+            <a:off x="1447800" y="2000250"/>
+            <a:ext cx="5562600" cy="4248150"/>
           </a:xfrm>
           <a:prstGeom prst="rect">
             <a:avLst/>

--- a/trunk/Appli/Méthodologie/Général/Copil/Copil 1/VAL.pptx
+++ b/trunk/Appli/Méthodologie/Général/Copil/Copil 1/VAL.pptx
@@ -10,9 +10,9 @@
     <p:sldId id="263" r:id="rId4"/>
     <p:sldId id="262" r:id="rId5"/>
     <p:sldId id="268" r:id="rId6"/>
-    <p:sldId id="279" r:id="rId7"/>
-    <p:sldId id="280" r:id="rId8"/>
-    <p:sldId id="281" r:id="rId9"/>
+    <p:sldId id="285" r:id="rId7"/>
+    <p:sldId id="286" r:id="rId8"/>
+    <p:sldId id="287" r:id="rId9"/>
     <p:sldId id="269" r:id="rId10"/>
     <p:sldId id="260" r:id="rId11"/>
     <p:sldId id="259" r:id="rId12"/>
@@ -361,7 +361,7 @@
             <a:fld id="{B6F15528-21DE-4FAA-801E-634DDDAF4B2B}" type="slidenum">
               <a:rPr lang="en-US" smtClean="0"/>
               <a:pPr/>
-              <a:t>‹N°›</a:t>
+              <a:t>‹#›</a:t>
             </a:fld>
             <a:endParaRPr lang="en-US"/>
           </a:p>
@@ -563,7 +563,7 @@
             <a:fld id="{B6F15528-21DE-4FAA-801E-634DDDAF4B2B}" type="slidenum">
               <a:rPr lang="en-US" smtClean="0"/>
               <a:pPr/>
-              <a:t>‹N°›</a:t>
+              <a:t>‹#›</a:t>
             </a:fld>
             <a:endParaRPr lang="en-US"/>
           </a:p>
@@ -740,7 +740,7 @@
             <a:fld id="{B6F15528-21DE-4FAA-801E-634DDDAF4B2B}" type="slidenum">
               <a:rPr lang="en-US" smtClean="0"/>
               <a:pPr/>
-              <a:t>‹N°›</a:t>
+              <a:t>‹#›</a:t>
             </a:fld>
             <a:endParaRPr lang="en-US"/>
           </a:p>
@@ -907,7 +907,7 @@
             <a:fld id="{B6F15528-21DE-4FAA-801E-634DDDAF4B2B}" type="slidenum">
               <a:rPr lang="en-US" smtClean="0"/>
               <a:pPr/>
-              <a:t>‹N°›</a:t>
+              <a:t>‹#›</a:t>
             </a:fld>
             <a:endParaRPr lang="en-US"/>
           </a:p>
@@ -1157,7 +1157,7 @@
             <a:fld id="{B6F15528-21DE-4FAA-801E-634DDDAF4B2B}" type="slidenum">
               <a:rPr lang="en-US" smtClean="0"/>
               <a:pPr/>
-              <a:t>‹N°›</a:t>
+              <a:t>‹#›</a:t>
             </a:fld>
             <a:endParaRPr lang="en-US"/>
           </a:p>
@@ -1477,7 +1477,7 @@
             <a:fld id="{B6F15528-21DE-4FAA-801E-634DDDAF4B2B}" type="slidenum">
               <a:rPr lang="en-US" smtClean="0"/>
               <a:pPr/>
-              <a:t>‹N°›</a:t>
+              <a:t>‹#›</a:t>
             </a:fld>
             <a:endParaRPr lang="en-US"/>
           </a:p>
@@ -1945,7 +1945,7 @@
             <a:fld id="{B6F15528-21DE-4FAA-801E-634DDDAF4B2B}" type="slidenum">
               <a:rPr lang="en-US" smtClean="0"/>
               <a:pPr/>
-              <a:t>‹N°›</a:t>
+              <a:t>‹#›</a:t>
             </a:fld>
             <a:endParaRPr lang="en-US"/>
           </a:p>
@@ -2095,7 +2095,7 @@
             <a:fld id="{B6F15528-21DE-4FAA-801E-634DDDAF4B2B}" type="slidenum">
               <a:rPr lang="en-US" smtClean="0"/>
               <a:pPr/>
-              <a:t>‹N°›</a:t>
+              <a:t>‹#›</a:t>
             </a:fld>
             <a:endParaRPr lang="en-US"/>
           </a:p>
@@ -2187,7 +2187,7 @@
             <a:fld id="{B6F15528-21DE-4FAA-801E-634DDDAF4B2B}" type="slidenum">
               <a:rPr lang="en-US" smtClean="0"/>
               <a:pPr/>
-              <a:t>‹N°›</a:t>
+              <a:t>‹#›</a:t>
             </a:fld>
             <a:endParaRPr lang="en-US"/>
           </a:p>
@@ -2463,7 +2463,7 @@
             <a:fld id="{B6F15528-21DE-4FAA-801E-634DDDAF4B2B}" type="slidenum">
               <a:rPr lang="en-US" smtClean="0"/>
               <a:pPr/>
-              <a:t>‹N°›</a:t>
+              <a:t>‹#›</a:t>
             </a:fld>
             <a:endParaRPr lang="en-US"/>
           </a:p>
@@ -2770,7 +2770,7 @@
             <a:fld id="{B6F15528-21DE-4FAA-801E-634DDDAF4B2B}" type="slidenum">
               <a:rPr lang="en-US" smtClean="0"/>
               <a:pPr/>
-              <a:t>‹N°›</a:t>
+              <a:t>‹#›</a:t>
             </a:fld>
             <a:endParaRPr lang="en-US"/>
           </a:p>
@@ -3102,7 +3102,7 @@
             <a:fld id="{B6F15528-21DE-4FAA-801E-634DDDAF4B2B}" type="slidenum">
               <a:rPr lang="en-US" smtClean="0"/>
               <a:pPr/>
-              <a:t>‹N°›</a:t>
+              <a:t>‹#›</a:t>
             </a:fld>
             <a:endParaRPr lang="en-US"/>
           </a:p>
@@ -8609,14 +8609,27 @@
             <p:ph idx="1"/>
           </p:nvPr>
         </p:nvSpPr>
-        <p:spPr/>
+        <p:spPr>
+          <a:xfrm>
+            <a:off x="457200" y="1828800"/>
+            <a:ext cx="8229600" cy="3581400"/>
+          </a:xfrm>
+        </p:spPr>
         <p:txBody>
           <a:bodyPr/>
           <a:lstStyle/>
           <a:p>
             <a:r>
               <a:rPr lang="fr-FR" dirty="0" smtClean="0"/>
-              <a:t>Langage de programmation: JAVA</a:t>
+              <a:t>Langage de </a:t>
+            </a:r>
+            <a:r>
+              <a:rPr lang="fr-FR" dirty="0" smtClean="0"/>
+              <a:t>programmation : </a:t>
+            </a:r>
+            <a:r>
+              <a:rPr lang="fr-FR" dirty="0" smtClean="0"/>
+              <a:t>JAVA</a:t>
             </a:r>
           </a:p>
           <a:p>
@@ -8628,7 +8641,11 @@
           <a:p>
             <a:r>
               <a:rPr lang="fr-FR" dirty="0" smtClean="0"/>
-              <a:t>OS: Windows</a:t>
+              <a:t>Système d’exploitation : </a:t>
+            </a:r>
+            <a:r>
+              <a:rPr lang="fr-FR" dirty="0" smtClean="0"/>
+              <a:t>Windows</a:t>
             </a:r>
           </a:p>
           <a:p>
@@ -8651,7 +8668,15 @@
           <a:p>
             <a:r>
               <a:rPr lang="fr-FR" dirty="0" smtClean="0"/>
-              <a:t>MOM: </a:t>
+              <a:t>Middleware </a:t>
+            </a:r>
+            <a:r>
+              <a:rPr lang="fr-FR" dirty="0" err="1" smtClean="0"/>
+              <a:t>Oriented</a:t>
+            </a:r>
+            <a:r>
+              <a:rPr lang="fr-FR" dirty="0" smtClean="0"/>
+              <a:t> Message : </a:t>
             </a:r>
             <a:r>
               <a:rPr lang="fr-FR" dirty="0" err="1" smtClean="0"/>
@@ -8662,7 +8687,11 @@
           <a:p>
             <a:r>
               <a:rPr lang="fr-FR" dirty="0" smtClean="0"/>
-              <a:t>Temps Réel: </a:t>
+              <a:t>Temps </a:t>
+            </a:r>
+            <a:r>
+              <a:rPr lang="fr-FR" dirty="0" smtClean="0"/>
+              <a:t>Réel : </a:t>
             </a:r>
             <a:r>
               <a:rPr lang="fr-FR" dirty="0" err="1" smtClean="0"/>
@@ -8694,7 +8723,7 @@
           <a:p>
             <a:r>
               <a:rPr lang="fr-FR" dirty="0" smtClean="0"/>
-              <a:t>Benchmarking</a:t>
+              <a:t>Benchmarking: Solutions choisies</a:t>
             </a:r>
             <a:endParaRPr lang="fr-FR" dirty="0"/>
           </a:p>
@@ -8713,7 +8742,751 @@
   <p:timing>
     <p:tnLst>
       <p:par>
-        <p:cTn id="1" dur="indefinite" restart="never" nodeType="tmRoot"/>
+        <p:cTn id="1" dur="indefinite" restart="never" nodeType="tmRoot">
+          <p:childTnLst>
+            <p:seq concurrent="1" nextAc="seek">
+              <p:cTn id="2" dur="indefinite" nodeType="mainSeq">
+                <p:childTnLst>
+                  <p:par>
+                    <p:cTn id="3" fill="hold">
+                      <p:stCondLst>
+                        <p:cond delay="indefinite"/>
+                      </p:stCondLst>
+                      <p:childTnLst>
+                        <p:par>
+                          <p:cTn id="4" fill="hold">
+                            <p:stCondLst>
+                              <p:cond delay="0"/>
+                            </p:stCondLst>
+                            <p:childTnLst>
+                              <p:par>
+                                <p:cTn id="5" presetID="2" presetClass="entr" presetSubtype="2" fill="hold" nodeType="clickEffect">
+                                  <p:stCondLst>
+                                    <p:cond delay="0"/>
+                                  </p:stCondLst>
+                                  <p:childTnLst>
+                                    <p:set>
+                                      <p:cBhvr>
+                                        <p:cTn id="6" dur="1" fill="hold">
+                                          <p:stCondLst>
+                                            <p:cond delay="0"/>
+                                          </p:stCondLst>
+                                        </p:cTn>
+                                        <p:tgtEl>
+                                          <p:spTgt spid="3">
+                                            <p:txEl>
+                                              <p:pRg st="0" end="0"/>
+                                            </p:txEl>
+                                          </p:spTgt>
+                                        </p:tgtEl>
+                                        <p:attrNameLst>
+                                          <p:attrName>style.visibility</p:attrName>
+                                        </p:attrNameLst>
+                                      </p:cBhvr>
+                                      <p:to>
+                                        <p:strVal val="visible"/>
+                                      </p:to>
+                                    </p:set>
+                                    <p:anim calcmode="lin" valueType="num">
+                                      <p:cBhvr additive="base">
+                                        <p:cTn id="7" dur="750" fill="hold"/>
+                                        <p:tgtEl>
+                                          <p:spTgt spid="3">
+                                            <p:txEl>
+                                              <p:pRg st="0" end="0"/>
+                                            </p:txEl>
+                                          </p:spTgt>
+                                        </p:tgtEl>
+                                        <p:attrNameLst>
+                                          <p:attrName>ppt_x</p:attrName>
+                                        </p:attrNameLst>
+                                      </p:cBhvr>
+                                      <p:tavLst>
+                                        <p:tav tm="0">
+                                          <p:val>
+                                            <p:strVal val="1+#ppt_w/2"/>
+                                          </p:val>
+                                        </p:tav>
+                                        <p:tav tm="100000">
+                                          <p:val>
+                                            <p:strVal val="#ppt_x"/>
+                                          </p:val>
+                                        </p:tav>
+                                      </p:tavLst>
+                                    </p:anim>
+                                    <p:anim calcmode="lin" valueType="num">
+                                      <p:cBhvr additive="base">
+                                        <p:cTn id="8" dur="750" fill="hold"/>
+                                        <p:tgtEl>
+                                          <p:spTgt spid="3">
+                                            <p:txEl>
+                                              <p:pRg st="0" end="0"/>
+                                            </p:txEl>
+                                          </p:spTgt>
+                                        </p:tgtEl>
+                                        <p:attrNameLst>
+                                          <p:attrName>ppt_y</p:attrName>
+                                        </p:attrNameLst>
+                                      </p:cBhvr>
+                                      <p:tavLst>
+                                        <p:tav tm="0">
+                                          <p:val>
+                                            <p:strVal val="#ppt_y"/>
+                                          </p:val>
+                                        </p:tav>
+                                        <p:tav tm="100000">
+                                          <p:val>
+                                            <p:strVal val="#ppt_y"/>
+                                          </p:val>
+                                        </p:tav>
+                                      </p:tavLst>
+                                    </p:anim>
+                                  </p:childTnLst>
+                                </p:cTn>
+                              </p:par>
+                            </p:childTnLst>
+                          </p:cTn>
+                        </p:par>
+                      </p:childTnLst>
+                    </p:cTn>
+                  </p:par>
+                  <p:par>
+                    <p:cTn id="9" fill="hold">
+                      <p:stCondLst>
+                        <p:cond delay="indefinite"/>
+                      </p:stCondLst>
+                      <p:childTnLst>
+                        <p:par>
+                          <p:cTn id="10" fill="hold">
+                            <p:stCondLst>
+                              <p:cond delay="0"/>
+                            </p:stCondLst>
+                            <p:childTnLst>
+                              <p:par>
+                                <p:cTn id="11" presetID="2" presetClass="entr" presetSubtype="2" fill="hold" nodeType="clickEffect">
+                                  <p:stCondLst>
+                                    <p:cond delay="0"/>
+                                  </p:stCondLst>
+                                  <p:childTnLst>
+                                    <p:set>
+                                      <p:cBhvr>
+                                        <p:cTn id="12" dur="1" fill="hold">
+                                          <p:stCondLst>
+                                            <p:cond delay="0"/>
+                                          </p:stCondLst>
+                                        </p:cTn>
+                                        <p:tgtEl>
+                                          <p:spTgt spid="3">
+                                            <p:txEl>
+                                              <p:pRg st="1" end="1"/>
+                                            </p:txEl>
+                                          </p:spTgt>
+                                        </p:tgtEl>
+                                        <p:attrNameLst>
+                                          <p:attrName>style.visibility</p:attrName>
+                                        </p:attrNameLst>
+                                      </p:cBhvr>
+                                      <p:to>
+                                        <p:strVal val="visible"/>
+                                      </p:to>
+                                    </p:set>
+                                    <p:anim calcmode="lin" valueType="num">
+                                      <p:cBhvr additive="base">
+                                        <p:cTn id="13" dur="750" fill="hold"/>
+                                        <p:tgtEl>
+                                          <p:spTgt spid="3">
+                                            <p:txEl>
+                                              <p:pRg st="1" end="1"/>
+                                            </p:txEl>
+                                          </p:spTgt>
+                                        </p:tgtEl>
+                                        <p:attrNameLst>
+                                          <p:attrName>ppt_x</p:attrName>
+                                        </p:attrNameLst>
+                                      </p:cBhvr>
+                                      <p:tavLst>
+                                        <p:tav tm="0">
+                                          <p:val>
+                                            <p:strVal val="1+#ppt_w/2"/>
+                                          </p:val>
+                                        </p:tav>
+                                        <p:tav tm="100000">
+                                          <p:val>
+                                            <p:strVal val="#ppt_x"/>
+                                          </p:val>
+                                        </p:tav>
+                                      </p:tavLst>
+                                    </p:anim>
+                                    <p:anim calcmode="lin" valueType="num">
+                                      <p:cBhvr additive="base">
+                                        <p:cTn id="14" dur="750" fill="hold"/>
+                                        <p:tgtEl>
+                                          <p:spTgt spid="3">
+                                            <p:txEl>
+                                              <p:pRg st="1" end="1"/>
+                                            </p:txEl>
+                                          </p:spTgt>
+                                        </p:tgtEl>
+                                        <p:attrNameLst>
+                                          <p:attrName>ppt_y</p:attrName>
+                                        </p:attrNameLst>
+                                      </p:cBhvr>
+                                      <p:tavLst>
+                                        <p:tav tm="0">
+                                          <p:val>
+                                            <p:strVal val="#ppt_y"/>
+                                          </p:val>
+                                        </p:tav>
+                                        <p:tav tm="100000">
+                                          <p:val>
+                                            <p:strVal val="#ppt_y"/>
+                                          </p:val>
+                                        </p:tav>
+                                      </p:tavLst>
+                                    </p:anim>
+                                  </p:childTnLst>
+                                </p:cTn>
+                              </p:par>
+                            </p:childTnLst>
+                          </p:cTn>
+                        </p:par>
+                      </p:childTnLst>
+                    </p:cTn>
+                  </p:par>
+                  <p:par>
+                    <p:cTn id="15" fill="hold">
+                      <p:stCondLst>
+                        <p:cond delay="indefinite"/>
+                      </p:stCondLst>
+                      <p:childTnLst>
+                        <p:par>
+                          <p:cTn id="16" fill="hold">
+                            <p:stCondLst>
+                              <p:cond delay="0"/>
+                            </p:stCondLst>
+                            <p:childTnLst>
+                              <p:par>
+                                <p:cTn id="17" presetID="2" presetClass="entr" presetSubtype="2" fill="hold" nodeType="clickEffect">
+                                  <p:stCondLst>
+                                    <p:cond delay="0"/>
+                                  </p:stCondLst>
+                                  <p:childTnLst>
+                                    <p:set>
+                                      <p:cBhvr>
+                                        <p:cTn id="18" dur="1" fill="hold">
+                                          <p:stCondLst>
+                                            <p:cond delay="0"/>
+                                          </p:stCondLst>
+                                        </p:cTn>
+                                        <p:tgtEl>
+                                          <p:spTgt spid="3">
+                                            <p:txEl>
+                                              <p:pRg st="2" end="2"/>
+                                            </p:txEl>
+                                          </p:spTgt>
+                                        </p:tgtEl>
+                                        <p:attrNameLst>
+                                          <p:attrName>style.visibility</p:attrName>
+                                        </p:attrNameLst>
+                                      </p:cBhvr>
+                                      <p:to>
+                                        <p:strVal val="visible"/>
+                                      </p:to>
+                                    </p:set>
+                                    <p:anim calcmode="lin" valueType="num">
+                                      <p:cBhvr additive="base">
+                                        <p:cTn id="19" dur="750" fill="hold"/>
+                                        <p:tgtEl>
+                                          <p:spTgt spid="3">
+                                            <p:txEl>
+                                              <p:pRg st="2" end="2"/>
+                                            </p:txEl>
+                                          </p:spTgt>
+                                        </p:tgtEl>
+                                        <p:attrNameLst>
+                                          <p:attrName>ppt_x</p:attrName>
+                                        </p:attrNameLst>
+                                      </p:cBhvr>
+                                      <p:tavLst>
+                                        <p:tav tm="0">
+                                          <p:val>
+                                            <p:strVal val="1+#ppt_w/2"/>
+                                          </p:val>
+                                        </p:tav>
+                                        <p:tav tm="100000">
+                                          <p:val>
+                                            <p:strVal val="#ppt_x"/>
+                                          </p:val>
+                                        </p:tav>
+                                      </p:tavLst>
+                                    </p:anim>
+                                    <p:anim calcmode="lin" valueType="num">
+                                      <p:cBhvr additive="base">
+                                        <p:cTn id="20" dur="750" fill="hold"/>
+                                        <p:tgtEl>
+                                          <p:spTgt spid="3">
+                                            <p:txEl>
+                                              <p:pRg st="2" end="2"/>
+                                            </p:txEl>
+                                          </p:spTgt>
+                                        </p:tgtEl>
+                                        <p:attrNameLst>
+                                          <p:attrName>ppt_y</p:attrName>
+                                        </p:attrNameLst>
+                                      </p:cBhvr>
+                                      <p:tavLst>
+                                        <p:tav tm="0">
+                                          <p:val>
+                                            <p:strVal val="#ppt_y"/>
+                                          </p:val>
+                                        </p:tav>
+                                        <p:tav tm="100000">
+                                          <p:val>
+                                            <p:strVal val="#ppt_y"/>
+                                          </p:val>
+                                        </p:tav>
+                                      </p:tavLst>
+                                    </p:anim>
+                                  </p:childTnLst>
+                                </p:cTn>
+                              </p:par>
+                            </p:childTnLst>
+                          </p:cTn>
+                        </p:par>
+                      </p:childTnLst>
+                    </p:cTn>
+                  </p:par>
+                  <p:par>
+                    <p:cTn id="21" fill="hold">
+                      <p:stCondLst>
+                        <p:cond delay="indefinite"/>
+                      </p:stCondLst>
+                      <p:childTnLst>
+                        <p:par>
+                          <p:cTn id="22" fill="hold">
+                            <p:stCondLst>
+                              <p:cond delay="0"/>
+                            </p:stCondLst>
+                            <p:childTnLst>
+                              <p:par>
+                                <p:cTn id="23" presetID="2" presetClass="entr" presetSubtype="2" fill="hold" nodeType="clickEffect">
+                                  <p:stCondLst>
+                                    <p:cond delay="0"/>
+                                  </p:stCondLst>
+                                  <p:childTnLst>
+                                    <p:set>
+                                      <p:cBhvr>
+                                        <p:cTn id="24" dur="1" fill="hold">
+                                          <p:stCondLst>
+                                            <p:cond delay="0"/>
+                                          </p:stCondLst>
+                                        </p:cTn>
+                                        <p:tgtEl>
+                                          <p:spTgt spid="3">
+                                            <p:txEl>
+                                              <p:pRg st="3" end="3"/>
+                                            </p:txEl>
+                                          </p:spTgt>
+                                        </p:tgtEl>
+                                        <p:attrNameLst>
+                                          <p:attrName>style.visibility</p:attrName>
+                                        </p:attrNameLst>
+                                      </p:cBhvr>
+                                      <p:to>
+                                        <p:strVal val="visible"/>
+                                      </p:to>
+                                    </p:set>
+                                    <p:anim calcmode="lin" valueType="num">
+                                      <p:cBhvr additive="base">
+                                        <p:cTn id="25" dur="750" fill="hold"/>
+                                        <p:tgtEl>
+                                          <p:spTgt spid="3">
+                                            <p:txEl>
+                                              <p:pRg st="3" end="3"/>
+                                            </p:txEl>
+                                          </p:spTgt>
+                                        </p:tgtEl>
+                                        <p:attrNameLst>
+                                          <p:attrName>ppt_x</p:attrName>
+                                        </p:attrNameLst>
+                                      </p:cBhvr>
+                                      <p:tavLst>
+                                        <p:tav tm="0">
+                                          <p:val>
+                                            <p:strVal val="1+#ppt_w/2"/>
+                                          </p:val>
+                                        </p:tav>
+                                        <p:tav tm="100000">
+                                          <p:val>
+                                            <p:strVal val="#ppt_x"/>
+                                          </p:val>
+                                        </p:tav>
+                                      </p:tavLst>
+                                    </p:anim>
+                                    <p:anim calcmode="lin" valueType="num">
+                                      <p:cBhvr additive="base">
+                                        <p:cTn id="26" dur="750" fill="hold"/>
+                                        <p:tgtEl>
+                                          <p:spTgt spid="3">
+                                            <p:txEl>
+                                              <p:pRg st="3" end="3"/>
+                                            </p:txEl>
+                                          </p:spTgt>
+                                        </p:tgtEl>
+                                        <p:attrNameLst>
+                                          <p:attrName>ppt_y</p:attrName>
+                                        </p:attrNameLst>
+                                      </p:cBhvr>
+                                      <p:tavLst>
+                                        <p:tav tm="0">
+                                          <p:val>
+                                            <p:strVal val="#ppt_y"/>
+                                          </p:val>
+                                        </p:tav>
+                                        <p:tav tm="100000">
+                                          <p:val>
+                                            <p:strVal val="#ppt_y"/>
+                                          </p:val>
+                                        </p:tav>
+                                      </p:tavLst>
+                                    </p:anim>
+                                  </p:childTnLst>
+                                </p:cTn>
+                              </p:par>
+                            </p:childTnLst>
+                          </p:cTn>
+                        </p:par>
+                      </p:childTnLst>
+                    </p:cTn>
+                  </p:par>
+                  <p:par>
+                    <p:cTn id="27" fill="hold">
+                      <p:stCondLst>
+                        <p:cond delay="indefinite"/>
+                      </p:stCondLst>
+                      <p:childTnLst>
+                        <p:par>
+                          <p:cTn id="28" fill="hold">
+                            <p:stCondLst>
+                              <p:cond delay="0"/>
+                            </p:stCondLst>
+                            <p:childTnLst>
+                              <p:par>
+                                <p:cTn id="29" presetID="2" presetClass="entr" presetSubtype="2" fill="hold" nodeType="clickEffect">
+                                  <p:stCondLst>
+                                    <p:cond delay="0"/>
+                                  </p:stCondLst>
+                                  <p:childTnLst>
+                                    <p:set>
+                                      <p:cBhvr>
+                                        <p:cTn id="30" dur="1" fill="hold">
+                                          <p:stCondLst>
+                                            <p:cond delay="0"/>
+                                          </p:stCondLst>
+                                        </p:cTn>
+                                        <p:tgtEl>
+                                          <p:spTgt spid="3">
+                                            <p:txEl>
+                                              <p:pRg st="4" end="4"/>
+                                            </p:txEl>
+                                          </p:spTgt>
+                                        </p:tgtEl>
+                                        <p:attrNameLst>
+                                          <p:attrName>style.visibility</p:attrName>
+                                        </p:attrNameLst>
+                                      </p:cBhvr>
+                                      <p:to>
+                                        <p:strVal val="visible"/>
+                                      </p:to>
+                                    </p:set>
+                                    <p:anim calcmode="lin" valueType="num">
+                                      <p:cBhvr additive="base">
+                                        <p:cTn id="31" dur="750" fill="hold"/>
+                                        <p:tgtEl>
+                                          <p:spTgt spid="3">
+                                            <p:txEl>
+                                              <p:pRg st="4" end="4"/>
+                                            </p:txEl>
+                                          </p:spTgt>
+                                        </p:tgtEl>
+                                        <p:attrNameLst>
+                                          <p:attrName>ppt_x</p:attrName>
+                                        </p:attrNameLst>
+                                      </p:cBhvr>
+                                      <p:tavLst>
+                                        <p:tav tm="0">
+                                          <p:val>
+                                            <p:strVal val="1+#ppt_w/2"/>
+                                          </p:val>
+                                        </p:tav>
+                                        <p:tav tm="100000">
+                                          <p:val>
+                                            <p:strVal val="#ppt_x"/>
+                                          </p:val>
+                                        </p:tav>
+                                      </p:tavLst>
+                                    </p:anim>
+                                    <p:anim calcmode="lin" valueType="num">
+                                      <p:cBhvr additive="base">
+                                        <p:cTn id="32" dur="750" fill="hold"/>
+                                        <p:tgtEl>
+                                          <p:spTgt spid="3">
+                                            <p:txEl>
+                                              <p:pRg st="4" end="4"/>
+                                            </p:txEl>
+                                          </p:spTgt>
+                                        </p:tgtEl>
+                                        <p:attrNameLst>
+                                          <p:attrName>ppt_y</p:attrName>
+                                        </p:attrNameLst>
+                                      </p:cBhvr>
+                                      <p:tavLst>
+                                        <p:tav tm="0">
+                                          <p:val>
+                                            <p:strVal val="#ppt_y"/>
+                                          </p:val>
+                                        </p:tav>
+                                        <p:tav tm="100000">
+                                          <p:val>
+                                            <p:strVal val="#ppt_y"/>
+                                          </p:val>
+                                        </p:tav>
+                                      </p:tavLst>
+                                    </p:anim>
+                                  </p:childTnLst>
+                                </p:cTn>
+                              </p:par>
+                            </p:childTnLst>
+                          </p:cTn>
+                        </p:par>
+                      </p:childTnLst>
+                    </p:cTn>
+                  </p:par>
+                  <p:par>
+                    <p:cTn id="33" fill="hold">
+                      <p:stCondLst>
+                        <p:cond delay="indefinite"/>
+                      </p:stCondLst>
+                      <p:childTnLst>
+                        <p:par>
+                          <p:cTn id="34" fill="hold">
+                            <p:stCondLst>
+                              <p:cond delay="0"/>
+                            </p:stCondLst>
+                            <p:childTnLst>
+                              <p:par>
+                                <p:cTn id="35" presetID="2" presetClass="entr" presetSubtype="2" fill="hold" nodeType="clickEffect">
+                                  <p:stCondLst>
+                                    <p:cond delay="0"/>
+                                  </p:stCondLst>
+                                  <p:childTnLst>
+                                    <p:set>
+                                      <p:cBhvr>
+                                        <p:cTn id="36" dur="1" fill="hold">
+                                          <p:stCondLst>
+                                            <p:cond delay="0"/>
+                                          </p:stCondLst>
+                                        </p:cTn>
+                                        <p:tgtEl>
+                                          <p:spTgt spid="3">
+                                            <p:txEl>
+                                              <p:pRg st="5" end="5"/>
+                                            </p:txEl>
+                                          </p:spTgt>
+                                        </p:tgtEl>
+                                        <p:attrNameLst>
+                                          <p:attrName>style.visibility</p:attrName>
+                                        </p:attrNameLst>
+                                      </p:cBhvr>
+                                      <p:to>
+                                        <p:strVal val="visible"/>
+                                      </p:to>
+                                    </p:set>
+                                    <p:anim calcmode="lin" valueType="num">
+                                      <p:cBhvr additive="base">
+                                        <p:cTn id="37" dur="750" fill="hold"/>
+                                        <p:tgtEl>
+                                          <p:spTgt spid="3">
+                                            <p:txEl>
+                                              <p:pRg st="5" end="5"/>
+                                            </p:txEl>
+                                          </p:spTgt>
+                                        </p:tgtEl>
+                                        <p:attrNameLst>
+                                          <p:attrName>ppt_x</p:attrName>
+                                        </p:attrNameLst>
+                                      </p:cBhvr>
+                                      <p:tavLst>
+                                        <p:tav tm="0">
+                                          <p:val>
+                                            <p:strVal val="1+#ppt_w/2"/>
+                                          </p:val>
+                                        </p:tav>
+                                        <p:tav tm="100000">
+                                          <p:val>
+                                            <p:strVal val="#ppt_x"/>
+                                          </p:val>
+                                        </p:tav>
+                                      </p:tavLst>
+                                    </p:anim>
+                                    <p:anim calcmode="lin" valueType="num">
+                                      <p:cBhvr additive="base">
+                                        <p:cTn id="38" dur="750" fill="hold"/>
+                                        <p:tgtEl>
+                                          <p:spTgt spid="3">
+                                            <p:txEl>
+                                              <p:pRg st="5" end="5"/>
+                                            </p:txEl>
+                                          </p:spTgt>
+                                        </p:tgtEl>
+                                        <p:attrNameLst>
+                                          <p:attrName>ppt_y</p:attrName>
+                                        </p:attrNameLst>
+                                      </p:cBhvr>
+                                      <p:tavLst>
+                                        <p:tav tm="0">
+                                          <p:val>
+                                            <p:strVal val="#ppt_y"/>
+                                          </p:val>
+                                        </p:tav>
+                                        <p:tav tm="100000">
+                                          <p:val>
+                                            <p:strVal val="#ppt_y"/>
+                                          </p:val>
+                                        </p:tav>
+                                      </p:tavLst>
+                                    </p:anim>
+                                  </p:childTnLst>
+                                </p:cTn>
+                              </p:par>
+                            </p:childTnLst>
+                          </p:cTn>
+                        </p:par>
+                      </p:childTnLst>
+                    </p:cTn>
+                  </p:par>
+                  <p:par>
+                    <p:cTn id="39" fill="hold">
+                      <p:stCondLst>
+                        <p:cond delay="indefinite"/>
+                      </p:stCondLst>
+                      <p:childTnLst>
+                        <p:par>
+                          <p:cTn id="40" fill="hold">
+                            <p:stCondLst>
+                              <p:cond delay="0"/>
+                            </p:stCondLst>
+                            <p:childTnLst>
+                              <p:par>
+                                <p:cTn id="41" presetID="2" presetClass="entr" presetSubtype="2" fill="hold" nodeType="clickEffect">
+                                  <p:stCondLst>
+                                    <p:cond delay="0"/>
+                                  </p:stCondLst>
+                                  <p:childTnLst>
+                                    <p:set>
+                                      <p:cBhvr>
+                                        <p:cTn id="42" dur="1" fill="hold">
+                                          <p:stCondLst>
+                                            <p:cond delay="0"/>
+                                          </p:stCondLst>
+                                        </p:cTn>
+                                        <p:tgtEl>
+                                          <p:spTgt spid="3">
+                                            <p:txEl>
+                                              <p:pRg st="6" end="6"/>
+                                            </p:txEl>
+                                          </p:spTgt>
+                                        </p:tgtEl>
+                                        <p:attrNameLst>
+                                          <p:attrName>style.visibility</p:attrName>
+                                        </p:attrNameLst>
+                                      </p:cBhvr>
+                                      <p:to>
+                                        <p:strVal val="visible"/>
+                                      </p:to>
+                                    </p:set>
+                                    <p:anim calcmode="lin" valueType="num">
+                                      <p:cBhvr additive="base">
+                                        <p:cTn id="43" dur="750" fill="hold"/>
+                                        <p:tgtEl>
+                                          <p:spTgt spid="3">
+                                            <p:txEl>
+                                              <p:pRg st="6" end="6"/>
+                                            </p:txEl>
+                                          </p:spTgt>
+                                        </p:tgtEl>
+                                        <p:attrNameLst>
+                                          <p:attrName>ppt_x</p:attrName>
+                                        </p:attrNameLst>
+                                      </p:cBhvr>
+                                      <p:tavLst>
+                                        <p:tav tm="0">
+                                          <p:val>
+                                            <p:strVal val="1+#ppt_w/2"/>
+                                          </p:val>
+                                        </p:tav>
+                                        <p:tav tm="100000">
+                                          <p:val>
+                                            <p:strVal val="#ppt_x"/>
+                                          </p:val>
+                                        </p:tav>
+                                      </p:tavLst>
+                                    </p:anim>
+                                    <p:anim calcmode="lin" valueType="num">
+                                      <p:cBhvr additive="base">
+                                        <p:cTn id="44" dur="750" fill="hold"/>
+                                        <p:tgtEl>
+                                          <p:spTgt spid="3">
+                                            <p:txEl>
+                                              <p:pRg st="6" end="6"/>
+                                            </p:txEl>
+                                          </p:spTgt>
+                                        </p:tgtEl>
+                                        <p:attrNameLst>
+                                          <p:attrName>ppt_y</p:attrName>
+                                        </p:attrNameLst>
+                                      </p:cBhvr>
+                                      <p:tavLst>
+                                        <p:tav tm="0">
+                                          <p:val>
+                                            <p:strVal val="#ppt_y"/>
+                                          </p:val>
+                                        </p:tav>
+                                        <p:tav tm="100000">
+                                          <p:val>
+                                            <p:strVal val="#ppt_y"/>
+                                          </p:val>
+                                        </p:tav>
+                                      </p:tavLst>
+                                    </p:anim>
+                                  </p:childTnLst>
+                                </p:cTn>
+                              </p:par>
+                            </p:childTnLst>
+                          </p:cTn>
+                        </p:par>
+                      </p:childTnLst>
+                    </p:cTn>
+                  </p:par>
+                </p:childTnLst>
+              </p:cTn>
+              <p:prevCondLst>
+                <p:cond evt="onPrev" delay="0">
+                  <p:tgtEl>
+                    <p:sldTgt/>
+                  </p:tgtEl>
+                </p:cond>
+              </p:prevCondLst>
+              <p:nextCondLst>
+                <p:cond evt="onNext" delay="0">
+                  <p:tgtEl>
+                    <p:sldTgt/>
+                  </p:tgtEl>
+                </p:cond>
+              </p:nextCondLst>
+            </p:seq>
+          </p:childTnLst>
+        </p:cTn>
       </p:par>
     </p:tnLst>
   </p:timing>
@@ -8762,7 +9535,7 @@
       </p:sp>
       <p:pic>
         <p:nvPicPr>
-          <p:cNvPr id="6146" name="Picture 2"/>
+          <p:cNvPr id="2050" name="Picture 2"/>
           <p:cNvPicPr>
             <a:picLocks noChangeAspect="1" noChangeArrowheads="1"/>
           </p:cNvPicPr>
@@ -8783,8 +9556,8 @@
         </p:blipFill>
         <p:spPr bwMode="auto">
           <a:xfrm>
-            <a:off x="914400" y="1882553"/>
-            <a:ext cx="7467600" cy="4746847"/>
+            <a:off x="838200" y="1371600"/>
+            <a:ext cx="7269607" cy="5410201"/>
           </a:xfrm>
           <a:prstGeom prst="rect">
             <a:avLst/>
@@ -8861,9 +9634,36 @@
           <a:chExt cx="0" cy="0"/>
         </a:xfrm>
       </p:grpSpPr>
+      <p:sp>
+        <p:nvSpPr>
+          <p:cNvPr id="5" name="Title 1"/>
+          <p:cNvSpPr>
+            <a:spLocks noGrp="1"/>
+          </p:cNvSpPr>
+          <p:nvPr>
+            <p:ph type="title"/>
+          </p:nvPr>
+        </p:nvSpPr>
+        <p:spPr/>
+        <p:txBody>
+          <a:bodyPr/>
+          <a:lstStyle/>
+          <a:p>
+            <a:r>
+              <a:rPr lang="fr-FR" dirty="0" smtClean="0"/>
+              <a:t>Diagramme </a:t>
+            </a:r>
+            <a:r>
+              <a:rPr lang="fr-FR" smtClean="0"/>
+              <a:t>de déploiement</a:t>
+            </a:r>
+            <a:endParaRPr lang="fr-FR" dirty="0"/>
+          </a:p>
+        </p:txBody>
+      </p:sp>
       <p:pic>
         <p:nvPicPr>
-          <p:cNvPr id="7170" name="Picture 2"/>
+          <p:cNvPr id="1026" name="Picture 2"/>
           <p:cNvPicPr>
             <a:picLocks noChangeAspect="1" noChangeArrowheads="1"/>
           </p:cNvPicPr>
@@ -8884,8 +9684,8 @@
         </p:blipFill>
         <p:spPr bwMode="auto">
           <a:xfrm>
-            <a:off x="852488" y="1509176"/>
-            <a:ext cx="7605711" cy="5196424"/>
+            <a:off x="671513" y="1371600"/>
+            <a:ext cx="7710487" cy="5505450"/>
           </a:xfrm>
           <a:prstGeom prst="rect">
             <a:avLst/>
@@ -8925,33 +9725,6 @@
           </a:extLst>
         </p:spPr>
       </p:pic>
-      <p:sp>
-        <p:nvSpPr>
-          <p:cNvPr id="5" name="Title 1"/>
-          <p:cNvSpPr>
-            <a:spLocks noGrp="1"/>
-          </p:cNvSpPr>
-          <p:nvPr>
-            <p:ph type="title"/>
-          </p:nvPr>
-        </p:nvSpPr>
-        <p:spPr/>
-        <p:txBody>
-          <a:bodyPr/>
-          <a:lstStyle/>
-          <a:p>
-            <a:r>
-              <a:rPr lang="fr-FR" dirty="0" smtClean="0"/>
-              <a:t>Diagramme </a:t>
-            </a:r>
-            <a:r>
-              <a:rPr lang="fr-FR" smtClean="0"/>
-              <a:t>de déploiement</a:t>
-            </a:r>
-            <a:endParaRPr lang="fr-FR" dirty="0"/>
-          </a:p>
-        </p:txBody>
-      </p:sp>
     </p:spTree>
     <p:extLst>
       <p:ext uri="{BB962C8B-B14F-4D97-AF65-F5344CB8AC3E}">
@@ -12434,6 +13207,13 @@
   <p:clrMapOvr>
     <a:masterClrMapping/>
   </p:clrMapOvr>
+  <p:timing>
+    <p:tnLst>
+      <p:par>
+        <p:cTn id="1" dur="indefinite" restart="never" nodeType="tmRoot"/>
+      </p:par>
+    </p:tnLst>
+  </p:timing>
 </p:sld>
 </file>
 
@@ -12487,6 +13267,13 @@
   <p:clrMapOvr>
     <a:masterClrMapping/>
   </p:clrMapOvr>
+  <p:timing>
+    <p:tnLst>
+      <p:par>
+        <p:cTn id="1" dur="indefinite" restart="never" nodeType="tmRoot"/>
+      </p:par>
+    </p:tnLst>
+  </p:timing>
 </p:sld>
 </file>
 
@@ -12661,7 +13448,7 @@
       </p:sp>
       <p:pic>
         <p:nvPicPr>
-          <p:cNvPr id="1026" name="Picture 2"/>
+          <p:cNvPr id="3074" name="Picture 2"/>
           <p:cNvPicPr>
             <a:picLocks noChangeAspect="1" noChangeArrowheads="1"/>
           </p:cNvPicPr>
@@ -12682,8 +13469,8 @@
         </p:blipFill>
         <p:spPr bwMode="auto">
           <a:xfrm>
-            <a:off x="1447800" y="2000250"/>
-            <a:ext cx="5562600" cy="4248150"/>
+            <a:off x="1905000" y="1905000"/>
+            <a:ext cx="4827741" cy="3757612"/>
           </a:xfrm>
           <a:prstGeom prst="rect">
             <a:avLst/>
@@ -13080,7 +13867,7 @@
           <p:nvPr>
             <p:extLst>
               <p:ext uri="{D42A27DB-BD31-4B8C-83A1-F6EECF244321}">
-                <p14:modId xmlns:p14="http://schemas.microsoft.com/office/powerpoint/2010/main" val="1859683722"/>
+                <p14:modId xmlns:p14="http://schemas.microsoft.com/office/powerpoint/2010/main" val="3943238416"/>
               </p:ext>
             </p:extLst>
           </p:nvPr>
@@ -14138,8 +14925,8 @@
         </p:nvSpPr>
         <p:spPr>
           <a:xfrm>
-            <a:off x="4569178" y="1196752"/>
-            <a:ext cx="1270000" cy="899167"/>
+            <a:off x="4569178" y="1196753"/>
+            <a:ext cx="1270000" cy="899166"/>
           </a:xfrm>
           <a:prstGeom prst="rect">
             <a:avLst/>
@@ -14733,7 +15520,7 @@
       </p:sp>
       <p:sp>
         <p:nvSpPr>
-          <p:cNvPr id="31" name="Title 1"/>
+          <p:cNvPr id="30" name="Title 1"/>
           <p:cNvSpPr txBox="1">
             <a:spLocks/>
           </p:cNvSpPr>
@@ -14770,7 +15557,7 @@
           </a:lstStyle>
           <a:p>
             <a:r>
-              <a:rPr lang="fr-FR" smtClean="0"/>
+              <a:rPr lang="fr-FR" dirty="0" err="1" smtClean="0"/>
               <a:t>RoadMap</a:t>
             </a:r>
             <a:endParaRPr lang="fr-FR" dirty="0"/>
@@ -14780,7 +15567,7 @@
     </p:spTree>
     <p:extLst>
       <p:ext uri="{BB962C8B-B14F-4D97-AF65-F5344CB8AC3E}">
-        <p14:creationId xmlns:p14="http://schemas.microsoft.com/office/powerpoint/2010/main" val="1776463084"/>
+        <p14:creationId xmlns:p14="http://schemas.microsoft.com/office/powerpoint/2010/main" val="772982720"/>
       </p:ext>
     </p:extLst>
   </p:cSld>
@@ -14790,9 +15577,642 @@
   <p:timing>
     <p:tnLst>
       <p:par>
-        <p:cTn id="1" dur="indefinite" restart="never" nodeType="tmRoot"/>
+        <p:cTn id="1" dur="indefinite" restart="never" nodeType="tmRoot">
+          <p:childTnLst>
+            <p:seq concurrent="1" nextAc="seek">
+              <p:cTn id="2" dur="indefinite" nodeType="mainSeq">
+                <p:childTnLst>
+                  <p:par>
+                    <p:cTn id="3" fill="hold">
+                      <p:stCondLst>
+                        <p:cond delay="indefinite"/>
+                      </p:stCondLst>
+                      <p:childTnLst>
+                        <p:par>
+                          <p:cTn id="4" fill="hold">
+                            <p:stCondLst>
+                              <p:cond delay="0"/>
+                            </p:stCondLst>
+                            <p:childTnLst>
+                              <p:par>
+                                <p:cTn id="5" presetID="3" presetClass="entr" presetSubtype="10" fill="hold" grpId="0" nodeType="clickEffect">
+                                  <p:stCondLst>
+                                    <p:cond delay="0"/>
+                                  </p:stCondLst>
+                                  <p:childTnLst>
+                                    <p:set>
+                                      <p:cBhvr>
+                                        <p:cTn id="6" dur="1" fill="hold">
+                                          <p:stCondLst>
+                                            <p:cond delay="0"/>
+                                          </p:stCondLst>
+                                        </p:cTn>
+                                        <p:tgtEl>
+                                          <p:spTgt spid="36"/>
+                                        </p:tgtEl>
+                                        <p:attrNameLst>
+                                          <p:attrName>style.visibility</p:attrName>
+                                        </p:attrNameLst>
+                                      </p:cBhvr>
+                                      <p:to>
+                                        <p:strVal val="visible"/>
+                                      </p:to>
+                                    </p:set>
+                                    <p:animEffect transition="in" filter="blinds(horizontal)">
+                                      <p:cBhvr>
+                                        <p:cTn id="7" dur="500"/>
+                                        <p:tgtEl>
+                                          <p:spTgt spid="36"/>
+                                        </p:tgtEl>
+                                      </p:cBhvr>
+                                    </p:animEffect>
+                                  </p:childTnLst>
+                                </p:cTn>
+                              </p:par>
+                            </p:childTnLst>
+                          </p:cTn>
+                        </p:par>
+                      </p:childTnLst>
+                    </p:cTn>
+                  </p:par>
+                  <p:par>
+                    <p:cTn id="8" fill="hold">
+                      <p:stCondLst>
+                        <p:cond delay="indefinite"/>
+                      </p:stCondLst>
+                      <p:childTnLst>
+                        <p:par>
+                          <p:cTn id="9" fill="hold">
+                            <p:stCondLst>
+                              <p:cond delay="0"/>
+                            </p:stCondLst>
+                            <p:childTnLst>
+                              <p:par>
+                                <p:cTn id="10" presetID="3" presetClass="entr" presetSubtype="10" fill="hold" grpId="0" nodeType="clickEffect">
+                                  <p:stCondLst>
+                                    <p:cond delay="0"/>
+                                  </p:stCondLst>
+                                  <p:childTnLst>
+                                    <p:set>
+                                      <p:cBhvr>
+                                        <p:cTn id="11" dur="1" fill="hold">
+                                          <p:stCondLst>
+                                            <p:cond delay="0"/>
+                                          </p:stCondLst>
+                                        </p:cTn>
+                                        <p:tgtEl>
+                                          <p:spTgt spid="38"/>
+                                        </p:tgtEl>
+                                        <p:attrNameLst>
+                                          <p:attrName>style.visibility</p:attrName>
+                                        </p:attrNameLst>
+                                      </p:cBhvr>
+                                      <p:to>
+                                        <p:strVal val="visible"/>
+                                      </p:to>
+                                    </p:set>
+                                    <p:animEffect transition="in" filter="blinds(horizontal)">
+                                      <p:cBhvr>
+                                        <p:cTn id="12" dur="500"/>
+                                        <p:tgtEl>
+                                          <p:spTgt spid="38"/>
+                                        </p:tgtEl>
+                                      </p:cBhvr>
+                                    </p:animEffect>
+                                  </p:childTnLst>
+                                </p:cTn>
+                              </p:par>
+                            </p:childTnLst>
+                          </p:cTn>
+                        </p:par>
+                      </p:childTnLst>
+                    </p:cTn>
+                  </p:par>
+                  <p:par>
+                    <p:cTn id="13" fill="hold">
+                      <p:stCondLst>
+                        <p:cond delay="indefinite"/>
+                      </p:stCondLst>
+                      <p:childTnLst>
+                        <p:par>
+                          <p:cTn id="14" fill="hold">
+                            <p:stCondLst>
+                              <p:cond delay="0"/>
+                            </p:stCondLst>
+                            <p:childTnLst>
+                              <p:par>
+                                <p:cTn id="15" presetID="3" presetClass="entr" presetSubtype="10" fill="hold" grpId="0" nodeType="clickEffect">
+                                  <p:stCondLst>
+                                    <p:cond delay="0"/>
+                                  </p:stCondLst>
+                                  <p:childTnLst>
+                                    <p:set>
+                                      <p:cBhvr>
+                                        <p:cTn id="16" dur="1" fill="hold">
+                                          <p:stCondLst>
+                                            <p:cond delay="0"/>
+                                          </p:stCondLst>
+                                        </p:cTn>
+                                        <p:tgtEl>
+                                          <p:spTgt spid="33"/>
+                                        </p:tgtEl>
+                                        <p:attrNameLst>
+                                          <p:attrName>style.visibility</p:attrName>
+                                        </p:attrNameLst>
+                                      </p:cBhvr>
+                                      <p:to>
+                                        <p:strVal val="visible"/>
+                                      </p:to>
+                                    </p:set>
+                                    <p:animEffect transition="in" filter="blinds(horizontal)">
+                                      <p:cBhvr>
+                                        <p:cTn id="17" dur="500"/>
+                                        <p:tgtEl>
+                                          <p:spTgt spid="33"/>
+                                        </p:tgtEl>
+                                      </p:cBhvr>
+                                    </p:animEffect>
+                                  </p:childTnLst>
+                                </p:cTn>
+                              </p:par>
+                              <p:par>
+                                <p:cTn id="18" presetID="3" presetClass="entr" presetSubtype="10" fill="hold" nodeType="withEffect">
+                                  <p:stCondLst>
+                                    <p:cond delay="0"/>
+                                  </p:stCondLst>
+                                  <p:childTnLst>
+                                    <p:set>
+                                      <p:cBhvr>
+                                        <p:cTn id="19" dur="1" fill="hold">
+                                          <p:stCondLst>
+                                            <p:cond delay="0"/>
+                                          </p:stCondLst>
+                                        </p:cTn>
+                                        <p:tgtEl>
+                                          <p:spTgt spid="41"/>
+                                        </p:tgtEl>
+                                        <p:attrNameLst>
+                                          <p:attrName>style.visibility</p:attrName>
+                                        </p:attrNameLst>
+                                      </p:cBhvr>
+                                      <p:to>
+                                        <p:strVal val="visible"/>
+                                      </p:to>
+                                    </p:set>
+                                    <p:animEffect transition="in" filter="blinds(horizontal)">
+                                      <p:cBhvr>
+                                        <p:cTn id="20" dur="500"/>
+                                        <p:tgtEl>
+                                          <p:spTgt spid="41"/>
+                                        </p:tgtEl>
+                                      </p:cBhvr>
+                                    </p:animEffect>
+                                  </p:childTnLst>
+                                </p:cTn>
+                              </p:par>
+                              <p:par>
+                                <p:cTn id="21" presetID="3" presetClass="entr" presetSubtype="10" fill="hold" grpId="0" nodeType="withEffect">
+                                  <p:stCondLst>
+                                    <p:cond delay="0"/>
+                                  </p:stCondLst>
+                                  <p:childTnLst>
+                                    <p:set>
+                                      <p:cBhvr>
+                                        <p:cTn id="22" dur="1" fill="hold">
+                                          <p:stCondLst>
+                                            <p:cond delay="0"/>
+                                          </p:stCondLst>
+                                        </p:cTn>
+                                        <p:tgtEl>
+                                          <p:spTgt spid="39"/>
+                                        </p:tgtEl>
+                                        <p:attrNameLst>
+                                          <p:attrName>style.visibility</p:attrName>
+                                        </p:attrNameLst>
+                                      </p:cBhvr>
+                                      <p:to>
+                                        <p:strVal val="visible"/>
+                                      </p:to>
+                                    </p:set>
+                                    <p:animEffect transition="in" filter="blinds(horizontal)">
+                                      <p:cBhvr>
+                                        <p:cTn id="23" dur="500"/>
+                                        <p:tgtEl>
+                                          <p:spTgt spid="39"/>
+                                        </p:tgtEl>
+                                      </p:cBhvr>
+                                    </p:animEffect>
+                                  </p:childTnLst>
+                                </p:cTn>
+                              </p:par>
+                            </p:childTnLst>
+                          </p:cTn>
+                        </p:par>
+                      </p:childTnLst>
+                    </p:cTn>
+                  </p:par>
+                  <p:par>
+                    <p:cTn id="24" fill="hold">
+                      <p:stCondLst>
+                        <p:cond delay="indefinite"/>
+                      </p:stCondLst>
+                      <p:childTnLst>
+                        <p:par>
+                          <p:cTn id="25" fill="hold">
+                            <p:stCondLst>
+                              <p:cond delay="0"/>
+                            </p:stCondLst>
+                            <p:childTnLst>
+                              <p:par>
+                                <p:cTn id="26" presetID="3" presetClass="entr" presetSubtype="10" fill="hold" grpId="0" nodeType="clickEffect">
+                                  <p:stCondLst>
+                                    <p:cond delay="0"/>
+                                  </p:stCondLst>
+                                  <p:childTnLst>
+                                    <p:set>
+                                      <p:cBhvr>
+                                        <p:cTn id="27" dur="1" fill="hold">
+                                          <p:stCondLst>
+                                            <p:cond delay="0"/>
+                                          </p:stCondLst>
+                                        </p:cTn>
+                                        <p:tgtEl>
+                                          <p:spTgt spid="55"/>
+                                        </p:tgtEl>
+                                        <p:attrNameLst>
+                                          <p:attrName>style.visibility</p:attrName>
+                                        </p:attrNameLst>
+                                      </p:cBhvr>
+                                      <p:to>
+                                        <p:strVal val="visible"/>
+                                      </p:to>
+                                    </p:set>
+                                    <p:animEffect transition="in" filter="blinds(horizontal)">
+                                      <p:cBhvr>
+                                        <p:cTn id="28" dur="500"/>
+                                        <p:tgtEl>
+                                          <p:spTgt spid="55"/>
+                                        </p:tgtEl>
+                                      </p:cBhvr>
+                                    </p:animEffect>
+                                  </p:childTnLst>
+                                </p:cTn>
+                              </p:par>
+                              <p:par>
+                                <p:cTn id="29" presetID="3" presetClass="entr" presetSubtype="10" fill="hold" nodeType="withEffect">
+                                  <p:stCondLst>
+                                    <p:cond delay="0"/>
+                                  </p:stCondLst>
+                                  <p:childTnLst>
+                                    <p:set>
+                                      <p:cBhvr>
+                                        <p:cTn id="30" dur="1" fill="hold">
+                                          <p:stCondLst>
+                                            <p:cond delay="0"/>
+                                          </p:stCondLst>
+                                        </p:cTn>
+                                        <p:tgtEl>
+                                          <p:spTgt spid="59"/>
+                                        </p:tgtEl>
+                                        <p:attrNameLst>
+                                          <p:attrName>style.visibility</p:attrName>
+                                        </p:attrNameLst>
+                                      </p:cBhvr>
+                                      <p:to>
+                                        <p:strVal val="visible"/>
+                                      </p:to>
+                                    </p:set>
+                                    <p:animEffect transition="in" filter="blinds(horizontal)">
+                                      <p:cBhvr>
+                                        <p:cTn id="31" dur="500"/>
+                                        <p:tgtEl>
+                                          <p:spTgt spid="59"/>
+                                        </p:tgtEl>
+                                      </p:cBhvr>
+                                    </p:animEffect>
+                                  </p:childTnLst>
+                                </p:cTn>
+                              </p:par>
+                              <p:par>
+                                <p:cTn id="32" presetID="3" presetClass="entr" presetSubtype="10" fill="hold" grpId="0" nodeType="withEffect">
+                                  <p:stCondLst>
+                                    <p:cond delay="0"/>
+                                  </p:stCondLst>
+                                  <p:childTnLst>
+                                    <p:set>
+                                      <p:cBhvr>
+                                        <p:cTn id="33" dur="1" fill="hold">
+                                          <p:stCondLst>
+                                            <p:cond delay="0"/>
+                                          </p:stCondLst>
+                                        </p:cTn>
+                                        <p:tgtEl>
+                                          <p:spTgt spid="32"/>
+                                        </p:tgtEl>
+                                        <p:attrNameLst>
+                                          <p:attrName>style.visibility</p:attrName>
+                                        </p:attrNameLst>
+                                      </p:cBhvr>
+                                      <p:to>
+                                        <p:strVal val="visible"/>
+                                      </p:to>
+                                    </p:set>
+                                    <p:animEffect transition="in" filter="blinds(horizontal)">
+                                      <p:cBhvr>
+                                        <p:cTn id="34" dur="500"/>
+                                        <p:tgtEl>
+                                          <p:spTgt spid="32"/>
+                                        </p:tgtEl>
+                                      </p:cBhvr>
+                                    </p:animEffect>
+                                  </p:childTnLst>
+                                </p:cTn>
+                              </p:par>
+                            </p:childTnLst>
+                          </p:cTn>
+                        </p:par>
+                      </p:childTnLst>
+                    </p:cTn>
+                  </p:par>
+                  <p:par>
+                    <p:cTn id="35" fill="hold">
+                      <p:stCondLst>
+                        <p:cond delay="indefinite"/>
+                      </p:stCondLst>
+                      <p:childTnLst>
+                        <p:par>
+                          <p:cTn id="36" fill="hold">
+                            <p:stCondLst>
+                              <p:cond delay="0"/>
+                            </p:stCondLst>
+                            <p:childTnLst>
+                              <p:par>
+                                <p:cTn id="37" presetID="3" presetClass="entr" presetSubtype="10" fill="hold" nodeType="clickEffect">
+                                  <p:stCondLst>
+                                    <p:cond delay="0"/>
+                                  </p:stCondLst>
+                                  <p:childTnLst>
+                                    <p:set>
+                                      <p:cBhvr>
+                                        <p:cTn id="38" dur="1" fill="hold">
+                                          <p:stCondLst>
+                                            <p:cond delay="0"/>
+                                          </p:stCondLst>
+                                        </p:cTn>
+                                        <p:tgtEl>
+                                          <p:spTgt spid="61"/>
+                                        </p:tgtEl>
+                                        <p:attrNameLst>
+                                          <p:attrName>style.visibility</p:attrName>
+                                        </p:attrNameLst>
+                                      </p:cBhvr>
+                                      <p:to>
+                                        <p:strVal val="visible"/>
+                                      </p:to>
+                                    </p:set>
+                                    <p:animEffect transition="in" filter="blinds(horizontal)">
+                                      <p:cBhvr>
+                                        <p:cTn id="39" dur="500"/>
+                                        <p:tgtEl>
+                                          <p:spTgt spid="61"/>
+                                        </p:tgtEl>
+                                      </p:cBhvr>
+                                    </p:animEffect>
+                                  </p:childTnLst>
+                                </p:cTn>
+                              </p:par>
+                              <p:par>
+                                <p:cTn id="40" presetID="3" presetClass="entr" presetSubtype="10" fill="hold" grpId="0" nodeType="withEffect">
+                                  <p:stCondLst>
+                                    <p:cond delay="0"/>
+                                  </p:stCondLst>
+                                  <p:childTnLst>
+                                    <p:set>
+                                      <p:cBhvr>
+                                        <p:cTn id="41" dur="1" fill="hold">
+                                          <p:stCondLst>
+                                            <p:cond delay="0"/>
+                                          </p:stCondLst>
+                                        </p:cTn>
+                                        <p:tgtEl>
+                                          <p:spTgt spid="56"/>
+                                        </p:tgtEl>
+                                        <p:attrNameLst>
+                                          <p:attrName>style.visibility</p:attrName>
+                                        </p:attrNameLst>
+                                      </p:cBhvr>
+                                      <p:to>
+                                        <p:strVal val="visible"/>
+                                      </p:to>
+                                    </p:set>
+                                    <p:animEffect transition="in" filter="blinds(horizontal)">
+                                      <p:cBhvr>
+                                        <p:cTn id="42" dur="500"/>
+                                        <p:tgtEl>
+                                          <p:spTgt spid="56"/>
+                                        </p:tgtEl>
+                                      </p:cBhvr>
+                                    </p:animEffect>
+                                  </p:childTnLst>
+                                </p:cTn>
+                              </p:par>
+                              <p:par>
+                                <p:cTn id="43" presetID="3" presetClass="entr" presetSubtype="10" fill="hold" grpId="0" nodeType="withEffect">
+                                  <p:stCondLst>
+                                    <p:cond delay="0"/>
+                                  </p:stCondLst>
+                                  <p:childTnLst>
+                                    <p:set>
+                                      <p:cBhvr>
+                                        <p:cTn id="44" dur="1" fill="hold">
+                                          <p:stCondLst>
+                                            <p:cond delay="0"/>
+                                          </p:stCondLst>
+                                        </p:cTn>
+                                        <p:tgtEl>
+                                          <p:spTgt spid="34"/>
+                                        </p:tgtEl>
+                                        <p:attrNameLst>
+                                          <p:attrName>style.visibility</p:attrName>
+                                        </p:attrNameLst>
+                                      </p:cBhvr>
+                                      <p:to>
+                                        <p:strVal val="visible"/>
+                                      </p:to>
+                                    </p:set>
+                                    <p:animEffect transition="in" filter="blinds(horizontal)">
+                                      <p:cBhvr>
+                                        <p:cTn id="45" dur="500"/>
+                                        <p:tgtEl>
+                                          <p:spTgt spid="34"/>
+                                        </p:tgtEl>
+                                      </p:cBhvr>
+                                    </p:animEffect>
+                                  </p:childTnLst>
+                                </p:cTn>
+                              </p:par>
+                            </p:childTnLst>
+                          </p:cTn>
+                        </p:par>
+                      </p:childTnLst>
+                    </p:cTn>
+                  </p:par>
+                  <p:par>
+                    <p:cTn id="46" fill="hold">
+                      <p:stCondLst>
+                        <p:cond delay="indefinite"/>
+                      </p:stCondLst>
+                      <p:childTnLst>
+                        <p:par>
+                          <p:cTn id="47" fill="hold">
+                            <p:stCondLst>
+                              <p:cond delay="0"/>
+                            </p:stCondLst>
+                            <p:childTnLst>
+                              <p:par>
+                                <p:cTn id="48" presetID="3" presetClass="entr" presetSubtype="10" fill="hold" grpId="0" nodeType="clickEffect">
+                                  <p:stCondLst>
+                                    <p:cond delay="0"/>
+                                  </p:stCondLst>
+                                  <p:childTnLst>
+                                    <p:set>
+                                      <p:cBhvr>
+                                        <p:cTn id="49" dur="1" fill="hold">
+                                          <p:stCondLst>
+                                            <p:cond delay="0"/>
+                                          </p:stCondLst>
+                                        </p:cTn>
+                                        <p:tgtEl>
+                                          <p:spTgt spid="57"/>
+                                        </p:tgtEl>
+                                        <p:attrNameLst>
+                                          <p:attrName>style.visibility</p:attrName>
+                                        </p:attrNameLst>
+                                      </p:cBhvr>
+                                      <p:to>
+                                        <p:strVal val="visible"/>
+                                      </p:to>
+                                    </p:set>
+                                    <p:animEffect transition="in" filter="blinds(horizontal)">
+                                      <p:cBhvr>
+                                        <p:cTn id="50" dur="500"/>
+                                        <p:tgtEl>
+                                          <p:spTgt spid="57"/>
+                                        </p:tgtEl>
+                                      </p:cBhvr>
+                                    </p:animEffect>
+                                  </p:childTnLst>
+                                </p:cTn>
+                              </p:par>
+                              <p:par>
+                                <p:cTn id="51" presetID="3" presetClass="entr" presetSubtype="10" fill="hold" nodeType="withEffect">
+                                  <p:stCondLst>
+                                    <p:cond delay="0"/>
+                                  </p:stCondLst>
+                                  <p:childTnLst>
+                                    <p:set>
+                                      <p:cBhvr>
+                                        <p:cTn id="52" dur="1" fill="hold">
+                                          <p:stCondLst>
+                                            <p:cond delay="0"/>
+                                          </p:stCondLst>
+                                        </p:cTn>
+                                        <p:tgtEl>
+                                          <p:spTgt spid="63"/>
+                                        </p:tgtEl>
+                                        <p:attrNameLst>
+                                          <p:attrName>style.visibility</p:attrName>
+                                        </p:attrNameLst>
+                                      </p:cBhvr>
+                                      <p:to>
+                                        <p:strVal val="visible"/>
+                                      </p:to>
+                                    </p:set>
+                                    <p:animEffect transition="in" filter="blinds(horizontal)">
+                                      <p:cBhvr>
+                                        <p:cTn id="53" dur="500"/>
+                                        <p:tgtEl>
+                                          <p:spTgt spid="63"/>
+                                        </p:tgtEl>
+                                      </p:cBhvr>
+                                    </p:animEffect>
+                                  </p:childTnLst>
+                                </p:cTn>
+                              </p:par>
+                              <p:par>
+                                <p:cTn id="54" presetID="3" presetClass="entr" presetSubtype="10" fill="hold" grpId="0" nodeType="withEffect">
+                                  <p:stCondLst>
+                                    <p:cond delay="0"/>
+                                  </p:stCondLst>
+                                  <p:childTnLst>
+                                    <p:set>
+                                      <p:cBhvr>
+                                        <p:cTn id="55" dur="1" fill="hold">
+                                          <p:stCondLst>
+                                            <p:cond delay="0"/>
+                                          </p:stCondLst>
+                                        </p:cTn>
+                                        <p:tgtEl>
+                                          <p:spTgt spid="35"/>
+                                        </p:tgtEl>
+                                        <p:attrNameLst>
+                                          <p:attrName>style.visibility</p:attrName>
+                                        </p:attrNameLst>
+                                      </p:cBhvr>
+                                      <p:to>
+                                        <p:strVal val="visible"/>
+                                      </p:to>
+                                    </p:set>
+                                    <p:animEffect transition="in" filter="blinds(horizontal)">
+                                      <p:cBhvr>
+                                        <p:cTn id="56" dur="500"/>
+                                        <p:tgtEl>
+                                          <p:spTgt spid="35"/>
+                                        </p:tgtEl>
+                                      </p:cBhvr>
+                                    </p:animEffect>
+                                  </p:childTnLst>
+                                </p:cTn>
+                              </p:par>
+                            </p:childTnLst>
+                          </p:cTn>
+                        </p:par>
+                      </p:childTnLst>
+                    </p:cTn>
+                  </p:par>
+                </p:childTnLst>
+              </p:cTn>
+              <p:prevCondLst>
+                <p:cond evt="onPrev" delay="0">
+                  <p:tgtEl>
+                    <p:sldTgt/>
+                  </p:tgtEl>
+                </p:cond>
+              </p:prevCondLst>
+              <p:nextCondLst>
+                <p:cond evt="onNext" delay="0">
+                  <p:tgtEl>
+                    <p:sldTgt/>
+                  </p:tgtEl>
+                </p:cond>
+              </p:nextCondLst>
+            </p:seq>
+          </p:childTnLst>
+        </p:cTn>
       </p:par>
     </p:tnLst>
+    <p:bldLst>
+      <p:bldP spid="32" grpId="0" animBg="1"/>
+      <p:bldP spid="33" grpId="0" animBg="1"/>
+      <p:bldP spid="34" grpId="0" animBg="1"/>
+      <p:bldP spid="35" grpId="0" animBg="1"/>
+      <p:bldP spid="36" grpId="0" animBg="1"/>
+      <p:bldP spid="38" grpId="0" animBg="1"/>
+      <p:bldP spid="39" grpId="0" animBg="1"/>
+      <p:bldP spid="55" grpId="0" animBg="1"/>
+      <p:bldP spid="56" grpId="0" animBg="1"/>
+      <p:bldP spid="57" grpId="0" animBg="1"/>
+    </p:bldLst>
   </p:timing>
 </p:sld>
 </file>
@@ -14870,7 +16290,7 @@
     </p:spTree>
     <p:extLst>
       <p:ext uri="{BB962C8B-B14F-4D97-AF65-F5344CB8AC3E}">
-        <p14:creationId xmlns:p14="http://schemas.microsoft.com/office/powerpoint/2010/main" val="2212225671"/>
+        <p14:creationId xmlns:p14="http://schemas.microsoft.com/office/powerpoint/2010/main" val="1632595821"/>
       </p:ext>
     </p:extLst>
   </p:cSld>
@@ -14947,53 +16367,33 @@
           <a:bodyPr/>
           <a:lstStyle/>
           <a:p>
-            <a:pPr marL="457200" indent="-457200">
-              <a:buFont typeface="+mj-lt"/>
-              <a:buAutoNum type="arabicParenR"/>
-            </a:pPr>
             <a:r>
               <a:rPr lang="fr-FR" dirty="0" smtClean="0"/>
-              <a:t>Réunion après le comité de pilotage</a:t>
-            </a:r>
-          </a:p>
-          <a:p>
-            <a:pPr marL="457200" indent="-457200">
-              <a:buFont typeface="+mj-lt"/>
-              <a:buAutoNum type="arabicParenR"/>
-            </a:pPr>
+              <a:t>1-Réunion après le comité de pilotage</a:t>
+            </a:r>
+          </a:p>
+          <a:p>
             <a:r>
               <a:rPr lang="fr-FR" dirty="0" smtClean="0"/>
-              <a:t>Evaluation (remarques lors de comité)</a:t>
-            </a:r>
-          </a:p>
-          <a:p>
-            <a:pPr marL="457200" indent="-457200">
-              <a:buFont typeface="+mj-lt"/>
-              <a:buAutoNum type="arabicParenR"/>
-            </a:pPr>
+              <a:t>2-Evaluation (remarques lors de comité)</a:t>
+            </a:r>
+          </a:p>
+          <a:p>
             <a:r>
               <a:rPr lang="fr-FR" dirty="0" smtClean="0"/>
-              <a:t>Décomposition des fonctionnalités en US</a:t>
-            </a:r>
-          </a:p>
-          <a:p>
-            <a:pPr marL="457200" indent="-457200">
-              <a:buFont typeface="+mj-lt"/>
-              <a:buAutoNum type="arabicParenR"/>
-            </a:pPr>
+              <a:t>3-Décomposition des fonctionnalités en US</a:t>
+            </a:r>
+          </a:p>
+          <a:p>
             <a:r>
               <a:rPr lang="fr-FR" dirty="0" smtClean="0"/>
-              <a:t>Estimer la charge des US</a:t>
-            </a:r>
-          </a:p>
-          <a:p>
-            <a:pPr marL="457200" indent="-457200">
-              <a:buFont typeface="+mj-lt"/>
-              <a:buAutoNum type="arabicParenR"/>
-            </a:pPr>
+              <a:t>4-Estimer la charge des US</a:t>
+            </a:r>
+          </a:p>
+          <a:p>
             <a:r>
               <a:rPr lang="fr-FR" dirty="0" smtClean="0"/>
-              <a:t>Affecter les US aux itérations et aux membres de l’équipe (R1 contient 4 itération)</a:t>
+              <a:t>5-Affecter les US aux itérations et aux membres de l’équipe (R1 contient 4 itération)</a:t>
             </a:r>
           </a:p>
         </p:txBody>
@@ -15001,7 +16401,7 @@
     </p:spTree>
     <p:extLst>
       <p:ext uri="{BB962C8B-B14F-4D97-AF65-F5344CB8AC3E}">
-        <p14:creationId xmlns:p14="http://schemas.microsoft.com/office/powerpoint/2010/main" val="1659828952"/>
+        <p14:creationId xmlns:p14="http://schemas.microsoft.com/office/powerpoint/2010/main" val="3574730836"/>
       </p:ext>
     </p:extLst>
   </p:cSld>

--- a/trunk/Appli/Méthodologie/Général/Copil/Copil 1/VAL.pptx
+++ b/trunk/Appli/Méthodologie/Général/Copil/Copil 1/VAL.pptx
@@ -361,7 +361,7 @@
             <a:fld id="{B6F15528-21DE-4FAA-801E-634DDDAF4B2B}" type="slidenum">
               <a:rPr lang="en-US" smtClean="0"/>
               <a:pPr/>
-              <a:t>‹#›</a:t>
+              <a:t>‹N°›</a:t>
             </a:fld>
             <a:endParaRPr lang="en-US"/>
           </a:p>
@@ -563,7 +563,7 @@
             <a:fld id="{B6F15528-21DE-4FAA-801E-634DDDAF4B2B}" type="slidenum">
               <a:rPr lang="en-US" smtClean="0"/>
               <a:pPr/>
-              <a:t>‹#›</a:t>
+              <a:t>‹N°›</a:t>
             </a:fld>
             <a:endParaRPr lang="en-US"/>
           </a:p>
@@ -740,7 +740,7 @@
             <a:fld id="{B6F15528-21DE-4FAA-801E-634DDDAF4B2B}" type="slidenum">
               <a:rPr lang="en-US" smtClean="0"/>
               <a:pPr/>
-              <a:t>‹#›</a:t>
+              <a:t>‹N°›</a:t>
             </a:fld>
             <a:endParaRPr lang="en-US"/>
           </a:p>
@@ -907,7 +907,7 @@
             <a:fld id="{B6F15528-21DE-4FAA-801E-634DDDAF4B2B}" type="slidenum">
               <a:rPr lang="en-US" smtClean="0"/>
               <a:pPr/>
-              <a:t>‹#›</a:t>
+              <a:t>‹N°›</a:t>
             </a:fld>
             <a:endParaRPr lang="en-US"/>
           </a:p>
@@ -1157,7 +1157,7 @@
             <a:fld id="{B6F15528-21DE-4FAA-801E-634DDDAF4B2B}" type="slidenum">
               <a:rPr lang="en-US" smtClean="0"/>
               <a:pPr/>
-              <a:t>‹#›</a:t>
+              <a:t>‹N°›</a:t>
             </a:fld>
             <a:endParaRPr lang="en-US"/>
           </a:p>
@@ -1477,7 +1477,7 @@
             <a:fld id="{B6F15528-21DE-4FAA-801E-634DDDAF4B2B}" type="slidenum">
               <a:rPr lang="en-US" smtClean="0"/>
               <a:pPr/>
-              <a:t>‹#›</a:t>
+              <a:t>‹N°›</a:t>
             </a:fld>
             <a:endParaRPr lang="en-US"/>
           </a:p>
@@ -1945,7 +1945,7 @@
             <a:fld id="{B6F15528-21DE-4FAA-801E-634DDDAF4B2B}" type="slidenum">
               <a:rPr lang="en-US" smtClean="0"/>
               <a:pPr/>
-              <a:t>‹#›</a:t>
+              <a:t>‹N°›</a:t>
             </a:fld>
             <a:endParaRPr lang="en-US"/>
           </a:p>
@@ -2095,7 +2095,7 @@
             <a:fld id="{B6F15528-21DE-4FAA-801E-634DDDAF4B2B}" type="slidenum">
               <a:rPr lang="en-US" smtClean="0"/>
               <a:pPr/>
-              <a:t>‹#›</a:t>
+              <a:t>‹N°›</a:t>
             </a:fld>
             <a:endParaRPr lang="en-US"/>
           </a:p>
@@ -2187,7 +2187,7 @@
             <a:fld id="{B6F15528-21DE-4FAA-801E-634DDDAF4B2B}" type="slidenum">
               <a:rPr lang="en-US" smtClean="0"/>
               <a:pPr/>
-              <a:t>‹#›</a:t>
+              <a:t>‹N°›</a:t>
             </a:fld>
             <a:endParaRPr lang="en-US"/>
           </a:p>
@@ -2463,7 +2463,7 @@
             <a:fld id="{B6F15528-21DE-4FAA-801E-634DDDAF4B2B}" type="slidenum">
               <a:rPr lang="en-US" smtClean="0"/>
               <a:pPr/>
-              <a:t>‹#›</a:t>
+              <a:t>‹N°›</a:t>
             </a:fld>
             <a:endParaRPr lang="en-US"/>
           </a:p>
@@ -2770,7 +2770,7 @@
             <a:fld id="{B6F15528-21DE-4FAA-801E-634DDDAF4B2B}" type="slidenum">
               <a:rPr lang="en-US" smtClean="0"/>
               <a:pPr/>
-              <a:t>‹#›</a:t>
+              <a:t>‹N°›</a:t>
             </a:fld>
             <a:endParaRPr lang="en-US"/>
           </a:p>
@@ -3102,7 +3102,7 @@
             <a:fld id="{B6F15528-21DE-4FAA-801E-634DDDAF4B2B}" type="slidenum">
               <a:rPr lang="en-US" smtClean="0"/>
               <a:pPr/>
-              <a:t>‹#›</a:t>
+              <a:t>‹N°›</a:t>
             </a:fld>
             <a:endParaRPr lang="en-US"/>
           </a:p>
@@ -8621,15 +8621,7 @@
           <a:p>
             <a:r>
               <a:rPr lang="fr-FR" dirty="0" smtClean="0"/>
-              <a:t>Langage de </a:t>
-            </a:r>
-            <a:r>
-              <a:rPr lang="fr-FR" dirty="0" smtClean="0"/>
-              <a:t>programmation : </a:t>
-            </a:r>
-            <a:r>
-              <a:rPr lang="fr-FR" dirty="0" smtClean="0"/>
-              <a:t>JAVA</a:t>
+              <a:t>Langage de programmation : JAVA</a:t>
             </a:r>
           </a:p>
           <a:p>
@@ -8641,11 +8633,7 @@
           <a:p>
             <a:r>
               <a:rPr lang="fr-FR" dirty="0" smtClean="0"/>
-              <a:t>Système d’exploitation : </a:t>
-            </a:r>
-            <a:r>
-              <a:rPr lang="fr-FR" dirty="0" smtClean="0"/>
-              <a:t>Windows</a:t>
+              <a:t>Système d’exploitation : Windows</a:t>
             </a:r>
           </a:p>
           <a:p>
@@ -8687,11 +8675,7 @@
           <a:p>
             <a:r>
               <a:rPr lang="fr-FR" dirty="0" smtClean="0"/>
-              <a:t>Temps </a:t>
-            </a:r>
-            <a:r>
-              <a:rPr lang="fr-FR" dirty="0" smtClean="0"/>
-              <a:t>Réel : </a:t>
+              <a:t>Temps Réel : </a:t>
             </a:r>
             <a:r>
               <a:rPr lang="fr-FR" dirty="0" err="1" smtClean="0"/>
@@ -13448,7 +13432,7 @@
       </p:sp>
       <p:pic>
         <p:nvPicPr>
-          <p:cNvPr id="3074" name="Picture 2"/>
+          <p:cNvPr id="1026" name="Picture 2"/>
           <p:cNvPicPr>
             <a:picLocks noChangeAspect="1" noChangeArrowheads="1"/>
           </p:cNvPicPr>
@@ -13469,8 +13453,8 @@
         </p:blipFill>
         <p:spPr bwMode="auto">
           <a:xfrm>
-            <a:off x="1905000" y="1905000"/>
-            <a:ext cx="4827741" cy="3757612"/>
+            <a:off x="990600" y="2000250"/>
+            <a:ext cx="6705600" cy="4171950"/>
           </a:xfrm>
           <a:prstGeom prst="rect">
             <a:avLst/>

--- a/trunk/Appli/Méthodologie/Général/Copil/Copil 1/VAL.pptx
+++ b/trunk/Appli/Méthodologie/Général/Copil/Copil 1/VAL.pptx
@@ -3474,7 +3474,7 @@
     </p:spTree>
     <p:extLst>
       <p:ext uri="{BB962C8B-B14F-4D97-AF65-F5344CB8AC3E}">
-        <p14:creationId xmlns:p14="http://schemas.microsoft.com/office/powerpoint/2010/main" val="3992780646"/>
+        <p14:creationId xmlns:p14="http://schemas.microsoft.com/office/powerpoint/2010/main" xmlns="" val="3992780646"/>
       </p:ext>
     </p:extLst>
   </p:cSld>
@@ -3540,10 +3540,10 @@
           <p:nvPr/>
         </p:nvPicPr>
         <p:blipFill>
-          <a:blip r:embed="rId2">
+          <a:blip r:embed="rId2" cstate="print">
             <a:extLst>
               <a:ext uri="{28A0092B-C50C-407E-A947-70E740481C1C}">
-                <a14:useLocalDpi xmlns:a14="http://schemas.microsoft.com/office/drawing/2010/main" val="0"/>
+                <a14:useLocalDpi xmlns:a14="http://schemas.microsoft.com/office/drawing/2010/main" xmlns="" val="0"/>
               </a:ext>
             </a:extLst>
           </a:blip>
@@ -3567,14 +3567,14 @@
           <a:effectLst/>
           <a:extLst>
             <a:ext uri="{909E8E84-426E-40DD-AFC4-6F175D3DCCD1}">
-              <a14:hiddenFill xmlns:a14="http://schemas.microsoft.com/office/drawing/2010/main">
+              <a14:hiddenFill xmlns:a14="http://schemas.microsoft.com/office/drawing/2010/main" xmlns="">
                 <a:solidFill>
                   <a:schemeClr val="accent1"/>
                 </a:solidFill>
               </a14:hiddenFill>
             </a:ext>
             <a:ext uri="{91240B29-F687-4F45-9708-019B960494DF}">
-              <a14:hiddenLine xmlns:a14="http://schemas.microsoft.com/office/drawing/2010/main" w="9525">
+              <a14:hiddenLine xmlns:a14="http://schemas.microsoft.com/office/drawing/2010/main" xmlns="" w="9525">
                 <a:solidFill>
                   <a:schemeClr val="tx1"/>
                 </a:solidFill>
@@ -3584,7 +3584,7 @@
               </a14:hiddenLine>
             </a:ext>
             <a:ext uri="{AF507438-7753-43E0-B8FC-AC1667EBCBE1}">
-              <a14:hiddenEffects xmlns:a14="http://schemas.microsoft.com/office/drawing/2010/main">
+              <a14:hiddenEffects xmlns:a14="http://schemas.microsoft.com/office/drawing/2010/main" xmlns="">
                 <a:effectLst>
                   <a:outerShdw dist="35921" dir="2700000" algn="ctr" rotWithShape="0">
                     <a:schemeClr val="bg2"/>
@@ -3598,7 +3598,7 @@
     </p:spTree>
     <p:extLst>
       <p:ext uri="{BB962C8B-B14F-4D97-AF65-F5344CB8AC3E}">
-        <p14:creationId xmlns:p14="http://schemas.microsoft.com/office/powerpoint/2010/main" val="340587284"/>
+        <p14:creationId xmlns:p14="http://schemas.microsoft.com/office/powerpoint/2010/main" xmlns="" val="340587284"/>
       </p:ext>
     </p:extLst>
   </p:cSld>
@@ -3664,10 +3664,10 @@
           <p:nvPr/>
         </p:nvPicPr>
         <p:blipFill>
-          <a:blip r:embed="rId2">
+          <a:blip r:embed="rId2" cstate="print">
             <a:extLst>
               <a:ext uri="{28A0092B-C50C-407E-A947-70E740481C1C}">
-                <a14:useLocalDpi xmlns:a14="http://schemas.microsoft.com/office/drawing/2010/main" val="0"/>
+                <a14:useLocalDpi xmlns:a14="http://schemas.microsoft.com/office/drawing/2010/main" xmlns="" val="0"/>
               </a:ext>
             </a:extLst>
           </a:blip>
@@ -3687,7 +3687,7 @@
           <a:noFill/>
           <a:extLst>
             <a:ext uri="{909E8E84-426E-40DD-AFC4-6F175D3DCCD1}">
-              <a14:hiddenFill xmlns:a14="http://schemas.microsoft.com/office/drawing/2010/main">
+              <a14:hiddenFill xmlns:a14="http://schemas.microsoft.com/office/drawing/2010/main" xmlns="">
                 <a:solidFill>
                   <a:srgbClr val="FFFFFF"/>
                 </a:solidFill>
@@ -3699,7 +3699,7 @@
     </p:spTree>
     <p:extLst>
       <p:ext uri="{BB962C8B-B14F-4D97-AF65-F5344CB8AC3E}">
-        <p14:creationId xmlns:p14="http://schemas.microsoft.com/office/powerpoint/2010/main" val="4292440096"/>
+        <p14:creationId xmlns:p14="http://schemas.microsoft.com/office/powerpoint/2010/main" xmlns="" val="4292440096"/>
       </p:ext>
     </p:extLst>
   </p:cSld>
@@ -3772,7 +3772,7 @@
           <p:nvPr>
             <p:extLst>
               <p:ext uri="{D42A27DB-BD31-4B8C-83A1-F6EECF244321}">
-                <p14:modId xmlns:p14="http://schemas.microsoft.com/office/powerpoint/2010/main" val="1117665806"/>
+                <p14:modId xmlns:p14="http://schemas.microsoft.com/office/powerpoint/2010/main" xmlns="" val="1117665806"/>
               </p:ext>
             </p:extLst>
           </p:nvPr>
@@ -6775,7 +6775,7 @@
     </p:spTree>
     <p:extLst>
       <p:ext uri="{BB962C8B-B14F-4D97-AF65-F5344CB8AC3E}">
-        <p14:creationId xmlns:p14="http://schemas.microsoft.com/office/powerpoint/2010/main" val="3388311297"/>
+        <p14:creationId xmlns:p14="http://schemas.microsoft.com/office/powerpoint/2010/main" xmlns="" val="3388311297"/>
       </p:ext>
     </p:extLst>
   </p:cSld>
@@ -6819,7 +6819,7 @@
             <p:ph idx="1"/>
             <p:extLst>
               <p:ext uri="{D42A27DB-BD31-4B8C-83A1-F6EECF244321}">
-                <p14:modId xmlns:p14="http://schemas.microsoft.com/office/powerpoint/2010/main" val="1037633673"/>
+                <p14:modId xmlns:p14="http://schemas.microsoft.com/office/powerpoint/2010/main" xmlns="" val="1037633673"/>
               </p:ext>
             </p:extLst>
           </p:nvPr>
@@ -8565,7 +8565,7 @@
     </p:spTree>
     <p:extLst>
       <p:ext uri="{BB962C8B-B14F-4D97-AF65-F5344CB8AC3E}">
-        <p14:creationId xmlns:p14="http://schemas.microsoft.com/office/powerpoint/2010/main" val="1660990754"/>
+        <p14:creationId xmlns:p14="http://schemas.microsoft.com/office/powerpoint/2010/main" xmlns="" val="1660990754"/>
       </p:ext>
     </p:extLst>
   </p:cSld>
@@ -8716,7 +8716,7 @@
     </p:spTree>
     <p:extLst>
       <p:ext uri="{BB962C8B-B14F-4D97-AF65-F5344CB8AC3E}">
-        <p14:creationId xmlns:p14="http://schemas.microsoft.com/office/powerpoint/2010/main" val="1259481295"/>
+        <p14:creationId xmlns:p14="http://schemas.microsoft.com/office/powerpoint/2010/main" xmlns="" val="1259481295"/>
       </p:ext>
     </p:extLst>
   </p:cSld>
@@ -9526,10 +9526,10 @@
           <p:nvPr/>
         </p:nvPicPr>
         <p:blipFill>
-          <a:blip r:embed="rId2">
+          <a:blip r:embed="rId2" cstate="print">
             <a:extLst>
               <a:ext uri="{28A0092B-C50C-407E-A947-70E740481C1C}">
-                <a14:useLocalDpi xmlns:a14="http://schemas.microsoft.com/office/drawing/2010/main" val="0"/>
+                <a14:useLocalDpi xmlns:a14="http://schemas.microsoft.com/office/drawing/2010/main" xmlns="" val="0"/>
               </a:ext>
             </a:extLst>
           </a:blip>
@@ -9553,14 +9553,14 @@
           <a:effectLst/>
           <a:extLst>
             <a:ext uri="{909E8E84-426E-40DD-AFC4-6F175D3DCCD1}">
-              <a14:hiddenFill xmlns:a14="http://schemas.microsoft.com/office/drawing/2010/main">
+              <a14:hiddenFill xmlns:a14="http://schemas.microsoft.com/office/drawing/2010/main" xmlns="">
                 <a:solidFill>
                   <a:schemeClr val="accent1"/>
                 </a:solidFill>
               </a14:hiddenFill>
             </a:ext>
             <a:ext uri="{91240B29-F687-4F45-9708-019B960494DF}">
-              <a14:hiddenLine xmlns:a14="http://schemas.microsoft.com/office/drawing/2010/main" w="9525">
+              <a14:hiddenLine xmlns:a14="http://schemas.microsoft.com/office/drawing/2010/main" xmlns="" w="9525">
                 <a:solidFill>
                   <a:schemeClr val="tx1"/>
                 </a:solidFill>
@@ -9570,7 +9570,7 @@
               </a14:hiddenLine>
             </a:ext>
             <a:ext uri="{AF507438-7753-43E0-B8FC-AC1667EBCBE1}">
-              <a14:hiddenEffects xmlns:a14="http://schemas.microsoft.com/office/drawing/2010/main">
+              <a14:hiddenEffects xmlns:a14="http://schemas.microsoft.com/office/drawing/2010/main" xmlns="">
                 <a:effectLst>
                   <a:outerShdw dist="35921" dir="2700000" algn="ctr" rotWithShape="0">
                     <a:schemeClr val="bg2"/>
@@ -9584,7 +9584,7 @@
     </p:spTree>
     <p:extLst>
       <p:ext uri="{BB962C8B-B14F-4D97-AF65-F5344CB8AC3E}">
-        <p14:creationId xmlns:p14="http://schemas.microsoft.com/office/powerpoint/2010/main" val="2043196274"/>
+        <p14:creationId xmlns:p14="http://schemas.microsoft.com/office/powerpoint/2010/main" xmlns="" val="2043196274"/>
       </p:ext>
     </p:extLst>
   </p:cSld>
@@ -9654,10 +9654,10 @@
           <p:nvPr/>
         </p:nvPicPr>
         <p:blipFill>
-          <a:blip r:embed="rId2">
+          <a:blip r:embed="rId2" cstate="print">
             <a:extLst>
               <a:ext uri="{28A0092B-C50C-407E-A947-70E740481C1C}">
-                <a14:useLocalDpi xmlns:a14="http://schemas.microsoft.com/office/drawing/2010/main" val="0"/>
+                <a14:useLocalDpi xmlns:a14="http://schemas.microsoft.com/office/drawing/2010/main" xmlns="" val="0"/>
               </a:ext>
             </a:extLst>
           </a:blip>
@@ -9681,14 +9681,14 @@
           <a:effectLst/>
           <a:extLst>
             <a:ext uri="{909E8E84-426E-40DD-AFC4-6F175D3DCCD1}">
-              <a14:hiddenFill xmlns:a14="http://schemas.microsoft.com/office/drawing/2010/main">
+              <a14:hiddenFill xmlns:a14="http://schemas.microsoft.com/office/drawing/2010/main" xmlns="">
                 <a:solidFill>
                   <a:schemeClr val="accent1"/>
                 </a:solidFill>
               </a14:hiddenFill>
             </a:ext>
             <a:ext uri="{91240B29-F687-4F45-9708-019B960494DF}">
-              <a14:hiddenLine xmlns:a14="http://schemas.microsoft.com/office/drawing/2010/main" w="9525">
+              <a14:hiddenLine xmlns:a14="http://schemas.microsoft.com/office/drawing/2010/main" xmlns="" w="9525">
                 <a:solidFill>
                   <a:schemeClr val="tx1"/>
                 </a:solidFill>
@@ -9698,7 +9698,7 @@
               </a14:hiddenLine>
             </a:ext>
             <a:ext uri="{AF507438-7753-43E0-B8FC-AC1667EBCBE1}">
-              <a14:hiddenEffects xmlns:a14="http://schemas.microsoft.com/office/drawing/2010/main">
+              <a14:hiddenEffects xmlns:a14="http://schemas.microsoft.com/office/drawing/2010/main" xmlns="">
                 <a:effectLst>
                   <a:outerShdw dist="35921" dir="2700000" algn="ctr" rotWithShape="0">
                     <a:schemeClr val="bg2"/>
@@ -9712,7 +9712,7 @@
     </p:spTree>
     <p:extLst>
       <p:ext uri="{BB962C8B-B14F-4D97-AF65-F5344CB8AC3E}">
-        <p14:creationId xmlns:p14="http://schemas.microsoft.com/office/powerpoint/2010/main" val="349231435"/>
+        <p14:creationId xmlns:p14="http://schemas.microsoft.com/office/powerpoint/2010/main" xmlns="" val="349231435"/>
       </p:ext>
     </p:extLst>
   </p:cSld>
@@ -9778,10 +9778,10 @@
           <p:nvPr/>
         </p:nvPicPr>
         <p:blipFill>
-          <a:blip r:embed="rId2">
+          <a:blip r:embed="rId2" cstate="print">
             <a:extLst>
               <a:ext uri="{28A0092B-C50C-407E-A947-70E740481C1C}">
-                <a14:useLocalDpi xmlns:a14="http://schemas.microsoft.com/office/drawing/2010/main" val="0"/>
+                <a14:useLocalDpi xmlns:a14="http://schemas.microsoft.com/office/drawing/2010/main" xmlns="" val="0"/>
               </a:ext>
             </a:extLst>
           </a:blip>
@@ -9808,10 +9808,10 @@
           <p:nvPr/>
         </p:nvPicPr>
         <p:blipFill>
-          <a:blip r:embed="rId2">
+          <a:blip r:embed="rId2" cstate="print">
             <a:extLst>
               <a:ext uri="{28A0092B-C50C-407E-A947-70E740481C1C}">
-                <a14:useLocalDpi xmlns:a14="http://schemas.microsoft.com/office/drawing/2010/main" val="0"/>
+                <a14:useLocalDpi xmlns:a14="http://schemas.microsoft.com/office/drawing/2010/main" xmlns="" val="0"/>
               </a:ext>
             </a:extLst>
           </a:blip>
@@ -9838,10 +9838,10 @@
           <p:nvPr/>
         </p:nvPicPr>
         <p:blipFill>
-          <a:blip r:embed="rId3">
+          <a:blip r:embed="rId3" cstate="print">
             <a:extLst>
               <a:ext uri="{28A0092B-C50C-407E-A947-70E740481C1C}">
-                <a14:useLocalDpi xmlns:a14="http://schemas.microsoft.com/office/drawing/2010/main" val="0"/>
+                <a14:useLocalDpi xmlns:a14="http://schemas.microsoft.com/office/drawing/2010/main" xmlns="" val="0"/>
               </a:ext>
             </a:extLst>
           </a:blip>
@@ -9868,10 +9868,10 @@
           <p:nvPr/>
         </p:nvPicPr>
         <p:blipFill>
-          <a:blip r:embed="rId3">
+          <a:blip r:embed="rId3" cstate="print">
             <a:extLst>
               <a:ext uri="{28A0092B-C50C-407E-A947-70E740481C1C}">
-                <a14:useLocalDpi xmlns:a14="http://schemas.microsoft.com/office/drawing/2010/main" val="0"/>
+                <a14:useLocalDpi xmlns:a14="http://schemas.microsoft.com/office/drawing/2010/main" xmlns="" val="0"/>
               </a:ext>
             </a:extLst>
           </a:blip>
@@ -9898,10 +9898,10 @@
           <p:nvPr/>
         </p:nvPicPr>
         <p:blipFill>
-          <a:blip r:embed="rId3">
+          <a:blip r:embed="rId3" cstate="print">
             <a:extLst>
               <a:ext uri="{28A0092B-C50C-407E-A947-70E740481C1C}">
-                <a14:useLocalDpi xmlns:a14="http://schemas.microsoft.com/office/drawing/2010/main" val="0"/>
+                <a14:useLocalDpi xmlns:a14="http://schemas.microsoft.com/office/drawing/2010/main" xmlns="" val="0"/>
               </a:ext>
             </a:extLst>
           </a:blip>
@@ -9928,10 +9928,10 @@
           <p:nvPr/>
         </p:nvPicPr>
         <p:blipFill>
-          <a:blip r:embed="rId3">
+          <a:blip r:embed="rId3" cstate="print">
             <a:extLst>
               <a:ext uri="{28A0092B-C50C-407E-A947-70E740481C1C}">
-                <a14:useLocalDpi xmlns:a14="http://schemas.microsoft.com/office/drawing/2010/main" val="0"/>
+                <a14:useLocalDpi xmlns:a14="http://schemas.microsoft.com/office/drawing/2010/main" xmlns="" val="0"/>
               </a:ext>
             </a:extLst>
           </a:blip>
@@ -10687,10 +10687,10 @@
           <p:nvPr/>
         </p:nvPicPr>
         <p:blipFill>
-          <a:blip r:embed="rId4">
+          <a:blip r:embed="rId4" cstate="print">
             <a:extLst>
               <a:ext uri="{28A0092B-C50C-407E-A947-70E740481C1C}">
-                <a14:useLocalDpi xmlns:a14="http://schemas.microsoft.com/office/drawing/2010/main" val="0"/>
+                <a14:useLocalDpi xmlns:a14="http://schemas.microsoft.com/office/drawing/2010/main" xmlns="" val="0"/>
               </a:ext>
             </a:extLst>
           </a:blip>
@@ -10720,7 +10720,7 @@
           <a:blip r:embed="rId5" cstate="print">
             <a:extLst>
               <a:ext uri="{28A0092B-C50C-407E-A947-70E740481C1C}">
-                <a14:useLocalDpi xmlns:a14="http://schemas.microsoft.com/office/drawing/2010/main" val="0"/>
+                <a14:useLocalDpi xmlns:a14="http://schemas.microsoft.com/office/drawing/2010/main" xmlns="" val="0"/>
               </a:ext>
             </a:extLst>
           </a:blip>
@@ -10750,7 +10750,7 @@
           <a:blip r:embed="rId6" cstate="print">
             <a:extLst>
               <a:ext uri="{28A0092B-C50C-407E-A947-70E740481C1C}">
-                <a14:useLocalDpi xmlns:a14="http://schemas.microsoft.com/office/drawing/2010/main" val="0"/>
+                <a14:useLocalDpi xmlns:a14="http://schemas.microsoft.com/office/drawing/2010/main" xmlns="" val="0"/>
               </a:ext>
             </a:extLst>
           </a:blip>
@@ -10853,10 +10853,10 @@
           <p:nvPr/>
         </p:nvPicPr>
         <p:blipFill>
-          <a:blip r:embed="rId7">
+          <a:blip r:embed="rId7" cstate="print">
             <a:extLst>
               <a:ext uri="{28A0092B-C50C-407E-A947-70E740481C1C}">
-                <a14:useLocalDpi xmlns:a14="http://schemas.microsoft.com/office/drawing/2010/main" val="0"/>
+                <a14:useLocalDpi xmlns:a14="http://schemas.microsoft.com/office/drawing/2010/main" xmlns="" val="0"/>
               </a:ext>
             </a:extLst>
           </a:blip>
@@ -10963,10 +10963,10 @@
           <p:nvPr/>
         </p:nvPicPr>
         <p:blipFill>
-          <a:blip r:embed="rId8">
+          <a:blip r:embed="rId8" cstate="print">
             <a:extLst>
               <a:ext uri="{28A0092B-C50C-407E-A947-70E740481C1C}">
-                <a14:useLocalDpi xmlns:a14="http://schemas.microsoft.com/office/drawing/2010/main" val="0"/>
+                <a14:useLocalDpi xmlns:a14="http://schemas.microsoft.com/office/drawing/2010/main" xmlns="" val="0"/>
               </a:ext>
             </a:extLst>
           </a:blip>
@@ -10990,14 +10990,14 @@
           <a:effectLst/>
           <a:extLst>
             <a:ext uri="{909E8E84-426E-40DD-AFC4-6F175D3DCCD1}">
-              <a14:hiddenFill xmlns:a14="http://schemas.microsoft.com/office/drawing/2010/main">
+              <a14:hiddenFill xmlns:a14="http://schemas.microsoft.com/office/drawing/2010/main" xmlns="">
                 <a:solidFill>
                   <a:schemeClr val="accent1"/>
                 </a:solidFill>
               </a14:hiddenFill>
             </a:ext>
             <a:ext uri="{91240B29-F687-4F45-9708-019B960494DF}">
-              <a14:hiddenLine xmlns:a14="http://schemas.microsoft.com/office/drawing/2010/main" w="9525">
+              <a14:hiddenLine xmlns:a14="http://schemas.microsoft.com/office/drawing/2010/main" xmlns="" w="9525">
                 <a:solidFill>
                   <a:schemeClr val="tx1"/>
                 </a:solidFill>
@@ -11007,7 +11007,7 @@
               </a14:hiddenLine>
             </a:ext>
             <a:ext uri="{AF507438-7753-43E0-B8FC-AC1667EBCBE1}">
-              <a14:hiddenEffects xmlns:a14="http://schemas.microsoft.com/office/drawing/2010/main">
+              <a14:hiddenEffects xmlns:a14="http://schemas.microsoft.com/office/drawing/2010/main" xmlns="">
                 <a:effectLst>
                   <a:outerShdw dist="35921" dir="2700000" algn="ctr" rotWithShape="0">
                     <a:schemeClr val="bg2"/>
@@ -11021,7 +11021,7 @@
     </p:spTree>
     <p:extLst>
       <p:ext uri="{BB962C8B-B14F-4D97-AF65-F5344CB8AC3E}">
-        <p14:creationId xmlns:p14="http://schemas.microsoft.com/office/powerpoint/2010/main" val="2609155689"/>
+        <p14:creationId xmlns:p14="http://schemas.microsoft.com/office/powerpoint/2010/main" xmlns="" val="2609155689"/>
       </p:ext>
     </p:extLst>
   </p:cSld>
@@ -11087,10 +11087,10 @@
           <p:nvPr/>
         </p:nvPicPr>
         <p:blipFill>
-          <a:blip r:embed="rId2">
+          <a:blip r:embed="rId2" cstate="print">
             <a:extLst>
               <a:ext uri="{28A0092B-C50C-407E-A947-70E740481C1C}">
-                <a14:useLocalDpi xmlns:a14="http://schemas.microsoft.com/office/drawing/2010/main" val="0"/>
+                <a14:useLocalDpi xmlns:a14="http://schemas.microsoft.com/office/drawing/2010/main" xmlns="" val="0"/>
               </a:ext>
             </a:extLst>
           </a:blip>
@@ -11110,7 +11110,7 @@
           <a:noFill/>
           <a:extLst>
             <a:ext uri="{909E8E84-426E-40DD-AFC4-6F175D3DCCD1}">
-              <a14:hiddenFill xmlns:a14="http://schemas.microsoft.com/office/drawing/2010/main">
+              <a14:hiddenFill xmlns:a14="http://schemas.microsoft.com/office/drawing/2010/main" xmlns="">
                 <a:solidFill>
                   <a:srgbClr val="FFFFFF"/>
                 </a:solidFill>
@@ -11122,7 +11122,7 @@
     </p:spTree>
     <p:extLst>
       <p:ext uri="{BB962C8B-B14F-4D97-AF65-F5344CB8AC3E}">
-        <p14:creationId xmlns:p14="http://schemas.microsoft.com/office/powerpoint/2010/main" val="547627724"/>
+        <p14:creationId xmlns:p14="http://schemas.microsoft.com/office/powerpoint/2010/main" xmlns="" val="547627724"/>
       </p:ext>
     </p:extLst>
   </p:cSld>
@@ -11165,10 +11165,10 @@
           <p:nvPr/>
         </p:nvPicPr>
         <p:blipFill>
-          <a:blip r:embed="rId2">
+          <a:blip r:embed="rId2" cstate="print">
             <a:extLst>
               <a:ext uri="{28A0092B-C50C-407E-A947-70E740481C1C}">
-                <a14:useLocalDpi xmlns:a14="http://schemas.microsoft.com/office/drawing/2010/main" val="0"/>
+                <a14:useLocalDpi xmlns:a14="http://schemas.microsoft.com/office/drawing/2010/main" xmlns="" val="0"/>
               </a:ext>
             </a:extLst>
           </a:blip>
@@ -11188,7 +11188,7 @@
           <a:noFill/>
           <a:extLst>
             <a:ext uri="{909E8E84-426E-40DD-AFC4-6F175D3DCCD1}">
-              <a14:hiddenFill xmlns:a14="http://schemas.microsoft.com/office/drawing/2010/main">
+              <a14:hiddenFill xmlns:a14="http://schemas.microsoft.com/office/drawing/2010/main" xmlns="">
                 <a:solidFill>
                   <a:srgbClr val="FFFFFF"/>
                 </a:solidFill>
@@ -11228,7 +11228,7 @@
     </p:spTree>
     <p:extLst>
       <p:ext uri="{BB962C8B-B14F-4D97-AF65-F5344CB8AC3E}">
-        <p14:creationId xmlns:p14="http://schemas.microsoft.com/office/powerpoint/2010/main" val="3341074293"/>
+        <p14:creationId xmlns:p14="http://schemas.microsoft.com/office/powerpoint/2010/main" xmlns="" val="3341074293"/>
       </p:ext>
     </p:extLst>
   </p:cSld>
@@ -11428,7 +11428,7 @@
     </p:spTree>
     <p:extLst>
       <p:ext uri="{BB962C8B-B14F-4D97-AF65-F5344CB8AC3E}">
-        <p14:creationId xmlns:p14="http://schemas.microsoft.com/office/powerpoint/2010/main" val="3894779040"/>
+        <p14:creationId xmlns:p14="http://schemas.microsoft.com/office/powerpoint/2010/main" xmlns="" val="3894779040"/>
       </p:ext>
     </p:extLst>
   </p:cSld>
@@ -11471,10 +11471,10 @@
           <p:nvPr/>
         </p:nvPicPr>
         <p:blipFill>
-          <a:blip r:embed="rId2">
+          <a:blip r:embed="rId2" cstate="print">
             <a:extLst>
               <a:ext uri="{28A0092B-C50C-407E-A947-70E740481C1C}">
-                <a14:useLocalDpi xmlns:a14="http://schemas.microsoft.com/office/drawing/2010/main" val="0"/>
+                <a14:useLocalDpi xmlns:a14="http://schemas.microsoft.com/office/drawing/2010/main" xmlns="" val="0"/>
               </a:ext>
             </a:extLst>
           </a:blip>
@@ -11498,14 +11498,14 @@
           <a:effectLst/>
           <a:extLst>
             <a:ext uri="{909E8E84-426E-40DD-AFC4-6F175D3DCCD1}">
-              <a14:hiddenFill xmlns:a14="http://schemas.microsoft.com/office/drawing/2010/main">
+              <a14:hiddenFill xmlns:a14="http://schemas.microsoft.com/office/drawing/2010/main" xmlns="">
                 <a:solidFill>
                   <a:schemeClr val="accent1"/>
                 </a:solidFill>
               </a14:hiddenFill>
             </a:ext>
             <a:ext uri="{91240B29-F687-4F45-9708-019B960494DF}">
-              <a14:hiddenLine xmlns:a14="http://schemas.microsoft.com/office/drawing/2010/main" w="9525">
+              <a14:hiddenLine xmlns:a14="http://schemas.microsoft.com/office/drawing/2010/main" xmlns="" w="9525">
                 <a:solidFill>
                   <a:schemeClr val="tx1"/>
                 </a:solidFill>
@@ -11515,7 +11515,7 @@
               </a14:hiddenLine>
             </a:ext>
             <a:ext uri="{AF507438-7753-43E0-B8FC-AC1667EBCBE1}">
-              <a14:hiddenEffects xmlns:a14="http://schemas.microsoft.com/office/drawing/2010/main">
+              <a14:hiddenEffects xmlns:a14="http://schemas.microsoft.com/office/drawing/2010/main" xmlns="">
                 <a:effectLst>
                   <a:outerShdw dist="35921" dir="2700000" algn="ctr" rotWithShape="0">
                     <a:schemeClr val="bg2"/>
@@ -11557,7 +11557,7 @@
     </p:spTree>
     <p:extLst>
       <p:ext uri="{BB962C8B-B14F-4D97-AF65-F5344CB8AC3E}">
-        <p14:creationId xmlns:p14="http://schemas.microsoft.com/office/powerpoint/2010/main" val="1239993373"/>
+        <p14:creationId xmlns:p14="http://schemas.microsoft.com/office/powerpoint/2010/main" xmlns="" val="1239993373"/>
       </p:ext>
     </p:extLst>
   </p:cSld>
@@ -11622,8 +11622,8 @@
         </p:nvSpPr>
         <p:spPr>
           <a:xfrm>
-            <a:off x="5094784" y="1524000"/>
-            <a:ext cx="3744416" cy="1295400"/>
+            <a:off x="5943600" y="1524000"/>
+            <a:ext cx="2895600" cy="1295400"/>
           </a:xfrm>
           <a:prstGeom prst="roundRect">
             <a:avLst/>
@@ -11772,8 +11772,8 @@
         </p:nvSpPr>
         <p:spPr>
           <a:xfrm>
-            <a:off x="5382816" y="1663824"/>
-            <a:ext cx="1152128" cy="1003176"/>
+            <a:off x="2133600" y="1524000"/>
+            <a:ext cx="1219200" cy="1295400"/>
           </a:xfrm>
           <a:prstGeom prst="roundRect">
             <a:avLst/>
@@ -11840,8 +11840,8 @@
         </p:nvSpPr>
         <p:spPr>
           <a:xfrm>
-            <a:off x="7239000" y="1735832"/>
-            <a:ext cx="1440160" cy="931168"/>
+            <a:off x="7162800" y="1676400"/>
+            <a:ext cx="1516360" cy="990600"/>
           </a:xfrm>
           <a:prstGeom prst="roundRect">
             <a:avLst/>
@@ -11978,7 +11978,7 @@
         </p:nvSpPr>
         <p:spPr>
           <a:xfrm>
-            <a:off x="5715000" y="1816224"/>
+            <a:off x="2438400" y="2057400"/>
             <a:ext cx="573360" cy="651520"/>
           </a:xfrm>
           <a:prstGeom prst="flowChartMagneticDisk">
@@ -12029,8 +12029,8 @@
         </p:nvSpPr>
         <p:spPr>
           <a:xfrm>
-            <a:off x="395536" y="4221088"/>
-            <a:ext cx="2691699" cy="369332"/>
+            <a:off x="457200" y="4038600"/>
+            <a:ext cx="2816797" cy="338554"/>
           </a:xfrm>
           <a:prstGeom prst="rect">
             <a:avLst/>
@@ -12044,10 +12044,10 @@
           <a:lstStyle/>
           <a:p>
             <a:r>
-              <a:rPr lang="fr-FR" dirty="0" err="1" smtClean="0"/>
+              <a:rPr lang="fr-FR" sz="1600" b="1" dirty="0" err="1" smtClean="0"/>
               <a:t>ISIADComponentSimulator</a:t>
             </a:r>
-            <a:endParaRPr lang="fr-FR" dirty="0"/>
+            <a:endParaRPr lang="fr-FR" sz="1600" b="1" dirty="0"/>
           </a:p>
         </p:txBody>
       </p:sp>
@@ -12145,7 +12145,7 @@
         </p:nvSpPr>
         <p:spPr>
           <a:xfrm>
-            <a:off x="2339752" y="1772816"/>
+            <a:off x="2286000" y="1752600"/>
             <a:ext cx="1080120" cy="338554"/>
           </a:xfrm>
           <a:prstGeom prst="rect">
@@ -12183,12 +12183,13 @@
         </p:nvSpPr>
         <p:spPr>
           <a:xfrm>
-            <a:off x="4139952" y="3573016"/>
-            <a:ext cx="1224136" cy="360040"/>
+            <a:off x="3124200" y="3429000"/>
+            <a:ext cx="2163688" cy="457200"/>
           </a:xfrm>
           <a:prstGeom prst="rect">
             <a:avLst/>
           </a:prstGeom>
+          <a:noFill/>
         </p:spPr>
         <p:style>
           <a:lnRef idx="2">
@@ -12223,7 +12224,7 @@
         </p:nvSpPr>
         <p:spPr>
           <a:xfrm>
-            <a:off x="5148064" y="4725144"/>
+            <a:off x="5181600" y="4572000"/>
             <a:ext cx="3024336" cy="576064"/>
           </a:xfrm>
           <a:prstGeom prst="rect">
@@ -12253,7 +12254,15 @@
             <a:pPr algn="ctr"/>
             <a:r>
               <a:rPr lang="fr-FR" dirty="0" err="1" smtClean="0"/>
-              <a:t>WebClient</a:t>
+              <a:t>WebS</a:t>
+            </a:r>
+            <a:r>
+              <a:rPr lang="fr-FR" dirty="0" smtClean="0"/>
+              <a:t> </a:t>
+            </a:r>
+            <a:r>
+              <a:rPr lang="fr-FR" dirty="0" err="1" smtClean="0"/>
+              <a:t>erviceClient</a:t>
             </a:r>
             <a:endParaRPr lang="fr-FR" dirty="0"/>
           </a:p>
@@ -12267,7 +12276,7 @@
         </p:nvSpPr>
         <p:spPr>
           <a:xfrm>
-            <a:off x="5148064" y="5445224"/>
+            <a:off x="5181600" y="5715000"/>
             <a:ext cx="3024336" cy="648072"/>
           </a:xfrm>
           <a:prstGeom prst="rect">
@@ -12427,49 +12436,6 @@
           </a:p>
         </p:txBody>
       </p:sp>
-      <p:sp>
-        <p:nvSpPr>
-          <p:cNvPr id="22" name="Ellipse 32"/>
-          <p:cNvSpPr/>
-          <p:nvPr/>
-        </p:nvSpPr>
-        <p:spPr>
-          <a:xfrm>
-            <a:off x="4932040" y="5085184"/>
-            <a:ext cx="144016" cy="216024"/>
-          </a:xfrm>
-          <a:prstGeom prst="ellipse">
-            <a:avLst/>
-          </a:prstGeom>
-          <a:solidFill>
-            <a:srgbClr val="FF0000"/>
-          </a:solidFill>
-        </p:spPr>
-        <p:style>
-          <a:lnRef idx="2">
-            <a:schemeClr val="accent1">
-              <a:shade val="50000"/>
-            </a:schemeClr>
-          </a:lnRef>
-          <a:fillRef idx="1">
-            <a:schemeClr val="accent1"/>
-          </a:fillRef>
-          <a:effectRef idx="0">
-            <a:schemeClr val="accent1"/>
-          </a:effectRef>
-          <a:fontRef idx="minor">
-            <a:schemeClr val="lt1"/>
-          </a:fontRef>
-        </p:style>
-        <p:txBody>
-          <a:bodyPr rtlCol="0" anchor="ctr"/>
-          <a:lstStyle/>
-          <a:p>
-            <a:pPr algn="ctr"/>
-            <a:endParaRPr lang="fr-FR"/>
-          </a:p>
-        </p:txBody>
-      </p:sp>
       <p:pic>
         <p:nvPicPr>
           <p:cNvPr id="23" name="Picture 2"/>
@@ -12487,7 +12453,7 @@
         </p:blipFill>
         <p:spPr bwMode="auto">
           <a:xfrm>
-            <a:off x="3563888" y="6021288"/>
+            <a:off x="3505200" y="6096000"/>
             <a:ext cx="1107405" cy="564430"/>
           </a:xfrm>
           <a:prstGeom prst="rect">
@@ -12510,8 +12476,8 @@
         </p:nvSpPr>
         <p:spPr>
           <a:xfrm>
-            <a:off x="827584" y="4725144"/>
-            <a:ext cx="2016224" cy="338554"/>
+            <a:off x="609600" y="4876800"/>
+            <a:ext cx="2372816" cy="338554"/>
           </a:xfrm>
           <a:prstGeom prst="rect">
             <a:avLst/>
@@ -12540,10 +12506,227 @@
           </a:p>
         </p:txBody>
       </p:sp>
+      <p:sp>
+        <p:nvSpPr>
+          <p:cNvPr id="27" name="ZoneTexte 26"/>
+          <p:cNvSpPr txBox="1"/>
+          <p:nvPr/>
+        </p:nvSpPr>
+        <p:spPr>
+          <a:xfrm>
+            <a:off x="2286000" y="3505200"/>
+            <a:ext cx="838200" cy="307777"/>
+          </a:xfrm>
+          <a:prstGeom prst="rect">
+            <a:avLst/>
+          </a:prstGeom>
+          <a:noFill/>
+        </p:spPr>
+        <p:txBody>
+          <a:bodyPr wrap="square" rtlCol="0">
+            <a:spAutoFit/>
+          </a:bodyPr>
+          <a:lstStyle/>
+          <a:p>
+            <a:r>
+              <a:rPr lang="fr-FR" sz="1400" dirty="0" smtClean="0"/>
+              <a:t>Queue :</a:t>
+            </a:r>
+            <a:endParaRPr lang="fr-FR" sz="1400" dirty="0"/>
+          </a:p>
+        </p:txBody>
+      </p:sp>
+      <p:sp>
+        <p:nvSpPr>
+          <p:cNvPr id="28" name="Rectangle 27"/>
+          <p:cNvSpPr/>
+          <p:nvPr/>
+        </p:nvSpPr>
+        <p:spPr>
+          <a:xfrm>
+            <a:off x="3124200" y="3429000"/>
+            <a:ext cx="609600" cy="457200"/>
+          </a:xfrm>
+          <a:prstGeom prst="rect">
+            <a:avLst/>
+          </a:prstGeom>
+          <a:noFill/>
+        </p:spPr>
+        <p:style>
+          <a:lnRef idx="2">
+            <a:schemeClr val="accent1">
+              <a:shade val="50000"/>
+            </a:schemeClr>
+          </a:lnRef>
+          <a:fillRef idx="1">
+            <a:schemeClr val="accent1"/>
+          </a:fillRef>
+          <a:effectRef idx="0">
+            <a:schemeClr val="accent1"/>
+          </a:effectRef>
+          <a:fontRef idx="minor">
+            <a:schemeClr val="lt1"/>
+          </a:fontRef>
+        </p:style>
+        <p:txBody>
+          <a:bodyPr rtlCol="0" anchor="ctr"/>
+          <a:lstStyle/>
+          <a:p>
+            <a:pPr algn="ctr"/>
+            <a:endParaRPr lang="fr-FR"/>
+          </a:p>
+        </p:txBody>
+      </p:sp>
+      <p:sp>
+        <p:nvSpPr>
+          <p:cNvPr id="29" name="Flèche droite 28"/>
+          <p:cNvSpPr/>
+          <p:nvPr/>
+        </p:nvSpPr>
+        <p:spPr>
+          <a:xfrm>
+            <a:off x="3352800" y="2057400"/>
+            <a:ext cx="2590800" cy="228600"/>
+          </a:xfrm>
+          <a:prstGeom prst="rightArrow">
+            <a:avLst/>
+          </a:prstGeom>
+        </p:spPr>
+        <p:style>
+          <a:lnRef idx="2">
+            <a:schemeClr val="accent1">
+              <a:shade val="50000"/>
+            </a:schemeClr>
+          </a:lnRef>
+          <a:fillRef idx="1">
+            <a:schemeClr val="accent1"/>
+          </a:fillRef>
+          <a:effectRef idx="0">
+            <a:schemeClr val="accent1"/>
+          </a:effectRef>
+          <a:fontRef idx="minor">
+            <a:schemeClr val="lt1"/>
+          </a:fontRef>
+        </p:style>
+        <p:txBody>
+          <a:bodyPr rtlCol="0" anchor="ctr"/>
+          <a:lstStyle/>
+          <a:p>
+            <a:pPr algn="ctr"/>
+            <a:endParaRPr lang="fr-FR"/>
+          </a:p>
+        </p:txBody>
+      </p:sp>
+      <p:sp>
+        <p:nvSpPr>
+          <p:cNvPr id="30" name="ZoneTexte 29"/>
+          <p:cNvSpPr txBox="1"/>
+          <p:nvPr/>
+        </p:nvSpPr>
+        <p:spPr>
+          <a:xfrm>
+            <a:off x="685800" y="2209800"/>
+            <a:ext cx="1219200" cy="307777"/>
+          </a:xfrm>
+          <a:prstGeom prst="rect">
+            <a:avLst/>
+          </a:prstGeom>
+          <a:noFill/>
+        </p:spPr>
+        <p:txBody>
+          <a:bodyPr wrap="square" rtlCol="0">
+            <a:spAutoFit/>
+          </a:bodyPr>
+          <a:lstStyle/>
+          <a:p>
+            <a:r>
+              <a:rPr lang="fr-FR" sz="1400" b="1" dirty="0" err="1" smtClean="0"/>
+              <a:t>BaseMySQL</a:t>
+            </a:r>
+            <a:endParaRPr lang="fr-FR" sz="1400" b="1" dirty="0"/>
+          </a:p>
+        </p:txBody>
+      </p:sp>
+      <p:cxnSp>
+        <p:nvCxnSpPr>
+          <p:cNvPr id="32" name="Connecteur droit avec flèche 31"/>
+          <p:cNvCxnSpPr>
+            <a:stCxn id="30" idx="3"/>
+          </p:cNvCxnSpPr>
+          <p:nvPr/>
+        </p:nvCxnSpPr>
+        <p:spPr>
+          <a:xfrm>
+            <a:off x="1905000" y="2363689"/>
+            <a:ext cx="485048" cy="19471"/>
+          </a:xfrm>
+          <a:prstGeom prst="straightConnector1">
+            <a:avLst/>
+          </a:prstGeom>
+          <a:ln>
+            <a:tailEnd type="arrow"/>
+          </a:ln>
+        </p:spPr>
+        <p:style>
+          <a:lnRef idx="1">
+            <a:schemeClr val="accent1"/>
+          </a:lnRef>
+          <a:fillRef idx="0">
+            <a:schemeClr val="accent1"/>
+          </a:fillRef>
+          <a:effectRef idx="0">
+            <a:schemeClr val="accent1"/>
+          </a:effectRef>
+          <a:fontRef idx="minor">
+            <a:schemeClr val="tx1"/>
+          </a:fontRef>
+        </p:style>
+      </p:cxnSp>
+      <p:sp>
+        <p:nvSpPr>
+          <p:cNvPr id="37" name="Rectangle 36"/>
+          <p:cNvSpPr/>
+          <p:nvPr/>
+        </p:nvSpPr>
+        <p:spPr>
+          <a:xfrm>
+            <a:off x="3429000" y="3429000"/>
+            <a:ext cx="304800" cy="457200"/>
+          </a:xfrm>
+          <a:prstGeom prst="rect">
+            <a:avLst/>
+          </a:prstGeom>
+          <a:noFill/>
+        </p:spPr>
+        <p:style>
+          <a:lnRef idx="2">
+            <a:schemeClr val="accent1">
+              <a:shade val="50000"/>
+            </a:schemeClr>
+          </a:lnRef>
+          <a:fillRef idx="1">
+            <a:schemeClr val="accent1"/>
+          </a:fillRef>
+          <a:effectRef idx="0">
+            <a:schemeClr val="accent1"/>
+          </a:effectRef>
+          <a:fontRef idx="minor">
+            <a:schemeClr val="lt1"/>
+          </a:fontRef>
+        </p:style>
+        <p:txBody>
+          <a:bodyPr rtlCol="0" anchor="ctr"/>
+          <a:lstStyle/>
+          <a:p>
+            <a:pPr algn="ctr"/>
+            <a:endParaRPr lang="fr-FR"/>
+          </a:p>
+        </p:txBody>
+      </p:sp>
     </p:spTree>
     <p:extLst>
       <p:ext uri="{BB962C8B-B14F-4D97-AF65-F5344CB8AC3E}">
-        <p14:creationId xmlns:p14="http://schemas.microsoft.com/office/powerpoint/2010/main" val="2899302471"/>
+        <p14:creationId xmlns:p14="http://schemas.microsoft.com/office/powerpoint/2010/main" xmlns="" val="2899302471"/>
       </p:ext>
     </p:extLst>
   </p:cSld>
@@ -12576,7 +12759,7 @@
                                     <p:cond delay="0"/>
                                   </p:stCondLst>
                                   <p:childTnLst>
-                                    <p:animMotion origin="layout" path="M 0.0434 -0.0037 L 0.25 -2.93247E-6 " pathEditMode="relative" rAng="0" ptsTypes="AA">
+                                    <p:animMotion origin="layout" path="M 0.05764 -0.00231 L 0.41597 -0.00231 " pathEditMode="relative" rAng="0" ptsTypes="AA">
                                       <p:cBhvr>
                                         <p:cTn id="6" dur="2000" fill="hold"/>
                                         <p:tgtEl>
@@ -12587,7 +12770,7 @@
                                           <p:attrName>ppt_y</p:attrName>
                                         </p:attrNameLst>
                                       </p:cBhvr>
-                                      <p:rCtr x="103" y="2"/>
+                                      <p:rCtr x="179" y="0"/>
                                     </p:animMotion>
                                   </p:childTnLst>
                                 </p:cTn>
@@ -12611,12 +12794,12 @@
                             </p:stCondLst>
                             <p:childTnLst>
                               <p:par>
-                                <p:cTn id="9" presetID="63" presetClass="path" presetSubtype="0" accel="50000" decel="50000" fill="hold" grpId="1" nodeType="clickEffect">
+                                <p:cTn id="9" presetID="42" presetClass="path" presetSubtype="0" accel="50000" decel="50000" fill="hold" grpId="2" nodeType="clickEffect">
                                   <p:stCondLst>
                                     <p:cond delay="0"/>
                                   </p:stCondLst>
                                   <p:childTnLst>
-                                    <p:animMotion origin="layout" path="M 0.25 2.67345E-6 L 0.5 2.67345E-6 " pathEditMode="relative" rAng="0" ptsTypes="AA">
+                                    <p:animMotion origin="layout" path="M 0.41597 -0.00231 L 0.41771 0.50301 " pathEditMode="relative" rAng="0" ptsTypes="AA">
                                       <p:cBhvr>
                                         <p:cTn id="10" dur="2000" fill="hold"/>
                                         <p:tgtEl>
@@ -12627,7 +12810,7 @@
                                           <p:attrName>ppt_y</p:attrName>
                                         </p:attrNameLst>
                                       </p:cBhvr>
-                                      <p:rCtr x="125" y="0"/>
+                                      <p:rCtr x="1" y="253"/>
                                     </p:animMotion>
                                   </p:childTnLst>
                                 </p:cTn>
@@ -12651,54 +12834,14 @@
                             </p:stCondLst>
                             <p:childTnLst>
                               <p:par>
-                                <p:cTn id="13" presetID="42" presetClass="path" presetSubtype="0" accel="50000" decel="50000" fill="hold" grpId="2" nodeType="clickEffect">
-                                  <p:stCondLst>
-                                    <p:cond delay="0"/>
-                                  </p:stCondLst>
-                                  <p:childTnLst>
-                                    <p:animMotion origin="layout" path="M 0.5 3.70028E-8 L 0.5 0.53145 " pathEditMode="relative" rAng="0" ptsTypes="AA">
-                                      <p:cBhvr>
-                                        <p:cTn id="14" dur="2000" fill="hold"/>
-                                        <p:tgtEl>
-                                          <p:spTgt spid="15"/>
-                                        </p:tgtEl>
-                                        <p:attrNameLst>
-                                          <p:attrName>ppt_x</p:attrName>
-                                          <p:attrName>ppt_y</p:attrName>
-                                        </p:attrNameLst>
-                                      </p:cBhvr>
-                                      <p:rCtr x="0" y="266"/>
-                                    </p:animMotion>
-                                  </p:childTnLst>
-                                </p:cTn>
-                              </p:par>
-                            </p:childTnLst>
-                          </p:cTn>
-                        </p:par>
-                      </p:childTnLst>
-                    </p:cTn>
-                  </p:par>
-                  <p:par>
-                    <p:cTn id="15" fill="hold">
-                      <p:stCondLst>
-                        <p:cond delay="indefinite"/>
-                      </p:stCondLst>
-                      <p:childTnLst>
-                        <p:par>
-                          <p:cTn id="16" fill="hold">
-                            <p:stCondLst>
-                              <p:cond delay="0"/>
-                            </p:stCondLst>
-                            <p:childTnLst>
-                              <p:par>
-                                <p:cTn id="17" presetID="5" presetClass="entr" presetSubtype="10" fill="hold" nodeType="clickEffect">
+                                <p:cTn id="13" presetID="5" presetClass="entr" presetSubtype="10" fill="hold" nodeType="clickEffect">
                                   <p:stCondLst>
                                     <p:cond delay="0"/>
                                   </p:stCondLst>
                                   <p:childTnLst>
                                     <p:set>
                                       <p:cBhvr>
-                                        <p:cTn id="18" dur="1" fill="hold">
+                                        <p:cTn id="14" dur="1" fill="hold">
                                           <p:stCondLst>
                                             <p:cond delay="0"/>
                                           </p:stCondLst>
@@ -12716,7 +12859,7 @@
                                     </p:set>
                                     <p:animEffect transition="in" filter="checkerboard(across)">
                                       <p:cBhvr>
-                                        <p:cTn id="19" dur="500"/>
+                                        <p:cTn id="15" dur="500"/>
                                         <p:tgtEl>
                                           <p:spTgt spid="23"/>
                                         </p:tgtEl>
@@ -12725,33 +12868,15 @@
                                   </p:childTnLst>
                                 </p:cTn>
                               </p:par>
-                            </p:childTnLst>
-                          </p:cTn>
-                        </p:par>
-                      </p:childTnLst>
-                    </p:cTn>
-                  </p:par>
-                  <p:par>
-                    <p:cTn id="20" fill="hold">
-                      <p:stCondLst>
-                        <p:cond delay="indefinite"/>
-                      </p:stCondLst>
-                      <p:childTnLst>
-                        <p:par>
-                          <p:cTn id="21" fill="hold">
-                            <p:stCondLst>
-                              <p:cond delay="0"/>
-                            </p:stCondLst>
-                            <p:childTnLst>
                               <p:par>
-                                <p:cTn id="22" presetID="6" presetClass="emph" presetSubtype="0" fill="hold" grpId="0" nodeType="clickEffect">
+                                <p:cTn id="16" presetID="6" presetClass="emph" presetSubtype="0" fill="hold" grpId="0" nodeType="withEffect">
                                   <p:stCondLst>
                                     <p:cond delay="0"/>
                                   </p:stCondLst>
                                   <p:childTnLst>
                                     <p:animScale>
                                       <p:cBhvr>
-                                        <p:cTn id="23" dur="2000" fill="hold"/>
+                                        <p:cTn id="17" dur="2000" fill="hold"/>
                                         <p:tgtEl>
                                           <p:spTgt spid="9"/>
                                         </p:tgtEl>
@@ -12762,7 +12887,77 @@
                                 </p:cTn>
                               </p:par>
                               <p:par>
-                                <p:cTn id="24" presetID="4" presetClass="entr" presetSubtype="16" fill="hold" grpId="0" nodeType="withEffect">
+                                <p:cTn id="18" presetID="5" presetClass="entr" presetSubtype="10" fill="hold" grpId="0" nodeType="withEffect">
+                                  <p:stCondLst>
+                                    <p:cond delay="0"/>
+                                  </p:stCondLst>
+                                  <p:childTnLst>
+                                    <p:set>
+                                      <p:cBhvr>
+                                        <p:cTn id="19" dur="1" fill="hold">
+                                          <p:stCondLst>
+                                            <p:cond delay="0"/>
+                                          </p:stCondLst>
+                                        </p:cTn>
+                                        <p:tgtEl>
+                                          <p:spTgt spid="27"/>
+                                        </p:tgtEl>
+                                        <p:attrNameLst>
+                                          <p:attrName>style.visibility</p:attrName>
+                                        </p:attrNameLst>
+                                      </p:cBhvr>
+                                      <p:to>
+                                        <p:strVal val="visible"/>
+                                      </p:to>
+                                    </p:set>
+                                    <p:animEffect transition="in" filter="checkerboard(across)">
+                                      <p:cBhvr>
+                                        <p:cTn id="20" dur="500"/>
+                                        <p:tgtEl>
+                                          <p:spTgt spid="27"/>
+                                        </p:tgtEl>
+                                      </p:cBhvr>
+                                    </p:animEffect>
+                                  </p:childTnLst>
+                                </p:cTn>
+                              </p:par>
+                              <p:par>
+                                <p:cTn id="21" presetID="5" presetClass="entr" presetSubtype="10" fill="hold" grpId="0" nodeType="withEffect">
+                                  <p:stCondLst>
+                                    <p:cond delay="0"/>
+                                  </p:stCondLst>
+                                  <p:childTnLst>
+                                    <p:set>
+                                      <p:cBhvr>
+                                        <p:cTn id="22" dur="1" fill="hold">
+                                          <p:stCondLst>
+                                            <p:cond delay="0"/>
+                                          </p:stCondLst>
+                                        </p:cTn>
+                                        <p:tgtEl>
+                                          <p:spTgt spid="28"/>
+                                        </p:tgtEl>
+                                        <p:attrNameLst>
+                                          <p:attrName>style.visibility</p:attrName>
+                                        </p:attrNameLst>
+                                      </p:cBhvr>
+                                      <p:to>
+                                        <p:strVal val="visible"/>
+                                      </p:to>
+                                    </p:set>
+                                    <p:animEffect transition="in" filter="checkerboard(across)">
+                                      <p:cBhvr>
+                                        <p:cTn id="23" dur="500"/>
+                                        <p:tgtEl>
+                                          <p:spTgt spid="28"/>
+                                        </p:tgtEl>
+                                      </p:cBhvr>
+                                    </p:animEffect>
+                                  </p:childTnLst>
+                                </p:cTn>
+                              </p:par>
+                              <p:par>
+                                <p:cTn id="24" presetID="5" presetClass="entr" presetSubtype="10" fill="hold" grpId="0" nodeType="withEffect">
                                   <p:stCondLst>
                                     <p:cond delay="0"/>
                                   </p:stCondLst>
@@ -12770,6 +12965,41 @@
                                     <p:set>
                                       <p:cBhvr>
                                         <p:cTn id="25" dur="1" fill="hold">
+                                          <p:stCondLst>
+                                            <p:cond delay="0"/>
+                                          </p:stCondLst>
+                                        </p:cTn>
+                                        <p:tgtEl>
+                                          <p:spTgt spid="37"/>
+                                        </p:tgtEl>
+                                        <p:attrNameLst>
+                                          <p:attrName>style.visibility</p:attrName>
+                                        </p:attrNameLst>
+                                      </p:cBhvr>
+                                      <p:to>
+                                        <p:strVal val="visible"/>
+                                      </p:to>
+                                    </p:set>
+                                    <p:animEffect transition="in" filter="checkerboard(across)">
+                                      <p:cBhvr>
+                                        <p:cTn id="26" dur="500"/>
+                                        <p:tgtEl>
+                                          <p:spTgt spid="37"/>
+                                        </p:tgtEl>
+                                      </p:cBhvr>
+                                    </p:animEffect>
+                                  </p:childTnLst>
+                                </p:cTn>
+                              </p:par>
+                              <p:par>
+                                <p:cTn id="27" presetID="4" presetClass="entr" presetSubtype="16" fill="hold" grpId="0" nodeType="withEffect">
+                                  <p:stCondLst>
+                                    <p:cond delay="0"/>
+                                  </p:stCondLst>
+                                  <p:childTnLst>
+                                    <p:set>
+                                      <p:cBhvr>
+                                        <p:cTn id="28" dur="1" fill="hold">
                                           <p:stCondLst>
                                             <p:cond delay="0"/>
                                           </p:stCondLst>
@@ -12787,7 +13017,7 @@
                                     </p:set>
                                     <p:animEffect transition="in" filter="box(in)">
                                       <p:cBhvr>
-                                        <p:cTn id="26" dur="500"/>
+                                        <p:cTn id="29" dur="500"/>
                                         <p:tgtEl>
                                           <p:spTgt spid="16"/>
                                         </p:tgtEl>
@@ -12803,117 +13033,26 @@
                     </p:cTn>
                   </p:par>
                   <p:par>
-                    <p:cTn id="27" fill="hold">
+                    <p:cTn id="30" fill="hold">
                       <p:stCondLst>
                         <p:cond delay="indefinite"/>
                       </p:stCondLst>
                       <p:childTnLst>
                         <p:par>
-                          <p:cTn id="28" fill="hold">
+                          <p:cTn id="31" fill="hold">
                             <p:stCondLst>
                               <p:cond delay="0"/>
                             </p:stCondLst>
                             <p:childTnLst>
                               <p:par>
-                                <p:cTn id="29" presetID="2" presetClass="entr" presetSubtype="4" fill="hold" grpId="0" nodeType="clickEffect">
+                                <p:cTn id="32" presetID="35" presetClass="path" presetSubtype="0" accel="50000" decel="50000" fill="hold" grpId="3" nodeType="clickEffect">
                                   <p:stCondLst>
                                     <p:cond delay="0"/>
                                   </p:stCondLst>
                                   <p:childTnLst>
-                                    <p:set>
+                                    <p:animMotion origin="layout" path="M 0.41771 0.50301 L 0.23855 0.50578 " pathEditMode="relative" rAng="0" ptsTypes="AA">
                                       <p:cBhvr>
-                                        <p:cTn id="30" dur="1" fill="hold">
-                                          <p:stCondLst>
-                                            <p:cond delay="0"/>
-                                          </p:stCondLst>
-                                        </p:cTn>
-                                        <p:tgtEl>
-                                          <p:spTgt spid="22"/>
-                                        </p:tgtEl>
-                                        <p:attrNameLst>
-                                          <p:attrName>style.visibility</p:attrName>
-                                        </p:attrNameLst>
-                                      </p:cBhvr>
-                                      <p:to>
-                                        <p:strVal val="visible"/>
-                                      </p:to>
-                                    </p:set>
-                                    <p:anim calcmode="lin" valueType="num">
-                                      <p:cBhvr additive="base">
-                                        <p:cTn id="31" dur="500" fill="hold"/>
-                                        <p:tgtEl>
-                                          <p:spTgt spid="22"/>
-                                        </p:tgtEl>
-                                        <p:attrNameLst>
-                                          <p:attrName>ppt_x</p:attrName>
-                                        </p:attrNameLst>
-                                      </p:cBhvr>
-                                      <p:tavLst>
-                                        <p:tav tm="0">
-                                          <p:val>
-                                            <p:strVal val="#ppt_x"/>
-                                          </p:val>
-                                        </p:tav>
-                                        <p:tav tm="100000">
-                                          <p:val>
-                                            <p:strVal val="#ppt_x"/>
-                                          </p:val>
-                                        </p:tav>
-                                      </p:tavLst>
-                                    </p:anim>
-                                    <p:anim calcmode="lin" valueType="num">
-                                      <p:cBhvr additive="base">
-                                        <p:cTn id="32" dur="500" fill="hold"/>
-                                        <p:tgtEl>
-                                          <p:spTgt spid="22"/>
-                                        </p:tgtEl>
-                                        <p:attrNameLst>
-                                          <p:attrName>ppt_y</p:attrName>
-                                        </p:attrNameLst>
-                                      </p:cBhvr>
-                                      <p:tavLst>
-                                        <p:tav tm="0">
-                                          <p:val>
-                                            <p:strVal val="1+#ppt_h/2"/>
-                                          </p:val>
-                                        </p:tav>
-                                        <p:tav tm="100000">
-                                          <p:val>
-                                            <p:strVal val="#ppt_y"/>
-                                          </p:val>
-                                        </p:tav>
-                                      </p:tavLst>
-                                    </p:anim>
-                                  </p:childTnLst>
-                                </p:cTn>
-                              </p:par>
-                            </p:childTnLst>
-                          </p:cTn>
-                        </p:par>
-                      </p:childTnLst>
-                    </p:cTn>
-                  </p:par>
-                  <p:par>
-                    <p:cTn id="33" fill="hold">
-                      <p:stCondLst>
-                        <p:cond delay="indefinite"/>
-                      </p:stCondLst>
-                      <p:childTnLst>
-                        <p:par>
-                          <p:cTn id="34" fill="hold">
-                            <p:stCondLst>
-                              <p:cond delay="0"/>
-                            </p:stCondLst>
-                            <p:childTnLst>
-                              <p:par>
-                                <p:cTn id="35" presetID="35" presetClass="path" presetSubtype="0" accel="50000" decel="50000" fill="hold" grpId="3" nodeType="clickEffect">
-                                  <p:stCondLst>
-                                    <p:cond delay="0"/>
-                                  </p:stCondLst>
-                                  <p:childTnLst>
-                                    <p:animMotion origin="layout" path="M 0.5 0.53145 L 0.25 0.53145 " pathEditMode="relative" rAng="0" ptsTypes="AA">
-                                      <p:cBhvr>
-                                        <p:cTn id="36" dur="2000" fill="hold"/>
+                                        <p:cTn id="33" dur="2000" fill="hold"/>
                                         <p:tgtEl>
                                           <p:spTgt spid="15"/>
                                         </p:tgtEl>
@@ -12922,7 +13061,7 @@
                                           <p:attrName>ppt_y</p:attrName>
                                         </p:attrNameLst>
                                       </p:cBhvr>
-                                      <p:rCtr x="-125" y="0"/>
+                                      <p:rCtr x="-90" y="1"/>
                                     </p:animMotion>
                                   </p:childTnLst>
                                 </p:cTn>
@@ -12934,35 +13073,35 @@
                     </p:cTn>
                   </p:par>
                   <p:par>
-                    <p:cTn id="37" fill="hold">
+                    <p:cTn id="34" fill="hold">
                       <p:stCondLst>
                         <p:cond delay="indefinite"/>
                       </p:stCondLst>
                       <p:childTnLst>
                         <p:par>
-                          <p:cTn id="38" fill="hold">
+                          <p:cTn id="35" fill="hold">
                             <p:stCondLst>
                               <p:cond delay="0"/>
                             </p:stCondLst>
                             <p:childTnLst>
                               <p:par>
-                                <p:cTn id="39" presetID="35" presetClass="path" presetSubtype="0" accel="50000" decel="50000" fill="hold" grpId="1" nodeType="clickEffect">
+                                <p:cTn id="36" presetID="64" presetClass="path" presetSubtype="0" accel="50000" decel="50000" fill="hold" grpId="4" nodeType="clickEffect">
                                   <p:stCondLst>
                                     <p:cond delay="0"/>
                                   </p:stCondLst>
                                   <p:childTnLst>
-                                    <p:animMotion origin="layout" path="M -5.55556E-7 -2.32192E-6 L -0.02552 -0.2204 " pathEditMode="relative" rAng="0" ptsTypes="AA">
+                                    <p:animMotion origin="layout" path="M 0.2434 0.50532 L 0.1684 0.25 " pathEditMode="relative" rAng="0" ptsTypes="AA">
                                       <p:cBhvr>
-                                        <p:cTn id="40" dur="2000" fill="hold"/>
+                                        <p:cTn id="37" dur="2000" fill="hold"/>
                                         <p:tgtEl>
-                                          <p:spTgt spid="22"/>
+                                          <p:spTgt spid="15"/>
                                         </p:tgtEl>
                                         <p:attrNameLst>
                                           <p:attrName>ppt_x</p:attrName>
                                           <p:attrName>ppt_y</p:attrName>
                                         </p:attrNameLst>
                                       </p:cBhvr>
-                                      <p:rCtr x="-13" y="-110"/>
+                                      <p:rCtr x="-38" y="-128"/>
                                     </p:animMotion>
                                   </p:childTnLst>
                                 </p:cTn>
@@ -12974,26 +13113,66 @@
                     </p:cTn>
                   </p:par>
                   <p:par>
-                    <p:cTn id="41" fill="hold">
+                    <p:cTn id="38" fill="hold">
                       <p:stCondLst>
                         <p:cond delay="indefinite"/>
                       </p:stCondLst>
                       <p:childTnLst>
                         <p:par>
-                          <p:cTn id="42" fill="hold">
+                          <p:cTn id="39" fill="hold">
                             <p:stCondLst>
                               <p:cond delay="0"/>
                             </p:stCondLst>
                             <p:childTnLst>
                               <p:par>
-                                <p:cTn id="43" presetID="5" presetClass="entr" presetSubtype="10" fill="hold" grpId="0" nodeType="clickEffect">
+                                <p:cTn id="40" presetID="42" presetClass="path" presetSubtype="0" accel="50000" decel="50000" fill="hold" grpId="5" nodeType="clickEffect">
+                                  <p:stCondLst>
+                                    <p:cond delay="0"/>
+                                  </p:stCondLst>
+                                  <p:childTnLst>
+                                    <p:animMotion origin="layout" path="M 0.1684 0.25 L -0.06736 0.41952 " pathEditMode="relative" rAng="0" ptsTypes="AA">
+                                      <p:cBhvr>
+                                        <p:cTn id="41" dur="2000" fill="hold"/>
+                                        <p:tgtEl>
+                                          <p:spTgt spid="15"/>
+                                        </p:tgtEl>
+                                        <p:attrNameLst>
+                                          <p:attrName>ppt_x</p:attrName>
+                                          <p:attrName>ppt_y</p:attrName>
+                                        </p:attrNameLst>
+                                      </p:cBhvr>
+                                      <p:rCtr x="-118" y="85"/>
+                                    </p:animMotion>
+                                  </p:childTnLst>
+                                </p:cTn>
+                              </p:par>
+                            </p:childTnLst>
+                          </p:cTn>
+                        </p:par>
+                      </p:childTnLst>
+                    </p:cTn>
+                  </p:par>
+                  <p:par>
+                    <p:cTn id="42" fill="hold">
+                      <p:stCondLst>
+                        <p:cond delay="indefinite"/>
+                      </p:stCondLst>
+                      <p:childTnLst>
+                        <p:par>
+                          <p:cTn id="43" fill="hold">
+                            <p:stCondLst>
+                              <p:cond delay="0"/>
+                            </p:stCondLst>
+                            <p:childTnLst>
+                              <p:par>
+                                <p:cTn id="44" presetID="5" presetClass="entr" presetSubtype="10" fill="hold" grpId="0" nodeType="clickEffect">
                                   <p:stCondLst>
                                     <p:cond delay="0"/>
                                   </p:stCondLst>
                                   <p:childTnLst>
                                     <p:set>
                                       <p:cBhvr>
-                                        <p:cTn id="44" dur="1" fill="hold">
+                                        <p:cTn id="45" dur="1" fill="hold">
                                           <p:stCondLst>
                                             <p:cond delay="0"/>
                                           </p:stCondLst>
@@ -13011,52 +13190,12 @@
                                     </p:set>
                                     <p:animEffect transition="in" filter="checkerboard(across)">
                                       <p:cBhvr>
-                                        <p:cTn id="45" dur="500"/>
+                                        <p:cTn id="46" dur="500"/>
                                         <p:tgtEl>
                                           <p:spTgt spid="24"/>
                                         </p:tgtEl>
                                       </p:cBhvr>
                                     </p:animEffect>
-                                  </p:childTnLst>
-                                </p:cTn>
-                              </p:par>
-                            </p:childTnLst>
-                          </p:cTn>
-                        </p:par>
-                      </p:childTnLst>
-                    </p:cTn>
-                  </p:par>
-                  <p:par>
-                    <p:cTn id="46" fill="hold">
-                      <p:stCondLst>
-                        <p:cond delay="indefinite"/>
-                      </p:stCondLst>
-                      <p:childTnLst>
-                        <p:par>
-                          <p:cTn id="47" fill="hold">
-                            <p:stCondLst>
-                              <p:cond delay="0"/>
-                            </p:stCondLst>
-                            <p:childTnLst>
-                              <p:par>
-                                <p:cTn id="48" presetID="35" presetClass="path" presetSubtype="0" accel="50000" decel="50000" fill="hold" grpId="2" nodeType="clickEffect">
-                                  <p:stCondLst>
-                                    <p:cond delay="0"/>
-                                  </p:stCondLst>
-                                  <p:childTnLst>
-                                    <p:animMotion origin="layout" path="M -0.02552 -0.2204 L -0.24409 -0.06822 " pathEditMode="relative" rAng="0" ptsTypes="AA">
-                                      <p:cBhvr>
-                                        <p:cTn id="49" dur="2000" fill="hold"/>
-                                        <p:tgtEl>
-                                          <p:spTgt spid="22"/>
-                                        </p:tgtEl>
-                                        <p:attrNameLst>
-                                          <p:attrName>ppt_x</p:attrName>
-                                          <p:attrName>ppt_y</p:attrName>
-                                        </p:attrNameLst>
-                                      </p:cBhvr>
-                                      <p:rCtr x="-109" y="76"/>
-                                    </p:animMotion>
                                   </p:childTnLst>
                                 </p:cTn>
                               </p:par>
@@ -13090,14 +13229,15 @@
     <p:bldLst>
       <p:bldP spid="9" grpId="0" animBg="1"/>
       <p:bldP spid="15" grpId="0"/>
-      <p:bldP spid="15" grpId="1"/>
       <p:bldP spid="15" grpId="2"/>
       <p:bldP spid="15" grpId="3"/>
+      <p:bldP spid="15" grpId="4"/>
+      <p:bldP spid="15" grpId="5"/>
       <p:bldP spid="16" grpId="0" animBg="1"/>
-      <p:bldP spid="22" grpId="0" animBg="1"/>
-      <p:bldP spid="22" grpId="1" animBg="1"/>
-      <p:bldP spid="22" grpId="2" animBg="1"/>
       <p:bldP spid="24" grpId="0"/>
+      <p:bldP spid="27" grpId="0"/>
+      <p:bldP spid="28" grpId="0" animBg="1"/>
+      <p:bldP spid="37" grpId="0" animBg="1"/>
     </p:bldLst>
   </p:timing>
 </p:sld>
@@ -13184,7 +13324,7 @@
     </p:spTree>
     <p:extLst>
       <p:ext uri="{BB962C8B-B14F-4D97-AF65-F5344CB8AC3E}">
-        <p14:creationId xmlns:p14="http://schemas.microsoft.com/office/powerpoint/2010/main" val="2025061542"/>
+        <p14:creationId xmlns:p14="http://schemas.microsoft.com/office/powerpoint/2010/main" xmlns="" val="2025061542"/>
       </p:ext>
     </p:extLst>
   </p:cSld>
@@ -13244,7 +13384,7 @@
     </p:spTree>
     <p:extLst>
       <p:ext uri="{BB962C8B-B14F-4D97-AF65-F5344CB8AC3E}">
-        <p14:creationId xmlns:p14="http://schemas.microsoft.com/office/powerpoint/2010/main" val="353800143"/>
+        <p14:creationId xmlns:p14="http://schemas.microsoft.com/office/powerpoint/2010/main" xmlns="" val="353800143"/>
       </p:ext>
     </p:extLst>
   </p:cSld>
@@ -13310,10 +13450,10 @@
           <p:nvPr/>
         </p:nvPicPr>
         <p:blipFill>
-          <a:blip r:embed="rId2">
+          <a:blip r:embed="rId2" cstate="print">
             <a:extLst>
               <a:ext uri="{28A0092B-C50C-407E-A947-70E740481C1C}">
-                <a14:useLocalDpi xmlns:a14="http://schemas.microsoft.com/office/drawing/2010/main" val="0"/>
+                <a14:useLocalDpi xmlns:a14="http://schemas.microsoft.com/office/drawing/2010/main" xmlns="" val="0"/>
               </a:ext>
             </a:extLst>
           </a:blip>
@@ -13337,14 +13477,14 @@
           <a:effectLst/>
           <a:extLst>
             <a:ext uri="{909E8E84-426E-40DD-AFC4-6F175D3DCCD1}">
-              <a14:hiddenFill xmlns:a14="http://schemas.microsoft.com/office/drawing/2010/main">
+              <a14:hiddenFill xmlns:a14="http://schemas.microsoft.com/office/drawing/2010/main" xmlns="">
                 <a:solidFill>
                   <a:schemeClr val="accent1"/>
                 </a:solidFill>
               </a14:hiddenFill>
             </a:ext>
             <a:ext uri="{91240B29-F687-4F45-9708-019B960494DF}">
-              <a14:hiddenLine xmlns:a14="http://schemas.microsoft.com/office/drawing/2010/main" w="9525">
+              <a14:hiddenLine xmlns:a14="http://schemas.microsoft.com/office/drawing/2010/main" xmlns="" w="9525">
                 <a:solidFill>
                   <a:schemeClr val="tx1"/>
                 </a:solidFill>
@@ -13354,7 +13494,7 @@
               </a14:hiddenLine>
             </a:ext>
             <a:ext uri="{AF507438-7753-43E0-B8FC-AC1667EBCBE1}">
-              <a14:hiddenEffects xmlns:a14="http://schemas.microsoft.com/office/drawing/2010/main">
+              <a14:hiddenEffects xmlns:a14="http://schemas.microsoft.com/office/drawing/2010/main" xmlns="">
                 <a:effectLst>
                   <a:outerShdw dist="35921" dir="2700000" algn="ctr" rotWithShape="0">
                     <a:schemeClr val="bg2"/>
@@ -13368,7 +13508,7 @@
     </p:spTree>
     <p:extLst>
       <p:ext uri="{BB962C8B-B14F-4D97-AF65-F5344CB8AC3E}">
-        <p14:creationId xmlns:p14="http://schemas.microsoft.com/office/powerpoint/2010/main" val="1922197765"/>
+        <p14:creationId xmlns:p14="http://schemas.microsoft.com/office/powerpoint/2010/main" xmlns="" val="1922197765"/>
       </p:ext>
     </p:extLst>
   </p:cSld>
@@ -13439,10 +13579,10 @@
           <p:nvPr/>
         </p:nvPicPr>
         <p:blipFill>
-          <a:blip r:embed="rId2">
+          <a:blip r:embed="rId2" cstate="print">
             <a:extLst>
               <a:ext uri="{28A0092B-C50C-407E-A947-70E740481C1C}">
-                <a14:useLocalDpi xmlns:a14="http://schemas.microsoft.com/office/drawing/2010/main" val="0"/>
+                <a14:useLocalDpi xmlns:a14="http://schemas.microsoft.com/office/drawing/2010/main" xmlns="" val="0"/>
               </a:ext>
             </a:extLst>
           </a:blip>
@@ -13466,14 +13606,14 @@
           <a:effectLst/>
           <a:extLst>
             <a:ext uri="{909E8E84-426E-40DD-AFC4-6F175D3DCCD1}">
-              <a14:hiddenFill xmlns:a14="http://schemas.microsoft.com/office/drawing/2010/main">
+              <a14:hiddenFill xmlns:a14="http://schemas.microsoft.com/office/drawing/2010/main" xmlns="">
                 <a:solidFill>
                   <a:schemeClr val="accent1"/>
                 </a:solidFill>
               </a14:hiddenFill>
             </a:ext>
             <a:ext uri="{91240B29-F687-4F45-9708-019B960494DF}">
-              <a14:hiddenLine xmlns:a14="http://schemas.microsoft.com/office/drawing/2010/main" w="9525">
+              <a14:hiddenLine xmlns:a14="http://schemas.microsoft.com/office/drawing/2010/main" xmlns="" w="9525">
                 <a:solidFill>
                   <a:schemeClr val="tx1"/>
                 </a:solidFill>
@@ -13483,7 +13623,7 @@
               </a14:hiddenLine>
             </a:ext>
             <a:ext uri="{AF507438-7753-43E0-B8FC-AC1667EBCBE1}">
-              <a14:hiddenEffects xmlns:a14="http://schemas.microsoft.com/office/drawing/2010/main">
+              <a14:hiddenEffects xmlns:a14="http://schemas.microsoft.com/office/drawing/2010/main" xmlns="">
                 <a:effectLst>
                   <a:outerShdw dist="35921" dir="2700000" algn="ctr" rotWithShape="0">
                     <a:schemeClr val="bg2"/>
@@ -13497,7 +13637,7 @@
     </p:spTree>
     <p:extLst>
       <p:ext uri="{BB962C8B-B14F-4D97-AF65-F5344CB8AC3E}">
-        <p14:creationId xmlns:p14="http://schemas.microsoft.com/office/powerpoint/2010/main" val="2572490974"/>
+        <p14:creationId xmlns:p14="http://schemas.microsoft.com/office/powerpoint/2010/main" xmlns="" val="2572490974"/>
       </p:ext>
     </p:extLst>
   </p:cSld>
@@ -13684,7 +13824,7 @@
     </p:spTree>
     <p:extLst>
       <p:ext uri="{BB962C8B-B14F-4D97-AF65-F5344CB8AC3E}">
-        <p14:creationId xmlns:p14="http://schemas.microsoft.com/office/powerpoint/2010/main" val="143085231"/>
+        <p14:creationId xmlns:p14="http://schemas.microsoft.com/office/powerpoint/2010/main" xmlns="" val="143085231"/>
       </p:ext>
     </p:extLst>
   </p:cSld>
@@ -13851,7 +13991,7 @@
           <p:nvPr>
             <p:extLst>
               <p:ext uri="{D42A27DB-BD31-4B8C-83A1-F6EECF244321}">
-                <p14:modId xmlns:p14="http://schemas.microsoft.com/office/powerpoint/2010/main" val="3943238416"/>
+                <p14:modId xmlns:p14="http://schemas.microsoft.com/office/powerpoint/2010/main" xmlns="" val="3943238416"/>
               </p:ext>
             </p:extLst>
           </p:nvPr>
@@ -15361,7 +15501,7 @@
           <a:blip r:embed="rId2" cstate="print">
             <a:extLst>
               <a:ext uri="{28A0092B-C50C-407E-A947-70E740481C1C}">
-                <a14:useLocalDpi xmlns:a14="http://schemas.microsoft.com/office/drawing/2010/main" val="0"/>
+                <a14:useLocalDpi xmlns:a14="http://schemas.microsoft.com/office/drawing/2010/main" xmlns="" val="0"/>
               </a:ext>
             </a:extLst>
           </a:blip>
@@ -15551,7 +15691,7 @@
     </p:spTree>
     <p:extLst>
       <p:ext uri="{BB962C8B-B14F-4D97-AF65-F5344CB8AC3E}">
-        <p14:creationId xmlns:p14="http://schemas.microsoft.com/office/powerpoint/2010/main" val="772982720"/>
+        <p14:creationId xmlns:p14="http://schemas.microsoft.com/office/powerpoint/2010/main" xmlns="" val="772982720"/>
       </p:ext>
     </p:extLst>
   </p:cSld>
@@ -16252,10 +16392,10 @@
           </p:nvPr>
         </p:nvPicPr>
         <p:blipFill>
-          <a:blip r:embed="rId2">
+          <a:blip r:embed="rId2" cstate="print">
             <a:extLst>
               <a:ext uri="{28A0092B-C50C-407E-A947-70E740481C1C}">
-                <a14:useLocalDpi xmlns:a14="http://schemas.microsoft.com/office/drawing/2010/main" val="0"/>
+                <a14:useLocalDpi xmlns:a14="http://schemas.microsoft.com/office/drawing/2010/main" xmlns="" val="0"/>
               </a:ext>
             </a:extLst>
           </a:blip>
@@ -16274,7 +16414,7 @@
     </p:spTree>
     <p:extLst>
       <p:ext uri="{BB962C8B-B14F-4D97-AF65-F5344CB8AC3E}">
-        <p14:creationId xmlns:p14="http://schemas.microsoft.com/office/powerpoint/2010/main" val="1632595821"/>
+        <p14:creationId xmlns:p14="http://schemas.microsoft.com/office/powerpoint/2010/main" xmlns="" val="1632595821"/>
       </p:ext>
     </p:extLst>
   </p:cSld>
@@ -16385,7 +16525,7 @@
     </p:spTree>
     <p:extLst>
       <p:ext uri="{BB962C8B-B14F-4D97-AF65-F5344CB8AC3E}">
-        <p14:creationId xmlns:p14="http://schemas.microsoft.com/office/powerpoint/2010/main" val="3574730836"/>
+        <p14:creationId xmlns:p14="http://schemas.microsoft.com/office/powerpoint/2010/main" xmlns="" val="3574730836"/>
       </p:ext>
     </p:extLst>
   </p:cSld>
@@ -16834,7 +16974,7 @@
     </p:spTree>
     <p:extLst>
       <p:ext uri="{BB962C8B-B14F-4D97-AF65-F5344CB8AC3E}">
-        <p14:creationId xmlns:p14="http://schemas.microsoft.com/office/powerpoint/2010/main" val="4137496560"/>
+        <p14:creationId xmlns:p14="http://schemas.microsoft.com/office/powerpoint/2010/main" xmlns="" val="4137496560"/>
       </p:ext>
     </p:extLst>
   </p:cSld>

--- a/trunk/Appli/Méthodologie/Général/Copil/Copil 1/VAL.pptx
+++ b/trunk/Appli/Méthodologie/Général/Copil/Copil 1/VAL.pptx
@@ -4,6 +4,9 @@
   <p:sldMasterIdLst>
     <p:sldMasterId id="2147483720" r:id="rId1"/>
   </p:sldMasterIdLst>
+  <p:notesMasterIdLst>
+    <p:notesMasterId r:id="rId25"/>
+  </p:notesMasterIdLst>
   <p:sldIdLst>
     <p:sldId id="256" r:id="rId2"/>
     <p:sldId id="257" r:id="rId3"/>
@@ -129,6 +132,506 @@
 </p:presentation>
 </file>
 
+<file path=ppt/notesMasters/notesMaster1.xml><?xml version="1.0" encoding="utf-8"?>
+<p:notesMaster xmlns:a="http://schemas.openxmlformats.org/drawingml/2006/main" xmlns:r="http://schemas.openxmlformats.org/officeDocument/2006/relationships" xmlns:p="http://schemas.openxmlformats.org/presentationml/2006/main">
+  <p:cSld>
+    <p:bg>
+      <p:bgRef idx="1001">
+        <a:schemeClr val="bg1"/>
+      </p:bgRef>
+    </p:bg>
+    <p:spTree>
+      <p:nvGrpSpPr>
+        <p:cNvPr id="1" name=""/>
+        <p:cNvGrpSpPr/>
+        <p:nvPr/>
+      </p:nvGrpSpPr>
+      <p:grpSpPr>
+        <a:xfrm>
+          <a:off x="0" y="0"/>
+          <a:ext cx="0" cy="0"/>
+          <a:chOff x="0" y="0"/>
+          <a:chExt cx="0" cy="0"/>
+        </a:xfrm>
+      </p:grpSpPr>
+      <p:sp>
+        <p:nvSpPr>
+          <p:cNvPr id="2" name="Header Placeholder 1"/>
+          <p:cNvSpPr>
+            <a:spLocks noGrp="1"/>
+          </p:cNvSpPr>
+          <p:nvPr>
+            <p:ph type="hdr" sz="quarter"/>
+          </p:nvPr>
+        </p:nvSpPr>
+        <p:spPr>
+          <a:xfrm>
+            <a:off x="0" y="0"/>
+            <a:ext cx="2971800" cy="457200"/>
+          </a:xfrm>
+          <a:prstGeom prst="rect">
+            <a:avLst/>
+          </a:prstGeom>
+        </p:spPr>
+        <p:txBody>
+          <a:bodyPr vert="horz" lIns="91440" tIns="45720" rIns="91440" bIns="45720" rtlCol="0"/>
+          <a:lstStyle>
+            <a:lvl1pPr algn="l">
+              <a:defRPr sz="1200"/>
+            </a:lvl1pPr>
+          </a:lstStyle>
+          <a:p>
+            <a:endParaRPr lang="fr-FR"/>
+          </a:p>
+        </p:txBody>
+      </p:sp>
+      <p:sp>
+        <p:nvSpPr>
+          <p:cNvPr id="3" name="Date Placeholder 2"/>
+          <p:cNvSpPr>
+            <a:spLocks noGrp="1"/>
+          </p:cNvSpPr>
+          <p:nvPr>
+            <p:ph type="dt" idx="1"/>
+          </p:nvPr>
+        </p:nvSpPr>
+        <p:spPr>
+          <a:xfrm>
+            <a:off x="3884613" y="0"/>
+            <a:ext cx="2971800" cy="457200"/>
+          </a:xfrm>
+          <a:prstGeom prst="rect">
+            <a:avLst/>
+          </a:prstGeom>
+        </p:spPr>
+        <p:txBody>
+          <a:bodyPr vert="horz" lIns="91440" tIns="45720" rIns="91440" bIns="45720" rtlCol="0"/>
+          <a:lstStyle>
+            <a:lvl1pPr algn="r">
+              <a:defRPr sz="1200"/>
+            </a:lvl1pPr>
+          </a:lstStyle>
+          <a:p>
+            <a:fld id="{465F8346-AC1B-4ED9-A5A2-49BCE3C4FB8F}" type="datetimeFigureOut">
+              <a:rPr lang="fr-FR" smtClean="0"/>
+              <a:t>04/12/2012</a:t>
+            </a:fld>
+            <a:endParaRPr lang="fr-FR"/>
+          </a:p>
+        </p:txBody>
+      </p:sp>
+      <p:sp>
+        <p:nvSpPr>
+          <p:cNvPr id="4" name="Slide Image Placeholder 3"/>
+          <p:cNvSpPr>
+            <a:spLocks noGrp="1" noRot="1" noChangeAspect="1"/>
+          </p:cNvSpPr>
+          <p:nvPr>
+            <p:ph type="sldImg" idx="2"/>
+          </p:nvPr>
+        </p:nvSpPr>
+        <p:spPr>
+          <a:xfrm>
+            <a:off x="1143000" y="685800"/>
+            <a:ext cx="4572000" cy="3429000"/>
+          </a:xfrm>
+          <a:prstGeom prst="rect">
+            <a:avLst/>
+          </a:prstGeom>
+          <a:noFill/>
+          <a:ln w="12700">
+            <a:solidFill>
+              <a:prstClr val="black"/>
+            </a:solidFill>
+          </a:ln>
+        </p:spPr>
+        <p:txBody>
+          <a:bodyPr vert="horz" lIns="91440" tIns="45720" rIns="91440" bIns="45720" rtlCol="0" anchor="ctr"/>
+          <a:lstStyle/>
+          <a:p>
+            <a:endParaRPr lang="fr-FR"/>
+          </a:p>
+        </p:txBody>
+      </p:sp>
+      <p:sp>
+        <p:nvSpPr>
+          <p:cNvPr id="5" name="Notes Placeholder 4"/>
+          <p:cNvSpPr>
+            <a:spLocks noGrp="1"/>
+          </p:cNvSpPr>
+          <p:nvPr>
+            <p:ph type="body" sz="quarter" idx="3"/>
+          </p:nvPr>
+        </p:nvSpPr>
+        <p:spPr>
+          <a:xfrm>
+            <a:off x="685800" y="4343400"/>
+            <a:ext cx="5486400" cy="4114800"/>
+          </a:xfrm>
+          <a:prstGeom prst="rect">
+            <a:avLst/>
+          </a:prstGeom>
+        </p:spPr>
+        <p:txBody>
+          <a:bodyPr vert="horz" lIns="91440" tIns="45720" rIns="91440" bIns="45720" rtlCol="0"/>
+          <a:lstStyle/>
+          <a:p>
+            <a:pPr lvl="0"/>
+            <a:r>
+              <a:rPr lang="en-US" smtClean="0"/>
+              <a:t>Click to edit Master text styles</a:t>
+            </a:r>
+          </a:p>
+          <a:p>
+            <a:pPr lvl="1"/>
+            <a:r>
+              <a:rPr lang="en-US" smtClean="0"/>
+              <a:t>Second level</a:t>
+            </a:r>
+          </a:p>
+          <a:p>
+            <a:pPr lvl="2"/>
+            <a:r>
+              <a:rPr lang="en-US" smtClean="0"/>
+              <a:t>Third level</a:t>
+            </a:r>
+          </a:p>
+          <a:p>
+            <a:pPr lvl="3"/>
+            <a:r>
+              <a:rPr lang="en-US" smtClean="0"/>
+              <a:t>Fourth level</a:t>
+            </a:r>
+          </a:p>
+          <a:p>
+            <a:pPr lvl="4"/>
+            <a:r>
+              <a:rPr lang="en-US" smtClean="0"/>
+              <a:t>Fifth level</a:t>
+            </a:r>
+            <a:endParaRPr lang="fr-FR"/>
+          </a:p>
+        </p:txBody>
+      </p:sp>
+      <p:sp>
+        <p:nvSpPr>
+          <p:cNvPr id="6" name="Footer Placeholder 5"/>
+          <p:cNvSpPr>
+            <a:spLocks noGrp="1"/>
+          </p:cNvSpPr>
+          <p:nvPr>
+            <p:ph type="ftr" sz="quarter" idx="4"/>
+          </p:nvPr>
+        </p:nvSpPr>
+        <p:spPr>
+          <a:xfrm>
+            <a:off x="0" y="8685213"/>
+            <a:ext cx="2971800" cy="457200"/>
+          </a:xfrm>
+          <a:prstGeom prst="rect">
+            <a:avLst/>
+          </a:prstGeom>
+        </p:spPr>
+        <p:txBody>
+          <a:bodyPr vert="horz" lIns="91440" tIns="45720" rIns="91440" bIns="45720" rtlCol="0" anchor="b"/>
+          <a:lstStyle>
+            <a:lvl1pPr algn="l">
+              <a:defRPr sz="1200"/>
+            </a:lvl1pPr>
+          </a:lstStyle>
+          <a:p>
+            <a:endParaRPr lang="fr-FR"/>
+          </a:p>
+        </p:txBody>
+      </p:sp>
+      <p:sp>
+        <p:nvSpPr>
+          <p:cNvPr id="7" name="Slide Number Placeholder 6"/>
+          <p:cNvSpPr>
+            <a:spLocks noGrp="1"/>
+          </p:cNvSpPr>
+          <p:nvPr>
+            <p:ph type="sldNum" sz="quarter" idx="5"/>
+          </p:nvPr>
+        </p:nvSpPr>
+        <p:spPr>
+          <a:xfrm>
+            <a:off x="3884613" y="8685213"/>
+            <a:ext cx="2971800" cy="457200"/>
+          </a:xfrm>
+          <a:prstGeom prst="rect">
+            <a:avLst/>
+          </a:prstGeom>
+        </p:spPr>
+        <p:txBody>
+          <a:bodyPr vert="horz" lIns="91440" tIns="45720" rIns="91440" bIns="45720" rtlCol="0" anchor="b"/>
+          <a:lstStyle>
+            <a:lvl1pPr algn="r">
+              <a:defRPr sz="1200"/>
+            </a:lvl1pPr>
+          </a:lstStyle>
+          <a:p>
+            <a:fld id="{F98BCAEF-4157-483F-814F-91DCDC9C17BC}" type="slidenum">
+              <a:rPr lang="fr-FR" smtClean="0"/>
+              <a:t>‹#›</a:t>
+            </a:fld>
+            <a:endParaRPr lang="fr-FR"/>
+          </a:p>
+        </p:txBody>
+      </p:sp>
+    </p:spTree>
+    <p:extLst>
+      <p:ext uri="{BB962C8B-B14F-4D97-AF65-F5344CB8AC3E}">
+        <p14:creationId xmlns:p14="http://schemas.microsoft.com/office/powerpoint/2010/main" val="958719818"/>
+      </p:ext>
+    </p:extLst>
+  </p:cSld>
+  <p:clrMap bg1="lt1" tx1="dk1" bg2="lt2" tx2="dk2" accent1="accent1" accent2="accent2" accent3="accent3" accent4="accent4" accent5="accent5" accent6="accent6" hlink="hlink" folHlink="folHlink"/>
+  <p:notesStyle>
+    <a:lvl1pPr marL="0" algn="l" defTabSz="914400" rtl="0" eaLnBrk="1" latinLnBrk="0" hangingPunct="1">
+      <a:defRPr sz="1200" kern="1200">
+        <a:solidFill>
+          <a:schemeClr val="tx1"/>
+        </a:solidFill>
+        <a:latin typeface="+mn-lt"/>
+        <a:ea typeface="+mn-ea"/>
+        <a:cs typeface="+mn-cs"/>
+      </a:defRPr>
+    </a:lvl1pPr>
+    <a:lvl2pPr marL="457200" algn="l" defTabSz="914400" rtl="0" eaLnBrk="1" latinLnBrk="0" hangingPunct="1">
+      <a:defRPr sz="1200" kern="1200">
+        <a:solidFill>
+          <a:schemeClr val="tx1"/>
+        </a:solidFill>
+        <a:latin typeface="+mn-lt"/>
+        <a:ea typeface="+mn-ea"/>
+        <a:cs typeface="+mn-cs"/>
+      </a:defRPr>
+    </a:lvl2pPr>
+    <a:lvl3pPr marL="914400" algn="l" defTabSz="914400" rtl="0" eaLnBrk="1" latinLnBrk="0" hangingPunct="1">
+      <a:defRPr sz="1200" kern="1200">
+        <a:solidFill>
+          <a:schemeClr val="tx1"/>
+        </a:solidFill>
+        <a:latin typeface="+mn-lt"/>
+        <a:ea typeface="+mn-ea"/>
+        <a:cs typeface="+mn-cs"/>
+      </a:defRPr>
+    </a:lvl3pPr>
+    <a:lvl4pPr marL="1371600" algn="l" defTabSz="914400" rtl="0" eaLnBrk="1" latinLnBrk="0" hangingPunct="1">
+      <a:defRPr sz="1200" kern="1200">
+        <a:solidFill>
+          <a:schemeClr val="tx1"/>
+        </a:solidFill>
+        <a:latin typeface="+mn-lt"/>
+        <a:ea typeface="+mn-ea"/>
+        <a:cs typeface="+mn-cs"/>
+      </a:defRPr>
+    </a:lvl4pPr>
+    <a:lvl5pPr marL="1828800" algn="l" defTabSz="914400" rtl="0" eaLnBrk="1" latinLnBrk="0" hangingPunct="1">
+      <a:defRPr sz="1200" kern="1200">
+        <a:solidFill>
+          <a:schemeClr val="tx1"/>
+        </a:solidFill>
+        <a:latin typeface="+mn-lt"/>
+        <a:ea typeface="+mn-ea"/>
+        <a:cs typeface="+mn-cs"/>
+      </a:defRPr>
+    </a:lvl5pPr>
+    <a:lvl6pPr marL="2286000" algn="l" defTabSz="914400" rtl="0" eaLnBrk="1" latinLnBrk="0" hangingPunct="1">
+      <a:defRPr sz="1200" kern="1200">
+        <a:solidFill>
+          <a:schemeClr val="tx1"/>
+        </a:solidFill>
+        <a:latin typeface="+mn-lt"/>
+        <a:ea typeface="+mn-ea"/>
+        <a:cs typeface="+mn-cs"/>
+      </a:defRPr>
+    </a:lvl6pPr>
+    <a:lvl7pPr marL="2743200" algn="l" defTabSz="914400" rtl="0" eaLnBrk="1" latinLnBrk="0" hangingPunct="1">
+      <a:defRPr sz="1200" kern="1200">
+        <a:solidFill>
+          <a:schemeClr val="tx1"/>
+        </a:solidFill>
+        <a:latin typeface="+mn-lt"/>
+        <a:ea typeface="+mn-ea"/>
+        <a:cs typeface="+mn-cs"/>
+      </a:defRPr>
+    </a:lvl7pPr>
+    <a:lvl8pPr marL="3200400" algn="l" defTabSz="914400" rtl="0" eaLnBrk="1" latinLnBrk="0" hangingPunct="1">
+      <a:defRPr sz="1200" kern="1200">
+        <a:solidFill>
+          <a:schemeClr val="tx1"/>
+        </a:solidFill>
+        <a:latin typeface="+mn-lt"/>
+        <a:ea typeface="+mn-ea"/>
+        <a:cs typeface="+mn-cs"/>
+      </a:defRPr>
+    </a:lvl8pPr>
+    <a:lvl9pPr marL="3657600" algn="l" defTabSz="914400" rtl="0" eaLnBrk="1" latinLnBrk="0" hangingPunct="1">
+      <a:defRPr sz="1200" kern="1200">
+        <a:solidFill>
+          <a:schemeClr val="tx1"/>
+        </a:solidFill>
+        <a:latin typeface="+mn-lt"/>
+        <a:ea typeface="+mn-ea"/>
+        <a:cs typeface="+mn-cs"/>
+      </a:defRPr>
+    </a:lvl9pPr>
+  </p:notesStyle>
+</p:notesMaster>
+</file>
+
+<file path=ppt/notesSlides/notesSlide1.xml><?xml version="1.0" encoding="utf-8"?>
+<p:notes xmlns:a="http://schemas.openxmlformats.org/drawingml/2006/main" xmlns:r="http://schemas.openxmlformats.org/officeDocument/2006/relationships" xmlns:p="http://schemas.openxmlformats.org/presentationml/2006/main">
+  <p:cSld>
+    <p:spTree>
+      <p:nvGrpSpPr>
+        <p:cNvPr id="1" name=""/>
+        <p:cNvGrpSpPr/>
+        <p:nvPr/>
+      </p:nvGrpSpPr>
+      <p:grpSpPr>
+        <a:xfrm>
+          <a:off x="0" y="0"/>
+          <a:ext cx="0" cy="0"/>
+          <a:chOff x="0" y="0"/>
+          <a:chExt cx="0" cy="0"/>
+        </a:xfrm>
+      </p:grpSpPr>
+      <p:sp>
+        <p:nvSpPr>
+          <p:cNvPr id="2" name="Slide Image Placeholder 1"/>
+          <p:cNvSpPr>
+            <a:spLocks noGrp="1" noRot="1" noChangeAspect="1"/>
+          </p:cNvSpPr>
+          <p:nvPr>
+            <p:ph type="sldImg"/>
+          </p:nvPr>
+        </p:nvSpPr>
+        <p:spPr/>
+      </p:sp>
+      <p:sp>
+        <p:nvSpPr>
+          <p:cNvPr id="3" name="Notes Placeholder 2"/>
+          <p:cNvSpPr>
+            <a:spLocks noGrp="1"/>
+          </p:cNvSpPr>
+          <p:nvPr>
+            <p:ph type="body" idx="1"/>
+          </p:nvPr>
+        </p:nvSpPr>
+        <p:spPr/>
+        <p:txBody>
+          <a:bodyPr/>
+          <a:lstStyle/>
+          <a:p>
+            <a:r>
+              <a:rPr lang="fr-FR" dirty="0" smtClean="0"/>
+              <a:t>Dans</a:t>
+            </a:r>
+            <a:r>
+              <a:rPr lang="fr-FR" baseline="0" dirty="0" smtClean="0"/>
+              <a:t> le contexte d’un projet de grande envergure, le travail des différents membres du projet doit être coordonné, et ce, au travers un environnement qu’on appelle : Système d’intégration.</a:t>
+            </a:r>
+          </a:p>
+          <a:p>
+            <a:r>
+              <a:rPr lang="fr-FR" baseline="0" dirty="0" smtClean="0"/>
+              <a:t>Chaque membre du projet peut mettre à jour son dossier projet avec les différents développements réalisés par les autres membres et peut publier ce qu’il a développé lui-même (ce sont les actions « Update » et « Commit ») qui sont faits par le logiciel de gestion de versions SVN.</a:t>
+            </a:r>
+          </a:p>
+          <a:p>
+            <a:r>
+              <a:rPr lang="fr-FR" baseline="0" dirty="0" smtClean="0"/>
+              <a:t>celui-ci dispose du projet et du fichier de dépendances « Pom.xml ».</a:t>
+            </a:r>
+          </a:p>
+          <a:p>
+            <a:r>
+              <a:rPr lang="fr-FR" baseline="0" dirty="0" smtClean="0"/>
+              <a:t>Chaque action validée dans SVN est tout de suite intégrée dans Jenkins pour effectuer les tests unitaires nécessaires et les tests de non régression. Ce dernier a besoin de </a:t>
+            </a:r>
+            <a:r>
+              <a:rPr lang="fr-FR" baseline="0" dirty="0" err="1" smtClean="0"/>
+              <a:t>Maven</a:t>
+            </a:r>
+            <a:r>
+              <a:rPr lang="fr-FR" baseline="0" dirty="0" smtClean="0"/>
+              <a:t> installé sur la machine ainsi que d’un fichier de configuration « settings.xml ».</a:t>
+            </a:r>
+          </a:p>
+          <a:p>
+            <a:r>
+              <a:rPr lang="fr-FR" baseline="0" dirty="0" smtClean="0"/>
+              <a:t>À la fin de la Release, Jenkins génère les Jars à intégrer dans le </a:t>
+            </a:r>
+            <a:r>
+              <a:rPr lang="fr-FR" baseline="0" dirty="0" err="1" smtClean="0"/>
+              <a:t>Repository</a:t>
+            </a:r>
+            <a:r>
+              <a:rPr lang="fr-FR" baseline="0" dirty="0" smtClean="0"/>
+              <a:t> de « </a:t>
+            </a:r>
+            <a:r>
+              <a:rPr lang="fr-FR" baseline="0" dirty="0" err="1" smtClean="0"/>
+              <a:t>Nexus</a:t>
+            </a:r>
+            <a:r>
+              <a:rPr lang="fr-FR" baseline="0" dirty="0" smtClean="0"/>
+              <a:t> » dont l’adresse est connue chez Jenkins dans le fichier de configuration.</a:t>
+            </a:r>
+          </a:p>
+          <a:p>
+            <a:r>
+              <a:rPr lang="fr-FR" baseline="0" dirty="0" smtClean="0"/>
+              <a:t>A chaque traitement de Jenkins, les résultats sont transmis via un flux de données à « Sonar » qui les interprètes sous une représentation graphique, et qui permet d’avoir le détail des différents résultats ainsi que l’historique stockée dans une base de données de </a:t>
+            </a:r>
+            <a:r>
+              <a:rPr lang="fr-FR" baseline="0" smtClean="0"/>
+              <a:t>Sonar.</a:t>
+            </a:r>
+            <a:endParaRPr lang="fr-FR" baseline="0" dirty="0" smtClean="0"/>
+          </a:p>
+        </p:txBody>
+      </p:sp>
+      <p:sp>
+        <p:nvSpPr>
+          <p:cNvPr id="4" name="Slide Number Placeholder 3"/>
+          <p:cNvSpPr>
+            <a:spLocks noGrp="1"/>
+          </p:cNvSpPr>
+          <p:nvPr>
+            <p:ph type="sldNum" sz="quarter" idx="10"/>
+          </p:nvPr>
+        </p:nvSpPr>
+        <p:spPr/>
+        <p:txBody>
+          <a:bodyPr/>
+          <a:lstStyle/>
+          <a:p>
+            <a:fld id="{F98BCAEF-4157-483F-814F-91DCDC9C17BC}" type="slidenum">
+              <a:rPr lang="fr-FR" smtClean="0"/>
+              <a:t>17</a:t>
+            </a:fld>
+            <a:endParaRPr lang="fr-FR"/>
+          </a:p>
+        </p:txBody>
+      </p:sp>
+    </p:spTree>
+    <p:extLst>
+      <p:ext uri="{BB962C8B-B14F-4D97-AF65-F5344CB8AC3E}">
+        <p14:creationId xmlns:p14="http://schemas.microsoft.com/office/powerpoint/2010/main" val="1918925604"/>
+      </p:ext>
+    </p:extLst>
+  </p:cSld>
+  <p:clrMapOvr>
+    <a:masterClrMapping/>
+  </p:clrMapOvr>
+</p:notes>
+</file>
+
 <file path=ppt/slideLayouts/slideLayout1.xml><?xml version="1.0" encoding="utf-8"?>
 <p:sldLayout xmlns:a="http://schemas.openxmlformats.org/drawingml/2006/main" xmlns:r="http://schemas.openxmlformats.org/officeDocument/2006/relationships" xmlns:p="http://schemas.openxmlformats.org/presentationml/2006/main" type="title" preserve="1">
   <p:cSld name="Title Slide">
@@ -361,7 +864,7 @@
             <a:fld id="{B6F15528-21DE-4FAA-801E-634DDDAF4B2B}" type="slidenum">
               <a:rPr lang="en-US" smtClean="0"/>
               <a:pPr/>
-              <a:t>‹N°›</a:t>
+              <a:t>‹#›</a:t>
             </a:fld>
             <a:endParaRPr lang="en-US"/>
           </a:p>
@@ -563,7 +1066,7 @@
             <a:fld id="{B6F15528-21DE-4FAA-801E-634DDDAF4B2B}" type="slidenum">
               <a:rPr lang="en-US" smtClean="0"/>
               <a:pPr/>
-              <a:t>‹N°›</a:t>
+              <a:t>‹#›</a:t>
             </a:fld>
             <a:endParaRPr lang="en-US"/>
           </a:p>
@@ -740,7 +1243,7 @@
             <a:fld id="{B6F15528-21DE-4FAA-801E-634DDDAF4B2B}" type="slidenum">
               <a:rPr lang="en-US" smtClean="0"/>
               <a:pPr/>
-              <a:t>‹N°›</a:t>
+              <a:t>‹#›</a:t>
             </a:fld>
             <a:endParaRPr lang="en-US"/>
           </a:p>
@@ -907,7 +1410,7 @@
             <a:fld id="{B6F15528-21DE-4FAA-801E-634DDDAF4B2B}" type="slidenum">
               <a:rPr lang="en-US" smtClean="0"/>
               <a:pPr/>
-              <a:t>‹N°›</a:t>
+              <a:t>‹#›</a:t>
             </a:fld>
             <a:endParaRPr lang="en-US"/>
           </a:p>
@@ -1157,7 +1660,7 @@
             <a:fld id="{B6F15528-21DE-4FAA-801E-634DDDAF4B2B}" type="slidenum">
               <a:rPr lang="en-US" smtClean="0"/>
               <a:pPr/>
-              <a:t>‹N°›</a:t>
+              <a:t>‹#›</a:t>
             </a:fld>
             <a:endParaRPr lang="en-US"/>
           </a:p>
@@ -1477,7 +1980,7 @@
             <a:fld id="{B6F15528-21DE-4FAA-801E-634DDDAF4B2B}" type="slidenum">
               <a:rPr lang="en-US" smtClean="0"/>
               <a:pPr/>
-              <a:t>‹N°›</a:t>
+              <a:t>‹#›</a:t>
             </a:fld>
             <a:endParaRPr lang="en-US"/>
           </a:p>
@@ -1945,7 +2448,7 @@
             <a:fld id="{B6F15528-21DE-4FAA-801E-634DDDAF4B2B}" type="slidenum">
               <a:rPr lang="en-US" smtClean="0"/>
               <a:pPr/>
-              <a:t>‹N°›</a:t>
+              <a:t>‹#›</a:t>
             </a:fld>
             <a:endParaRPr lang="en-US"/>
           </a:p>
@@ -2095,7 +2598,7 @@
             <a:fld id="{B6F15528-21DE-4FAA-801E-634DDDAF4B2B}" type="slidenum">
               <a:rPr lang="en-US" smtClean="0"/>
               <a:pPr/>
-              <a:t>‹N°›</a:t>
+              <a:t>‹#›</a:t>
             </a:fld>
             <a:endParaRPr lang="en-US"/>
           </a:p>
@@ -2187,7 +2690,7 @@
             <a:fld id="{B6F15528-21DE-4FAA-801E-634DDDAF4B2B}" type="slidenum">
               <a:rPr lang="en-US" smtClean="0"/>
               <a:pPr/>
-              <a:t>‹N°›</a:t>
+              <a:t>‹#›</a:t>
             </a:fld>
             <a:endParaRPr lang="en-US"/>
           </a:p>
@@ -2463,7 +2966,7 @@
             <a:fld id="{B6F15528-21DE-4FAA-801E-634DDDAF4B2B}" type="slidenum">
               <a:rPr lang="en-US" smtClean="0"/>
               <a:pPr/>
-              <a:t>‹N°›</a:t>
+              <a:t>‹#›</a:t>
             </a:fld>
             <a:endParaRPr lang="en-US"/>
           </a:p>
@@ -2770,7 +3273,7 @@
             <a:fld id="{B6F15528-21DE-4FAA-801E-634DDDAF4B2B}" type="slidenum">
               <a:rPr lang="en-US" smtClean="0"/>
               <a:pPr/>
-              <a:t>‹N°›</a:t>
+              <a:t>‹#›</a:t>
             </a:fld>
             <a:endParaRPr lang="en-US"/>
           </a:p>
@@ -3102,7 +3605,7 @@
             <a:fld id="{B6F15528-21DE-4FAA-801E-634DDDAF4B2B}" type="slidenum">
               <a:rPr lang="en-US" smtClean="0"/>
               <a:pPr/>
-              <a:t>‹N°›</a:t>
+              <a:t>‹#›</a:t>
             </a:fld>
             <a:endParaRPr lang="en-US"/>
           </a:p>
@@ -3474,7 +3977,7 @@
     </p:spTree>
     <p:extLst>
       <p:ext uri="{BB962C8B-B14F-4D97-AF65-F5344CB8AC3E}">
-        <p14:creationId xmlns:p14="http://schemas.microsoft.com/office/powerpoint/2010/main" xmlns="" val="3992780646"/>
+        <p14:creationId xmlns:p14="http://schemas.microsoft.com/office/powerpoint/2010/main" val="3992780646"/>
       </p:ext>
     </p:extLst>
   </p:cSld>
@@ -3543,7 +4046,7 @@
           <a:blip r:embed="rId2" cstate="print">
             <a:extLst>
               <a:ext uri="{28A0092B-C50C-407E-A947-70E740481C1C}">
-                <a14:useLocalDpi xmlns:a14="http://schemas.microsoft.com/office/drawing/2010/main" xmlns="" val="0"/>
+                <a14:useLocalDpi xmlns:a14="http://schemas.microsoft.com/office/drawing/2010/main" val="0"/>
               </a:ext>
             </a:extLst>
           </a:blip>
@@ -3567,14 +4070,14 @@
           <a:effectLst/>
           <a:extLst>
             <a:ext uri="{909E8E84-426E-40DD-AFC4-6F175D3DCCD1}">
-              <a14:hiddenFill xmlns:a14="http://schemas.microsoft.com/office/drawing/2010/main" xmlns="">
+              <a14:hiddenFill xmlns:a14="http://schemas.microsoft.com/office/drawing/2010/main">
                 <a:solidFill>
                   <a:schemeClr val="accent1"/>
                 </a:solidFill>
               </a14:hiddenFill>
             </a:ext>
             <a:ext uri="{91240B29-F687-4F45-9708-019B960494DF}">
-              <a14:hiddenLine xmlns:a14="http://schemas.microsoft.com/office/drawing/2010/main" xmlns="" w="9525">
+              <a14:hiddenLine xmlns:a14="http://schemas.microsoft.com/office/drawing/2010/main" w="9525">
                 <a:solidFill>
                   <a:schemeClr val="tx1"/>
                 </a:solidFill>
@@ -3584,7 +4087,7 @@
               </a14:hiddenLine>
             </a:ext>
             <a:ext uri="{AF507438-7753-43E0-B8FC-AC1667EBCBE1}">
-              <a14:hiddenEffects xmlns:a14="http://schemas.microsoft.com/office/drawing/2010/main" xmlns="">
+              <a14:hiddenEffects xmlns:a14="http://schemas.microsoft.com/office/drawing/2010/main">
                 <a:effectLst>
                   <a:outerShdw dist="35921" dir="2700000" algn="ctr" rotWithShape="0">
                     <a:schemeClr val="bg2"/>
@@ -3598,7 +4101,7 @@
     </p:spTree>
     <p:extLst>
       <p:ext uri="{BB962C8B-B14F-4D97-AF65-F5344CB8AC3E}">
-        <p14:creationId xmlns:p14="http://schemas.microsoft.com/office/powerpoint/2010/main" xmlns="" val="340587284"/>
+        <p14:creationId xmlns:p14="http://schemas.microsoft.com/office/powerpoint/2010/main" val="340587284"/>
       </p:ext>
     </p:extLst>
   </p:cSld>
@@ -3667,7 +4170,7 @@
           <a:blip r:embed="rId2" cstate="print">
             <a:extLst>
               <a:ext uri="{28A0092B-C50C-407E-A947-70E740481C1C}">
-                <a14:useLocalDpi xmlns:a14="http://schemas.microsoft.com/office/drawing/2010/main" xmlns="" val="0"/>
+                <a14:useLocalDpi xmlns:a14="http://schemas.microsoft.com/office/drawing/2010/main" val="0"/>
               </a:ext>
             </a:extLst>
           </a:blip>
@@ -3687,7 +4190,7 @@
           <a:noFill/>
           <a:extLst>
             <a:ext uri="{909E8E84-426E-40DD-AFC4-6F175D3DCCD1}">
-              <a14:hiddenFill xmlns:a14="http://schemas.microsoft.com/office/drawing/2010/main" xmlns="">
+              <a14:hiddenFill xmlns:a14="http://schemas.microsoft.com/office/drawing/2010/main">
                 <a:solidFill>
                   <a:srgbClr val="FFFFFF"/>
                 </a:solidFill>
@@ -3699,7 +4202,7 @@
     </p:spTree>
     <p:extLst>
       <p:ext uri="{BB962C8B-B14F-4D97-AF65-F5344CB8AC3E}">
-        <p14:creationId xmlns:p14="http://schemas.microsoft.com/office/powerpoint/2010/main" xmlns="" val="4292440096"/>
+        <p14:creationId xmlns:p14="http://schemas.microsoft.com/office/powerpoint/2010/main" val="4292440096"/>
       </p:ext>
     </p:extLst>
   </p:cSld>
@@ -3772,7 +4275,7 @@
           <p:nvPr>
             <p:extLst>
               <p:ext uri="{D42A27DB-BD31-4B8C-83A1-F6EECF244321}">
-                <p14:modId xmlns:p14="http://schemas.microsoft.com/office/powerpoint/2010/main" xmlns="" val="1117665806"/>
+                <p14:modId xmlns:p14="http://schemas.microsoft.com/office/powerpoint/2010/main" val="1117665806"/>
               </p:ext>
             </p:extLst>
           </p:nvPr>
@@ -6775,7 +7278,7 @@
     </p:spTree>
     <p:extLst>
       <p:ext uri="{BB962C8B-B14F-4D97-AF65-F5344CB8AC3E}">
-        <p14:creationId xmlns:p14="http://schemas.microsoft.com/office/powerpoint/2010/main" xmlns="" val="3388311297"/>
+        <p14:creationId xmlns:p14="http://schemas.microsoft.com/office/powerpoint/2010/main" val="3388311297"/>
       </p:ext>
     </p:extLst>
   </p:cSld>
@@ -6819,7 +7322,7 @@
             <p:ph idx="1"/>
             <p:extLst>
               <p:ext uri="{D42A27DB-BD31-4B8C-83A1-F6EECF244321}">
-                <p14:modId xmlns:p14="http://schemas.microsoft.com/office/powerpoint/2010/main" xmlns="" val="1037633673"/>
+                <p14:modId xmlns:p14="http://schemas.microsoft.com/office/powerpoint/2010/main" val="1037633673"/>
               </p:ext>
             </p:extLst>
           </p:nvPr>
@@ -8565,7 +9068,7 @@
     </p:spTree>
     <p:extLst>
       <p:ext uri="{BB962C8B-B14F-4D97-AF65-F5344CB8AC3E}">
-        <p14:creationId xmlns:p14="http://schemas.microsoft.com/office/powerpoint/2010/main" xmlns="" val="1660990754"/>
+        <p14:creationId xmlns:p14="http://schemas.microsoft.com/office/powerpoint/2010/main" val="1660990754"/>
       </p:ext>
     </p:extLst>
   </p:cSld>
@@ -8679,7 +9182,7 @@
             </a:r>
             <a:r>
               <a:rPr lang="fr-FR" dirty="0" err="1" smtClean="0"/>
-              <a:t>Javalotion</a:t>
+              <a:t>Javolotion</a:t>
             </a:r>
             <a:endParaRPr lang="fr-FR" dirty="0"/>
           </a:p>
@@ -8716,7 +9219,7 @@
     </p:spTree>
     <p:extLst>
       <p:ext uri="{BB962C8B-B14F-4D97-AF65-F5344CB8AC3E}">
-        <p14:creationId xmlns:p14="http://schemas.microsoft.com/office/powerpoint/2010/main" xmlns="" val="1259481295"/>
+        <p14:creationId xmlns:p14="http://schemas.microsoft.com/office/powerpoint/2010/main" val="1259481295"/>
       </p:ext>
     </p:extLst>
   </p:cSld>
@@ -9529,7 +10032,7 @@
           <a:blip r:embed="rId2" cstate="print">
             <a:extLst>
               <a:ext uri="{28A0092B-C50C-407E-A947-70E740481C1C}">
-                <a14:useLocalDpi xmlns:a14="http://schemas.microsoft.com/office/drawing/2010/main" xmlns="" val="0"/>
+                <a14:useLocalDpi xmlns:a14="http://schemas.microsoft.com/office/drawing/2010/main" val="0"/>
               </a:ext>
             </a:extLst>
           </a:blip>
@@ -9553,14 +10056,14 @@
           <a:effectLst/>
           <a:extLst>
             <a:ext uri="{909E8E84-426E-40DD-AFC4-6F175D3DCCD1}">
-              <a14:hiddenFill xmlns:a14="http://schemas.microsoft.com/office/drawing/2010/main" xmlns="">
+              <a14:hiddenFill xmlns:a14="http://schemas.microsoft.com/office/drawing/2010/main">
                 <a:solidFill>
                   <a:schemeClr val="accent1"/>
                 </a:solidFill>
               </a14:hiddenFill>
             </a:ext>
             <a:ext uri="{91240B29-F687-4F45-9708-019B960494DF}">
-              <a14:hiddenLine xmlns:a14="http://schemas.microsoft.com/office/drawing/2010/main" xmlns="" w="9525">
+              <a14:hiddenLine xmlns:a14="http://schemas.microsoft.com/office/drawing/2010/main" w="9525">
                 <a:solidFill>
                   <a:schemeClr val="tx1"/>
                 </a:solidFill>
@@ -9570,7 +10073,7 @@
               </a14:hiddenLine>
             </a:ext>
             <a:ext uri="{AF507438-7753-43E0-B8FC-AC1667EBCBE1}">
-              <a14:hiddenEffects xmlns:a14="http://schemas.microsoft.com/office/drawing/2010/main" xmlns="">
+              <a14:hiddenEffects xmlns:a14="http://schemas.microsoft.com/office/drawing/2010/main">
                 <a:effectLst>
                   <a:outerShdw dist="35921" dir="2700000" algn="ctr" rotWithShape="0">
                     <a:schemeClr val="bg2"/>
@@ -9584,7 +10087,7 @@
     </p:spTree>
     <p:extLst>
       <p:ext uri="{BB962C8B-B14F-4D97-AF65-F5344CB8AC3E}">
-        <p14:creationId xmlns:p14="http://schemas.microsoft.com/office/powerpoint/2010/main" xmlns="" val="2043196274"/>
+        <p14:creationId xmlns:p14="http://schemas.microsoft.com/office/powerpoint/2010/main" val="2043196274"/>
       </p:ext>
     </p:extLst>
   </p:cSld>
@@ -9657,7 +10160,7 @@
           <a:blip r:embed="rId2" cstate="print">
             <a:extLst>
               <a:ext uri="{28A0092B-C50C-407E-A947-70E740481C1C}">
-                <a14:useLocalDpi xmlns:a14="http://schemas.microsoft.com/office/drawing/2010/main" xmlns="" val="0"/>
+                <a14:useLocalDpi xmlns:a14="http://schemas.microsoft.com/office/drawing/2010/main" val="0"/>
               </a:ext>
             </a:extLst>
           </a:blip>
@@ -9681,14 +10184,14 @@
           <a:effectLst/>
           <a:extLst>
             <a:ext uri="{909E8E84-426E-40DD-AFC4-6F175D3DCCD1}">
-              <a14:hiddenFill xmlns:a14="http://schemas.microsoft.com/office/drawing/2010/main" xmlns="">
+              <a14:hiddenFill xmlns:a14="http://schemas.microsoft.com/office/drawing/2010/main">
                 <a:solidFill>
                   <a:schemeClr val="accent1"/>
                 </a:solidFill>
               </a14:hiddenFill>
             </a:ext>
             <a:ext uri="{91240B29-F687-4F45-9708-019B960494DF}">
-              <a14:hiddenLine xmlns:a14="http://schemas.microsoft.com/office/drawing/2010/main" xmlns="" w="9525">
+              <a14:hiddenLine xmlns:a14="http://schemas.microsoft.com/office/drawing/2010/main" w="9525">
                 <a:solidFill>
                   <a:schemeClr val="tx1"/>
                 </a:solidFill>
@@ -9698,7 +10201,7 @@
               </a14:hiddenLine>
             </a:ext>
             <a:ext uri="{AF507438-7753-43E0-B8FC-AC1667EBCBE1}">
-              <a14:hiddenEffects xmlns:a14="http://schemas.microsoft.com/office/drawing/2010/main" xmlns="">
+              <a14:hiddenEffects xmlns:a14="http://schemas.microsoft.com/office/drawing/2010/main">
                 <a:effectLst>
                   <a:outerShdw dist="35921" dir="2700000" algn="ctr" rotWithShape="0">
                     <a:schemeClr val="bg2"/>
@@ -9712,7 +10215,7 @@
     </p:spTree>
     <p:extLst>
       <p:ext uri="{BB962C8B-B14F-4D97-AF65-F5344CB8AC3E}">
-        <p14:creationId xmlns:p14="http://schemas.microsoft.com/office/powerpoint/2010/main" xmlns="" val="349231435"/>
+        <p14:creationId xmlns:p14="http://schemas.microsoft.com/office/powerpoint/2010/main" val="349231435"/>
       </p:ext>
     </p:extLst>
   </p:cSld>
@@ -9771,17 +10274,17 @@
       </p:sp>
       <p:pic>
         <p:nvPicPr>
-          <p:cNvPr id="40" name="Picture 39"/>
+          <p:cNvPr id="36" name="Picture 35"/>
           <p:cNvPicPr>
             <a:picLocks noChangeAspect="1"/>
           </p:cNvPicPr>
           <p:nvPr/>
         </p:nvPicPr>
         <p:blipFill>
-          <a:blip r:embed="rId2" cstate="print">
+          <a:blip r:embed="rId3">
             <a:extLst>
               <a:ext uri="{28A0092B-C50C-407E-A947-70E740481C1C}">
-                <a14:useLocalDpi xmlns:a14="http://schemas.microsoft.com/office/drawing/2010/main" xmlns="" val="0"/>
+                <a14:useLocalDpi xmlns:a14="http://schemas.microsoft.com/office/drawing/2010/main" val="0"/>
               </a:ext>
             </a:extLst>
           </a:blip>
@@ -9791,7 +10294,7 @@
         </p:blipFill>
         <p:spPr>
           <a:xfrm>
-            <a:off x="609599" y="3492003"/>
+            <a:off x="517305" y="1797621"/>
             <a:ext cx="562053" cy="485843"/>
           </a:xfrm>
           <a:prstGeom prst="rect">
@@ -9801,17 +10304,17 @@
       </p:pic>
       <p:pic>
         <p:nvPicPr>
-          <p:cNvPr id="41" name="Picture 40"/>
+          <p:cNvPr id="37" name="Picture 36"/>
           <p:cNvPicPr>
             <a:picLocks noChangeAspect="1"/>
           </p:cNvPicPr>
           <p:nvPr/>
         </p:nvPicPr>
         <p:blipFill>
-          <a:blip r:embed="rId2" cstate="print">
+          <a:blip r:embed="rId3">
             <a:extLst>
               <a:ext uri="{28A0092B-C50C-407E-A947-70E740481C1C}">
-                <a14:useLocalDpi xmlns:a14="http://schemas.microsoft.com/office/drawing/2010/main" xmlns="" val="0"/>
+                <a14:useLocalDpi xmlns:a14="http://schemas.microsoft.com/office/drawing/2010/main" val="0"/>
               </a:ext>
             </a:extLst>
           </a:blip>
@@ -9821,7 +10324,7 @@
         </p:blipFill>
         <p:spPr>
           <a:xfrm>
-            <a:off x="1250975" y="3501657"/>
+            <a:off x="1266747" y="1797621"/>
             <a:ext cx="562053" cy="485843"/>
           </a:xfrm>
           <a:prstGeom prst="rect">
@@ -9831,17 +10334,17 @@
       </p:pic>
       <p:pic>
         <p:nvPicPr>
-          <p:cNvPr id="42" name="Picture 41"/>
+          <p:cNvPr id="38" name="Picture 37"/>
           <p:cNvPicPr>
             <a:picLocks noChangeAspect="1"/>
           </p:cNvPicPr>
           <p:nvPr/>
         </p:nvPicPr>
         <p:blipFill>
-          <a:blip r:embed="rId3" cstate="print">
+          <a:blip r:embed="rId4">
             <a:extLst>
               <a:ext uri="{28A0092B-C50C-407E-A947-70E740481C1C}">
-                <a14:useLocalDpi xmlns:a14="http://schemas.microsoft.com/office/drawing/2010/main" xmlns="" val="0"/>
+                <a14:useLocalDpi xmlns:a14="http://schemas.microsoft.com/office/drawing/2010/main" val="0"/>
               </a:ext>
             </a:extLst>
           </a:blip>
@@ -9851,8 +10354,8 @@
         </p:blipFill>
         <p:spPr>
           <a:xfrm>
-            <a:off x="3962400" y="1911057"/>
-            <a:ext cx="695422" cy="924054"/>
+            <a:off x="5638165" y="1804501"/>
+            <a:ext cx="474617" cy="630656"/>
           </a:xfrm>
           <a:prstGeom prst="rect">
             <a:avLst/>
@@ -9861,17 +10364,17 @@
       </p:pic>
       <p:pic>
         <p:nvPicPr>
-          <p:cNvPr id="43" name="Picture 42"/>
+          <p:cNvPr id="73" name="Picture 72"/>
           <p:cNvPicPr>
             <a:picLocks noChangeAspect="1"/>
           </p:cNvPicPr>
           <p:nvPr/>
         </p:nvPicPr>
         <p:blipFill>
-          <a:blip r:embed="rId3" cstate="print">
+          <a:blip r:embed="rId4">
             <a:extLst>
               <a:ext uri="{28A0092B-C50C-407E-A947-70E740481C1C}">
-                <a14:useLocalDpi xmlns:a14="http://schemas.microsoft.com/office/drawing/2010/main" xmlns="" val="0"/>
+                <a14:useLocalDpi xmlns:a14="http://schemas.microsoft.com/office/drawing/2010/main" val="0"/>
               </a:ext>
             </a:extLst>
           </a:blip>
@@ -9881,8 +10384,8 @@
         </p:blipFill>
         <p:spPr>
           <a:xfrm>
-            <a:off x="3923210" y="3687473"/>
-            <a:ext cx="695422" cy="1181013"/>
+            <a:off x="5367289" y="3800845"/>
+            <a:ext cx="695422" cy="1097625"/>
           </a:xfrm>
           <a:prstGeom prst="rect">
             <a:avLst/>
@@ -9891,17 +10394,17 @@
       </p:pic>
       <p:pic>
         <p:nvPicPr>
-          <p:cNvPr id="44" name="Picture 43"/>
+          <p:cNvPr id="74" name="Picture 73"/>
           <p:cNvPicPr>
             <a:picLocks noChangeAspect="1"/>
           </p:cNvPicPr>
           <p:nvPr/>
         </p:nvPicPr>
         <p:blipFill>
-          <a:blip r:embed="rId3" cstate="print">
+          <a:blip r:embed="rId4">
             <a:extLst>
               <a:ext uri="{28A0092B-C50C-407E-A947-70E740481C1C}">
-                <a14:useLocalDpi xmlns:a14="http://schemas.microsoft.com/office/drawing/2010/main" xmlns="" val="0"/>
+                <a14:useLocalDpi xmlns:a14="http://schemas.microsoft.com/office/drawing/2010/main" val="0"/>
               </a:ext>
             </a:extLst>
           </a:blip>
@@ -9911,38 +10414,8 @@
         </p:blipFill>
         <p:spPr>
           <a:xfrm>
-            <a:off x="6662689" y="5654192"/>
-            <a:ext cx="695422" cy="924054"/>
-          </a:xfrm>
-          <a:prstGeom prst="rect">
-            <a:avLst/>
-          </a:prstGeom>
-        </p:spPr>
-      </p:pic>
-      <p:pic>
-        <p:nvPicPr>
-          <p:cNvPr id="45" name="Picture 44"/>
-          <p:cNvPicPr>
-            <a:picLocks noChangeAspect="1"/>
-          </p:cNvPicPr>
-          <p:nvPr/>
-        </p:nvPicPr>
-        <p:blipFill>
-          <a:blip r:embed="rId3" cstate="print">
-            <a:extLst>
-              <a:ext uri="{28A0092B-C50C-407E-A947-70E740481C1C}">
-                <a14:useLocalDpi xmlns:a14="http://schemas.microsoft.com/office/drawing/2010/main" xmlns="" val="0"/>
-              </a:ext>
-            </a:extLst>
-          </a:blip>
-          <a:stretch>
-            <a:fillRect/>
-          </a:stretch>
-        </p:blipFill>
-        <p:spPr>
-          <a:xfrm>
-            <a:off x="7272921" y="3620289"/>
-            <a:ext cx="695422" cy="924054"/>
+            <a:off x="4224289" y="6028977"/>
+            <a:ext cx="612061" cy="733869"/>
           </a:xfrm>
           <a:prstGeom prst="rect">
             <a:avLst/>
@@ -9951,13 +10424,13 @@
       </p:pic>
       <p:sp>
         <p:nvSpPr>
-          <p:cNvPr id="46" name="TextBox 45"/>
+          <p:cNvPr id="75" name="TextBox 74"/>
           <p:cNvSpPr txBox="1"/>
           <p:nvPr/>
         </p:nvSpPr>
         <p:spPr>
           <a:xfrm>
-            <a:off x="4683950" y="2049918"/>
+            <a:off x="6138911" y="1777106"/>
             <a:ext cx="1557289" cy="646331"/>
           </a:xfrm>
           <a:prstGeom prst="rect">
@@ -9986,14 +10459,14 @@
       </p:sp>
       <p:sp>
         <p:nvSpPr>
-          <p:cNvPr id="47" name="TextBox 46"/>
+          <p:cNvPr id="76" name="TextBox 75"/>
           <p:cNvSpPr txBox="1"/>
           <p:nvPr/>
         </p:nvSpPr>
         <p:spPr>
           <a:xfrm>
-            <a:off x="4618633" y="3668158"/>
-            <a:ext cx="1709688" cy="1200329"/>
+            <a:off x="6062712" y="3698142"/>
+            <a:ext cx="1785888" cy="1200329"/>
           </a:xfrm>
           <a:prstGeom prst="rect">
             <a:avLst/>
@@ -10034,14 +10507,14 @@
       </p:sp>
       <p:sp>
         <p:nvSpPr>
-          <p:cNvPr id="48" name="TextBox 47"/>
+          <p:cNvPr id="77" name="TextBox 76"/>
           <p:cNvSpPr txBox="1"/>
           <p:nvPr/>
         </p:nvSpPr>
         <p:spPr>
           <a:xfrm>
-            <a:off x="7382760" y="6066373"/>
-            <a:ext cx="1151640" cy="369332"/>
+            <a:off x="1051028" y="2495646"/>
+            <a:ext cx="1692172" cy="923330"/>
           </a:xfrm>
           <a:prstGeom prst="rect">
             <a:avLst/>
@@ -10056,7 +10529,19 @@
           <a:p>
             <a:r>
               <a:rPr lang="fr-FR" b="1" dirty="0" smtClean="0"/>
-              <a:t>+projet</a:t>
+              <a:t>+eclipse</a:t>
+            </a:r>
+          </a:p>
+          <a:p>
+            <a:r>
+              <a:rPr lang="fr-FR" b="1" dirty="0" smtClean="0"/>
+              <a:t>+jdk</a:t>
+            </a:r>
+          </a:p>
+          <a:p>
+            <a:r>
+              <a:rPr lang="fr-FR" b="1" dirty="0" smtClean="0"/>
+              <a:t>+Maven</a:t>
             </a:r>
             <a:endParaRPr lang="fr-FR" b="1" dirty="0"/>
           </a:p>
@@ -10064,254 +10549,14 @@
       </p:sp>
       <p:sp>
         <p:nvSpPr>
-          <p:cNvPr id="49" name="TextBox 48"/>
-          <p:cNvSpPr txBox="1"/>
-          <p:nvPr/>
-        </p:nvSpPr>
-        <p:spPr>
-          <a:xfrm>
-            <a:off x="517628" y="3886200"/>
-            <a:ext cx="1387372" cy="923330"/>
-          </a:xfrm>
-          <a:prstGeom prst="rect">
-            <a:avLst/>
-          </a:prstGeom>
-          <a:noFill/>
-        </p:spPr>
-        <p:txBody>
-          <a:bodyPr wrap="square" rtlCol="0">
-            <a:spAutoFit/>
-          </a:bodyPr>
-          <a:lstStyle/>
-          <a:p>
-            <a:r>
-              <a:rPr lang="fr-FR" b="1" dirty="0" smtClean="0"/>
-              <a:t>+eclipse</a:t>
-            </a:r>
-          </a:p>
-          <a:p>
-            <a:r>
-              <a:rPr lang="fr-FR" b="1" dirty="0" smtClean="0"/>
-              <a:t>+jdk</a:t>
-            </a:r>
-          </a:p>
-          <a:p>
-            <a:r>
-              <a:rPr lang="fr-FR" b="1" dirty="0" smtClean="0"/>
-              <a:t>+Maven</a:t>
-            </a:r>
-            <a:endParaRPr lang="fr-FR" b="1" dirty="0"/>
-          </a:p>
-        </p:txBody>
-      </p:sp>
-      <p:cxnSp>
-        <p:nvCxnSpPr>
-          <p:cNvPr id="50" name="Straight Arrow Connector 49"/>
-          <p:cNvCxnSpPr>
-            <a:stCxn id="40" idx="0"/>
-          </p:cNvCxnSpPr>
-          <p:nvPr/>
-        </p:nvCxnSpPr>
-        <p:spPr>
-          <a:xfrm flipV="1">
-            <a:off x="890626" y="2049918"/>
-            <a:ext cx="2919374" cy="1442085"/>
-          </a:xfrm>
-          <a:prstGeom prst="straightConnector1">
-            <a:avLst/>
-          </a:prstGeom>
-          <a:ln>
-            <a:solidFill>
-              <a:srgbClr val="FF0000"/>
-            </a:solidFill>
-            <a:tailEnd type="arrow"/>
-          </a:ln>
-        </p:spPr>
-        <p:style>
-          <a:lnRef idx="2">
-            <a:schemeClr val="dk1"/>
-          </a:lnRef>
-          <a:fillRef idx="0">
-            <a:schemeClr val="dk1"/>
-          </a:fillRef>
-          <a:effectRef idx="1">
-            <a:schemeClr val="dk1"/>
-          </a:effectRef>
-          <a:fontRef idx="minor">
-            <a:schemeClr val="tx1"/>
-          </a:fontRef>
-        </p:style>
-      </p:cxnSp>
-      <p:sp>
-        <p:nvSpPr>
-          <p:cNvPr id="51" name="TextBox 50"/>
-          <p:cNvSpPr txBox="1"/>
-          <p:nvPr/>
-        </p:nvSpPr>
-        <p:spPr>
-          <a:xfrm rot="20019776">
-            <a:off x="1713123" y="2399799"/>
-            <a:ext cx="1000052" cy="369332"/>
-          </a:xfrm>
-          <a:prstGeom prst="rect">
-            <a:avLst/>
-          </a:prstGeom>
-          <a:noFill/>
-        </p:spPr>
-        <p:txBody>
-          <a:bodyPr wrap="square" rtlCol="0">
-            <a:spAutoFit/>
-          </a:bodyPr>
-          <a:lstStyle/>
-          <a:p>
-            <a:r>
-              <a:rPr lang="fr-FR" dirty="0" smtClean="0">
-                <a:solidFill>
-                  <a:srgbClr val="FF0000"/>
-                </a:solidFill>
-              </a:rPr>
-              <a:t>commit</a:t>
-            </a:r>
-            <a:endParaRPr lang="fr-FR" dirty="0">
-              <a:solidFill>
-                <a:srgbClr val="FF0000"/>
-              </a:solidFill>
-            </a:endParaRPr>
-          </a:p>
-        </p:txBody>
-      </p:sp>
-      <p:cxnSp>
-        <p:nvCxnSpPr>
-          <p:cNvPr id="52" name="Straight Arrow Connector 51"/>
-          <p:cNvCxnSpPr>
-            <a:endCxn id="41" idx="0"/>
-          </p:cNvCxnSpPr>
-          <p:nvPr/>
-        </p:nvCxnSpPr>
-        <p:spPr>
-          <a:xfrm flipH="1">
-            <a:off x="1532002" y="2436628"/>
-            <a:ext cx="2205519" cy="1065029"/>
-          </a:xfrm>
-          <a:prstGeom prst="straightConnector1">
-            <a:avLst/>
-          </a:prstGeom>
-          <a:ln>
-            <a:solidFill>
-              <a:srgbClr val="FFC000"/>
-            </a:solidFill>
-            <a:tailEnd type="arrow"/>
-          </a:ln>
-        </p:spPr>
-        <p:style>
-          <a:lnRef idx="3">
-            <a:schemeClr val="accent1"/>
-          </a:lnRef>
-          <a:fillRef idx="0">
-            <a:schemeClr val="accent1"/>
-          </a:fillRef>
-          <a:effectRef idx="2">
-            <a:schemeClr val="accent1"/>
-          </a:effectRef>
-          <a:fontRef idx="minor">
-            <a:schemeClr val="tx1"/>
-          </a:fontRef>
-        </p:style>
-      </p:cxnSp>
-      <p:sp>
-        <p:nvSpPr>
-          <p:cNvPr id="53" name="TextBox 52"/>
-          <p:cNvSpPr txBox="1"/>
-          <p:nvPr/>
-        </p:nvSpPr>
-        <p:spPr>
-          <a:xfrm rot="20031660">
-            <a:off x="2582914" y="2416833"/>
-            <a:ext cx="922286" cy="369332"/>
-          </a:xfrm>
-          <a:prstGeom prst="rect">
-            <a:avLst/>
-          </a:prstGeom>
-          <a:noFill/>
-        </p:spPr>
-        <p:txBody>
-          <a:bodyPr wrap="square" rtlCol="0">
-            <a:spAutoFit/>
-          </a:bodyPr>
-          <a:lstStyle/>
-          <a:p>
-            <a:r>
-              <a:rPr lang="fr-FR" dirty="0" smtClean="0">
-                <a:solidFill>
-                  <a:srgbClr val="FFC000"/>
-                </a:solidFill>
-              </a:rPr>
-              <a:t>update</a:t>
-            </a:r>
-            <a:endParaRPr lang="fr-FR" dirty="0">
-              <a:solidFill>
-                <a:srgbClr val="FFC000"/>
-              </a:solidFill>
-            </a:endParaRPr>
-          </a:p>
-        </p:txBody>
-      </p:sp>
-      <p:sp>
-        <p:nvSpPr>
-          <p:cNvPr id="54" name="Rounded Rectangle 53"/>
+          <p:cNvPr id="78" name="Rounded Rectangle 77"/>
           <p:cNvSpPr/>
           <p:nvPr/>
         </p:nvSpPr>
         <p:spPr>
           <a:xfrm>
-            <a:off x="3810000" y="1836086"/>
-            <a:ext cx="2514600" cy="1059514"/>
-          </a:xfrm>
-          <a:prstGeom prst="roundRect">
-            <a:avLst/>
-          </a:prstGeom>
-          <a:noFill/>
-          <a:ln w="57150">
-            <a:solidFill>
-              <a:schemeClr val="tx2"/>
-            </a:solidFill>
-          </a:ln>
-        </p:spPr>
-        <p:style>
-          <a:lnRef idx="2">
-            <a:schemeClr val="accent1">
-              <a:shade val="50000"/>
-            </a:schemeClr>
-          </a:lnRef>
-          <a:fillRef idx="1">
-            <a:schemeClr val="accent1"/>
-          </a:fillRef>
-          <a:effectRef idx="0">
-            <a:schemeClr val="accent1"/>
-          </a:effectRef>
-          <a:fontRef idx="minor">
-            <a:schemeClr val="lt1"/>
-          </a:fontRef>
-        </p:style>
-        <p:txBody>
-          <a:bodyPr rtlCol="0" anchor="ctr"/>
-          <a:lstStyle/>
-          <a:p>
-            <a:pPr algn="ctr"/>
-            <a:endParaRPr lang="fr-FR"/>
-          </a:p>
-        </p:txBody>
-      </p:sp>
-      <p:sp>
-        <p:nvSpPr>
-          <p:cNvPr id="55" name="Rounded Rectangle 54"/>
-          <p:cNvSpPr/>
-          <p:nvPr/>
-        </p:nvSpPr>
-        <p:spPr>
-          <a:xfrm>
-            <a:off x="3661321" y="3576002"/>
-            <a:ext cx="2819400" cy="1376998"/>
+            <a:off x="5493561" y="1664732"/>
+            <a:ext cx="1905000" cy="830914"/>
           </a:xfrm>
           <a:prstGeom prst="roundRect">
             <a:avLst/>
@@ -10344,66 +10589,20 @@
           <a:lstStyle/>
           <a:p>
             <a:pPr algn="ctr"/>
-            <a:endParaRPr lang="fr-FR">
-              <a:solidFill>
-                <a:srgbClr val="FF0000"/>
-              </a:solidFill>
-            </a:endParaRPr>
+            <a:endParaRPr lang="fr-FR"/>
           </a:p>
         </p:txBody>
       </p:sp>
       <p:sp>
         <p:nvSpPr>
-          <p:cNvPr id="56" name="Rounded Rectangle 55"/>
+          <p:cNvPr id="79" name="Rounded Rectangle 78"/>
           <p:cNvSpPr/>
           <p:nvPr/>
         </p:nvSpPr>
         <p:spPr>
           <a:xfrm>
-            <a:off x="7394595" y="5797698"/>
-            <a:ext cx="1437444" cy="659446"/>
-          </a:xfrm>
-          <a:prstGeom prst="roundRect">
-            <a:avLst/>
-          </a:prstGeom>
-          <a:noFill/>
-          <a:ln w="57150"/>
-        </p:spPr>
-        <p:style>
-          <a:lnRef idx="2">
-            <a:schemeClr val="accent1">
-              <a:shade val="50000"/>
-            </a:schemeClr>
-          </a:lnRef>
-          <a:fillRef idx="1">
-            <a:schemeClr val="accent1"/>
-          </a:fillRef>
-          <a:effectRef idx="0">
-            <a:schemeClr val="accent1"/>
-          </a:effectRef>
-          <a:fontRef idx="minor">
-            <a:schemeClr val="lt1"/>
-          </a:fontRef>
-        </p:style>
-        <p:txBody>
-          <a:bodyPr rtlCol="0" anchor="ctr"/>
-          <a:lstStyle/>
-          <a:p>
-            <a:pPr algn="ctr"/>
-            <a:endParaRPr lang="fr-FR"/>
-          </a:p>
-        </p:txBody>
-      </p:sp>
-      <p:sp>
-        <p:nvSpPr>
-          <p:cNvPr id="57" name="Rounded Rectangle 56"/>
-          <p:cNvSpPr/>
-          <p:nvPr/>
-        </p:nvSpPr>
-        <p:spPr>
-          <a:xfrm>
-            <a:off x="7239000" y="3467187"/>
-            <a:ext cx="1676400" cy="1181013"/>
+            <a:off x="5181600" y="3714846"/>
+            <a:ext cx="2514600" cy="1312104"/>
           </a:xfrm>
           <a:prstGeom prst="roundRect">
             <a:avLst/>
@@ -10411,7 +10610,7 @@
           <a:noFill/>
           <a:ln w="57150">
             <a:solidFill>
-              <a:srgbClr val="FFC000"/>
+              <a:schemeClr val="accent1"/>
             </a:solidFill>
           </a:ln>
         </p:spPr>
@@ -10436,19 +10635,23 @@
           <a:lstStyle/>
           <a:p>
             <a:pPr algn="ctr"/>
-            <a:endParaRPr lang="fr-FR"/>
+            <a:endParaRPr lang="fr-FR">
+              <a:solidFill>
+                <a:srgbClr val="FF0000"/>
+              </a:solidFill>
+            </a:endParaRPr>
           </a:p>
         </p:txBody>
       </p:sp>
       <p:sp>
         <p:nvSpPr>
-          <p:cNvPr id="58" name="TextBox 57"/>
+          <p:cNvPr id="80" name="TextBox 79"/>
           <p:cNvSpPr txBox="1"/>
           <p:nvPr/>
         </p:nvSpPr>
         <p:spPr>
           <a:xfrm>
-            <a:off x="5800685" y="1417071"/>
+            <a:off x="6801753" y="1295400"/>
             <a:ext cx="676315" cy="369332"/>
           </a:xfrm>
           <a:prstGeom prst="rect">
@@ -10480,14 +10683,14 @@
       </p:sp>
       <p:sp>
         <p:nvSpPr>
-          <p:cNvPr id="59" name="TextBox 58"/>
+          <p:cNvPr id="81" name="TextBox 80"/>
           <p:cNvSpPr txBox="1"/>
           <p:nvPr/>
         </p:nvSpPr>
         <p:spPr>
           <a:xfrm>
-            <a:off x="5225018" y="3237601"/>
-            <a:ext cx="1103303" cy="369332"/>
+            <a:off x="6815091" y="3318252"/>
+            <a:ext cx="1224009" cy="369332"/>
           </a:xfrm>
           <a:prstGeom prst="rect">
             <a:avLst/>
@@ -10498,72 +10701,126 @@
           <a:bodyPr wrap="square" rtlCol="0">
             <a:spAutoFit/>
           </a:bodyPr>
-          <a:lstStyle/>
-          <a:p>
-            <a:r>
-              <a:rPr lang="fr-FR" b="1" dirty="0" smtClean="0">
+          <a:lstStyle>
+            <a:defPPr>
+              <a:defRPr lang="en-US"/>
+            </a:defPPr>
+            <a:lvl1pPr>
+              <a:defRPr b="1">
                 <a:solidFill>
-                  <a:schemeClr val="accent1"/>
+                  <a:schemeClr val="tx2"/>
                 </a:solidFill>
-              </a:rPr>
+              </a:defRPr>
+            </a:lvl1pPr>
+          </a:lstStyle>
+          <a:p>
+            <a:r>
+              <a:rPr lang="fr-FR" dirty="0"/>
               <a:t>Jenkins</a:t>
             </a:r>
-            <a:endParaRPr lang="fr-FR" b="1" dirty="0">
-              <a:solidFill>
-                <a:schemeClr val="accent1"/>
-              </a:solidFill>
-            </a:endParaRPr>
           </a:p>
         </p:txBody>
       </p:sp>
-      <p:sp>
-        <p:nvSpPr>
-          <p:cNvPr id="60" name="TextBox 59"/>
-          <p:cNvSpPr txBox="1"/>
+      <p:pic>
+        <p:nvPicPr>
+          <p:cNvPr id="82" name="Picture 81"/>
+          <p:cNvPicPr>
+            <a:picLocks noChangeAspect="1"/>
+          </p:cNvPicPr>
           <p:nvPr/>
-        </p:nvSpPr>
+        </p:nvPicPr>
+        <p:blipFill>
+          <a:blip r:embed="rId5">
+            <a:extLst>
+              <a:ext uri="{28A0092B-C50C-407E-A947-70E740481C1C}">
+                <a14:useLocalDpi xmlns:a14="http://schemas.microsoft.com/office/drawing/2010/main" val="0"/>
+              </a:ext>
+            </a:extLst>
+          </a:blip>
+          <a:stretch>
+            <a:fillRect/>
+          </a:stretch>
+        </p:blipFill>
         <p:spPr>
           <a:xfrm>
-            <a:off x="7394595" y="5797698"/>
-            <a:ext cx="1139805" cy="369332"/>
+            <a:off x="5105400" y="3267585"/>
+            <a:ext cx="722810" cy="533260"/>
           </a:xfrm>
           <a:prstGeom prst="rect">
             <a:avLst/>
           </a:prstGeom>
-          <a:noFill/>
         </p:spPr>
-        <p:txBody>
-          <a:bodyPr wrap="square" rtlCol="0">
-            <a:spAutoFit/>
-          </a:bodyPr>
-          <a:lstStyle/>
-          <a:p>
-            <a:r>
-              <a:rPr lang="fr-FR" b="1" dirty="0" smtClean="0">
-                <a:solidFill>
-                  <a:schemeClr val="tx2"/>
-                </a:solidFill>
-              </a:rPr>
-              <a:t>SONAR</a:t>
-            </a:r>
-            <a:endParaRPr lang="fr-FR" b="1" dirty="0">
-              <a:solidFill>
-                <a:schemeClr val="tx2"/>
-              </a:solidFill>
-            </a:endParaRPr>
-          </a:p>
-        </p:txBody>
-      </p:sp>
+      </p:pic>
+      <p:pic>
+        <p:nvPicPr>
+          <p:cNvPr id="83" name="Picture 82"/>
+          <p:cNvPicPr>
+            <a:picLocks noChangeAspect="1"/>
+          </p:cNvPicPr>
+          <p:nvPr/>
+        </p:nvPicPr>
+        <p:blipFill>
+          <a:blip r:embed="rId6" cstate="print">
+            <a:extLst>
+              <a:ext uri="{28A0092B-C50C-407E-A947-70E740481C1C}">
+                <a14:useLocalDpi xmlns:a14="http://schemas.microsoft.com/office/drawing/2010/main" val="0"/>
+              </a:ext>
+            </a:extLst>
+          </a:blip>
+          <a:stretch>
+            <a:fillRect/>
+          </a:stretch>
+        </p:blipFill>
+        <p:spPr>
+          <a:xfrm>
+            <a:off x="7848600" y="6244973"/>
+            <a:ext cx="1065757" cy="400287"/>
+          </a:xfrm>
+          <a:prstGeom prst="rect">
+            <a:avLst/>
+          </a:prstGeom>
+        </p:spPr>
+      </p:pic>
+      <p:pic>
+        <p:nvPicPr>
+          <p:cNvPr id="84" name="Picture 83"/>
+          <p:cNvPicPr>
+            <a:picLocks noChangeAspect="1"/>
+          </p:cNvPicPr>
+          <p:nvPr/>
+        </p:nvPicPr>
+        <p:blipFill>
+          <a:blip r:embed="rId7" cstate="print">
+            <a:extLst>
+              <a:ext uri="{28A0092B-C50C-407E-A947-70E740481C1C}">
+                <a14:useLocalDpi xmlns:a14="http://schemas.microsoft.com/office/drawing/2010/main" val="0"/>
+              </a:ext>
+            </a:extLst>
+          </a:blip>
+          <a:stretch>
+            <a:fillRect/>
+          </a:stretch>
+        </p:blipFill>
+        <p:spPr>
+          <a:xfrm>
+            <a:off x="5179674" y="1321537"/>
+            <a:ext cx="838200" cy="406953"/>
+          </a:xfrm>
+          <a:prstGeom prst="rect">
+            <a:avLst/>
+          </a:prstGeom>
+        </p:spPr>
+      </p:pic>
       <p:sp>
         <p:nvSpPr>
-          <p:cNvPr id="61" name="Rounded Rectangle 60"/>
+          <p:cNvPr id="85" name="Rounded Rectangle 84"/>
           <p:cNvSpPr/>
           <p:nvPr/>
         </p:nvSpPr>
         <p:spPr>
           <a:xfrm>
-            <a:off x="3737521" y="3668158"/>
-            <a:ext cx="2667000" cy="1200329"/>
+            <a:off x="4114799" y="5867980"/>
+            <a:ext cx="2024111" cy="971065"/>
           </a:xfrm>
           <a:prstGeom prst="roundRect">
             <a:avLst/>
@@ -10571,7 +10828,7 @@
           <a:noFill/>
           <a:ln w="57150">
             <a:solidFill>
-              <a:srgbClr val="FFC000"/>
+              <a:schemeClr val="accent1"/>
             </a:solidFill>
           </a:ln>
         </p:spPr>
@@ -10600,97 +10857,82 @@
           </a:p>
         </p:txBody>
       </p:sp>
-      <p:cxnSp>
-        <p:nvCxnSpPr>
-          <p:cNvPr id="62" name="Straight Arrow Connector 61"/>
-          <p:cNvCxnSpPr>
-            <a:stCxn id="54" idx="2"/>
-            <a:endCxn id="55" idx="0"/>
-          </p:cNvCxnSpPr>
+      <p:sp>
+        <p:nvSpPr>
+          <p:cNvPr id="86" name="TextBox 85"/>
+          <p:cNvSpPr txBox="1"/>
           <p:nvPr/>
-        </p:nvCxnSpPr>
+        </p:nvSpPr>
         <p:spPr>
           <a:xfrm>
-            <a:off x="5067300" y="2895600"/>
-            <a:ext cx="3721" cy="680402"/>
+            <a:off x="4836350" y="5860114"/>
+            <a:ext cx="1488250" cy="369332"/>
           </a:xfrm>
-          <a:prstGeom prst="straightConnector1">
+          <a:prstGeom prst="rect">
             <a:avLst/>
           </a:prstGeom>
-          <a:ln w="57150">
-            <a:solidFill>
-              <a:schemeClr val="tx2"/>
-            </a:solidFill>
-            <a:tailEnd type="arrow"/>
-          </a:ln>
+          <a:noFill/>
         </p:spPr>
-        <p:style>
-          <a:lnRef idx="1">
-            <a:schemeClr val="accent1"/>
-          </a:lnRef>
-          <a:fillRef idx="0">
-            <a:schemeClr val="accent1"/>
-          </a:fillRef>
-          <a:effectRef idx="0">
-            <a:schemeClr val="accent1"/>
-          </a:effectRef>
-          <a:fontRef idx="minor">
-            <a:schemeClr val="tx1"/>
-          </a:fontRef>
-        </p:style>
-      </p:cxnSp>
-      <p:cxnSp>
-        <p:nvCxnSpPr>
-          <p:cNvPr id="63" name="Straight Arrow Connector 62"/>
-          <p:cNvCxnSpPr>
-            <a:stCxn id="57" idx="1"/>
-            <a:endCxn id="55" idx="3"/>
-          </p:cNvCxnSpPr>
+        <p:txBody>
+          <a:bodyPr wrap="square" rtlCol="0">
+            <a:spAutoFit/>
+          </a:bodyPr>
+          <a:lstStyle/>
+          <a:p>
+            <a:r>
+              <a:rPr lang="fr-FR" b="1" dirty="0" smtClean="0"/>
+              <a:t>Webapps\</a:t>
+            </a:r>
+            <a:endParaRPr lang="fr-FR" b="1" dirty="0"/>
+          </a:p>
+        </p:txBody>
+      </p:sp>
+      <p:sp>
+        <p:nvSpPr>
+          <p:cNvPr id="87" name="TextBox 86"/>
+          <p:cNvSpPr txBox="1"/>
           <p:nvPr/>
-        </p:nvCxnSpPr>
+        </p:nvSpPr>
         <p:spPr>
-          <a:xfrm flipH="1">
-            <a:off x="6480721" y="4057694"/>
-            <a:ext cx="758279" cy="206807"/>
+          <a:xfrm>
+            <a:off x="7772400" y="5848446"/>
+            <a:ext cx="1175657" cy="646331"/>
           </a:xfrm>
-          <a:prstGeom prst="straightConnector1">
+          <a:prstGeom prst="rect">
             <a:avLst/>
           </a:prstGeom>
-          <a:ln w="57150">
-            <a:solidFill>
-              <a:srgbClr val="FFC000"/>
-            </a:solidFill>
-            <a:tailEnd type="arrow"/>
-          </a:ln>
+          <a:noFill/>
         </p:spPr>
-        <p:style>
-          <a:lnRef idx="1">
-            <a:schemeClr val="accent1"/>
-          </a:lnRef>
-          <a:fillRef idx="0">
-            <a:schemeClr val="accent1"/>
-          </a:fillRef>
-          <a:effectRef idx="0">
-            <a:schemeClr val="accent1"/>
-          </a:effectRef>
-          <a:fontRef idx="minor">
-            <a:schemeClr val="tx1"/>
-          </a:fontRef>
-        </p:style>
-      </p:cxnSp>
+        <p:txBody>
+          <a:bodyPr wrap="square" rtlCol="0">
+            <a:spAutoFit/>
+          </a:bodyPr>
+          <a:lstStyle/>
+          <a:p>
+            <a:r>
+              <a:rPr lang="fr-FR" b="1" dirty="0" smtClean="0"/>
+              <a:t>Webapps\</a:t>
+            </a:r>
+            <a:endParaRPr lang="fr-FR" b="1" dirty="0"/>
+          </a:p>
+          <a:p>
+            <a:endParaRPr lang="fr-FR" dirty="0"/>
+          </a:p>
+        </p:txBody>
+      </p:sp>
       <p:pic>
         <p:nvPicPr>
-          <p:cNvPr id="64" name="Picture 63"/>
+          <p:cNvPr id="88" name="Picture 87"/>
           <p:cNvPicPr>
             <a:picLocks noChangeAspect="1"/>
           </p:cNvPicPr>
           <p:nvPr/>
         </p:nvPicPr>
         <p:blipFill>
-          <a:blip r:embed="rId4" cstate="print">
+          <a:blip r:embed="rId8">
             <a:extLst>
               <a:ext uri="{28A0092B-C50C-407E-A947-70E740481C1C}">
-                <a14:useLocalDpi xmlns:a14="http://schemas.microsoft.com/office/drawing/2010/main" xmlns="" val="0"/>
+                <a14:useLocalDpi xmlns:a14="http://schemas.microsoft.com/office/drawing/2010/main" val="0"/>
               </a:ext>
             </a:extLst>
           </a:blip>
@@ -10700,8 +10942,8 @@
         </p:blipFill>
         <p:spPr>
           <a:xfrm>
-            <a:off x="3200400" y="3237601"/>
-            <a:ext cx="722810" cy="533260"/>
+            <a:off x="4919711" y="6178955"/>
+            <a:ext cx="1019000" cy="583891"/>
           </a:xfrm>
           <a:prstGeom prst="rect">
             <a:avLst/>
@@ -10710,17 +10952,17 @@
       </p:pic>
       <p:pic>
         <p:nvPicPr>
-          <p:cNvPr id="65" name="Picture 64"/>
+          <p:cNvPr id="89" name="Picture 88"/>
           <p:cNvPicPr>
             <a:picLocks noChangeAspect="1"/>
           </p:cNvPicPr>
           <p:nvPr/>
         </p:nvPicPr>
         <p:blipFill>
-          <a:blip r:embed="rId5" cstate="print">
+          <a:blip r:embed="rId4">
             <a:extLst>
               <a:ext uri="{28A0092B-C50C-407E-A947-70E740481C1C}">
-                <a14:useLocalDpi xmlns:a14="http://schemas.microsoft.com/office/drawing/2010/main" xmlns="" val="0"/>
+                <a14:useLocalDpi xmlns:a14="http://schemas.microsoft.com/office/drawing/2010/main" val="0"/>
               </a:ext>
             </a:extLst>
           </a:blip>
@@ -10730,8 +10972,8 @@
         </p:blipFill>
         <p:spPr>
           <a:xfrm>
-            <a:off x="8077200" y="3928853"/>
-            <a:ext cx="762066" cy="286224"/>
+            <a:off x="7179445" y="5980933"/>
+            <a:ext cx="592955" cy="733869"/>
           </a:xfrm>
           <a:prstGeom prst="rect">
             <a:avLst/>
@@ -10740,44 +10982,78 @@
       </p:pic>
       <p:pic>
         <p:nvPicPr>
-          <p:cNvPr id="66" name="Picture 65"/>
+          <p:cNvPr id="90" name="Picture 2"/>
           <p:cNvPicPr>
-            <a:picLocks noChangeAspect="1"/>
+            <a:picLocks noChangeAspect="1" noChangeArrowheads="1"/>
           </p:cNvPicPr>
           <p:nvPr/>
         </p:nvPicPr>
         <p:blipFill>
-          <a:blip r:embed="rId6" cstate="print">
+          <a:blip r:embed="rId9">
             <a:extLst>
               <a:ext uri="{28A0092B-C50C-407E-A947-70E740481C1C}">
-                <a14:useLocalDpi xmlns:a14="http://schemas.microsoft.com/office/drawing/2010/main" xmlns="" val="0"/>
+                <a14:useLocalDpi xmlns:a14="http://schemas.microsoft.com/office/drawing/2010/main" val="0"/>
               </a:ext>
             </a:extLst>
           </a:blip>
+          <a:srcRect/>
           <a:stretch>
             <a:fillRect/>
           </a:stretch>
         </p:blipFill>
-        <p:spPr>
+        <p:spPr bwMode="auto">
           <a:xfrm>
-            <a:off x="3733800" y="1498047"/>
-            <a:ext cx="838200" cy="406953"/>
+            <a:off x="3844242" y="5336981"/>
+            <a:ext cx="803958" cy="561717"/>
           </a:xfrm>
           <a:prstGeom prst="rect">
             <a:avLst/>
           </a:prstGeom>
+          <a:noFill/>
+          <a:ln>
+            <a:noFill/>
+          </a:ln>
+          <a:effectLst/>
+          <a:extLst>
+            <a:ext uri="{909E8E84-426E-40DD-AFC4-6F175D3DCCD1}">
+              <a14:hiddenFill xmlns:a14="http://schemas.microsoft.com/office/drawing/2010/main">
+                <a:solidFill>
+                  <a:schemeClr val="accent1"/>
+                </a:solidFill>
+              </a14:hiddenFill>
+            </a:ext>
+            <a:ext uri="{91240B29-F687-4F45-9708-019B960494DF}">
+              <a14:hiddenLine xmlns:a14="http://schemas.microsoft.com/office/drawing/2010/main" w="9525">
+                <a:solidFill>
+                  <a:schemeClr val="tx1"/>
+                </a:solidFill>
+                <a:miter lim="800000"/>
+                <a:headEnd/>
+                <a:tailEnd/>
+              </a14:hiddenLine>
+            </a:ext>
+            <a:ext uri="{AF507438-7753-43E0-B8FC-AC1667EBCBE1}">
+              <a14:hiddenEffects xmlns:a14="http://schemas.microsoft.com/office/drawing/2010/main">
+                <a:effectLst>
+                  <a:outerShdw dist="35921" dir="2700000" algn="ctr" rotWithShape="0">
+                    <a:schemeClr val="bg2"/>
+                  </a:outerShdw>
+                </a:effectLst>
+              </a14:hiddenEffects>
+            </a:ext>
+          </a:extLst>
         </p:spPr>
       </p:pic>
       <p:sp>
         <p:nvSpPr>
-          <p:cNvPr id="67" name="Rounded Rectangle 66"/>
+          <p:cNvPr id="91" name="Rounded Rectangle 90"/>
           <p:cNvSpPr/>
           <p:nvPr/>
         </p:nvSpPr>
         <p:spPr>
           <a:xfrm>
-            <a:off x="6553200" y="5448661"/>
-            <a:ext cx="2362200" cy="1295400"/>
+            <a:off x="7086600" y="5848446"/>
+            <a:ext cx="1905000" cy="971065"/>
           </a:xfrm>
           <a:prstGeom prst="roundRect">
             <a:avLst/>
@@ -10785,7 +11061,7 @@
           <a:noFill/>
           <a:ln w="57150">
             <a:solidFill>
-              <a:srgbClr val="FFC000"/>
+              <a:schemeClr val="accent1"/>
             </a:solidFill>
           </a:ln>
         </p:spPr>
@@ -10814,49 +11090,83 @@
           </a:p>
         </p:txBody>
       </p:sp>
-      <p:sp>
-        <p:nvSpPr>
-          <p:cNvPr id="68" name="TextBox 67"/>
-          <p:cNvSpPr txBox="1"/>
+      <p:pic>
+        <p:nvPicPr>
+          <p:cNvPr id="92" name="Picture 2"/>
+          <p:cNvPicPr>
+            <a:picLocks noChangeAspect="1" noChangeArrowheads="1"/>
+          </p:cNvPicPr>
           <p:nvPr/>
-        </p:nvSpPr>
-        <p:spPr>
+        </p:nvPicPr>
+        <p:blipFill>
+          <a:blip r:embed="rId9">
+            <a:extLst>
+              <a:ext uri="{28A0092B-C50C-407E-A947-70E740481C1C}">
+                <a14:useLocalDpi xmlns:a14="http://schemas.microsoft.com/office/drawing/2010/main" val="0"/>
+              </a:ext>
+            </a:extLst>
+          </a:blip>
+          <a:srcRect/>
+          <a:stretch>
+            <a:fillRect/>
+          </a:stretch>
+        </p:blipFill>
+        <p:spPr bwMode="auto">
           <a:xfrm>
-            <a:off x="7274750" y="5448661"/>
-            <a:ext cx="1259650" cy="369332"/>
+            <a:off x="8305800" y="5377029"/>
+            <a:ext cx="803958" cy="561717"/>
           </a:xfrm>
           <a:prstGeom prst="rect">
             <a:avLst/>
           </a:prstGeom>
           <a:noFill/>
+          <a:ln>
+            <a:noFill/>
+          </a:ln>
+          <a:effectLst/>
+          <a:extLst>
+            <a:ext uri="{909E8E84-426E-40DD-AFC4-6F175D3DCCD1}">
+              <a14:hiddenFill xmlns:a14="http://schemas.microsoft.com/office/drawing/2010/main">
+                <a:solidFill>
+                  <a:schemeClr val="accent1"/>
+                </a:solidFill>
+              </a14:hiddenFill>
+            </a:ext>
+            <a:ext uri="{91240B29-F687-4F45-9708-019B960494DF}">
+              <a14:hiddenLine xmlns:a14="http://schemas.microsoft.com/office/drawing/2010/main" w="9525">
+                <a:solidFill>
+                  <a:schemeClr val="tx1"/>
+                </a:solidFill>
+                <a:miter lim="800000"/>
+                <a:headEnd/>
+                <a:tailEnd/>
+              </a14:hiddenLine>
+            </a:ext>
+            <a:ext uri="{AF507438-7753-43E0-B8FC-AC1667EBCBE1}">
+              <a14:hiddenEffects xmlns:a14="http://schemas.microsoft.com/office/drawing/2010/main">
+                <a:effectLst>
+                  <a:outerShdw dist="35921" dir="2700000" algn="ctr" rotWithShape="0">
+                    <a:schemeClr val="bg2"/>
+                  </a:outerShdw>
+                </a:effectLst>
+              </a14:hiddenEffects>
+            </a:ext>
+          </a:extLst>
         </p:spPr>
-        <p:txBody>
-          <a:bodyPr wrap="square" rtlCol="0">
-            <a:spAutoFit/>
-          </a:bodyPr>
-          <a:lstStyle/>
-          <a:p>
-            <a:r>
-              <a:rPr lang="fr-FR" b="1" dirty="0" smtClean="0"/>
-              <a:t>webapps</a:t>
-            </a:r>
-            <a:endParaRPr lang="fr-FR" b="1" dirty="0"/>
-          </a:p>
-        </p:txBody>
-      </p:sp>
+      </p:pic>
       <p:pic>
         <p:nvPicPr>
-          <p:cNvPr id="69" name="Picture 68"/>
+          <p:cNvPr id="93" name="Picture 92"/>
           <p:cNvPicPr>
             <a:picLocks noChangeAspect="1"/>
           </p:cNvPicPr>
           <p:nvPr/>
         </p:nvPicPr>
         <p:blipFill>
-          <a:blip r:embed="rId7" cstate="print">
+          <a:blip r:embed="rId3">
             <a:extLst>
               <a:ext uri="{28A0092B-C50C-407E-A947-70E740481C1C}">
-                <a14:useLocalDpi xmlns:a14="http://schemas.microsoft.com/office/drawing/2010/main" xmlns="" val="0"/>
+                <a14:useLocalDpi xmlns:a14="http://schemas.microsoft.com/office/drawing/2010/main" val="0"/>
               </a:ext>
             </a:extLst>
           </a:blip>
@@ -10866,8 +11176,8 @@
         </p:blipFill>
         <p:spPr>
           <a:xfrm>
-            <a:off x="6070875" y="4876497"/>
-            <a:ext cx="1091925" cy="762303"/>
+            <a:off x="2028747" y="1772273"/>
+            <a:ext cx="562053" cy="485843"/>
           </a:xfrm>
           <a:prstGeom prst="rect">
             <a:avLst/>
@@ -10876,19 +11186,24 @@
       </p:pic>
       <p:sp>
         <p:nvSpPr>
-          <p:cNvPr id="70" name="Rounded Rectangle 69"/>
+          <p:cNvPr id="94" name="Rounded Rectangle 93"/>
           <p:cNvSpPr/>
           <p:nvPr/>
         </p:nvSpPr>
         <p:spPr>
           <a:xfrm>
-            <a:off x="8077200" y="3919649"/>
-            <a:ext cx="762000" cy="286223"/>
+            <a:off x="457200" y="1657446"/>
+            <a:ext cx="2286000" cy="1845472"/>
           </a:xfrm>
           <a:prstGeom prst="roundRect">
             <a:avLst/>
           </a:prstGeom>
           <a:noFill/>
+          <a:ln w="57150">
+            <a:solidFill>
+              <a:schemeClr val="accent1"/>
+            </a:solidFill>
+          </a:ln>
         </p:spPr>
         <p:style>
           <a:lnRef idx="2">
@@ -10917,24 +11232,54 @@
       </p:sp>
       <p:cxnSp>
         <p:nvCxnSpPr>
-          <p:cNvPr id="71" name="Straight Arrow Connector 70"/>
-          <p:cNvCxnSpPr>
-            <a:stCxn id="67" idx="1"/>
-            <a:endCxn id="55" idx="2"/>
-          </p:cNvCxnSpPr>
+          <p:cNvPr id="95" name="Straight Arrow Connector 94"/>
+          <p:cNvCxnSpPr/>
+          <p:nvPr/>
+        </p:nvCxnSpPr>
+        <p:spPr>
+          <a:xfrm>
+            <a:off x="2743200" y="2015194"/>
+            <a:ext cx="2723605" cy="0"/>
+          </a:xfrm>
+          <a:prstGeom prst="straightConnector1">
+            <a:avLst/>
+          </a:prstGeom>
+          <a:ln w="57150">
+            <a:tailEnd type="arrow"/>
+          </a:ln>
+        </p:spPr>
+        <p:style>
+          <a:lnRef idx="1">
+            <a:schemeClr val="accent1"/>
+          </a:lnRef>
+          <a:fillRef idx="0">
+            <a:schemeClr val="accent1"/>
+          </a:fillRef>
+          <a:effectRef idx="0">
+            <a:schemeClr val="accent1"/>
+          </a:effectRef>
+          <a:fontRef idx="minor">
+            <a:schemeClr val="tx1"/>
+          </a:fontRef>
+        </p:style>
+      </p:cxnSp>
+      <p:cxnSp>
+        <p:nvCxnSpPr>
+          <p:cNvPr id="96" name="Straight Arrow Connector 95"/>
+          <p:cNvCxnSpPr/>
           <p:nvPr/>
         </p:nvCxnSpPr>
         <p:spPr>
           <a:xfrm flipH="1" flipV="1">
-            <a:off x="5071021" y="4953000"/>
-            <a:ext cx="1482179" cy="1143361"/>
+            <a:off x="2743200" y="2243164"/>
+            <a:ext cx="2743200" cy="23883"/>
           </a:xfrm>
           <a:prstGeom prst="straightConnector1">
             <a:avLst/>
           </a:prstGeom>
           <a:ln w="57150">
             <a:solidFill>
-              <a:srgbClr val="FFC000"/>
+              <a:schemeClr val="accent3"/>
             </a:solidFill>
             <a:tailEnd type="arrow"/>
           </a:ln>
@@ -10954,74 +11299,203 @@
           </a:fontRef>
         </p:style>
       </p:cxnSp>
-      <p:pic>
-        <p:nvPicPr>
-          <p:cNvPr id="72" name="Picture 2"/>
-          <p:cNvPicPr>
-            <a:picLocks noChangeAspect="1" noChangeArrowheads="1"/>
-          </p:cNvPicPr>
+      <p:sp>
+        <p:nvSpPr>
+          <p:cNvPr id="97" name="TextBox 96"/>
+          <p:cNvSpPr txBox="1"/>
           <p:nvPr/>
-        </p:nvPicPr>
-        <p:blipFill>
-          <a:blip r:embed="rId8" cstate="print">
-            <a:extLst>
-              <a:ext uri="{28A0092B-C50C-407E-A947-70E740481C1C}">
-                <a14:useLocalDpi xmlns:a14="http://schemas.microsoft.com/office/drawing/2010/main" xmlns="" val="0"/>
-              </a:ext>
-            </a:extLst>
-          </a:blip>
-          <a:srcRect/>
-          <a:stretch>
-            <a:fillRect/>
-          </a:stretch>
-        </p:blipFill>
-        <p:spPr bwMode="auto">
+        </p:nvSpPr>
+        <p:spPr>
           <a:xfrm>
-            <a:off x="6877730" y="2858289"/>
-            <a:ext cx="1090613" cy="762000"/>
+            <a:off x="3429000" y="1497657"/>
+            <a:ext cx="1600200" cy="461665"/>
           </a:xfrm>
           <a:prstGeom prst="rect">
             <a:avLst/>
           </a:prstGeom>
           <a:noFill/>
-          <a:ln>
-            <a:noFill/>
-          </a:ln>
-          <a:effectLst/>
-          <a:extLst>
-            <a:ext uri="{909E8E84-426E-40DD-AFC4-6F175D3DCCD1}">
-              <a14:hiddenFill xmlns:a14="http://schemas.microsoft.com/office/drawing/2010/main" xmlns="">
+        </p:spPr>
+        <p:txBody>
+          <a:bodyPr wrap="square" rtlCol="0">
+            <a:spAutoFit/>
+          </a:bodyPr>
+          <a:lstStyle/>
+          <a:p>
+            <a:r>
+              <a:rPr lang="fr-FR" sz="2400" b="1" dirty="0" smtClean="0">
                 <a:solidFill>
                   <a:schemeClr val="accent1"/>
                 </a:solidFill>
-              </a14:hiddenFill>
-            </a:ext>
-            <a:ext uri="{91240B29-F687-4F45-9708-019B960494DF}">
-              <a14:hiddenLine xmlns:a14="http://schemas.microsoft.com/office/drawing/2010/main" xmlns="" w="9525">
+              </a:rPr>
+              <a:t>Commit</a:t>
+            </a:r>
+            <a:endParaRPr lang="fr-FR" sz="2400" b="1" dirty="0">
+              <a:solidFill>
+                <a:schemeClr val="accent1"/>
+              </a:solidFill>
+            </a:endParaRPr>
+          </a:p>
+        </p:txBody>
+      </p:sp>
+      <p:sp>
+        <p:nvSpPr>
+          <p:cNvPr id="98" name="TextBox 97"/>
+          <p:cNvSpPr txBox="1"/>
+          <p:nvPr/>
+        </p:nvSpPr>
+        <p:spPr>
+          <a:xfrm>
+            <a:off x="3429000" y="2343246"/>
+            <a:ext cx="1600200" cy="461665"/>
+          </a:xfrm>
+          <a:prstGeom prst="rect">
+            <a:avLst/>
+          </a:prstGeom>
+          <a:noFill/>
+        </p:spPr>
+        <p:txBody>
+          <a:bodyPr wrap="square" rtlCol="0">
+            <a:spAutoFit/>
+          </a:bodyPr>
+          <a:lstStyle/>
+          <a:p>
+            <a:r>
+              <a:rPr lang="fr-FR" sz="2400" b="1" dirty="0" smtClean="0">
                 <a:solidFill>
-                  <a:schemeClr val="tx1"/>
+                  <a:schemeClr val="accent3"/>
                 </a:solidFill>
-                <a:miter lim="800000"/>
-                <a:headEnd/>
-                <a:tailEnd/>
-              </a14:hiddenLine>
-            </a:ext>
-            <a:ext uri="{AF507438-7753-43E0-B8FC-AC1667EBCBE1}">
-              <a14:hiddenEffects xmlns:a14="http://schemas.microsoft.com/office/drawing/2010/main" xmlns="">
-                <a:effectLst>
-                  <a:outerShdw dist="35921" dir="2700000" algn="ctr" rotWithShape="0">
-                    <a:schemeClr val="bg2"/>
-                  </a:outerShdw>
-                </a:effectLst>
-              </a14:hiddenEffects>
-            </a:ext>
-          </a:extLst>
+              </a:rPr>
+              <a:t>Update</a:t>
+            </a:r>
+            <a:endParaRPr lang="fr-FR" sz="2400" b="1" dirty="0">
+              <a:solidFill>
+                <a:schemeClr val="accent3"/>
+              </a:solidFill>
+            </a:endParaRPr>
+          </a:p>
+        </p:txBody>
+      </p:sp>
+      <p:cxnSp>
+        <p:nvCxnSpPr>
+          <p:cNvPr id="99" name="Straight Arrow Connector 98"/>
+          <p:cNvCxnSpPr>
+            <a:stCxn id="78" idx="2"/>
+            <a:endCxn id="79" idx="0"/>
+          </p:cNvCxnSpPr>
+          <p:nvPr/>
+        </p:nvCxnSpPr>
+        <p:spPr>
+          <a:xfrm flipH="1">
+            <a:off x="6438900" y="2495646"/>
+            <a:ext cx="7161" cy="1219200"/>
+          </a:xfrm>
+          <a:prstGeom prst="straightConnector1">
+            <a:avLst/>
+          </a:prstGeom>
+          <a:ln w="57150">
+            <a:solidFill>
+              <a:schemeClr val="accent2"/>
+            </a:solidFill>
+            <a:tailEnd type="arrow"/>
+          </a:ln>
         </p:spPr>
-      </p:pic>
+        <p:style>
+          <a:lnRef idx="1">
+            <a:schemeClr val="accent1"/>
+          </a:lnRef>
+          <a:fillRef idx="0">
+            <a:schemeClr val="accent1"/>
+          </a:fillRef>
+          <a:effectRef idx="0">
+            <a:schemeClr val="accent1"/>
+          </a:effectRef>
+          <a:fontRef idx="minor">
+            <a:schemeClr val="tx1"/>
+          </a:fontRef>
+        </p:style>
+      </p:cxnSp>
+      <p:cxnSp>
+        <p:nvCxnSpPr>
+          <p:cNvPr id="100" name="Straight Arrow Connector 99"/>
+          <p:cNvCxnSpPr>
+            <a:stCxn id="79" idx="2"/>
+            <a:endCxn id="85" idx="0"/>
+          </p:cNvCxnSpPr>
+          <p:nvPr/>
+        </p:nvCxnSpPr>
+        <p:spPr>
+          <a:xfrm flipH="1">
+            <a:off x="5126855" y="5026950"/>
+            <a:ext cx="1312045" cy="841030"/>
+          </a:xfrm>
+          <a:prstGeom prst="straightConnector1">
+            <a:avLst/>
+          </a:prstGeom>
+          <a:ln w="57150">
+            <a:solidFill>
+              <a:schemeClr val="accent2"/>
+            </a:solidFill>
+            <a:tailEnd type="arrow"/>
+          </a:ln>
+        </p:spPr>
+        <p:style>
+          <a:lnRef idx="1">
+            <a:schemeClr val="accent1"/>
+          </a:lnRef>
+          <a:fillRef idx="0">
+            <a:schemeClr val="accent1"/>
+          </a:fillRef>
+          <a:effectRef idx="0">
+            <a:schemeClr val="accent1"/>
+          </a:effectRef>
+          <a:fontRef idx="minor">
+            <a:schemeClr val="tx1"/>
+          </a:fontRef>
+        </p:style>
+      </p:cxnSp>
+      <p:cxnSp>
+        <p:nvCxnSpPr>
+          <p:cNvPr id="101" name="Straight Arrow Connector 100"/>
+          <p:cNvCxnSpPr>
+            <a:stCxn id="79" idx="2"/>
+            <a:endCxn id="91" idx="0"/>
+          </p:cNvCxnSpPr>
+          <p:nvPr/>
+        </p:nvCxnSpPr>
+        <p:spPr>
+          <a:xfrm>
+            <a:off x="6438900" y="5026950"/>
+            <a:ext cx="1600200" cy="821496"/>
+          </a:xfrm>
+          <a:prstGeom prst="straightConnector1">
+            <a:avLst/>
+          </a:prstGeom>
+          <a:ln w="57150">
+            <a:solidFill>
+              <a:schemeClr val="accent2"/>
+            </a:solidFill>
+            <a:tailEnd type="arrow"/>
+          </a:ln>
+        </p:spPr>
+        <p:style>
+          <a:lnRef idx="1">
+            <a:schemeClr val="accent1"/>
+          </a:lnRef>
+          <a:fillRef idx="0">
+            <a:schemeClr val="accent1"/>
+          </a:fillRef>
+          <a:effectRef idx="0">
+            <a:schemeClr val="accent1"/>
+          </a:effectRef>
+          <a:fontRef idx="minor">
+            <a:schemeClr val="tx1"/>
+          </a:fontRef>
+        </p:style>
+      </p:cxnSp>
     </p:spTree>
     <p:extLst>
       <p:ext uri="{BB962C8B-B14F-4D97-AF65-F5344CB8AC3E}">
-        <p14:creationId xmlns:p14="http://schemas.microsoft.com/office/powerpoint/2010/main" xmlns="" val="2609155689"/>
+        <p14:creationId xmlns:p14="http://schemas.microsoft.com/office/powerpoint/2010/main" val="2609155689"/>
       </p:ext>
     </p:extLst>
   </p:cSld>
@@ -11090,7 +11564,7 @@
           <a:blip r:embed="rId2" cstate="print">
             <a:extLst>
               <a:ext uri="{28A0092B-C50C-407E-A947-70E740481C1C}">
-                <a14:useLocalDpi xmlns:a14="http://schemas.microsoft.com/office/drawing/2010/main" xmlns="" val="0"/>
+                <a14:useLocalDpi xmlns:a14="http://schemas.microsoft.com/office/drawing/2010/main" val="0"/>
               </a:ext>
             </a:extLst>
           </a:blip>
@@ -11110,7 +11584,7 @@
           <a:noFill/>
           <a:extLst>
             <a:ext uri="{909E8E84-426E-40DD-AFC4-6F175D3DCCD1}">
-              <a14:hiddenFill xmlns:a14="http://schemas.microsoft.com/office/drawing/2010/main" xmlns="">
+              <a14:hiddenFill xmlns:a14="http://schemas.microsoft.com/office/drawing/2010/main">
                 <a:solidFill>
                   <a:srgbClr val="FFFFFF"/>
                 </a:solidFill>
@@ -11122,7 +11596,7 @@
     </p:spTree>
     <p:extLst>
       <p:ext uri="{BB962C8B-B14F-4D97-AF65-F5344CB8AC3E}">
-        <p14:creationId xmlns:p14="http://schemas.microsoft.com/office/powerpoint/2010/main" xmlns="" val="547627724"/>
+        <p14:creationId xmlns:p14="http://schemas.microsoft.com/office/powerpoint/2010/main" val="547627724"/>
       </p:ext>
     </p:extLst>
   </p:cSld>
@@ -11168,7 +11642,7 @@
           <a:blip r:embed="rId2" cstate="print">
             <a:extLst>
               <a:ext uri="{28A0092B-C50C-407E-A947-70E740481C1C}">
-                <a14:useLocalDpi xmlns:a14="http://schemas.microsoft.com/office/drawing/2010/main" xmlns="" val="0"/>
+                <a14:useLocalDpi xmlns:a14="http://schemas.microsoft.com/office/drawing/2010/main" val="0"/>
               </a:ext>
             </a:extLst>
           </a:blip>
@@ -11188,7 +11662,7 @@
           <a:noFill/>
           <a:extLst>
             <a:ext uri="{909E8E84-426E-40DD-AFC4-6F175D3DCCD1}">
-              <a14:hiddenFill xmlns:a14="http://schemas.microsoft.com/office/drawing/2010/main" xmlns="">
+              <a14:hiddenFill xmlns:a14="http://schemas.microsoft.com/office/drawing/2010/main">
                 <a:solidFill>
                   <a:srgbClr val="FFFFFF"/>
                 </a:solidFill>
@@ -11228,7 +11702,7 @@
     </p:spTree>
     <p:extLst>
       <p:ext uri="{BB962C8B-B14F-4D97-AF65-F5344CB8AC3E}">
-        <p14:creationId xmlns:p14="http://schemas.microsoft.com/office/powerpoint/2010/main" xmlns="" val="3341074293"/>
+        <p14:creationId xmlns:p14="http://schemas.microsoft.com/office/powerpoint/2010/main" val="3341074293"/>
       </p:ext>
     </p:extLst>
   </p:cSld>
@@ -11428,7 +11902,7 @@
     </p:spTree>
     <p:extLst>
       <p:ext uri="{BB962C8B-B14F-4D97-AF65-F5344CB8AC3E}">
-        <p14:creationId xmlns:p14="http://schemas.microsoft.com/office/powerpoint/2010/main" xmlns="" val="3894779040"/>
+        <p14:creationId xmlns:p14="http://schemas.microsoft.com/office/powerpoint/2010/main" val="3894779040"/>
       </p:ext>
     </p:extLst>
   </p:cSld>
@@ -11474,7 +11948,7 @@
           <a:blip r:embed="rId2" cstate="print">
             <a:extLst>
               <a:ext uri="{28A0092B-C50C-407E-A947-70E740481C1C}">
-                <a14:useLocalDpi xmlns:a14="http://schemas.microsoft.com/office/drawing/2010/main" xmlns="" val="0"/>
+                <a14:useLocalDpi xmlns:a14="http://schemas.microsoft.com/office/drawing/2010/main" val="0"/>
               </a:ext>
             </a:extLst>
           </a:blip>
@@ -11498,14 +11972,14 @@
           <a:effectLst/>
           <a:extLst>
             <a:ext uri="{909E8E84-426E-40DD-AFC4-6F175D3DCCD1}">
-              <a14:hiddenFill xmlns:a14="http://schemas.microsoft.com/office/drawing/2010/main" xmlns="">
+              <a14:hiddenFill xmlns:a14="http://schemas.microsoft.com/office/drawing/2010/main">
                 <a:solidFill>
                   <a:schemeClr val="accent1"/>
                 </a:solidFill>
               </a14:hiddenFill>
             </a:ext>
             <a:ext uri="{91240B29-F687-4F45-9708-019B960494DF}">
-              <a14:hiddenLine xmlns:a14="http://schemas.microsoft.com/office/drawing/2010/main" xmlns="" w="9525">
+              <a14:hiddenLine xmlns:a14="http://schemas.microsoft.com/office/drawing/2010/main" w="9525">
                 <a:solidFill>
                   <a:schemeClr val="tx1"/>
                 </a:solidFill>
@@ -11515,7 +11989,7 @@
               </a14:hiddenLine>
             </a:ext>
             <a:ext uri="{AF507438-7753-43E0-B8FC-AC1667EBCBE1}">
-              <a14:hiddenEffects xmlns:a14="http://schemas.microsoft.com/office/drawing/2010/main" xmlns="">
+              <a14:hiddenEffects xmlns:a14="http://schemas.microsoft.com/office/drawing/2010/main">
                 <a:effectLst>
                   <a:outerShdw dist="35921" dir="2700000" algn="ctr" rotWithShape="0">
                     <a:schemeClr val="bg2"/>
@@ -11557,7 +12031,7 @@
     </p:spTree>
     <p:extLst>
       <p:ext uri="{BB962C8B-B14F-4D97-AF65-F5344CB8AC3E}">
-        <p14:creationId xmlns:p14="http://schemas.microsoft.com/office/powerpoint/2010/main" xmlns="" val="1239993373"/>
+        <p14:creationId xmlns:p14="http://schemas.microsoft.com/office/powerpoint/2010/main" val="1239993373"/>
       </p:ext>
     </p:extLst>
   </p:cSld>
@@ -12726,7 +13200,7 @@
     </p:spTree>
     <p:extLst>
       <p:ext uri="{BB962C8B-B14F-4D97-AF65-F5344CB8AC3E}">
-        <p14:creationId xmlns:p14="http://schemas.microsoft.com/office/powerpoint/2010/main" xmlns="" val="2899302471"/>
+        <p14:creationId xmlns:p14="http://schemas.microsoft.com/office/powerpoint/2010/main" val="2899302471"/>
       </p:ext>
     </p:extLst>
   </p:cSld>
@@ -13324,7 +13798,7 @@
     </p:spTree>
     <p:extLst>
       <p:ext uri="{BB962C8B-B14F-4D97-AF65-F5344CB8AC3E}">
-        <p14:creationId xmlns:p14="http://schemas.microsoft.com/office/powerpoint/2010/main" xmlns="" val="2025061542"/>
+        <p14:creationId xmlns:p14="http://schemas.microsoft.com/office/powerpoint/2010/main" val="2025061542"/>
       </p:ext>
     </p:extLst>
   </p:cSld>
@@ -13384,7 +13858,7 @@
     </p:spTree>
     <p:extLst>
       <p:ext uri="{BB962C8B-B14F-4D97-AF65-F5344CB8AC3E}">
-        <p14:creationId xmlns:p14="http://schemas.microsoft.com/office/powerpoint/2010/main" xmlns="" val="353800143"/>
+        <p14:creationId xmlns:p14="http://schemas.microsoft.com/office/powerpoint/2010/main" val="353800143"/>
       </p:ext>
     </p:extLst>
   </p:cSld>
@@ -13453,7 +13927,7 @@
           <a:blip r:embed="rId2" cstate="print">
             <a:extLst>
               <a:ext uri="{28A0092B-C50C-407E-A947-70E740481C1C}">
-                <a14:useLocalDpi xmlns:a14="http://schemas.microsoft.com/office/drawing/2010/main" xmlns="" val="0"/>
+                <a14:useLocalDpi xmlns:a14="http://schemas.microsoft.com/office/drawing/2010/main" val="0"/>
               </a:ext>
             </a:extLst>
           </a:blip>
@@ -13477,14 +13951,14 @@
           <a:effectLst/>
           <a:extLst>
             <a:ext uri="{909E8E84-426E-40DD-AFC4-6F175D3DCCD1}">
-              <a14:hiddenFill xmlns:a14="http://schemas.microsoft.com/office/drawing/2010/main" xmlns="">
+              <a14:hiddenFill xmlns:a14="http://schemas.microsoft.com/office/drawing/2010/main">
                 <a:solidFill>
                   <a:schemeClr val="accent1"/>
                 </a:solidFill>
               </a14:hiddenFill>
             </a:ext>
             <a:ext uri="{91240B29-F687-4F45-9708-019B960494DF}">
-              <a14:hiddenLine xmlns:a14="http://schemas.microsoft.com/office/drawing/2010/main" xmlns="" w="9525">
+              <a14:hiddenLine xmlns:a14="http://schemas.microsoft.com/office/drawing/2010/main" w="9525">
                 <a:solidFill>
                   <a:schemeClr val="tx1"/>
                 </a:solidFill>
@@ -13494,7 +13968,7 @@
               </a14:hiddenLine>
             </a:ext>
             <a:ext uri="{AF507438-7753-43E0-B8FC-AC1667EBCBE1}">
-              <a14:hiddenEffects xmlns:a14="http://schemas.microsoft.com/office/drawing/2010/main" xmlns="">
+              <a14:hiddenEffects xmlns:a14="http://schemas.microsoft.com/office/drawing/2010/main">
                 <a:effectLst>
                   <a:outerShdw dist="35921" dir="2700000" algn="ctr" rotWithShape="0">
                     <a:schemeClr val="bg2"/>
@@ -13508,7 +13982,7 @@
     </p:spTree>
     <p:extLst>
       <p:ext uri="{BB962C8B-B14F-4D97-AF65-F5344CB8AC3E}">
-        <p14:creationId xmlns:p14="http://schemas.microsoft.com/office/powerpoint/2010/main" xmlns="" val="1922197765"/>
+        <p14:creationId xmlns:p14="http://schemas.microsoft.com/office/powerpoint/2010/main" val="1922197765"/>
       </p:ext>
     </p:extLst>
   </p:cSld>
@@ -13582,7 +14056,7 @@
           <a:blip r:embed="rId2" cstate="print">
             <a:extLst>
               <a:ext uri="{28A0092B-C50C-407E-A947-70E740481C1C}">
-                <a14:useLocalDpi xmlns:a14="http://schemas.microsoft.com/office/drawing/2010/main" xmlns="" val="0"/>
+                <a14:useLocalDpi xmlns:a14="http://schemas.microsoft.com/office/drawing/2010/main" val="0"/>
               </a:ext>
             </a:extLst>
           </a:blip>
@@ -13606,14 +14080,14 @@
           <a:effectLst/>
           <a:extLst>
             <a:ext uri="{909E8E84-426E-40DD-AFC4-6F175D3DCCD1}">
-              <a14:hiddenFill xmlns:a14="http://schemas.microsoft.com/office/drawing/2010/main" xmlns="">
+              <a14:hiddenFill xmlns:a14="http://schemas.microsoft.com/office/drawing/2010/main">
                 <a:solidFill>
                   <a:schemeClr val="accent1"/>
                 </a:solidFill>
               </a14:hiddenFill>
             </a:ext>
             <a:ext uri="{91240B29-F687-4F45-9708-019B960494DF}">
-              <a14:hiddenLine xmlns:a14="http://schemas.microsoft.com/office/drawing/2010/main" xmlns="" w="9525">
+              <a14:hiddenLine xmlns:a14="http://schemas.microsoft.com/office/drawing/2010/main" w="9525">
                 <a:solidFill>
                   <a:schemeClr val="tx1"/>
                 </a:solidFill>
@@ -13623,7 +14097,7 @@
               </a14:hiddenLine>
             </a:ext>
             <a:ext uri="{AF507438-7753-43E0-B8FC-AC1667EBCBE1}">
-              <a14:hiddenEffects xmlns:a14="http://schemas.microsoft.com/office/drawing/2010/main" xmlns="">
+              <a14:hiddenEffects xmlns:a14="http://schemas.microsoft.com/office/drawing/2010/main">
                 <a:effectLst>
                   <a:outerShdw dist="35921" dir="2700000" algn="ctr" rotWithShape="0">
                     <a:schemeClr val="bg2"/>
@@ -13637,7 +14111,7 @@
     </p:spTree>
     <p:extLst>
       <p:ext uri="{BB962C8B-B14F-4D97-AF65-F5344CB8AC3E}">
-        <p14:creationId xmlns:p14="http://schemas.microsoft.com/office/powerpoint/2010/main" xmlns="" val="2572490974"/>
+        <p14:creationId xmlns:p14="http://schemas.microsoft.com/office/powerpoint/2010/main" val="2572490974"/>
       </p:ext>
     </p:extLst>
   </p:cSld>
@@ -13824,7 +14298,7 @@
     </p:spTree>
     <p:extLst>
       <p:ext uri="{BB962C8B-B14F-4D97-AF65-F5344CB8AC3E}">
-        <p14:creationId xmlns:p14="http://schemas.microsoft.com/office/powerpoint/2010/main" xmlns="" val="143085231"/>
+        <p14:creationId xmlns:p14="http://schemas.microsoft.com/office/powerpoint/2010/main" val="143085231"/>
       </p:ext>
     </p:extLst>
   </p:cSld>
@@ -13991,7 +14465,7 @@
           <p:nvPr>
             <p:extLst>
               <p:ext uri="{D42A27DB-BD31-4B8C-83A1-F6EECF244321}">
-                <p14:modId xmlns:p14="http://schemas.microsoft.com/office/powerpoint/2010/main" xmlns="" val="3943238416"/>
+                <p14:modId xmlns:p14="http://schemas.microsoft.com/office/powerpoint/2010/main" val="3943238416"/>
               </p:ext>
             </p:extLst>
           </p:nvPr>
@@ -15501,7 +15975,7 @@
           <a:blip r:embed="rId2" cstate="print">
             <a:extLst>
               <a:ext uri="{28A0092B-C50C-407E-A947-70E740481C1C}">
-                <a14:useLocalDpi xmlns:a14="http://schemas.microsoft.com/office/drawing/2010/main" xmlns="" val="0"/>
+                <a14:useLocalDpi xmlns:a14="http://schemas.microsoft.com/office/drawing/2010/main" val="0"/>
               </a:ext>
             </a:extLst>
           </a:blip>
@@ -15691,7 +16165,7 @@
     </p:spTree>
     <p:extLst>
       <p:ext uri="{BB962C8B-B14F-4D97-AF65-F5344CB8AC3E}">
-        <p14:creationId xmlns:p14="http://schemas.microsoft.com/office/powerpoint/2010/main" xmlns="" val="772982720"/>
+        <p14:creationId xmlns:p14="http://schemas.microsoft.com/office/powerpoint/2010/main" val="772982720"/>
       </p:ext>
     </p:extLst>
   </p:cSld>
@@ -16395,7 +16869,7 @@
           <a:blip r:embed="rId2" cstate="print">
             <a:extLst>
               <a:ext uri="{28A0092B-C50C-407E-A947-70E740481C1C}">
-                <a14:useLocalDpi xmlns:a14="http://schemas.microsoft.com/office/drawing/2010/main" xmlns="" val="0"/>
+                <a14:useLocalDpi xmlns:a14="http://schemas.microsoft.com/office/drawing/2010/main" val="0"/>
               </a:ext>
             </a:extLst>
           </a:blip>
@@ -16414,7 +16888,7 @@
     </p:spTree>
     <p:extLst>
       <p:ext uri="{BB962C8B-B14F-4D97-AF65-F5344CB8AC3E}">
-        <p14:creationId xmlns:p14="http://schemas.microsoft.com/office/powerpoint/2010/main" xmlns="" val="1632595821"/>
+        <p14:creationId xmlns:p14="http://schemas.microsoft.com/office/powerpoint/2010/main" val="1632595821"/>
       </p:ext>
     </p:extLst>
   </p:cSld>
@@ -16525,7 +16999,7 @@
     </p:spTree>
     <p:extLst>
       <p:ext uri="{BB962C8B-B14F-4D97-AF65-F5344CB8AC3E}">
-        <p14:creationId xmlns:p14="http://schemas.microsoft.com/office/powerpoint/2010/main" xmlns="" val="3574730836"/>
+        <p14:creationId xmlns:p14="http://schemas.microsoft.com/office/powerpoint/2010/main" val="3574730836"/>
       </p:ext>
     </p:extLst>
   </p:cSld>
@@ -16974,7 +17448,7 @@
     </p:spTree>
     <p:extLst>
       <p:ext uri="{BB962C8B-B14F-4D97-AF65-F5344CB8AC3E}">
-        <p14:creationId xmlns:p14="http://schemas.microsoft.com/office/powerpoint/2010/main" xmlns="" val="4137496560"/>
+        <p14:creationId xmlns:p14="http://schemas.microsoft.com/office/powerpoint/2010/main" val="4137496560"/>
       </p:ext>
     </p:extLst>
   </p:cSld>
@@ -17277,4 +17751,289 @@
   <a:objectDefaults/>
   <a:extraClrSchemeLst/>
 </a:theme>
+</file>
+
+<file path=ppt/theme/theme2.xml><?xml version="1.0" encoding="utf-8"?>
+<a:theme xmlns:a="http://schemas.openxmlformats.org/drawingml/2006/main" name="Office Theme">
+  <a:themeElements>
+    <a:clrScheme name="Office">
+      <a:dk1>
+        <a:sysClr val="windowText" lastClr="000000"/>
+      </a:dk1>
+      <a:lt1>
+        <a:sysClr val="window" lastClr="FFFFFF"/>
+      </a:lt1>
+      <a:dk2>
+        <a:srgbClr val="1F497D"/>
+      </a:dk2>
+      <a:lt2>
+        <a:srgbClr val="EEECE1"/>
+      </a:lt2>
+      <a:accent1>
+        <a:srgbClr val="4F81BD"/>
+      </a:accent1>
+      <a:accent2>
+        <a:srgbClr val="C0504D"/>
+      </a:accent2>
+      <a:accent3>
+        <a:srgbClr val="9BBB59"/>
+      </a:accent3>
+      <a:accent4>
+        <a:srgbClr val="8064A2"/>
+      </a:accent4>
+      <a:accent5>
+        <a:srgbClr val="4BACC6"/>
+      </a:accent5>
+      <a:accent6>
+        <a:srgbClr val="F79646"/>
+      </a:accent6>
+      <a:hlink>
+        <a:srgbClr val="0000FF"/>
+      </a:hlink>
+      <a:folHlink>
+        <a:srgbClr val="800080"/>
+      </a:folHlink>
+    </a:clrScheme>
+    <a:fontScheme name="Office">
+      <a:majorFont>
+        <a:latin typeface="Calibri"/>
+        <a:ea typeface=""/>
+        <a:cs typeface=""/>
+        <a:font script="Jpan" typeface="ＭＳ Ｐゴシック"/>
+        <a:font script="Hang" typeface="맑은 고딕"/>
+        <a:font script="Hans" typeface="宋体"/>
+        <a:font script="Hant" typeface="新細明體"/>
+        <a:font script="Arab" typeface="Times New Roman"/>
+        <a:font script="Hebr" typeface="Times New Roman"/>
+        <a:font script="Thai" typeface="Angsana New"/>
+        <a:font script="Ethi" typeface="Nyala"/>
+        <a:font script="Beng" typeface="Vrinda"/>
+        <a:font script="Gujr" typeface="Shruti"/>
+        <a:font script="Khmr" typeface="MoolBoran"/>
+        <a:font script="Knda" typeface="Tunga"/>
+        <a:font script="Guru" typeface="Raavi"/>
+        <a:font script="Cans" typeface="Euphemia"/>
+        <a:font script="Cher" typeface="Plantagenet Cherokee"/>
+        <a:font script="Yiii" typeface="Microsoft Yi Baiti"/>
+        <a:font script="Tibt" typeface="Microsoft Himalaya"/>
+        <a:font script="Thaa" typeface="MV Boli"/>
+        <a:font script="Deva" typeface="Mangal"/>
+        <a:font script="Telu" typeface="Gautami"/>
+        <a:font script="Taml" typeface="Latha"/>
+        <a:font script="Syrc" typeface="Estrangelo Edessa"/>
+        <a:font script="Orya" typeface="Kalinga"/>
+        <a:font script="Mlym" typeface="Kartika"/>
+        <a:font script="Laoo" typeface="DokChampa"/>
+        <a:font script="Sinh" typeface="Iskoola Pota"/>
+        <a:font script="Mong" typeface="Mongolian Baiti"/>
+        <a:font script="Viet" typeface="Times New Roman"/>
+        <a:font script="Uigh" typeface="Microsoft Uighur"/>
+        <a:font script="Geor" typeface="Sylfaen"/>
+      </a:majorFont>
+      <a:minorFont>
+        <a:latin typeface="Calibri"/>
+        <a:ea typeface=""/>
+        <a:cs typeface=""/>
+        <a:font script="Jpan" typeface="ＭＳ Ｐゴシック"/>
+        <a:font script="Hang" typeface="맑은 고딕"/>
+        <a:font script="Hans" typeface="宋体"/>
+        <a:font script="Hant" typeface="新細明體"/>
+        <a:font script="Arab" typeface="Arial"/>
+        <a:font script="Hebr" typeface="Arial"/>
+        <a:font script="Thai" typeface="Cordia New"/>
+        <a:font script="Ethi" typeface="Nyala"/>
+        <a:font script="Beng" typeface="Vrinda"/>
+        <a:font script="Gujr" typeface="Shruti"/>
+        <a:font script="Khmr" typeface="DaunPenh"/>
+        <a:font script="Knda" typeface="Tunga"/>
+        <a:font script="Guru" typeface="Raavi"/>
+        <a:font script="Cans" typeface="Euphemia"/>
+        <a:font script="Cher" typeface="Plantagenet Cherokee"/>
+        <a:font script="Yiii" typeface="Microsoft Yi Baiti"/>
+        <a:font script="Tibt" typeface="Microsoft Himalaya"/>
+        <a:font script="Thaa" typeface="MV Boli"/>
+        <a:font script="Deva" typeface="Mangal"/>
+        <a:font script="Telu" typeface="Gautami"/>
+        <a:font script="Taml" typeface="Latha"/>
+        <a:font script="Syrc" typeface="Estrangelo Edessa"/>
+        <a:font script="Orya" typeface="Kalinga"/>
+        <a:font script="Mlym" typeface="Kartika"/>
+        <a:font script="Laoo" typeface="DokChampa"/>
+        <a:font script="Sinh" typeface="Iskoola Pota"/>
+        <a:font script="Mong" typeface="Mongolian Baiti"/>
+        <a:font script="Viet" typeface="Arial"/>
+        <a:font script="Uigh" typeface="Microsoft Uighur"/>
+        <a:font script="Geor" typeface="Sylfaen"/>
+      </a:minorFont>
+    </a:fontScheme>
+    <a:fmtScheme name="Office">
+      <a:fillStyleLst>
+        <a:solidFill>
+          <a:schemeClr val="phClr"/>
+        </a:solidFill>
+        <a:gradFill rotWithShape="1">
+          <a:gsLst>
+            <a:gs pos="0">
+              <a:schemeClr val="phClr">
+                <a:tint val="50000"/>
+                <a:satMod val="300000"/>
+              </a:schemeClr>
+            </a:gs>
+            <a:gs pos="35000">
+              <a:schemeClr val="phClr">
+                <a:tint val="37000"/>
+                <a:satMod val="300000"/>
+              </a:schemeClr>
+            </a:gs>
+            <a:gs pos="100000">
+              <a:schemeClr val="phClr">
+                <a:tint val="15000"/>
+                <a:satMod val="350000"/>
+              </a:schemeClr>
+            </a:gs>
+          </a:gsLst>
+          <a:lin ang="16200000" scaled="1"/>
+        </a:gradFill>
+        <a:gradFill rotWithShape="1">
+          <a:gsLst>
+            <a:gs pos="0">
+              <a:schemeClr val="phClr">
+                <a:shade val="51000"/>
+                <a:satMod val="130000"/>
+              </a:schemeClr>
+            </a:gs>
+            <a:gs pos="80000">
+              <a:schemeClr val="phClr">
+                <a:shade val="93000"/>
+                <a:satMod val="130000"/>
+              </a:schemeClr>
+            </a:gs>
+            <a:gs pos="100000">
+              <a:schemeClr val="phClr">
+                <a:shade val="94000"/>
+                <a:satMod val="135000"/>
+              </a:schemeClr>
+            </a:gs>
+          </a:gsLst>
+          <a:lin ang="16200000" scaled="0"/>
+        </a:gradFill>
+      </a:fillStyleLst>
+      <a:lnStyleLst>
+        <a:ln w="9525" cap="flat" cmpd="sng" algn="ctr">
+          <a:solidFill>
+            <a:schemeClr val="phClr">
+              <a:shade val="95000"/>
+              <a:satMod val="105000"/>
+            </a:schemeClr>
+          </a:solidFill>
+          <a:prstDash val="solid"/>
+        </a:ln>
+        <a:ln w="25400" cap="flat" cmpd="sng" algn="ctr">
+          <a:solidFill>
+            <a:schemeClr val="phClr"/>
+          </a:solidFill>
+          <a:prstDash val="solid"/>
+        </a:ln>
+        <a:ln w="38100" cap="flat" cmpd="sng" algn="ctr">
+          <a:solidFill>
+            <a:schemeClr val="phClr"/>
+          </a:solidFill>
+          <a:prstDash val="solid"/>
+        </a:ln>
+      </a:lnStyleLst>
+      <a:effectStyleLst>
+        <a:effectStyle>
+          <a:effectLst>
+            <a:outerShdw blurRad="40000" dist="20000" dir="5400000" rotWithShape="0">
+              <a:srgbClr val="000000">
+                <a:alpha val="38000"/>
+              </a:srgbClr>
+            </a:outerShdw>
+          </a:effectLst>
+        </a:effectStyle>
+        <a:effectStyle>
+          <a:effectLst>
+            <a:outerShdw blurRad="40000" dist="23000" dir="5400000" rotWithShape="0">
+              <a:srgbClr val="000000">
+                <a:alpha val="35000"/>
+              </a:srgbClr>
+            </a:outerShdw>
+          </a:effectLst>
+        </a:effectStyle>
+        <a:effectStyle>
+          <a:effectLst>
+            <a:outerShdw blurRad="40000" dist="23000" dir="5400000" rotWithShape="0">
+              <a:srgbClr val="000000">
+                <a:alpha val="35000"/>
+              </a:srgbClr>
+            </a:outerShdw>
+          </a:effectLst>
+          <a:scene3d>
+            <a:camera prst="orthographicFront">
+              <a:rot lat="0" lon="0" rev="0"/>
+            </a:camera>
+            <a:lightRig rig="threePt" dir="t">
+              <a:rot lat="0" lon="0" rev="1200000"/>
+            </a:lightRig>
+          </a:scene3d>
+          <a:sp3d>
+            <a:bevelT w="63500" h="25400"/>
+          </a:sp3d>
+        </a:effectStyle>
+      </a:effectStyleLst>
+      <a:bgFillStyleLst>
+        <a:solidFill>
+          <a:schemeClr val="phClr"/>
+        </a:solidFill>
+        <a:gradFill rotWithShape="1">
+          <a:gsLst>
+            <a:gs pos="0">
+              <a:schemeClr val="phClr">
+                <a:tint val="40000"/>
+                <a:satMod val="350000"/>
+              </a:schemeClr>
+            </a:gs>
+            <a:gs pos="40000">
+              <a:schemeClr val="phClr">
+                <a:tint val="45000"/>
+                <a:shade val="99000"/>
+                <a:satMod val="350000"/>
+              </a:schemeClr>
+            </a:gs>
+            <a:gs pos="100000">
+              <a:schemeClr val="phClr">
+                <a:shade val="20000"/>
+                <a:satMod val="255000"/>
+              </a:schemeClr>
+            </a:gs>
+          </a:gsLst>
+          <a:path path="circle">
+            <a:fillToRect l="50000" t="-80000" r="50000" b="180000"/>
+          </a:path>
+        </a:gradFill>
+        <a:gradFill rotWithShape="1">
+          <a:gsLst>
+            <a:gs pos="0">
+              <a:schemeClr val="phClr">
+                <a:tint val="80000"/>
+                <a:satMod val="300000"/>
+              </a:schemeClr>
+            </a:gs>
+            <a:gs pos="100000">
+              <a:schemeClr val="phClr">
+                <a:shade val="30000"/>
+                <a:satMod val="200000"/>
+              </a:schemeClr>
+            </a:gs>
+          </a:gsLst>
+          <a:path path="circle">
+            <a:fillToRect l="50000" t="50000" r="50000" b="50000"/>
+          </a:path>
+        </a:gradFill>
+      </a:bgFillStyleLst>
+    </a:fmtScheme>
+  </a:themeElements>
+  <a:objectDefaults/>
+  <a:extraClrSchemeLst/>
+</a:theme>
 </file>
--- a/trunk/Appli/Méthodologie/Général/Copil/Copil 1/VAL.pptx
+++ b/trunk/Appli/Méthodologie/Général/Copil/Copil 1/VAL.pptx
@@ -214,6 +214,7 @@
           <a:p>
             <a:fld id="{465F8346-AC1B-4ED9-A5A2-49BCE3C4FB8F}" type="datetimeFigureOut">
               <a:rPr lang="fr-FR" smtClean="0"/>
+              <a:pPr/>
               <a:t>04/12/2012</a:t>
             </a:fld>
             <a:endParaRPr lang="fr-FR"/>
@@ -373,7 +374,8 @@
           <a:p>
             <a:fld id="{F98BCAEF-4157-483F-814F-91DCDC9C17BC}" type="slidenum">
               <a:rPr lang="fr-FR" smtClean="0"/>
-              <a:t>‹#›</a:t>
+              <a:pPr/>
+              <a:t>‹N°›</a:t>
             </a:fld>
             <a:endParaRPr lang="fr-FR"/>
           </a:p>
@@ -382,7 +384,7 @@
     </p:spTree>
     <p:extLst>
       <p:ext uri="{BB962C8B-B14F-4D97-AF65-F5344CB8AC3E}">
-        <p14:creationId xmlns:p14="http://schemas.microsoft.com/office/powerpoint/2010/main" val="958719818"/>
+        <p14:creationId xmlns:p14="http://schemas.microsoft.com/office/powerpoint/2010/main" xmlns="" val="958719818"/>
       </p:ext>
     </p:extLst>
   </p:cSld>
@@ -613,6 +615,7 @@
           <a:p>
             <a:fld id="{F98BCAEF-4157-483F-814F-91DCDC9C17BC}" type="slidenum">
               <a:rPr lang="fr-FR" smtClean="0"/>
+              <a:pPr/>
               <a:t>17</a:t>
             </a:fld>
             <a:endParaRPr lang="fr-FR"/>
@@ -622,9 +625,91 @@
     </p:spTree>
     <p:extLst>
       <p:ext uri="{BB962C8B-B14F-4D97-AF65-F5344CB8AC3E}">
-        <p14:creationId xmlns:p14="http://schemas.microsoft.com/office/powerpoint/2010/main" val="1918925604"/>
+        <p14:creationId xmlns:p14="http://schemas.microsoft.com/office/powerpoint/2010/main" xmlns="" val="1918925604"/>
       </p:ext>
     </p:extLst>
+  </p:cSld>
+  <p:clrMapOvr>
+    <a:masterClrMapping/>
+  </p:clrMapOvr>
+</p:notes>
+</file>
+
+<file path=ppt/notesSlides/notesSlide2.xml><?xml version="1.0" encoding="utf-8"?>
+<p:notes xmlns:a="http://schemas.openxmlformats.org/drawingml/2006/main" xmlns:r="http://schemas.openxmlformats.org/officeDocument/2006/relationships" xmlns:p="http://schemas.openxmlformats.org/presentationml/2006/main">
+  <p:cSld>
+    <p:spTree>
+      <p:nvGrpSpPr>
+        <p:cNvPr id="1" name=""/>
+        <p:cNvGrpSpPr/>
+        <p:nvPr/>
+      </p:nvGrpSpPr>
+      <p:grpSpPr>
+        <a:xfrm>
+          <a:off x="0" y="0"/>
+          <a:ext cx="0" cy="0"/>
+          <a:chOff x="0" y="0"/>
+          <a:chExt cx="0" cy="0"/>
+        </a:xfrm>
+      </p:grpSpPr>
+      <p:sp>
+        <p:nvSpPr>
+          <p:cNvPr id="2" name="Espace réservé de l'image des diapositives 1"/>
+          <p:cNvSpPr>
+            <a:spLocks noGrp="1" noRot="1" noChangeAspect="1"/>
+          </p:cNvSpPr>
+          <p:nvPr>
+            <p:ph type="sldImg"/>
+          </p:nvPr>
+        </p:nvSpPr>
+        <p:spPr/>
+      </p:sp>
+      <p:sp>
+        <p:nvSpPr>
+          <p:cNvPr id="3" name="Espace réservé des commentaires 2"/>
+          <p:cNvSpPr>
+            <a:spLocks noGrp="1"/>
+          </p:cNvSpPr>
+          <p:nvPr>
+            <p:ph type="body" idx="1"/>
+          </p:nvPr>
+        </p:nvSpPr>
+        <p:spPr/>
+        <p:txBody>
+          <a:bodyPr>
+            <a:normAutofit/>
+          </a:bodyPr>
+          <a:lstStyle/>
+          <a:p>
+            <a:endParaRPr lang="fr-FR" dirty="0"/>
+          </a:p>
+        </p:txBody>
+      </p:sp>
+      <p:sp>
+        <p:nvSpPr>
+          <p:cNvPr id="4" name="Espace réservé du numéro de diapositive 3"/>
+          <p:cNvSpPr>
+            <a:spLocks noGrp="1"/>
+          </p:cNvSpPr>
+          <p:nvPr>
+            <p:ph type="sldNum" sz="quarter" idx="10"/>
+          </p:nvPr>
+        </p:nvSpPr>
+        <p:spPr/>
+        <p:txBody>
+          <a:bodyPr/>
+          <a:lstStyle/>
+          <a:p>
+            <a:fld id="{F98BCAEF-4157-483F-814F-91DCDC9C17BC}" type="slidenum">
+              <a:rPr lang="fr-FR" smtClean="0"/>
+              <a:pPr/>
+              <a:t>21</a:t>
+            </a:fld>
+            <a:endParaRPr lang="fr-FR"/>
+          </a:p>
+        </p:txBody>
+      </p:sp>
+    </p:spTree>
   </p:cSld>
   <p:clrMapOvr>
     <a:masterClrMapping/>
@@ -864,7 +949,7 @@
             <a:fld id="{B6F15528-21DE-4FAA-801E-634DDDAF4B2B}" type="slidenum">
               <a:rPr lang="en-US" smtClean="0"/>
               <a:pPr/>
-              <a:t>‹#›</a:t>
+              <a:t>‹N°›</a:t>
             </a:fld>
             <a:endParaRPr lang="en-US"/>
           </a:p>
@@ -1066,7 +1151,7 @@
             <a:fld id="{B6F15528-21DE-4FAA-801E-634DDDAF4B2B}" type="slidenum">
               <a:rPr lang="en-US" smtClean="0"/>
               <a:pPr/>
-              <a:t>‹#›</a:t>
+              <a:t>‹N°›</a:t>
             </a:fld>
             <a:endParaRPr lang="en-US"/>
           </a:p>
@@ -1243,7 +1328,7 @@
             <a:fld id="{B6F15528-21DE-4FAA-801E-634DDDAF4B2B}" type="slidenum">
               <a:rPr lang="en-US" smtClean="0"/>
               <a:pPr/>
-              <a:t>‹#›</a:t>
+              <a:t>‹N°›</a:t>
             </a:fld>
             <a:endParaRPr lang="en-US"/>
           </a:p>
@@ -1410,7 +1495,7 @@
             <a:fld id="{B6F15528-21DE-4FAA-801E-634DDDAF4B2B}" type="slidenum">
               <a:rPr lang="en-US" smtClean="0"/>
               <a:pPr/>
-              <a:t>‹#›</a:t>
+              <a:t>‹N°›</a:t>
             </a:fld>
             <a:endParaRPr lang="en-US"/>
           </a:p>
@@ -1660,7 +1745,7 @@
             <a:fld id="{B6F15528-21DE-4FAA-801E-634DDDAF4B2B}" type="slidenum">
               <a:rPr lang="en-US" smtClean="0"/>
               <a:pPr/>
-              <a:t>‹#›</a:t>
+              <a:t>‹N°›</a:t>
             </a:fld>
             <a:endParaRPr lang="en-US"/>
           </a:p>
@@ -1980,7 +2065,7 @@
             <a:fld id="{B6F15528-21DE-4FAA-801E-634DDDAF4B2B}" type="slidenum">
               <a:rPr lang="en-US" smtClean="0"/>
               <a:pPr/>
-              <a:t>‹#›</a:t>
+              <a:t>‹N°›</a:t>
             </a:fld>
             <a:endParaRPr lang="en-US"/>
           </a:p>
@@ -2448,7 +2533,7 @@
             <a:fld id="{B6F15528-21DE-4FAA-801E-634DDDAF4B2B}" type="slidenum">
               <a:rPr lang="en-US" smtClean="0"/>
               <a:pPr/>
-              <a:t>‹#›</a:t>
+              <a:t>‹N°›</a:t>
             </a:fld>
             <a:endParaRPr lang="en-US"/>
           </a:p>
@@ -2598,7 +2683,7 @@
             <a:fld id="{B6F15528-21DE-4FAA-801E-634DDDAF4B2B}" type="slidenum">
               <a:rPr lang="en-US" smtClean="0"/>
               <a:pPr/>
-              <a:t>‹#›</a:t>
+              <a:t>‹N°›</a:t>
             </a:fld>
             <a:endParaRPr lang="en-US"/>
           </a:p>
@@ -2690,7 +2775,7 @@
             <a:fld id="{B6F15528-21DE-4FAA-801E-634DDDAF4B2B}" type="slidenum">
               <a:rPr lang="en-US" smtClean="0"/>
               <a:pPr/>
-              <a:t>‹#›</a:t>
+              <a:t>‹N°›</a:t>
             </a:fld>
             <a:endParaRPr lang="en-US"/>
           </a:p>
@@ -2966,7 +3051,7 @@
             <a:fld id="{B6F15528-21DE-4FAA-801E-634DDDAF4B2B}" type="slidenum">
               <a:rPr lang="en-US" smtClean="0"/>
               <a:pPr/>
-              <a:t>‹#›</a:t>
+              <a:t>‹N°›</a:t>
             </a:fld>
             <a:endParaRPr lang="en-US"/>
           </a:p>
@@ -3273,7 +3358,7 @@
             <a:fld id="{B6F15528-21DE-4FAA-801E-634DDDAF4B2B}" type="slidenum">
               <a:rPr lang="en-US" smtClean="0"/>
               <a:pPr/>
-              <a:t>‹#›</a:t>
+              <a:t>‹N°›</a:t>
             </a:fld>
             <a:endParaRPr lang="en-US"/>
           </a:p>
@@ -3605,7 +3690,7 @@
             <a:fld id="{B6F15528-21DE-4FAA-801E-634DDDAF4B2B}" type="slidenum">
               <a:rPr lang="en-US" smtClean="0"/>
               <a:pPr/>
-              <a:t>‹#›</a:t>
+              <a:t>‹N°›</a:t>
             </a:fld>
             <a:endParaRPr lang="en-US"/>
           </a:p>
@@ -3977,7 +4062,7 @@
     </p:spTree>
     <p:extLst>
       <p:ext uri="{BB962C8B-B14F-4D97-AF65-F5344CB8AC3E}">
-        <p14:creationId xmlns:p14="http://schemas.microsoft.com/office/powerpoint/2010/main" val="3992780646"/>
+        <p14:creationId xmlns:p14="http://schemas.microsoft.com/office/powerpoint/2010/main" xmlns="" val="3992780646"/>
       </p:ext>
     </p:extLst>
   </p:cSld>
@@ -4046,7 +4131,7 @@
           <a:blip r:embed="rId2" cstate="print">
             <a:extLst>
               <a:ext uri="{28A0092B-C50C-407E-A947-70E740481C1C}">
-                <a14:useLocalDpi xmlns:a14="http://schemas.microsoft.com/office/drawing/2010/main" val="0"/>
+                <a14:useLocalDpi xmlns:a14="http://schemas.microsoft.com/office/drawing/2010/main" xmlns="" val="0"/>
               </a:ext>
             </a:extLst>
           </a:blip>
@@ -4070,14 +4155,14 @@
           <a:effectLst/>
           <a:extLst>
             <a:ext uri="{909E8E84-426E-40DD-AFC4-6F175D3DCCD1}">
-              <a14:hiddenFill xmlns:a14="http://schemas.microsoft.com/office/drawing/2010/main">
+              <a14:hiddenFill xmlns:a14="http://schemas.microsoft.com/office/drawing/2010/main" xmlns="">
                 <a:solidFill>
                   <a:schemeClr val="accent1"/>
                 </a:solidFill>
               </a14:hiddenFill>
             </a:ext>
             <a:ext uri="{91240B29-F687-4F45-9708-019B960494DF}">
-              <a14:hiddenLine xmlns:a14="http://schemas.microsoft.com/office/drawing/2010/main" w="9525">
+              <a14:hiddenLine xmlns:a14="http://schemas.microsoft.com/office/drawing/2010/main" xmlns="" w="9525">
                 <a:solidFill>
                   <a:schemeClr val="tx1"/>
                 </a:solidFill>
@@ -4087,7 +4172,7 @@
               </a14:hiddenLine>
             </a:ext>
             <a:ext uri="{AF507438-7753-43E0-B8FC-AC1667EBCBE1}">
-              <a14:hiddenEffects xmlns:a14="http://schemas.microsoft.com/office/drawing/2010/main">
+              <a14:hiddenEffects xmlns:a14="http://schemas.microsoft.com/office/drawing/2010/main" xmlns="">
                 <a:effectLst>
                   <a:outerShdw dist="35921" dir="2700000" algn="ctr" rotWithShape="0">
                     <a:schemeClr val="bg2"/>
@@ -4101,7 +4186,7 @@
     </p:spTree>
     <p:extLst>
       <p:ext uri="{BB962C8B-B14F-4D97-AF65-F5344CB8AC3E}">
-        <p14:creationId xmlns:p14="http://schemas.microsoft.com/office/powerpoint/2010/main" val="340587284"/>
+        <p14:creationId xmlns:p14="http://schemas.microsoft.com/office/powerpoint/2010/main" xmlns="" val="340587284"/>
       </p:ext>
     </p:extLst>
   </p:cSld>
@@ -4170,7 +4255,7 @@
           <a:blip r:embed="rId2" cstate="print">
             <a:extLst>
               <a:ext uri="{28A0092B-C50C-407E-A947-70E740481C1C}">
-                <a14:useLocalDpi xmlns:a14="http://schemas.microsoft.com/office/drawing/2010/main" val="0"/>
+                <a14:useLocalDpi xmlns:a14="http://schemas.microsoft.com/office/drawing/2010/main" xmlns="" val="0"/>
               </a:ext>
             </a:extLst>
           </a:blip>
@@ -4190,7 +4275,7 @@
           <a:noFill/>
           <a:extLst>
             <a:ext uri="{909E8E84-426E-40DD-AFC4-6F175D3DCCD1}">
-              <a14:hiddenFill xmlns:a14="http://schemas.microsoft.com/office/drawing/2010/main">
+              <a14:hiddenFill xmlns:a14="http://schemas.microsoft.com/office/drawing/2010/main" xmlns="">
                 <a:solidFill>
                   <a:srgbClr val="FFFFFF"/>
                 </a:solidFill>
@@ -4202,7 +4287,7 @@
     </p:spTree>
     <p:extLst>
       <p:ext uri="{BB962C8B-B14F-4D97-AF65-F5344CB8AC3E}">
-        <p14:creationId xmlns:p14="http://schemas.microsoft.com/office/powerpoint/2010/main" val="4292440096"/>
+        <p14:creationId xmlns:p14="http://schemas.microsoft.com/office/powerpoint/2010/main" xmlns="" val="4292440096"/>
       </p:ext>
     </p:extLst>
   </p:cSld>
@@ -4275,7 +4360,7 @@
           <p:nvPr>
             <p:extLst>
               <p:ext uri="{D42A27DB-BD31-4B8C-83A1-F6EECF244321}">
-                <p14:modId xmlns:p14="http://schemas.microsoft.com/office/powerpoint/2010/main" val="1117665806"/>
+                <p14:modId xmlns:p14="http://schemas.microsoft.com/office/powerpoint/2010/main" xmlns="" val="1117665806"/>
               </p:ext>
             </p:extLst>
           </p:nvPr>
@@ -7278,7 +7363,7 @@
     </p:spTree>
     <p:extLst>
       <p:ext uri="{BB962C8B-B14F-4D97-AF65-F5344CB8AC3E}">
-        <p14:creationId xmlns:p14="http://schemas.microsoft.com/office/powerpoint/2010/main" val="3388311297"/>
+        <p14:creationId xmlns:p14="http://schemas.microsoft.com/office/powerpoint/2010/main" xmlns="" val="3388311297"/>
       </p:ext>
     </p:extLst>
   </p:cSld>
@@ -7322,7 +7407,7 @@
             <p:ph idx="1"/>
             <p:extLst>
               <p:ext uri="{D42A27DB-BD31-4B8C-83A1-F6EECF244321}">
-                <p14:modId xmlns:p14="http://schemas.microsoft.com/office/powerpoint/2010/main" val="1037633673"/>
+                <p14:modId xmlns:p14="http://schemas.microsoft.com/office/powerpoint/2010/main" xmlns="" val="1037633673"/>
               </p:ext>
             </p:extLst>
           </p:nvPr>
@@ -9068,7 +9153,7 @@
     </p:spTree>
     <p:extLst>
       <p:ext uri="{BB962C8B-B14F-4D97-AF65-F5344CB8AC3E}">
-        <p14:creationId xmlns:p14="http://schemas.microsoft.com/office/powerpoint/2010/main" val="1660990754"/>
+        <p14:creationId xmlns:p14="http://schemas.microsoft.com/office/powerpoint/2010/main" xmlns="" val="1660990754"/>
       </p:ext>
     </p:extLst>
   </p:cSld>
@@ -9219,7 +9304,7 @@
     </p:spTree>
     <p:extLst>
       <p:ext uri="{BB962C8B-B14F-4D97-AF65-F5344CB8AC3E}">
-        <p14:creationId xmlns:p14="http://schemas.microsoft.com/office/powerpoint/2010/main" val="1259481295"/>
+        <p14:creationId xmlns:p14="http://schemas.microsoft.com/office/powerpoint/2010/main" xmlns="" val="1259481295"/>
       </p:ext>
     </p:extLst>
   </p:cSld>
@@ -10032,7 +10117,7 @@
           <a:blip r:embed="rId2" cstate="print">
             <a:extLst>
               <a:ext uri="{28A0092B-C50C-407E-A947-70E740481C1C}">
-                <a14:useLocalDpi xmlns:a14="http://schemas.microsoft.com/office/drawing/2010/main" val="0"/>
+                <a14:useLocalDpi xmlns:a14="http://schemas.microsoft.com/office/drawing/2010/main" xmlns="" val="0"/>
               </a:ext>
             </a:extLst>
           </a:blip>
@@ -10056,14 +10141,14 @@
           <a:effectLst/>
           <a:extLst>
             <a:ext uri="{909E8E84-426E-40DD-AFC4-6F175D3DCCD1}">
-              <a14:hiddenFill xmlns:a14="http://schemas.microsoft.com/office/drawing/2010/main">
+              <a14:hiddenFill xmlns:a14="http://schemas.microsoft.com/office/drawing/2010/main" xmlns="">
                 <a:solidFill>
                   <a:schemeClr val="accent1"/>
                 </a:solidFill>
               </a14:hiddenFill>
             </a:ext>
             <a:ext uri="{91240B29-F687-4F45-9708-019B960494DF}">
-              <a14:hiddenLine xmlns:a14="http://schemas.microsoft.com/office/drawing/2010/main" w="9525">
+              <a14:hiddenLine xmlns:a14="http://schemas.microsoft.com/office/drawing/2010/main" xmlns="" w="9525">
                 <a:solidFill>
                   <a:schemeClr val="tx1"/>
                 </a:solidFill>
@@ -10073,7 +10158,7 @@
               </a14:hiddenLine>
             </a:ext>
             <a:ext uri="{AF507438-7753-43E0-B8FC-AC1667EBCBE1}">
-              <a14:hiddenEffects xmlns:a14="http://schemas.microsoft.com/office/drawing/2010/main">
+              <a14:hiddenEffects xmlns:a14="http://schemas.microsoft.com/office/drawing/2010/main" xmlns="">
                 <a:effectLst>
                   <a:outerShdw dist="35921" dir="2700000" algn="ctr" rotWithShape="0">
                     <a:schemeClr val="bg2"/>
@@ -10087,7 +10172,7 @@
     </p:spTree>
     <p:extLst>
       <p:ext uri="{BB962C8B-B14F-4D97-AF65-F5344CB8AC3E}">
-        <p14:creationId xmlns:p14="http://schemas.microsoft.com/office/powerpoint/2010/main" val="2043196274"/>
+        <p14:creationId xmlns:p14="http://schemas.microsoft.com/office/powerpoint/2010/main" xmlns="" val="2043196274"/>
       </p:ext>
     </p:extLst>
   </p:cSld>
@@ -10160,7 +10245,7 @@
           <a:blip r:embed="rId2" cstate="print">
             <a:extLst>
               <a:ext uri="{28A0092B-C50C-407E-A947-70E740481C1C}">
-                <a14:useLocalDpi xmlns:a14="http://schemas.microsoft.com/office/drawing/2010/main" val="0"/>
+                <a14:useLocalDpi xmlns:a14="http://schemas.microsoft.com/office/drawing/2010/main" xmlns="" val="0"/>
               </a:ext>
             </a:extLst>
           </a:blip>
@@ -10184,14 +10269,14 @@
           <a:effectLst/>
           <a:extLst>
             <a:ext uri="{909E8E84-426E-40DD-AFC4-6F175D3DCCD1}">
-              <a14:hiddenFill xmlns:a14="http://schemas.microsoft.com/office/drawing/2010/main">
+              <a14:hiddenFill xmlns:a14="http://schemas.microsoft.com/office/drawing/2010/main" xmlns="">
                 <a:solidFill>
                   <a:schemeClr val="accent1"/>
                 </a:solidFill>
               </a14:hiddenFill>
             </a:ext>
             <a:ext uri="{91240B29-F687-4F45-9708-019B960494DF}">
-              <a14:hiddenLine xmlns:a14="http://schemas.microsoft.com/office/drawing/2010/main" w="9525">
+              <a14:hiddenLine xmlns:a14="http://schemas.microsoft.com/office/drawing/2010/main" xmlns="" w="9525">
                 <a:solidFill>
                   <a:schemeClr val="tx1"/>
                 </a:solidFill>
@@ -10201,7 +10286,7 @@
               </a14:hiddenLine>
             </a:ext>
             <a:ext uri="{AF507438-7753-43E0-B8FC-AC1667EBCBE1}">
-              <a14:hiddenEffects xmlns:a14="http://schemas.microsoft.com/office/drawing/2010/main">
+              <a14:hiddenEffects xmlns:a14="http://schemas.microsoft.com/office/drawing/2010/main" xmlns="">
                 <a:effectLst>
                   <a:outerShdw dist="35921" dir="2700000" algn="ctr" rotWithShape="0">
                     <a:schemeClr val="bg2"/>
@@ -10215,7 +10300,7 @@
     </p:spTree>
     <p:extLst>
       <p:ext uri="{BB962C8B-B14F-4D97-AF65-F5344CB8AC3E}">
-        <p14:creationId xmlns:p14="http://schemas.microsoft.com/office/powerpoint/2010/main" val="349231435"/>
+        <p14:creationId xmlns:p14="http://schemas.microsoft.com/office/powerpoint/2010/main" xmlns="" val="349231435"/>
       </p:ext>
     </p:extLst>
   </p:cSld>
@@ -10281,10 +10366,10 @@
           <p:nvPr/>
         </p:nvPicPr>
         <p:blipFill>
-          <a:blip r:embed="rId3">
+          <a:blip r:embed="rId3" cstate="print">
             <a:extLst>
               <a:ext uri="{28A0092B-C50C-407E-A947-70E740481C1C}">
-                <a14:useLocalDpi xmlns:a14="http://schemas.microsoft.com/office/drawing/2010/main" val="0"/>
+                <a14:useLocalDpi xmlns:a14="http://schemas.microsoft.com/office/drawing/2010/main" xmlns="" val="0"/>
               </a:ext>
             </a:extLst>
           </a:blip>
@@ -10311,10 +10396,10 @@
           <p:nvPr/>
         </p:nvPicPr>
         <p:blipFill>
-          <a:blip r:embed="rId3">
+          <a:blip r:embed="rId3" cstate="print">
             <a:extLst>
               <a:ext uri="{28A0092B-C50C-407E-A947-70E740481C1C}">
-                <a14:useLocalDpi xmlns:a14="http://schemas.microsoft.com/office/drawing/2010/main" val="0"/>
+                <a14:useLocalDpi xmlns:a14="http://schemas.microsoft.com/office/drawing/2010/main" xmlns="" val="0"/>
               </a:ext>
             </a:extLst>
           </a:blip>
@@ -10341,10 +10426,10 @@
           <p:nvPr/>
         </p:nvPicPr>
         <p:blipFill>
-          <a:blip r:embed="rId4">
+          <a:blip r:embed="rId4" cstate="print">
             <a:extLst>
               <a:ext uri="{28A0092B-C50C-407E-A947-70E740481C1C}">
-                <a14:useLocalDpi xmlns:a14="http://schemas.microsoft.com/office/drawing/2010/main" val="0"/>
+                <a14:useLocalDpi xmlns:a14="http://schemas.microsoft.com/office/drawing/2010/main" xmlns="" val="0"/>
               </a:ext>
             </a:extLst>
           </a:blip>
@@ -10371,10 +10456,10 @@
           <p:nvPr/>
         </p:nvPicPr>
         <p:blipFill>
-          <a:blip r:embed="rId4">
+          <a:blip r:embed="rId4" cstate="print">
             <a:extLst>
               <a:ext uri="{28A0092B-C50C-407E-A947-70E740481C1C}">
-                <a14:useLocalDpi xmlns:a14="http://schemas.microsoft.com/office/drawing/2010/main" val="0"/>
+                <a14:useLocalDpi xmlns:a14="http://schemas.microsoft.com/office/drawing/2010/main" xmlns="" val="0"/>
               </a:ext>
             </a:extLst>
           </a:blip>
@@ -10401,10 +10486,10 @@
           <p:nvPr/>
         </p:nvPicPr>
         <p:blipFill>
-          <a:blip r:embed="rId4">
+          <a:blip r:embed="rId4" cstate="print">
             <a:extLst>
               <a:ext uri="{28A0092B-C50C-407E-A947-70E740481C1C}">
-                <a14:useLocalDpi xmlns:a14="http://schemas.microsoft.com/office/drawing/2010/main" val="0"/>
+                <a14:useLocalDpi xmlns:a14="http://schemas.microsoft.com/office/drawing/2010/main" xmlns="" val="0"/>
               </a:ext>
             </a:extLst>
           </a:blip>
@@ -10730,10 +10815,10 @@
           <p:nvPr/>
         </p:nvPicPr>
         <p:blipFill>
-          <a:blip r:embed="rId5">
+          <a:blip r:embed="rId5" cstate="print">
             <a:extLst>
               <a:ext uri="{28A0092B-C50C-407E-A947-70E740481C1C}">
-                <a14:useLocalDpi xmlns:a14="http://schemas.microsoft.com/office/drawing/2010/main" val="0"/>
+                <a14:useLocalDpi xmlns:a14="http://schemas.microsoft.com/office/drawing/2010/main" xmlns="" val="0"/>
               </a:ext>
             </a:extLst>
           </a:blip>
@@ -10763,7 +10848,7 @@
           <a:blip r:embed="rId6" cstate="print">
             <a:extLst>
               <a:ext uri="{28A0092B-C50C-407E-A947-70E740481C1C}">
-                <a14:useLocalDpi xmlns:a14="http://schemas.microsoft.com/office/drawing/2010/main" val="0"/>
+                <a14:useLocalDpi xmlns:a14="http://schemas.microsoft.com/office/drawing/2010/main" xmlns="" val="0"/>
               </a:ext>
             </a:extLst>
           </a:blip>
@@ -10793,7 +10878,7 @@
           <a:blip r:embed="rId7" cstate="print">
             <a:extLst>
               <a:ext uri="{28A0092B-C50C-407E-A947-70E740481C1C}">
-                <a14:useLocalDpi xmlns:a14="http://schemas.microsoft.com/office/drawing/2010/main" val="0"/>
+                <a14:useLocalDpi xmlns:a14="http://schemas.microsoft.com/office/drawing/2010/main" xmlns="" val="0"/>
               </a:ext>
             </a:extLst>
           </a:blip>
@@ -10929,10 +11014,10 @@
           <p:nvPr/>
         </p:nvPicPr>
         <p:blipFill>
-          <a:blip r:embed="rId8">
+          <a:blip r:embed="rId8" cstate="print">
             <a:extLst>
               <a:ext uri="{28A0092B-C50C-407E-A947-70E740481C1C}">
-                <a14:useLocalDpi xmlns:a14="http://schemas.microsoft.com/office/drawing/2010/main" val="0"/>
+                <a14:useLocalDpi xmlns:a14="http://schemas.microsoft.com/office/drawing/2010/main" xmlns="" val="0"/>
               </a:ext>
             </a:extLst>
           </a:blip>
@@ -10959,10 +11044,10 @@
           <p:nvPr/>
         </p:nvPicPr>
         <p:blipFill>
-          <a:blip r:embed="rId4">
+          <a:blip r:embed="rId4" cstate="print">
             <a:extLst>
               <a:ext uri="{28A0092B-C50C-407E-A947-70E740481C1C}">
-                <a14:useLocalDpi xmlns:a14="http://schemas.microsoft.com/office/drawing/2010/main" val="0"/>
+                <a14:useLocalDpi xmlns:a14="http://schemas.microsoft.com/office/drawing/2010/main" xmlns="" val="0"/>
               </a:ext>
             </a:extLst>
           </a:blip>
@@ -10989,10 +11074,10 @@
           <p:nvPr/>
         </p:nvPicPr>
         <p:blipFill>
-          <a:blip r:embed="rId9">
+          <a:blip r:embed="rId9" cstate="print">
             <a:extLst>
               <a:ext uri="{28A0092B-C50C-407E-A947-70E740481C1C}">
-                <a14:useLocalDpi xmlns:a14="http://schemas.microsoft.com/office/drawing/2010/main" val="0"/>
+                <a14:useLocalDpi xmlns:a14="http://schemas.microsoft.com/office/drawing/2010/main" xmlns="" val="0"/>
               </a:ext>
             </a:extLst>
           </a:blip>
@@ -11016,14 +11101,14 @@
           <a:effectLst/>
           <a:extLst>
             <a:ext uri="{909E8E84-426E-40DD-AFC4-6F175D3DCCD1}">
-              <a14:hiddenFill xmlns:a14="http://schemas.microsoft.com/office/drawing/2010/main">
+              <a14:hiddenFill xmlns:a14="http://schemas.microsoft.com/office/drawing/2010/main" xmlns="">
                 <a:solidFill>
                   <a:schemeClr val="accent1"/>
                 </a:solidFill>
               </a14:hiddenFill>
             </a:ext>
             <a:ext uri="{91240B29-F687-4F45-9708-019B960494DF}">
-              <a14:hiddenLine xmlns:a14="http://schemas.microsoft.com/office/drawing/2010/main" w="9525">
+              <a14:hiddenLine xmlns:a14="http://schemas.microsoft.com/office/drawing/2010/main" xmlns="" w="9525">
                 <a:solidFill>
                   <a:schemeClr val="tx1"/>
                 </a:solidFill>
@@ -11033,7 +11118,7 @@
               </a14:hiddenLine>
             </a:ext>
             <a:ext uri="{AF507438-7753-43E0-B8FC-AC1667EBCBE1}">
-              <a14:hiddenEffects xmlns:a14="http://schemas.microsoft.com/office/drawing/2010/main">
+              <a14:hiddenEffects xmlns:a14="http://schemas.microsoft.com/office/drawing/2010/main" xmlns="">
                 <a:effectLst>
                   <a:outerShdw dist="35921" dir="2700000" algn="ctr" rotWithShape="0">
                     <a:schemeClr val="bg2"/>
@@ -11099,10 +11184,10 @@
           <p:nvPr/>
         </p:nvPicPr>
         <p:blipFill>
-          <a:blip r:embed="rId9">
+          <a:blip r:embed="rId9" cstate="print">
             <a:extLst>
               <a:ext uri="{28A0092B-C50C-407E-A947-70E740481C1C}">
-                <a14:useLocalDpi xmlns:a14="http://schemas.microsoft.com/office/drawing/2010/main" val="0"/>
+                <a14:useLocalDpi xmlns:a14="http://schemas.microsoft.com/office/drawing/2010/main" xmlns="" val="0"/>
               </a:ext>
             </a:extLst>
           </a:blip>
@@ -11126,14 +11211,14 @@
           <a:effectLst/>
           <a:extLst>
             <a:ext uri="{909E8E84-426E-40DD-AFC4-6F175D3DCCD1}">
-              <a14:hiddenFill xmlns:a14="http://schemas.microsoft.com/office/drawing/2010/main">
+              <a14:hiddenFill xmlns:a14="http://schemas.microsoft.com/office/drawing/2010/main" xmlns="">
                 <a:solidFill>
                   <a:schemeClr val="accent1"/>
                 </a:solidFill>
               </a14:hiddenFill>
             </a:ext>
             <a:ext uri="{91240B29-F687-4F45-9708-019B960494DF}">
-              <a14:hiddenLine xmlns:a14="http://schemas.microsoft.com/office/drawing/2010/main" w="9525">
+              <a14:hiddenLine xmlns:a14="http://schemas.microsoft.com/office/drawing/2010/main" xmlns="" w="9525">
                 <a:solidFill>
                   <a:schemeClr val="tx1"/>
                 </a:solidFill>
@@ -11143,7 +11228,7 @@
               </a14:hiddenLine>
             </a:ext>
             <a:ext uri="{AF507438-7753-43E0-B8FC-AC1667EBCBE1}">
-              <a14:hiddenEffects xmlns:a14="http://schemas.microsoft.com/office/drawing/2010/main">
+              <a14:hiddenEffects xmlns:a14="http://schemas.microsoft.com/office/drawing/2010/main" xmlns="">
                 <a:effectLst>
                   <a:outerShdw dist="35921" dir="2700000" algn="ctr" rotWithShape="0">
                     <a:schemeClr val="bg2"/>
@@ -11163,10 +11248,10 @@
           <p:nvPr/>
         </p:nvPicPr>
         <p:blipFill>
-          <a:blip r:embed="rId3">
+          <a:blip r:embed="rId3" cstate="print">
             <a:extLst>
               <a:ext uri="{28A0092B-C50C-407E-A947-70E740481C1C}">
-                <a14:useLocalDpi xmlns:a14="http://schemas.microsoft.com/office/drawing/2010/main" val="0"/>
+                <a14:useLocalDpi xmlns:a14="http://schemas.microsoft.com/office/drawing/2010/main" xmlns="" val="0"/>
               </a:ext>
             </a:extLst>
           </a:blip>
@@ -11495,7 +11580,7 @@
     </p:spTree>
     <p:extLst>
       <p:ext uri="{BB962C8B-B14F-4D97-AF65-F5344CB8AC3E}">
-        <p14:creationId xmlns:p14="http://schemas.microsoft.com/office/powerpoint/2010/main" val="2609155689"/>
+        <p14:creationId xmlns:p14="http://schemas.microsoft.com/office/powerpoint/2010/main" xmlns="" val="2609155689"/>
       </p:ext>
     </p:extLst>
   </p:cSld>
@@ -11564,7 +11649,7 @@
           <a:blip r:embed="rId2" cstate="print">
             <a:extLst>
               <a:ext uri="{28A0092B-C50C-407E-A947-70E740481C1C}">
-                <a14:useLocalDpi xmlns:a14="http://schemas.microsoft.com/office/drawing/2010/main" val="0"/>
+                <a14:useLocalDpi xmlns:a14="http://schemas.microsoft.com/office/drawing/2010/main" xmlns="" val="0"/>
               </a:ext>
             </a:extLst>
           </a:blip>
@@ -11584,7 +11669,7 @@
           <a:noFill/>
           <a:extLst>
             <a:ext uri="{909E8E84-426E-40DD-AFC4-6F175D3DCCD1}">
-              <a14:hiddenFill xmlns:a14="http://schemas.microsoft.com/office/drawing/2010/main">
+              <a14:hiddenFill xmlns:a14="http://schemas.microsoft.com/office/drawing/2010/main" xmlns="">
                 <a:solidFill>
                   <a:srgbClr val="FFFFFF"/>
                 </a:solidFill>
@@ -11596,7 +11681,7 @@
     </p:spTree>
     <p:extLst>
       <p:ext uri="{BB962C8B-B14F-4D97-AF65-F5344CB8AC3E}">
-        <p14:creationId xmlns:p14="http://schemas.microsoft.com/office/powerpoint/2010/main" val="547627724"/>
+        <p14:creationId xmlns:p14="http://schemas.microsoft.com/office/powerpoint/2010/main" xmlns="" val="547627724"/>
       </p:ext>
     </p:extLst>
   </p:cSld>
@@ -11642,7 +11727,7 @@
           <a:blip r:embed="rId2" cstate="print">
             <a:extLst>
               <a:ext uri="{28A0092B-C50C-407E-A947-70E740481C1C}">
-                <a14:useLocalDpi xmlns:a14="http://schemas.microsoft.com/office/drawing/2010/main" val="0"/>
+                <a14:useLocalDpi xmlns:a14="http://schemas.microsoft.com/office/drawing/2010/main" xmlns="" val="0"/>
               </a:ext>
             </a:extLst>
           </a:blip>
@@ -11662,7 +11747,7 @@
           <a:noFill/>
           <a:extLst>
             <a:ext uri="{909E8E84-426E-40DD-AFC4-6F175D3DCCD1}">
-              <a14:hiddenFill xmlns:a14="http://schemas.microsoft.com/office/drawing/2010/main">
+              <a14:hiddenFill xmlns:a14="http://schemas.microsoft.com/office/drawing/2010/main" xmlns="">
                 <a:solidFill>
                   <a:srgbClr val="FFFFFF"/>
                 </a:solidFill>
@@ -11702,7 +11787,7 @@
     </p:spTree>
     <p:extLst>
       <p:ext uri="{BB962C8B-B14F-4D97-AF65-F5344CB8AC3E}">
-        <p14:creationId xmlns:p14="http://schemas.microsoft.com/office/powerpoint/2010/main" val="3341074293"/>
+        <p14:creationId xmlns:p14="http://schemas.microsoft.com/office/powerpoint/2010/main" xmlns="" val="3341074293"/>
       </p:ext>
     </p:extLst>
   </p:cSld>
@@ -11902,7 +11987,7 @@
     </p:spTree>
     <p:extLst>
       <p:ext uri="{BB962C8B-B14F-4D97-AF65-F5344CB8AC3E}">
-        <p14:creationId xmlns:p14="http://schemas.microsoft.com/office/powerpoint/2010/main" val="3894779040"/>
+        <p14:creationId xmlns:p14="http://schemas.microsoft.com/office/powerpoint/2010/main" xmlns="" val="3894779040"/>
       </p:ext>
     </p:extLst>
   </p:cSld>
@@ -11948,7 +12033,7 @@
           <a:blip r:embed="rId2" cstate="print">
             <a:extLst>
               <a:ext uri="{28A0092B-C50C-407E-A947-70E740481C1C}">
-                <a14:useLocalDpi xmlns:a14="http://schemas.microsoft.com/office/drawing/2010/main" val="0"/>
+                <a14:useLocalDpi xmlns:a14="http://schemas.microsoft.com/office/drawing/2010/main" xmlns="" val="0"/>
               </a:ext>
             </a:extLst>
           </a:blip>
@@ -11972,14 +12057,14 @@
           <a:effectLst/>
           <a:extLst>
             <a:ext uri="{909E8E84-426E-40DD-AFC4-6F175D3DCCD1}">
-              <a14:hiddenFill xmlns:a14="http://schemas.microsoft.com/office/drawing/2010/main">
+              <a14:hiddenFill xmlns:a14="http://schemas.microsoft.com/office/drawing/2010/main" xmlns="">
                 <a:solidFill>
                   <a:schemeClr val="accent1"/>
                 </a:solidFill>
               </a14:hiddenFill>
             </a:ext>
             <a:ext uri="{91240B29-F687-4F45-9708-019B960494DF}">
-              <a14:hiddenLine xmlns:a14="http://schemas.microsoft.com/office/drawing/2010/main" w="9525">
+              <a14:hiddenLine xmlns:a14="http://schemas.microsoft.com/office/drawing/2010/main" xmlns="" w="9525">
                 <a:solidFill>
                   <a:schemeClr val="tx1"/>
                 </a:solidFill>
@@ -11989,7 +12074,7 @@
               </a14:hiddenLine>
             </a:ext>
             <a:ext uri="{AF507438-7753-43E0-B8FC-AC1667EBCBE1}">
-              <a14:hiddenEffects xmlns:a14="http://schemas.microsoft.com/office/drawing/2010/main">
+              <a14:hiddenEffects xmlns:a14="http://schemas.microsoft.com/office/drawing/2010/main" xmlns="">
                 <a:effectLst>
                   <a:outerShdw dist="35921" dir="2700000" algn="ctr" rotWithShape="0">
                     <a:schemeClr val="bg2"/>
@@ -12031,7 +12116,7 @@
     </p:spTree>
     <p:extLst>
       <p:ext uri="{BB962C8B-B14F-4D97-AF65-F5344CB8AC3E}">
-        <p14:creationId xmlns:p14="http://schemas.microsoft.com/office/powerpoint/2010/main" val="1239993373"/>
+        <p14:creationId xmlns:p14="http://schemas.microsoft.com/office/powerpoint/2010/main" xmlns="" val="1239993373"/>
       </p:ext>
     </p:extLst>
   </p:cSld>
@@ -12075,14 +12160,27 @@
             <p:ph type="title"/>
           </p:nvPr>
         </p:nvSpPr>
-        <p:spPr/>
+        <p:spPr>
+          <a:xfrm>
+            <a:off x="457200" y="0"/>
+            <a:ext cx="8229600" cy="990600"/>
+          </a:xfrm>
+        </p:spPr>
         <p:txBody>
           <a:bodyPr/>
           <a:lstStyle/>
           <a:p>
             <a:r>
               <a:rPr lang="fr-FR" dirty="0" smtClean="0"/>
-              <a:t>Prototype d’architecture logicielle</a:t>
+              <a:t>Prototype </a:t>
+            </a:r>
+            <a:r>
+              <a:rPr lang="fr-FR" dirty="0" smtClean="0"/>
+              <a:t>d’architecture </a:t>
+            </a:r>
+            <a:r>
+              <a:rPr lang="fr-FR" dirty="0" smtClean="0"/>
+              <a:t>logicielle</a:t>
             </a:r>
             <a:endParaRPr lang="fr-FR" dirty="0"/>
           </a:p>
@@ -12096,7 +12194,7 @@
         </p:nvSpPr>
         <p:spPr>
           <a:xfrm>
-            <a:off x="5943600" y="1524000"/>
+            <a:off x="6019800" y="5105400"/>
             <a:ext cx="2895600" cy="1295400"/>
           </a:xfrm>
           <a:prstGeom prst="roundRect">
@@ -12154,7 +12252,7 @@
           <a:lstStyle/>
           <a:p>
             <a:pPr algn="ctr"/>
-            <a:endParaRPr lang="fr-FR"/>
+            <a:endParaRPr lang="fr-FR" dirty="0"/>
           </a:p>
         </p:txBody>
       </p:sp>
@@ -12166,8 +12264,8 @@
         </p:nvSpPr>
         <p:spPr>
           <a:xfrm>
-            <a:off x="4860032" y="4365104"/>
-            <a:ext cx="3528392" cy="2088232"/>
+            <a:off x="0" y="990600"/>
+            <a:ext cx="3528392" cy="2438400"/>
           </a:xfrm>
           <a:prstGeom prst="roundRect">
             <a:avLst/>
@@ -12206,8 +12304,8 @@
         </p:nvSpPr>
         <p:spPr>
           <a:xfrm>
-            <a:off x="395536" y="3933056"/>
-            <a:ext cx="2880320" cy="2736304"/>
+            <a:off x="395536" y="4343400"/>
+            <a:ext cx="2880320" cy="2325960"/>
           </a:xfrm>
           <a:prstGeom prst="roundRect">
             <a:avLst/>
@@ -12246,7 +12344,7 @@
         </p:nvSpPr>
         <p:spPr>
           <a:xfrm>
-            <a:off x="2133600" y="1524000"/>
+            <a:off x="7543800" y="1219200"/>
             <a:ext cx="1219200" cy="1295400"/>
           </a:xfrm>
           <a:prstGeom prst="roundRect">
@@ -12314,7 +12412,7 @@
         </p:nvSpPr>
         <p:spPr>
           <a:xfrm>
-            <a:off x="7162800" y="1676400"/>
+            <a:off x="7391400" y="5257800"/>
             <a:ext cx="1516360" cy="990600"/>
           </a:xfrm>
           <a:prstGeom prst="roundRect">
@@ -12381,9 +12479,9 @@
           <p:nvPr/>
         </p:nvSpPr>
         <p:spPr>
-          <a:xfrm>
-            <a:off x="3275856" y="5301208"/>
-            <a:ext cx="1512168" cy="360040"/>
+          <a:xfrm rot="5400000">
+            <a:off x="1447800" y="3733800"/>
+            <a:ext cx="762000" cy="304800"/>
           </a:xfrm>
           <a:prstGeom prst="leftRightArrow">
             <a:avLst/>
@@ -12410,7 +12508,7 @@
           <a:lstStyle/>
           <a:p>
             <a:pPr algn="ctr"/>
-            <a:endParaRPr lang="fr-FR"/>
+            <a:endParaRPr lang="fr-FR" dirty="0"/>
           </a:p>
         </p:txBody>
       </p:sp>
@@ -12422,7 +12520,7 @@
         </p:nvSpPr>
         <p:spPr>
           <a:xfrm>
-            <a:off x="3491880" y="5733256"/>
+            <a:off x="4191000" y="6248400"/>
             <a:ext cx="1115370" cy="369332"/>
           </a:xfrm>
           <a:prstGeom prst="rect">
@@ -12452,7 +12550,7 @@
         </p:nvSpPr>
         <p:spPr>
           <a:xfrm>
-            <a:off x="2438400" y="2057400"/>
+            <a:off x="7924800" y="1371600"/>
             <a:ext cx="573360" cy="651520"/>
           </a:xfrm>
           <a:prstGeom prst="flowChartMagneticDisk">
@@ -12503,7 +12601,7 @@
         </p:nvSpPr>
         <p:spPr>
           <a:xfrm>
-            <a:off x="457200" y="4038600"/>
+            <a:off x="457200" y="4419600"/>
             <a:ext cx="2816797" cy="338554"/>
           </a:xfrm>
           <a:prstGeom prst="rect">
@@ -12533,7 +12631,7 @@
         </p:nvSpPr>
         <p:spPr>
           <a:xfrm rot="5400000">
-            <a:off x="6699469" y="3575918"/>
+            <a:off x="6821037" y="4304163"/>
             <a:ext cx="423444" cy="501919"/>
           </a:xfrm>
           <a:prstGeom prst="chevron">
@@ -12579,7 +12677,7 @@
         </p:nvSpPr>
         <p:spPr>
           <a:xfrm rot="10800000">
-            <a:off x="6660232" y="3352800"/>
+            <a:off x="6705600" y="4038600"/>
             <a:ext cx="504056" cy="288032"/>
           </a:xfrm>
           <a:prstGeom prst="flowChartExtract">
@@ -12619,7 +12717,7 @@
         </p:nvSpPr>
         <p:spPr>
           <a:xfrm>
-            <a:off x="2286000" y="1752600"/>
+            <a:off x="7620000" y="2057400"/>
             <a:ext cx="1080120" cy="338554"/>
           </a:xfrm>
           <a:prstGeom prst="rect">
@@ -12651,14 +12749,498 @@
       </p:sp>
       <p:sp>
         <p:nvSpPr>
-          <p:cNvPr id="16" name="Rectangle 15"/>
+          <p:cNvPr id="17" name="Rectangle 16"/>
           <p:cNvSpPr/>
           <p:nvPr/>
         </p:nvSpPr>
         <p:spPr>
           <a:xfrm>
-            <a:off x="3124200" y="3429000"/>
-            <a:ext cx="2163688" cy="457200"/>
+            <a:off x="304800" y="1219200"/>
+            <a:ext cx="3024336" cy="576064"/>
+          </a:xfrm>
+          <a:prstGeom prst="rect">
+            <a:avLst/>
+          </a:prstGeom>
+        </p:spPr>
+        <p:style>
+          <a:lnRef idx="2">
+            <a:schemeClr val="accent1">
+              <a:shade val="50000"/>
+            </a:schemeClr>
+          </a:lnRef>
+          <a:fillRef idx="1">
+            <a:schemeClr val="accent1"/>
+          </a:fillRef>
+          <a:effectRef idx="0">
+            <a:schemeClr val="accent1"/>
+          </a:effectRef>
+          <a:fontRef idx="minor">
+            <a:schemeClr val="lt1"/>
+          </a:fontRef>
+        </p:style>
+        <p:txBody>
+          <a:bodyPr rtlCol="0" anchor="ctr"/>
+          <a:lstStyle/>
+          <a:p>
+            <a:pPr algn="ctr"/>
+            <a:r>
+              <a:rPr lang="fr-FR" dirty="0" err="1" smtClean="0"/>
+              <a:t>WebS</a:t>
+            </a:r>
+            <a:r>
+              <a:rPr lang="fr-FR" dirty="0" smtClean="0"/>
+              <a:t> </a:t>
+            </a:r>
+            <a:r>
+              <a:rPr lang="fr-FR" dirty="0" err="1" smtClean="0"/>
+              <a:t>erviceClient</a:t>
+            </a:r>
+            <a:endParaRPr lang="fr-FR" dirty="0"/>
+          </a:p>
+        </p:txBody>
+      </p:sp>
+      <p:sp>
+        <p:nvSpPr>
+          <p:cNvPr id="18" name="Rectangle 17"/>
+          <p:cNvSpPr/>
+          <p:nvPr/>
+        </p:nvSpPr>
+        <p:spPr>
+          <a:xfrm>
+            <a:off x="228600" y="2667000"/>
+            <a:ext cx="3024336" cy="571872"/>
+          </a:xfrm>
+          <a:prstGeom prst="rect">
+            <a:avLst/>
+          </a:prstGeom>
+        </p:spPr>
+        <p:style>
+          <a:lnRef idx="2">
+            <a:schemeClr val="accent1">
+              <a:shade val="50000"/>
+            </a:schemeClr>
+          </a:lnRef>
+          <a:fillRef idx="1">
+            <a:schemeClr val="accent1"/>
+          </a:fillRef>
+          <a:effectRef idx="0">
+            <a:schemeClr val="accent1"/>
+          </a:effectRef>
+          <a:fontRef idx="minor">
+            <a:schemeClr val="lt1"/>
+          </a:fontRef>
+        </p:style>
+        <p:txBody>
+          <a:bodyPr rtlCol="0" anchor="ctr"/>
+          <a:lstStyle/>
+          <a:p>
+            <a:pPr algn="ctr"/>
+            <a:r>
+              <a:rPr lang="fr-FR" dirty="0" err="1" smtClean="0"/>
+              <a:t>ActiveMQProducer</a:t>
+            </a:r>
+            <a:endParaRPr lang="fr-FR" dirty="0"/>
+          </a:p>
+        </p:txBody>
+      </p:sp>
+      <p:sp>
+        <p:nvSpPr>
+          <p:cNvPr id="19" name="Flèche vers le bas 27"/>
+          <p:cNvSpPr/>
+          <p:nvPr/>
+        </p:nvSpPr>
+        <p:spPr>
+          <a:xfrm>
+            <a:off x="7010400" y="4724400"/>
+            <a:ext cx="45719" cy="381000"/>
+          </a:xfrm>
+          <a:prstGeom prst="downArrow">
+            <a:avLst/>
+          </a:prstGeom>
+        </p:spPr>
+        <p:style>
+          <a:lnRef idx="2">
+            <a:schemeClr val="accent1">
+              <a:shade val="50000"/>
+            </a:schemeClr>
+          </a:lnRef>
+          <a:fillRef idx="1">
+            <a:schemeClr val="accent1"/>
+          </a:fillRef>
+          <a:effectRef idx="0">
+            <a:schemeClr val="accent1"/>
+          </a:effectRef>
+          <a:fontRef idx="minor">
+            <a:schemeClr val="lt1"/>
+          </a:fontRef>
+        </p:style>
+        <p:txBody>
+          <a:bodyPr rtlCol="0" anchor="ctr"/>
+          <a:lstStyle/>
+          <a:p>
+            <a:pPr algn="ctr"/>
+            <a:endParaRPr lang="fr-FR"/>
+          </a:p>
+        </p:txBody>
+      </p:sp>
+      <p:sp>
+        <p:nvSpPr>
+          <p:cNvPr id="21" name="Rectangle 20"/>
+          <p:cNvSpPr/>
+          <p:nvPr/>
+        </p:nvSpPr>
+        <p:spPr>
+          <a:xfrm>
+            <a:off x="685800" y="5791200"/>
+            <a:ext cx="2232248" cy="648072"/>
+          </a:xfrm>
+          <a:prstGeom prst="rect">
+            <a:avLst/>
+          </a:prstGeom>
+        </p:spPr>
+        <p:style>
+          <a:lnRef idx="2">
+            <a:schemeClr val="accent1">
+              <a:shade val="50000"/>
+            </a:schemeClr>
+          </a:lnRef>
+          <a:fillRef idx="1">
+            <a:schemeClr val="accent1"/>
+          </a:fillRef>
+          <a:effectRef idx="0">
+            <a:schemeClr val="accent1"/>
+          </a:effectRef>
+          <a:fontRef idx="minor">
+            <a:schemeClr val="lt1"/>
+          </a:fontRef>
+        </p:style>
+        <p:txBody>
+          <a:bodyPr rtlCol="0" anchor="ctr"/>
+          <a:lstStyle/>
+          <a:p>
+            <a:pPr algn="ctr"/>
+            <a:r>
+              <a:rPr lang="fr-FR" dirty="0" err="1" smtClean="0"/>
+              <a:t>ActiveMQConsumer</a:t>
+            </a:r>
+            <a:endParaRPr lang="fr-FR" dirty="0"/>
+          </a:p>
+        </p:txBody>
+      </p:sp>
+      <p:pic>
+        <p:nvPicPr>
+          <p:cNvPr id="23" name="Picture 2"/>
+          <p:cNvPicPr>
+            <a:picLocks noChangeAspect="1" noChangeArrowheads="1"/>
+          </p:cNvPicPr>
+          <p:nvPr/>
+        </p:nvPicPr>
+        <p:blipFill>
+          <a:blip r:embed="rId3" cstate="print"/>
+          <a:srcRect/>
+          <a:stretch>
+            <a:fillRect/>
+          </a:stretch>
+        </p:blipFill>
+        <p:spPr bwMode="auto">
+          <a:xfrm>
+            <a:off x="4191000" y="5715000"/>
+            <a:ext cx="1107405" cy="564430"/>
+          </a:xfrm>
+          <a:prstGeom prst="rect">
+            <a:avLst/>
+          </a:prstGeom>
+          <a:noFill/>
+          <a:ln w="9525">
+            <a:noFill/>
+            <a:miter lim="800000"/>
+            <a:headEnd/>
+            <a:tailEnd/>
+          </a:ln>
+        </p:spPr>
+      </p:pic>
+      <p:sp>
+        <p:nvSpPr>
+          <p:cNvPr id="24" name="ZoneTexte 34"/>
+          <p:cNvSpPr txBox="1"/>
+          <p:nvPr/>
+        </p:nvSpPr>
+        <p:spPr>
+          <a:xfrm>
+            <a:off x="609600" y="5257800"/>
+            <a:ext cx="2372816" cy="584775"/>
+          </a:xfrm>
+          <a:prstGeom prst="rect">
+            <a:avLst/>
+          </a:prstGeom>
+          <a:noFill/>
+        </p:spPr>
+        <p:txBody>
+          <a:bodyPr wrap="square" rtlCol="0">
+            <a:spAutoFit/>
+          </a:bodyPr>
+          <a:lstStyle/>
+          <a:p>
+            <a:r>
+              <a:rPr lang="fr-FR" sz="1600" dirty="0" smtClean="0">
+                <a:solidFill>
+                  <a:srgbClr val="92D050"/>
+                </a:solidFill>
+              </a:rPr>
+              <a:t>Traitement </a:t>
+            </a:r>
+            <a:r>
+              <a:rPr lang="fr-FR" sz="1600" dirty="0" smtClean="0">
+                <a:solidFill>
+                  <a:srgbClr val="92D050"/>
+                </a:solidFill>
+              </a:rPr>
+              <a:t>ISIAD </a:t>
+            </a:r>
+            <a:r>
+              <a:rPr lang="fr-FR" sz="1600" dirty="0" smtClean="0">
+                <a:solidFill>
+                  <a:srgbClr val="92D050"/>
+                </a:solidFill>
+              </a:rPr>
+              <a:t>message</a:t>
+            </a:r>
+            <a:endParaRPr lang="fr-FR" sz="1600" dirty="0">
+              <a:solidFill>
+                <a:srgbClr val="92D050"/>
+              </a:solidFill>
+            </a:endParaRPr>
+          </a:p>
+        </p:txBody>
+      </p:sp>
+      <p:sp>
+        <p:nvSpPr>
+          <p:cNvPr id="27" name="ZoneTexte 26"/>
+          <p:cNvSpPr txBox="1"/>
+          <p:nvPr/>
+        </p:nvSpPr>
+        <p:spPr>
+          <a:xfrm>
+            <a:off x="2971800" y="4038600"/>
+            <a:ext cx="838200" cy="307777"/>
+          </a:xfrm>
+          <a:prstGeom prst="rect">
+            <a:avLst/>
+          </a:prstGeom>
+          <a:noFill/>
+        </p:spPr>
+        <p:txBody>
+          <a:bodyPr wrap="square" rtlCol="0">
+            <a:spAutoFit/>
+          </a:bodyPr>
+          <a:lstStyle/>
+          <a:p>
+            <a:r>
+              <a:rPr lang="fr-FR" sz="1400" dirty="0" smtClean="0"/>
+              <a:t>Queue :</a:t>
+            </a:r>
+            <a:endParaRPr lang="fr-FR" sz="1400" dirty="0"/>
+          </a:p>
+        </p:txBody>
+      </p:sp>
+      <p:sp>
+        <p:nvSpPr>
+          <p:cNvPr id="29" name="Flèche droite 28"/>
+          <p:cNvSpPr/>
+          <p:nvPr/>
+        </p:nvSpPr>
+        <p:spPr>
+          <a:xfrm rot="10800000">
+            <a:off x="3581400" y="2057400"/>
+            <a:ext cx="3886200" cy="76200"/>
+          </a:xfrm>
+          <a:prstGeom prst="rightArrow">
+            <a:avLst/>
+          </a:prstGeom>
+        </p:spPr>
+        <p:style>
+          <a:lnRef idx="2">
+            <a:schemeClr val="accent1">
+              <a:shade val="50000"/>
+            </a:schemeClr>
+          </a:lnRef>
+          <a:fillRef idx="1">
+            <a:schemeClr val="accent1"/>
+          </a:fillRef>
+          <a:effectRef idx="0">
+            <a:schemeClr val="accent1"/>
+          </a:effectRef>
+          <a:fontRef idx="minor">
+            <a:schemeClr val="lt1"/>
+          </a:fontRef>
+        </p:style>
+        <p:txBody>
+          <a:bodyPr rtlCol="0" anchor="ctr"/>
+          <a:lstStyle/>
+          <a:p>
+            <a:pPr algn="ctr"/>
+            <a:endParaRPr lang="fr-FR"/>
+          </a:p>
+        </p:txBody>
+      </p:sp>
+      <p:sp>
+        <p:nvSpPr>
+          <p:cNvPr id="30" name="ZoneTexte 29"/>
+          <p:cNvSpPr txBox="1"/>
+          <p:nvPr/>
+        </p:nvSpPr>
+        <p:spPr>
+          <a:xfrm>
+            <a:off x="7620000" y="914400"/>
+            <a:ext cx="1219200" cy="307777"/>
+          </a:xfrm>
+          <a:prstGeom prst="rect">
+            <a:avLst/>
+          </a:prstGeom>
+          <a:noFill/>
+        </p:spPr>
+        <p:txBody>
+          <a:bodyPr wrap="square" rtlCol="0">
+            <a:spAutoFit/>
+          </a:bodyPr>
+          <a:lstStyle/>
+          <a:p>
+            <a:r>
+              <a:rPr lang="fr-FR" sz="1400" b="1" dirty="0" err="1" smtClean="0"/>
+              <a:t>BaseMySQL</a:t>
+            </a:r>
+            <a:endParaRPr lang="fr-FR" sz="1400" b="1" dirty="0"/>
+          </a:p>
+        </p:txBody>
+      </p:sp>
+      <p:sp>
+        <p:nvSpPr>
+          <p:cNvPr id="31" name="Flèche droite 30"/>
+          <p:cNvSpPr/>
+          <p:nvPr/>
+        </p:nvSpPr>
+        <p:spPr>
+          <a:xfrm>
+            <a:off x="3505200" y="2819400"/>
+            <a:ext cx="3657600" cy="381000"/>
+          </a:xfrm>
+          <a:prstGeom prst="rightArrow">
+            <a:avLst/>
+          </a:prstGeom>
+        </p:spPr>
+        <p:style>
+          <a:lnRef idx="2">
+            <a:schemeClr val="accent1">
+              <a:shade val="50000"/>
+            </a:schemeClr>
+          </a:lnRef>
+          <a:fillRef idx="1">
+            <a:schemeClr val="accent1"/>
+          </a:fillRef>
+          <a:effectRef idx="0">
+            <a:schemeClr val="accent1"/>
+          </a:effectRef>
+          <a:fontRef idx="minor">
+            <a:schemeClr val="lt1"/>
+          </a:fontRef>
+        </p:style>
+        <p:txBody>
+          <a:bodyPr rtlCol="0" anchor="ctr"/>
+          <a:lstStyle/>
+          <a:p>
+            <a:pPr algn="ctr"/>
+            <a:endParaRPr lang="fr-FR"/>
+          </a:p>
+        </p:txBody>
+      </p:sp>
+      <p:sp>
+        <p:nvSpPr>
+          <p:cNvPr id="33" name="Flèche vers le bas 32"/>
+          <p:cNvSpPr/>
+          <p:nvPr/>
+        </p:nvSpPr>
+        <p:spPr>
+          <a:xfrm>
+            <a:off x="6705600" y="2819400"/>
+            <a:ext cx="609600" cy="1524000"/>
+          </a:xfrm>
+          <a:prstGeom prst="downArrow">
+            <a:avLst/>
+          </a:prstGeom>
+        </p:spPr>
+        <p:style>
+          <a:lnRef idx="2">
+            <a:schemeClr val="accent1">
+              <a:shade val="50000"/>
+            </a:schemeClr>
+          </a:lnRef>
+          <a:fillRef idx="1">
+            <a:schemeClr val="accent1"/>
+          </a:fillRef>
+          <a:effectRef idx="0">
+            <a:schemeClr val="accent1"/>
+          </a:effectRef>
+          <a:fontRef idx="minor">
+            <a:schemeClr val="lt1"/>
+          </a:fontRef>
+        </p:style>
+        <p:txBody>
+          <a:bodyPr rtlCol="0" anchor="ctr"/>
+          <a:lstStyle/>
+          <a:p>
+            <a:pPr algn="ctr"/>
+            <a:endParaRPr lang="fr-FR"/>
+          </a:p>
+        </p:txBody>
+      </p:sp>
+      <p:sp>
+        <p:nvSpPr>
+          <p:cNvPr id="35" name="ZoneTexte 34"/>
+          <p:cNvSpPr txBox="1"/>
+          <p:nvPr/>
+        </p:nvSpPr>
+        <p:spPr>
+          <a:xfrm>
+            <a:off x="6172200" y="5181600"/>
+            <a:ext cx="1295400" cy="307777"/>
+          </a:xfrm>
+          <a:prstGeom prst="rect">
+            <a:avLst/>
+          </a:prstGeom>
+          <a:noFill/>
+        </p:spPr>
+        <p:txBody>
+          <a:bodyPr wrap="square" rtlCol="0">
+            <a:spAutoFit/>
+          </a:bodyPr>
+          <a:lstStyle/>
+          <a:p>
+            <a:r>
+              <a:rPr lang="fr-FR" sz="1400" dirty="0" err="1" smtClean="0">
+                <a:solidFill>
+                  <a:srgbClr val="FFFF00"/>
+                </a:solidFill>
+              </a:rPr>
+              <a:t>Traitemeent</a:t>
+            </a:r>
+            <a:endParaRPr lang="fr-FR" sz="1400" dirty="0">
+              <a:solidFill>
+                <a:srgbClr val="FFFF00"/>
+              </a:solidFill>
+            </a:endParaRPr>
+          </a:p>
+        </p:txBody>
+      </p:sp>
+      <p:sp>
+        <p:nvSpPr>
+          <p:cNvPr id="36" name="Rectangle 35"/>
+          <p:cNvSpPr/>
+          <p:nvPr/>
+        </p:nvSpPr>
+        <p:spPr>
+          <a:xfrm>
+            <a:off x="3733800" y="3962400"/>
+            <a:ext cx="2057400" cy="381000"/>
           </a:xfrm>
           <a:prstGeom prst="rect">
             <a:avLst/>
@@ -12692,18 +13274,22 @@
       </p:sp>
       <p:sp>
         <p:nvSpPr>
-          <p:cNvPr id="17" name="Rectangle 16"/>
+          <p:cNvPr id="38" name="Rectangle 37"/>
           <p:cNvSpPr/>
           <p:nvPr/>
         </p:nvSpPr>
         <p:spPr>
           <a:xfrm>
-            <a:off x="5181600" y="4572000"/>
-            <a:ext cx="3024336" cy="576064"/>
+            <a:off x="3733800" y="3962400"/>
+            <a:ext cx="457200" cy="381000"/>
           </a:xfrm>
           <a:prstGeom prst="rect">
             <a:avLst/>
           </a:prstGeom>
+          <a:noFill/>
+          <a:ln>
+            <a:noFill/>
+          </a:ln>
         </p:spPr>
         <p:style>
           <a:lnRef idx="2">
@@ -12726,300 +13312,20 @@
           <a:lstStyle/>
           <a:p>
             <a:pPr algn="ctr"/>
-            <a:r>
-              <a:rPr lang="fr-FR" dirty="0" err="1" smtClean="0"/>
-              <a:t>WebS</a:t>
-            </a:r>
-            <a:r>
-              <a:rPr lang="fr-FR" dirty="0" smtClean="0"/>
-              <a:t> </a:t>
-            </a:r>
-            <a:r>
-              <a:rPr lang="fr-FR" dirty="0" err="1" smtClean="0"/>
-              <a:t>erviceClient</a:t>
-            </a:r>
-            <a:endParaRPr lang="fr-FR" dirty="0"/>
+            <a:endParaRPr lang="fr-FR"/>
           </a:p>
         </p:txBody>
       </p:sp>
       <p:sp>
         <p:nvSpPr>
-          <p:cNvPr id="18" name="Rectangle 17"/>
+          <p:cNvPr id="39" name="Rectangle 38"/>
           <p:cNvSpPr/>
           <p:nvPr/>
         </p:nvSpPr>
         <p:spPr>
           <a:xfrm>
-            <a:off x="5181600" y="5715000"/>
-            <a:ext cx="3024336" cy="648072"/>
-          </a:xfrm>
-          <a:prstGeom prst="rect">
-            <a:avLst/>
-          </a:prstGeom>
-        </p:spPr>
-        <p:style>
-          <a:lnRef idx="2">
-            <a:schemeClr val="accent1">
-              <a:shade val="50000"/>
-            </a:schemeClr>
-          </a:lnRef>
-          <a:fillRef idx="1">
-            <a:schemeClr val="accent1"/>
-          </a:fillRef>
-          <a:effectRef idx="0">
-            <a:schemeClr val="accent1"/>
-          </a:effectRef>
-          <a:fontRef idx="minor">
-            <a:schemeClr val="lt1"/>
-          </a:fontRef>
-        </p:style>
-        <p:txBody>
-          <a:bodyPr rtlCol="0" anchor="ctr"/>
-          <a:lstStyle/>
-          <a:p>
-            <a:pPr algn="ctr"/>
-            <a:r>
-              <a:rPr lang="fr-FR" dirty="0" err="1" smtClean="0"/>
-              <a:t>ActiveMQProducer</a:t>
-            </a:r>
-            <a:endParaRPr lang="fr-FR" dirty="0"/>
-          </a:p>
-        </p:txBody>
-      </p:sp>
-      <p:sp>
-        <p:nvSpPr>
-          <p:cNvPr id="19" name="Flèche vers le bas 27"/>
-          <p:cNvSpPr/>
-          <p:nvPr/>
-        </p:nvSpPr>
-        <p:spPr>
-          <a:xfrm>
-            <a:off x="6902544" y="4038600"/>
-            <a:ext cx="45719" cy="326503"/>
-          </a:xfrm>
-          <a:prstGeom prst="downArrow">
-            <a:avLst/>
-          </a:prstGeom>
-        </p:spPr>
-        <p:style>
-          <a:lnRef idx="2">
-            <a:schemeClr val="accent1">
-              <a:shade val="50000"/>
-            </a:schemeClr>
-          </a:lnRef>
-          <a:fillRef idx="1">
-            <a:schemeClr val="accent1"/>
-          </a:fillRef>
-          <a:effectRef idx="0">
-            <a:schemeClr val="accent1"/>
-          </a:effectRef>
-          <a:fontRef idx="minor">
-            <a:schemeClr val="lt1"/>
-          </a:fontRef>
-        </p:style>
-        <p:txBody>
-          <a:bodyPr rtlCol="0" anchor="ctr"/>
-          <a:lstStyle/>
-          <a:p>
-            <a:pPr algn="ctr"/>
-            <a:endParaRPr lang="fr-FR"/>
-          </a:p>
-        </p:txBody>
-      </p:sp>
-      <p:sp>
-        <p:nvSpPr>
-          <p:cNvPr id="20" name="Flèche vers le bas 30"/>
-          <p:cNvSpPr/>
-          <p:nvPr/>
-        </p:nvSpPr>
-        <p:spPr>
-          <a:xfrm>
-            <a:off x="6629400" y="2816932"/>
-            <a:ext cx="576064" cy="792088"/>
-          </a:xfrm>
-          <a:prstGeom prst="downArrow">
-            <a:avLst/>
-          </a:prstGeom>
-        </p:spPr>
-        <p:style>
-          <a:lnRef idx="2">
-            <a:schemeClr val="accent1">
-              <a:shade val="50000"/>
-            </a:schemeClr>
-          </a:lnRef>
-          <a:fillRef idx="1">
-            <a:schemeClr val="accent1"/>
-          </a:fillRef>
-          <a:effectRef idx="0">
-            <a:schemeClr val="accent1"/>
-          </a:effectRef>
-          <a:fontRef idx="minor">
-            <a:schemeClr val="lt1"/>
-          </a:fontRef>
-        </p:style>
-        <p:txBody>
-          <a:bodyPr rtlCol="0" anchor="ctr"/>
-          <a:lstStyle/>
-          <a:p>
-            <a:pPr algn="ctr"/>
-            <a:endParaRPr lang="fr-FR"/>
-          </a:p>
-        </p:txBody>
-      </p:sp>
-      <p:sp>
-        <p:nvSpPr>
-          <p:cNvPr id="21" name="Rectangle 20"/>
-          <p:cNvSpPr/>
-          <p:nvPr/>
-        </p:nvSpPr>
-        <p:spPr>
-          <a:xfrm>
-            <a:off x="611560" y="5301208"/>
-            <a:ext cx="2232248" cy="648072"/>
-          </a:xfrm>
-          <a:prstGeom prst="rect">
-            <a:avLst/>
-          </a:prstGeom>
-        </p:spPr>
-        <p:style>
-          <a:lnRef idx="2">
-            <a:schemeClr val="accent1">
-              <a:shade val="50000"/>
-            </a:schemeClr>
-          </a:lnRef>
-          <a:fillRef idx="1">
-            <a:schemeClr val="accent1"/>
-          </a:fillRef>
-          <a:effectRef idx="0">
-            <a:schemeClr val="accent1"/>
-          </a:effectRef>
-          <a:fontRef idx="minor">
-            <a:schemeClr val="lt1"/>
-          </a:fontRef>
-        </p:style>
-        <p:txBody>
-          <a:bodyPr rtlCol="0" anchor="ctr"/>
-          <a:lstStyle/>
-          <a:p>
-            <a:pPr algn="ctr"/>
-            <a:r>
-              <a:rPr lang="fr-FR" dirty="0" err="1" smtClean="0"/>
-              <a:t>ActiveMQConsumer</a:t>
-            </a:r>
-            <a:endParaRPr lang="fr-FR" dirty="0"/>
-          </a:p>
-        </p:txBody>
-      </p:sp>
-      <p:pic>
-        <p:nvPicPr>
-          <p:cNvPr id="23" name="Picture 2"/>
-          <p:cNvPicPr>
-            <a:picLocks noChangeAspect="1" noChangeArrowheads="1"/>
-          </p:cNvPicPr>
-          <p:nvPr/>
-        </p:nvPicPr>
-        <p:blipFill>
-          <a:blip r:embed="rId2" cstate="print"/>
-          <a:srcRect/>
-          <a:stretch>
-            <a:fillRect/>
-          </a:stretch>
-        </p:blipFill>
-        <p:spPr bwMode="auto">
-          <a:xfrm>
-            <a:off x="3505200" y="6096000"/>
-            <a:ext cx="1107405" cy="564430"/>
-          </a:xfrm>
-          <a:prstGeom prst="rect">
-            <a:avLst/>
-          </a:prstGeom>
-          <a:noFill/>
-          <a:ln w="9525">
-            <a:noFill/>
-            <a:miter lim="800000"/>
-            <a:headEnd/>
-            <a:tailEnd/>
-          </a:ln>
-        </p:spPr>
-      </p:pic>
-      <p:sp>
-        <p:nvSpPr>
-          <p:cNvPr id="24" name="ZoneTexte 34"/>
-          <p:cNvSpPr txBox="1"/>
-          <p:nvPr/>
-        </p:nvSpPr>
-        <p:spPr>
-          <a:xfrm>
-            <a:off x="609600" y="4876800"/>
-            <a:ext cx="2372816" cy="338554"/>
-          </a:xfrm>
-          <a:prstGeom prst="rect">
-            <a:avLst/>
-          </a:prstGeom>
-          <a:noFill/>
-        </p:spPr>
-        <p:txBody>
-          <a:bodyPr wrap="square" rtlCol="0">
-            <a:spAutoFit/>
-          </a:bodyPr>
-          <a:lstStyle/>
-          <a:p>
-            <a:r>
-              <a:rPr lang="fr-FR" sz="1600" dirty="0" smtClean="0">
-                <a:solidFill>
-                  <a:srgbClr val="92D050"/>
-                </a:solidFill>
-              </a:rPr>
-              <a:t>Traitement message</a:t>
-            </a:r>
-            <a:endParaRPr lang="fr-FR" sz="1600" dirty="0">
-              <a:solidFill>
-                <a:srgbClr val="92D050"/>
-              </a:solidFill>
-            </a:endParaRPr>
-          </a:p>
-        </p:txBody>
-      </p:sp>
-      <p:sp>
-        <p:nvSpPr>
-          <p:cNvPr id="27" name="ZoneTexte 26"/>
-          <p:cNvSpPr txBox="1"/>
-          <p:nvPr/>
-        </p:nvSpPr>
-        <p:spPr>
-          <a:xfrm>
-            <a:off x="2286000" y="3505200"/>
-            <a:ext cx="838200" cy="307777"/>
-          </a:xfrm>
-          <a:prstGeom prst="rect">
-            <a:avLst/>
-          </a:prstGeom>
-          <a:noFill/>
-        </p:spPr>
-        <p:txBody>
-          <a:bodyPr wrap="square" rtlCol="0">
-            <a:spAutoFit/>
-          </a:bodyPr>
-          <a:lstStyle/>
-          <a:p>
-            <a:r>
-              <a:rPr lang="fr-FR" sz="1400" dirty="0" smtClean="0"/>
-              <a:t>Queue :</a:t>
-            </a:r>
-            <a:endParaRPr lang="fr-FR" sz="1400" dirty="0"/>
-          </a:p>
-        </p:txBody>
-      </p:sp>
-      <p:sp>
-        <p:nvSpPr>
-          <p:cNvPr id="28" name="Rectangle 27"/>
-          <p:cNvSpPr/>
-          <p:nvPr/>
-        </p:nvSpPr>
-        <p:spPr>
-          <a:xfrm>
-            <a:off x="3124200" y="3429000"/>
-            <a:ext cx="609600" cy="457200"/>
+            <a:off x="3733800" y="3962400"/>
+            <a:ext cx="609600" cy="381000"/>
           </a:xfrm>
           <a:prstGeom prst="rect">
             <a:avLst/>
@@ -13051,156 +13357,10 @@
           </a:p>
         </p:txBody>
       </p:sp>
-      <p:sp>
-        <p:nvSpPr>
-          <p:cNvPr id="29" name="Flèche droite 28"/>
-          <p:cNvSpPr/>
-          <p:nvPr/>
-        </p:nvSpPr>
-        <p:spPr>
-          <a:xfrm>
-            <a:off x="3352800" y="2057400"/>
-            <a:ext cx="2590800" cy="228600"/>
-          </a:xfrm>
-          <a:prstGeom prst="rightArrow">
-            <a:avLst/>
-          </a:prstGeom>
-        </p:spPr>
-        <p:style>
-          <a:lnRef idx="2">
-            <a:schemeClr val="accent1">
-              <a:shade val="50000"/>
-            </a:schemeClr>
-          </a:lnRef>
-          <a:fillRef idx="1">
-            <a:schemeClr val="accent1"/>
-          </a:fillRef>
-          <a:effectRef idx="0">
-            <a:schemeClr val="accent1"/>
-          </a:effectRef>
-          <a:fontRef idx="minor">
-            <a:schemeClr val="lt1"/>
-          </a:fontRef>
-        </p:style>
-        <p:txBody>
-          <a:bodyPr rtlCol="0" anchor="ctr"/>
-          <a:lstStyle/>
-          <a:p>
-            <a:pPr algn="ctr"/>
-            <a:endParaRPr lang="fr-FR"/>
-          </a:p>
-        </p:txBody>
-      </p:sp>
-      <p:sp>
-        <p:nvSpPr>
-          <p:cNvPr id="30" name="ZoneTexte 29"/>
-          <p:cNvSpPr txBox="1"/>
-          <p:nvPr/>
-        </p:nvSpPr>
-        <p:spPr>
-          <a:xfrm>
-            <a:off x="685800" y="2209800"/>
-            <a:ext cx="1219200" cy="307777"/>
-          </a:xfrm>
-          <a:prstGeom prst="rect">
-            <a:avLst/>
-          </a:prstGeom>
-          <a:noFill/>
-        </p:spPr>
-        <p:txBody>
-          <a:bodyPr wrap="square" rtlCol="0">
-            <a:spAutoFit/>
-          </a:bodyPr>
-          <a:lstStyle/>
-          <a:p>
-            <a:r>
-              <a:rPr lang="fr-FR" sz="1400" b="1" dirty="0" err="1" smtClean="0"/>
-              <a:t>BaseMySQL</a:t>
-            </a:r>
-            <a:endParaRPr lang="fr-FR" sz="1400" b="1" dirty="0"/>
-          </a:p>
-        </p:txBody>
-      </p:sp>
-      <p:cxnSp>
-        <p:nvCxnSpPr>
-          <p:cNvPr id="32" name="Connecteur droit avec flèche 31"/>
-          <p:cNvCxnSpPr>
-            <a:stCxn id="30" idx="3"/>
-          </p:cNvCxnSpPr>
-          <p:nvPr/>
-        </p:nvCxnSpPr>
-        <p:spPr>
-          <a:xfrm>
-            <a:off x="1905000" y="2363689"/>
-            <a:ext cx="485048" cy="19471"/>
-          </a:xfrm>
-          <a:prstGeom prst="straightConnector1">
-            <a:avLst/>
-          </a:prstGeom>
-          <a:ln>
-            <a:tailEnd type="arrow"/>
-          </a:ln>
-        </p:spPr>
-        <p:style>
-          <a:lnRef idx="1">
-            <a:schemeClr val="accent1"/>
-          </a:lnRef>
-          <a:fillRef idx="0">
-            <a:schemeClr val="accent1"/>
-          </a:fillRef>
-          <a:effectRef idx="0">
-            <a:schemeClr val="accent1"/>
-          </a:effectRef>
-          <a:fontRef idx="minor">
-            <a:schemeClr val="tx1"/>
-          </a:fontRef>
-        </p:style>
-      </p:cxnSp>
-      <p:sp>
-        <p:nvSpPr>
-          <p:cNvPr id="37" name="Rectangle 36"/>
-          <p:cNvSpPr/>
-          <p:nvPr/>
-        </p:nvSpPr>
-        <p:spPr>
-          <a:xfrm>
-            <a:off x="3429000" y="3429000"/>
-            <a:ext cx="304800" cy="457200"/>
-          </a:xfrm>
-          <a:prstGeom prst="rect">
-            <a:avLst/>
-          </a:prstGeom>
-          <a:noFill/>
-        </p:spPr>
-        <p:style>
-          <a:lnRef idx="2">
-            <a:schemeClr val="accent1">
-              <a:shade val="50000"/>
-            </a:schemeClr>
-          </a:lnRef>
-          <a:fillRef idx="1">
-            <a:schemeClr val="accent1"/>
-          </a:fillRef>
-          <a:effectRef idx="0">
-            <a:schemeClr val="accent1"/>
-          </a:effectRef>
-          <a:fontRef idx="minor">
-            <a:schemeClr val="lt1"/>
-          </a:fontRef>
-        </p:style>
-        <p:txBody>
-          <a:bodyPr rtlCol="0" anchor="ctr"/>
-          <a:lstStyle/>
-          <a:p>
-            <a:pPr algn="ctr"/>
-            <a:endParaRPr lang="fr-FR"/>
-          </a:p>
-        </p:txBody>
-      </p:sp>
     </p:spTree>
     <p:extLst>
       <p:ext uri="{BB962C8B-B14F-4D97-AF65-F5344CB8AC3E}">
-        <p14:creationId xmlns:p14="http://schemas.microsoft.com/office/powerpoint/2010/main" val="2899302471"/>
+        <p14:creationId xmlns:p14="http://schemas.microsoft.com/office/powerpoint/2010/main" xmlns="" val="2899302471"/>
       </p:ext>
     </p:extLst>
   </p:cSld>
@@ -13228,12 +13388,12 @@
                             </p:stCondLst>
                             <p:childTnLst>
                               <p:par>
-                                <p:cTn id="5" presetID="63" presetClass="path" presetSubtype="0" accel="50000" decel="50000" fill="hold" grpId="0" nodeType="clickEffect">
+                                <p:cTn id="5" presetID="42" presetClass="path" presetSubtype="0" accel="50000" decel="50000" fill="hold" grpId="2" nodeType="clickEffect">
                                   <p:stCondLst>
                                     <p:cond delay="0"/>
                                   </p:stCondLst>
                                   <p:childTnLst>
-                                    <p:animMotion origin="layout" path="M 0.05764 -0.00231 L 0.41597 -0.00231 " pathEditMode="relative" rAng="0" ptsTypes="AA">
+                                    <p:animMotion origin="layout" path="M 0.41597 -0.00231 L 0.41771 0.50301 " pathEditMode="relative" rAng="0" ptsTypes="AA">
                                       <p:cBhvr>
                                         <p:cTn id="6" dur="2000" fill="hold"/>
                                         <p:tgtEl>
@@ -13244,7 +13404,7 @@
                                           <p:attrName>ppt_y</p:attrName>
                                         </p:attrNameLst>
                                       </p:cBhvr>
-                                      <p:rCtr x="179" y="0"/>
+                                      <p:rCtr x="1" y="253"/>
                                     </p:animMotion>
                                   </p:childTnLst>
                                 </p:cTn>
@@ -13268,14 +13428,67 @@
                             </p:stCondLst>
                             <p:childTnLst>
                               <p:par>
-                                <p:cTn id="9" presetID="42" presetClass="path" presetSubtype="0" accel="50000" decel="50000" fill="hold" grpId="2" nodeType="clickEffect">
+                                <p:cTn id="9" presetID="5" presetClass="entr" presetSubtype="10" fill="hold" grpId="0" nodeType="clickEffect">
                                   <p:stCondLst>
                                     <p:cond delay="0"/>
                                   </p:stCondLst>
                                   <p:childTnLst>
-                                    <p:animMotion origin="layout" path="M 0.41597 -0.00231 L 0.41771 0.50301 " pathEditMode="relative" rAng="0" ptsTypes="AA">
+                                    <p:set>
                                       <p:cBhvr>
-                                        <p:cTn id="10" dur="2000" fill="hold"/>
+                                        <p:cTn id="10" dur="1" fill="hold">
+                                          <p:stCondLst>
+                                            <p:cond delay="0"/>
+                                          </p:stCondLst>
+                                        </p:cTn>
+                                        <p:tgtEl>
+                                          <p:spTgt spid="24"/>
+                                        </p:tgtEl>
+                                        <p:attrNameLst>
+                                          <p:attrName>style.visibility</p:attrName>
+                                        </p:attrNameLst>
+                                      </p:cBhvr>
+                                      <p:to>
+                                        <p:strVal val="visible"/>
+                                      </p:to>
+                                    </p:set>
+                                    <p:animEffect transition="in" filter="checkerboard(across)">
+                                      <p:cBhvr>
+                                        <p:cTn id="11" dur="500"/>
+                                        <p:tgtEl>
+                                          <p:spTgt spid="24"/>
+                                        </p:tgtEl>
+                                      </p:cBhvr>
+                                    </p:animEffect>
+                                  </p:childTnLst>
+                                </p:cTn>
+                              </p:par>
+                            </p:childTnLst>
+                          </p:cTn>
+                        </p:par>
+                      </p:childTnLst>
+                    </p:cTn>
+                  </p:par>
+                  <p:par>
+                    <p:cTn id="12" fill="hold">
+                      <p:stCondLst>
+                        <p:cond delay="indefinite"/>
+                      </p:stCondLst>
+                      <p:childTnLst>
+                        <p:par>
+                          <p:cTn id="13" fill="hold">
+                            <p:stCondLst>
+                              <p:cond delay="0"/>
+                            </p:stCondLst>
+                            <p:childTnLst>
+                              <p:par>
+                                <p:cTn id="14" presetID="35" presetClass="path" presetSubtype="0" accel="50000" decel="50000" fill="hold" grpId="0" nodeType="clickEffect">
+                                  <p:stCondLst>
+                                    <p:cond delay="0"/>
+                                  </p:stCondLst>
+                                  <p:childTnLst>
+                                    <p:animMotion origin="layout" path="M -1.11111E-6 2.96296E-6 L -0.58403 -0.00232 " pathEditMode="relative" rAng="0" ptsTypes="AA">
+                                      <p:cBhvr>
+                                        <p:cTn id="15" dur="2000" fill="hold"/>
                                         <p:tgtEl>
                                           <p:spTgt spid="15"/>
                                         </p:tgtEl>
@@ -13284,7 +13497,7 @@
                                           <p:attrName>ppt_y</p:attrName>
                                         </p:attrNameLst>
                                       </p:cBhvr>
-                                      <p:rCtr x="1" y="253"/>
+                                      <p:rCtr x="-292" y="-1"/>
                                     </p:animMotion>
                                   </p:childTnLst>
                                 </p:cTn>
@@ -13296,26 +13509,244 @@
                     </p:cTn>
                   </p:par>
                   <p:par>
-                    <p:cTn id="11" fill="hold">
+                    <p:cTn id="16" fill="hold">
                       <p:stCondLst>
                         <p:cond delay="indefinite"/>
                       </p:stCondLst>
                       <p:childTnLst>
                         <p:par>
-                          <p:cTn id="12" fill="hold">
+                          <p:cTn id="17" fill="hold">
                             <p:stCondLst>
                               <p:cond delay="0"/>
                             </p:stCondLst>
                             <p:childTnLst>
                               <p:par>
-                                <p:cTn id="13" presetID="5" presetClass="entr" presetSubtype="10" fill="hold" nodeType="clickEffect">
+                                <p:cTn id="18" presetID="63" presetClass="path" presetSubtype="0" accel="50000" decel="50000" fill="hold" grpId="1" nodeType="clickEffect">
+                                  <p:stCondLst>
+                                    <p:cond delay="0"/>
+                                  </p:stCondLst>
+                                  <p:childTnLst>
+                                    <p:animMotion origin="layout" path="M -0.50069 0.06435 L -0.06736 0.06435 " pathEditMode="relative" rAng="0" ptsTypes="AA">
+                                      <p:cBhvr>
+                                        <p:cTn id="19" dur="2000" fill="hold"/>
+                                        <p:tgtEl>
+                                          <p:spTgt spid="15"/>
+                                        </p:tgtEl>
+                                        <p:attrNameLst>
+                                          <p:attrName>ppt_x</p:attrName>
+                                          <p:attrName>ppt_y</p:attrName>
+                                        </p:attrNameLst>
+                                      </p:cBhvr>
+                                      <p:rCtr x="217" y="0"/>
+                                    </p:animMotion>
+                                  </p:childTnLst>
+                                </p:cTn>
+                              </p:par>
+                            </p:childTnLst>
+                          </p:cTn>
+                        </p:par>
+                      </p:childTnLst>
+                    </p:cTn>
+                  </p:par>
+                  <p:par>
+                    <p:cTn id="20" fill="hold">
+                      <p:stCondLst>
+                        <p:cond delay="indefinite"/>
+                      </p:stCondLst>
+                      <p:childTnLst>
+                        <p:par>
+                          <p:cTn id="21" fill="hold">
+                            <p:stCondLst>
+                              <p:cond delay="0"/>
+                            </p:stCondLst>
+                            <p:childTnLst>
+                              <p:par>
+                                <p:cTn id="22" presetID="42" presetClass="path" presetSubtype="0" accel="50000" decel="50000" fill="hold" grpId="2" nodeType="clickEffect">
+                                  <p:stCondLst>
+                                    <p:cond delay="0"/>
+                                  </p:stCondLst>
+                                  <p:childTnLst>
+                                    <p:animMotion origin="layout" path="M -0.06736 0.06435 L -0.13403 0.50879 " pathEditMode="relative" rAng="0" ptsTypes="AA">
+                                      <p:cBhvr>
+                                        <p:cTn id="23" dur="2000" fill="hold"/>
+                                        <p:tgtEl>
+                                          <p:spTgt spid="15"/>
+                                        </p:tgtEl>
+                                        <p:attrNameLst>
+                                          <p:attrName>ppt_x</p:attrName>
+                                          <p:attrName>ppt_y</p:attrName>
+                                        </p:attrNameLst>
+                                      </p:cBhvr>
+                                      <p:rCtr x="-33" y="222"/>
+                                    </p:animMotion>
+                                  </p:childTnLst>
+                                </p:cTn>
+                              </p:par>
+                            </p:childTnLst>
+                          </p:cTn>
+                        </p:par>
+                      </p:childTnLst>
+                    </p:cTn>
+                  </p:par>
+                  <p:par>
+                    <p:cTn id="24" fill="hold">
+                      <p:stCondLst>
+                        <p:cond delay="indefinite"/>
+                      </p:stCondLst>
+                      <p:childTnLst>
+                        <p:par>
+                          <p:cTn id="25" fill="hold">
+                            <p:stCondLst>
+                              <p:cond delay="0"/>
+                            </p:stCondLst>
+                            <p:childTnLst>
+                              <p:par>
+                                <p:cTn id="26" presetID="64" presetClass="path" presetSubtype="0" accel="50000" decel="50000" fill="hold" grpId="3" nodeType="clickEffect">
+                                  <p:stCondLst>
+                                    <p:cond delay="0"/>
+                                  </p:stCondLst>
+                                  <p:childTnLst>
+                                    <p:animMotion origin="layout" path="M -0.13403 0.50879 L -0.14236 0.03102 " pathEditMode="relative" rAng="0" ptsTypes="AA">
+                                      <p:cBhvr>
+                                        <p:cTn id="27" dur="2000" fill="hold"/>
+                                        <p:tgtEl>
+                                          <p:spTgt spid="15"/>
+                                        </p:tgtEl>
+                                        <p:attrNameLst>
+                                          <p:attrName>ppt_x</p:attrName>
+                                          <p:attrName>ppt_y</p:attrName>
+                                        </p:attrNameLst>
+                                      </p:cBhvr>
+                                      <p:rCtr x="-4" y="-239"/>
+                                    </p:animMotion>
+                                  </p:childTnLst>
+                                </p:cTn>
+                              </p:par>
+                            </p:childTnLst>
+                          </p:cTn>
+                        </p:par>
+                      </p:childTnLst>
+                    </p:cTn>
+                  </p:par>
+                  <p:par>
+                    <p:cTn id="28" fill="hold">
+                      <p:stCondLst>
+                        <p:cond delay="indefinite"/>
+                      </p:stCondLst>
+                      <p:childTnLst>
+                        <p:par>
+                          <p:cTn id="29" fill="hold">
+                            <p:stCondLst>
+                              <p:cond delay="0"/>
+                            </p:stCondLst>
+                            <p:childTnLst>
+                              <p:par>
+                                <p:cTn id="30" presetID="35" presetClass="path" presetSubtype="0" accel="50000" decel="50000" fill="hold" grpId="4" nodeType="clickEffect">
+                                  <p:stCondLst>
+                                    <p:cond delay="0"/>
+                                  </p:stCondLst>
+                                  <p:childTnLst>
+                                    <p:animMotion origin="layout" path="M -0.14236 0.03102 L -0.73403 0.03102 " pathEditMode="relative" rAng="0" ptsTypes="AA">
+                                      <p:cBhvr>
+                                        <p:cTn id="31" dur="2000" fill="hold"/>
+                                        <p:tgtEl>
+                                          <p:spTgt spid="15"/>
+                                        </p:tgtEl>
+                                        <p:attrNameLst>
+                                          <p:attrName>ppt_x</p:attrName>
+                                          <p:attrName>ppt_y</p:attrName>
+                                        </p:attrNameLst>
+                                      </p:cBhvr>
+                                      <p:rCtr x="-296" y="0"/>
+                                    </p:animMotion>
+                                  </p:childTnLst>
+                                </p:cTn>
+                              </p:par>
+                            </p:childTnLst>
+                          </p:cTn>
+                        </p:par>
+                      </p:childTnLst>
+                    </p:cTn>
+                  </p:par>
+                  <p:par>
+                    <p:cTn id="32" fill="hold">
+                      <p:stCondLst>
+                        <p:cond delay="indefinite"/>
+                      </p:stCondLst>
+                      <p:childTnLst>
+                        <p:par>
+                          <p:cTn id="33" fill="hold">
+                            <p:stCondLst>
+                              <p:cond delay="0"/>
+                            </p:stCondLst>
+                            <p:childTnLst>
+                              <p:par>
+                                <p:cTn id="34" presetID="5" presetClass="entr" presetSubtype="10" fill="hold" grpId="0" nodeType="clickEffect" nodePh="1">
+                                  <p:stCondLst>
+                                    <p:cond delay="0"/>
+                                  </p:stCondLst>
+                                  <p:endCondLst>
+                                    <p:cond evt="begin" delay="0">
+                                      <p:tn val="34"/>
+                                    </p:cond>
+                                  </p:endCondLst>
+                                  <p:childTnLst>
+                                    <p:set>
+                                      <p:cBhvr>
+                                        <p:cTn id="35" dur="1" fill="hold">
+                                          <p:stCondLst>
+                                            <p:cond delay="0"/>
+                                          </p:stCondLst>
+                                        </p:cTn>
+                                        <p:tgtEl>
+                                          <p:spTgt spid="38"/>
+                                        </p:tgtEl>
+                                        <p:attrNameLst>
+                                          <p:attrName>style.visibility</p:attrName>
+                                        </p:attrNameLst>
+                                      </p:cBhvr>
+                                      <p:to>
+                                        <p:strVal val="visible"/>
+                                      </p:to>
+                                    </p:set>
+                                    <p:animEffect transition="in" filter="checkerboard(across)">
+                                      <p:cBhvr>
+                                        <p:cTn id="36" dur="500"/>
+                                        <p:tgtEl>
+                                          <p:spTgt spid="38"/>
+                                        </p:tgtEl>
+                                      </p:cBhvr>
+                                    </p:animEffect>
+                                  </p:childTnLst>
+                                </p:cTn>
+                              </p:par>
+                            </p:childTnLst>
+                          </p:cTn>
+                        </p:par>
+                      </p:childTnLst>
+                    </p:cTn>
+                  </p:par>
+                  <p:par>
+                    <p:cTn id="37" fill="hold">
+                      <p:stCondLst>
+                        <p:cond delay="indefinite"/>
+                      </p:stCondLst>
+                      <p:childTnLst>
+                        <p:par>
+                          <p:cTn id="38" fill="hold">
+                            <p:stCondLst>
+                              <p:cond delay="0"/>
+                            </p:stCondLst>
+                            <p:childTnLst>
+                              <p:par>
+                                <p:cTn id="39" presetID="5" presetClass="entr" presetSubtype="10" fill="hold" nodeType="clickEffect">
                                   <p:stCondLst>
                                     <p:cond delay="0"/>
                                   </p:stCondLst>
                                   <p:childTnLst>
                                     <p:set>
                                       <p:cBhvr>
-                                        <p:cTn id="14" dur="1" fill="hold">
+                                        <p:cTn id="40" dur="1" fill="hold">
                                           <p:stCondLst>
                                             <p:cond delay="0"/>
                                           </p:stCondLst>
@@ -13333,7 +13764,7 @@
                                     </p:set>
                                     <p:animEffect transition="in" filter="checkerboard(across)">
                                       <p:cBhvr>
-                                        <p:cTn id="15" dur="500"/>
+                                        <p:cTn id="41" dur="500"/>
                                         <p:tgtEl>
                                           <p:spTgt spid="23"/>
                                         </p:tgtEl>
@@ -13343,32 +13774,14 @@
                                 </p:cTn>
                               </p:par>
                               <p:par>
-                                <p:cTn id="16" presetID="6" presetClass="emph" presetSubtype="0" fill="hold" grpId="0" nodeType="withEffect">
-                                  <p:stCondLst>
-                                    <p:cond delay="0"/>
-                                  </p:stCondLst>
-                                  <p:childTnLst>
-                                    <p:animScale>
-                                      <p:cBhvr>
-                                        <p:cTn id="17" dur="2000" fill="hold"/>
-                                        <p:tgtEl>
-                                          <p:spTgt spid="9"/>
-                                        </p:tgtEl>
-                                      </p:cBhvr>
-                                      <p:by x="150000" y="150000"/>
-                                    </p:animScale>
-                                  </p:childTnLst>
-                                </p:cTn>
-                              </p:par>
-                              <p:par>
-                                <p:cTn id="18" presetID="5" presetClass="entr" presetSubtype="10" fill="hold" grpId="0" nodeType="withEffect">
+                                <p:cTn id="42" presetID="5" presetClass="entr" presetSubtype="10" fill="hold" grpId="0" nodeType="withEffect">
                                   <p:stCondLst>
                                     <p:cond delay="0"/>
                                   </p:stCondLst>
                                   <p:childTnLst>
                                     <p:set>
                                       <p:cBhvr>
-                                        <p:cTn id="19" dur="1" fill="hold">
+                                        <p:cTn id="43" dur="1" fill="hold">
                                           <p:stCondLst>
                                             <p:cond delay="0"/>
                                           </p:stCondLst>
@@ -13386,114 +13799,9 @@
                                     </p:set>
                                     <p:animEffect transition="in" filter="checkerboard(across)">
                                       <p:cBhvr>
-                                        <p:cTn id="20" dur="500"/>
+                                        <p:cTn id="44" dur="500"/>
                                         <p:tgtEl>
                                           <p:spTgt spid="27"/>
-                                        </p:tgtEl>
-                                      </p:cBhvr>
-                                    </p:animEffect>
-                                  </p:childTnLst>
-                                </p:cTn>
-                              </p:par>
-                              <p:par>
-                                <p:cTn id="21" presetID="5" presetClass="entr" presetSubtype="10" fill="hold" grpId="0" nodeType="withEffect">
-                                  <p:stCondLst>
-                                    <p:cond delay="0"/>
-                                  </p:stCondLst>
-                                  <p:childTnLst>
-                                    <p:set>
-                                      <p:cBhvr>
-                                        <p:cTn id="22" dur="1" fill="hold">
-                                          <p:stCondLst>
-                                            <p:cond delay="0"/>
-                                          </p:stCondLst>
-                                        </p:cTn>
-                                        <p:tgtEl>
-                                          <p:spTgt spid="28"/>
-                                        </p:tgtEl>
-                                        <p:attrNameLst>
-                                          <p:attrName>style.visibility</p:attrName>
-                                        </p:attrNameLst>
-                                      </p:cBhvr>
-                                      <p:to>
-                                        <p:strVal val="visible"/>
-                                      </p:to>
-                                    </p:set>
-                                    <p:animEffect transition="in" filter="checkerboard(across)">
-                                      <p:cBhvr>
-                                        <p:cTn id="23" dur="500"/>
-                                        <p:tgtEl>
-                                          <p:spTgt spid="28"/>
-                                        </p:tgtEl>
-                                      </p:cBhvr>
-                                    </p:animEffect>
-                                  </p:childTnLst>
-                                </p:cTn>
-                              </p:par>
-                              <p:par>
-                                <p:cTn id="24" presetID="5" presetClass="entr" presetSubtype="10" fill="hold" grpId="0" nodeType="withEffect">
-                                  <p:stCondLst>
-                                    <p:cond delay="0"/>
-                                  </p:stCondLst>
-                                  <p:childTnLst>
-                                    <p:set>
-                                      <p:cBhvr>
-                                        <p:cTn id="25" dur="1" fill="hold">
-                                          <p:stCondLst>
-                                            <p:cond delay="0"/>
-                                          </p:stCondLst>
-                                        </p:cTn>
-                                        <p:tgtEl>
-                                          <p:spTgt spid="37"/>
-                                        </p:tgtEl>
-                                        <p:attrNameLst>
-                                          <p:attrName>style.visibility</p:attrName>
-                                        </p:attrNameLst>
-                                      </p:cBhvr>
-                                      <p:to>
-                                        <p:strVal val="visible"/>
-                                      </p:to>
-                                    </p:set>
-                                    <p:animEffect transition="in" filter="checkerboard(across)">
-                                      <p:cBhvr>
-                                        <p:cTn id="26" dur="500"/>
-                                        <p:tgtEl>
-                                          <p:spTgt spid="37"/>
-                                        </p:tgtEl>
-                                      </p:cBhvr>
-                                    </p:animEffect>
-                                  </p:childTnLst>
-                                </p:cTn>
-                              </p:par>
-                              <p:par>
-                                <p:cTn id="27" presetID="4" presetClass="entr" presetSubtype="16" fill="hold" grpId="0" nodeType="withEffect">
-                                  <p:stCondLst>
-                                    <p:cond delay="0"/>
-                                  </p:stCondLst>
-                                  <p:childTnLst>
-                                    <p:set>
-                                      <p:cBhvr>
-                                        <p:cTn id="28" dur="1" fill="hold">
-                                          <p:stCondLst>
-                                            <p:cond delay="0"/>
-                                          </p:stCondLst>
-                                        </p:cTn>
-                                        <p:tgtEl>
-                                          <p:spTgt spid="16"/>
-                                        </p:tgtEl>
-                                        <p:attrNameLst>
-                                          <p:attrName>style.visibility</p:attrName>
-                                        </p:attrNameLst>
-                                      </p:cBhvr>
-                                      <p:to>
-                                        <p:strVal val="visible"/>
-                                      </p:to>
-                                    </p:set>
-                                    <p:animEffect transition="in" filter="box(in)">
-                                      <p:cBhvr>
-                                        <p:cTn id="29" dur="500"/>
-                                        <p:tgtEl>
-                                          <p:spTgt spid="16"/>
                                         </p:tgtEl>
                                       </p:cBhvr>
                                     </p:animEffect>
@@ -13507,26 +13815,132 @@
                     </p:cTn>
                   </p:par>
                   <p:par>
-                    <p:cTn id="30" fill="hold">
+                    <p:cTn id="45" fill="hold">
                       <p:stCondLst>
                         <p:cond delay="indefinite"/>
                       </p:stCondLst>
                       <p:childTnLst>
                         <p:par>
-                          <p:cTn id="31" fill="hold">
+                          <p:cTn id="46" fill="hold">
                             <p:stCondLst>
                               <p:cond delay="0"/>
                             </p:stCondLst>
                             <p:childTnLst>
                               <p:par>
-                                <p:cTn id="32" presetID="35" presetClass="path" presetSubtype="0" accel="50000" decel="50000" fill="hold" grpId="3" nodeType="clickEffect">
+                                <p:cTn id="47" presetID="5" presetClass="entr" presetSubtype="10" fill="hold" grpId="0" nodeType="clickEffect">
                                   <p:stCondLst>
                                     <p:cond delay="0"/>
                                   </p:stCondLst>
                                   <p:childTnLst>
-                                    <p:animMotion origin="layout" path="M 0.41771 0.50301 L 0.23855 0.50578 " pathEditMode="relative" rAng="0" ptsTypes="AA">
+                                    <p:set>
                                       <p:cBhvr>
-                                        <p:cTn id="33" dur="2000" fill="hold"/>
+                                        <p:cTn id="48" dur="1" fill="hold">
+                                          <p:stCondLst>
+                                            <p:cond delay="0"/>
+                                          </p:stCondLst>
+                                        </p:cTn>
+                                        <p:tgtEl>
+                                          <p:spTgt spid="39"/>
+                                        </p:tgtEl>
+                                        <p:attrNameLst>
+                                          <p:attrName>style.visibility</p:attrName>
+                                        </p:attrNameLst>
+                                      </p:cBhvr>
+                                      <p:to>
+                                        <p:strVal val="visible"/>
+                                      </p:to>
+                                    </p:set>
+                                    <p:animEffect transition="in" filter="checkerboard(across)">
+                                      <p:cBhvr>
+                                        <p:cTn id="49" dur="500"/>
+                                        <p:tgtEl>
+                                          <p:spTgt spid="39"/>
+                                        </p:tgtEl>
+                                      </p:cBhvr>
+                                    </p:animEffect>
+                                  </p:childTnLst>
+                                </p:cTn>
+                              </p:par>
+                              <p:par>
+                                <p:cTn id="50" presetID="5" presetClass="entr" presetSubtype="10" fill="hold" grpId="0" nodeType="withEffect">
+                                  <p:stCondLst>
+                                    <p:cond delay="0"/>
+                                  </p:stCondLst>
+                                  <p:childTnLst>
+                                    <p:set>
+                                      <p:cBhvr>
+                                        <p:cTn id="51" dur="1" fill="hold">
+                                          <p:stCondLst>
+                                            <p:cond delay="0"/>
+                                          </p:stCondLst>
+                                        </p:cTn>
+                                        <p:tgtEl>
+                                          <p:spTgt spid="36"/>
+                                        </p:tgtEl>
+                                        <p:attrNameLst>
+                                          <p:attrName>style.visibility</p:attrName>
+                                        </p:attrNameLst>
+                                      </p:cBhvr>
+                                      <p:to>
+                                        <p:strVal val="visible"/>
+                                      </p:to>
+                                    </p:set>
+                                    <p:animEffect transition="in" filter="checkerboard(across)">
+                                      <p:cBhvr>
+                                        <p:cTn id="52" dur="500"/>
+                                        <p:tgtEl>
+                                          <p:spTgt spid="36"/>
+                                        </p:tgtEl>
+                                      </p:cBhvr>
+                                    </p:animEffect>
+                                  </p:childTnLst>
+                                </p:cTn>
+                              </p:par>
+                              <p:par>
+                                <p:cTn id="53" presetID="6" presetClass="emph" presetSubtype="0" fill="hold" grpId="0" nodeType="withEffect">
+                                  <p:stCondLst>
+                                    <p:cond delay="0"/>
+                                  </p:stCondLst>
+                                  <p:childTnLst>
+                                    <p:animScale>
+                                      <p:cBhvr>
+                                        <p:cTn id="54" dur="2000" fill="hold"/>
+                                        <p:tgtEl>
+                                          <p:spTgt spid="9"/>
+                                        </p:tgtEl>
+                                      </p:cBhvr>
+                                      <p:by x="150000" y="150000"/>
+                                    </p:animScale>
+                                  </p:childTnLst>
+                                </p:cTn>
+                              </p:par>
+                            </p:childTnLst>
+                          </p:cTn>
+                        </p:par>
+                      </p:childTnLst>
+                    </p:cTn>
+                  </p:par>
+                  <p:par>
+                    <p:cTn id="55" fill="hold">
+                      <p:stCondLst>
+                        <p:cond delay="indefinite"/>
+                      </p:stCondLst>
+                      <p:childTnLst>
+                        <p:par>
+                          <p:cTn id="56" fill="hold">
+                            <p:stCondLst>
+                              <p:cond delay="0"/>
+                            </p:stCondLst>
+                            <p:childTnLst>
+                              <p:par>
+                                <p:cTn id="57" presetID="63" presetClass="path" presetSubtype="0" accel="50000" decel="50000" fill="hold" grpId="5" nodeType="clickEffect">
+                                  <p:stCondLst>
+                                    <p:cond delay="0"/>
+                                  </p:stCondLst>
+                                  <p:childTnLst>
+                                    <p:animMotion origin="layout" path="M -0.73403 0.03102 L -0.36736 0.28657 " pathEditMode="relative" rAng="0" ptsTypes="AA">
+                                      <p:cBhvr>
+                                        <p:cTn id="58" dur="2000" fill="hold"/>
                                         <p:tgtEl>
                                           <p:spTgt spid="15"/>
                                         </p:tgtEl>
@@ -13535,7 +13949,7 @@
                                           <p:attrName>ppt_y</p:attrName>
                                         </p:attrNameLst>
                                       </p:cBhvr>
-                                      <p:rCtr x="-90" y="1"/>
+                                      <p:rCtr x="183" y="128"/>
                                     </p:animMotion>
                                   </p:childTnLst>
                                 </p:cTn>
@@ -13547,26 +13961,26 @@
                     </p:cTn>
                   </p:par>
                   <p:par>
-                    <p:cTn id="34" fill="hold">
+                    <p:cTn id="59" fill="hold">
                       <p:stCondLst>
                         <p:cond delay="indefinite"/>
                       </p:stCondLst>
                       <p:childTnLst>
                         <p:par>
-                          <p:cTn id="35" fill="hold">
+                          <p:cTn id="60" fill="hold">
                             <p:stCondLst>
                               <p:cond delay="0"/>
                             </p:stCondLst>
                             <p:childTnLst>
                               <p:par>
-                                <p:cTn id="36" presetID="64" presetClass="path" presetSubtype="0" accel="50000" decel="50000" fill="hold" grpId="4" nodeType="clickEffect">
+                                <p:cTn id="61" presetID="63" presetClass="path" presetSubtype="0" accel="50000" decel="50000" fill="hold" grpId="6" nodeType="clickEffect">
                                   <p:stCondLst>
                                     <p:cond delay="0"/>
                                   </p:stCondLst>
                                   <p:childTnLst>
-                                    <p:animMotion origin="layout" path="M 0.2434 0.50532 L 0.1684 0.25 " pathEditMode="relative" rAng="0" ptsTypes="AA">
+                                    <p:animMotion origin="layout" path="M -0.36736 0.28657 L -0.63403 0.40879 " pathEditMode="relative" rAng="0" ptsTypes="AA">
                                       <p:cBhvr>
-                                        <p:cTn id="37" dur="2000" fill="hold"/>
+                                        <p:cTn id="62" dur="2000" fill="hold"/>
                                         <p:tgtEl>
                                           <p:spTgt spid="15"/>
                                         </p:tgtEl>
@@ -13575,101 +13989,8 @@
                                           <p:attrName>ppt_y</p:attrName>
                                         </p:attrNameLst>
                                       </p:cBhvr>
-                                      <p:rCtr x="-38" y="-128"/>
+                                      <p:rCtr x="-133" y="61"/>
                                     </p:animMotion>
-                                  </p:childTnLst>
-                                </p:cTn>
-                              </p:par>
-                            </p:childTnLst>
-                          </p:cTn>
-                        </p:par>
-                      </p:childTnLst>
-                    </p:cTn>
-                  </p:par>
-                  <p:par>
-                    <p:cTn id="38" fill="hold">
-                      <p:stCondLst>
-                        <p:cond delay="indefinite"/>
-                      </p:stCondLst>
-                      <p:childTnLst>
-                        <p:par>
-                          <p:cTn id="39" fill="hold">
-                            <p:stCondLst>
-                              <p:cond delay="0"/>
-                            </p:stCondLst>
-                            <p:childTnLst>
-                              <p:par>
-                                <p:cTn id="40" presetID="42" presetClass="path" presetSubtype="0" accel="50000" decel="50000" fill="hold" grpId="5" nodeType="clickEffect">
-                                  <p:stCondLst>
-                                    <p:cond delay="0"/>
-                                  </p:stCondLst>
-                                  <p:childTnLst>
-                                    <p:animMotion origin="layout" path="M 0.1684 0.25 L -0.06736 0.41952 " pathEditMode="relative" rAng="0" ptsTypes="AA">
-                                      <p:cBhvr>
-                                        <p:cTn id="41" dur="2000" fill="hold"/>
-                                        <p:tgtEl>
-                                          <p:spTgt spid="15"/>
-                                        </p:tgtEl>
-                                        <p:attrNameLst>
-                                          <p:attrName>ppt_x</p:attrName>
-                                          <p:attrName>ppt_y</p:attrName>
-                                        </p:attrNameLst>
-                                      </p:cBhvr>
-                                      <p:rCtr x="-118" y="85"/>
-                                    </p:animMotion>
-                                  </p:childTnLst>
-                                </p:cTn>
-                              </p:par>
-                            </p:childTnLst>
-                          </p:cTn>
-                        </p:par>
-                      </p:childTnLst>
-                    </p:cTn>
-                  </p:par>
-                  <p:par>
-                    <p:cTn id="42" fill="hold">
-                      <p:stCondLst>
-                        <p:cond delay="indefinite"/>
-                      </p:stCondLst>
-                      <p:childTnLst>
-                        <p:par>
-                          <p:cTn id="43" fill="hold">
-                            <p:stCondLst>
-                              <p:cond delay="0"/>
-                            </p:stCondLst>
-                            <p:childTnLst>
-                              <p:par>
-                                <p:cTn id="44" presetID="5" presetClass="entr" presetSubtype="10" fill="hold" grpId="0" nodeType="clickEffect">
-                                  <p:stCondLst>
-                                    <p:cond delay="0"/>
-                                  </p:stCondLst>
-                                  <p:childTnLst>
-                                    <p:set>
-                                      <p:cBhvr>
-                                        <p:cTn id="45" dur="1" fill="hold">
-                                          <p:stCondLst>
-                                            <p:cond delay="0"/>
-                                          </p:stCondLst>
-                                        </p:cTn>
-                                        <p:tgtEl>
-                                          <p:spTgt spid="24"/>
-                                        </p:tgtEl>
-                                        <p:attrNameLst>
-                                          <p:attrName>style.visibility</p:attrName>
-                                        </p:attrNameLst>
-                                      </p:cBhvr>
-                                      <p:to>
-                                        <p:strVal val="visible"/>
-                                      </p:to>
-                                    </p:set>
-                                    <p:animEffect transition="in" filter="checkerboard(across)">
-                                      <p:cBhvr>
-                                        <p:cTn id="46" dur="500"/>
-                                        <p:tgtEl>
-                                          <p:spTgt spid="24"/>
-                                        </p:tgtEl>
-                                      </p:cBhvr>
-                                    </p:animEffect>
                                   </p:childTnLst>
                                 </p:cTn>
                               </p:par>
@@ -13703,15 +14024,17 @@
     <p:bldLst>
       <p:bldP spid="9" grpId="0" animBg="1"/>
       <p:bldP spid="15" grpId="0"/>
+      <p:bldP spid="15" grpId="1"/>
       <p:bldP spid="15" grpId="2"/>
       <p:bldP spid="15" grpId="3"/>
       <p:bldP spid="15" grpId="4"/>
       <p:bldP spid="15" grpId="5"/>
-      <p:bldP spid="16" grpId="0" animBg="1"/>
+      <p:bldP spid="15" grpId="6"/>
       <p:bldP spid="24" grpId="0"/>
       <p:bldP spid="27" grpId="0"/>
-      <p:bldP spid="28" grpId="0" animBg="1"/>
-      <p:bldP spid="37" grpId="0" animBg="1"/>
+      <p:bldP spid="36" grpId="0" animBg="1"/>
+      <p:bldP spid="38" grpId="0"/>
+      <p:bldP spid="39" grpId="0" animBg="1"/>
     </p:bldLst>
   </p:timing>
 </p:sld>
@@ -13798,7 +14121,7 @@
     </p:spTree>
     <p:extLst>
       <p:ext uri="{BB962C8B-B14F-4D97-AF65-F5344CB8AC3E}">
-        <p14:creationId xmlns:p14="http://schemas.microsoft.com/office/powerpoint/2010/main" val="2025061542"/>
+        <p14:creationId xmlns:p14="http://schemas.microsoft.com/office/powerpoint/2010/main" xmlns="" val="2025061542"/>
       </p:ext>
     </p:extLst>
   </p:cSld>
@@ -13858,7 +14181,7 @@
     </p:spTree>
     <p:extLst>
       <p:ext uri="{BB962C8B-B14F-4D97-AF65-F5344CB8AC3E}">
-        <p14:creationId xmlns:p14="http://schemas.microsoft.com/office/powerpoint/2010/main" val="353800143"/>
+        <p14:creationId xmlns:p14="http://schemas.microsoft.com/office/powerpoint/2010/main" xmlns="" val="353800143"/>
       </p:ext>
     </p:extLst>
   </p:cSld>
@@ -13927,7 +14250,7 @@
           <a:blip r:embed="rId2" cstate="print">
             <a:extLst>
               <a:ext uri="{28A0092B-C50C-407E-A947-70E740481C1C}">
-                <a14:useLocalDpi xmlns:a14="http://schemas.microsoft.com/office/drawing/2010/main" val="0"/>
+                <a14:useLocalDpi xmlns:a14="http://schemas.microsoft.com/office/drawing/2010/main" xmlns="" val="0"/>
               </a:ext>
             </a:extLst>
           </a:blip>
@@ -13951,14 +14274,14 @@
           <a:effectLst/>
           <a:extLst>
             <a:ext uri="{909E8E84-426E-40DD-AFC4-6F175D3DCCD1}">
-              <a14:hiddenFill xmlns:a14="http://schemas.microsoft.com/office/drawing/2010/main">
+              <a14:hiddenFill xmlns:a14="http://schemas.microsoft.com/office/drawing/2010/main" xmlns="">
                 <a:solidFill>
                   <a:schemeClr val="accent1"/>
                 </a:solidFill>
               </a14:hiddenFill>
             </a:ext>
             <a:ext uri="{91240B29-F687-4F45-9708-019B960494DF}">
-              <a14:hiddenLine xmlns:a14="http://schemas.microsoft.com/office/drawing/2010/main" w="9525">
+              <a14:hiddenLine xmlns:a14="http://schemas.microsoft.com/office/drawing/2010/main" xmlns="" w="9525">
                 <a:solidFill>
                   <a:schemeClr val="tx1"/>
                 </a:solidFill>
@@ -13968,7 +14291,7 @@
               </a14:hiddenLine>
             </a:ext>
             <a:ext uri="{AF507438-7753-43E0-B8FC-AC1667EBCBE1}">
-              <a14:hiddenEffects xmlns:a14="http://schemas.microsoft.com/office/drawing/2010/main">
+              <a14:hiddenEffects xmlns:a14="http://schemas.microsoft.com/office/drawing/2010/main" xmlns="">
                 <a:effectLst>
                   <a:outerShdw dist="35921" dir="2700000" algn="ctr" rotWithShape="0">
                     <a:schemeClr val="bg2"/>
@@ -13982,7 +14305,7 @@
     </p:spTree>
     <p:extLst>
       <p:ext uri="{BB962C8B-B14F-4D97-AF65-F5344CB8AC3E}">
-        <p14:creationId xmlns:p14="http://schemas.microsoft.com/office/powerpoint/2010/main" val="1922197765"/>
+        <p14:creationId xmlns:p14="http://schemas.microsoft.com/office/powerpoint/2010/main" xmlns="" val="1922197765"/>
       </p:ext>
     </p:extLst>
   </p:cSld>
@@ -14056,7 +14379,7 @@
           <a:blip r:embed="rId2" cstate="print">
             <a:extLst>
               <a:ext uri="{28A0092B-C50C-407E-A947-70E740481C1C}">
-                <a14:useLocalDpi xmlns:a14="http://schemas.microsoft.com/office/drawing/2010/main" val="0"/>
+                <a14:useLocalDpi xmlns:a14="http://schemas.microsoft.com/office/drawing/2010/main" xmlns="" val="0"/>
               </a:ext>
             </a:extLst>
           </a:blip>
@@ -14080,14 +14403,14 @@
           <a:effectLst/>
           <a:extLst>
             <a:ext uri="{909E8E84-426E-40DD-AFC4-6F175D3DCCD1}">
-              <a14:hiddenFill xmlns:a14="http://schemas.microsoft.com/office/drawing/2010/main">
+              <a14:hiddenFill xmlns:a14="http://schemas.microsoft.com/office/drawing/2010/main" xmlns="">
                 <a:solidFill>
                   <a:schemeClr val="accent1"/>
                 </a:solidFill>
               </a14:hiddenFill>
             </a:ext>
             <a:ext uri="{91240B29-F687-4F45-9708-019B960494DF}">
-              <a14:hiddenLine xmlns:a14="http://schemas.microsoft.com/office/drawing/2010/main" w="9525">
+              <a14:hiddenLine xmlns:a14="http://schemas.microsoft.com/office/drawing/2010/main" xmlns="" w="9525">
                 <a:solidFill>
                   <a:schemeClr val="tx1"/>
                 </a:solidFill>
@@ -14097,7 +14420,7 @@
               </a14:hiddenLine>
             </a:ext>
             <a:ext uri="{AF507438-7753-43E0-B8FC-AC1667EBCBE1}">
-              <a14:hiddenEffects xmlns:a14="http://schemas.microsoft.com/office/drawing/2010/main">
+              <a14:hiddenEffects xmlns:a14="http://schemas.microsoft.com/office/drawing/2010/main" xmlns="">
                 <a:effectLst>
                   <a:outerShdw dist="35921" dir="2700000" algn="ctr" rotWithShape="0">
                     <a:schemeClr val="bg2"/>
@@ -14111,7 +14434,7 @@
     </p:spTree>
     <p:extLst>
       <p:ext uri="{BB962C8B-B14F-4D97-AF65-F5344CB8AC3E}">
-        <p14:creationId xmlns:p14="http://schemas.microsoft.com/office/powerpoint/2010/main" val="2572490974"/>
+        <p14:creationId xmlns:p14="http://schemas.microsoft.com/office/powerpoint/2010/main" xmlns="" val="2572490974"/>
       </p:ext>
     </p:extLst>
   </p:cSld>
@@ -14298,7 +14621,7 @@
     </p:spTree>
     <p:extLst>
       <p:ext uri="{BB962C8B-B14F-4D97-AF65-F5344CB8AC3E}">
-        <p14:creationId xmlns:p14="http://schemas.microsoft.com/office/powerpoint/2010/main" val="143085231"/>
+        <p14:creationId xmlns:p14="http://schemas.microsoft.com/office/powerpoint/2010/main" xmlns="" val="143085231"/>
       </p:ext>
     </p:extLst>
   </p:cSld>
@@ -14465,7 +14788,7 @@
           <p:nvPr>
             <p:extLst>
               <p:ext uri="{D42A27DB-BD31-4B8C-83A1-F6EECF244321}">
-                <p14:modId xmlns:p14="http://schemas.microsoft.com/office/powerpoint/2010/main" val="3943238416"/>
+                <p14:modId xmlns:p14="http://schemas.microsoft.com/office/powerpoint/2010/main" xmlns="" val="3943238416"/>
               </p:ext>
             </p:extLst>
           </p:nvPr>
@@ -15975,7 +16298,7 @@
           <a:blip r:embed="rId2" cstate="print">
             <a:extLst>
               <a:ext uri="{28A0092B-C50C-407E-A947-70E740481C1C}">
-                <a14:useLocalDpi xmlns:a14="http://schemas.microsoft.com/office/drawing/2010/main" val="0"/>
+                <a14:useLocalDpi xmlns:a14="http://schemas.microsoft.com/office/drawing/2010/main" xmlns="" val="0"/>
               </a:ext>
             </a:extLst>
           </a:blip>
@@ -16165,7 +16488,7 @@
     </p:spTree>
     <p:extLst>
       <p:ext uri="{BB962C8B-B14F-4D97-AF65-F5344CB8AC3E}">
-        <p14:creationId xmlns:p14="http://schemas.microsoft.com/office/powerpoint/2010/main" val="772982720"/>
+        <p14:creationId xmlns:p14="http://schemas.microsoft.com/office/powerpoint/2010/main" xmlns="" val="772982720"/>
       </p:ext>
     </p:extLst>
   </p:cSld>
@@ -16869,7 +17192,7 @@
           <a:blip r:embed="rId2" cstate="print">
             <a:extLst>
               <a:ext uri="{28A0092B-C50C-407E-A947-70E740481C1C}">
-                <a14:useLocalDpi xmlns:a14="http://schemas.microsoft.com/office/drawing/2010/main" val="0"/>
+                <a14:useLocalDpi xmlns:a14="http://schemas.microsoft.com/office/drawing/2010/main" xmlns="" val="0"/>
               </a:ext>
             </a:extLst>
           </a:blip>
@@ -16888,7 +17211,7 @@
     </p:spTree>
     <p:extLst>
       <p:ext uri="{BB962C8B-B14F-4D97-AF65-F5344CB8AC3E}">
-        <p14:creationId xmlns:p14="http://schemas.microsoft.com/office/powerpoint/2010/main" val="1632595821"/>
+        <p14:creationId xmlns:p14="http://schemas.microsoft.com/office/powerpoint/2010/main" xmlns="" val="1632595821"/>
       </p:ext>
     </p:extLst>
   </p:cSld>
@@ -16999,7 +17322,7 @@
     </p:spTree>
     <p:extLst>
       <p:ext uri="{BB962C8B-B14F-4D97-AF65-F5344CB8AC3E}">
-        <p14:creationId xmlns:p14="http://schemas.microsoft.com/office/powerpoint/2010/main" val="3574730836"/>
+        <p14:creationId xmlns:p14="http://schemas.microsoft.com/office/powerpoint/2010/main" xmlns="" val="3574730836"/>
       </p:ext>
     </p:extLst>
   </p:cSld>
@@ -17448,7 +17771,7 @@
     </p:spTree>
     <p:extLst>
       <p:ext uri="{BB962C8B-B14F-4D97-AF65-F5344CB8AC3E}">
-        <p14:creationId xmlns:p14="http://schemas.microsoft.com/office/powerpoint/2010/main" val="4137496560"/>
+        <p14:creationId xmlns:p14="http://schemas.microsoft.com/office/powerpoint/2010/main" xmlns="" val="4137496560"/>
       </p:ext>
     </p:extLst>
   </p:cSld>

--- a/trunk/Appli/Méthodologie/Général/Copil/Copil 1/VAL.pptx
+++ b/trunk/Appli/Méthodologie/Général/Copil/Copil 1/VAL.pptx
@@ -215,7 +215,7 @@
             <a:fld id="{465F8346-AC1B-4ED9-A5A2-49BCE3C4FB8F}" type="datetimeFigureOut">
               <a:rPr lang="fr-FR" smtClean="0"/>
               <a:pPr/>
-              <a:t>04/12/2012</a:t>
+              <a:t>05/12/2012</a:t>
             </a:fld>
             <a:endParaRPr lang="fr-FR"/>
           </a:p>
@@ -384,7 +384,7 @@
     </p:spTree>
     <p:extLst>
       <p:ext uri="{BB962C8B-B14F-4D97-AF65-F5344CB8AC3E}">
-        <p14:creationId xmlns:p14="http://schemas.microsoft.com/office/powerpoint/2010/main" xmlns="" val="958719818"/>
+        <p14:creationId xmlns="" xmlns:p14="http://schemas.microsoft.com/office/powerpoint/2010/main" val="958719818"/>
       </p:ext>
     </p:extLst>
   </p:cSld>
@@ -625,7 +625,7 @@
     </p:spTree>
     <p:extLst>
       <p:ext uri="{BB962C8B-B14F-4D97-AF65-F5344CB8AC3E}">
-        <p14:creationId xmlns:p14="http://schemas.microsoft.com/office/powerpoint/2010/main" xmlns="" val="1918925604"/>
+        <p14:creationId xmlns="" xmlns:p14="http://schemas.microsoft.com/office/powerpoint/2010/main" val="1918925604"/>
       </p:ext>
     </p:extLst>
   </p:cSld>
@@ -906,7 +906,7 @@
             <a:fld id="{1D8BD707-D9CF-40AE-B4C6-C98DA3205C09}" type="datetimeFigureOut">
               <a:rPr lang="en-US" smtClean="0"/>
               <a:pPr/>
-              <a:t>12/4/2012</a:t>
+              <a:t>12/5/2012</a:t>
             </a:fld>
             <a:endParaRPr lang="en-US"/>
           </a:p>
@@ -1108,7 +1108,7 @@
             <a:fld id="{1D8BD707-D9CF-40AE-B4C6-C98DA3205C09}" type="datetimeFigureOut">
               <a:rPr lang="en-US" smtClean="0"/>
               <a:pPr/>
-              <a:t>12/4/2012</a:t>
+              <a:t>12/5/2012</a:t>
             </a:fld>
             <a:endParaRPr lang="en-US"/>
           </a:p>
@@ -1285,7 +1285,7 @@
             <a:fld id="{1D8BD707-D9CF-40AE-B4C6-C98DA3205C09}" type="datetimeFigureOut">
               <a:rPr lang="en-US" smtClean="0"/>
               <a:pPr/>
-              <a:t>12/4/2012</a:t>
+              <a:t>12/5/2012</a:t>
             </a:fld>
             <a:endParaRPr lang="en-US"/>
           </a:p>
@@ -1452,7 +1452,7 @@
             <a:fld id="{1D8BD707-D9CF-40AE-B4C6-C98DA3205C09}" type="datetimeFigureOut">
               <a:rPr lang="en-US" smtClean="0"/>
               <a:pPr/>
-              <a:t>12/4/2012</a:t>
+              <a:t>12/5/2012</a:t>
             </a:fld>
             <a:endParaRPr lang="en-US"/>
           </a:p>
@@ -1702,7 +1702,7 @@
             <a:fld id="{1D8BD707-D9CF-40AE-B4C6-C98DA3205C09}" type="datetimeFigureOut">
               <a:rPr lang="en-US" smtClean="0"/>
               <a:pPr/>
-              <a:t>12/4/2012</a:t>
+              <a:t>12/5/2012</a:t>
             </a:fld>
             <a:endParaRPr lang="en-US"/>
           </a:p>
@@ -2022,7 +2022,7 @@
             <a:fld id="{1D8BD707-D9CF-40AE-B4C6-C98DA3205C09}" type="datetimeFigureOut">
               <a:rPr lang="en-US" smtClean="0"/>
               <a:pPr/>
-              <a:t>12/4/2012</a:t>
+              <a:t>12/5/2012</a:t>
             </a:fld>
             <a:endParaRPr lang="en-US"/>
           </a:p>
@@ -2490,7 +2490,7 @@
             <a:fld id="{1D8BD707-D9CF-40AE-B4C6-C98DA3205C09}" type="datetimeFigureOut">
               <a:rPr lang="en-US" smtClean="0"/>
               <a:pPr/>
-              <a:t>12/4/2012</a:t>
+              <a:t>12/5/2012</a:t>
             </a:fld>
             <a:endParaRPr lang="en-US"/>
           </a:p>
@@ -2640,7 +2640,7 @@
             <a:fld id="{1D8BD707-D9CF-40AE-B4C6-C98DA3205C09}" type="datetimeFigureOut">
               <a:rPr lang="en-US" smtClean="0"/>
               <a:pPr/>
-              <a:t>12/4/2012</a:t>
+              <a:t>12/5/2012</a:t>
             </a:fld>
             <a:endParaRPr lang="en-US"/>
           </a:p>
@@ -2732,7 +2732,7 @@
             <a:fld id="{1D8BD707-D9CF-40AE-B4C6-C98DA3205C09}" type="datetimeFigureOut">
               <a:rPr lang="en-US" smtClean="0"/>
               <a:pPr/>
-              <a:t>12/4/2012</a:t>
+              <a:t>12/5/2012</a:t>
             </a:fld>
             <a:endParaRPr lang="en-US"/>
           </a:p>
@@ -3008,7 +3008,7 @@
             <a:fld id="{1D8BD707-D9CF-40AE-B4C6-C98DA3205C09}" type="datetimeFigureOut">
               <a:rPr lang="en-US" smtClean="0"/>
               <a:pPr/>
-              <a:t>12/4/2012</a:t>
+              <a:t>12/5/2012</a:t>
             </a:fld>
             <a:endParaRPr lang="en-US"/>
           </a:p>
@@ -3315,7 +3315,7 @@
             <a:fld id="{1D8BD707-D9CF-40AE-B4C6-C98DA3205C09}" type="datetimeFigureOut">
               <a:rPr lang="en-US" smtClean="0"/>
               <a:pPr/>
-              <a:t>12/4/2012</a:t>
+              <a:t>12/5/2012</a:t>
             </a:fld>
             <a:endParaRPr lang="en-US"/>
           </a:p>
@@ -3615,7 +3615,7 @@
             <a:fld id="{1D8BD707-D9CF-40AE-B4C6-C98DA3205C09}" type="datetimeFigureOut">
               <a:rPr lang="en-US" smtClean="0"/>
               <a:pPr/>
-              <a:t>12/4/2012</a:t>
+              <a:t>12/5/2012</a:t>
             </a:fld>
             <a:endParaRPr lang="en-US"/>
           </a:p>
@@ -4062,7 +4062,7 @@
     </p:spTree>
     <p:extLst>
       <p:ext uri="{BB962C8B-B14F-4D97-AF65-F5344CB8AC3E}">
-        <p14:creationId xmlns:p14="http://schemas.microsoft.com/office/powerpoint/2010/main" xmlns="" val="3992780646"/>
+        <p14:creationId xmlns="" xmlns:p14="http://schemas.microsoft.com/office/powerpoint/2010/main" val="3992780646"/>
       </p:ext>
     </p:extLst>
   </p:cSld>
@@ -4131,7 +4131,7 @@
           <a:blip r:embed="rId2" cstate="print">
             <a:extLst>
               <a:ext uri="{28A0092B-C50C-407E-A947-70E740481C1C}">
-                <a14:useLocalDpi xmlns:a14="http://schemas.microsoft.com/office/drawing/2010/main" xmlns="" val="0"/>
+                <a14:useLocalDpi xmlns="" xmlns:a14="http://schemas.microsoft.com/office/drawing/2010/main" val="0"/>
               </a:ext>
             </a:extLst>
           </a:blip>
@@ -4155,14 +4155,14 @@
           <a:effectLst/>
           <a:extLst>
             <a:ext uri="{909E8E84-426E-40DD-AFC4-6F175D3DCCD1}">
-              <a14:hiddenFill xmlns:a14="http://schemas.microsoft.com/office/drawing/2010/main" xmlns="">
+              <a14:hiddenFill xmlns="" xmlns:a14="http://schemas.microsoft.com/office/drawing/2010/main">
                 <a:solidFill>
                   <a:schemeClr val="accent1"/>
                 </a:solidFill>
               </a14:hiddenFill>
             </a:ext>
             <a:ext uri="{91240B29-F687-4F45-9708-019B960494DF}">
-              <a14:hiddenLine xmlns:a14="http://schemas.microsoft.com/office/drawing/2010/main" xmlns="" w="9525">
+              <a14:hiddenLine xmlns="" xmlns:a14="http://schemas.microsoft.com/office/drawing/2010/main" w="9525">
                 <a:solidFill>
                   <a:schemeClr val="tx1"/>
                 </a:solidFill>
@@ -4172,7 +4172,7 @@
               </a14:hiddenLine>
             </a:ext>
             <a:ext uri="{AF507438-7753-43E0-B8FC-AC1667EBCBE1}">
-              <a14:hiddenEffects xmlns:a14="http://schemas.microsoft.com/office/drawing/2010/main" xmlns="">
+              <a14:hiddenEffects xmlns="" xmlns:a14="http://schemas.microsoft.com/office/drawing/2010/main">
                 <a:effectLst>
                   <a:outerShdw dist="35921" dir="2700000" algn="ctr" rotWithShape="0">
                     <a:schemeClr val="bg2"/>
@@ -4186,7 +4186,7 @@
     </p:spTree>
     <p:extLst>
       <p:ext uri="{BB962C8B-B14F-4D97-AF65-F5344CB8AC3E}">
-        <p14:creationId xmlns:p14="http://schemas.microsoft.com/office/powerpoint/2010/main" xmlns="" val="340587284"/>
+        <p14:creationId xmlns="" xmlns:p14="http://schemas.microsoft.com/office/powerpoint/2010/main" val="340587284"/>
       </p:ext>
     </p:extLst>
   </p:cSld>
@@ -4255,7 +4255,7 @@
           <a:blip r:embed="rId2" cstate="print">
             <a:extLst>
               <a:ext uri="{28A0092B-C50C-407E-A947-70E740481C1C}">
-                <a14:useLocalDpi xmlns:a14="http://schemas.microsoft.com/office/drawing/2010/main" xmlns="" val="0"/>
+                <a14:useLocalDpi xmlns="" xmlns:a14="http://schemas.microsoft.com/office/drawing/2010/main" val="0"/>
               </a:ext>
             </a:extLst>
           </a:blip>
@@ -4275,7 +4275,7 @@
           <a:noFill/>
           <a:extLst>
             <a:ext uri="{909E8E84-426E-40DD-AFC4-6F175D3DCCD1}">
-              <a14:hiddenFill xmlns:a14="http://schemas.microsoft.com/office/drawing/2010/main" xmlns="">
+              <a14:hiddenFill xmlns="" xmlns:a14="http://schemas.microsoft.com/office/drawing/2010/main">
                 <a:solidFill>
                   <a:srgbClr val="FFFFFF"/>
                 </a:solidFill>
@@ -4287,7 +4287,7 @@
     </p:spTree>
     <p:extLst>
       <p:ext uri="{BB962C8B-B14F-4D97-AF65-F5344CB8AC3E}">
-        <p14:creationId xmlns:p14="http://schemas.microsoft.com/office/powerpoint/2010/main" xmlns="" val="4292440096"/>
+        <p14:creationId xmlns="" xmlns:p14="http://schemas.microsoft.com/office/powerpoint/2010/main" val="4292440096"/>
       </p:ext>
     </p:extLst>
   </p:cSld>
@@ -4360,14 +4360,14 @@
           <p:nvPr>
             <p:extLst>
               <p:ext uri="{D42A27DB-BD31-4B8C-83A1-F6EECF244321}">
-                <p14:modId xmlns:p14="http://schemas.microsoft.com/office/powerpoint/2010/main" xmlns="" val="1117665806"/>
+                <p14:modId xmlns="" xmlns:p14="http://schemas.microsoft.com/office/powerpoint/2010/main" val="1117665806"/>
               </p:ext>
             </p:extLst>
           </p:nvPr>
         </p:nvGraphicFramePr>
         <p:xfrm>
-          <a:off x="0" y="1340768"/>
-          <a:ext cx="9144000" cy="7498432"/>
+          <a:off x="0" y="1340769"/>
+          <a:ext cx="10134601" cy="5928360"/>
         </p:xfrm>
         <a:graphic>
           <a:graphicData uri="http://schemas.openxmlformats.org/drawingml/2006/table">
@@ -4376,12 +4376,12 @@
                 <a:tableStyleId>{5C22544A-7EE6-4342-B048-85BDC9FD1C3A}</a:tableStyleId>
               </a:tblPr>
               <a:tblGrid>
-                <a:gridCol w="2219479"/>
-                <a:gridCol w="2219479"/>
-                <a:gridCol w="1276042"/>
-                <a:gridCol w="3429000"/>
+                <a:gridCol w="2459923"/>
+                <a:gridCol w="2459923"/>
+                <a:gridCol w="1414280"/>
+                <a:gridCol w="3800475"/>
               </a:tblGrid>
-              <a:tr h="1000132">
+              <a:tr h="520961">
                 <a:tc>
                   <a:txBody>
                     <a:bodyPr/>
@@ -4467,7 +4467,7 @@
                   <a:tcPr/>
                 </a:tc>
               </a:tr>
-              <a:tr h="1000132">
+              <a:tr h="1915038">
                 <a:tc>
                   <a:txBody>
                     <a:bodyPr/>
@@ -4586,277 +4586,6 @@
                         </a:spcAft>
                       </a:pPr>
                       <a:endParaRPr lang="en-US" sz="1400" kern="1200" dirty="0" smtClean="0">
-                        <a:solidFill>
-                          <a:schemeClr val="dk1"/>
-                        </a:solidFill>
-                        <a:latin typeface="Times New Roman"/>
-                        <a:ea typeface="Calibri"/>
-                        <a:cs typeface="Times New Roman"/>
-                      </a:endParaRPr>
-                    </a:p>
-                    <a:p>
-                      <a:pPr marL="0" algn="just" defTabSz="914400" rtl="0" eaLnBrk="1" latinLnBrk="0" hangingPunct="1">
-                        <a:lnSpc>
-                          <a:spcPct val="100000"/>
-                        </a:lnSpc>
-                        <a:spcAft>
-                          <a:spcPts val="1000"/>
-                        </a:spcAft>
-                      </a:pPr>
-                      <a:r>
-                        <a:rPr lang="en-US" sz="1400" kern="1200" dirty="0" smtClean="0">
-                          <a:solidFill>
-                            <a:schemeClr val="dk1"/>
-                          </a:solidFill>
-                          <a:latin typeface="Times New Roman"/>
-                          <a:ea typeface="Calibri"/>
-                          <a:cs typeface="Times New Roman"/>
-                        </a:rPr>
-                        <a:t>Les </a:t>
-                      </a:r>
-                      <a:r>
-                        <a:rPr lang="en-US" sz="1400" kern="1200" dirty="0" err="1" smtClean="0">
-                          <a:solidFill>
-                            <a:schemeClr val="dk1"/>
-                          </a:solidFill>
-                          <a:latin typeface="Times New Roman"/>
-                          <a:ea typeface="Calibri"/>
-                          <a:cs typeface="Times New Roman"/>
-                        </a:rPr>
-                        <a:t>membres</a:t>
-                      </a:r>
-                      <a:r>
-                        <a:rPr lang="en-US" sz="1400" kern="1200" dirty="0" smtClean="0">
-                          <a:solidFill>
-                            <a:schemeClr val="dk1"/>
-                          </a:solidFill>
-                          <a:latin typeface="Times New Roman"/>
-                          <a:ea typeface="Calibri"/>
-                          <a:cs typeface="Times New Roman"/>
-                        </a:rPr>
-                        <a:t> du </a:t>
-                      </a:r>
-                      <a:r>
-                        <a:rPr lang="en-US" sz="1400" kern="1200" dirty="0" err="1" smtClean="0">
-                          <a:solidFill>
-                            <a:schemeClr val="dk1"/>
-                          </a:solidFill>
-                          <a:latin typeface="Times New Roman"/>
-                          <a:ea typeface="Calibri"/>
-                          <a:cs typeface="Times New Roman"/>
-                        </a:rPr>
-                        <a:t>groupe</a:t>
-                      </a:r>
-                      <a:r>
-                        <a:rPr lang="en-US" sz="1400" kern="1200" dirty="0" smtClean="0">
-                          <a:solidFill>
-                            <a:schemeClr val="dk1"/>
-                          </a:solidFill>
-                          <a:latin typeface="Times New Roman"/>
-                          <a:ea typeface="Calibri"/>
-                          <a:cs typeface="Times New Roman"/>
-                        </a:rPr>
-                        <a:t> ne </a:t>
-                      </a:r>
-                      <a:r>
-                        <a:rPr lang="en-US" sz="1400" kern="1200" dirty="0" err="1" smtClean="0">
-                          <a:solidFill>
-                            <a:schemeClr val="dk1"/>
-                          </a:solidFill>
-                          <a:latin typeface="Times New Roman"/>
-                          <a:ea typeface="Calibri"/>
-                          <a:cs typeface="Times New Roman"/>
-                        </a:rPr>
-                        <a:t>maitrisent</a:t>
-                      </a:r>
-                      <a:r>
-                        <a:rPr lang="en-US" sz="1400" kern="1200" dirty="0" smtClean="0">
-                          <a:solidFill>
-                            <a:schemeClr val="dk1"/>
-                          </a:solidFill>
-                          <a:latin typeface="Times New Roman"/>
-                          <a:ea typeface="Calibri"/>
-                          <a:cs typeface="Times New Roman"/>
-                        </a:rPr>
-                        <a:t> pas </a:t>
-                      </a:r>
-                      <a:r>
-                        <a:rPr lang="en-US" sz="1400" kern="1200" dirty="0" err="1" smtClean="0">
-                          <a:solidFill>
-                            <a:schemeClr val="dk1"/>
-                          </a:solidFill>
-                          <a:latin typeface="Times New Roman"/>
-                          <a:ea typeface="Calibri"/>
-                          <a:cs typeface="Times New Roman"/>
-                        </a:rPr>
-                        <a:t>ActiveMQ</a:t>
-                      </a:r>
-                      <a:r>
-                        <a:rPr lang="en-US" sz="1400" kern="1200" dirty="0" smtClean="0">
-                          <a:solidFill>
-                            <a:schemeClr val="dk1"/>
-                          </a:solidFill>
-                          <a:latin typeface="Times New Roman"/>
-                          <a:ea typeface="Calibri"/>
-                          <a:cs typeface="Times New Roman"/>
-                        </a:rPr>
-                        <a:t> qui </a:t>
-                      </a:r>
-                      <a:r>
-                        <a:rPr lang="en-US" sz="1400" kern="1200" dirty="0" err="1" smtClean="0">
-                          <a:solidFill>
-                            <a:schemeClr val="dk1"/>
-                          </a:solidFill>
-                          <a:latin typeface="Times New Roman"/>
-                          <a:ea typeface="Calibri"/>
-                          <a:cs typeface="Times New Roman"/>
-                        </a:rPr>
-                        <a:t>représente</a:t>
-                      </a:r>
-                      <a:r>
-                        <a:rPr lang="en-US" sz="1400" kern="1200" dirty="0" smtClean="0">
-                          <a:solidFill>
-                            <a:schemeClr val="dk1"/>
-                          </a:solidFill>
-                          <a:latin typeface="Times New Roman"/>
-                          <a:ea typeface="Calibri"/>
-                          <a:cs typeface="Times New Roman"/>
-                        </a:rPr>
-                        <a:t> </a:t>
-                      </a:r>
-                      <a:r>
-                        <a:rPr lang="en-US" sz="1400" kern="1200" dirty="0" err="1" smtClean="0">
-                          <a:solidFill>
-                            <a:schemeClr val="dk1"/>
-                          </a:solidFill>
-                          <a:latin typeface="Times New Roman"/>
-                          <a:ea typeface="Calibri"/>
-                          <a:cs typeface="Times New Roman"/>
-                        </a:rPr>
-                        <a:t>une</a:t>
-                      </a:r>
-                      <a:r>
-                        <a:rPr lang="en-US" sz="1400" kern="1200" dirty="0" smtClean="0">
-                          <a:solidFill>
-                            <a:schemeClr val="dk1"/>
-                          </a:solidFill>
-                          <a:latin typeface="Times New Roman"/>
-                          <a:ea typeface="Calibri"/>
-                          <a:cs typeface="Times New Roman"/>
-                        </a:rPr>
-                        <a:t> </a:t>
-                      </a:r>
-                      <a:r>
-                        <a:rPr lang="en-US" sz="1400" kern="1200" dirty="0" err="1" smtClean="0">
-                          <a:solidFill>
-                            <a:schemeClr val="dk1"/>
-                          </a:solidFill>
-                          <a:latin typeface="Times New Roman"/>
-                          <a:ea typeface="Calibri"/>
-                          <a:cs typeface="Times New Roman"/>
-                        </a:rPr>
-                        <a:t>technologie</a:t>
-                      </a:r>
-                      <a:r>
-                        <a:rPr lang="en-US" sz="1400" kern="1200" dirty="0" smtClean="0">
-                          <a:solidFill>
-                            <a:schemeClr val="dk1"/>
-                          </a:solidFill>
-                          <a:latin typeface="Times New Roman"/>
-                          <a:ea typeface="Calibri"/>
-                          <a:cs typeface="Times New Roman"/>
-                        </a:rPr>
-                        <a:t> </a:t>
-                      </a:r>
-                      <a:r>
-                        <a:rPr lang="en-US" sz="1400" kern="1200" dirty="0" err="1" smtClean="0">
-                          <a:solidFill>
-                            <a:schemeClr val="dk1"/>
-                          </a:solidFill>
-                          <a:latin typeface="Times New Roman"/>
-                          <a:ea typeface="Calibri"/>
-                          <a:cs typeface="Times New Roman"/>
-                        </a:rPr>
-                        <a:t>cruciale</a:t>
-                      </a:r>
-                      <a:r>
-                        <a:rPr lang="en-US" sz="1400" kern="1200" dirty="0" smtClean="0">
-                          <a:solidFill>
-                            <a:schemeClr val="dk1"/>
-                          </a:solidFill>
-                          <a:latin typeface="Times New Roman"/>
-                          <a:ea typeface="Calibri"/>
-                          <a:cs typeface="Times New Roman"/>
-                        </a:rPr>
-                        <a:t> pour faire </a:t>
-                      </a:r>
-                      <a:r>
-                        <a:rPr lang="en-US" sz="1400" kern="1200" dirty="0" err="1" smtClean="0">
-                          <a:solidFill>
-                            <a:schemeClr val="dk1"/>
-                          </a:solidFill>
-                          <a:latin typeface="Times New Roman"/>
-                          <a:ea typeface="Calibri"/>
-                          <a:cs typeface="Times New Roman"/>
-                        </a:rPr>
-                        <a:t>communiquer</a:t>
-                      </a:r>
-                      <a:r>
-                        <a:rPr lang="en-US" sz="1400" kern="1200" dirty="0" smtClean="0">
-                          <a:solidFill>
-                            <a:schemeClr val="dk1"/>
-                          </a:solidFill>
-                          <a:latin typeface="Times New Roman"/>
-                          <a:ea typeface="Calibri"/>
-                          <a:cs typeface="Times New Roman"/>
-                        </a:rPr>
-                        <a:t> le </a:t>
-                      </a:r>
-                      <a:r>
-                        <a:rPr lang="en-US" sz="1400" kern="1200" dirty="0" err="1" smtClean="0">
-                          <a:solidFill>
-                            <a:schemeClr val="dk1"/>
-                          </a:solidFill>
-                          <a:latin typeface="Times New Roman"/>
-                          <a:ea typeface="Calibri"/>
-                          <a:cs typeface="Times New Roman"/>
-                        </a:rPr>
-                        <a:t>composant</a:t>
-                      </a:r>
-                      <a:r>
-                        <a:rPr lang="en-US" sz="1400" kern="1200" dirty="0" smtClean="0">
-                          <a:solidFill>
-                            <a:schemeClr val="dk1"/>
-                          </a:solidFill>
-                          <a:latin typeface="Times New Roman"/>
-                          <a:ea typeface="Calibri"/>
-                          <a:cs typeface="Times New Roman"/>
-                        </a:rPr>
-                        <a:t> RTDG et le </a:t>
-                      </a:r>
-                      <a:r>
-                        <a:rPr lang="en-US" sz="1400" kern="1200" dirty="0" err="1" smtClean="0">
-                          <a:solidFill>
-                            <a:schemeClr val="dk1"/>
-                          </a:solidFill>
-                          <a:latin typeface="Times New Roman"/>
-                          <a:ea typeface="Calibri"/>
-                          <a:cs typeface="Times New Roman"/>
-                        </a:rPr>
-                        <a:t>composant</a:t>
-                      </a:r>
-                      <a:r>
-                        <a:rPr lang="en-US" sz="1400" kern="1200" dirty="0" smtClean="0">
-                          <a:solidFill>
-                            <a:schemeClr val="dk1"/>
-                          </a:solidFill>
-                          <a:latin typeface="Times New Roman"/>
-                          <a:ea typeface="Calibri"/>
-                          <a:cs typeface="Times New Roman"/>
-                        </a:rPr>
-                        <a:t> RTDRS</a:t>
-                      </a:r>
-                      <a:endParaRPr lang="fr-FR" sz="1400" kern="1200" dirty="0">
                         <a:solidFill>
                           <a:schemeClr val="dk1"/>
                         </a:solidFill>
@@ -5940,25 +5669,37 @@
                   <a:tcPr/>
                 </a:tc>
               </a:tr>
-              <a:tr h="2205700">
+              <a:tr h="1648598">
                 <a:tc>
                   <a:txBody>
                     <a:bodyPr/>
                     <a:lstStyle/>
                     <a:p>
-                      <a:pPr marL="0" algn="l" defTabSz="914400" rtl="0" eaLnBrk="1" latinLnBrk="0" hangingPunct="1">
+                      <a:pPr marL="0" marR="0" indent="0" algn="just" defTabSz="914400" rtl="0" eaLnBrk="1" fontAlgn="auto" latinLnBrk="0" hangingPunct="1">
                         <a:lnSpc>
                           <a:spcPct val="100000"/>
                         </a:lnSpc>
+                        <a:spcBef>
+                          <a:spcPts val="0"/>
+                        </a:spcBef>
+                        <a:spcAft>
+                          <a:spcPts val="1000"/>
+                        </a:spcAft>
+                        <a:buClrTx/>
+                        <a:buSzTx/>
+                        <a:buFontTx/>
+                        <a:buNone/>
+                        <a:tabLst/>
+                        <a:defRPr/>
                       </a:pPr>
                       <a:r>
                         <a:rPr lang="en-US" sz="1400" kern="1200" dirty="0" err="1" smtClean="0">
                           <a:solidFill>
                             <a:schemeClr val="dk1"/>
                           </a:solidFill>
-                          <a:latin typeface="+mn-lt"/>
-                          <a:ea typeface="+mn-ea"/>
-                          <a:cs typeface="+mn-cs"/>
+                          <a:latin typeface="Times New Roman"/>
+                          <a:ea typeface="Calibri"/>
+                          <a:cs typeface="Times New Roman"/>
                         </a:rPr>
                         <a:t>Difficulté</a:t>
                       </a:r>
@@ -5967,9 +5708,9 @@
                           <a:solidFill>
                             <a:schemeClr val="dk1"/>
                           </a:solidFill>
-                          <a:latin typeface="+mn-lt"/>
-                          <a:ea typeface="+mn-ea"/>
-                          <a:cs typeface="+mn-cs"/>
+                          <a:latin typeface="Times New Roman"/>
+                          <a:ea typeface="Calibri"/>
+                          <a:cs typeface="Times New Roman"/>
                         </a:rPr>
                         <a:t> de </a:t>
                       </a:r>
@@ -5978,9 +5719,9 @@
                           <a:solidFill>
                             <a:schemeClr val="dk1"/>
                           </a:solidFill>
-                          <a:latin typeface="+mn-lt"/>
-                          <a:ea typeface="+mn-ea"/>
-                          <a:cs typeface="+mn-cs"/>
+                          <a:latin typeface="Times New Roman"/>
+                          <a:ea typeface="Calibri"/>
+                          <a:cs typeface="Times New Roman"/>
                         </a:rPr>
                         <a:t>mise</a:t>
                       </a:r>
@@ -5989,9 +5730,9 @@
                           <a:solidFill>
                             <a:schemeClr val="dk1"/>
                           </a:solidFill>
-                          <a:latin typeface="+mn-lt"/>
-                          <a:ea typeface="+mn-ea"/>
-                          <a:cs typeface="+mn-cs"/>
+                          <a:latin typeface="Times New Roman"/>
+                          <a:ea typeface="Calibri"/>
+                          <a:cs typeface="Times New Roman"/>
                         </a:rPr>
                         <a:t> en place des </a:t>
                       </a:r>
@@ -6000,9 +5741,9 @@
                           <a:solidFill>
                             <a:schemeClr val="dk1"/>
                           </a:solidFill>
-                          <a:latin typeface="+mn-lt"/>
-                          <a:ea typeface="+mn-ea"/>
-                          <a:cs typeface="+mn-cs"/>
+                          <a:latin typeface="Times New Roman"/>
+                          <a:ea typeface="Calibri"/>
+                          <a:cs typeface="Times New Roman"/>
                         </a:rPr>
                         <a:t>algorithmes</a:t>
                       </a:r>
@@ -6011,9 +5752,9 @@
                           <a:solidFill>
                             <a:schemeClr val="dk1"/>
                           </a:solidFill>
-                          <a:latin typeface="+mn-lt"/>
-                          <a:ea typeface="+mn-ea"/>
-                          <a:cs typeface="+mn-cs"/>
+                          <a:latin typeface="Times New Roman"/>
+                          <a:ea typeface="Calibri"/>
+                          <a:cs typeface="Times New Roman"/>
                         </a:rPr>
                         <a:t> de </a:t>
                       </a:r>
@@ -6022,9 +5763,9 @@
                           <a:solidFill>
                             <a:schemeClr val="dk1"/>
                           </a:solidFill>
-                          <a:latin typeface="+mn-lt"/>
-                          <a:ea typeface="+mn-ea"/>
-                          <a:cs typeface="+mn-cs"/>
+                          <a:latin typeface="Times New Roman"/>
+                          <a:ea typeface="Calibri"/>
+                          <a:cs typeface="Times New Roman"/>
                         </a:rPr>
                         <a:t>réplication</a:t>
                       </a:r>
@@ -6032,9 +5773,9 @@
                         <a:solidFill>
                           <a:schemeClr val="dk1"/>
                         </a:solidFill>
-                        <a:latin typeface="+mn-lt"/>
-                        <a:ea typeface="+mn-ea"/>
-                        <a:cs typeface="+mn-cs"/>
+                        <a:latin typeface="Times New Roman"/>
+                        <a:ea typeface="Calibri"/>
+                        <a:cs typeface="Times New Roman"/>
                       </a:endParaRPr>
                     </a:p>
                   </a:txBody>
@@ -6045,19 +5786,31 @@
                     <a:bodyPr/>
                     <a:lstStyle/>
                     <a:p>
-                      <a:pPr marL="0" algn="l" defTabSz="914400" rtl="0" eaLnBrk="1" latinLnBrk="0" hangingPunct="1">
+                      <a:pPr marL="0" marR="0" indent="0" algn="just" defTabSz="914400" rtl="0" eaLnBrk="1" fontAlgn="auto" latinLnBrk="0" hangingPunct="1">
                         <a:lnSpc>
                           <a:spcPct val="100000"/>
                         </a:lnSpc>
+                        <a:spcBef>
+                          <a:spcPts val="0"/>
+                        </a:spcBef>
+                        <a:spcAft>
+                          <a:spcPts val="1000"/>
+                        </a:spcAft>
+                        <a:buClrTx/>
+                        <a:buSzTx/>
+                        <a:buFontTx/>
+                        <a:buNone/>
+                        <a:tabLst/>
+                        <a:defRPr/>
                       </a:pPr>
                       <a:r>
                         <a:rPr lang="en-US" sz="1400" kern="1200" dirty="0" err="1" smtClean="0">
                           <a:solidFill>
                             <a:schemeClr val="dk1"/>
                           </a:solidFill>
-                          <a:latin typeface="+mn-lt"/>
-                          <a:ea typeface="+mn-ea"/>
-                          <a:cs typeface="+mn-cs"/>
+                          <a:latin typeface="Times New Roman"/>
+                          <a:ea typeface="Calibri"/>
+                          <a:cs typeface="Times New Roman"/>
                         </a:rPr>
                         <a:t>Perte</a:t>
                       </a:r>
@@ -6066,9 +5819,9 @@
                           <a:solidFill>
                             <a:schemeClr val="dk1"/>
                           </a:solidFill>
-                          <a:latin typeface="+mn-lt"/>
-                          <a:ea typeface="+mn-ea"/>
-                          <a:cs typeface="+mn-cs"/>
+                          <a:latin typeface="Times New Roman"/>
+                          <a:ea typeface="Calibri"/>
+                          <a:cs typeface="Times New Roman"/>
                         </a:rPr>
                         <a:t> de </a:t>
                       </a:r>
@@ -6077,9 +5830,9 @@
                           <a:solidFill>
                             <a:schemeClr val="dk1"/>
                           </a:solidFill>
-                          <a:latin typeface="+mn-lt"/>
-                          <a:ea typeface="+mn-ea"/>
-                          <a:cs typeface="+mn-cs"/>
+                          <a:latin typeface="Times New Roman"/>
+                          <a:ea typeface="Calibri"/>
+                          <a:cs typeface="Times New Roman"/>
                         </a:rPr>
                         <a:t>données</a:t>
                       </a:r>
@@ -6088,9 +5841,9 @@
                           <a:solidFill>
                             <a:schemeClr val="dk1"/>
                           </a:solidFill>
-                          <a:latin typeface="+mn-lt"/>
-                          <a:ea typeface="+mn-ea"/>
-                          <a:cs typeface="+mn-cs"/>
+                          <a:latin typeface="Times New Roman"/>
+                          <a:ea typeface="Calibri"/>
+                          <a:cs typeface="Times New Roman"/>
                         </a:rPr>
                         <a:t> </a:t>
                       </a:r>
@@ -6099,9 +5852,9 @@
                           <a:solidFill>
                             <a:schemeClr val="dk1"/>
                           </a:solidFill>
-                          <a:latin typeface="+mn-lt"/>
-                          <a:ea typeface="+mn-ea"/>
-                          <a:cs typeface="+mn-cs"/>
+                          <a:latin typeface="Times New Roman"/>
+                          <a:ea typeface="Calibri"/>
+                          <a:cs typeface="Times New Roman"/>
                         </a:rPr>
                         <a:t>dans</a:t>
                       </a:r>
@@ -6110,9 +5863,9 @@
                           <a:solidFill>
                             <a:schemeClr val="dk1"/>
                           </a:solidFill>
-                          <a:latin typeface="+mn-lt"/>
-                          <a:ea typeface="+mn-ea"/>
-                          <a:cs typeface="+mn-cs"/>
+                          <a:latin typeface="Times New Roman"/>
+                          <a:ea typeface="Calibri"/>
+                          <a:cs typeface="Times New Roman"/>
                         </a:rPr>
                         <a:t> le </a:t>
                       </a:r>
@@ -6121,9 +5874,9 @@
                           <a:solidFill>
                             <a:schemeClr val="dk1"/>
                           </a:solidFill>
-                          <a:latin typeface="+mn-lt"/>
-                          <a:ea typeface="+mn-ea"/>
-                          <a:cs typeface="+mn-cs"/>
+                          <a:latin typeface="Times New Roman"/>
+                          <a:ea typeface="Calibri"/>
+                          <a:cs typeface="Times New Roman"/>
                         </a:rPr>
                         <a:t>cas</a:t>
                       </a:r>
@@ -6132,9 +5885,9 @@
                           <a:solidFill>
                             <a:schemeClr val="dk1"/>
                           </a:solidFill>
-                          <a:latin typeface="+mn-lt"/>
-                          <a:ea typeface="+mn-ea"/>
-                          <a:cs typeface="+mn-cs"/>
+                          <a:latin typeface="Times New Roman"/>
+                          <a:ea typeface="Calibri"/>
+                          <a:cs typeface="Times New Roman"/>
                         </a:rPr>
                         <a:t> </a:t>
                       </a:r>
@@ -6143,9 +5896,9 @@
                           <a:solidFill>
                             <a:schemeClr val="dk1"/>
                           </a:solidFill>
-                          <a:latin typeface="+mn-lt"/>
-                          <a:ea typeface="+mn-ea"/>
-                          <a:cs typeface="+mn-cs"/>
+                          <a:latin typeface="Times New Roman"/>
+                          <a:ea typeface="Calibri"/>
+                          <a:cs typeface="Times New Roman"/>
                         </a:rPr>
                         <a:t>où</a:t>
                       </a:r>
@@ -6154,9 +5907,9 @@
                           <a:solidFill>
                             <a:schemeClr val="dk1"/>
                           </a:solidFill>
-                          <a:latin typeface="+mn-lt"/>
-                          <a:ea typeface="+mn-ea"/>
-                          <a:cs typeface="+mn-cs"/>
+                          <a:latin typeface="Times New Roman"/>
+                          <a:ea typeface="Calibri"/>
+                          <a:cs typeface="Times New Roman"/>
                         </a:rPr>
                         <a:t> le </a:t>
                       </a:r>
@@ -6165,9 +5918,9 @@
                           <a:solidFill>
                             <a:schemeClr val="dk1"/>
                           </a:solidFill>
-                          <a:latin typeface="+mn-lt"/>
-                          <a:ea typeface="+mn-ea"/>
-                          <a:cs typeface="+mn-cs"/>
+                          <a:latin typeface="Times New Roman"/>
+                          <a:ea typeface="Calibri"/>
+                          <a:cs typeface="Times New Roman"/>
                         </a:rPr>
                         <a:t>composant</a:t>
                       </a:r>
@@ -6176,9 +5929,9 @@
                           <a:solidFill>
                             <a:schemeClr val="dk1"/>
                           </a:solidFill>
-                          <a:latin typeface="+mn-lt"/>
-                          <a:ea typeface="+mn-ea"/>
-                          <a:cs typeface="+mn-cs"/>
+                          <a:latin typeface="Times New Roman"/>
+                          <a:ea typeface="Calibri"/>
+                          <a:cs typeface="Times New Roman"/>
                         </a:rPr>
                         <a:t> RTDS </a:t>
                       </a:r>
@@ -6187,9 +5940,9 @@
                           <a:solidFill>
                             <a:schemeClr val="dk1"/>
                           </a:solidFill>
-                          <a:latin typeface="+mn-lt"/>
-                          <a:ea typeface="+mn-ea"/>
-                          <a:cs typeface="+mn-cs"/>
+                          <a:latin typeface="Times New Roman"/>
+                          <a:ea typeface="Calibri"/>
+                          <a:cs typeface="Times New Roman"/>
                         </a:rPr>
                         <a:t>contenant</a:t>
                       </a:r>
@@ -6198,9 +5951,9 @@
                           <a:solidFill>
                             <a:schemeClr val="dk1"/>
                           </a:solidFill>
-                          <a:latin typeface="+mn-lt"/>
-                          <a:ea typeface="+mn-ea"/>
-                          <a:cs typeface="+mn-cs"/>
+                          <a:latin typeface="Times New Roman"/>
+                          <a:ea typeface="Calibri"/>
+                          <a:cs typeface="Times New Roman"/>
                         </a:rPr>
                         <a:t> les </a:t>
                       </a:r>
@@ -6209,9 +5962,9 @@
                           <a:solidFill>
                             <a:schemeClr val="dk1"/>
                           </a:solidFill>
-                          <a:latin typeface="+mn-lt"/>
-                          <a:ea typeface="+mn-ea"/>
-                          <a:cs typeface="+mn-cs"/>
+                          <a:latin typeface="Times New Roman"/>
+                          <a:ea typeface="Calibri"/>
+                          <a:cs typeface="Times New Roman"/>
                         </a:rPr>
                         <a:t>données</a:t>
                       </a:r>
@@ -6220,9 +5973,9 @@
                           <a:solidFill>
                             <a:schemeClr val="dk1"/>
                           </a:solidFill>
-                          <a:latin typeface="+mn-lt"/>
-                          <a:ea typeface="+mn-ea"/>
-                          <a:cs typeface="+mn-cs"/>
+                          <a:latin typeface="Times New Roman"/>
+                          <a:ea typeface="Calibri"/>
+                          <a:cs typeface="Times New Roman"/>
                         </a:rPr>
                         <a:t> </a:t>
                       </a:r>
@@ -6231,9 +5984,9 @@
                           <a:solidFill>
                             <a:schemeClr val="dk1"/>
                           </a:solidFill>
-                          <a:latin typeface="+mn-lt"/>
-                          <a:ea typeface="+mn-ea"/>
-                          <a:cs typeface="+mn-cs"/>
+                          <a:latin typeface="Times New Roman"/>
+                          <a:ea typeface="Calibri"/>
+                          <a:cs typeface="Times New Roman"/>
                         </a:rPr>
                         <a:t>tombe</a:t>
                       </a:r>
@@ -6242,9 +5995,9 @@
                           <a:solidFill>
                             <a:schemeClr val="dk1"/>
                           </a:solidFill>
-                          <a:latin typeface="+mn-lt"/>
-                          <a:ea typeface="+mn-ea"/>
-                          <a:cs typeface="+mn-cs"/>
+                          <a:latin typeface="Times New Roman"/>
+                          <a:ea typeface="Calibri"/>
+                          <a:cs typeface="Times New Roman"/>
                         </a:rPr>
                         <a:t> en </a:t>
                       </a:r>
@@ -6253,9 +6006,9 @@
                           <a:solidFill>
                             <a:schemeClr val="dk1"/>
                           </a:solidFill>
-                          <a:latin typeface="+mn-lt"/>
-                          <a:ea typeface="+mn-ea"/>
-                          <a:cs typeface="+mn-cs"/>
+                          <a:latin typeface="Times New Roman"/>
+                          <a:ea typeface="Calibri"/>
+                          <a:cs typeface="Times New Roman"/>
                         </a:rPr>
                         <a:t>panne</a:t>
                       </a:r>
@@ -6263,9 +6016,9 @@
                         <a:solidFill>
                           <a:schemeClr val="dk1"/>
                         </a:solidFill>
-                        <a:latin typeface="+mn-lt"/>
-                        <a:ea typeface="+mn-ea"/>
-                        <a:cs typeface="+mn-cs"/>
+                        <a:latin typeface="Times New Roman"/>
+                        <a:ea typeface="Calibri"/>
+                        <a:cs typeface="Times New Roman"/>
                       </a:endParaRPr>
                     </a:p>
                   </a:txBody>
@@ -6295,10 +6048,22 @@
                     <a:bodyPr/>
                     <a:lstStyle/>
                     <a:p>
-                      <a:pPr>
+                      <a:pPr marL="0" marR="0" indent="0" algn="just" defTabSz="914400" rtl="0" eaLnBrk="1" fontAlgn="auto" latinLnBrk="0" hangingPunct="1">
                         <a:lnSpc>
                           <a:spcPct val="100000"/>
                         </a:lnSpc>
+                        <a:spcBef>
+                          <a:spcPts val="0"/>
+                        </a:spcBef>
+                        <a:spcAft>
+                          <a:spcPts val="1000"/>
+                        </a:spcAft>
+                        <a:buClrTx/>
+                        <a:buSzTx/>
+                        <a:buFontTx/>
+                        <a:buNone/>
+                        <a:tabLst/>
+                        <a:defRPr/>
                       </a:pPr>
                       <a:r>
                         <a:rPr lang="en-US" sz="1800" kern="1200" dirty="0" smtClean="0">
@@ -6316,9 +6081,9 @@
                           <a:solidFill>
                             <a:schemeClr val="dk1"/>
                           </a:solidFill>
-                          <a:latin typeface="+mn-lt"/>
-                          <a:ea typeface="+mn-ea"/>
-                          <a:cs typeface="+mn-cs"/>
+                          <a:latin typeface="Times New Roman"/>
+                          <a:ea typeface="Calibri"/>
+                          <a:cs typeface="Times New Roman"/>
                         </a:rPr>
                         <a:t>Documentation </a:t>
                       </a:r>
@@ -6327,9 +6092,9 @@
                           <a:solidFill>
                             <a:schemeClr val="dk1"/>
                           </a:solidFill>
-                          <a:latin typeface="+mn-lt"/>
-                          <a:ea typeface="+mn-ea"/>
-                          <a:cs typeface="+mn-cs"/>
+                          <a:latin typeface="Times New Roman"/>
+                          <a:ea typeface="Calibri"/>
+                          <a:cs typeface="Times New Roman"/>
                         </a:rPr>
                         <a:t>sur</a:t>
                       </a:r>
@@ -6338,9 +6103,9 @@
                           <a:solidFill>
                             <a:schemeClr val="dk1"/>
                           </a:solidFill>
-                          <a:latin typeface="+mn-lt"/>
-                          <a:ea typeface="+mn-ea"/>
-                          <a:cs typeface="+mn-cs"/>
+                          <a:latin typeface="Times New Roman"/>
+                          <a:ea typeface="Calibri"/>
+                          <a:cs typeface="Times New Roman"/>
                         </a:rPr>
                         <a:t> les </a:t>
                       </a:r>
@@ -6349,9 +6114,9 @@
                           <a:solidFill>
                             <a:schemeClr val="dk1"/>
                           </a:solidFill>
-                          <a:latin typeface="+mn-lt"/>
-                          <a:ea typeface="+mn-ea"/>
-                          <a:cs typeface="+mn-cs"/>
+                          <a:latin typeface="Times New Roman"/>
+                          <a:ea typeface="Calibri"/>
+                          <a:cs typeface="Times New Roman"/>
                         </a:rPr>
                         <a:t>algorithmes</a:t>
                       </a:r>
@@ -6360,9 +6125,9 @@
                           <a:solidFill>
                             <a:schemeClr val="dk1"/>
                           </a:solidFill>
-                          <a:latin typeface="+mn-lt"/>
-                          <a:ea typeface="+mn-ea"/>
-                          <a:cs typeface="+mn-cs"/>
+                          <a:latin typeface="Times New Roman"/>
+                          <a:ea typeface="Calibri"/>
+                          <a:cs typeface="Times New Roman"/>
                         </a:rPr>
                         <a:t> de </a:t>
                       </a:r>
@@ -6371,9 +6136,9 @@
                           <a:solidFill>
                             <a:schemeClr val="dk1"/>
                           </a:solidFill>
-                          <a:latin typeface="+mn-lt"/>
-                          <a:ea typeface="+mn-ea"/>
-                          <a:cs typeface="+mn-cs"/>
+                          <a:latin typeface="Times New Roman"/>
+                          <a:ea typeface="Calibri"/>
+                          <a:cs typeface="Times New Roman"/>
                         </a:rPr>
                         <a:t>réplication</a:t>
                       </a:r>
@@ -6381,19 +6146,332 @@
                         <a:solidFill>
                           <a:schemeClr val="dk1"/>
                         </a:solidFill>
-                        <a:latin typeface="+mn-lt"/>
-                        <a:ea typeface="+mn-ea"/>
-                        <a:cs typeface="+mn-cs"/>
+                        <a:latin typeface="Times New Roman"/>
+                        <a:ea typeface="Calibri"/>
+                        <a:cs typeface="Times New Roman"/>
                       </a:endParaRPr>
                     </a:p>
                     <a:p>
-                      <a:pPr>
+                      <a:pPr marL="0" marR="0" indent="0" algn="just" defTabSz="914400" rtl="0" eaLnBrk="1" fontAlgn="auto" latinLnBrk="0" hangingPunct="1">
                         <a:lnSpc>
                           <a:spcPct val="100000"/>
                         </a:lnSpc>
+                        <a:spcBef>
+                          <a:spcPts val="0"/>
+                        </a:spcBef>
+                        <a:spcAft>
+                          <a:spcPts val="1000"/>
+                        </a:spcAft>
+                        <a:buClrTx/>
+                        <a:buSzTx/>
+                        <a:buFontTx/>
+                        <a:buNone/>
+                        <a:tabLst/>
+                        <a:defRPr/>
                       </a:pPr>
                       <a:r>
                         <a:rPr lang="en-US" sz="1400" kern="1200" dirty="0" smtClean="0">
+                          <a:solidFill>
+                            <a:schemeClr val="dk1"/>
+                          </a:solidFill>
+                          <a:latin typeface="Times New Roman"/>
+                          <a:ea typeface="Calibri"/>
+                          <a:cs typeface="Times New Roman"/>
+                        </a:rPr>
+                        <a:t>-Documentation </a:t>
+                      </a:r>
+                      <a:r>
+                        <a:rPr lang="en-US" sz="1400" kern="1200" dirty="0" err="1" smtClean="0">
+                          <a:solidFill>
+                            <a:schemeClr val="dk1"/>
+                          </a:solidFill>
+                          <a:latin typeface="Times New Roman"/>
+                          <a:ea typeface="Calibri"/>
+                          <a:cs typeface="Times New Roman"/>
+                        </a:rPr>
+                        <a:t>sur</a:t>
+                      </a:r>
+                      <a:r>
+                        <a:rPr lang="en-US" sz="1400" kern="1200" dirty="0" smtClean="0">
+                          <a:solidFill>
+                            <a:schemeClr val="dk1"/>
+                          </a:solidFill>
+                          <a:latin typeface="Times New Roman"/>
+                          <a:ea typeface="Calibri"/>
+                          <a:cs typeface="Times New Roman"/>
+                        </a:rPr>
+                        <a:t> les types de </a:t>
+                      </a:r>
+                      <a:r>
+                        <a:rPr lang="en-US" sz="1400" kern="1200" dirty="0" err="1" smtClean="0">
+                          <a:solidFill>
+                            <a:schemeClr val="dk1"/>
+                          </a:solidFill>
+                          <a:latin typeface="Times New Roman"/>
+                          <a:ea typeface="Calibri"/>
+                          <a:cs typeface="Times New Roman"/>
+                        </a:rPr>
+                        <a:t>réplication</a:t>
+                      </a:r>
+                      <a:r>
+                        <a:rPr lang="en-US" sz="1400" kern="1200" dirty="0" smtClean="0">
+                          <a:solidFill>
+                            <a:schemeClr val="dk1"/>
+                          </a:solidFill>
+                          <a:latin typeface="Times New Roman"/>
+                          <a:ea typeface="Calibri"/>
+                          <a:cs typeface="Times New Roman"/>
+                        </a:rPr>
+                        <a:t> </a:t>
+                      </a:r>
+                      <a:r>
+                        <a:rPr lang="en-US" sz="1400" kern="1200" dirty="0" err="1" smtClean="0">
+                          <a:solidFill>
+                            <a:schemeClr val="dk1"/>
+                          </a:solidFill>
+                          <a:latin typeface="Times New Roman"/>
+                          <a:ea typeface="Calibri"/>
+                          <a:cs typeface="Times New Roman"/>
+                        </a:rPr>
+                        <a:t>possibles</a:t>
+                      </a:r>
+                      <a:r>
+                        <a:rPr lang="en-US" sz="1400" kern="1200" dirty="0" smtClean="0">
+                          <a:solidFill>
+                            <a:schemeClr val="dk1"/>
+                          </a:solidFill>
+                          <a:latin typeface="Times New Roman"/>
+                          <a:ea typeface="Calibri"/>
+                          <a:cs typeface="Times New Roman"/>
+                        </a:rPr>
+                        <a:t> (</a:t>
+                      </a:r>
+                      <a:r>
+                        <a:rPr lang="en-US" sz="1400" kern="1200" dirty="0" err="1" smtClean="0">
+                          <a:solidFill>
+                            <a:schemeClr val="dk1"/>
+                          </a:solidFill>
+                          <a:latin typeface="Times New Roman"/>
+                          <a:ea typeface="Calibri"/>
+                          <a:cs typeface="Times New Roman"/>
+                        </a:rPr>
+                        <a:t>réplication</a:t>
+                      </a:r>
+                      <a:r>
+                        <a:rPr lang="en-US" sz="1400" kern="1200" dirty="0" smtClean="0">
+                          <a:solidFill>
+                            <a:schemeClr val="dk1"/>
+                          </a:solidFill>
+                          <a:latin typeface="Times New Roman"/>
+                          <a:ea typeface="Calibri"/>
+                          <a:cs typeface="Times New Roman"/>
+                        </a:rPr>
+                        <a:t> de capture </a:t>
+                      </a:r>
+                      <a:r>
+                        <a:rPr lang="en-US" sz="1400" kern="1200" dirty="0" err="1" smtClean="0">
+                          <a:solidFill>
+                            <a:schemeClr val="dk1"/>
+                          </a:solidFill>
+                          <a:latin typeface="Times New Roman"/>
+                          <a:ea typeface="Calibri"/>
+                          <a:cs typeface="Times New Roman"/>
+                        </a:rPr>
+                        <a:t>instantanée</a:t>
+                      </a:r>
+                      <a:r>
+                        <a:rPr lang="en-US" sz="1400" kern="1200" dirty="0" smtClean="0">
+                          <a:solidFill>
+                            <a:schemeClr val="dk1"/>
+                          </a:solidFill>
+                          <a:latin typeface="Times New Roman"/>
+                          <a:ea typeface="Calibri"/>
+                          <a:cs typeface="Times New Roman"/>
+                        </a:rPr>
+                        <a:t>, </a:t>
+                      </a:r>
+                      <a:r>
+                        <a:rPr lang="en-US" sz="1400" kern="1200" dirty="0" err="1" smtClean="0">
+                          <a:solidFill>
+                            <a:schemeClr val="dk1"/>
+                          </a:solidFill>
+                          <a:latin typeface="Times New Roman"/>
+                          <a:ea typeface="Calibri"/>
+                          <a:cs typeface="Times New Roman"/>
+                        </a:rPr>
+                        <a:t>réplication</a:t>
+                      </a:r>
+                      <a:r>
+                        <a:rPr lang="en-US" sz="1400" kern="1200" dirty="0" smtClean="0">
+                          <a:solidFill>
+                            <a:schemeClr val="dk1"/>
+                          </a:solidFill>
+                          <a:latin typeface="Times New Roman"/>
+                          <a:ea typeface="Calibri"/>
+                          <a:cs typeface="Times New Roman"/>
+                        </a:rPr>
+                        <a:t> </a:t>
+                      </a:r>
+                      <a:r>
+                        <a:rPr lang="en-US" sz="1400" kern="1200" dirty="0" err="1" smtClean="0">
+                          <a:solidFill>
+                            <a:schemeClr val="dk1"/>
+                          </a:solidFill>
+                          <a:latin typeface="Times New Roman"/>
+                          <a:ea typeface="Calibri"/>
+                          <a:cs typeface="Times New Roman"/>
+                        </a:rPr>
+                        <a:t>transactionnelle</a:t>
+                      </a:r>
+                      <a:r>
+                        <a:rPr lang="en-US" sz="1400" kern="1200" dirty="0" smtClean="0">
+                          <a:solidFill>
+                            <a:schemeClr val="dk1"/>
+                          </a:solidFill>
+                          <a:latin typeface="Times New Roman"/>
+                          <a:ea typeface="Calibri"/>
+                          <a:cs typeface="Times New Roman"/>
+                        </a:rPr>
+                        <a:t>, </a:t>
+                      </a:r>
+                      <a:r>
+                        <a:rPr lang="en-US" sz="1400" kern="1200" dirty="0" err="1" smtClean="0">
+                          <a:solidFill>
+                            <a:schemeClr val="dk1"/>
+                          </a:solidFill>
+                          <a:latin typeface="Times New Roman"/>
+                          <a:ea typeface="Calibri"/>
+                          <a:cs typeface="Times New Roman"/>
+                        </a:rPr>
+                        <a:t>réplication</a:t>
+                      </a:r>
+                      <a:r>
+                        <a:rPr lang="en-US" sz="1400" kern="1200" dirty="0" smtClean="0">
+                          <a:solidFill>
+                            <a:schemeClr val="dk1"/>
+                          </a:solidFill>
+                          <a:latin typeface="Times New Roman"/>
+                          <a:ea typeface="Calibri"/>
+                          <a:cs typeface="Times New Roman"/>
+                        </a:rPr>
+                        <a:t> de fusion).</a:t>
+                      </a:r>
+                    </a:p>
+                    <a:p>
+                      <a:pPr marL="0" marR="0" indent="0" algn="just" defTabSz="914400" rtl="0" eaLnBrk="1" fontAlgn="auto" latinLnBrk="0" hangingPunct="1">
+                        <a:lnSpc>
+                          <a:spcPct val="100000"/>
+                        </a:lnSpc>
+                        <a:spcBef>
+                          <a:spcPts val="0"/>
+                        </a:spcBef>
+                        <a:spcAft>
+                          <a:spcPts val="1000"/>
+                        </a:spcAft>
+                        <a:buClrTx/>
+                        <a:buSzTx/>
+                        <a:buFontTx/>
+                        <a:buNone/>
+                        <a:tabLst/>
+                        <a:defRPr/>
+                      </a:pPr>
+                      <a:r>
+                        <a:rPr lang="en-US" sz="1400" kern="1200" dirty="0" err="1" smtClean="0">
+                          <a:solidFill>
+                            <a:schemeClr val="tx1"/>
+                          </a:solidFill>
+                          <a:latin typeface="Times New Roman"/>
+                          <a:ea typeface="Calibri"/>
+                          <a:cs typeface="Times New Roman"/>
+                          <a:hlinkClick r:id="rId3"/>
+                        </a:rPr>
+                        <a:t>Siteweb</a:t>
+                      </a:r>
+                      <a:r>
+                        <a:rPr lang="en-US" sz="1400" kern="1200" dirty="0" smtClean="0">
+                          <a:solidFill>
+                            <a:schemeClr val="tx1"/>
+                          </a:solidFill>
+                          <a:latin typeface="Times New Roman"/>
+                          <a:ea typeface="Calibri"/>
+                          <a:cs typeface="Times New Roman"/>
+                          <a:hlinkClick r:id="rId3"/>
+                        </a:rPr>
+                        <a:t>:</a:t>
+                      </a:r>
+                    </a:p>
+                    <a:p>
+                      <a:pPr marL="0" marR="0" indent="0" algn="just" defTabSz="914400" rtl="0" eaLnBrk="1" fontAlgn="auto" latinLnBrk="0" hangingPunct="1">
+                        <a:lnSpc>
+                          <a:spcPct val="100000"/>
+                        </a:lnSpc>
+                        <a:spcBef>
+                          <a:spcPts val="0"/>
+                        </a:spcBef>
+                        <a:spcAft>
+                          <a:spcPts val="1000"/>
+                        </a:spcAft>
+                        <a:buClrTx/>
+                        <a:buSzTx/>
+                        <a:buFontTx/>
+                        <a:buNone/>
+                        <a:tabLst/>
+                        <a:defRPr/>
+                      </a:pPr>
+                      <a:r>
+                        <a:rPr lang="en-US" sz="1200" kern="1200" dirty="0" smtClean="0">
+                          <a:solidFill>
+                            <a:schemeClr val="dk1"/>
+                          </a:solidFill>
+                          <a:latin typeface="Times New Roman"/>
+                          <a:ea typeface="Calibri"/>
+                          <a:cs typeface="Times New Roman"/>
+                          <a:hlinkClick r:id="rId3"/>
+                        </a:rPr>
+                        <a:t>http</a:t>
+                      </a:r>
+                      <a:r>
+                        <a:rPr lang="en-US" sz="1200" kern="1200" dirty="0" smtClean="0">
+                          <a:solidFill>
+                            <a:schemeClr val="dk1"/>
+                          </a:solidFill>
+                          <a:latin typeface="Times New Roman"/>
+                          <a:ea typeface="Calibri"/>
+                          <a:cs typeface="Times New Roman"/>
+                          <a:hlinkClick r:id="rId3"/>
+                        </a:rPr>
+                        <a:t>://msdn.microsoft.com/frfr/library/ms152565%28v=sql.105%29.aspx</a:t>
+                      </a:r>
+                      <a:endParaRPr lang="fr-FR" sz="1200" kern="1200" dirty="0" smtClean="0">
+                        <a:solidFill>
+                          <a:schemeClr val="dk1"/>
+                        </a:solidFill>
+                        <a:latin typeface="Times New Roman"/>
+                        <a:ea typeface="Calibri"/>
+                        <a:cs typeface="Times New Roman"/>
+                        <a:hlinkClick r:id="rId3"/>
+                      </a:endParaRPr>
+                    </a:p>
+                    <a:p>
+                      <a:pPr marL="0" marR="0" indent="0" algn="just" defTabSz="914400" rtl="0" eaLnBrk="1" fontAlgn="auto" latinLnBrk="0" hangingPunct="1">
+                        <a:lnSpc>
+                          <a:spcPct val="100000"/>
+                        </a:lnSpc>
+                        <a:spcBef>
+                          <a:spcPts val="0"/>
+                        </a:spcBef>
+                        <a:spcAft>
+                          <a:spcPts val="1000"/>
+                        </a:spcAft>
+                        <a:buClrTx/>
+                        <a:buSzTx/>
+                        <a:buFontTx/>
+                        <a:buNone/>
+                        <a:tabLst/>
+                        <a:defRPr/>
+                      </a:pPr>
+                      <a:r>
+                        <a:rPr lang="en-US" sz="1800" kern="1200" dirty="0" smtClean="0">
                           <a:solidFill>
                             <a:schemeClr val="dk1"/>
                           </a:solidFill>
@@ -6401,313 +6479,27 @@
                           <a:ea typeface="+mn-ea"/>
                           <a:cs typeface="+mn-cs"/>
                         </a:rPr>
-                        <a:t>-Documentation </a:t>
+                        <a:t>-</a:t>
                       </a:r>
                       <a:r>
                         <a:rPr lang="en-US" sz="1400" kern="1200" dirty="0" err="1" smtClean="0">
                           <a:solidFill>
                             <a:schemeClr val="dk1"/>
                           </a:solidFill>
-                          <a:latin typeface="+mn-lt"/>
-                          <a:ea typeface="+mn-ea"/>
-                          <a:cs typeface="+mn-cs"/>
-                        </a:rPr>
-                        <a:t>sur</a:t>
+                          <a:latin typeface="Times New Roman"/>
+                          <a:ea typeface="Calibri"/>
+                          <a:cs typeface="Times New Roman"/>
+                        </a:rPr>
+                        <a:t>Définition</a:t>
                       </a:r>
                       <a:r>
                         <a:rPr lang="en-US" sz="1400" kern="1200" dirty="0" smtClean="0">
                           <a:solidFill>
                             <a:schemeClr val="dk1"/>
                           </a:solidFill>
-                          <a:latin typeface="+mn-lt"/>
-                          <a:ea typeface="+mn-ea"/>
-                          <a:cs typeface="+mn-cs"/>
-                        </a:rPr>
-                        <a:t> les types de </a:t>
-                      </a:r>
-                      <a:r>
-                        <a:rPr lang="en-US" sz="1400" kern="1200" dirty="0" err="1" smtClean="0">
-                          <a:solidFill>
-                            <a:schemeClr val="dk1"/>
-                          </a:solidFill>
-                          <a:latin typeface="+mn-lt"/>
-                          <a:ea typeface="+mn-ea"/>
-                          <a:cs typeface="+mn-cs"/>
-                        </a:rPr>
-                        <a:t>réplication</a:t>
-                      </a:r>
-                      <a:r>
-                        <a:rPr lang="en-US" sz="1400" kern="1200" dirty="0" smtClean="0">
-                          <a:solidFill>
-                            <a:schemeClr val="dk1"/>
-                          </a:solidFill>
-                          <a:latin typeface="+mn-lt"/>
-                          <a:ea typeface="+mn-ea"/>
-                          <a:cs typeface="+mn-cs"/>
-                        </a:rPr>
-                        <a:t> </a:t>
-                      </a:r>
-                      <a:r>
-                        <a:rPr lang="en-US" sz="1400" kern="1200" dirty="0" err="1" smtClean="0">
-                          <a:solidFill>
-                            <a:schemeClr val="dk1"/>
-                          </a:solidFill>
-                          <a:latin typeface="+mn-lt"/>
-                          <a:ea typeface="+mn-ea"/>
-                          <a:cs typeface="+mn-cs"/>
-                        </a:rPr>
-                        <a:t>possibles</a:t>
-                      </a:r>
-                      <a:r>
-                        <a:rPr lang="en-US" sz="1400" kern="1200" dirty="0" smtClean="0">
-                          <a:solidFill>
-                            <a:schemeClr val="dk1"/>
-                          </a:solidFill>
-                          <a:latin typeface="+mn-lt"/>
-                          <a:ea typeface="+mn-ea"/>
-                          <a:cs typeface="+mn-cs"/>
-                        </a:rPr>
-                        <a:t> (</a:t>
-                      </a:r>
-                      <a:r>
-                        <a:rPr lang="en-US" sz="1400" kern="1200" dirty="0" err="1" smtClean="0">
-                          <a:solidFill>
-                            <a:schemeClr val="dk1"/>
-                          </a:solidFill>
-                          <a:latin typeface="+mn-lt"/>
-                          <a:ea typeface="+mn-ea"/>
-                          <a:cs typeface="+mn-cs"/>
-                        </a:rPr>
-                        <a:t>réplication</a:t>
-                      </a:r>
-                      <a:r>
-                        <a:rPr lang="en-US" sz="1400" kern="1200" dirty="0" smtClean="0">
-                          <a:solidFill>
-                            <a:schemeClr val="dk1"/>
-                          </a:solidFill>
-                          <a:latin typeface="+mn-lt"/>
-                          <a:ea typeface="+mn-ea"/>
-                          <a:cs typeface="+mn-cs"/>
-                        </a:rPr>
-                        <a:t> de capture </a:t>
-                      </a:r>
-                      <a:r>
-                        <a:rPr lang="en-US" sz="1400" kern="1200" dirty="0" err="1" smtClean="0">
-                          <a:solidFill>
-                            <a:schemeClr val="dk1"/>
-                          </a:solidFill>
-                          <a:latin typeface="+mn-lt"/>
-                          <a:ea typeface="+mn-ea"/>
-                          <a:cs typeface="+mn-cs"/>
-                        </a:rPr>
-                        <a:t>instantanée</a:t>
-                      </a:r>
-                      <a:r>
-                        <a:rPr lang="en-US" sz="1400" kern="1200" dirty="0" smtClean="0">
-                          <a:solidFill>
-                            <a:schemeClr val="dk1"/>
-                          </a:solidFill>
-                          <a:latin typeface="+mn-lt"/>
-                          <a:ea typeface="+mn-ea"/>
-                          <a:cs typeface="+mn-cs"/>
-                        </a:rPr>
-                        <a:t>, </a:t>
-                      </a:r>
-                      <a:r>
-                        <a:rPr lang="en-US" sz="1400" kern="1200" dirty="0" err="1" smtClean="0">
-                          <a:solidFill>
-                            <a:schemeClr val="dk1"/>
-                          </a:solidFill>
-                          <a:latin typeface="+mn-lt"/>
-                          <a:ea typeface="+mn-ea"/>
-                          <a:cs typeface="+mn-cs"/>
-                        </a:rPr>
-                        <a:t>réplication</a:t>
-                      </a:r>
-                      <a:r>
-                        <a:rPr lang="en-US" sz="1400" kern="1200" dirty="0" smtClean="0">
-                          <a:solidFill>
-                            <a:schemeClr val="dk1"/>
-                          </a:solidFill>
-                          <a:latin typeface="+mn-lt"/>
-                          <a:ea typeface="+mn-ea"/>
-                          <a:cs typeface="+mn-cs"/>
-                        </a:rPr>
-                        <a:t> </a:t>
-                      </a:r>
-                      <a:r>
-                        <a:rPr lang="en-US" sz="1400" kern="1200" dirty="0" err="1" smtClean="0">
-                          <a:solidFill>
-                            <a:schemeClr val="dk1"/>
-                          </a:solidFill>
-                          <a:latin typeface="+mn-lt"/>
-                          <a:ea typeface="+mn-ea"/>
-                          <a:cs typeface="+mn-cs"/>
-                        </a:rPr>
-                        <a:t>transactionnelle</a:t>
-                      </a:r>
-                      <a:r>
-                        <a:rPr lang="en-US" sz="1400" kern="1200" dirty="0" smtClean="0">
-                          <a:solidFill>
-                            <a:schemeClr val="dk1"/>
-                          </a:solidFill>
-                          <a:latin typeface="+mn-lt"/>
-                          <a:ea typeface="+mn-ea"/>
-                          <a:cs typeface="+mn-cs"/>
-                        </a:rPr>
-                        <a:t>, </a:t>
-                      </a:r>
-                      <a:r>
-                        <a:rPr lang="en-US" sz="1400" kern="1200" dirty="0" err="1" smtClean="0">
-                          <a:solidFill>
-                            <a:schemeClr val="dk1"/>
-                          </a:solidFill>
-                          <a:latin typeface="+mn-lt"/>
-                          <a:ea typeface="+mn-ea"/>
-                          <a:cs typeface="+mn-cs"/>
-                        </a:rPr>
-                        <a:t>réplication</a:t>
-                      </a:r>
-                      <a:r>
-                        <a:rPr lang="en-US" sz="1400" kern="1200" dirty="0" smtClean="0">
-                          <a:solidFill>
-                            <a:schemeClr val="dk1"/>
-                          </a:solidFill>
-                          <a:latin typeface="+mn-lt"/>
-                          <a:ea typeface="+mn-ea"/>
-                          <a:cs typeface="+mn-cs"/>
-                        </a:rPr>
-                        <a:t> de fusion).</a:t>
-                      </a:r>
-                    </a:p>
-                    <a:p>
-                      <a:pPr marL="0" algn="l" defTabSz="914400" rtl="0" eaLnBrk="1" latinLnBrk="0" hangingPunct="1">
-                        <a:lnSpc>
-                          <a:spcPct val="100000"/>
-                        </a:lnSpc>
-                      </a:pPr>
-                      <a:r>
-                        <a:rPr lang="en-US" sz="1400" kern="1200" dirty="0" err="1" smtClean="0">
-                          <a:solidFill>
-                            <a:schemeClr val="dk1"/>
-                          </a:solidFill>
-                          <a:latin typeface="+mn-lt"/>
-                          <a:ea typeface="+mn-ea"/>
-                          <a:cs typeface="+mn-cs"/>
-                        </a:rPr>
-                        <a:t>Siteweb:</a:t>
-                      </a:r>
-                      <a:r>
-                        <a:rPr lang="en-US" sz="1400" kern="1200" dirty="0" err="1" smtClean="0">
-                          <a:solidFill>
-                            <a:srgbClr val="FF0000"/>
-                          </a:solidFill>
-                          <a:latin typeface="+mn-lt"/>
-                          <a:ea typeface="+mn-ea"/>
-                          <a:cs typeface="+mn-cs"/>
-                        </a:rPr>
-                        <a:t>http</a:t>
-                      </a:r>
-                      <a:r>
-                        <a:rPr lang="en-US" sz="1400" kern="1200" dirty="0" smtClean="0">
-                          <a:solidFill>
-                            <a:srgbClr val="FF0000"/>
-                          </a:solidFill>
-                          <a:latin typeface="+mn-lt"/>
-                          <a:ea typeface="+mn-ea"/>
-                          <a:cs typeface="+mn-cs"/>
-                        </a:rPr>
-                        <a:t>://</a:t>
-                      </a:r>
-                      <a:r>
-                        <a:rPr lang="en-US" sz="1400" kern="1200" dirty="0" err="1" smtClean="0">
-                          <a:solidFill>
-                            <a:srgbClr val="FF0000"/>
-                          </a:solidFill>
-                          <a:latin typeface="+mn-lt"/>
-                          <a:ea typeface="+mn-ea"/>
-                          <a:cs typeface="+mn-cs"/>
-                        </a:rPr>
-                        <a:t>msdn.microsoft.com</a:t>
-                      </a:r>
-                      <a:r>
-                        <a:rPr lang="en-US" sz="1400" kern="1200" dirty="0" smtClean="0">
-                          <a:solidFill>
-                            <a:srgbClr val="FF0000"/>
-                          </a:solidFill>
-                          <a:latin typeface="+mn-lt"/>
-                          <a:ea typeface="+mn-ea"/>
-                          <a:cs typeface="+mn-cs"/>
-                        </a:rPr>
-                        <a:t>/</a:t>
-                      </a:r>
-                      <a:r>
-                        <a:rPr lang="en-US" sz="1400" kern="1200" dirty="0" err="1" smtClean="0">
-                          <a:solidFill>
-                            <a:srgbClr val="FF0000"/>
-                          </a:solidFill>
-                          <a:latin typeface="+mn-lt"/>
-                          <a:ea typeface="+mn-ea"/>
-                          <a:cs typeface="+mn-cs"/>
-                        </a:rPr>
-                        <a:t>frfr</a:t>
-                      </a:r>
-                      <a:r>
-                        <a:rPr lang="en-US" sz="1400" kern="1200" dirty="0" smtClean="0">
-                          <a:solidFill>
-                            <a:srgbClr val="FF0000"/>
-                          </a:solidFill>
-                          <a:latin typeface="+mn-lt"/>
-                          <a:ea typeface="+mn-ea"/>
-                          <a:cs typeface="+mn-cs"/>
-                        </a:rPr>
-                        <a:t>/library/ms152565%28v=sql.105%29.aspx</a:t>
-                      </a:r>
-                      <a:endParaRPr lang="fr-FR" sz="1400" kern="1200" dirty="0" smtClean="0">
-                        <a:solidFill>
-                          <a:srgbClr val="FF0000"/>
-                        </a:solidFill>
-                        <a:latin typeface="+mn-lt"/>
-                        <a:ea typeface="+mn-ea"/>
-                        <a:cs typeface="+mn-cs"/>
-                      </a:endParaRPr>
-                    </a:p>
-                    <a:p>
-                      <a:pPr marL="0" algn="l" defTabSz="914400" rtl="0" eaLnBrk="1" latinLnBrk="0" hangingPunct="1">
-                        <a:lnSpc>
-                          <a:spcPct val="100000"/>
-                        </a:lnSpc>
-                      </a:pPr>
-                      <a:r>
-                        <a:rPr lang="en-US" sz="1400" kern="1200" dirty="0" smtClean="0">
-                          <a:solidFill>
-                            <a:schemeClr val="dk1"/>
-                          </a:solidFill>
-                          <a:latin typeface="+mn-lt"/>
-                          <a:ea typeface="+mn-ea"/>
-                          <a:cs typeface="+mn-cs"/>
-                        </a:rPr>
-                        <a:t>-</a:t>
-                      </a:r>
-                      <a:r>
-                        <a:rPr lang="en-US" sz="1400" kern="1200" dirty="0" err="1" smtClean="0">
-                          <a:solidFill>
-                            <a:schemeClr val="dk1"/>
-                          </a:solidFill>
-                          <a:latin typeface="+mn-lt"/>
-                          <a:ea typeface="+mn-ea"/>
-                          <a:cs typeface="+mn-cs"/>
-                        </a:rPr>
-                        <a:t>Définition</a:t>
-                      </a:r>
-                      <a:r>
-                        <a:rPr lang="en-US" sz="1400" kern="1200" dirty="0" smtClean="0">
-                          <a:solidFill>
-                            <a:schemeClr val="dk1"/>
-                          </a:solidFill>
-                          <a:latin typeface="+mn-lt"/>
-                          <a:ea typeface="+mn-ea"/>
-                          <a:cs typeface="+mn-cs"/>
+                          <a:latin typeface="Times New Roman"/>
+                          <a:ea typeface="Calibri"/>
+                          <a:cs typeface="Times New Roman"/>
                         </a:rPr>
                         <a:t> de prototypes</a:t>
                       </a:r>
@@ -6715,613 +6507,9 @@
                         <a:solidFill>
                           <a:schemeClr val="dk1"/>
                         </a:solidFill>
-                        <a:latin typeface="+mn-lt"/>
-                        <a:ea typeface="+mn-ea"/>
-                        <a:cs typeface="+mn-cs"/>
-                      </a:endParaRPr>
-                    </a:p>
-                  </a:txBody>
-                  <a:tcPr/>
-                </a:tc>
-              </a:tr>
-              <a:tr h="1000132">
-                <a:tc>
-                  <a:txBody>
-                    <a:bodyPr/>
-                    <a:lstStyle/>
-                    <a:p>
-                      <a:pPr marL="0" algn="l" defTabSz="914400" rtl="0" eaLnBrk="1" latinLnBrk="0" hangingPunct="1">
-                        <a:lnSpc>
-                          <a:spcPct val="100000"/>
-                        </a:lnSpc>
-                      </a:pPr>
-                      <a:r>
-                        <a:rPr lang="en-US" sz="1400" kern="1200" dirty="0" err="1" smtClean="0">
-                          <a:solidFill>
-                            <a:schemeClr val="dk1"/>
-                          </a:solidFill>
-                          <a:latin typeface="+mn-lt"/>
-                          <a:ea typeface="+mn-ea"/>
-                          <a:cs typeface="+mn-cs"/>
-                        </a:rPr>
-                        <a:t>Complexité</a:t>
-                      </a:r>
-                      <a:r>
-                        <a:rPr lang="en-US" sz="1400" kern="1200" dirty="0" smtClean="0">
-                          <a:solidFill>
-                            <a:schemeClr val="dk1"/>
-                          </a:solidFill>
-                          <a:latin typeface="+mn-lt"/>
-                          <a:ea typeface="+mn-ea"/>
-                          <a:cs typeface="+mn-cs"/>
-                        </a:rPr>
-                        <a:t> de la configuration et de la </a:t>
-                      </a:r>
-                      <a:r>
-                        <a:rPr lang="en-US" sz="1400" kern="1200" dirty="0" err="1" smtClean="0">
-                          <a:solidFill>
-                            <a:schemeClr val="dk1"/>
-                          </a:solidFill>
-                          <a:latin typeface="+mn-lt"/>
-                          <a:ea typeface="+mn-ea"/>
-                          <a:cs typeface="+mn-cs"/>
-                        </a:rPr>
-                        <a:t>mise</a:t>
-                      </a:r>
-                      <a:r>
-                        <a:rPr lang="en-US" sz="1400" kern="1200" dirty="0" smtClean="0">
-                          <a:solidFill>
-                            <a:schemeClr val="dk1"/>
-                          </a:solidFill>
-                          <a:latin typeface="+mn-lt"/>
-                          <a:ea typeface="+mn-ea"/>
-                          <a:cs typeface="+mn-cs"/>
-                        </a:rPr>
-                        <a:t> en place des </a:t>
-                      </a:r>
-                      <a:r>
-                        <a:rPr lang="en-US" sz="1400" kern="1200" dirty="0" err="1" smtClean="0">
-                          <a:solidFill>
-                            <a:schemeClr val="dk1"/>
-                          </a:solidFill>
-                          <a:latin typeface="+mn-lt"/>
-                          <a:ea typeface="+mn-ea"/>
-                          <a:cs typeface="+mn-cs"/>
-                        </a:rPr>
-                        <a:t>dépendances</a:t>
-                      </a:r>
-                      <a:r>
-                        <a:rPr lang="en-US" sz="1400" kern="1200" dirty="0" smtClean="0">
-                          <a:solidFill>
-                            <a:schemeClr val="dk1"/>
-                          </a:solidFill>
-                          <a:latin typeface="+mn-lt"/>
-                          <a:ea typeface="+mn-ea"/>
-                          <a:cs typeface="+mn-cs"/>
-                        </a:rPr>
-                        <a:t> au </a:t>
-                      </a:r>
-                      <a:r>
-                        <a:rPr lang="en-US" sz="1400" kern="1200" dirty="0" err="1" smtClean="0">
-                          <a:solidFill>
-                            <a:schemeClr val="dk1"/>
-                          </a:solidFill>
-                          <a:latin typeface="+mn-lt"/>
-                          <a:ea typeface="+mn-ea"/>
-                          <a:cs typeface="+mn-cs"/>
-                        </a:rPr>
-                        <a:t>niveau</a:t>
-                      </a:r>
-                      <a:r>
-                        <a:rPr lang="en-US" sz="1400" kern="1200" dirty="0" smtClean="0">
-                          <a:solidFill>
-                            <a:schemeClr val="dk1"/>
-                          </a:solidFill>
-                          <a:latin typeface="+mn-lt"/>
-                          <a:ea typeface="+mn-ea"/>
-                          <a:cs typeface="+mn-cs"/>
-                        </a:rPr>
-                        <a:t> de </a:t>
-                      </a:r>
-                      <a:r>
-                        <a:rPr lang="en-US" sz="1400" kern="1200" dirty="0" err="1" smtClean="0">
-                          <a:solidFill>
-                            <a:schemeClr val="dk1"/>
-                          </a:solidFill>
-                          <a:latin typeface="+mn-lt"/>
-                          <a:ea typeface="+mn-ea"/>
-                          <a:cs typeface="+mn-cs"/>
-                        </a:rPr>
-                        <a:t>l’environnement</a:t>
-                      </a:r>
-                      <a:r>
-                        <a:rPr lang="en-US" sz="1400" kern="1200" dirty="0" smtClean="0">
-                          <a:solidFill>
-                            <a:schemeClr val="dk1"/>
-                          </a:solidFill>
-                          <a:latin typeface="+mn-lt"/>
-                          <a:ea typeface="+mn-ea"/>
-                          <a:cs typeface="+mn-cs"/>
-                        </a:rPr>
-                        <a:t> de simulation </a:t>
-                      </a:r>
-                      <a:endParaRPr lang="fr-FR" sz="1400" kern="1200" dirty="0" smtClean="0">
-                        <a:solidFill>
-                          <a:schemeClr val="dk1"/>
-                        </a:solidFill>
-                        <a:latin typeface="+mn-lt"/>
-                        <a:ea typeface="+mn-ea"/>
-                        <a:cs typeface="+mn-cs"/>
-                      </a:endParaRPr>
-                    </a:p>
-                  </a:txBody>
-                  <a:tcPr/>
-                </a:tc>
-                <a:tc>
-                  <a:txBody>
-                    <a:bodyPr/>
-                    <a:lstStyle/>
-                    <a:p>
-                      <a:pPr>
-                        <a:lnSpc>
-                          <a:spcPct val="100000"/>
-                        </a:lnSpc>
-                      </a:pPr>
-                      <a:r>
-                        <a:rPr lang="en-US" sz="1400" kern="1200" dirty="0" err="1" smtClean="0">
-                          <a:solidFill>
-                            <a:schemeClr val="dk1"/>
-                          </a:solidFill>
-                          <a:latin typeface="+mn-lt"/>
-                          <a:ea typeface="+mn-ea"/>
-                          <a:cs typeface="+mn-cs"/>
-                        </a:rPr>
-                        <a:t>Risque</a:t>
-                      </a:r>
-                      <a:r>
-                        <a:rPr lang="en-US" sz="1400" kern="1200" dirty="0" smtClean="0">
-                          <a:solidFill>
-                            <a:schemeClr val="dk1"/>
-                          </a:solidFill>
-                          <a:latin typeface="+mn-lt"/>
-                          <a:ea typeface="+mn-ea"/>
-                          <a:cs typeface="+mn-cs"/>
-                        </a:rPr>
-                        <a:t> </a:t>
-                      </a:r>
-                      <a:r>
-                        <a:rPr lang="en-US" sz="1400" kern="1200" dirty="0" err="1" smtClean="0">
-                          <a:solidFill>
-                            <a:schemeClr val="dk1"/>
-                          </a:solidFill>
-                          <a:latin typeface="+mn-lt"/>
-                          <a:ea typeface="+mn-ea"/>
-                          <a:cs typeface="+mn-cs"/>
-                        </a:rPr>
-                        <a:t>que</a:t>
-                      </a:r>
-                      <a:r>
-                        <a:rPr lang="en-US" sz="1400" kern="1200" dirty="0" smtClean="0">
-                          <a:solidFill>
-                            <a:schemeClr val="dk1"/>
-                          </a:solidFill>
-                          <a:latin typeface="+mn-lt"/>
-                          <a:ea typeface="+mn-ea"/>
-                          <a:cs typeface="+mn-cs"/>
-                        </a:rPr>
-                        <a:t> </a:t>
-                      </a:r>
-                      <a:r>
-                        <a:rPr lang="en-US" sz="1400" kern="1200" dirty="0" err="1" smtClean="0">
-                          <a:solidFill>
-                            <a:schemeClr val="dk1"/>
-                          </a:solidFill>
-                          <a:latin typeface="+mn-lt"/>
-                          <a:ea typeface="+mn-ea"/>
-                          <a:cs typeface="+mn-cs"/>
-                        </a:rPr>
-                        <a:t>l’environnement</a:t>
-                      </a:r>
-                      <a:r>
-                        <a:rPr lang="en-US" sz="1400" kern="1200" dirty="0" smtClean="0">
-                          <a:solidFill>
-                            <a:schemeClr val="dk1"/>
-                          </a:solidFill>
-                          <a:latin typeface="+mn-lt"/>
-                          <a:ea typeface="+mn-ea"/>
-                          <a:cs typeface="+mn-cs"/>
-                        </a:rPr>
-                        <a:t> de simulation ne </a:t>
-                      </a:r>
-                      <a:r>
-                        <a:rPr lang="en-US" sz="1400" kern="1200" dirty="0" err="1" smtClean="0">
-                          <a:solidFill>
-                            <a:schemeClr val="dk1"/>
-                          </a:solidFill>
-                          <a:latin typeface="+mn-lt"/>
-                          <a:ea typeface="+mn-ea"/>
-                          <a:cs typeface="+mn-cs"/>
-                        </a:rPr>
-                        <a:t>s’exécute</a:t>
-                      </a:r>
-                      <a:r>
-                        <a:rPr lang="en-US" sz="1400" kern="1200" dirty="0" smtClean="0">
-                          <a:solidFill>
-                            <a:schemeClr val="dk1"/>
-                          </a:solidFill>
-                          <a:latin typeface="+mn-lt"/>
-                          <a:ea typeface="+mn-ea"/>
-                          <a:cs typeface="+mn-cs"/>
-                        </a:rPr>
-                        <a:t> pas </a:t>
-                      </a:r>
-                      <a:r>
-                        <a:rPr lang="en-US" sz="1400" kern="1200" dirty="0" err="1" smtClean="0">
-                          <a:solidFill>
-                            <a:schemeClr val="dk1"/>
-                          </a:solidFill>
-                          <a:latin typeface="+mn-lt"/>
-                          <a:ea typeface="+mn-ea"/>
-                          <a:cs typeface="+mn-cs"/>
-                        </a:rPr>
-                        <a:t>sur</a:t>
-                      </a:r>
-                      <a:r>
-                        <a:rPr lang="en-US" sz="1400" kern="1200" dirty="0" smtClean="0">
-                          <a:solidFill>
-                            <a:schemeClr val="dk1"/>
-                          </a:solidFill>
-                          <a:latin typeface="+mn-lt"/>
-                          <a:ea typeface="+mn-ea"/>
-                          <a:cs typeface="+mn-cs"/>
-                        </a:rPr>
-                        <a:t> </a:t>
-                      </a:r>
-                      <a:r>
-                        <a:rPr lang="en-US" sz="1400" kern="1200" dirty="0" err="1" smtClean="0">
-                          <a:solidFill>
-                            <a:schemeClr val="dk1"/>
-                          </a:solidFill>
-                          <a:latin typeface="+mn-lt"/>
-                          <a:ea typeface="+mn-ea"/>
-                          <a:cs typeface="+mn-cs"/>
-                        </a:rPr>
-                        <a:t>n’importe</a:t>
-                      </a:r>
-                      <a:r>
-                        <a:rPr lang="en-US" sz="1400" kern="1200" dirty="0" smtClean="0">
-                          <a:solidFill>
-                            <a:schemeClr val="dk1"/>
-                          </a:solidFill>
-                          <a:latin typeface="+mn-lt"/>
-                          <a:ea typeface="+mn-ea"/>
-                          <a:cs typeface="+mn-cs"/>
-                        </a:rPr>
-                        <a:t> </a:t>
-                      </a:r>
-                      <a:r>
-                        <a:rPr lang="en-US" sz="1400" kern="1200" dirty="0" err="1" smtClean="0">
-                          <a:solidFill>
-                            <a:schemeClr val="dk1"/>
-                          </a:solidFill>
-                          <a:latin typeface="+mn-lt"/>
-                          <a:ea typeface="+mn-ea"/>
-                          <a:cs typeface="+mn-cs"/>
-                        </a:rPr>
-                        <a:t>quel</a:t>
-                      </a:r>
-                      <a:r>
-                        <a:rPr lang="en-US" sz="1400" kern="1200" dirty="0" smtClean="0">
-                          <a:solidFill>
-                            <a:schemeClr val="dk1"/>
-                          </a:solidFill>
-                          <a:latin typeface="+mn-lt"/>
-                          <a:ea typeface="+mn-ea"/>
-                          <a:cs typeface="+mn-cs"/>
-                        </a:rPr>
-                        <a:t> </a:t>
-                      </a:r>
-                      <a:r>
-                        <a:rPr lang="en-US" sz="1400" kern="1200" dirty="0" err="1" smtClean="0">
-                          <a:solidFill>
-                            <a:schemeClr val="dk1"/>
-                          </a:solidFill>
-                          <a:latin typeface="+mn-lt"/>
-                          <a:ea typeface="+mn-ea"/>
-                          <a:cs typeface="+mn-cs"/>
-                        </a:rPr>
-                        <a:t>réseau</a:t>
-                      </a:r>
-                      <a:endParaRPr lang="fr-FR" sz="1400" kern="1200" dirty="0" smtClean="0">
-                        <a:solidFill>
-                          <a:schemeClr val="dk1"/>
-                        </a:solidFill>
-                        <a:latin typeface="+mn-lt"/>
-                        <a:ea typeface="+mn-ea"/>
-                        <a:cs typeface="+mn-cs"/>
-                      </a:endParaRPr>
-                    </a:p>
-                  </a:txBody>
-                  <a:tcPr/>
-                </a:tc>
-                <a:tc>
-                  <a:txBody>
-                    <a:bodyPr/>
-                    <a:lstStyle/>
-                    <a:p>
-                      <a:pPr>
-                        <a:lnSpc>
-                          <a:spcPct val="100000"/>
-                        </a:lnSpc>
-                      </a:pPr>
-                      <a:r>
-                        <a:rPr lang="fr-FR" dirty="0" smtClean="0"/>
-                        <a:t>9</a:t>
-                      </a:r>
-                      <a:endParaRPr lang="fr-FR" dirty="0"/>
-                    </a:p>
-                  </a:txBody>
-                  <a:tcPr/>
-                </a:tc>
-                <a:tc>
-                  <a:txBody>
-                    <a:bodyPr/>
-                    <a:lstStyle/>
-                    <a:p>
-                      <a:pPr>
-                        <a:lnSpc>
-                          <a:spcPct val="100000"/>
-                        </a:lnSpc>
-                      </a:pPr>
-                      <a:r>
-                        <a:rPr lang="en-US" sz="1800" kern="1200" dirty="0" smtClean="0">
-                          <a:solidFill>
-                            <a:schemeClr val="dk1"/>
-                          </a:solidFill>
-                          <a:latin typeface="Tahoma" pitchFamily="34" charset="0"/>
-                          <a:ea typeface="+mn-ea"/>
-                          <a:cs typeface="Tahoma" pitchFamily="34" charset="0"/>
-                        </a:rPr>
-                        <a:t>-</a:t>
-                      </a:r>
-                      <a:r>
-                        <a:rPr lang="en-US" sz="1400" kern="1200" dirty="0" smtClean="0">
-                          <a:solidFill>
-                            <a:schemeClr val="dk1"/>
-                          </a:solidFill>
-                          <a:latin typeface="+mn-lt"/>
-                          <a:ea typeface="+mn-ea"/>
-                          <a:cs typeface="+mn-cs"/>
-                        </a:rPr>
-                        <a:t>Conception d’un </a:t>
-                      </a:r>
-                      <a:r>
-                        <a:rPr lang="en-US" sz="1400" kern="1200" dirty="0" err="1" smtClean="0">
-                          <a:solidFill>
-                            <a:schemeClr val="dk1"/>
-                          </a:solidFill>
-                          <a:latin typeface="+mn-lt"/>
-                          <a:ea typeface="+mn-ea"/>
-                          <a:cs typeface="+mn-cs"/>
-                        </a:rPr>
-                        <a:t>système</a:t>
-                      </a:r>
-                      <a:r>
-                        <a:rPr lang="en-US" sz="1400" kern="1200" dirty="0" smtClean="0">
-                          <a:solidFill>
-                            <a:schemeClr val="dk1"/>
-                          </a:solidFill>
-                          <a:latin typeface="+mn-lt"/>
-                          <a:ea typeface="+mn-ea"/>
-                          <a:cs typeface="+mn-cs"/>
-                        </a:rPr>
-                        <a:t> de simulation </a:t>
-                      </a:r>
-                      <a:r>
-                        <a:rPr lang="en-US" sz="1400" kern="1200" dirty="0" err="1" smtClean="0">
-                          <a:solidFill>
-                            <a:schemeClr val="dk1"/>
-                          </a:solidFill>
-                          <a:latin typeface="+mn-lt"/>
-                          <a:ea typeface="+mn-ea"/>
-                          <a:cs typeface="+mn-cs"/>
-                        </a:rPr>
-                        <a:t>paramétrable</a:t>
-                      </a:r>
-                      <a:r>
-                        <a:rPr lang="en-US" sz="1400" kern="1200" dirty="0" smtClean="0">
-                          <a:solidFill>
-                            <a:schemeClr val="dk1"/>
-                          </a:solidFill>
-                          <a:latin typeface="+mn-lt"/>
-                          <a:ea typeface="+mn-ea"/>
-                          <a:cs typeface="+mn-cs"/>
-                        </a:rPr>
-                        <a:t> (</a:t>
-                      </a:r>
-                      <a:r>
-                        <a:rPr lang="en-US" sz="1400" kern="1200" dirty="0" err="1" smtClean="0">
-                          <a:solidFill>
-                            <a:schemeClr val="dk1"/>
-                          </a:solidFill>
-                          <a:latin typeface="+mn-lt"/>
-                          <a:ea typeface="+mn-ea"/>
-                          <a:cs typeface="+mn-cs"/>
-                        </a:rPr>
-                        <a:t>il</a:t>
-                      </a:r>
-                      <a:r>
-                        <a:rPr lang="en-US" sz="1400" kern="1200" dirty="0" smtClean="0">
-                          <a:solidFill>
-                            <a:schemeClr val="dk1"/>
-                          </a:solidFill>
-                          <a:latin typeface="+mn-lt"/>
-                          <a:ea typeface="+mn-ea"/>
-                          <a:cs typeface="+mn-cs"/>
-                        </a:rPr>
-                        <a:t> </a:t>
-                      </a:r>
-                      <a:r>
-                        <a:rPr lang="en-US" sz="1400" kern="1200" dirty="0" err="1" smtClean="0">
-                          <a:solidFill>
-                            <a:schemeClr val="dk1"/>
-                          </a:solidFill>
-                          <a:latin typeface="+mn-lt"/>
-                          <a:ea typeface="+mn-ea"/>
-                          <a:cs typeface="+mn-cs"/>
-                        </a:rPr>
-                        <a:t>prend</a:t>
-                      </a:r>
-                      <a:r>
-                        <a:rPr lang="en-US" sz="1400" kern="1200" dirty="0" smtClean="0">
-                          <a:solidFill>
-                            <a:schemeClr val="dk1"/>
-                          </a:solidFill>
-                          <a:latin typeface="+mn-lt"/>
-                          <a:ea typeface="+mn-ea"/>
-                          <a:cs typeface="+mn-cs"/>
-                        </a:rPr>
-                        <a:t> la </a:t>
-                      </a:r>
-                      <a:r>
-                        <a:rPr lang="en-US" sz="1400" kern="1200" dirty="0" err="1" smtClean="0">
-                          <a:solidFill>
-                            <a:schemeClr val="dk1"/>
-                          </a:solidFill>
-                          <a:latin typeface="+mn-lt"/>
-                          <a:ea typeface="+mn-ea"/>
-                          <a:cs typeface="+mn-cs"/>
-                        </a:rPr>
-                        <a:t>taille</a:t>
-                      </a:r>
-                      <a:r>
-                        <a:rPr lang="en-US" sz="1400" kern="1200" dirty="0" smtClean="0">
-                          <a:solidFill>
-                            <a:schemeClr val="dk1"/>
-                          </a:solidFill>
-                          <a:latin typeface="+mn-lt"/>
-                          <a:ea typeface="+mn-ea"/>
-                          <a:cs typeface="+mn-cs"/>
-                        </a:rPr>
-                        <a:t> du </a:t>
-                      </a:r>
-                      <a:r>
-                        <a:rPr lang="en-US" sz="1400" kern="1200" dirty="0" err="1" smtClean="0">
-                          <a:solidFill>
-                            <a:schemeClr val="dk1"/>
-                          </a:solidFill>
-                          <a:latin typeface="+mn-lt"/>
-                          <a:ea typeface="+mn-ea"/>
-                          <a:cs typeface="+mn-cs"/>
-                        </a:rPr>
-                        <a:t>réseau</a:t>
-                      </a:r>
-                      <a:r>
-                        <a:rPr lang="en-US" sz="1400" kern="1200" dirty="0" smtClean="0">
-                          <a:solidFill>
-                            <a:schemeClr val="dk1"/>
-                          </a:solidFill>
-                          <a:latin typeface="+mn-lt"/>
-                          <a:ea typeface="+mn-ea"/>
-                          <a:cs typeface="+mn-cs"/>
-                        </a:rPr>
-                        <a:t> en </a:t>
-                      </a:r>
-                      <a:r>
-                        <a:rPr lang="en-US" sz="1400" kern="1200" dirty="0" err="1" smtClean="0">
-                          <a:solidFill>
-                            <a:schemeClr val="dk1"/>
-                          </a:solidFill>
-                          <a:latin typeface="+mn-lt"/>
-                          <a:ea typeface="+mn-ea"/>
-                          <a:cs typeface="+mn-cs"/>
-                        </a:rPr>
-                        <a:t>paramètre</a:t>
-                      </a:r>
-                      <a:r>
-                        <a:rPr lang="en-US" sz="1400" kern="1200" dirty="0" smtClean="0">
-                          <a:solidFill>
-                            <a:schemeClr val="dk1"/>
-                          </a:solidFill>
-                          <a:latin typeface="+mn-lt"/>
-                          <a:ea typeface="+mn-ea"/>
-                          <a:cs typeface="+mn-cs"/>
-                        </a:rPr>
-                        <a:t> et </a:t>
-                      </a:r>
-                      <a:r>
-                        <a:rPr lang="en-US" sz="1400" kern="1200" dirty="0" err="1" smtClean="0">
-                          <a:solidFill>
-                            <a:schemeClr val="dk1"/>
-                          </a:solidFill>
-                          <a:latin typeface="+mn-lt"/>
-                          <a:ea typeface="+mn-ea"/>
-                          <a:cs typeface="+mn-cs"/>
-                        </a:rPr>
-                        <a:t>s’adapte</a:t>
-                      </a:r>
-                      <a:r>
-                        <a:rPr lang="en-US" sz="1400" kern="1200" dirty="0" smtClean="0">
-                          <a:solidFill>
-                            <a:schemeClr val="dk1"/>
-                          </a:solidFill>
-                          <a:latin typeface="+mn-lt"/>
-                          <a:ea typeface="+mn-ea"/>
-                          <a:cs typeface="+mn-cs"/>
-                        </a:rPr>
-                        <a:t> à </a:t>
-                      </a:r>
-                      <a:r>
-                        <a:rPr lang="en-US" sz="1400" kern="1200" dirty="0" err="1" smtClean="0">
-                          <a:solidFill>
-                            <a:schemeClr val="dk1"/>
-                          </a:solidFill>
-                          <a:latin typeface="+mn-lt"/>
-                          <a:ea typeface="+mn-ea"/>
-                          <a:cs typeface="+mn-cs"/>
-                        </a:rPr>
-                        <a:t>cette</a:t>
-                      </a:r>
-                      <a:r>
-                        <a:rPr lang="en-US" sz="1400" kern="1200" dirty="0" smtClean="0">
-                          <a:solidFill>
-                            <a:schemeClr val="dk1"/>
-                          </a:solidFill>
-                          <a:latin typeface="+mn-lt"/>
-                          <a:ea typeface="+mn-ea"/>
-                          <a:cs typeface="+mn-cs"/>
-                        </a:rPr>
-                        <a:t> </a:t>
-                      </a:r>
-                      <a:r>
-                        <a:rPr lang="en-US" sz="1400" kern="1200" dirty="0" err="1" smtClean="0">
-                          <a:solidFill>
-                            <a:schemeClr val="dk1"/>
-                          </a:solidFill>
-                          <a:latin typeface="+mn-lt"/>
-                          <a:ea typeface="+mn-ea"/>
-                          <a:cs typeface="+mn-cs"/>
-                        </a:rPr>
-                        <a:t>dernière</a:t>
-                      </a:r>
-                      <a:r>
-                        <a:rPr lang="en-US" sz="1400" kern="1200" dirty="0" smtClean="0">
-                          <a:solidFill>
-                            <a:schemeClr val="dk1"/>
-                          </a:solidFill>
-                          <a:latin typeface="+mn-lt"/>
-                          <a:ea typeface="+mn-ea"/>
-                          <a:cs typeface="+mn-cs"/>
-                        </a:rPr>
-                        <a:t> par ex)</a:t>
-                      </a:r>
-                      <a:endParaRPr lang="fr-FR" sz="1400" kern="1200" dirty="0" smtClean="0">
-                        <a:solidFill>
-                          <a:schemeClr val="dk1"/>
-                        </a:solidFill>
-                        <a:latin typeface="+mn-lt"/>
-                        <a:ea typeface="+mn-ea"/>
-                        <a:cs typeface="+mn-cs"/>
+                        <a:latin typeface="Times New Roman"/>
+                        <a:ea typeface="Calibri"/>
+                        <a:cs typeface="Times New Roman"/>
                       </a:endParaRPr>
                     </a:p>
                   </a:txBody>
@@ -7363,7 +6551,7 @@
     </p:spTree>
     <p:extLst>
       <p:ext uri="{BB962C8B-B14F-4D97-AF65-F5344CB8AC3E}">
-        <p14:creationId xmlns:p14="http://schemas.microsoft.com/office/powerpoint/2010/main" xmlns="" val="3388311297"/>
+        <p14:creationId xmlns="" xmlns:p14="http://schemas.microsoft.com/office/powerpoint/2010/main" val="3388311297"/>
       </p:ext>
     </p:extLst>
   </p:cSld>
@@ -7407,14 +6595,14 @@
             <p:ph idx="1"/>
             <p:extLst>
               <p:ext uri="{D42A27DB-BD31-4B8C-83A1-F6EECF244321}">
-                <p14:modId xmlns:p14="http://schemas.microsoft.com/office/powerpoint/2010/main" xmlns="" val="1037633673"/>
+                <p14:modId xmlns="" xmlns:p14="http://schemas.microsoft.com/office/powerpoint/2010/main" val="1037633673"/>
               </p:ext>
             </p:extLst>
           </p:nvPr>
         </p:nvGraphicFramePr>
         <p:xfrm>
           <a:off x="1" y="1166354"/>
-          <a:ext cx="9143999" cy="5005846"/>
+          <a:ext cx="9143999" cy="6164086"/>
         </p:xfrm>
         <a:graphic>
           <a:graphicData uri="http://schemas.openxmlformats.org/drawingml/2006/table">
@@ -7489,6 +6677,635 @@
                         <a:t>Plan d’action</a:t>
                       </a:r>
                       <a:endParaRPr lang="fr-FR" dirty="0"/>
+                    </a:p>
+                  </a:txBody>
+                  <a:tcPr/>
+                </a:tc>
+              </a:tr>
+              <a:tr h="1060482">
+                <a:tc>
+                  <a:txBody>
+                    <a:bodyPr/>
+                    <a:lstStyle/>
+                    <a:p>
+                      <a:pPr marL="0" marR="0" indent="0" algn="just" defTabSz="914400" rtl="0" eaLnBrk="1" fontAlgn="auto" latinLnBrk="0" hangingPunct="1">
+                        <a:lnSpc>
+                          <a:spcPct val="100000"/>
+                        </a:lnSpc>
+                        <a:spcBef>
+                          <a:spcPts val="0"/>
+                        </a:spcBef>
+                        <a:spcAft>
+                          <a:spcPts val="1000"/>
+                        </a:spcAft>
+                        <a:buClrTx/>
+                        <a:buSzTx/>
+                        <a:buFontTx/>
+                        <a:buNone/>
+                        <a:tabLst/>
+                        <a:defRPr/>
+                      </a:pPr>
+                      <a:r>
+                        <a:rPr lang="en-US" sz="1400" kern="1200" dirty="0" err="1" smtClean="0">
+                          <a:solidFill>
+                            <a:schemeClr val="dk1"/>
+                          </a:solidFill>
+                          <a:latin typeface="Times New Roman"/>
+                          <a:ea typeface="Calibri"/>
+                          <a:cs typeface="Times New Roman"/>
+                        </a:rPr>
+                        <a:t>Complexité</a:t>
+                      </a:r>
+                      <a:r>
+                        <a:rPr lang="en-US" sz="1400" kern="1200" dirty="0" smtClean="0">
+                          <a:solidFill>
+                            <a:schemeClr val="dk1"/>
+                          </a:solidFill>
+                          <a:latin typeface="Times New Roman"/>
+                          <a:ea typeface="Calibri"/>
+                          <a:cs typeface="Times New Roman"/>
+                        </a:rPr>
+                        <a:t> de la configuration et de la </a:t>
+                      </a:r>
+                      <a:r>
+                        <a:rPr lang="en-US" sz="1400" kern="1200" dirty="0" err="1" smtClean="0">
+                          <a:solidFill>
+                            <a:schemeClr val="dk1"/>
+                          </a:solidFill>
+                          <a:latin typeface="Times New Roman"/>
+                          <a:ea typeface="Calibri"/>
+                          <a:cs typeface="Times New Roman"/>
+                        </a:rPr>
+                        <a:t>mise</a:t>
+                      </a:r>
+                      <a:r>
+                        <a:rPr lang="en-US" sz="1400" kern="1200" dirty="0" smtClean="0">
+                          <a:solidFill>
+                            <a:schemeClr val="dk1"/>
+                          </a:solidFill>
+                          <a:latin typeface="Times New Roman"/>
+                          <a:ea typeface="Calibri"/>
+                          <a:cs typeface="Times New Roman"/>
+                        </a:rPr>
+                        <a:t> en place des </a:t>
+                      </a:r>
+                      <a:r>
+                        <a:rPr lang="en-US" sz="1400" kern="1200" dirty="0" err="1" smtClean="0">
+                          <a:solidFill>
+                            <a:schemeClr val="dk1"/>
+                          </a:solidFill>
+                          <a:latin typeface="Times New Roman"/>
+                          <a:ea typeface="Calibri"/>
+                          <a:cs typeface="Times New Roman"/>
+                        </a:rPr>
+                        <a:t>dépendances</a:t>
+                      </a:r>
+                      <a:r>
+                        <a:rPr lang="en-US" sz="1400" kern="1200" dirty="0" smtClean="0">
+                          <a:solidFill>
+                            <a:schemeClr val="dk1"/>
+                          </a:solidFill>
+                          <a:latin typeface="Times New Roman"/>
+                          <a:ea typeface="Calibri"/>
+                          <a:cs typeface="Times New Roman"/>
+                        </a:rPr>
+                        <a:t> au </a:t>
+                      </a:r>
+                      <a:r>
+                        <a:rPr lang="en-US" sz="1400" kern="1200" dirty="0" err="1" smtClean="0">
+                          <a:solidFill>
+                            <a:schemeClr val="dk1"/>
+                          </a:solidFill>
+                          <a:latin typeface="Times New Roman"/>
+                          <a:ea typeface="Calibri"/>
+                          <a:cs typeface="Times New Roman"/>
+                        </a:rPr>
+                        <a:t>niveau</a:t>
+                      </a:r>
+                      <a:r>
+                        <a:rPr lang="en-US" sz="1400" kern="1200" dirty="0" smtClean="0">
+                          <a:solidFill>
+                            <a:schemeClr val="dk1"/>
+                          </a:solidFill>
+                          <a:latin typeface="Times New Roman"/>
+                          <a:ea typeface="Calibri"/>
+                          <a:cs typeface="Times New Roman"/>
+                        </a:rPr>
+                        <a:t> de </a:t>
+                      </a:r>
+                      <a:r>
+                        <a:rPr lang="en-US" sz="1400" kern="1200" dirty="0" err="1" smtClean="0">
+                          <a:solidFill>
+                            <a:schemeClr val="dk1"/>
+                          </a:solidFill>
+                          <a:latin typeface="Times New Roman"/>
+                          <a:ea typeface="Calibri"/>
+                          <a:cs typeface="Times New Roman"/>
+                        </a:rPr>
+                        <a:t>l’environnement</a:t>
+                      </a:r>
+                      <a:r>
+                        <a:rPr lang="en-US" sz="1400" kern="1200" dirty="0" smtClean="0">
+                          <a:solidFill>
+                            <a:schemeClr val="dk1"/>
+                          </a:solidFill>
+                          <a:latin typeface="Times New Roman"/>
+                          <a:ea typeface="Calibri"/>
+                          <a:cs typeface="Times New Roman"/>
+                        </a:rPr>
+                        <a:t> de simulation </a:t>
+                      </a:r>
+                      <a:endParaRPr lang="fr-FR" sz="1400" kern="1200" dirty="0" smtClean="0">
+                        <a:solidFill>
+                          <a:schemeClr val="dk1"/>
+                        </a:solidFill>
+                        <a:latin typeface="Times New Roman"/>
+                        <a:ea typeface="Calibri"/>
+                        <a:cs typeface="Times New Roman"/>
+                      </a:endParaRPr>
+                    </a:p>
+                  </a:txBody>
+                  <a:tcPr/>
+                </a:tc>
+                <a:tc>
+                  <a:txBody>
+                    <a:bodyPr/>
+                    <a:lstStyle/>
+                    <a:p>
+                      <a:pPr marL="0" marR="0" indent="0" algn="just" defTabSz="914400" rtl="0" eaLnBrk="1" fontAlgn="auto" latinLnBrk="0" hangingPunct="1">
+                        <a:lnSpc>
+                          <a:spcPct val="100000"/>
+                        </a:lnSpc>
+                        <a:spcBef>
+                          <a:spcPts val="0"/>
+                        </a:spcBef>
+                        <a:spcAft>
+                          <a:spcPts val="1000"/>
+                        </a:spcAft>
+                        <a:buClrTx/>
+                        <a:buSzTx/>
+                        <a:buFontTx/>
+                        <a:buNone/>
+                        <a:tabLst/>
+                        <a:defRPr/>
+                      </a:pPr>
+                      <a:r>
+                        <a:rPr lang="en-US" sz="1400" kern="1200" dirty="0" err="1" smtClean="0">
+                          <a:solidFill>
+                            <a:schemeClr val="dk1"/>
+                          </a:solidFill>
+                          <a:latin typeface="Times New Roman"/>
+                          <a:ea typeface="Calibri"/>
+                          <a:cs typeface="Times New Roman"/>
+                        </a:rPr>
+                        <a:t>Risque</a:t>
+                      </a:r>
+                      <a:r>
+                        <a:rPr lang="en-US" sz="1400" kern="1200" dirty="0" smtClean="0">
+                          <a:solidFill>
+                            <a:schemeClr val="dk1"/>
+                          </a:solidFill>
+                          <a:latin typeface="Times New Roman"/>
+                          <a:ea typeface="Calibri"/>
+                          <a:cs typeface="Times New Roman"/>
+                        </a:rPr>
+                        <a:t> </a:t>
+                      </a:r>
+                      <a:r>
+                        <a:rPr lang="en-US" sz="1400" kern="1200" dirty="0" err="1" smtClean="0">
+                          <a:solidFill>
+                            <a:schemeClr val="dk1"/>
+                          </a:solidFill>
+                          <a:latin typeface="Times New Roman"/>
+                          <a:ea typeface="Calibri"/>
+                          <a:cs typeface="Times New Roman"/>
+                        </a:rPr>
+                        <a:t>que</a:t>
+                      </a:r>
+                      <a:r>
+                        <a:rPr lang="en-US" sz="1400" kern="1200" dirty="0" smtClean="0">
+                          <a:solidFill>
+                            <a:schemeClr val="dk1"/>
+                          </a:solidFill>
+                          <a:latin typeface="Times New Roman"/>
+                          <a:ea typeface="Calibri"/>
+                          <a:cs typeface="Times New Roman"/>
+                        </a:rPr>
+                        <a:t> </a:t>
+                      </a:r>
+                      <a:r>
+                        <a:rPr lang="en-US" sz="1400" kern="1200" dirty="0" err="1" smtClean="0">
+                          <a:solidFill>
+                            <a:schemeClr val="dk1"/>
+                          </a:solidFill>
+                          <a:latin typeface="Times New Roman"/>
+                          <a:ea typeface="Calibri"/>
+                          <a:cs typeface="Times New Roman"/>
+                        </a:rPr>
+                        <a:t>l’environnement</a:t>
+                      </a:r>
+                      <a:r>
+                        <a:rPr lang="en-US" sz="1400" kern="1200" dirty="0" smtClean="0">
+                          <a:solidFill>
+                            <a:schemeClr val="dk1"/>
+                          </a:solidFill>
+                          <a:latin typeface="Times New Roman"/>
+                          <a:ea typeface="Calibri"/>
+                          <a:cs typeface="Times New Roman"/>
+                        </a:rPr>
+                        <a:t> de simulation ne </a:t>
+                      </a:r>
+                      <a:r>
+                        <a:rPr lang="en-US" sz="1400" kern="1200" dirty="0" err="1" smtClean="0">
+                          <a:solidFill>
+                            <a:schemeClr val="dk1"/>
+                          </a:solidFill>
+                          <a:latin typeface="Times New Roman"/>
+                          <a:ea typeface="Calibri"/>
+                          <a:cs typeface="Times New Roman"/>
+                        </a:rPr>
+                        <a:t>s’exécute</a:t>
+                      </a:r>
+                      <a:r>
+                        <a:rPr lang="en-US" sz="1400" kern="1200" dirty="0" smtClean="0">
+                          <a:solidFill>
+                            <a:schemeClr val="dk1"/>
+                          </a:solidFill>
+                          <a:latin typeface="Times New Roman"/>
+                          <a:ea typeface="Calibri"/>
+                          <a:cs typeface="Times New Roman"/>
+                        </a:rPr>
+                        <a:t> pas </a:t>
+                      </a:r>
+                      <a:r>
+                        <a:rPr lang="en-US" sz="1400" kern="1200" dirty="0" err="1" smtClean="0">
+                          <a:solidFill>
+                            <a:schemeClr val="dk1"/>
+                          </a:solidFill>
+                          <a:latin typeface="Times New Roman"/>
+                          <a:ea typeface="Calibri"/>
+                          <a:cs typeface="Times New Roman"/>
+                        </a:rPr>
+                        <a:t>sur</a:t>
+                      </a:r>
+                      <a:r>
+                        <a:rPr lang="en-US" sz="1400" kern="1200" dirty="0" smtClean="0">
+                          <a:solidFill>
+                            <a:schemeClr val="dk1"/>
+                          </a:solidFill>
+                          <a:latin typeface="Times New Roman"/>
+                          <a:ea typeface="Calibri"/>
+                          <a:cs typeface="Times New Roman"/>
+                        </a:rPr>
+                        <a:t> </a:t>
+                      </a:r>
+                      <a:r>
+                        <a:rPr lang="en-US" sz="1400" kern="1200" dirty="0" err="1" smtClean="0">
+                          <a:solidFill>
+                            <a:schemeClr val="dk1"/>
+                          </a:solidFill>
+                          <a:latin typeface="Times New Roman"/>
+                          <a:ea typeface="Calibri"/>
+                          <a:cs typeface="Times New Roman"/>
+                        </a:rPr>
+                        <a:t>n’importe</a:t>
+                      </a:r>
+                      <a:r>
+                        <a:rPr lang="en-US" sz="1400" kern="1200" dirty="0" smtClean="0">
+                          <a:solidFill>
+                            <a:schemeClr val="dk1"/>
+                          </a:solidFill>
+                          <a:latin typeface="Times New Roman"/>
+                          <a:ea typeface="Calibri"/>
+                          <a:cs typeface="Times New Roman"/>
+                        </a:rPr>
+                        <a:t> </a:t>
+                      </a:r>
+                      <a:r>
+                        <a:rPr lang="en-US" sz="1400" kern="1200" dirty="0" err="1" smtClean="0">
+                          <a:solidFill>
+                            <a:schemeClr val="dk1"/>
+                          </a:solidFill>
+                          <a:latin typeface="Times New Roman"/>
+                          <a:ea typeface="Calibri"/>
+                          <a:cs typeface="Times New Roman"/>
+                        </a:rPr>
+                        <a:t>quel</a:t>
+                      </a:r>
+                      <a:r>
+                        <a:rPr lang="en-US" sz="1400" kern="1200" dirty="0" smtClean="0">
+                          <a:solidFill>
+                            <a:schemeClr val="dk1"/>
+                          </a:solidFill>
+                          <a:latin typeface="Times New Roman"/>
+                          <a:ea typeface="Calibri"/>
+                          <a:cs typeface="Times New Roman"/>
+                        </a:rPr>
+                        <a:t> </a:t>
+                      </a:r>
+                      <a:r>
+                        <a:rPr lang="en-US" sz="1400" kern="1200" dirty="0" err="1" smtClean="0">
+                          <a:solidFill>
+                            <a:schemeClr val="dk1"/>
+                          </a:solidFill>
+                          <a:latin typeface="Times New Roman"/>
+                          <a:ea typeface="Calibri"/>
+                          <a:cs typeface="Times New Roman"/>
+                        </a:rPr>
+                        <a:t>réseau</a:t>
+                      </a:r>
+                      <a:endParaRPr lang="fr-FR" sz="1400" kern="1200" dirty="0" smtClean="0">
+                        <a:solidFill>
+                          <a:schemeClr val="dk1"/>
+                        </a:solidFill>
+                        <a:latin typeface="Times New Roman"/>
+                        <a:ea typeface="Calibri"/>
+                        <a:cs typeface="Times New Roman"/>
+                      </a:endParaRPr>
+                    </a:p>
+                  </a:txBody>
+                  <a:tcPr/>
+                </a:tc>
+                <a:tc>
+                  <a:txBody>
+                    <a:bodyPr/>
+                    <a:lstStyle/>
+                    <a:p>
+                      <a:pPr>
+                        <a:lnSpc>
+                          <a:spcPct val="100000"/>
+                        </a:lnSpc>
+                      </a:pPr>
+                      <a:r>
+                        <a:rPr lang="fr-FR" dirty="0" smtClean="0"/>
+                        <a:t>9</a:t>
+                      </a:r>
+                      <a:endParaRPr lang="fr-FR" dirty="0"/>
+                    </a:p>
+                  </a:txBody>
+                  <a:tcPr/>
+                </a:tc>
+                <a:tc>
+                  <a:txBody>
+                    <a:bodyPr/>
+                    <a:lstStyle/>
+                    <a:p>
+                      <a:pPr marL="0" marR="0" indent="0" algn="just" defTabSz="914400" rtl="0" eaLnBrk="1" fontAlgn="auto" latinLnBrk="0" hangingPunct="1">
+                        <a:lnSpc>
+                          <a:spcPct val="100000"/>
+                        </a:lnSpc>
+                        <a:spcBef>
+                          <a:spcPts val="0"/>
+                        </a:spcBef>
+                        <a:spcAft>
+                          <a:spcPts val="1000"/>
+                        </a:spcAft>
+                        <a:buClrTx/>
+                        <a:buSzTx/>
+                        <a:buFontTx/>
+                        <a:buNone/>
+                        <a:tabLst/>
+                        <a:defRPr/>
+                      </a:pPr>
+                      <a:r>
+                        <a:rPr lang="en-US" sz="1400" kern="1200" dirty="0" smtClean="0">
+                          <a:solidFill>
+                            <a:schemeClr val="dk1"/>
+                          </a:solidFill>
+                          <a:latin typeface="Times New Roman"/>
+                          <a:ea typeface="Calibri"/>
+                          <a:cs typeface="Times New Roman"/>
+                        </a:rPr>
+                        <a:t>-Conception d’un </a:t>
+                      </a:r>
+                      <a:r>
+                        <a:rPr lang="en-US" sz="1400" kern="1200" dirty="0" err="1" smtClean="0">
+                          <a:solidFill>
+                            <a:schemeClr val="dk1"/>
+                          </a:solidFill>
+                          <a:latin typeface="Times New Roman"/>
+                          <a:ea typeface="Calibri"/>
+                          <a:cs typeface="Times New Roman"/>
+                        </a:rPr>
+                        <a:t>système</a:t>
+                      </a:r>
+                      <a:r>
+                        <a:rPr lang="en-US" sz="1400" kern="1200" dirty="0" smtClean="0">
+                          <a:solidFill>
+                            <a:schemeClr val="dk1"/>
+                          </a:solidFill>
+                          <a:latin typeface="Times New Roman"/>
+                          <a:ea typeface="Calibri"/>
+                          <a:cs typeface="Times New Roman"/>
+                        </a:rPr>
+                        <a:t> de simulation </a:t>
+                      </a:r>
+                      <a:r>
+                        <a:rPr lang="en-US" sz="1400" kern="1200" dirty="0" err="1" smtClean="0">
+                          <a:solidFill>
+                            <a:schemeClr val="dk1"/>
+                          </a:solidFill>
+                          <a:latin typeface="Times New Roman"/>
+                          <a:ea typeface="Calibri"/>
+                          <a:cs typeface="Times New Roman"/>
+                        </a:rPr>
+                        <a:t>paramétrable</a:t>
+                      </a:r>
+                      <a:r>
+                        <a:rPr lang="en-US" sz="1400" kern="1200" dirty="0" smtClean="0">
+                          <a:solidFill>
+                            <a:schemeClr val="dk1"/>
+                          </a:solidFill>
+                          <a:latin typeface="Times New Roman"/>
+                          <a:ea typeface="Calibri"/>
+                          <a:cs typeface="Times New Roman"/>
+                        </a:rPr>
+                        <a:t> (</a:t>
+                      </a:r>
+                      <a:r>
+                        <a:rPr lang="en-US" sz="1400" kern="1200" dirty="0" err="1" smtClean="0">
+                          <a:solidFill>
+                            <a:schemeClr val="dk1"/>
+                          </a:solidFill>
+                          <a:latin typeface="Times New Roman"/>
+                          <a:ea typeface="Calibri"/>
+                          <a:cs typeface="Times New Roman"/>
+                        </a:rPr>
+                        <a:t>il</a:t>
+                      </a:r>
+                      <a:r>
+                        <a:rPr lang="en-US" sz="1400" kern="1200" dirty="0" smtClean="0">
+                          <a:solidFill>
+                            <a:schemeClr val="dk1"/>
+                          </a:solidFill>
+                          <a:latin typeface="Times New Roman"/>
+                          <a:ea typeface="Calibri"/>
+                          <a:cs typeface="Times New Roman"/>
+                        </a:rPr>
+                        <a:t> </a:t>
+                      </a:r>
+                      <a:r>
+                        <a:rPr lang="en-US" sz="1400" kern="1200" dirty="0" err="1" smtClean="0">
+                          <a:solidFill>
+                            <a:schemeClr val="dk1"/>
+                          </a:solidFill>
+                          <a:latin typeface="Times New Roman"/>
+                          <a:ea typeface="Calibri"/>
+                          <a:cs typeface="Times New Roman"/>
+                        </a:rPr>
+                        <a:t>prend</a:t>
+                      </a:r>
+                      <a:r>
+                        <a:rPr lang="en-US" sz="1400" kern="1200" dirty="0" smtClean="0">
+                          <a:solidFill>
+                            <a:schemeClr val="dk1"/>
+                          </a:solidFill>
+                          <a:latin typeface="Times New Roman"/>
+                          <a:ea typeface="Calibri"/>
+                          <a:cs typeface="Times New Roman"/>
+                        </a:rPr>
+                        <a:t> la </a:t>
+                      </a:r>
+                      <a:r>
+                        <a:rPr lang="en-US" sz="1400" kern="1200" dirty="0" err="1" smtClean="0">
+                          <a:solidFill>
+                            <a:schemeClr val="dk1"/>
+                          </a:solidFill>
+                          <a:latin typeface="Times New Roman"/>
+                          <a:ea typeface="Calibri"/>
+                          <a:cs typeface="Times New Roman"/>
+                        </a:rPr>
+                        <a:t>taille</a:t>
+                      </a:r>
+                      <a:r>
+                        <a:rPr lang="en-US" sz="1400" kern="1200" dirty="0" smtClean="0">
+                          <a:solidFill>
+                            <a:schemeClr val="dk1"/>
+                          </a:solidFill>
+                          <a:latin typeface="Times New Roman"/>
+                          <a:ea typeface="Calibri"/>
+                          <a:cs typeface="Times New Roman"/>
+                        </a:rPr>
+                        <a:t> du </a:t>
+                      </a:r>
+                      <a:r>
+                        <a:rPr lang="en-US" sz="1400" kern="1200" dirty="0" err="1" smtClean="0">
+                          <a:solidFill>
+                            <a:schemeClr val="dk1"/>
+                          </a:solidFill>
+                          <a:latin typeface="Times New Roman"/>
+                          <a:ea typeface="Calibri"/>
+                          <a:cs typeface="Times New Roman"/>
+                        </a:rPr>
+                        <a:t>réseau</a:t>
+                      </a:r>
+                      <a:r>
+                        <a:rPr lang="en-US" sz="1400" kern="1200" dirty="0" smtClean="0">
+                          <a:solidFill>
+                            <a:schemeClr val="dk1"/>
+                          </a:solidFill>
+                          <a:latin typeface="Times New Roman"/>
+                          <a:ea typeface="Calibri"/>
+                          <a:cs typeface="Times New Roman"/>
+                        </a:rPr>
+                        <a:t> en </a:t>
+                      </a:r>
+                      <a:r>
+                        <a:rPr lang="en-US" sz="1400" kern="1200" dirty="0" err="1" smtClean="0">
+                          <a:solidFill>
+                            <a:schemeClr val="dk1"/>
+                          </a:solidFill>
+                          <a:latin typeface="Times New Roman"/>
+                          <a:ea typeface="Calibri"/>
+                          <a:cs typeface="Times New Roman"/>
+                        </a:rPr>
+                        <a:t>paramètre</a:t>
+                      </a:r>
+                      <a:r>
+                        <a:rPr lang="en-US" sz="1400" kern="1200" dirty="0" smtClean="0">
+                          <a:solidFill>
+                            <a:schemeClr val="dk1"/>
+                          </a:solidFill>
+                          <a:latin typeface="Times New Roman"/>
+                          <a:ea typeface="Calibri"/>
+                          <a:cs typeface="Times New Roman"/>
+                        </a:rPr>
+                        <a:t> et </a:t>
+                      </a:r>
+                      <a:r>
+                        <a:rPr lang="en-US" sz="1400" kern="1200" dirty="0" err="1" smtClean="0">
+                          <a:solidFill>
+                            <a:schemeClr val="dk1"/>
+                          </a:solidFill>
+                          <a:latin typeface="Times New Roman"/>
+                          <a:ea typeface="Calibri"/>
+                          <a:cs typeface="Times New Roman"/>
+                        </a:rPr>
+                        <a:t>s’adapte</a:t>
+                      </a:r>
+                      <a:r>
+                        <a:rPr lang="en-US" sz="1400" kern="1200" dirty="0" smtClean="0">
+                          <a:solidFill>
+                            <a:schemeClr val="dk1"/>
+                          </a:solidFill>
+                          <a:latin typeface="Times New Roman"/>
+                          <a:ea typeface="Calibri"/>
+                          <a:cs typeface="Times New Roman"/>
+                        </a:rPr>
+                        <a:t> à </a:t>
+                      </a:r>
+                      <a:r>
+                        <a:rPr lang="en-US" sz="1400" kern="1200" dirty="0" err="1" smtClean="0">
+                          <a:solidFill>
+                            <a:schemeClr val="dk1"/>
+                          </a:solidFill>
+                          <a:latin typeface="Times New Roman"/>
+                          <a:ea typeface="Calibri"/>
+                          <a:cs typeface="Times New Roman"/>
+                        </a:rPr>
+                        <a:t>cette</a:t>
+                      </a:r>
+                      <a:r>
+                        <a:rPr lang="en-US" sz="1400" kern="1200" dirty="0" smtClean="0">
+                          <a:solidFill>
+                            <a:schemeClr val="dk1"/>
+                          </a:solidFill>
+                          <a:latin typeface="Times New Roman"/>
+                          <a:ea typeface="Calibri"/>
+                          <a:cs typeface="Times New Roman"/>
+                        </a:rPr>
+                        <a:t> </a:t>
+                      </a:r>
+                      <a:r>
+                        <a:rPr lang="en-US" sz="1400" kern="1200" dirty="0" err="1" smtClean="0">
+                          <a:solidFill>
+                            <a:schemeClr val="dk1"/>
+                          </a:solidFill>
+                          <a:latin typeface="Times New Roman"/>
+                          <a:ea typeface="Calibri"/>
+                          <a:cs typeface="Times New Roman"/>
+                        </a:rPr>
+                        <a:t>dernière</a:t>
+                      </a:r>
+                      <a:r>
+                        <a:rPr lang="en-US" sz="1400" kern="1200" dirty="0" smtClean="0">
+                          <a:solidFill>
+                            <a:schemeClr val="dk1"/>
+                          </a:solidFill>
+                          <a:latin typeface="Times New Roman"/>
+                          <a:ea typeface="Calibri"/>
+                          <a:cs typeface="Times New Roman"/>
+                        </a:rPr>
+                        <a:t> par ex)</a:t>
+                      </a:r>
+                      <a:endParaRPr lang="fr-FR" sz="1400" kern="1200" dirty="0" smtClean="0">
+                        <a:solidFill>
+                          <a:schemeClr val="dk1"/>
+                        </a:solidFill>
+                        <a:latin typeface="Times New Roman"/>
+                        <a:ea typeface="Calibri"/>
+                        <a:cs typeface="Times New Roman"/>
+                      </a:endParaRPr>
                     </a:p>
                   </a:txBody>
                   <a:tcPr/>
@@ -9128,7 +8945,7 @@
         </p:nvSpPr>
         <p:spPr>
           <a:xfrm>
-            <a:off x="3082817" y="6260068"/>
+            <a:off x="4953000" y="685800"/>
             <a:ext cx="2860783" cy="369332"/>
           </a:xfrm>
           <a:prstGeom prst="rect">
@@ -9153,7 +8970,7 @@
     </p:spTree>
     <p:extLst>
       <p:ext uri="{BB962C8B-B14F-4D97-AF65-F5344CB8AC3E}">
-        <p14:creationId xmlns:p14="http://schemas.microsoft.com/office/powerpoint/2010/main" xmlns="" val="1660990754"/>
+        <p14:creationId xmlns="" xmlns:p14="http://schemas.microsoft.com/office/powerpoint/2010/main" val="1660990754"/>
       </p:ext>
     </p:extLst>
   </p:cSld>
@@ -9304,7 +9121,7 @@
     </p:spTree>
     <p:extLst>
       <p:ext uri="{BB962C8B-B14F-4D97-AF65-F5344CB8AC3E}">
-        <p14:creationId xmlns:p14="http://schemas.microsoft.com/office/powerpoint/2010/main" xmlns="" val="1259481295"/>
+        <p14:creationId xmlns="" xmlns:p14="http://schemas.microsoft.com/office/powerpoint/2010/main" val="1259481295"/>
       </p:ext>
     </p:extLst>
   </p:cSld>
@@ -10117,7 +9934,7 @@
           <a:blip r:embed="rId2" cstate="print">
             <a:extLst>
               <a:ext uri="{28A0092B-C50C-407E-A947-70E740481C1C}">
-                <a14:useLocalDpi xmlns:a14="http://schemas.microsoft.com/office/drawing/2010/main" xmlns="" val="0"/>
+                <a14:useLocalDpi xmlns="" xmlns:a14="http://schemas.microsoft.com/office/drawing/2010/main" val="0"/>
               </a:ext>
             </a:extLst>
           </a:blip>
@@ -10141,14 +9958,14 @@
           <a:effectLst/>
           <a:extLst>
             <a:ext uri="{909E8E84-426E-40DD-AFC4-6F175D3DCCD1}">
-              <a14:hiddenFill xmlns:a14="http://schemas.microsoft.com/office/drawing/2010/main" xmlns="">
+              <a14:hiddenFill xmlns="" xmlns:a14="http://schemas.microsoft.com/office/drawing/2010/main">
                 <a:solidFill>
                   <a:schemeClr val="accent1"/>
                 </a:solidFill>
               </a14:hiddenFill>
             </a:ext>
             <a:ext uri="{91240B29-F687-4F45-9708-019B960494DF}">
-              <a14:hiddenLine xmlns:a14="http://schemas.microsoft.com/office/drawing/2010/main" xmlns="" w="9525">
+              <a14:hiddenLine xmlns="" xmlns:a14="http://schemas.microsoft.com/office/drawing/2010/main" w="9525">
                 <a:solidFill>
                   <a:schemeClr val="tx1"/>
                 </a:solidFill>
@@ -10158,7 +9975,7 @@
               </a14:hiddenLine>
             </a:ext>
             <a:ext uri="{AF507438-7753-43E0-B8FC-AC1667EBCBE1}">
-              <a14:hiddenEffects xmlns:a14="http://schemas.microsoft.com/office/drawing/2010/main" xmlns="">
+              <a14:hiddenEffects xmlns="" xmlns:a14="http://schemas.microsoft.com/office/drawing/2010/main">
                 <a:effectLst>
                   <a:outerShdw dist="35921" dir="2700000" algn="ctr" rotWithShape="0">
                     <a:schemeClr val="bg2"/>
@@ -10172,7 +9989,7 @@
     </p:spTree>
     <p:extLst>
       <p:ext uri="{BB962C8B-B14F-4D97-AF65-F5344CB8AC3E}">
-        <p14:creationId xmlns:p14="http://schemas.microsoft.com/office/powerpoint/2010/main" xmlns="" val="2043196274"/>
+        <p14:creationId xmlns="" xmlns:p14="http://schemas.microsoft.com/office/powerpoint/2010/main" val="2043196274"/>
       </p:ext>
     </p:extLst>
   </p:cSld>
@@ -10245,7 +10062,7 @@
           <a:blip r:embed="rId2" cstate="print">
             <a:extLst>
               <a:ext uri="{28A0092B-C50C-407E-A947-70E740481C1C}">
-                <a14:useLocalDpi xmlns:a14="http://schemas.microsoft.com/office/drawing/2010/main" xmlns="" val="0"/>
+                <a14:useLocalDpi xmlns="" xmlns:a14="http://schemas.microsoft.com/office/drawing/2010/main" val="0"/>
               </a:ext>
             </a:extLst>
           </a:blip>
@@ -10269,14 +10086,14 @@
           <a:effectLst/>
           <a:extLst>
             <a:ext uri="{909E8E84-426E-40DD-AFC4-6F175D3DCCD1}">
-              <a14:hiddenFill xmlns:a14="http://schemas.microsoft.com/office/drawing/2010/main" xmlns="">
+              <a14:hiddenFill xmlns="" xmlns:a14="http://schemas.microsoft.com/office/drawing/2010/main">
                 <a:solidFill>
                   <a:schemeClr val="accent1"/>
                 </a:solidFill>
               </a14:hiddenFill>
             </a:ext>
             <a:ext uri="{91240B29-F687-4F45-9708-019B960494DF}">
-              <a14:hiddenLine xmlns:a14="http://schemas.microsoft.com/office/drawing/2010/main" xmlns="" w="9525">
+              <a14:hiddenLine xmlns="" xmlns:a14="http://schemas.microsoft.com/office/drawing/2010/main" w="9525">
                 <a:solidFill>
                   <a:schemeClr val="tx1"/>
                 </a:solidFill>
@@ -10286,7 +10103,7 @@
               </a14:hiddenLine>
             </a:ext>
             <a:ext uri="{AF507438-7753-43E0-B8FC-AC1667EBCBE1}">
-              <a14:hiddenEffects xmlns:a14="http://schemas.microsoft.com/office/drawing/2010/main" xmlns="">
+              <a14:hiddenEffects xmlns="" xmlns:a14="http://schemas.microsoft.com/office/drawing/2010/main">
                 <a:effectLst>
                   <a:outerShdw dist="35921" dir="2700000" algn="ctr" rotWithShape="0">
                     <a:schemeClr val="bg2"/>
@@ -10300,7 +10117,7 @@
     </p:spTree>
     <p:extLst>
       <p:ext uri="{BB962C8B-B14F-4D97-AF65-F5344CB8AC3E}">
-        <p14:creationId xmlns:p14="http://schemas.microsoft.com/office/powerpoint/2010/main" xmlns="" val="349231435"/>
+        <p14:creationId xmlns="" xmlns:p14="http://schemas.microsoft.com/office/powerpoint/2010/main" val="349231435"/>
       </p:ext>
     </p:extLst>
   </p:cSld>
@@ -10369,7 +10186,7 @@
           <a:blip r:embed="rId3" cstate="print">
             <a:extLst>
               <a:ext uri="{28A0092B-C50C-407E-A947-70E740481C1C}">
-                <a14:useLocalDpi xmlns:a14="http://schemas.microsoft.com/office/drawing/2010/main" xmlns="" val="0"/>
+                <a14:useLocalDpi xmlns="" xmlns:a14="http://schemas.microsoft.com/office/drawing/2010/main" val="0"/>
               </a:ext>
             </a:extLst>
           </a:blip>
@@ -10399,7 +10216,7 @@
           <a:blip r:embed="rId3" cstate="print">
             <a:extLst>
               <a:ext uri="{28A0092B-C50C-407E-A947-70E740481C1C}">
-                <a14:useLocalDpi xmlns:a14="http://schemas.microsoft.com/office/drawing/2010/main" xmlns="" val="0"/>
+                <a14:useLocalDpi xmlns="" xmlns:a14="http://schemas.microsoft.com/office/drawing/2010/main" val="0"/>
               </a:ext>
             </a:extLst>
           </a:blip>
@@ -10429,7 +10246,7 @@
           <a:blip r:embed="rId4" cstate="print">
             <a:extLst>
               <a:ext uri="{28A0092B-C50C-407E-A947-70E740481C1C}">
-                <a14:useLocalDpi xmlns:a14="http://schemas.microsoft.com/office/drawing/2010/main" xmlns="" val="0"/>
+                <a14:useLocalDpi xmlns="" xmlns:a14="http://schemas.microsoft.com/office/drawing/2010/main" val="0"/>
               </a:ext>
             </a:extLst>
           </a:blip>
@@ -10459,7 +10276,7 @@
           <a:blip r:embed="rId4" cstate="print">
             <a:extLst>
               <a:ext uri="{28A0092B-C50C-407E-A947-70E740481C1C}">
-                <a14:useLocalDpi xmlns:a14="http://schemas.microsoft.com/office/drawing/2010/main" xmlns="" val="0"/>
+                <a14:useLocalDpi xmlns="" xmlns:a14="http://schemas.microsoft.com/office/drawing/2010/main" val="0"/>
               </a:ext>
             </a:extLst>
           </a:blip>
@@ -10489,7 +10306,7 @@
           <a:blip r:embed="rId4" cstate="print">
             <a:extLst>
               <a:ext uri="{28A0092B-C50C-407E-A947-70E740481C1C}">
-                <a14:useLocalDpi xmlns:a14="http://schemas.microsoft.com/office/drawing/2010/main" xmlns="" val="0"/>
+                <a14:useLocalDpi xmlns="" xmlns:a14="http://schemas.microsoft.com/office/drawing/2010/main" val="0"/>
               </a:ext>
             </a:extLst>
           </a:blip>
@@ -10818,7 +10635,7 @@
           <a:blip r:embed="rId5" cstate="print">
             <a:extLst>
               <a:ext uri="{28A0092B-C50C-407E-A947-70E740481C1C}">
-                <a14:useLocalDpi xmlns:a14="http://schemas.microsoft.com/office/drawing/2010/main" xmlns="" val="0"/>
+                <a14:useLocalDpi xmlns="" xmlns:a14="http://schemas.microsoft.com/office/drawing/2010/main" val="0"/>
               </a:ext>
             </a:extLst>
           </a:blip>
@@ -10848,7 +10665,7 @@
           <a:blip r:embed="rId6" cstate="print">
             <a:extLst>
               <a:ext uri="{28A0092B-C50C-407E-A947-70E740481C1C}">
-                <a14:useLocalDpi xmlns:a14="http://schemas.microsoft.com/office/drawing/2010/main" xmlns="" val="0"/>
+                <a14:useLocalDpi xmlns="" xmlns:a14="http://schemas.microsoft.com/office/drawing/2010/main" val="0"/>
               </a:ext>
             </a:extLst>
           </a:blip>
@@ -10878,7 +10695,7 @@
           <a:blip r:embed="rId7" cstate="print">
             <a:extLst>
               <a:ext uri="{28A0092B-C50C-407E-A947-70E740481C1C}">
-                <a14:useLocalDpi xmlns:a14="http://schemas.microsoft.com/office/drawing/2010/main" xmlns="" val="0"/>
+                <a14:useLocalDpi xmlns="" xmlns:a14="http://schemas.microsoft.com/office/drawing/2010/main" val="0"/>
               </a:ext>
             </a:extLst>
           </a:blip>
@@ -11017,7 +10834,7 @@
           <a:blip r:embed="rId8" cstate="print">
             <a:extLst>
               <a:ext uri="{28A0092B-C50C-407E-A947-70E740481C1C}">
-                <a14:useLocalDpi xmlns:a14="http://schemas.microsoft.com/office/drawing/2010/main" xmlns="" val="0"/>
+                <a14:useLocalDpi xmlns="" xmlns:a14="http://schemas.microsoft.com/office/drawing/2010/main" val="0"/>
               </a:ext>
             </a:extLst>
           </a:blip>
@@ -11047,7 +10864,7 @@
           <a:blip r:embed="rId4" cstate="print">
             <a:extLst>
               <a:ext uri="{28A0092B-C50C-407E-A947-70E740481C1C}">
-                <a14:useLocalDpi xmlns:a14="http://schemas.microsoft.com/office/drawing/2010/main" xmlns="" val="0"/>
+                <a14:useLocalDpi xmlns="" xmlns:a14="http://schemas.microsoft.com/office/drawing/2010/main" val="0"/>
               </a:ext>
             </a:extLst>
           </a:blip>
@@ -11077,7 +10894,7 @@
           <a:blip r:embed="rId9" cstate="print">
             <a:extLst>
               <a:ext uri="{28A0092B-C50C-407E-A947-70E740481C1C}">
-                <a14:useLocalDpi xmlns:a14="http://schemas.microsoft.com/office/drawing/2010/main" xmlns="" val="0"/>
+                <a14:useLocalDpi xmlns="" xmlns:a14="http://schemas.microsoft.com/office/drawing/2010/main" val="0"/>
               </a:ext>
             </a:extLst>
           </a:blip>
@@ -11101,14 +10918,14 @@
           <a:effectLst/>
           <a:extLst>
             <a:ext uri="{909E8E84-426E-40DD-AFC4-6F175D3DCCD1}">
-              <a14:hiddenFill xmlns:a14="http://schemas.microsoft.com/office/drawing/2010/main" xmlns="">
+              <a14:hiddenFill xmlns="" xmlns:a14="http://schemas.microsoft.com/office/drawing/2010/main">
                 <a:solidFill>
                   <a:schemeClr val="accent1"/>
                 </a:solidFill>
               </a14:hiddenFill>
             </a:ext>
             <a:ext uri="{91240B29-F687-4F45-9708-019B960494DF}">
-              <a14:hiddenLine xmlns:a14="http://schemas.microsoft.com/office/drawing/2010/main" xmlns="" w="9525">
+              <a14:hiddenLine xmlns="" xmlns:a14="http://schemas.microsoft.com/office/drawing/2010/main" w="9525">
                 <a:solidFill>
                   <a:schemeClr val="tx1"/>
                 </a:solidFill>
@@ -11118,7 +10935,7 @@
               </a14:hiddenLine>
             </a:ext>
             <a:ext uri="{AF507438-7753-43E0-B8FC-AC1667EBCBE1}">
-              <a14:hiddenEffects xmlns:a14="http://schemas.microsoft.com/office/drawing/2010/main" xmlns="">
+              <a14:hiddenEffects xmlns="" xmlns:a14="http://schemas.microsoft.com/office/drawing/2010/main">
                 <a:effectLst>
                   <a:outerShdw dist="35921" dir="2700000" algn="ctr" rotWithShape="0">
                     <a:schemeClr val="bg2"/>
@@ -11187,7 +11004,7 @@
           <a:blip r:embed="rId9" cstate="print">
             <a:extLst>
               <a:ext uri="{28A0092B-C50C-407E-A947-70E740481C1C}">
-                <a14:useLocalDpi xmlns:a14="http://schemas.microsoft.com/office/drawing/2010/main" xmlns="" val="0"/>
+                <a14:useLocalDpi xmlns="" xmlns:a14="http://schemas.microsoft.com/office/drawing/2010/main" val="0"/>
               </a:ext>
             </a:extLst>
           </a:blip>
@@ -11211,14 +11028,14 @@
           <a:effectLst/>
           <a:extLst>
             <a:ext uri="{909E8E84-426E-40DD-AFC4-6F175D3DCCD1}">
-              <a14:hiddenFill xmlns:a14="http://schemas.microsoft.com/office/drawing/2010/main" xmlns="">
+              <a14:hiddenFill xmlns="" xmlns:a14="http://schemas.microsoft.com/office/drawing/2010/main">
                 <a:solidFill>
                   <a:schemeClr val="accent1"/>
                 </a:solidFill>
               </a14:hiddenFill>
             </a:ext>
             <a:ext uri="{91240B29-F687-4F45-9708-019B960494DF}">
-              <a14:hiddenLine xmlns:a14="http://schemas.microsoft.com/office/drawing/2010/main" xmlns="" w="9525">
+              <a14:hiddenLine xmlns="" xmlns:a14="http://schemas.microsoft.com/office/drawing/2010/main" w="9525">
                 <a:solidFill>
                   <a:schemeClr val="tx1"/>
                 </a:solidFill>
@@ -11228,7 +11045,7 @@
               </a14:hiddenLine>
             </a:ext>
             <a:ext uri="{AF507438-7753-43E0-B8FC-AC1667EBCBE1}">
-              <a14:hiddenEffects xmlns:a14="http://schemas.microsoft.com/office/drawing/2010/main" xmlns="">
+              <a14:hiddenEffects xmlns="" xmlns:a14="http://schemas.microsoft.com/office/drawing/2010/main">
                 <a:effectLst>
                   <a:outerShdw dist="35921" dir="2700000" algn="ctr" rotWithShape="0">
                     <a:schemeClr val="bg2"/>
@@ -11251,7 +11068,7 @@
           <a:blip r:embed="rId3" cstate="print">
             <a:extLst>
               <a:ext uri="{28A0092B-C50C-407E-A947-70E740481C1C}">
-                <a14:useLocalDpi xmlns:a14="http://schemas.microsoft.com/office/drawing/2010/main" xmlns="" val="0"/>
+                <a14:useLocalDpi xmlns="" xmlns:a14="http://schemas.microsoft.com/office/drawing/2010/main" val="0"/>
               </a:ext>
             </a:extLst>
           </a:blip>
@@ -11580,7 +11397,7 @@
     </p:spTree>
     <p:extLst>
       <p:ext uri="{BB962C8B-B14F-4D97-AF65-F5344CB8AC3E}">
-        <p14:creationId xmlns:p14="http://schemas.microsoft.com/office/powerpoint/2010/main" xmlns="" val="2609155689"/>
+        <p14:creationId xmlns="" xmlns:p14="http://schemas.microsoft.com/office/powerpoint/2010/main" val="2609155689"/>
       </p:ext>
     </p:extLst>
   </p:cSld>
@@ -11649,7 +11466,7 @@
           <a:blip r:embed="rId2" cstate="print">
             <a:extLst>
               <a:ext uri="{28A0092B-C50C-407E-A947-70E740481C1C}">
-                <a14:useLocalDpi xmlns:a14="http://schemas.microsoft.com/office/drawing/2010/main" xmlns="" val="0"/>
+                <a14:useLocalDpi xmlns="" xmlns:a14="http://schemas.microsoft.com/office/drawing/2010/main" val="0"/>
               </a:ext>
             </a:extLst>
           </a:blip>
@@ -11669,7 +11486,7 @@
           <a:noFill/>
           <a:extLst>
             <a:ext uri="{909E8E84-426E-40DD-AFC4-6F175D3DCCD1}">
-              <a14:hiddenFill xmlns:a14="http://schemas.microsoft.com/office/drawing/2010/main" xmlns="">
+              <a14:hiddenFill xmlns="" xmlns:a14="http://schemas.microsoft.com/office/drawing/2010/main">
                 <a:solidFill>
                   <a:srgbClr val="FFFFFF"/>
                 </a:solidFill>
@@ -11681,7 +11498,7 @@
     </p:spTree>
     <p:extLst>
       <p:ext uri="{BB962C8B-B14F-4D97-AF65-F5344CB8AC3E}">
-        <p14:creationId xmlns:p14="http://schemas.microsoft.com/office/powerpoint/2010/main" xmlns="" val="547627724"/>
+        <p14:creationId xmlns="" xmlns:p14="http://schemas.microsoft.com/office/powerpoint/2010/main" val="547627724"/>
       </p:ext>
     </p:extLst>
   </p:cSld>
@@ -11727,7 +11544,7 @@
           <a:blip r:embed="rId2" cstate="print">
             <a:extLst>
               <a:ext uri="{28A0092B-C50C-407E-A947-70E740481C1C}">
-                <a14:useLocalDpi xmlns:a14="http://schemas.microsoft.com/office/drawing/2010/main" xmlns="" val="0"/>
+                <a14:useLocalDpi xmlns="" xmlns:a14="http://schemas.microsoft.com/office/drawing/2010/main" val="0"/>
               </a:ext>
             </a:extLst>
           </a:blip>
@@ -11747,7 +11564,7 @@
           <a:noFill/>
           <a:extLst>
             <a:ext uri="{909E8E84-426E-40DD-AFC4-6F175D3DCCD1}">
-              <a14:hiddenFill xmlns:a14="http://schemas.microsoft.com/office/drawing/2010/main" xmlns="">
+              <a14:hiddenFill xmlns="" xmlns:a14="http://schemas.microsoft.com/office/drawing/2010/main">
                 <a:solidFill>
                   <a:srgbClr val="FFFFFF"/>
                 </a:solidFill>
@@ -11787,7 +11604,7 @@
     </p:spTree>
     <p:extLst>
       <p:ext uri="{BB962C8B-B14F-4D97-AF65-F5344CB8AC3E}">
-        <p14:creationId xmlns:p14="http://schemas.microsoft.com/office/powerpoint/2010/main" xmlns="" val="3341074293"/>
+        <p14:creationId xmlns="" xmlns:p14="http://schemas.microsoft.com/office/powerpoint/2010/main" val="3341074293"/>
       </p:ext>
     </p:extLst>
   </p:cSld>
@@ -11987,7 +11804,7 @@
     </p:spTree>
     <p:extLst>
       <p:ext uri="{BB962C8B-B14F-4D97-AF65-F5344CB8AC3E}">
-        <p14:creationId xmlns:p14="http://schemas.microsoft.com/office/powerpoint/2010/main" xmlns="" val="3894779040"/>
+        <p14:creationId xmlns="" xmlns:p14="http://schemas.microsoft.com/office/powerpoint/2010/main" val="3894779040"/>
       </p:ext>
     </p:extLst>
   </p:cSld>
@@ -12033,7 +11850,7 @@
           <a:blip r:embed="rId2" cstate="print">
             <a:extLst>
               <a:ext uri="{28A0092B-C50C-407E-A947-70E740481C1C}">
-                <a14:useLocalDpi xmlns:a14="http://schemas.microsoft.com/office/drawing/2010/main" xmlns="" val="0"/>
+                <a14:useLocalDpi xmlns="" xmlns:a14="http://schemas.microsoft.com/office/drawing/2010/main" val="0"/>
               </a:ext>
             </a:extLst>
           </a:blip>
@@ -12057,14 +11874,14 @@
           <a:effectLst/>
           <a:extLst>
             <a:ext uri="{909E8E84-426E-40DD-AFC4-6F175D3DCCD1}">
-              <a14:hiddenFill xmlns:a14="http://schemas.microsoft.com/office/drawing/2010/main" xmlns="">
+              <a14:hiddenFill xmlns="" xmlns:a14="http://schemas.microsoft.com/office/drawing/2010/main">
                 <a:solidFill>
                   <a:schemeClr val="accent1"/>
                 </a:solidFill>
               </a14:hiddenFill>
             </a:ext>
             <a:ext uri="{91240B29-F687-4F45-9708-019B960494DF}">
-              <a14:hiddenLine xmlns:a14="http://schemas.microsoft.com/office/drawing/2010/main" xmlns="" w="9525">
+              <a14:hiddenLine xmlns="" xmlns:a14="http://schemas.microsoft.com/office/drawing/2010/main" w="9525">
                 <a:solidFill>
                   <a:schemeClr val="tx1"/>
                 </a:solidFill>
@@ -12074,7 +11891,7 @@
               </a14:hiddenLine>
             </a:ext>
             <a:ext uri="{AF507438-7753-43E0-B8FC-AC1667EBCBE1}">
-              <a14:hiddenEffects xmlns:a14="http://schemas.microsoft.com/office/drawing/2010/main" xmlns="">
+              <a14:hiddenEffects xmlns="" xmlns:a14="http://schemas.microsoft.com/office/drawing/2010/main">
                 <a:effectLst>
                   <a:outerShdw dist="35921" dir="2700000" algn="ctr" rotWithShape="0">
                     <a:schemeClr val="bg2"/>
@@ -12116,7 +11933,7 @@
     </p:spTree>
     <p:extLst>
       <p:ext uri="{BB962C8B-B14F-4D97-AF65-F5344CB8AC3E}">
-        <p14:creationId xmlns:p14="http://schemas.microsoft.com/office/powerpoint/2010/main" xmlns="" val="1239993373"/>
+        <p14:creationId xmlns="" xmlns:p14="http://schemas.microsoft.com/office/powerpoint/2010/main" val="1239993373"/>
       </p:ext>
     </p:extLst>
   </p:cSld>
@@ -12172,15 +11989,7 @@
           <a:p>
             <a:r>
               <a:rPr lang="fr-FR" dirty="0" smtClean="0"/>
-              <a:t>Prototype </a:t>
-            </a:r>
-            <a:r>
-              <a:rPr lang="fr-FR" dirty="0" smtClean="0"/>
-              <a:t>d’architecture </a:t>
-            </a:r>
-            <a:r>
-              <a:rPr lang="fr-FR" dirty="0" smtClean="0"/>
-              <a:t>logicielle</a:t>
+              <a:t>Prototype d’architecture logicielle</a:t>
             </a:r>
             <a:endParaRPr lang="fr-FR" dirty="0"/>
           </a:p>
@@ -12987,23 +12796,7 @@
                   <a:srgbClr val="92D050"/>
                 </a:solidFill>
               </a:rPr>
-              <a:t>Traitement </a:t>
-            </a:r>
-            <a:r>
-              <a:rPr lang="fr-FR" sz="1600" dirty="0" smtClean="0">
-                <a:solidFill>
-                  <a:srgbClr val="92D050"/>
-                </a:solidFill>
-              </a:rPr>
-              <a:t>ISIAD </a:t>
-            </a:r>
-            <a:r>
-              <a:rPr lang="fr-FR" sz="1600" dirty="0" smtClean="0">
-                <a:solidFill>
-                  <a:srgbClr val="92D050"/>
-                </a:solidFill>
-              </a:rPr>
-              <a:t>message</a:t>
+              <a:t>Traitement ISIAD message</a:t>
             </a:r>
             <a:endParaRPr lang="fr-FR" sz="1600" dirty="0">
               <a:solidFill>
@@ -13360,7 +13153,7 @@
     </p:spTree>
     <p:extLst>
       <p:ext uri="{BB962C8B-B14F-4D97-AF65-F5344CB8AC3E}">
-        <p14:creationId xmlns:p14="http://schemas.microsoft.com/office/powerpoint/2010/main" xmlns="" val="2899302471"/>
+        <p14:creationId xmlns="" xmlns:p14="http://schemas.microsoft.com/office/powerpoint/2010/main" val="2899302471"/>
       </p:ext>
     </p:extLst>
   </p:cSld>
@@ -13561,12 +13354,12 @@
                             </p:stCondLst>
                             <p:childTnLst>
                               <p:par>
-                                <p:cTn id="22" presetID="42" presetClass="path" presetSubtype="0" accel="50000" decel="50000" fill="hold" grpId="2" nodeType="clickEffect">
+                                <p:cTn id="22" presetID="64" presetClass="path" presetSubtype="0" accel="50000" decel="50000" fill="hold" grpId="3" nodeType="clickEffect">
                                   <p:stCondLst>
                                     <p:cond delay="0"/>
                                   </p:stCondLst>
                                   <p:childTnLst>
-                                    <p:animMotion origin="layout" path="M -0.06736 0.06435 L -0.13403 0.50879 " pathEditMode="relative" rAng="0" ptsTypes="AA">
+                                    <p:animMotion origin="layout" path="M -0.13403 0.50879 L -0.14236 0.03102 " pathEditMode="relative" rAng="0" ptsTypes="AA">
                                       <p:cBhvr>
                                         <p:cTn id="23" dur="2000" fill="hold"/>
                                         <p:tgtEl>
@@ -13577,7 +13370,7 @@
                                           <p:attrName>ppt_y</p:attrName>
                                         </p:attrNameLst>
                                       </p:cBhvr>
-                                      <p:rCtr x="-33" y="222"/>
+                                      <p:rCtr x="-4" y="-239"/>
                                     </p:animMotion>
                                   </p:childTnLst>
                                 </p:cTn>
@@ -13601,12 +13394,12 @@
                             </p:stCondLst>
                             <p:childTnLst>
                               <p:par>
-                                <p:cTn id="26" presetID="64" presetClass="path" presetSubtype="0" accel="50000" decel="50000" fill="hold" grpId="3" nodeType="clickEffect">
+                                <p:cTn id="26" presetID="35" presetClass="path" presetSubtype="0" accel="50000" decel="50000" fill="hold" grpId="4" nodeType="clickEffect">
                                   <p:stCondLst>
                                     <p:cond delay="0"/>
                                   </p:stCondLst>
                                   <p:childTnLst>
-                                    <p:animMotion origin="layout" path="M -0.13403 0.50879 L -0.14236 0.03102 " pathEditMode="relative" rAng="0" ptsTypes="AA">
+                                    <p:animMotion origin="layout" path="M -0.14236 0.03102 L -0.73403 0.03102 " pathEditMode="relative" rAng="0" ptsTypes="AA">
                                       <p:cBhvr>
                                         <p:cTn id="27" dur="2000" fill="hold"/>
                                         <p:tgtEl>
@@ -13617,7 +13410,7 @@
                                           <p:attrName>ppt_y</p:attrName>
                                         </p:attrNameLst>
                                       </p:cBhvr>
-                                      <p:rCtr x="-4" y="-239"/>
+                                      <p:rCtr x="-296" y="0"/>
                                     </p:animMotion>
                                   </p:childTnLst>
                                 </p:cTn>
@@ -13641,59 +13434,19 @@
                             </p:stCondLst>
                             <p:childTnLst>
                               <p:par>
-                                <p:cTn id="30" presetID="35" presetClass="path" presetSubtype="0" accel="50000" decel="50000" fill="hold" grpId="4" nodeType="clickEffect">
-                                  <p:stCondLst>
-                                    <p:cond delay="0"/>
-                                  </p:stCondLst>
-                                  <p:childTnLst>
-                                    <p:animMotion origin="layout" path="M -0.14236 0.03102 L -0.73403 0.03102 " pathEditMode="relative" rAng="0" ptsTypes="AA">
-                                      <p:cBhvr>
-                                        <p:cTn id="31" dur="2000" fill="hold"/>
-                                        <p:tgtEl>
-                                          <p:spTgt spid="15"/>
-                                        </p:tgtEl>
-                                        <p:attrNameLst>
-                                          <p:attrName>ppt_x</p:attrName>
-                                          <p:attrName>ppt_y</p:attrName>
-                                        </p:attrNameLst>
-                                      </p:cBhvr>
-                                      <p:rCtr x="-296" y="0"/>
-                                    </p:animMotion>
-                                  </p:childTnLst>
-                                </p:cTn>
-                              </p:par>
-                            </p:childTnLst>
-                          </p:cTn>
-                        </p:par>
-                      </p:childTnLst>
-                    </p:cTn>
-                  </p:par>
-                  <p:par>
-                    <p:cTn id="32" fill="hold">
-                      <p:stCondLst>
-                        <p:cond delay="indefinite"/>
-                      </p:stCondLst>
-                      <p:childTnLst>
-                        <p:par>
-                          <p:cTn id="33" fill="hold">
-                            <p:stCondLst>
-                              <p:cond delay="0"/>
-                            </p:stCondLst>
-                            <p:childTnLst>
-                              <p:par>
-                                <p:cTn id="34" presetID="5" presetClass="entr" presetSubtype="10" fill="hold" grpId="0" nodeType="clickEffect" nodePh="1">
+                                <p:cTn id="30" presetID="5" presetClass="entr" presetSubtype="10" fill="hold" grpId="0" nodeType="clickEffect" nodePh="1">
                                   <p:stCondLst>
                                     <p:cond delay="0"/>
                                   </p:stCondLst>
                                   <p:endCondLst>
                                     <p:cond evt="begin" delay="0">
-                                      <p:tn val="34"/>
+                                      <p:tn val="30"/>
                                     </p:cond>
                                   </p:endCondLst>
                                   <p:childTnLst>
                                     <p:set>
                                       <p:cBhvr>
-                                        <p:cTn id="35" dur="1" fill="hold">
+                                        <p:cTn id="31" dur="1" fill="hold">
                                           <p:stCondLst>
                                             <p:cond delay="0"/>
                                           </p:stCondLst>
@@ -13711,7 +13464,7 @@
                                     </p:set>
                                     <p:animEffect transition="in" filter="checkerboard(across)">
                                       <p:cBhvr>
-                                        <p:cTn id="36" dur="500"/>
+                                        <p:cTn id="32" dur="500"/>
                                         <p:tgtEl>
                                           <p:spTgt spid="38"/>
                                         </p:tgtEl>
@@ -13727,26 +13480,26 @@
                     </p:cTn>
                   </p:par>
                   <p:par>
-                    <p:cTn id="37" fill="hold">
+                    <p:cTn id="33" fill="hold">
                       <p:stCondLst>
                         <p:cond delay="indefinite"/>
                       </p:stCondLst>
                       <p:childTnLst>
                         <p:par>
-                          <p:cTn id="38" fill="hold">
+                          <p:cTn id="34" fill="hold">
                             <p:stCondLst>
                               <p:cond delay="0"/>
                             </p:stCondLst>
                             <p:childTnLst>
                               <p:par>
-                                <p:cTn id="39" presetID="5" presetClass="entr" presetSubtype="10" fill="hold" nodeType="clickEffect">
+                                <p:cTn id="35" presetID="5" presetClass="entr" presetSubtype="10" fill="hold" nodeType="clickEffect">
                                   <p:stCondLst>
                                     <p:cond delay="0"/>
                                   </p:stCondLst>
                                   <p:childTnLst>
                                     <p:set>
                                       <p:cBhvr>
-                                        <p:cTn id="40" dur="1" fill="hold">
+                                        <p:cTn id="36" dur="1" fill="hold">
                                           <p:stCondLst>
                                             <p:cond delay="0"/>
                                           </p:stCondLst>
@@ -13764,7 +13517,7 @@
                                     </p:set>
                                     <p:animEffect transition="in" filter="checkerboard(across)">
                                       <p:cBhvr>
-                                        <p:cTn id="41" dur="500"/>
+                                        <p:cTn id="37" dur="500"/>
                                         <p:tgtEl>
                                           <p:spTgt spid="23"/>
                                         </p:tgtEl>
@@ -13774,14 +13527,14 @@
                                 </p:cTn>
                               </p:par>
                               <p:par>
-                                <p:cTn id="42" presetID="5" presetClass="entr" presetSubtype="10" fill="hold" grpId="0" nodeType="withEffect">
+                                <p:cTn id="38" presetID="5" presetClass="entr" presetSubtype="10" fill="hold" grpId="0" nodeType="withEffect">
                                   <p:stCondLst>
                                     <p:cond delay="0"/>
                                   </p:stCondLst>
                                   <p:childTnLst>
                                     <p:set>
                                       <p:cBhvr>
-                                        <p:cTn id="43" dur="1" fill="hold">
+                                        <p:cTn id="39" dur="1" fill="hold">
                                           <p:stCondLst>
                                             <p:cond delay="0"/>
                                           </p:stCondLst>
@@ -13799,7 +13552,7 @@
                                     </p:set>
                                     <p:animEffect transition="in" filter="checkerboard(across)">
                                       <p:cBhvr>
-                                        <p:cTn id="44" dur="500"/>
+                                        <p:cTn id="40" dur="500"/>
                                         <p:tgtEl>
                                           <p:spTgt spid="27"/>
                                         </p:tgtEl>
@@ -13815,26 +13568,26 @@
                     </p:cTn>
                   </p:par>
                   <p:par>
-                    <p:cTn id="45" fill="hold">
+                    <p:cTn id="41" fill="hold">
                       <p:stCondLst>
                         <p:cond delay="indefinite"/>
                       </p:stCondLst>
                       <p:childTnLst>
                         <p:par>
-                          <p:cTn id="46" fill="hold">
+                          <p:cTn id="42" fill="hold">
                             <p:stCondLst>
                               <p:cond delay="0"/>
                             </p:stCondLst>
                             <p:childTnLst>
                               <p:par>
-                                <p:cTn id="47" presetID="5" presetClass="entr" presetSubtype="10" fill="hold" grpId="0" nodeType="clickEffect">
+                                <p:cTn id="43" presetID="5" presetClass="entr" presetSubtype="10" fill="hold" grpId="0" nodeType="clickEffect">
                                   <p:stCondLst>
                                     <p:cond delay="0"/>
                                   </p:stCondLst>
                                   <p:childTnLst>
                                     <p:set>
                                       <p:cBhvr>
-                                        <p:cTn id="48" dur="1" fill="hold">
+                                        <p:cTn id="44" dur="1" fill="hold">
                                           <p:stCondLst>
                                             <p:cond delay="0"/>
                                           </p:stCondLst>
@@ -13852,7 +13605,7 @@
                                     </p:set>
                                     <p:animEffect transition="in" filter="checkerboard(across)">
                                       <p:cBhvr>
-                                        <p:cTn id="49" dur="500"/>
+                                        <p:cTn id="45" dur="500"/>
                                         <p:tgtEl>
                                           <p:spTgt spid="39"/>
                                         </p:tgtEl>
@@ -13862,14 +13615,14 @@
                                 </p:cTn>
                               </p:par>
                               <p:par>
-                                <p:cTn id="50" presetID="5" presetClass="entr" presetSubtype="10" fill="hold" grpId="0" nodeType="withEffect">
+                                <p:cTn id="46" presetID="5" presetClass="entr" presetSubtype="10" fill="hold" grpId="0" nodeType="withEffect">
                                   <p:stCondLst>
                                     <p:cond delay="0"/>
                                   </p:stCondLst>
                                   <p:childTnLst>
                                     <p:set>
                                       <p:cBhvr>
-                                        <p:cTn id="51" dur="1" fill="hold">
+                                        <p:cTn id="47" dur="1" fill="hold">
                                           <p:stCondLst>
                                             <p:cond delay="0"/>
                                           </p:stCondLst>
@@ -13887,7 +13640,7 @@
                                     </p:set>
                                     <p:animEffect transition="in" filter="checkerboard(across)">
                                       <p:cBhvr>
-                                        <p:cTn id="52" dur="500"/>
+                                        <p:cTn id="48" dur="500"/>
                                         <p:tgtEl>
                                           <p:spTgt spid="36"/>
                                         </p:tgtEl>
@@ -13897,20 +13650,60 @@
                                 </p:cTn>
                               </p:par>
                               <p:par>
-                                <p:cTn id="53" presetID="6" presetClass="emph" presetSubtype="0" fill="hold" grpId="0" nodeType="withEffect">
+                                <p:cTn id="49" presetID="6" presetClass="emph" presetSubtype="0" fill="hold" grpId="0" nodeType="withEffect">
                                   <p:stCondLst>
                                     <p:cond delay="0"/>
                                   </p:stCondLst>
                                   <p:childTnLst>
                                     <p:animScale>
                                       <p:cBhvr>
-                                        <p:cTn id="54" dur="2000" fill="hold"/>
+                                        <p:cTn id="50" dur="2000" fill="hold"/>
                                         <p:tgtEl>
                                           <p:spTgt spid="9"/>
                                         </p:tgtEl>
                                       </p:cBhvr>
                                       <p:by x="150000" y="150000"/>
                                     </p:animScale>
+                                  </p:childTnLst>
+                                </p:cTn>
+                              </p:par>
+                            </p:childTnLst>
+                          </p:cTn>
+                        </p:par>
+                      </p:childTnLst>
+                    </p:cTn>
+                  </p:par>
+                  <p:par>
+                    <p:cTn id="51" fill="hold">
+                      <p:stCondLst>
+                        <p:cond delay="indefinite"/>
+                      </p:stCondLst>
+                      <p:childTnLst>
+                        <p:par>
+                          <p:cTn id="52" fill="hold">
+                            <p:stCondLst>
+                              <p:cond delay="0"/>
+                            </p:stCondLst>
+                            <p:childTnLst>
+                              <p:par>
+                                <p:cTn id="53" presetID="63" presetClass="path" presetSubtype="0" accel="50000" decel="50000" fill="hold" grpId="5" nodeType="clickEffect">
+                                  <p:stCondLst>
+                                    <p:cond delay="0"/>
+                                  </p:stCondLst>
+                                  <p:childTnLst>
+                                    <p:animMotion origin="layout" path="M -0.73403 0.03102 L -0.36736 0.28657 " pathEditMode="relative" rAng="0" ptsTypes="AA">
+                                      <p:cBhvr>
+                                        <p:cTn id="54" dur="2000" fill="hold"/>
+                                        <p:tgtEl>
+                                          <p:spTgt spid="15"/>
+                                        </p:tgtEl>
+                                        <p:attrNameLst>
+                                          <p:attrName>ppt_x</p:attrName>
+                                          <p:attrName>ppt_y</p:attrName>
+                                        </p:attrNameLst>
+                                      </p:cBhvr>
+                                      <p:rCtr x="183" y="128"/>
+                                    </p:animMotion>
                                   </p:childTnLst>
                                 </p:cTn>
                               </p:par>
@@ -13933,54 +13726,14 @@
                             </p:stCondLst>
                             <p:childTnLst>
                               <p:par>
-                                <p:cTn id="57" presetID="63" presetClass="path" presetSubtype="0" accel="50000" decel="50000" fill="hold" grpId="5" nodeType="clickEffect">
-                                  <p:stCondLst>
-                                    <p:cond delay="0"/>
-                                  </p:stCondLst>
-                                  <p:childTnLst>
-                                    <p:animMotion origin="layout" path="M -0.73403 0.03102 L -0.36736 0.28657 " pathEditMode="relative" rAng="0" ptsTypes="AA">
-                                      <p:cBhvr>
-                                        <p:cTn id="58" dur="2000" fill="hold"/>
-                                        <p:tgtEl>
-                                          <p:spTgt spid="15"/>
-                                        </p:tgtEl>
-                                        <p:attrNameLst>
-                                          <p:attrName>ppt_x</p:attrName>
-                                          <p:attrName>ppt_y</p:attrName>
-                                        </p:attrNameLst>
-                                      </p:cBhvr>
-                                      <p:rCtr x="183" y="128"/>
-                                    </p:animMotion>
-                                  </p:childTnLst>
-                                </p:cTn>
-                              </p:par>
-                            </p:childTnLst>
-                          </p:cTn>
-                        </p:par>
-                      </p:childTnLst>
-                    </p:cTn>
-                  </p:par>
-                  <p:par>
-                    <p:cTn id="59" fill="hold">
-                      <p:stCondLst>
-                        <p:cond delay="indefinite"/>
-                      </p:stCondLst>
-                      <p:childTnLst>
-                        <p:par>
-                          <p:cTn id="60" fill="hold">
-                            <p:stCondLst>
-                              <p:cond delay="0"/>
-                            </p:stCondLst>
-                            <p:childTnLst>
-                              <p:par>
-                                <p:cTn id="61" presetID="63" presetClass="path" presetSubtype="0" accel="50000" decel="50000" fill="hold" grpId="6" nodeType="clickEffect">
+                                <p:cTn id="57" presetID="63" presetClass="path" presetSubtype="0" accel="50000" decel="50000" fill="hold" grpId="6" nodeType="clickEffect">
                                   <p:stCondLst>
                                     <p:cond delay="0"/>
                                   </p:stCondLst>
                                   <p:childTnLst>
                                     <p:animMotion origin="layout" path="M -0.36736 0.28657 L -0.63403 0.40879 " pathEditMode="relative" rAng="0" ptsTypes="AA">
                                       <p:cBhvr>
-                                        <p:cTn id="62" dur="2000" fill="hold"/>
+                                        <p:cTn id="58" dur="2000" fill="hold"/>
                                         <p:tgtEl>
                                           <p:spTgt spid="15"/>
                                         </p:tgtEl>
@@ -14121,7 +13874,7 @@
     </p:spTree>
     <p:extLst>
       <p:ext uri="{BB962C8B-B14F-4D97-AF65-F5344CB8AC3E}">
-        <p14:creationId xmlns:p14="http://schemas.microsoft.com/office/powerpoint/2010/main" xmlns="" val="2025061542"/>
+        <p14:creationId xmlns="" xmlns:p14="http://schemas.microsoft.com/office/powerpoint/2010/main" val="2025061542"/>
       </p:ext>
     </p:extLst>
   </p:cSld>
@@ -14181,7 +13934,7 @@
     </p:spTree>
     <p:extLst>
       <p:ext uri="{BB962C8B-B14F-4D97-AF65-F5344CB8AC3E}">
-        <p14:creationId xmlns:p14="http://schemas.microsoft.com/office/powerpoint/2010/main" xmlns="" val="353800143"/>
+        <p14:creationId xmlns="" xmlns:p14="http://schemas.microsoft.com/office/powerpoint/2010/main" val="353800143"/>
       </p:ext>
     </p:extLst>
   </p:cSld>
@@ -14250,7 +14003,7 @@
           <a:blip r:embed="rId2" cstate="print">
             <a:extLst>
               <a:ext uri="{28A0092B-C50C-407E-A947-70E740481C1C}">
-                <a14:useLocalDpi xmlns:a14="http://schemas.microsoft.com/office/drawing/2010/main" xmlns="" val="0"/>
+                <a14:useLocalDpi xmlns="" xmlns:a14="http://schemas.microsoft.com/office/drawing/2010/main" val="0"/>
               </a:ext>
             </a:extLst>
           </a:blip>
@@ -14274,14 +14027,14 @@
           <a:effectLst/>
           <a:extLst>
             <a:ext uri="{909E8E84-426E-40DD-AFC4-6F175D3DCCD1}">
-              <a14:hiddenFill xmlns:a14="http://schemas.microsoft.com/office/drawing/2010/main" xmlns="">
+              <a14:hiddenFill xmlns="" xmlns:a14="http://schemas.microsoft.com/office/drawing/2010/main">
                 <a:solidFill>
                   <a:schemeClr val="accent1"/>
                 </a:solidFill>
               </a14:hiddenFill>
             </a:ext>
             <a:ext uri="{91240B29-F687-4F45-9708-019B960494DF}">
-              <a14:hiddenLine xmlns:a14="http://schemas.microsoft.com/office/drawing/2010/main" xmlns="" w="9525">
+              <a14:hiddenLine xmlns="" xmlns:a14="http://schemas.microsoft.com/office/drawing/2010/main" w="9525">
                 <a:solidFill>
                   <a:schemeClr val="tx1"/>
                 </a:solidFill>
@@ -14291,7 +14044,7 @@
               </a14:hiddenLine>
             </a:ext>
             <a:ext uri="{AF507438-7753-43E0-B8FC-AC1667EBCBE1}">
-              <a14:hiddenEffects xmlns:a14="http://schemas.microsoft.com/office/drawing/2010/main" xmlns="">
+              <a14:hiddenEffects xmlns="" xmlns:a14="http://schemas.microsoft.com/office/drawing/2010/main">
                 <a:effectLst>
                   <a:outerShdw dist="35921" dir="2700000" algn="ctr" rotWithShape="0">
                     <a:schemeClr val="bg2"/>
@@ -14305,7 +14058,7 @@
     </p:spTree>
     <p:extLst>
       <p:ext uri="{BB962C8B-B14F-4D97-AF65-F5344CB8AC3E}">
-        <p14:creationId xmlns:p14="http://schemas.microsoft.com/office/powerpoint/2010/main" xmlns="" val="1922197765"/>
+        <p14:creationId xmlns="" xmlns:p14="http://schemas.microsoft.com/office/powerpoint/2010/main" val="1922197765"/>
       </p:ext>
     </p:extLst>
   </p:cSld>
@@ -14379,7 +14132,7 @@
           <a:blip r:embed="rId2" cstate="print">
             <a:extLst>
               <a:ext uri="{28A0092B-C50C-407E-A947-70E740481C1C}">
-                <a14:useLocalDpi xmlns:a14="http://schemas.microsoft.com/office/drawing/2010/main" xmlns="" val="0"/>
+                <a14:useLocalDpi xmlns="" xmlns:a14="http://schemas.microsoft.com/office/drawing/2010/main" val="0"/>
               </a:ext>
             </a:extLst>
           </a:blip>
@@ -14403,14 +14156,14 @@
           <a:effectLst/>
           <a:extLst>
             <a:ext uri="{909E8E84-426E-40DD-AFC4-6F175D3DCCD1}">
-              <a14:hiddenFill xmlns:a14="http://schemas.microsoft.com/office/drawing/2010/main" xmlns="">
+              <a14:hiddenFill xmlns="" xmlns:a14="http://schemas.microsoft.com/office/drawing/2010/main">
                 <a:solidFill>
                   <a:schemeClr val="accent1"/>
                 </a:solidFill>
               </a14:hiddenFill>
             </a:ext>
             <a:ext uri="{91240B29-F687-4F45-9708-019B960494DF}">
-              <a14:hiddenLine xmlns:a14="http://schemas.microsoft.com/office/drawing/2010/main" xmlns="" w="9525">
+              <a14:hiddenLine xmlns="" xmlns:a14="http://schemas.microsoft.com/office/drawing/2010/main" w="9525">
                 <a:solidFill>
                   <a:schemeClr val="tx1"/>
                 </a:solidFill>
@@ -14420,7 +14173,7 @@
               </a14:hiddenLine>
             </a:ext>
             <a:ext uri="{AF507438-7753-43E0-B8FC-AC1667EBCBE1}">
-              <a14:hiddenEffects xmlns:a14="http://schemas.microsoft.com/office/drawing/2010/main" xmlns="">
+              <a14:hiddenEffects xmlns="" xmlns:a14="http://schemas.microsoft.com/office/drawing/2010/main">
                 <a:effectLst>
                   <a:outerShdw dist="35921" dir="2700000" algn="ctr" rotWithShape="0">
                     <a:schemeClr val="bg2"/>
@@ -14434,7 +14187,7 @@
     </p:spTree>
     <p:extLst>
       <p:ext uri="{BB962C8B-B14F-4D97-AF65-F5344CB8AC3E}">
-        <p14:creationId xmlns:p14="http://schemas.microsoft.com/office/powerpoint/2010/main" xmlns="" val="2572490974"/>
+        <p14:creationId xmlns="" xmlns:p14="http://schemas.microsoft.com/office/powerpoint/2010/main" val="2572490974"/>
       </p:ext>
     </p:extLst>
   </p:cSld>
@@ -14621,7 +14374,7 @@
     </p:spTree>
     <p:extLst>
       <p:ext uri="{BB962C8B-B14F-4D97-AF65-F5344CB8AC3E}">
-        <p14:creationId xmlns:p14="http://schemas.microsoft.com/office/powerpoint/2010/main" xmlns="" val="143085231"/>
+        <p14:creationId xmlns="" xmlns:p14="http://schemas.microsoft.com/office/powerpoint/2010/main" val="143085231"/>
       </p:ext>
     </p:extLst>
   </p:cSld>
@@ -14788,7 +14541,7 @@
           <p:nvPr>
             <p:extLst>
               <p:ext uri="{D42A27DB-BD31-4B8C-83A1-F6EECF244321}">
-                <p14:modId xmlns:p14="http://schemas.microsoft.com/office/powerpoint/2010/main" xmlns="" val="3943238416"/>
+                <p14:modId xmlns="" xmlns:p14="http://schemas.microsoft.com/office/powerpoint/2010/main" val="3943238416"/>
               </p:ext>
             </p:extLst>
           </p:nvPr>
@@ -16298,7 +16051,7 @@
           <a:blip r:embed="rId2" cstate="print">
             <a:extLst>
               <a:ext uri="{28A0092B-C50C-407E-A947-70E740481C1C}">
-                <a14:useLocalDpi xmlns:a14="http://schemas.microsoft.com/office/drawing/2010/main" xmlns="" val="0"/>
+                <a14:useLocalDpi xmlns="" xmlns:a14="http://schemas.microsoft.com/office/drawing/2010/main" val="0"/>
               </a:ext>
             </a:extLst>
           </a:blip>
@@ -16488,7 +16241,7 @@
     </p:spTree>
     <p:extLst>
       <p:ext uri="{BB962C8B-B14F-4D97-AF65-F5344CB8AC3E}">
-        <p14:creationId xmlns:p14="http://schemas.microsoft.com/office/powerpoint/2010/main" xmlns="" val="772982720"/>
+        <p14:creationId xmlns="" xmlns:p14="http://schemas.microsoft.com/office/powerpoint/2010/main" val="772982720"/>
       </p:ext>
     </p:extLst>
   </p:cSld>
@@ -17192,7 +16945,7 @@
           <a:blip r:embed="rId2" cstate="print">
             <a:extLst>
               <a:ext uri="{28A0092B-C50C-407E-A947-70E740481C1C}">
-                <a14:useLocalDpi xmlns:a14="http://schemas.microsoft.com/office/drawing/2010/main" xmlns="" val="0"/>
+                <a14:useLocalDpi xmlns="" xmlns:a14="http://schemas.microsoft.com/office/drawing/2010/main" val="0"/>
               </a:ext>
             </a:extLst>
           </a:blip>
@@ -17211,7 +16964,7 @@
     </p:spTree>
     <p:extLst>
       <p:ext uri="{BB962C8B-B14F-4D97-AF65-F5344CB8AC3E}">
-        <p14:creationId xmlns:p14="http://schemas.microsoft.com/office/powerpoint/2010/main" xmlns="" val="1632595821"/>
+        <p14:creationId xmlns="" xmlns:p14="http://schemas.microsoft.com/office/powerpoint/2010/main" val="1632595821"/>
       </p:ext>
     </p:extLst>
   </p:cSld>
@@ -17322,7 +17075,7 @@
     </p:spTree>
     <p:extLst>
       <p:ext uri="{BB962C8B-B14F-4D97-AF65-F5344CB8AC3E}">
-        <p14:creationId xmlns:p14="http://schemas.microsoft.com/office/powerpoint/2010/main" xmlns="" val="3574730836"/>
+        <p14:creationId xmlns="" xmlns:p14="http://schemas.microsoft.com/office/powerpoint/2010/main" val="3574730836"/>
       </p:ext>
     </p:extLst>
   </p:cSld>
@@ -17771,7 +17524,7 @@
     </p:spTree>
     <p:extLst>
       <p:ext uri="{BB962C8B-B14F-4D97-AF65-F5344CB8AC3E}">
-        <p14:creationId xmlns:p14="http://schemas.microsoft.com/office/powerpoint/2010/main" xmlns="" val="4137496560"/>
+        <p14:creationId xmlns="" xmlns:p14="http://schemas.microsoft.com/office/powerpoint/2010/main" val="4137496560"/>
       </p:ext>
     </p:extLst>
   </p:cSld>

--- a/trunk/Appli/Méthodologie/Général/Copil/Copil 1/VAL.pptx
+++ b/trunk/Appli/Méthodologie/Général/Copil/Copil 1/VAL.pptx
@@ -214,8 +214,7 @@
           <a:p>
             <a:fld id="{465F8346-AC1B-4ED9-A5A2-49BCE3C4FB8F}" type="datetimeFigureOut">
               <a:rPr lang="fr-FR" smtClean="0"/>
-              <a:pPr/>
-              <a:t>05/12/2012</a:t>
+              <a:t>04/12/2012</a:t>
             </a:fld>
             <a:endParaRPr lang="fr-FR"/>
           </a:p>
@@ -374,8 +373,7 @@
           <a:p>
             <a:fld id="{F98BCAEF-4157-483F-814F-91DCDC9C17BC}" type="slidenum">
               <a:rPr lang="fr-FR" smtClean="0"/>
-              <a:pPr/>
-              <a:t>‹N°›</a:t>
+              <a:t>‹#›</a:t>
             </a:fld>
             <a:endParaRPr lang="fr-FR"/>
           </a:p>
@@ -384,7 +382,7 @@
     </p:spTree>
     <p:extLst>
       <p:ext uri="{BB962C8B-B14F-4D97-AF65-F5344CB8AC3E}">
-        <p14:creationId xmlns="" xmlns:p14="http://schemas.microsoft.com/office/powerpoint/2010/main" val="958719818"/>
+        <p14:creationId xmlns:p14="http://schemas.microsoft.com/office/powerpoint/2010/main" val="958719818"/>
       </p:ext>
     </p:extLst>
   </p:cSld>
@@ -615,7 +613,6 @@
           <a:p>
             <a:fld id="{F98BCAEF-4157-483F-814F-91DCDC9C17BC}" type="slidenum">
               <a:rPr lang="fr-FR" smtClean="0"/>
-              <a:pPr/>
               <a:t>17</a:t>
             </a:fld>
             <a:endParaRPr lang="fr-FR"/>
@@ -625,91 +622,9 @@
     </p:spTree>
     <p:extLst>
       <p:ext uri="{BB962C8B-B14F-4D97-AF65-F5344CB8AC3E}">
-        <p14:creationId xmlns="" xmlns:p14="http://schemas.microsoft.com/office/powerpoint/2010/main" val="1918925604"/>
+        <p14:creationId xmlns:p14="http://schemas.microsoft.com/office/powerpoint/2010/main" val="1918925604"/>
       </p:ext>
     </p:extLst>
-  </p:cSld>
-  <p:clrMapOvr>
-    <a:masterClrMapping/>
-  </p:clrMapOvr>
-</p:notes>
-</file>
-
-<file path=ppt/notesSlides/notesSlide2.xml><?xml version="1.0" encoding="utf-8"?>
-<p:notes xmlns:a="http://schemas.openxmlformats.org/drawingml/2006/main" xmlns:r="http://schemas.openxmlformats.org/officeDocument/2006/relationships" xmlns:p="http://schemas.openxmlformats.org/presentationml/2006/main">
-  <p:cSld>
-    <p:spTree>
-      <p:nvGrpSpPr>
-        <p:cNvPr id="1" name=""/>
-        <p:cNvGrpSpPr/>
-        <p:nvPr/>
-      </p:nvGrpSpPr>
-      <p:grpSpPr>
-        <a:xfrm>
-          <a:off x="0" y="0"/>
-          <a:ext cx="0" cy="0"/>
-          <a:chOff x="0" y="0"/>
-          <a:chExt cx="0" cy="0"/>
-        </a:xfrm>
-      </p:grpSpPr>
-      <p:sp>
-        <p:nvSpPr>
-          <p:cNvPr id="2" name="Espace réservé de l'image des diapositives 1"/>
-          <p:cNvSpPr>
-            <a:spLocks noGrp="1" noRot="1" noChangeAspect="1"/>
-          </p:cNvSpPr>
-          <p:nvPr>
-            <p:ph type="sldImg"/>
-          </p:nvPr>
-        </p:nvSpPr>
-        <p:spPr/>
-      </p:sp>
-      <p:sp>
-        <p:nvSpPr>
-          <p:cNvPr id="3" name="Espace réservé des commentaires 2"/>
-          <p:cNvSpPr>
-            <a:spLocks noGrp="1"/>
-          </p:cNvSpPr>
-          <p:nvPr>
-            <p:ph type="body" idx="1"/>
-          </p:nvPr>
-        </p:nvSpPr>
-        <p:spPr/>
-        <p:txBody>
-          <a:bodyPr>
-            <a:normAutofit/>
-          </a:bodyPr>
-          <a:lstStyle/>
-          <a:p>
-            <a:endParaRPr lang="fr-FR" dirty="0"/>
-          </a:p>
-        </p:txBody>
-      </p:sp>
-      <p:sp>
-        <p:nvSpPr>
-          <p:cNvPr id="4" name="Espace réservé du numéro de diapositive 3"/>
-          <p:cNvSpPr>
-            <a:spLocks noGrp="1"/>
-          </p:cNvSpPr>
-          <p:nvPr>
-            <p:ph type="sldNum" sz="quarter" idx="10"/>
-          </p:nvPr>
-        </p:nvSpPr>
-        <p:spPr/>
-        <p:txBody>
-          <a:bodyPr/>
-          <a:lstStyle/>
-          <a:p>
-            <a:fld id="{F98BCAEF-4157-483F-814F-91DCDC9C17BC}" type="slidenum">
-              <a:rPr lang="fr-FR" smtClean="0"/>
-              <a:pPr/>
-              <a:t>21</a:t>
-            </a:fld>
-            <a:endParaRPr lang="fr-FR"/>
-          </a:p>
-        </p:txBody>
-      </p:sp>
-    </p:spTree>
   </p:cSld>
   <p:clrMapOvr>
     <a:masterClrMapping/>
@@ -906,7 +821,7 @@
             <a:fld id="{1D8BD707-D9CF-40AE-B4C6-C98DA3205C09}" type="datetimeFigureOut">
               <a:rPr lang="en-US" smtClean="0"/>
               <a:pPr/>
-              <a:t>12/5/2012</a:t>
+              <a:t>12/4/2012</a:t>
             </a:fld>
             <a:endParaRPr lang="en-US"/>
           </a:p>
@@ -949,7 +864,7 @@
             <a:fld id="{B6F15528-21DE-4FAA-801E-634DDDAF4B2B}" type="slidenum">
               <a:rPr lang="en-US" smtClean="0"/>
               <a:pPr/>
-              <a:t>‹N°›</a:t>
+              <a:t>‹#›</a:t>
             </a:fld>
             <a:endParaRPr lang="en-US"/>
           </a:p>
@@ -1108,7 +1023,7 @@
             <a:fld id="{1D8BD707-D9CF-40AE-B4C6-C98DA3205C09}" type="datetimeFigureOut">
               <a:rPr lang="en-US" smtClean="0"/>
               <a:pPr/>
-              <a:t>12/5/2012</a:t>
+              <a:t>12/4/2012</a:t>
             </a:fld>
             <a:endParaRPr lang="en-US"/>
           </a:p>
@@ -1151,7 +1066,7 @@
             <a:fld id="{B6F15528-21DE-4FAA-801E-634DDDAF4B2B}" type="slidenum">
               <a:rPr lang="en-US" smtClean="0"/>
               <a:pPr/>
-              <a:t>‹N°›</a:t>
+              <a:t>‹#›</a:t>
             </a:fld>
             <a:endParaRPr lang="en-US"/>
           </a:p>
@@ -1285,7 +1200,7 @@
             <a:fld id="{1D8BD707-D9CF-40AE-B4C6-C98DA3205C09}" type="datetimeFigureOut">
               <a:rPr lang="en-US" smtClean="0"/>
               <a:pPr/>
-              <a:t>12/5/2012</a:t>
+              <a:t>12/4/2012</a:t>
             </a:fld>
             <a:endParaRPr lang="en-US"/>
           </a:p>
@@ -1328,7 +1243,7 @@
             <a:fld id="{B6F15528-21DE-4FAA-801E-634DDDAF4B2B}" type="slidenum">
               <a:rPr lang="en-US" smtClean="0"/>
               <a:pPr/>
-              <a:t>‹N°›</a:t>
+              <a:t>‹#›</a:t>
             </a:fld>
             <a:endParaRPr lang="en-US"/>
           </a:p>
@@ -1452,7 +1367,7 @@
             <a:fld id="{1D8BD707-D9CF-40AE-B4C6-C98DA3205C09}" type="datetimeFigureOut">
               <a:rPr lang="en-US" smtClean="0"/>
               <a:pPr/>
-              <a:t>12/5/2012</a:t>
+              <a:t>12/4/2012</a:t>
             </a:fld>
             <a:endParaRPr lang="en-US"/>
           </a:p>
@@ -1495,7 +1410,7 @@
             <a:fld id="{B6F15528-21DE-4FAA-801E-634DDDAF4B2B}" type="slidenum">
               <a:rPr lang="en-US" smtClean="0"/>
               <a:pPr/>
-              <a:t>‹N°›</a:t>
+              <a:t>‹#›</a:t>
             </a:fld>
             <a:endParaRPr lang="en-US"/>
           </a:p>
@@ -1702,7 +1617,7 @@
             <a:fld id="{1D8BD707-D9CF-40AE-B4C6-C98DA3205C09}" type="datetimeFigureOut">
               <a:rPr lang="en-US" smtClean="0"/>
               <a:pPr/>
-              <a:t>12/5/2012</a:t>
+              <a:t>12/4/2012</a:t>
             </a:fld>
             <a:endParaRPr lang="en-US"/>
           </a:p>
@@ -1745,7 +1660,7 @@
             <a:fld id="{B6F15528-21DE-4FAA-801E-634DDDAF4B2B}" type="slidenum">
               <a:rPr lang="en-US" smtClean="0"/>
               <a:pPr/>
-              <a:t>‹N°›</a:t>
+              <a:t>‹#›</a:t>
             </a:fld>
             <a:endParaRPr lang="en-US"/>
           </a:p>
@@ -2022,7 +1937,7 @@
             <a:fld id="{1D8BD707-D9CF-40AE-B4C6-C98DA3205C09}" type="datetimeFigureOut">
               <a:rPr lang="en-US" smtClean="0"/>
               <a:pPr/>
-              <a:t>12/5/2012</a:t>
+              <a:t>12/4/2012</a:t>
             </a:fld>
             <a:endParaRPr lang="en-US"/>
           </a:p>
@@ -2065,7 +1980,7 @@
             <a:fld id="{B6F15528-21DE-4FAA-801E-634DDDAF4B2B}" type="slidenum">
               <a:rPr lang="en-US" smtClean="0"/>
               <a:pPr/>
-              <a:t>‹N°›</a:t>
+              <a:t>‹#›</a:t>
             </a:fld>
             <a:endParaRPr lang="en-US"/>
           </a:p>
@@ -2490,7 +2405,7 @@
             <a:fld id="{1D8BD707-D9CF-40AE-B4C6-C98DA3205C09}" type="datetimeFigureOut">
               <a:rPr lang="en-US" smtClean="0"/>
               <a:pPr/>
-              <a:t>12/5/2012</a:t>
+              <a:t>12/4/2012</a:t>
             </a:fld>
             <a:endParaRPr lang="en-US"/>
           </a:p>
@@ -2533,7 +2448,7 @@
             <a:fld id="{B6F15528-21DE-4FAA-801E-634DDDAF4B2B}" type="slidenum">
               <a:rPr lang="en-US" smtClean="0"/>
               <a:pPr/>
-              <a:t>‹N°›</a:t>
+              <a:t>‹#›</a:t>
             </a:fld>
             <a:endParaRPr lang="en-US"/>
           </a:p>
@@ -2640,7 +2555,7 @@
             <a:fld id="{1D8BD707-D9CF-40AE-B4C6-C98DA3205C09}" type="datetimeFigureOut">
               <a:rPr lang="en-US" smtClean="0"/>
               <a:pPr/>
-              <a:t>12/5/2012</a:t>
+              <a:t>12/4/2012</a:t>
             </a:fld>
             <a:endParaRPr lang="en-US"/>
           </a:p>
@@ -2683,7 +2598,7 @@
             <a:fld id="{B6F15528-21DE-4FAA-801E-634DDDAF4B2B}" type="slidenum">
               <a:rPr lang="en-US" smtClean="0"/>
               <a:pPr/>
-              <a:t>‹N°›</a:t>
+              <a:t>‹#›</a:t>
             </a:fld>
             <a:endParaRPr lang="en-US"/>
           </a:p>
@@ -2732,7 +2647,7 @@
             <a:fld id="{1D8BD707-D9CF-40AE-B4C6-C98DA3205C09}" type="datetimeFigureOut">
               <a:rPr lang="en-US" smtClean="0"/>
               <a:pPr/>
-              <a:t>12/5/2012</a:t>
+              <a:t>12/4/2012</a:t>
             </a:fld>
             <a:endParaRPr lang="en-US"/>
           </a:p>
@@ -2775,7 +2690,7 @@
             <a:fld id="{B6F15528-21DE-4FAA-801E-634DDDAF4B2B}" type="slidenum">
               <a:rPr lang="en-US" smtClean="0"/>
               <a:pPr/>
-              <a:t>‹N°›</a:t>
+              <a:t>‹#›</a:t>
             </a:fld>
             <a:endParaRPr lang="en-US"/>
           </a:p>
@@ -3008,7 +2923,7 @@
             <a:fld id="{1D8BD707-D9CF-40AE-B4C6-C98DA3205C09}" type="datetimeFigureOut">
               <a:rPr lang="en-US" smtClean="0"/>
               <a:pPr/>
-              <a:t>12/5/2012</a:t>
+              <a:t>12/4/2012</a:t>
             </a:fld>
             <a:endParaRPr lang="en-US"/>
           </a:p>
@@ -3051,7 +2966,7 @@
             <a:fld id="{B6F15528-21DE-4FAA-801E-634DDDAF4B2B}" type="slidenum">
               <a:rPr lang="en-US" smtClean="0"/>
               <a:pPr/>
-              <a:t>‹N°›</a:t>
+              <a:t>‹#›</a:t>
             </a:fld>
             <a:endParaRPr lang="en-US"/>
           </a:p>
@@ -3315,7 +3230,7 @@
             <a:fld id="{1D8BD707-D9CF-40AE-B4C6-C98DA3205C09}" type="datetimeFigureOut">
               <a:rPr lang="en-US" smtClean="0"/>
               <a:pPr/>
-              <a:t>12/5/2012</a:t>
+              <a:t>12/4/2012</a:t>
             </a:fld>
             <a:endParaRPr lang="en-US"/>
           </a:p>
@@ -3358,7 +3273,7 @@
             <a:fld id="{B6F15528-21DE-4FAA-801E-634DDDAF4B2B}" type="slidenum">
               <a:rPr lang="en-US" smtClean="0"/>
               <a:pPr/>
-              <a:t>‹N°›</a:t>
+              <a:t>‹#›</a:t>
             </a:fld>
             <a:endParaRPr lang="en-US"/>
           </a:p>
@@ -3615,7 +3530,7 @@
             <a:fld id="{1D8BD707-D9CF-40AE-B4C6-C98DA3205C09}" type="datetimeFigureOut">
               <a:rPr lang="en-US" smtClean="0"/>
               <a:pPr/>
-              <a:t>12/5/2012</a:t>
+              <a:t>12/4/2012</a:t>
             </a:fld>
             <a:endParaRPr lang="en-US"/>
           </a:p>
@@ -3690,7 +3605,7 @@
             <a:fld id="{B6F15528-21DE-4FAA-801E-634DDDAF4B2B}" type="slidenum">
               <a:rPr lang="en-US" smtClean="0"/>
               <a:pPr/>
-              <a:t>‹N°›</a:t>
+              <a:t>‹#›</a:t>
             </a:fld>
             <a:endParaRPr lang="en-US"/>
           </a:p>
@@ -4062,7 +3977,7 @@
     </p:spTree>
     <p:extLst>
       <p:ext uri="{BB962C8B-B14F-4D97-AF65-F5344CB8AC3E}">
-        <p14:creationId xmlns="" xmlns:p14="http://schemas.microsoft.com/office/powerpoint/2010/main" val="3992780646"/>
+        <p14:creationId xmlns:p14="http://schemas.microsoft.com/office/powerpoint/2010/main" val="3992780646"/>
       </p:ext>
     </p:extLst>
   </p:cSld>
@@ -4131,7 +4046,7 @@
           <a:blip r:embed="rId2" cstate="print">
             <a:extLst>
               <a:ext uri="{28A0092B-C50C-407E-A947-70E740481C1C}">
-                <a14:useLocalDpi xmlns="" xmlns:a14="http://schemas.microsoft.com/office/drawing/2010/main" val="0"/>
+                <a14:useLocalDpi xmlns:a14="http://schemas.microsoft.com/office/drawing/2010/main" val="0"/>
               </a:ext>
             </a:extLst>
           </a:blip>
@@ -4155,14 +4070,14 @@
           <a:effectLst/>
           <a:extLst>
             <a:ext uri="{909E8E84-426E-40DD-AFC4-6F175D3DCCD1}">
-              <a14:hiddenFill xmlns="" xmlns:a14="http://schemas.microsoft.com/office/drawing/2010/main">
+              <a14:hiddenFill xmlns:a14="http://schemas.microsoft.com/office/drawing/2010/main">
                 <a:solidFill>
                   <a:schemeClr val="accent1"/>
                 </a:solidFill>
               </a14:hiddenFill>
             </a:ext>
             <a:ext uri="{91240B29-F687-4F45-9708-019B960494DF}">
-              <a14:hiddenLine xmlns="" xmlns:a14="http://schemas.microsoft.com/office/drawing/2010/main" w="9525">
+              <a14:hiddenLine xmlns:a14="http://schemas.microsoft.com/office/drawing/2010/main" w="9525">
                 <a:solidFill>
                   <a:schemeClr val="tx1"/>
                 </a:solidFill>
@@ -4172,7 +4087,7 @@
               </a14:hiddenLine>
             </a:ext>
             <a:ext uri="{AF507438-7753-43E0-B8FC-AC1667EBCBE1}">
-              <a14:hiddenEffects xmlns="" xmlns:a14="http://schemas.microsoft.com/office/drawing/2010/main">
+              <a14:hiddenEffects xmlns:a14="http://schemas.microsoft.com/office/drawing/2010/main">
                 <a:effectLst>
                   <a:outerShdw dist="35921" dir="2700000" algn="ctr" rotWithShape="0">
                     <a:schemeClr val="bg2"/>
@@ -4186,7 +4101,7 @@
     </p:spTree>
     <p:extLst>
       <p:ext uri="{BB962C8B-B14F-4D97-AF65-F5344CB8AC3E}">
-        <p14:creationId xmlns="" xmlns:p14="http://schemas.microsoft.com/office/powerpoint/2010/main" val="340587284"/>
+        <p14:creationId xmlns:p14="http://schemas.microsoft.com/office/powerpoint/2010/main" val="340587284"/>
       </p:ext>
     </p:extLst>
   </p:cSld>
@@ -4255,7 +4170,7 @@
           <a:blip r:embed="rId2" cstate="print">
             <a:extLst>
               <a:ext uri="{28A0092B-C50C-407E-A947-70E740481C1C}">
-                <a14:useLocalDpi xmlns="" xmlns:a14="http://schemas.microsoft.com/office/drawing/2010/main" val="0"/>
+                <a14:useLocalDpi xmlns:a14="http://schemas.microsoft.com/office/drawing/2010/main" val="0"/>
               </a:ext>
             </a:extLst>
           </a:blip>
@@ -4275,7 +4190,7 @@
           <a:noFill/>
           <a:extLst>
             <a:ext uri="{909E8E84-426E-40DD-AFC4-6F175D3DCCD1}">
-              <a14:hiddenFill xmlns="" xmlns:a14="http://schemas.microsoft.com/office/drawing/2010/main">
+              <a14:hiddenFill xmlns:a14="http://schemas.microsoft.com/office/drawing/2010/main">
                 <a:solidFill>
                   <a:srgbClr val="FFFFFF"/>
                 </a:solidFill>
@@ -4287,7 +4202,7 @@
     </p:spTree>
     <p:extLst>
       <p:ext uri="{BB962C8B-B14F-4D97-AF65-F5344CB8AC3E}">
-        <p14:creationId xmlns="" xmlns:p14="http://schemas.microsoft.com/office/powerpoint/2010/main" val="4292440096"/>
+        <p14:creationId xmlns:p14="http://schemas.microsoft.com/office/powerpoint/2010/main" val="4292440096"/>
       </p:ext>
     </p:extLst>
   </p:cSld>
@@ -4360,14 +4275,14 @@
           <p:nvPr>
             <p:extLst>
               <p:ext uri="{D42A27DB-BD31-4B8C-83A1-F6EECF244321}">
-                <p14:modId xmlns="" xmlns:p14="http://schemas.microsoft.com/office/powerpoint/2010/main" val="1117665806"/>
+                <p14:modId xmlns:p14="http://schemas.microsoft.com/office/powerpoint/2010/main" val="1117665806"/>
               </p:ext>
             </p:extLst>
           </p:nvPr>
         </p:nvGraphicFramePr>
         <p:xfrm>
-          <a:off x="0" y="1340769"/>
-          <a:ext cx="10134601" cy="5928360"/>
+          <a:off x="0" y="1340768"/>
+          <a:ext cx="9144000" cy="7498432"/>
         </p:xfrm>
         <a:graphic>
           <a:graphicData uri="http://schemas.openxmlformats.org/drawingml/2006/table">
@@ -4376,12 +4291,12 @@
                 <a:tableStyleId>{5C22544A-7EE6-4342-B048-85BDC9FD1C3A}</a:tableStyleId>
               </a:tblPr>
               <a:tblGrid>
-                <a:gridCol w="2459923"/>
-                <a:gridCol w="2459923"/>
-                <a:gridCol w="1414280"/>
-                <a:gridCol w="3800475"/>
+                <a:gridCol w="2219479"/>
+                <a:gridCol w="2219479"/>
+                <a:gridCol w="1276042"/>
+                <a:gridCol w="3429000"/>
               </a:tblGrid>
-              <a:tr h="520961">
+              <a:tr h="1000132">
                 <a:tc>
                   <a:txBody>
                     <a:bodyPr/>
@@ -4467,7 +4382,7 @@
                   <a:tcPr/>
                 </a:tc>
               </a:tr>
-              <a:tr h="1915038">
+              <a:tr h="1000132">
                 <a:tc>
                   <a:txBody>
                     <a:bodyPr/>
@@ -4586,6 +4501,277 @@
                         </a:spcAft>
                       </a:pPr>
                       <a:endParaRPr lang="en-US" sz="1400" kern="1200" dirty="0" smtClean="0">
+                        <a:solidFill>
+                          <a:schemeClr val="dk1"/>
+                        </a:solidFill>
+                        <a:latin typeface="Times New Roman"/>
+                        <a:ea typeface="Calibri"/>
+                        <a:cs typeface="Times New Roman"/>
+                      </a:endParaRPr>
+                    </a:p>
+                    <a:p>
+                      <a:pPr marL="0" algn="just" defTabSz="914400" rtl="0" eaLnBrk="1" latinLnBrk="0" hangingPunct="1">
+                        <a:lnSpc>
+                          <a:spcPct val="100000"/>
+                        </a:lnSpc>
+                        <a:spcAft>
+                          <a:spcPts val="1000"/>
+                        </a:spcAft>
+                      </a:pPr>
+                      <a:r>
+                        <a:rPr lang="en-US" sz="1400" kern="1200" dirty="0" smtClean="0">
+                          <a:solidFill>
+                            <a:schemeClr val="dk1"/>
+                          </a:solidFill>
+                          <a:latin typeface="Times New Roman"/>
+                          <a:ea typeface="Calibri"/>
+                          <a:cs typeface="Times New Roman"/>
+                        </a:rPr>
+                        <a:t>Les </a:t>
+                      </a:r>
+                      <a:r>
+                        <a:rPr lang="en-US" sz="1400" kern="1200" dirty="0" err="1" smtClean="0">
+                          <a:solidFill>
+                            <a:schemeClr val="dk1"/>
+                          </a:solidFill>
+                          <a:latin typeface="Times New Roman"/>
+                          <a:ea typeface="Calibri"/>
+                          <a:cs typeface="Times New Roman"/>
+                        </a:rPr>
+                        <a:t>membres</a:t>
+                      </a:r>
+                      <a:r>
+                        <a:rPr lang="en-US" sz="1400" kern="1200" dirty="0" smtClean="0">
+                          <a:solidFill>
+                            <a:schemeClr val="dk1"/>
+                          </a:solidFill>
+                          <a:latin typeface="Times New Roman"/>
+                          <a:ea typeface="Calibri"/>
+                          <a:cs typeface="Times New Roman"/>
+                        </a:rPr>
+                        <a:t> du </a:t>
+                      </a:r>
+                      <a:r>
+                        <a:rPr lang="en-US" sz="1400" kern="1200" dirty="0" err="1" smtClean="0">
+                          <a:solidFill>
+                            <a:schemeClr val="dk1"/>
+                          </a:solidFill>
+                          <a:latin typeface="Times New Roman"/>
+                          <a:ea typeface="Calibri"/>
+                          <a:cs typeface="Times New Roman"/>
+                        </a:rPr>
+                        <a:t>groupe</a:t>
+                      </a:r>
+                      <a:r>
+                        <a:rPr lang="en-US" sz="1400" kern="1200" dirty="0" smtClean="0">
+                          <a:solidFill>
+                            <a:schemeClr val="dk1"/>
+                          </a:solidFill>
+                          <a:latin typeface="Times New Roman"/>
+                          <a:ea typeface="Calibri"/>
+                          <a:cs typeface="Times New Roman"/>
+                        </a:rPr>
+                        <a:t> ne </a:t>
+                      </a:r>
+                      <a:r>
+                        <a:rPr lang="en-US" sz="1400" kern="1200" dirty="0" err="1" smtClean="0">
+                          <a:solidFill>
+                            <a:schemeClr val="dk1"/>
+                          </a:solidFill>
+                          <a:latin typeface="Times New Roman"/>
+                          <a:ea typeface="Calibri"/>
+                          <a:cs typeface="Times New Roman"/>
+                        </a:rPr>
+                        <a:t>maitrisent</a:t>
+                      </a:r>
+                      <a:r>
+                        <a:rPr lang="en-US" sz="1400" kern="1200" dirty="0" smtClean="0">
+                          <a:solidFill>
+                            <a:schemeClr val="dk1"/>
+                          </a:solidFill>
+                          <a:latin typeface="Times New Roman"/>
+                          <a:ea typeface="Calibri"/>
+                          <a:cs typeface="Times New Roman"/>
+                        </a:rPr>
+                        <a:t> pas </a:t>
+                      </a:r>
+                      <a:r>
+                        <a:rPr lang="en-US" sz="1400" kern="1200" dirty="0" err="1" smtClean="0">
+                          <a:solidFill>
+                            <a:schemeClr val="dk1"/>
+                          </a:solidFill>
+                          <a:latin typeface="Times New Roman"/>
+                          <a:ea typeface="Calibri"/>
+                          <a:cs typeface="Times New Roman"/>
+                        </a:rPr>
+                        <a:t>ActiveMQ</a:t>
+                      </a:r>
+                      <a:r>
+                        <a:rPr lang="en-US" sz="1400" kern="1200" dirty="0" smtClean="0">
+                          <a:solidFill>
+                            <a:schemeClr val="dk1"/>
+                          </a:solidFill>
+                          <a:latin typeface="Times New Roman"/>
+                          <a:ea typeface="Calibri"/>
+                          <a:cs typeface="Times New Roman"/>
+                        </a:rPr>
+                        <a:t> qui </a:t>
+                      </a:r>
+                      <a:r>
+                        <a:rPr lang="en-US" sz="1400" kern="1200" dirty="0" err="1" smtClean="0">
+                          <a:solidFill>
+                            <a:schemeClr val="dk1"/>
+                          </a:solidFill>
+                          <a:latin typeface="Times New Roman"/>
+                          <a:ea typeface="Calibri"/>
+                          <a:cs typeface="Times New Roman"/>
+                        </a:rPr>
+                        <a:t>représente</a:t>
+                      </a:r>
+                      <a:r>
+                        <a:rPr lang="en-US" sz="1400" kern="1200" dirty="0" smtClean="0">
+                          <a:solidFill>
+                            <a:schemeClr val="dk1"/>
+                          </a:solidFill>
+                          <a:latin typeface="Times New Roman"/>
+                          <a:ea typeface="Calibri"/>
+                          <a:cs typeface="Times New Roman"/>
+                        </a:rPr>
+                        <a:t> </a:t>
+                      </a:r>
+                      <a:r>
+                        <a:rPr lang="en-US" sz="1400" kern="1200" dirty="0" err="1" smtClean="0">
+                          <a:solidFill>
+                            <a:schemeClr val="dk1"/>
+                          </a:solidFill>
+                          <a:latin typeface="Times New Roman"/>
+                          <a:ea typeface="Calibri"/>
+                          <a:cs typeface="Times New Roman"/>
+                        </a:rPr>
+                        <a:t>une</a:t>
+                      </a:r>
+                      <a:r>
+                        <a:rPr lang="en-US" sz="1400" kern="1200" dirty="0" smtClean="0">
+                          <a:solidFill>
+                            <a:schemeClr val="dk1"/>
+                          </a:solidFill>
+                          <a:latin typeface="Times New Roman"/>
+                          <a:ea typeface="Calibri"/>
+                          <a:cs typeface="Times New Roman"/>
+                        </a:rPr>
+                        <a:t> </a:t>
+                      </a:r>
+                      <a:r>
+                        <a:rPr lang="en-US" sz="1400" kern="1200" dirty="0" err="1" smtClean="0">
+                          <a:solidFill>
+                            <a:schemeClr val="dk1"/>
+                          </a:solidFill>
+                          <a:latin typeface="Times New Roman"/>
+                          <a:ea typeface="Calibri"/>
+                          <a:cs typeface="Times New Roman"/>
+                        </a:rPr>
+                        <a:t>technologie</a:t>
+                      </a:r>
+                      <a:r>
+                        <a:rPr lang="en-US" sz="1400" kern="1200" dirty="0" smtClean="0">
+                          <a:solidFill>
+                            <a:schemeClr val="dk1"/>
+                          </a:solidFill>
+                          <a:latin typeface="Times New Roman"/>
+                          <a:ea typeface="Calibri"/>
+                          <a:cs typeface="Times New Roman"/>
+                        </a:rPr>
+                        <a:t> </a:t>
+                      </a:r>
+                      <a:r>
+                        <a:rPr lang="en-US" sz="1400" kern="1200" dirty="0" err="1" smtClean="0">
+                          <a:solidFill>
+                            <a:schemeClr val="dk1"/>
+                          </a:solidFill>
+                          <a:latin typeface="Times New Roman"/>
+                          <a:ea typeface="Calibri"/>
+                          <a:cs typeface="Times New Roman"/>
+                        </a:rPr>
+                        <a:t>cruciale</a:t>
+                      </a:r>
+                      <a:r>
+                        <a:rPr lang="en-US" sz="1400" kern="1200" dirty="0" smtClean="0">
+                          <a:solidFill>
+                            <a:schemeClr val="dk1"/>
+                          </a:solidFill>
+                          <a:latin typeface="Times New Roman"/>
+                          <a:ea typeface="Calibri"/>
+                          <a:cs typeface="Times New Roman"/>
+                        </a:rPr>
+                        <a:t> pour faire </a:t>
+                      </a:r>
+                      <a:r>
+                        <a:rPr lang="en-US" sz="1400" kern="1200" dirty="0" err="1" smtClean="0">
+                          <a:solidFill>
+                            <a:schemeClr val="dk1"/>
+                          </a:solidFill>
+                          <a:latin typeface="Times New Roman"/>
+                          <a:ea typeface="Calibri"/>
+                          <a:cs typeface="Times New Roman"/>
+                        </a:rPr>
+                        <a:t>communiquer</a:t>
+                      </a:r>
+                      <a:r>
+                        <a:rPr lang="en-US" sz="1400" kern="1200" dirty="0" smtClean="0">
+                          <a:solidFill>
+                            <a:schemeClr val="dk1"/>
+                          </a:solidFill>
+                          <a:latin typeface="Times New Roman"/>
+                          <a:ea typeface="Calibri"/>
+                          <a:cs typeface="Times New Roman"/>
+                        </a:rPr>
+                        <a:t> le </a:t>
+                      </a:r>
+                      <a:r>
+                        <a:rPr lang="en-US" sz="1400" kern="1200" dirty="0" err="1" smtClean="0">
+                          <a:solidFill>
+                            <a:schemeClr val="dk1"/>
+                          </a:solidFill>
+                          <a:latin typeface="Times New Roman"/>
+                          <a:ea typeface="Calibri"/>
+                          <a:cs typeface="Times New Roman"/>
+                        </a:rPr>
+                        <a:t>composant</a:t>
+                      </a:r>
+                      <a:r>
+                        <a:rPr lang="en-US" sz="1400" kern="1200" dirty="0" smtClean="0">
+                          <a:solidFill>
+                            <a:schemeClr val="dk1"/>
+                          </a:solidFill>
+                          <a:latin typeface="Times New Roman"/>
+                          <a:ea typeface="Calibri"/>
+                          <a:cs typeface="Times New Roman"/>
+                        </a:rPr>
+                        <a:t> RTDG et le </a:t>
+                      </a:r>
+                      <a:r>
+                        <a:rPr lang="en-US" sz="1400" kern="1200" dirty="0" err="1" smtClean="0">
+                          <a:solidFill>
+                            <a:schemeClr val="dk1"/>
+                          </a:solidFill>
+                          <a:latin typeface="Times New Roman"/>
+                          <a:ea typeface="Calibri"/>
+                          <a:cs typeface="Times New Roman"/>
+                        </a:rPr>
+                        <a:t>composant</a:t>
+                      </a:r>
+                      <a:r>
+                        <a:rPr lang="en-US" sz="1400" kern="1200" dirty="0" smtClean="0">
+                          <a:solidFill>
+                            <a:schemeClr val="dk1"/>
+                          </a:solidFill>
+                          <a:latin typeface="Times New Roman"/>
+                          <a:ea typeface="Calibri"/>
+                          <a:cs typeface="Times New Roman"/>
+                        </a:rPr>
+                        <a:t> RTDRS</a:t>
+                      </a:r>
+                      <a:endParaRPr lang="fr-FR" sz="1400" kern="1200" dirty="0">
                         <a:solidFill>
                           <a:schemeClr val="dk1"/>
                         </a:solidFill>
@@ -5669,37 +5855,25 @@
                   <a:tcPr/>
                 </a:tc>
               </a:tr>
-              <a:tr h="1648598">
+              <a:tr h="2205700">
                 <a:tc>
                   <a:txBody>
                     <a:bodyPr/>
                     <a:lstStyle/>
                     <a:p>
-                      <a:pPr marL="0" marR="0" indent="0" algn="just" defTabSz="914400" rtl="0" eaLnBrk="1" fontAlgn="auto" latinLnBrk="0" hangingPunct="1">
+                      <a:pPr marL="0" algn="l" defTabSz="914400" rtl="0" eaLnBrk="1" latinLnBrk="0" hangingPunct="1">
                         <a:lnSpc>
                           <a:spcPct val="100000"/>
                         </a:lnSpc>
-                        <a:spcBef>
-                          <a:spcPts val="0"/>
-                        </a:spcBef>
-                        <a:spcAft>
-                          <a:spcPts val="1000"/>
-                        </a:spcAft>
-                        <a:buClrTx/>
-                        <a:buSzTx/>
-                        <a:buFontTx/>
-                        <a:buNone/>
-                        <a:tabLst/>
-                        <a:defRPr/>
                       </a:pPr>
                       <a:r>
                         <a:rPr lang="en-US" sz="1400" kern="1200" dirty="0" err="1" smtClean="0">
                           <a:solidFill>
                             <a:schemeClr val="dk1"/>
                           </a:solidFill>
-                          <a:latin typeface="Times New Roman"/>
-                          <a:ea typeface="Calibri"/>
-                          <a:cs typeface="Times New Roman"/>
+                          <a:latin typeface="+mn-lt"/>
+                          <a:ea typeface="+mn-ea"/>
+                          <a:cs typeface="+mn-cs"/>
                         </a:rPr>
                         <a:t>Difficulté</a:t>
                       </a:r>
@@ -5708,9 +5882,9 @@
                           <a:solidFill>
                             <a:schemeClr val="dk1"/>
                           </a:solidFill>
-                          <a:latin typeface="Times New Roman"/>
-                          <a:ea typeface="Calibri"/>
-                          <a:cs typeface="Times New Roman"/>
+                          <a:latin typeface="+mn-lt"/>
+                          <a:ea typeface="+mn-ea"/>
+                          <a:cs typeface="+mn-cs"/>
                         </a:rPr>
                         <a:t> de </a:t>
                       </a:r>
@@ -5719,9 +5893,9 @@
                           <a:solidFill>
                             <a:schemeClr val="dk1"/>
                           </a:solidFill>
-                          <a:latin typeface="Times New Roman"/>
-                          <a:ea typeface="Calibri"/>
-                          <a:cs typeface="Times New Roman"/>
+                          <a:latin typeface="+mn-lt"/>
+                          <a:ea typeface="+mn-ea"/>
+                          <a:cs typeface="+mn-cs"/>
                         </a:rPr>
                         <a:t>mise</a:t>
                       </a:r>
@@ -5730,9 +5904,9 @@
                           <a:solidFill>
                             <a:schemeClr val="dk1"/>
                           </a:solidFill>
-                          <a:latin typeface="Times New Roman"/>
-                          <a:ea typeface="Calibri"/>
-                          <a:cs typeface="Times New Roman"/>
+                          <a:latin typeface="+mn-lt"/>
+                          <a:ea typeface="+mn-ea"/>
+                          <a:cs typeface="+mn-cs"/>
                         </a:rPr>
                         <a:t> en place des </a:t>
                       </a:r>
@@ -5741,9 +5915,9 @@
                           <a:solidFill>
                             <a:schemeClr val="dk1"/>
                           </a:solidFill>
-                          <a:latin typeface="Times New Roman"/>
-                          <a:ea typeface="Calibri"/>
-                          <a:cs typeface="Times New Roman"/>
+                          <a:latin typeface="+mn-lt"/>
+                          <a:ea typeface="+mn-ea"/>
+                          <a:cs typeface="+mn-cs"/>
                         </a:rPr>
                         <a:t>algorithmes</a:t>
                       </a:r>
@@ -5752,9 +5926,9 @@
                           <a:solidFill>
                             <a:schemeClr val="dk1"/>
                           </a:solidFill>
-                          <a:latin typeface="Times New Roman"/>
-                          <a:ea typeface="Calibri"/>
-                          <a:cs typeface="Times New Roman"/>
+                          <a:latin typeface="+mn-lt"/>
+                          <a:ea typeface="+mn-ea"/>
+                          <a:cs typeface="+mn-cs"/>
                         </a:rPr>
                         <a:t> de </a:t>
                       </a:r>
@@ -5763,9 +5937,9 @@
                           <a:solidFill>
                             <a:schemeClr val="dk1"/>
                           </a:solidFill>
-                          <a:latin typeface="Times New Roman"/>
-                          <a:ea typeface="Calibri"/>
-                          <a:cs typeface="Times New Roman"/>
+                          <a:latin typeface="+mn-lt"/>
+                          <a:ea typeface="+mn-ea"/>
+                          <a:cs typeface="+mn-cs"/>
                         </a:rPr>
                         <a:t>réplication</a:t>
                       </a:r>
@@ -5773,9 +5947,9 @@
                         <a:solidFill>
                           <a:schemeClr val="dk1"/>
                         </a:solidFill>
-                        <a:latin typeface="Times New Roman"/>
-                        <a:ea typeface="Calibri"/>
-                        <a:cs typeface="Times New Roman"/>
+                        <a:latin typeface="+mn-lt"/>
+                        <a:ea typeface="+mn-ea"/>
+                        <a:cs typeface="+mn-cs"/>
                       </a:endParaRPr>
                     </a:p>
                   </a:txBody>
@@ -5786,31 +5960,19 @@
                     <a:bodyPr/>
                     <a:lstStyle/>
                     <a:p>
-                      <a:pPr marL="0" marR="0" indent="0" algn="just" defTabSz="914400" rtl="0" eaLnBrk="1" fontAlgn="auto" latinLnBrk="0" hangingPunct="1">
+                      <a:pPr marL="0" algn="l" defTabSz="914400" rtl="0" eaLnBrk="1" latinLnBrk="0" hangingPunct="1">
                         <a:lnSpc>
                           <a:spcPct val="100000"/>
                         </a:lnSpc>
-                        <a:spcBef>
-                          <a:spcPts val="0"/>
-                        </a:spcBef>
-                        <a:spcAft>
-                          <a:spcPts val="1000"/>
-                        </a:spcAft>
-                        <a:buClrTx/>
-                        <a:buSzTx/>
-                        <a:buFontTx/>
-                        <a:buNone/>
-                        <a:tabLst/>
-                        <a:defRPr/>
                       </a:pPr>
                       <a:r>
                         <a:rPr lang="en-US" sz="1400" kern="1200" dirty="0" err="1" smtClean="0">
                           <a:solidFill>
                             <a:schemeClr val="dk1"/>
                           </a:solidFill>
-                          <a:latin typeface="Times New Roman"/>
-                          <a:ea typeface="Calibri"/>
-                          <a:cs typeface="Times New Roman"/>
+                          <a:latin typeface="+mn-lt"/>
+                          <a:ea typeface="+mn-ea"/>
+                          <a:cs typeface="+mn-cs"/>
                         </a:rPr>
                         <a:t>Perte</a:t>
                       </a:r>
@@ -5819,9 +5981,9 @@
                           <a:solidFill>
                             <a:schemeClr val="dk1"/>
                           </a:solidFill>
-                          <a:latin typeface="Times New Roman"/>
-                          <a:ea typeface="Calibri"/>
-                          <a:cs typeface="Times New Roman"/>
+                          <a:latin typeface="+mn-lt"/>
+                          <a:ea typeface="+mn-ea"/>
+                          <a:cs typeface="+mn-cs"/>
                         </a:rPr>
                         <a:t> de </a:t>
                       </a:r>
@@ -5830,9 +5992,9 @@
                           <a:solidFill>
                             <a:schemeClr val="dk1"/>
                           </a:solidFill>
-                          <a:latin typeface="Times New Roman"/>
-                          <a:ea typeface="Calibri"/>
-                          <a:cs typeface="Times New Roman"/>
+                          <a:latin typeface="+mn-lt"/>
+                          <a:ea typeface="+mn-ea"/>
+                          <a:cs typeface="+mn-cs"/>
                         </a:rPr>
                         <a:t>données</a:t>
                       </a:r>
@@ -5841,9 +6003,9 @@
                           <a:solidFill>
                             <a:schemeClr val="dk1"/>
                           </a:solidFill>
-                          <a:latin typeface="Times New Roman"/>
-                          <a:ea typeface="Calibri"/>
-                          <a:cs typeface="Times New Roman"/>
+                          <a:latin typeface="+mn-lt"/>
+                          <a:ea typeface="+mn-ea"/>
+                          <a:cs typeface="+mn-cs"/>
                         </a:rPr>
                         <a:t> </a:t>
                       </a:r>
@@ -5852,9 +6014,9 @@
                           <a:solidFill>
                             <a:schemeClr val="dk1"/>
                           </a:solidFill>
-                          <a:latin typeface="Times New Roman"/>
-                          <a:ea typeface="Calibri"/>
-                          <a:cs typeface="Times New Roman"/>
+                          <a:latin typeface="+mn-lt"/>
+                          <a:ea typeface="+mn-ea"/>
+                          <a:cs typeface="+mn-cs"/>
                         </a:rPr>
                         <a:t>dans</a:t>
                       </a:r>
@@ -5863,9 +6025,9 @@
                           <a:solidFill>
                             <a:schemeClr val="dk1"/>
                           </a:solidFill>
-                          <a:latin typeface="Times New Roman"/>
-                          <a:ea typeface="Calibri"/>
-                          <a:cs typeface="Times New Roman"/>
+                          <a:latin typeface="+mn-lt"/>
+                          <a:ea typeface="+mn-ea"/>
+                          <a:cs typeface="+mn-cs"/>
                         </a:rPr>
                         <a:t> le </a:t>
                       </a:r>
@@ -5874,9 +6036,9 @@
                           <a:solidFill>
                             <a:schemeClr val="dk1"/>
                           </a:solidFill>
-                          <a:latin typeface="Times New Roman"/>
-                          <a:ea typeface="Calibri"/>
-                          <a:cs typeface="Times New Roman"/>
+                          <a:latin typeface="+mn-lt"/>
+                          <a:ea typeface="+mn-ea"/>
+                          <a:cs typeface="+mn-cs"/>
                         </a:rPr>
                         <a:t>cas</a:t>
                       </a:r>
@@ -5885,9 +6047,9 @@
                           <a:solidFill>
                             <a:schemeClr val="dk1"/>
                           </a:solidFill>
-                          <a:latin typeface="Times New Roman"/>
-                          <a:ea typeface="Calibri"/>
-                          <a:cs typeface="Times New Roman"/>
+                          <a:latin typeface="+mn-lt"/>
+                          <a:ea typeface="+mn-ea"/>
+                          <a:cs typeface="+mn-cs"/>
                         </a:rPr>
                         <a:t> </a:t>
                       </a:r>
@@ -5896,9 +6058,9 @@
                           <a:solidFill>
                             <a:schemeClr val="dk1"/>
                           </a:solidFill>
-                          <a:latin typeface="Times New Roman"/>
-                          <a:ea typeface="Calibri"/>
-                          <a:cs typeface="Times New Roman"/>
+                          <a:latin typeface="+mn-lt"/>
+                          <a:ea typeface="+mn-ea"/>
+                          <a:cs typeface="+mn-cs"/>
                         </a:rPr>
                         <a:t>où</a:t>
                       </a:r>
@@ -5907,9 +6069,9 @@
                           <a:solidFill>
                             <a:schemeClr val="dk1"/>
                           </a:solidFill>
-                          <a:latin typeface="Times New Roman"/>
-                          <a:ea typeface="Calibri"/>
-                          <a:cs typeface="Times New Roman"/>
+                          <a:latin typeface="+mn-lt"/>
+                          <a:ea typeface="+mn-ea"/>
+                          <a:cs typeface="+mn-cs"/>
                         </a:rPr>
                         <a:t> le </a:t>
                       </a:r>
@@ -5918,9 +6080,9 @@
                           <a:solidFill>
                             <a:schemeClr val="dk1"/>
                           </a:solidFill>
-                          <a:latin typeface="Times New Roman"/>
-                          <a:ea typeface="Calibri"/>
-                          <a:cs typeface="Times New Roman"/>
+                          <a:latin typeface="+mn-lt"/>
+                          <a:ea typeface="+mn-ea"/>
+                          <a:cs typeface="+mn-cs"/>
                         </a:rPr>
                         <a:t>composant</a:t>
                       </a:r>
@@ -5929,9 +6091,9 @@
                           <a:solidFill>
                             <a:schemeClr val="dk1"/>
                           </a:solidFill>
-                          <a:latin typeface="Times New Roman"/>
-                          <a:ea typeface="Calibri"/>
-                          <a:cs typeface="Times New Roman"/>
+                          <a:latin typeface="+mn-lt"/>
+                          <a:ea typeface="+mn-ea"/>
+                          <a:cs typeface="+mn-cs"/>
                         </a:rPr>
                         <a:t> RTDS </a:t>
                       </a:r>
@@ -5940,9 +6102,9 @@
                           <a:solidFill>
                             <a:schemeClr val="dk1"/>
                           </a:solidFill>
-                          <a:latin typeface="Times New Roman"/>
-                          <a:ea typeface="Calibri"/>
-                          <a:cs typeface="Times New Roman"/>
+                          <a:latin typeface="+mn-lt"/>
+                          <a:ea typeface="+mn-ea"/>
+                          <a:cs typeface="+mn-cs"/>
                         </a:rPr>
                         <a:t>contenant</a:t>
                       </a:r>
@@ -5951,9 +6113,9 @@
                           <a:solidFill>
                             <a:schemeClr val="dk1"/>
                           </a:solidFill>
-                          <a:latin typeface="Times New Roman"/>
-                          <a:ea typeface="Calibri"/>
-                          <a:cs typeface="Times New Roman"/>
+                          <a:latin typeface="+mn-lt"/>
+                          <a:ea typeface="+mn-ea"/>
+                          <a:cs typeface="+mn-cs"/>
                         </a:rPr>
                         <a:t> les </a:t>
                       </a:r>
@@ -5962,9 +6124,9 @@
                           <a:solidFill>
                             <a:schemeClr val="dk1"/>
                           </a:solidFill>
-                          <a:latin typeface="Times New Roman"/>
-                          <a:ea typeface="Calibri"/>
-                          <a:cs typeface="Times New Roman"/>
+                          <a:latin typeface="+mn-lt"/>
+                          <a:ea typeface="+mn-ea"/>
+                          <a:cs typeface="+mn-cs"/>
                         </a:rPr>
                         <a:t>données</a:t>
                       </a:r>
@@ -5973,9 +6135,9 @@
                           <a:solidFill>
                             <a:schemeClr val="dk1"/>
                           </a:solidFill>
-                          <a:latin typeface="Times New Roman"/>
-                          <a:ea typeface="Calibri"/>
-                          <a:cs typeface="Times New Roman"/>
+                          <a:latin typeface="+mn-lt"/>
+                          <a:ea typeface="+mn-ea"/>
+                          <a:cs typeface="+mn-cs"/>
                         </a:rPr>
                         <a:t> </a:t>
                       </a:r>
@@ -5984,9 +6146,9 @@
                           <a:solidFill>
                             <a:schemeClr val="dk1"/>
                           </a:solidFill>
-                          <a:latin typeface="Times New Roman"/>
-                          <a:ea typeface="Calibri"/>
-                          <a:cs typeface="Times New Roman"/>
+                          <a:latin typeface="+mn-lt"/>
+                          <a:ea typeface="+mn-ea"/>
+                          <a:cs typeface="+mn-cs"/>
                         </a:rPr>
                         <a:t>tombe</a:t>
                       </a:r>
@@ -5995,9 +6157,9 @@
                           <a:solidFill>
                             <a:schemeClr val="dk1"/>
                           </a:solidFill>
-                          <a:latin typeface="Times New Roman"/>
-                          <a:ea typeface="Calibri"/>
-                          <a:cs typeface="Times New Roman"/>
+                          <a:latin typeface="+mn-lt"/>
+                          <a:ea typeface="+mn-ea"/>
+                          <a:cs typeface="+mn-cs"/>
                         </a:rPr>
                         <a:t> en </a:t>
                       </a:r>
@@ -6006,9 +6168,9 @@
                           <a:solidFill>
                             <a:schemeClr val="dk1"/>
                           </a:solidFill>
-                          <a:latin typeface="Times New Roman"/>
-                          <a:ea typeface="Calibri"/>
-                          <a:cs typeface="Times New Roman"/>
+                          <a:latin typeface="+mn-lt"/>
+                          <a:ea typeface="+mn-ea"/>
+                          <a:cs typeface="+mn-cs"/>
                         </a:rPr>
                         <a:t>panne</a:t>
                       </a:r>
@@ -6016,9 +6178,9 @@
                         <a:solidFill>
                           <a:schemeClr val="dk1"/>
                         </a:solidFill>
-                        <a:latin typeface="Times New Roman"/>
-                        <a:ea typeface="Calibri"/>
-                        <a:cs typeface="Times New Roman"/>
+                        <a:latin typeface="+mn-lt"/>
+                        <a:ea typeface="+mn-ea"/>
+                        <a:cs typeface="+mn-cs"/>
                       </a:endParaRPr>
                     </a:p>
                   </a:txBody>
@@ -6048,22 +6210,10 @@
                     <a:bodyPr/>
                     <a:lstStyle/>
                     <a:p>
-                      <a:pPr marL="0" marR="0" indent="0" algn="just" defTabSz="914400" rtl="0" eaLnBrk="1" fontAlgn="auto" latinLnBrk="0" hangingPunct="1">
+                      <a:pPr>
                         <a:lnSpc>
                           <a:spcPct val="100000"/>
                         </a:lnSpc>
-                        <a:spcBef>
-                          <a:spcPts val="0"/>
-                        </a:spcBef>
-                        <a:spcAft>
-                          <a:spcPts val="1000"/>
-                        </a:spcAft>
-                        <a:buClrTx/>
-                        <a:buSzTx/>
-                        <a:buFontTx/>
-                        <a:buNone/>
-                        <a:tabLst/>
-                        <a:defRPr/>
                       </a:pPr>
                       <a:r>
                         <a:rPr lang="en-US" sz="1800" kern="1200" dirty="0" smtClean="0">
@@ -6081,9 +6231,9 @@
                           <a:solidFill>
                             <a:schemeClr val="dk1"/>
                           </a:solidFill>
-                          <a:latin typeface="Times New Roman"/>
-                          <a:ea typeface="Calibri"/>
-                          <a:cs typeface="Times New Roman"/>
+                          <a:latin typeface="+mn-lt"/>
+                          <a:ea typeface="+mn-ea"/>
+                          <a:cs typeface="+mn-cs"/>
                         </a:rPr>
                         <a:t>Documentation </a:t>
                       </a:r>
@@ -6092,9 +6242,9 @@
                           <a:solidFill>
                             <a:schemeClr val="dk1"/>
                           </a:solidFill>
-                          <a:latin typeface="Times New Roman"/>
-                          <a:ea typeface="Calibri"/>
-                          <a:cs typeface="Times New Roman"/>
+                          <a:latin typeface="+mn-lt"/>
+                          <a:ea typeface="+mn-ea"/>
+                          <a:cs typeface="+mn-cs"/>
                         </a:rPr>
                         <a:t>sur</a:t>
                       </a:r>
@@ -6103,9 +6253,9 @@
                           <a:solidFill>
                             <a:schemeClr val="dk1"/>
                           </a:solidFill>
-                          <a:latin typeface="Times New Roman"/>
-                          <a:ea typeface="Calibri"/>
-                          <a:cs typeface="Times New Roman"/>
+                          <a:latin typeface="+mn-lt"/>
+                          <a:ea typeface="+mn-ea"/>
+                          <a:cs typeface="+mn-cs"/>
                         </a:rPr>
                         <a:t> les </a:t>
                       </a:r>
@@ -6114,9 +6264,9 @@
                           <a:solidFill>
                             <a:schemeClr val="dk1"/>
                           </a:solidFill>
-                          <a:latin typeface="Times New Roman"/>
-                          <a:ea typeface="Calibri"/>
-                          <a:cs typeface="Times New Roman"/>
+                          <a:latin typeface="+mn-lt"/>
+                          <a:ea typeface="+mn-ea"/>
+                          <a:cs typeface="+mn-cs"/>
                         </a:rPr>
                         <a:t>algorithmes</a:t>
                       </a:r>
@@ -6125,9 +6275,9 @@
                           <a:solidFill>
                             <a:schemeClr val="dk1"/>
                           </a:solidFill>
-                          <a:latin typeface="Times New Roman"/>
-                          <a:ea typeface="Calibri"/>
-                          <a:cs typeface="Times New Roman"/>
+                          <a:latin typeface="+mn-lt"/>
+                          <a:ea typeface="+mn-ea"/>
+                          <a:cs typeface="+mn-cs"/>
                         </a:rPr>
                         <a:t> de </a:t>
                       </a:r>
@@ -6136,9 +6286,9 @@
                           <a:solidFill>
                             <a:schemeClr val="dk1"/>
                           </a:solidFill>
-                          <a:latin typeface="Times New Roman"/>
-                          <a:ea typeface="Calibri"/>
-                          <a:cs typeface="Times New Roman"/>
+                          <a:latin typeface="+mn-lt"/>
+                          <a:ea typeface="+mn-ea"/>
+                          <a:cs typeface="+mn-cs"/>
                         </a:rPr>
                         <a:t>réplication</a:t>
                       </a:r>
@@ -6146,37 +6296,25 @@
                         <a:solidFill>
                           <a:schemeClr val="dk1"/>
                         </a:solidFill>
-                        <a:latin typeface="Times New Roman"/>
-                        <a:ea typeface="Calibri"/>
-                        <a:cs typeface="Times New Roman"/>
+                        <a:latin typeface="+mn-lt"/>
+                        <a:ea typeface="+mn-ea"/>
+                        <a:cs typeface="+mn-cs"/>
                       </a:endParaRPr>
                     </a:p>
                     <a:p>
-                      <a:pPr marL="0" marR="0" indent="0" algn="just" defTabSz="914400" rtl="0" eaLnBrk="1" fontAlgn="auto" latinLnBrk="0" hangingPunct="1">
+                      <a:pPr>
                         <a:lnSpc>
                           <a:spcPct val="100000"/>
                         </a:lnSpc>
-                        <a:spcBef>
-                          <a:spcPts val="0"/>
-                        </a:spcBef>
-                        <a:spcAft>
-                          <a:spcPts val="1000"/>
-                        </a:spcAft>
-                        <a:buClrTx/>
-                        <a:buSzTx/>
-                        <a:buFontTx/>
-                        <a:buNone/>
-                        <a:tabLst/>
-                        <a:defRPr/>
                       </a:pPr>
                       <a:r>
                         <a:rPr lang="en-US" sz="1400" kern="1200" dirty="0" smtClean="0">
                           <a:solidFill>
                             <a:schemeClr val="dk1"/>
                           </a:solidFill>
-                          <a:latin typeface="Times New Roman"/>
-                          <a:ea typeface="Calibri"/>
-                          <a:cs typeface="Times New Roman"/>
+                          <a:latin typeface="+mn-lt"/>
+                          <a:ea typeface="+mn-ea"/>
+                          <a:cs typeface="+mn-cs"/>
                         </a:rPr>
                         <a:t>-Documentation </a:t>
                       </a:r>
@@ -6185,9 +6323,9 @@
                           <a:solidFill>
                             <a:schemeClr val="dk1"/>
                           </a:solidFill>
-                          <a:latin typeface="Times New Roman"/>
-                          <a:ea typeface="Calibri"/>
-                          <a:cs typeface="Times New Roman"/>
+                          <a:latin typeface="+mn-lt"/>
+                          <a:ea typeface="+mn-ea"/>
+                          <a:cs typeface="+mn-cs"/>
                         </a:rPr>
                         <a:t>sur</a:t>
                       </a:r>
@@ -6196,9 +6334,9 @@
                           <a:solidFill>
                             <a:schemeClr val="dk1"/>
                           </a:solidFill>
-                          <a:latin typeface="Times New Roman"/>
-                          <a:ea typeface="Calibri"/>
-                          <a:cs typeface="Times New Roman"/>
+                          <a:latin typeface="+mn-lt"/>
+                          <a:ea typeface="+mn-ea"/>
+                          <a:cs typeface="+mn-cs"/>
                         </a:rPr>
                         <a:t> les types de </a:t>
                       </a:r>
@@ -6207,9 +6345,9 @@
                           <a:solidFill>
                             <a:schemeClr val="dk1"/>
                           </a:solidFill>
-                          <a:latin typeface="Times New Roman"/>
-                          <a:ea typeface="Calibri"/>
-                          <a:cs typeface="Times New Roman"/>
+                          <a:latin typeface="+mn-lt"/>
+                          <a:ea typeface="+mn-ea"/>
+                          <a:cs typeface="+mn-cs"/>
                         </a:rPr>
                         <a:t>réplication</a:t>
                       </a:r>
@@ -6218,9 +6356,9 @@
                           <a:solidFill>
                             <a:schemeClr val="dk1"/>
                           </a:solidFill>
-                          <a:latin typeface="Times New Roman"/>
-                          <a:ea typeface="Calibri"/>
-                          <a:cs typeface="Times New Roman"/>
+                          <a:latin typeface="+mn-lt"/>
+                          <a:ea typeface="+mn-ea"/>
+                          <a:cs typeface="+mn-cs"/>
                         </a:rPr>
                         <a:t> </a:t>
                       </a:r>
@@ -6229,9 +6367,9 @@
                           <a:solidFill>
                             <a:schemeClr val="dk1"/>
                           </a:solidFill>
-                          <a:latin typeface="Times New Roman"/>
-                          <a:ea typeface="Calibri"/>
-                          <a:cs typeface="Times New Roman"/>
+                          <a:latin typeface="+mn-lt"/>
+                          <a:ea typeface="+mn-ea"/>
+                          <a:cs typeface="+mn-cs"/>
                         </a:rPr>
                         <a:t>possibles</a:t>
                       </a:r>
@@ -6240,9 +6378,9 @@
                           <a:solidFill>
                             <a:schemeClr val="dk1"/>
                           </a:solidFill>
-                          <a:latin typeface="Times New Roman"/>
-                          <a:ea typeface="Calibri"/>
-                          <a:cs typeface="Times New Roman"/>
+                          <a:latin typeface="+mn-lt"/>
+                          <a:ea typeface="+mn-ea"/>
+                          <a:cs typeface="+mn-cs"/>
                         </a:rPr>
                         <a:t> (</a:t>
                       </a:r>
@@ -6251,9 +6389,9 @@
                           <a:solidFill>
                             <a:schemeClr val="dk1"/>
                           </a:solidFill>
-                          <a:latin typeface="Times New Roman"/>
-                          <a:ea typeface="Calibri"/>
-                          <a:cs typeface="Times New Roman"/>
+                          <a:latin typeface="+mn-lt"/>
+                          <a:ea typeface="+mn-ea"/>
+                          <a:cs typeface="+mn-cs"/>
                         </a:rPr>
                         <a:t>réplication</a:t>
                       </a:r>
@@ -6262,9 +6400,9 @@
                           <a:solidFill>
                             <a:schemeClr val="dk1"/>
                           </a:solidFill>
-                          <a:latin typeface="Times New Roman"/>
-                          <a:ea typeface="Calibri"/>
-                          <a:cs typeface="Times New Roman"/>
+                          <a:latin typeface="+mn-lt"/>
+                          <a:ea typeface="+mn-ea"/>
+                          <a:cs typeface="+mn-cs"/>
                         </a:rPr>
                         <a:t> de capture </a:t>
                       </a:r>
@@ -6273,9 +6411,9 @@
                           <a:solidFill>
                             <a:schemeClr val="dk1"/>
                           </a:solidFill>
-                          <a:latin typeface="Times New Roman"/>
-                          <a:ea typeface="Calibri"/>
-                          <a:cs typeface="Times New Roman"/>
+                          <a:latin typeface="+mn-lt"/>
+                          <a:ea typeface="+mn-ea"/>
+                          <a:cs typeface="+mn-cs"/>
                         </a:rPr>
                         <a:t>instantanée</a:t>
                       </a:r>
@@ -6284,9 +6422,9 @@
                           <a:solidFill>
                             <a:schemeClr val="dk1"/>
                           </a:solidFill>
-                          <a:latin typeface="Times New Roman"/>
-                          <a:ea typeface="Calibri"/>
-                          <a:cs typeface="Times New Roman"/>
+                          <a:latin typeface="+mn-lt"/>
+                          <a:ea typeface="+mn-ea"/>
+                          <a:cs typeface="+mn-cs"/>
                         </a:rPr>
                         <a:t>, </a:t>
                       </a:r>
@@ -6295,9 +6433,9 @@
                           <a:solidFill>
                             <a:schemeClr val="dk1"/>
                           </a:solidFill>
-                          <a:latin typeface="Times New Roman"/>
-                          <a:ea typeface="Calibri"/>
-                          <a:cs typeface="Times New Roman"/>
+                          <a:latin typeface="+mn-lt"/>
+                          <a:ea typeface="+mn-ea"/>
+                          <a:cs typeface="+mn-cs"/>
                         </a:rPr>
                         <a:t>réplication</a:t>
                       </a:r>
@@ -6306,9 +6444,9 @@
                           <a:solidFill>
                             <a:schemeClr val="dk1"/>
                           </a:solidFill>
-                          <a:latin typeface="Times New Roman"/>
-                          <a:ea typeface="Calibri"/>
-                          <a:cs typeface="Times New Roman"/>
+                          <a:latin typeface="+mn-lt"/>
+                          <a:ea typeface="+mn-ea"/>
+                          <a:cs typeface="+mn-cs"/>
                         </a:rPr>
                         <a:t> </a:t>
                       </a:r>
@@ -6317,9 +6455,9 @@
                           <a:solidFill>
                             <a:schemeClr val="dk1"/>
                           </a:solidFill>
-                          <a:latin typeface="Times New Roman"/>
-                          <a:ea typeface="Calibri"/>
-                          <a:cs typeface="Times New Roman"/>
+                          <a:latin typeface="+mn-lt"/>
+                          <a:ea typeface="+mn-ea"/>
+                          <a:cs typeface="+mn-cs"/>
                         </a:rPr>
                         <a:t>transactionnelle</a:t>
                       </a:r>
@@ -6328,9 +6466,9 @@
                           <a:solidFill>
                             <a:schemeClr val="dk1"/>
                           </a:solidFill>
-                          <a:latin typeface="Times New Roman"/>
-                          <a:ea typeface="Calibri"/>
-                          <a:cs typeface="Times New Roman"/>
+                          <a:latin typeface="+mn-lt"/>
+                          <a:ea typeface="+mn-ea"/>
+                          <a:cs typeface="+mn-cs"/>
                         </a:rPr>
                         <a:t>, </a:t>
                       </a:r>
@@ -6339,9 +6477,9 @@
                           <a:solidFill>
                             <a:schemeClr val="dk1"/>
                           </a:solidFill>
-                          <a:latin typeface="Times New Roman"/>
-                          <a:ea typeface="Calibri"/>
-                          <a:cs typeface="Times New Roman"/>
+                          <a:latin typeface="+mn-lt"/>
+                          <a:ea typeface="+mn-ea"/>
+                          <a:cs typeface="+mn-cs"/>
                         </a:rPr>
                         <a:t>réplication</a:t>
                       </a:r>
@@ -6350,128 +6488,113 @@
                           <a:solidFill>
                             <a:schemeClr val="dk1"/>
                           </a:solidFill>
-                          <a:latin typeface="Times New Roman"/>
-                          <a:ea typeface="Calibri"/>
-                          <a:cs typeface="Times New Roman"/>
+                          <a:latin typeface="+mn-lt"/>
+                          <a:ea typeface="+mn-ea"/>
+                          <a:cs typeface="+mn-cs"/>
                         </a:rPr>
                         <a:t> de fusion).</a:t>
                       </a:r>
                     </a:p>
                     <a:p>
-                      <a:pPr marL="0" marR="0" indent="0" algn="just" defTabSz="914400" rtl="0" eaLnBrk="1" fontAlgn="auto" latinLnBrk="0" hangingPunct="1">
+                      <a:pPr marL="0" algn="l" defTabSz="914400" rtl="0" eaLnBrk="1" latinLnBrk="0" hangingPunct="1">
                         <a:lnSpc>
                           <a:spcPct val="100000"/>
                         </a:lnSpc>
-                        <a:spcBef>
-                          <a:spcPts val="0"/>
-                        </a:spcBef>
-                        <a:spcAft>
-                          <a:spcPts val="1000"/>
-                        </a:spcAft>
-                        <a:buClrTx/>
-                        <a:buSzTx/>
-                        <a:buFontTx/>
-                        <a:buNone/>
-                        <a:tabLst/>
-                        <a:defRPr/>
                       </a:pPr>
                       <a:r>
                         <a:rPr lang="en-US" sz="1400" kern="1200" dirty="0" err="1" smtClean="0">
                           <a:solidFill>
-                            <a:schemeClr val="tx1"/>
-                          </a:solidFill>
-                          <a:latin typeface="Times New Roman"/>
-                          <a:ea typeface="Calibri"/>
-                          <a:cs typeface="Times New Roman"/>
-                          <a:hlinkClick r:id="rId3"/>
-                        </a:rPr>
-                        <a:t>Siteweb</a:t>
+                            <a:schemeClr val="dk1"/>
+                          </a:solidFill>
+                          <a:latin typeface="+mn-lt"/>
+                          <a:ea typeface="+mn-ea"/>
+                          <a:cs typeface="+mn-cs"/>
+                        </a:rPr>
+                        <a:t>Siteweb:</a:t>
+                      </a:r>
+                      <a:r>
+                        <a:rPr lang="en-US" sz="1400" kern="1200" dirty="0" err="1" smtClean="0">
+                          <a:solidFill>
+                            <a:srgbClr val="FF0000"/>
+                          </a:solidFill>
+                          <a:latin typeface="+mn-lt"/>
+                          <a:ea typeface="+mn-ea"/>
+                          <a:cs typeface="+mn-cs"/>
+                        </a:rPr>
+                        <a:t>http</a:t>
                       </a:r>
                       <a:r>
                         <a:rPr lang="en-US" sz="1400" kern="1200" dirty="0" smtClean="0">
                           <a:solidFill>
-                            <a:schemeClr val="tx1"/>
-                          </a:solidFill>
-                          <a:latin typeface="Times New Roman"/>
-                          <a:ea typeface="Calibri"/>
-                          <a:cs typeface="Times New Roman"/>
-                          <a:hlinkClick r:id="rId3"/>
-                        </a:rPr>
-                        <a:t>:</a:t>
-                      </a:r>
+                            <a:srgbClr val="FF0000"/>
+                          </a:solidFill>
+                          <a:latin typeface="+mn-lt"/>
+                          <a:ea typeface="+mn-ea"/>
+                          <a:cs typeface="+mn-cs"/>
+                        </a:rPr>
+                        <a:t>://</a:t>
+                      </a:r>
+                      <a:r>
+                        <a:rPr lang="en-US" sz="1400" kern="1200" dirty="0" err="1" smtClean="0">
+                          <a:solidFill>
+                            <a:srgbClr val="FF0000"/>
+                          </a:solidFill>
+                          <a:latin typeface="+mn-lt"/>
+                          <a:ea typeface="+mn-ea"/>
+                          <a:cs typeface="+mn-cs"/>
+                        </a:rPr>
+                        <a:t>msdn.microsoft.com</a:t>
+                      </a:r>
+                      <a:r>
+                        <a:rPr lang="en-US" sz="1400" kern="1200" dirty="0" smtClean="0">
+                          <a:solidFill>
+                            <a:srgbClr val="FF0000"/>
+                          </a:solidFill>
+                          <a:latin typeface="+mn-lt"/>
+                          <a:ea typeface="+mn-ea"/>
+                          <a:cs typeface="+mn-cs"/>
+                        </a:rPr>
+                        <a:t>/</a:t>
+                      </a:r>
+                      <a:r>
+                        <a:rPr lang="en-US" sz="1400" kern="1200" dirty="0" err="1" smtClean="0">
+                          <a:solidFill>
+                            <a:srgbClr val="FF0000"/>
+                          </a:solidFill>
+                          <a:latin typeface="+mn-lt"/>
+                          <a:ea typeface="+mn-ea"/>
+                          <a:cs typeface="+mn-cs"/>
+                        </a:rPr>
+                        <a:t>frfr</a:t>
+                      </a:r>
+                      <a:r>
+                        <a:rPr lang="en-US" sz="1400" kern="1200" dirty="0" smtClean="0">
+                          <a:solidFill>
+                            <a:srgbClr val="FF0000"/>
+                          </a:solidFill>
+                          <a:latin typeface="+mn-lt"/>
+                          <a:ea typeface="+mn-ea"/>
+                          <a:cs typeface="+mn-cs"/>
+                        </a:rPr>
+                        <a:t>/library/ms152565%28v=sql.105%29.aspx</a:t>
+                      </a:r>
+                      <a:endParaRPr lang="fr-FR" sz="1400" kern="1200" dirty="0" smtClean="0">
+                        <a:solidFill>
+                          <a:srgbClr val="FF0000"/>
+                        </a:solidFill>
+                        <a:latin typeface="+mn-lt"/>
+                        <a:ea typeface="+mn-ea"/>
+                        <a:cs typeface="+mn-cs"/>
+                      </a:endParaRPr>
                     </a:p>
                     <a:p>
-                      <a:pPr marL="0" marR="0" indent="0" algn="just" defTabSz="914400" rtl="0" eaLnBrk="1" fontAlgn="auto" latinLnBrk="0" hangingPunct="1">
+                      <a:pPr marL="0" algn="l" defTabSz="914400" rtl="0" eaLnBrk="1" latinLnBrk="0" hangingPunct="1">
                         <a:lnSpc>
                           <a:spcPct val="100000"/>
                         </a:lnSpc>
-                        <a:spcBef>
-                          <a:spcPts val="0"/>
-                        </a:spcBef>
-                        <a:spcAft>
-                          <a:spcPts val="1000"/>
-                        </a:spcAft>
-                        <a:buClrTx/>
-                        <a:buSzTx/>
-                        <a:buFontTx/>
-                        <a:buNone/>
-                        <a:tabLst/>
-                        <a:defRPr/>
                       </a:pPr>
                       <a:r>
-                        <a:rPr lang="en-US" sz="1200" kern="1200" dirty="0" smtClean="0">
-                          <a:solidFill>
-                            <a:schemeClr val="dk1"/>
-                          </a:solidFill>
-                          <a:latin typeface="Times New Roman"/>
-                          <a:ea typeface="Calibri"/>
-                          <a:cs typeface="Times New Roman"/>
-                          <a:hlinkClick r:id="rId3"/>
-                        </a:rPr>
-                        <a:t>http</a:t>
-                      </a:r>
-                      <a:r>
-                        <a:rPr lang="en-US" sz="1200" kern="1200" dirty="0" smtClean="0">
-                          <a:solidFill>
-                            <a:schemeClr val="dk1"/>
-                          </a:solidFill>
-                          <a:latin typeface="Times New Roman"/>
-                          <a:ea typeface="Calibri"/>
-                          <a:cs typeface="Times New Roman"/>
-                          <a:hlinkClick r:id="rId3"/>
-                        </a:rPr>
-                        <a:t>://msdn.microsoft.com/frfr/library/ms152565%28v=sql.105%29.aspx</a:t>
-                      </a:r>
-                      <a:endParaRPr lang="fr-FR" sz="1200" kern="1200" dirty="0" smtClean="0">
-                        <a:solidFill>
-                          <a:schemeClr val="dk1"/>
-                        </a:solidFill>
-                        <a:latin typeface="Times New Roman"/>
-                        <a:ea typeface="Calibri"/>
-                        <a:cs typeface="Times New Roman"/>
-                        <a:hlinkClick r:id="rId3"/>
-                      </a:endParaRPr>
-                    </a:p>
-                    <a:p>
-                      <a:pPr marL="0" marR="0" indent="0" algn="just" defTabSz="914400" rtl="0" eaLnBrk="1" fontAlgn="auto" latinLnBrk="0" hangingPunct="1">
-                        <a:lnSpc>
-                          <a:spcPct val="100000"/>
-                        </a:lnSpc>
-                        <a:spcBef>
-                          <a:spcPts val="0"/>
-                        </a:spcBef>
-                        <a:spcAft>
-                          <a:spcPts val="1000"/>
-                        </a:spcAft>
-                        <a:buClrTx/>
-                        <a:buSzTx/>
-                        <a:buFontTx/>
-                        <a:buNone/>
-                        <a:tabLst/>
-                        <a:defRPr/>
-                      </a:pPr>
-                      <a:r>
-                        <a:rPr lang="en-US" sz="1800" kern="1200" dirty="0" smtClean="0">
+                        <a:rPr lang="en-US" sz="1400" kern="1200" dirty="0" smtClean="0">
                           <a:solidFill>
                             <a:schemeClr val="dk1"/>
                           </a:solidFill>
@@ -6486,9 +6609,9 @@
                           <a:solidFill>
                             <a:schemeClr val="dk1"/>
                           </a:solidFill>
-                          <a:latin typeface="Times New Roman"/>
-                          <a:ea typeface="Calibri"/>
-                          <a:cs typeface="Times New Roman"/>
+                          <a:latin typeface="+mn-lt"/>
+                          <a:ea typeface="+mn-ea"/>
+                          <a:cs typeface="+mn-cs"/>
                         </a:rPr>
                         <a:t>Définition</a:t>
                       </a:r>
@@ -6497,9 +6620,9 @@
                           <a:solidFill>
                             <a:schemeClr val="dk1"/>
                           </a:solidFill>
-                          <a:latin typeface="Times New Roman"/>
-                          <a:ea typeface="Calibri"/>
-                          <a:cs typeface="Times New Roman"/>
+                          <a:latin typeface="+mn-lt"/>
+                          <a:ea typeface="+mn-ea"/>
+                          <a:cs typeface="+mn-cs"/>
                         </a:rPr>
                         <a:t> de prototypes</a:t>
                       </a:r>
@@ -6507,9 +6630,613 @@
                         <a:solidFill>
                           <a:schemeClr val="dk1"/>
                         </a:solidFill>
-                        <a:latin typeface="Times New Roman"/>
-                        <a:ea typeface="Calibri"/>
-                        <a:cs typeface="Times New Roman"/>
+                        <a:latin typeface="+mn-lt"/>
+                        <a:ea typeface="+mn-ea"/>
+                        <a:cs typeface="+mn-cs"/>
+                      </a:endParaRPr>
+                    </a:p>
+                  </a:txBody>
+                  <a:tcPr/>
+                </a:tc>
+              </a:tr>
+              <a:tr h="1000132">
+                <a:tc>
+                  <a:txBody>
+                    <a:bodyPr/>
+                    <a:lstStyle/>
+                    <a:p>
+                      <a:pPr marL="0" algn="l" defTabSz="914400" rtl="0" eaLnBrk="1" latinLnBrk="0" hangingPunct="1">
+                        <a:lnSpc>
+                          <a:spcPct val="100000"/>
+                        </a:lnSpc>
+                      </a:pPr>
+                      <a:r>
+                        <a:rPr lang="en-US" sz="1400" kern="1200" dirty="0" err="1" smtClean="0">
+                          <a:solidFill>
+                            <a:schemeClr val="dk1"/>
+                          </a:solidFill>
+                          <a:latin typeface="+mn-lt"/>
+                          <a:ea typeface="+mn-ea"/>
+                          <a:cs typeface="+mn-cs"/>
+                        </a:rPr>
+                        <a:t>Complexité</a:t>
+                      </a:r>
+                      <a:r>
+                        <a:rPr lang="en-US" sz="1400" kern="1200" dirty="0" smtClean="0">
+                          <a:solidFill>
+                            <a:schemeClr val="dk1"/>
+                          </a:solidFill>
+                          <a:latin typeface="+mn-lt"/>
+                          <a:ea typeface="+mn-ea"/>
+                          <a:cs typeface="+mn-cs"/>
+                        </a:rPr>
+                        <a:t> de la configuration et de la </a:t>
+                      </a:r>
+                      <a:r>
+                        <a:rPr lang="en-US" sz="1400" kern="1200" dirty="0" err="1" smtClean="0">
+                          <a:solidFill>
+                            <a:schemeClr val="dk1"/>
+                          </a:solidFill>
+                          <a:latin typeface="+mn-lt"/>
+                          <a:ea typeface="+mn-ea"/>
+                          <a:cs typeface="+mn-cs"/>
+                        </a:rPr>
+                        <a:t>mise</a:t>
+                      </a:r>
+                      <a:r>
+                        <a:rPr lang="en-US" sz="1400" kern="1200" dirty="0" smtClean="0">
+                          <a:solidFill>
+                            <a:schemeClr val="dk1"/>
+                          </a:solidFill>
+                          <a:latin typeface="+mn-lt"/>
+                          <a:ea typeface="+mn-ea"/>
+                          <a:cs typeface="+mn-cs"/>
+                        </a:rPr>
+                        <a:t> en place des </a:t>
+                      </a:r>
+                      <a:r>
+                        <a:rPr lang="en-US" sz="1400" kern="1200" dirty="0" err="1" smtClean="0">
+                          <a:solidFill>
+                            <a:schemeClr val="dk1"/>
+                          </a:solidFill>
+                          <a:latin typeface="+mn-lt"/>
+                          <a:ea typeface="+mn-ea"/>
+                          <a:cs typeface="+mn-cs"/>
+                        </a:rPr>
+                        <a:t>dépendances</a:t>
+                      </a:r>
+                      <a:r>
+                        <a:rPr lang="en-US" sz="1400" kern="1200" dirty="0" smtClean="0">
+                          <a:solidFill>
+                            <a:schemeClr val="dk1"/>
+                          </a:solidFill>
+                          <a:latin typeface="+mn-lt"/>
+                          <a:ea typeface="+mn-ea"/>
+                          <a:cs typeface="+mn-cs"/>
+                        </a:rPr>
+                        <a:t> au </a:t>
+                      </a:r>
+                      <a:r>
+                        <a:rPr lang="en-US" sz="1400" kern="1200" dirty="0" err="1" smtClean="0">
+                          <a:solidFill>
+                            <a:schemeClr val="dk1"/>
+                          </a:solidFill>
+                          <a:latin typeface="+mn-lt"/>
+                          <a:ea typeface="+mn-ea"/>
+                          <a:cs typeface="+mn-cs"/>
+                        </a:rPr>
+                        <a:t>niveau</a:t>
+                      </a:r>
+                      <a:r>
+                        <a:rPr lang="en-US" sz="1400" kern="1200" dirty="0" smtClean="0">
+                          <a:solidFill>
+                            <a:schemeClr val="dk1"/>
+                          </a:solidFill>
+                          <a:latin typeface="+mn-lt"/>
+                          <a:ea typeface="+mn-ea"/>
+                          <a:cs typeface="+mn-cs"/>
+                        </a:rPr>
+                        <a:t> de </a:t>
+                      </a:r>
+                      <a:r>
+                        <a:rPr lang="en-US" sz="1400" kern="1200" dirty="0" err="1" smtClean="0">
+                          <a:solidFill>
+                            <a:schemeClr val="dk1"/>
+                          </a:solidFill>
+                          <a:latin typeface="+mn-lt"/>
+                          <a:ea typeface="+mn-ea"/>
+                          <a:cs typeface="+mn-cs"/>
+                        </a:rPr>
+                        <a:t>l’environnement</a:t>
+                      </a:r>
+                      <a:r>
+                        <a:rPr lang="en-US" sz="1400" kern="1200" dirty="0" smtClean="0">
+                          <a:solidFill>
+                            <a:schemeClr val="dk1"/>
+                          </a:solidFill>
+                          <a:latin typeface="+mn-lt"/>
+                          <a:ea typeface="+mn-ea"/>
+                          <a:cs typeface="+mn-cs"/>
+                        </a:rPr>
+                        <a:t> de simulation </a:t>
+                      </a:r>
+                      <a:endParaRPr lang="fr-FR" sz="1400" kern="1200" dirty="0" smtClean="0">
+                        <a:solidFill>
+                          <a:schemeClr val="dk1"/>
+                        </a:solidFill>
+                        <a:latin typeface="+mn-lt"/>
+                        <a:ea typeface="+mn-ea"/>
+                        <a:cs typeface="+mn-cs"/>
+                      </a:endParaRPr>
+                    </a:p>
+                  </a:txBody>
+                  <a:tcPr/>
+                </a:tc>
+                <a:tc>
+                  <a:txBody>
+                    <a:bodyPr/>
+                    <a:lstStyle/>
+                    <a:p>
+                      <a:pPr>
+                        <a:lnSpc>
+                          <a:spcPct val="100000"/>
+                        </a:lnSpc>
+                      </a:pPr>
+                      <a:r>
+                        <a:rPr lang="en-US" sz="1400" kern="1200" dirty="0" err="1" smtClean="0">
+                          <a:solidFill>
+                            <a:schemeClr val="dk1"/>
+                          </a:solidFill>
+                          <a:latin typeface="+mn-lt"/>
+                          <a:ea typeface="+mn-ea"/>
+                          <a:cs typeface="+mn-cs"/>
+                        </a:rPr>
+                        <a:t>Risque</a:t>
+                      </a:r>
+                      <a:r>
+                        <a:rPr lang="en-US" sz="1400" kern="1200" dirty="0" smtClean="0">
+                          <a:solidFill>
+                            <a:schemeClr val="dk1"/>
+                          </a:solidFill>
+                          <a:latin typeface="+mn-lt"/>
+                          <a:ea typeface="+mn-ea"/>
+                          <a:cs typeface="+mn-cs"/>
+                        </a:rPr>
+                        <a:t> </a:t>
+                      </a:r>
+                      <a:r>
+                        <a:rPr lang="en-US" sz="1400" kern="1200" dirty="0" err="1" smtClean="0">
+                          <a:solidFill>
+                            <a:schemeClr val="dk1"/>
+                          </a:solidFill>
+                          <a:latin typeface="+mn-lt"/>
+                          <a:ea typeface="+mn-ea"/>
+                          <a:cs typeface="+mn-cs"/>
+                        </a:rPr>
+                        <a:t>que</a:t>
+                      </a:r>
+                      <a:r>
+                        <a:rPr lang="en-US" sz="1400" kern="1200" dirty="0" smtClean="0">
+                          <a:solidFill>
+                            <a:schemeClr val="dk1"/>
+                          </a:solidFill>
+                          <a:latin typeface="+mn-lt"/>
+                          <a:ea typeface="+mn-ea"/>
+                          <a:cs typeface="+mn-cs"/>
+                        </a:rPr>
+                        <a:t> </a:t>
+                      </a:r>
+                      <a:r>
+                        <a:rPr lang="en-US" sz="1400" kern="1200" dirty="0" err="1" smtClean="0">
+                          <a:solidFill>
+                            <a:schemeClr val="dk1"/>
+                          </a:solidFill>
+                          <a:latin typeface="+mn-lt"/>
+                          <a:ea typeface="+mn-ea"/>
+                          <a:cs typeface="+mn-cs"/>
+                        </a:rPr>
+                        <a:t>l’environnement</a:t>
+                      </a:r>
+                      <a:r>
+                        <a:rPr lang="en-US" sz="1400" kern="1200" dirty="0" smtClean="0">
+                          <a:solidFill>
+                            <a:schemeClr val="dk1"/>
+                          </a:solidFill>
+                          <a:latin typeface="+mn-lt"/>
+                          <a:ea typeface="+mn-ea"/>
+                          <a:cs typeface="+mn-cs"/>
+                        </a:rPr>
+                        <a:t> de simulation ne </a:t>
+                      </a:r>
+                      <a:r>
+                        <a:rPr lang="en-US" sz="1400" kern="1200" dirty="0" err="1" smtClean="0">
+                          <a:solidFill>
+                            <a:schemeClr val="dk1"/>
+                          </a:solidFill>
+                          <a:latin typeface="+mn-lt"/>
+                          <a:ea typeface="+mn-ea"/>
+                          <a:cs typeface="+mn-cs"/>
+                        </a:rPr>
+                        <a:t>s’exécute</a:t>
+                      </a:r>
+                      <a:r>
+                        <a:rPr lang="en-US" sz="1400" kern="1200" dirty="0" smtClean="0">
+                          <a:solidFill>
+                            <a:schemeClr val="dk1"/>
+                          </a:solidFill>
+                          <a:latin typeface="+mn-lt"/>
+                          <a:ea typeface="+mn-ea"/>
+                          <a:cs typeface="+mn-cs"/>
+                        </a:rPr>
+                        <a:t> pas </a:t>
+                      </a:r>
+                      <a:r>
+                        <a:rPr lang="en-US" sz="1400" kern="1200" dirty="0" err="1" smtClean="0">
+                          <a:solidFill>
+                            <a:schemeClr val="dk1"/>
+                          </a:solidFill>
+                          <a:latin typeface="+mn-lt"/>
+                          <a:ea typeface="+mn-ea"/>
+                          <a:cs typeface="+mn-cs"/>
+                        </a:rPr>
+                        <a:t>sur</a:t>
+                      </a:r>
+                      <a:r>
+                        <a:rPr lang="en-US" sz="1400" kern="1200" dirty="0" smtClean="0">
+                          <a:solidFill>
+                            <a:schemeClr val="dk1"/>
+                          </a:solidFill>
+                          <a:latin typeface="+mn-lt"/>
+                          <a:ea typeface="+mn-ea"/>
+                          <a:cs typeface="+mn-cs"/>
+                        </a:rPr>
+                        <a:t> </a:t>
+                      </a:r>
+                      <a:r>
+                        <a:rPr lang="en-US" sz="1400" kern="1200" dirty="0" err="1" smtClean="0">
+                          <a:solidFill>
+                            <a:schemeClr val="dk1"/>
+                          </a:solidFill>
+                          <a:latin typeface="+mn-lt"/>
+                          <a:ea typeface="+mn-ea"/>
+                          <a:cs typeface="+mn-cs"/>
+                        </a:rPr>
+                        <a:t>n’importe</a:t>
+                      </a:r>
+                      <a:r>
+                        <a:rPr lang="en-US" sz="1400" kern="1200" dirty="0" smtClean="0">
+                          <a:solidFill>
+                            <a:schemeClr val="dk1"/>
+                          </a:solidFill>
+                          <a:latin typeface="+mn-lt"/>
+                          <a:ea typeface="+mn-ea"/>
+                          <a:cs typeface="+mn-cs"/>
+                        </a:rPr>
+                        <a:t> </a:t>
+                      </a:r>
+                      <a:r>
+                        <a:rPr lang="en-US" sz="1400" kern="1200" dirty="0" err="1" smtClean="0">
+                          <a:solidFill>
+                            <a:schemeClr val="dk1"/>
+                          </a:solidFill>
+                          <a:latin typeface="+mn-lt"/>
+                          <a:ea typeface="+mn-ea"/>
+                          <a:cs typeface="+mn-cs"/>
+                        </a:rPr>
+                        <a:t>quel</a:t>
+                      </a:r>
+                      <a:r>
+                        <a:rPr lang="en-US" sz="1400" kern="1200" dirty="0" smtClean="0">
+                          <a:solidFill>
+                            <a:schemeClr val="dk1"/>
+                          </a:solidFill>
+                          <a:latin typeface="+mn-lt"/>
+                          <a:ea typeface="+mn-ea"/>
+                          <a:cs typeface="+mn-cs"/>
+                        </a:rPr>
+                        <a:t> </a:t>
+                      </a:r>
+                      <a:r>
+                        <a:rPr lang="en-US" sz="1400" kern="1200" dirty="0" err="1" smtClean="0">
+                          <a:solidFill>
+                            <a:schemeClr val="dk1"/>
+                          </a:solidFill>
+                          <a:latin typeface="+mn-lt"/>
+                          <a:ea typeface="+mn-ea"/>
+                          <a:cs typeface="+mn-cs"/>
+                        </a:rPr>
+                        <a:t>réseau</a:t>
+                      </a:r>
+                      <a:endParaRPr lang="fr-FR" sz="1400" kern="1200" dirty="0" smtClean="0">
+                        <a:solidFill>
+                          <a:schemeClr val="dk1"/>
+                        </a:solidFill>
+                        <a:latin typeface="+mn-lt"/>
+                        <a:ea typeface="+mn-ea"/>
+                        <a:cs typeface="+mn-cs"/>
+                      </a:endParaRPr>
+                    </a:p>
+                  </a:txBody>
+                  <a:tcPr/>
+                </a:tc>
+                <a:tc>
+                  <a:txBody>
+                    <a:bodyPr/>
+                    <a:lstStyle/>
+                    <a:p>
+                      <a:pPr>
+                        <a:lnSpc>
+                          <a:spcPct val="100000"/>
+                        </a:lnSpc>
+                      </a:pPr>
+                      <a:r>
+                        <a:rPr lang="fr-FR" dirty="0" smtClean="0"/>
+                        <a:t>9</a:t>
+                      </a:r>
+                      <a:endParaRPr lang="fr-FR" dirty="0"/>
+                    </a:p>
+                  </a:txBody>
+                  <a:tcPr/>
+                </a:tc>
+                <a:tc>
+                  <a:txBody>
+                    <a:bodyPr/>
+                    <a:lstStyle/>
+                    <a:p>
+                      <a:pPr>
+                        <a:lnSpc>
+                          <a:spcPct val="100000"/>
+                        </a:lnSpc>
+                      </a:pPr>
+                      <a:r>
+                        <a:rPr lang="en-US" sz="1800" kern="1200" dirty="0" smtClean="0">
+                          <a:solidFill>
+                            <a:schemeClr val="dk1"/>
+                          </a:solidFill>
+                          <a:latin typeface="Tahoma" pitchFamily="34" charset="0"/>
+                          <a:ea typeface="+mn-ea"/>
+                          <a:cs typeface="Tahoma" pitchFamily="34" charset="0"/>
+                        </a:rPr>
+                        <a:t>-</a:t>
+                      </a:r>
+                      <a:r>
+                        <a:rPr lang="en-US" sz="1400" kern="1200" dirty="0" smtClean="0">
+                          <a:solidFill>
+                            <a:schemeClr val="dk1"/>
+                          </a:solidFill>
+                          <a:latin typeface="+mn-lt"/>
+                          <a:ea typeface="+mn-ea"/>
+                          <a:cs typeface="+mn-cs"/>
+                        </a:rPr>
+                        <a:t>Conception d’un </a:t>
+                      </a:r>
+                      <a:r>
+                        <a:rPr lang="en-US" sz="1400" kern="1200" dirty="0" err="1" smtClean="0">
+                          <a:solidFill>
+                            <a:schemeClr val="dk1"/>
+                          </a:solidFill>
+                          <a:latin typeface="+mn-lt"/>
+                          <a:ea typeface="+mn-ea"/>
+                          <a:cs typeface="+mn-cs"/>
+                        </a:rPr>
+                        <a:t>système</a:t>
+                      </a:r>
+                      <a:r>
+                        <a:rPr lang="en-US" sz="1400" kern="1200" dirty="0" smtClean="0">
+                          <a:solidFill>
+                            <a:schemeClr val="dk1"/>
+                          </a:solidFill>
+                          <a:latin typeface="+mn-lt"/>
+                          <a:ea typeface="+mn-ea"/>
+                          <a:cs typeface="+mn-cs"/>
+                        </a:rPr>
+                        <a:t> de simulation </a:t>
+                      </a:r>
+                      <a:r>
+                        <a:rPr lang="en-US" sz="1400" kern="1200" dirty="0" err="1" smtClean="0">
+                          <a:solidFill>
+                            <a:schemeClr val="dk1"/>
+                          </a:solidFill>
+                          <a:latin typeface="+mn-lt"/>
+                          <a:ea typeface="+mn-ea"/>
+                          <a:cs typeface="+mn-cs"/>
+                        </a:rPr>
+                        <a:t>paramétrable</a:t>
+                      </a:r>
+                      <a:r>
+                        <a:rPr lang="en-US" sz="1400" kern="1200" dirty="0" smtClean="0">
+                          <a:solidFill>
+                            <a:schemeClr val="dk1"/>
+                          </a:solidFill>
+                          <a:latin typeface="+mn-lt"/>
+                          <a:ea typeface="+mn-ea"/>
+                          <a:cs typeface="+mn-cs"/>
+                        </a:rPr>
+                        <a:t> (</a:t>
+                      </a:r>
+                      <a:r>
+                        <a:rPr lang="en-US" sz="1400" kern="1200" dirty="0" err="1" smtClean="0">
+                          <a:solidFill>
+                            <a:schemeClr val="dk1"/>
+                          </a:solidFill>
+                          <a:latin typeface="+mn-lt"/>
+                          <a:ea typeface="+mn-ea"/>
+                          <a:cs typeface="+mn-cs"/>
+                        </a:rPr>
+                        <a:t>il</a:t>
+                      </a:r>
+                      <a:r>
+                        <a:rPr lang="en-US" sz="1400" kern="1200" dirty="0" smtClean="0">
+                          <a:solidFill>
+                            <a:schemeClr val="dk1"/>
+                          </a:solidFill>
+                          <a:latin typeface="+mn-lt"/>
+                          <a:ea typeface="+mn-ea"/>
+                          <a:cs typeface="+mn-cs"/>
+                        </a:rPr>
+                        <a:t> </a:t>
+                      </a:r>
+                      <a:r>
+                        <a:rPr lang="en-US" sz="1400" kern="1200" dirty="0" err="1" smtClean="0">
+                          <a:solidFill>
+                            <a:schemeClr val="dk1"/>
+                          </a:solidFill>
+                          <a:latin typeface="+mn-lt"/>
+                          <a:ea typeface="+mn-ea"/>
+                          <a:cs typeface="+mn-cs"/>
+                        </a:rPr>
+                        <a:t>prend</a:t>
+                      </a:r>
+                      <a:r>
+                        <a:rPr lang="en-US" sz="1400" kern="1200" dirty="0" smtClean="0">
+                          <a:solidFill>
+                            <a:schemeClr val="dk1"/>
+                          </a:solidFill>
+                          <a:latin typeface="+mn-lt"/>
+                          <a:ea typeface="+mn-ea"/>
+                          <a:cs typeface="+mn-cs"/>
+                        </a:rPr>
+                        <a:t> la </a:t>
+                      </a:r>
+                      <a:r>
+                        <a:rPr lang="en-US" sz="1400" kern="1200" dirty="0" err="1" smtClean="0">
+                          <a:solidFill>
+                            <a:schemeClr val="dk1"/>
+                          </a:solidFill>
+                          <a:latin typeface="+mn-lt"/>
+                          <a:ea typeface="+mn-ea"/>
+                          <a:cs typeface="+mn-cs"/>
+                        </a:rPr>
+                        <a:t>taille</a:t>
+                      </a:r>
+                      <a:r>
+                        <a:rPr lang="en-US" sz="1400" kern="1200" dirty="0" smtClean="0">
+                          <a:solidFill>
+                            <a:schemeClr val="dk1"/>
+                          </a:solidFill>
+                          <a:latin typeface="+mn-lt"/>
+                          <a:ea typeface="+mn-ea"/>
+                          <a:cs typeface="+mn-cs"/>
+                        </a:rPr>
+                        <a:t> du </a:t>
+                      </a:r>
+                      <a:r>
+                        <a:rPr lang="en-US" sz="1400" kern="1200" dirty="0" err="1" smtClean="0">
+                          <a:solidFill>
+                            <a:schemeClr val="dk1"/>
+                          </a:solidFill>
+                          <a:latin typeface="+mn-lt"/>
+                          <a:ea typeface="+mn-ea"/>
+                          <a:cs typeface="+mn-cs"/>
+                        </a:rPr>
+                        <a:t>réseau</a:t>
+                      </a:r>
+                      <a:r>
+                        <a:rPr lang="en-US" sz="1400" kern="1200" dirty="0" smtClean="0">
+                          <a:solidFill>
+                            <a:schemeClr val="dk1"/>
+                          </a:solidFill>
+                          <a:latin typeface="+mn-lt"/>
+                          <a:ea typeface="+mn-ea"/>
+                          <a:cs typeface="+mn-cs"/>
+                        </a:rPr>
+                        <a:t> en </a:t>
+                      </a:r>
+                      <a:r>
+                        <a:rPr lang="en-US" sz="1400" kern="1200" dirty="0" err="1" smtClean="0">
+                          <a:solidFill>
+                            <a:schemeClr val="dk1"/>
+                          </a:solidFill>
+                          <a:latin typeface="+mn-lt"/>
+                          <a:ea typeface="+mn-ea"/>
+                          <a:cs typeface="+mn-cs"/>
+                        </a:rPr>
+                        <a:t>paramètre</a:t>
+                      </a:r>
+                      <a:r>
+                        <a:rPr lang="en-US" sz="1400" kern="1200" dirty="0" smtClean="0">
+                          <a:solidFill>
+                            <a:schemeClr val="dk1"/>
+                          </a:solidFill>
+                          <a:latin typeface="+mn-lt"/>
+                          <a:ea typeface="+mn-ea"/>
+                          <a:cs typeface="+mn-cs"/>
+                        </a:rPr>
+                        <a:t> et </a:t>
+                      </a:r>
+                      <a:r>
+                        <a:rPr lang="en-US" sz="1400" kern="1200" dirty="0" err="1" smtClean="0">
+                          <a:solidFill>
+                            <a:schemeClr val="dk1"/>
+                          </a:solidFill>
+                          <a:latin typeface="+mn-lt"/>
+                          <a:ea typeface="+mn-ea"/>
+                          <a:cs typeface="+mn-cs"/>
+                        </a:rPr>
+                        <a:t>s’adapte</a:t>
+                      </a:r>
+                      <a:r>
+                        <a:rPr lang="en-US" sz="1400" kern="1200" dirty="0" smtClean="0">
+                          <a:solidFill>
+                            <a:schemeClr val="dk1"/>
+                          </a:solidFill>
+                          <a:latin typeface="+mn-lt"/>
+                          <a:ea typeface="+mn-ea"/>
+                          <a:cs typeface="+mn-cs"/>
+                        </a:rPr>
+                        <a:t> à </a:t>
+                      </a:r>
+                      <a:r>
+                        <a:rPr lang="en-US" sz="1400" kern="1200" dirty="0" err="1" smtClean="0">
+                          <a:solidFill>
+                            <a:schemeClr val="dk1"/>
+                          </a:solidFill>
+                          <a:latin typeface="+mn-lt"/>
+                          <a:ea typeface="+mn-ea"/>
+                          <a:cs typeface="+mn-cs"/>
+                        </a:rPr>
+                        <a:t>cette</a:t>
+                      </a:r>
+                      <a:r>
+                        <a:rPr lang="en-US" sz="1400" kern="1200" dirty="0" smtClean="0">
+                          <a:solidFill>
+                            <a:schemeClr val="dk1"/>
+                          </a:solidFill>
+                          <a:latin typeface="+mn-lt"/>
+                          <a:ea typeface="+mn-ea"/>
+                          <a:cs typeface="+mn-cs"/>
+                        </a:rPr>
+                        <a:t> </a:t>
+                      </a:r>
+                      <a:r>
+                        <a:rPr lang="en-US" sz="1400" kern="1200" dirty="0" err="1" smtClean="0">
+                          <a:solidFill>
+                            <a:schemeClr val="dk1"/>
+                          </a:solidFill>
+                          <a:latin typeface="+mn-lt"/>
+                          <a:ea typeface="+mn-ea"/>
+                          <a:cs typeface="+mn-cs"/>
+                        </a:rPr>
+                        <a:t>dernière</a:t>
+                      </a:r>
+                      <a:r>
+                        <a:rPr lang="en-US" sz="1400" kern="1200" dirty="0" smtClean="0">
+                          <a:solidFill>
+                            <a:schemeClr val="dk1"/>
+                          </a:solidFill>
+                          <a:latin typeface="+mn-lt"/>
+                          <a:ea typeface="+mn-ea"/>
+                          <a:cs typeface="+mn-cs"/>
+                        </a:rPr>
+                        <a:t> par ex)</a:t>
+                      </a:r>
+                      <a:endParaRPr lang="fr-FR" sz="1400" kern="1200" dirty="0" smtClean="0">
+                        <a:solidFill>
+                          <a:schemeClr val="dk1"/>
+                        </a:solidFill>
+                        <a:latin typeface="+mn-lt"/>
+                        <a:ea typeface="+mn-ea"/>
+                        <a:cs typeface="+mn-cs"/>
                       </a:endParaRPr>
                     </a:p>
                   </a:txBody>
@@ -6551,7 +7278,7 @@
     </p:spTree>
     <p:extLst>
       <p:ext uri="{BB962C8B-B14F-4D97-AF65-F5344CB8AC3E}">
-        <p14:creationId xmlns="" xmlns:p14="http://schemas.microsoft.com/office/powerpoint/2010/main" val="3388311297"/>
+        <p14:creationId xmlns:p14="http://schemas.microsoft.com/office/powerpoint/2010/main" val="3388311297"/>
       </p:ext>
     </p:extLst>
   </p:cSld>
@@ -6595,14 +7322,14 @@
             <p:ph idx="1"/>
             <p:extLst>
               <p:ext uri="{D42A27DB-BD31-4B8C-83A1-F6EECF244321}">
-                <p14:modId xmlns="" xmlns:p14="http://schemas.microsoft.com/office/powerpoint/2010/main" val="1037633673"/>
+                <p14:modId xmlns:p14="http://schemas.microsoft.com/office/powerpoint/2010/main" val="1037633673"/>
               </p:ext>
             </p:extLst>
           </p:nvPr>
         </p:nvGraphicFramePr>
         <p:xfrm>
           <a:off x="1" y="1166354"/>
-          <a:ext cx="9143999" cy="6164086"/>
+          <a:ext cx="9143999" cy="5005846"/>
         </p:xfrm>
         <a:graphic>
           <a:graphicData uri="http://schemas.openxmlformats.org/drawingml/2006/table">
@@ -6677,635 +7404,6 @@
                         <a:t>Plan d’action</a:t>
                       </a:r>
                       <a:endParaRPr lang="fr-FR" dirty="0"/>
-                    </a:p>
-                  </a:txBody>
-                  <a:tcPr/>
-                </a:tc>
-              </a:tr>
-              <a:tr h="1060482">
-                <a:tc>
-                  <a:txBody>
-                    <a:bodyPr/>
-                    <a:lstStyle/>
-                    <a:p>
-                      <a:pPr marL="0" marR="0" indent="0" algn="just" defTabSz="914400" rtl="0" eaLnBrk="1" fontAlgn="auto" latinLnBrk="0" hangingPunct="1">
-                        <a:lnSpc>
-                          <a:spcPct val="100000"/>
-                        </a:lnSpc>
-                        <a:spcBef>
-                          <a:spcPts val="0"/>
-                        </a:spcBef>
-                        <a:spcAft>
-                          <a:spcPts val="1000"/>
-                        </a:spcAft>
-                        <a:buClrTx/>
-                        <a:buSzTx/>
-                        <a:buFontTx/>
-                        <a:buNone/>
-                        <a:tabLst/>
-                        <a:defRPr/>
-                      </a:pPr>
-                      <a:r>
-                        <a:rPr lang="en-US" sz="1400" kern="1200" dirty="0" err="1" smtClean="0">
-                          <a:solidFill>
-                            <a:schemeClr val="dk1"/>
-                          </a:solidFill>
-                          <a:latin typeface="Times New Roman"/>
-                          <a:ea typeface="Calibri"/>
-                          <a:cs typeface="Times New Roman"/>
-                        </a:rPr>
-                        <a:t>Complexité</a:t>
-                      </a:r>
-                      <a:r>
-                        <a:rPr lang="en-US" sz="1400" kern="1200" dirty="0" smtClean="0">
-                          <a:solidFill>
-                            <a:schemeClr val="dk1"/>
-                          </a:solidFill>
-                          <a:latin typeface="Times New Roman"/>
-                          <a:ea typeface="Calibri"/>
-                          <a:cs typeface="Times New Roman"/>
-                        </a:rPr>
-                        <a:t> de la configuration et de la </a:t>
-                      </a:r>
-                      <a:r>
-                        <a:rPr lang="en-US" sz="1400" kern="1200" dirty="0" err="1" smtClean="0">
-                          <a:solidFill>
-                            <a:schemeClr val="dk1"/>
-                          </a:solidFill>
-                          <a:latin typeface="Times New Roman"/>
-                          <a:ea typeface="Calibri"/>
-                          <a:cs typeface="Times New Roman"/>
-                        </a:rPr>
-                        <a:t>mise</a:t>
-                      </a:r>
-                      <a:r>
-                        <a:rPr lang="en-US" sz="1400" kern="1200" dirty="0" smtClean="0">
-                          <a:solidFill>
-                            <a:schemeClr val="dk1"/>
-                          </a:solidFill>
-                          <a:latin typeface="Times New Roman"/>
-                          <a:ea typeface="Calibri"/>
-                          <a:cs typeface="Times New Roman"/>
-                        </a:rPr>
-                        <a:t> en place des </a:t>
-                      </a:r>
-                      <a:r>
-                        <a:rPr lang="en-US" sz="1400" kern="1200" dirty="0" err="1" smtClean="0">
-                          <a:solidFill>
-                            <a:schemeClr val="dk1"/>
-                          </a:solidFill>
-                          <a:latin typeface="Times New Roman"/>
-                          <a:ea typeface="Calibri"/>
-                          <a:cs typeface="Times New Roman"/>
-                        </a:rPr>
-                        <a:t>dépendances</a:t>
-                      </a:r>
-                      <a:r>
-                        <a:rPr lang="en-US" sz="1400" kern="1200" dirty="0" smtClean="0">
-                          <a:solidFill>
-                            <a:schemeClr val="dk1"/>
-                          </a:solidFill>
-                          <a:latin typeface="Times New Roman"/>
-                          <a:ea typeface="Calibri"/>
-                          <a:cs typeface="Times New Roman"/>
-                        </a:rPr>
-                        <a:t> au </a:t>
-                      </a:r>
-                      <a:r>
-                        <a:rPr lang="en-US" sz="1400" kern="1200" dirty="0" err="1" smtClean="0">
-                          <a:solidFill>
-                            <a:schemeClr val="dk1"/>
-                          </a:solidFill>
-                          <a:latin typeface="Times New Roman"/>
-                          <a:ea typeface="Calibri"/>
-                          <a:cs typeface="Times New Roman"/>
-                        </a:rPr>
-                        <a:t>niveau</a:t>
-                      </a:r>
-                      <a:r>
-                        <a:rPr lang="en-US" sz="1400" kern="1200" dirty="0" smtClean="0">
-                          <a:solidFill>
-                            <a:schemeClr val="dk1"/>
-                          </a:solidFill>
-                          <a:latin typeface="Times New Roman"/>
-                          <a:ea typeface="Calibri"/>
-                          <a:cs typeface="Times New Roman"/>
-                        </a:rPr>
-                        <a:t> de </a:t>
-                      </a:r>
-                      <a:r>
-                        <a:rPr lang="en-US" sz="1400" kern="1200" dirty="0" err="1" smtClean="0">
-                          <a:solidFill>
-                            <a:schemeClr val="dk1"/>
-                          </a:solidFill>
-                          <a:latin typeface="Times New Roman"/>
-                          <a:ea typeface="Calibri"/>
-                          <a:cs typeface="Times New Roman"/>
-                        </a:rPr>
-                        <a:t>l’environnement</a:t>
-                      </a:r>
-                      <a:r>
-                        <a:rPr lang="en-US" sz="1400" kern="1200" dirty="0" smtClean="0">
-                          <a:solidFill>
-                            <a:schemeClr val="dk1"/>
-                          </a:solidFill>
-                          <a:latin typeface="Times New Roman"/>
-                          <a:ea typeface="Calibri"/>
-                          <a:cs typeface="Times New Roman"/>
-                        </a:rPr>
-                        <a:t> de simulation </a:t>
-                      </a:r>
-                      <a:endParaRPr lang="fr-FR" sz="1400" kern="1200" dirty="0" smtClean="0">
-                        <a:solidFill>
-                          <a:schemeClr val="dk1"/>
-                        </a:solidFill>
-                        <a:latin typeface="Times New Roman"/>
-                        <a:ea typeface="Calibri"/>
-                        <a:cs typeface="Times New Roman"/>
-                      </a:endParaRPr>
-                    </a:p>
-                  </a:txBody>
-                  <a:tcPr/>
-                </a:tc>
-                <a:tc>
-                  <a:txBody>
-                    <a:bodyPr/>
-                    <a:lstStyle/>
-                    <a:p>
-                      <a:pPr marL="0" marR="0" indent="0" algn="just" defTabSz="914400" rtl="0" eaLnBrk="1" fontAlgn="auto" latinLnBrk="0" hangingPunct="1">
-                        <a:lnSpc>
-                          <a:spcPct val="100000"/>
-                        </a:lnSpc>
-                        <a:spcBef>
-                          <a:spcPts val="0"/>
-                        </a:spcBef>
-                        <a:spcAft>
-                          <a:spcPts val="1000"/>
-                        </a:spcAft>
-                        <a:buClrTx/>
-                        <a:buSzTx/>
-                        <a:buFontTx/>
-                        <a:buNone/>
-                        <a:tabLst/>
-                        <a:defRPr/>
-                      </a:pPr>
-                      <a:r>
-                        <a:rPr lang="en-US" sz="1400" kern="1200" dirty="0" err="1" smtClean="0">
-                          <a:solidFill>
-                            <a:schemeClr val="dk1"/>
-                          </a:solidFill>
-                          <a:latin typeface="Times New Roman"/>
-                          <a:ea typeface="Calibri"/>
-                          <a:cs typeface="Times New Roman"/>
-                        </a:rPr>
-                        <a:t>Risque</a:t>
-                      </a:r>
-                      <a:r>
-                        <a:rPr lang="en-US" sz="1400" kern="1200" dirty="0" smtClean="0">
-                          <a:solidFill>
-                            <a:schemeClr val="dk1"/>
-                          </a:solidFill>
-                          <a:latin typeface="Times New Roman"/>
-                          <a:ea typeface="Calibri"/>
-                          <a:cs typeface="Times New Roman"/>
-                        </a:rPr>
-                        <a:t> </a:t>
-                      </a:r>
-                      <a:r>
-                        <a:rPr lang="en-US" sz="1400" kern="1200" dirty="0" err="1" smtClean="0">
-                          <a:solidFill>
-                            <a:schemeClr val="dk1"/>
-                          </a:solidFill>
-                          <a:latin typeface="Times New Roman"/>
-                          <a:ea typeface="Calibri"/>
-                          <a:cs typeface="Times New Roman"/>
-                        </a:rPr>
-                        <a:t>que</a:t>
-                      </a:r>
-                      <a:r>
-                        <a:rPr lang="en-US" sz="1400" kern="1200" dirty="0" smtClean="0">
-                          <a:solidFill>
-                            <a:schemeClr val="dk1"/>
-                          </a:solidFill>
-                          <a:latin typeface="Times New Roman"/>
-                          <a:ea typeface="Calibri"/>
-                          <a:cs typeface="Times New Roman"/>
-                        </a:rPr>
-                        <a:t> </a:t>
-                      </a:r>
-                      <a:r>
-                        <a:rPr lang="en-US" sz="1400" kern="1200" dirty="0" err="1" smtClean="0">
-                          <a:solidFill>
-                            <a:schemeClr val="dk1"/>
-                          </a:solidFill>
-                          <a:latin typeface="Times New Roman"/>
-                          <a:ea typeface="Calibri"/>
-                          <a:cs typeface="Times New Roman"/>
-                        </a:rPr>
-                        <a:t>l’environnement</a:t>
-                      </a:r>
-                      <a:r>
-                        <a:rPr lang="en-US" sz="1400" kern="1200" dirty="0" smtClean="0">
-                          <a:solidFill>
-                            <a:schemeClr val="dk1"/>
-                          </a:solidFill>
-                          <a:latin typeface="Times New Roman"/>
-                          <a:ea typeface="Calibri"/>
-                          <a:cs typeface="Times New Roman"/>
-                        </a:rPr>
-                        <a:t> de simulation ne </a:t>
-                      </a:r>
-                      <a:r>
-                        <a:rPr lang="en-US" sz="1400" kern="1200" dirty="0" err="1" smtClean="0">
-                          <a:solidFill>
-                            <a:schemeClr val="dk1"/>
-                          </a:solidFill>
-                          <a:latin typeface="Times New Roman"/>
-                          <a:ea typeface="Calibri"/>
-                          <a:cs typeface="Times New Roman"/>
-                        </a:rPr>
-                        <a:t>s’exécute</a:t>
-                      </a:r>
-                      <a:r>
-                        <a:rPr lang="en-US" sz="1400" kern="1200" dirty="0" smtClean="0">
-                          <a:solidFill>
-                            <a:schemeClr val="dk1"/>
-                          </a:solidFill>
-                          <a:latin typeface="Times New Roman"/>
-                          <a:ea typeface="Calibri"/>
-                          <a:cs typeface="Times New Roman"/>
-                        </a:rPr>
-                        <a:t> pas </a:t>
-                      </a:r>
-                      <a:r>
-                        <a:rPr lang="en-US" sz="1400" kern="1200" dirty="0" err="1" smtClean="0">
-                          <a:solidFill>
-                            <a:schemeClr val="dk1"/>
-                          </a:solidFill>
-                          <a:latin typeface="Times New Roman"/>
-                          <a:ea typeface="Calibri"/>
-                          <a:cs typeface="Times New Roman"/>
-                        </a:rPr>
-                        <a:t>sur</a:t>
-                      </a:r>
-                      <a:r>
-                        <a:rPr lang="en-US" sz="1400" kern="1200" dirty="0" smtClean="0">
-                          <a:solidFill>
-                            <a:schemeClr val="dk1"/>
-                          </a:solidFill>
-                          <a:latin typeface="Times New Roman"/>
-                          <a:ea typeface="Calibri"/>
-                          <a:cs typeface="Times New Roman"/>
-                        </a:rPr>
-                        <a:t> </a:t>
-                      </a:r>
-                      <a:r>
-                        <a:rPr lang="en-US" sz="1400" kern="1200" dirty="0" err="1" smtClean="0">
-                          <a:solidFill>
-                            <a:schemeClr val="dk1"/>
-                          </a:solidFill>
-                          <a:latin typeface="Times New Roman"/>
-                          <a:ea typeface="Calibri"/>
-                          <a:cs typeface="Times New Roman"/>
-                        </a:rPr>
-                        <a:t>n’importe</a:t>
-                      </a:r>
-                      <a:r>
-                        <a:rPr lang="en-US" sz="1400" kern="1200" dirty="0" smtClean="0">
-                          <a:solidFill>
-                            <a:schemeClr val="dk1"/>
-                          </a:solidFill>
-                          <a:latin typeface="Times New Roman"/>
-                          <a:ea typeface="Calibri"/>
-                          <a:cs typeface="Times New Roman"/>
-                        </a:rPr>
-                        <a:t> </a:t>
-                      </a:r>
-                      <a:r>
-                        <a:rPr lang="en-US" sz="1400" kern="1200" dirty="0" err="1" smtClean="0">
-                          <a:solidFill>
-                            <a:schemeClr val="dk1"/>
-                          </a:solidFill>
-                          <a:latin typeface="Times New Roman"/>
-                          <a:ea typeface="Calibri"/>
-                          <a:cs typeface="Times New Roman"/>
-                        </a:rPr>
-                        <a:t>quel</a:t>
-                      </a:r>
-                      <a:r>
-                        <a:rPr lang="en-US" sz="1400" kern="1200" dirty="0" smtClean="0">
-                          <a:solidFill>
-                            <a:schemeClr val="dk1"/>
-                          </a:solidFill>
-                          <a:latin typeface="Times New Roman"/>
-                          <a:ea typeface="Calibri"/>
-                          <a:cs typeface="Times New Roman"/>
-                        </a:rPr>
-                        <a:t> </a:t>
-                      </a:r>
-                      <a:r>
-                        <a:rPr lang="en-US" sz="1400" kern="1200" dirty="0" err="1" smtClean="0">
-                          <a:solidFill>
-                            <a:schemeClr val="dk1"/>
-                          </a:solidFill>
-                          <a:latin typeface="Times New Roman"/>
-                          <a:ea typeface="Calibri"/>
-                          <a:cs typeface="Times New Roman"/>
-                        </a:rPr>
-                        <a:t>réseau</a:t>
-                      </a:r>
-                      <a:endParaRPr lang="fr-FR" sz="1400" kern="1200" dirty="0" smtClean="0">
-                        <a:solidFill>
-                          <a:schemeClr val="dk1"/>
-                        </a:solidFill>
-                        <a:latin typeface="Times New Roman"/>
-                        <a:ea typeface="Calibri"/>
-                        <a:cs typeface="Times New Roman"/>
-                      </a:endParaRPr>
-                    </a:p>
-                  </a:txBody>
-                  <a:tcPr/>
-                </a:tc>
-                <a:tc>
-                  <a:txBody>
-                    <a:bodyPr/>
-                    <a:lstStyle/>
-                    <a:p>
-                      <a:pPr>
-                        <a:lnSpc>
-                          <a:spcPct val="100000"/>
-                        </a:lnSpc>
-                      </a:pPr>
-                      <a:r>
-                        <a:rPr lang="fr-FR" dirty="0" smtClean="0"/>
-                        <a:t>9</a:t>
-                      </a:r>
-                      <a:endParaRPr lang="fr-FR" dirty="0"/>
-                    </a:p>
-                  </a:txBody>
-                  <a:tcPr/>
-                </a:tc>
-                <a:tc>
-                  <a:txBody>
-                    <a:bodyPr/>
-                    <a:lstStyle/>
-                    <a:p>
-                      <a:pPr marL="0" marR="0" indent="0" algn="just" defTabSz="914400" rtl="0" eaLnBrk="1" fontAlgn="auto" latinLnBrk="0" hangingPunct="1">
-                        <a:lnSpc>
-                          <a:spcPct val="100000"/>
-                        </a:lnSpc>
-                        <a:spcBef>
-                          <a:spcPts val="0"/>
-                        </a:spcBef>
-                        <a:spcAft>
-                          <a:spcPts val="1000"/>
-                        </a:spcAft>
-                        <a:buClrTx/>
-                        <a:buSzTx/>
-                        <a:buFontTx/>
-                        <a:buNone/>
-                        <a:tabLst/>
-                        <a:defRPr/>
-                      </a:pPr>
-                      <a:r>
-                        <a:rPr lang="en-US" sz="1400" kern="1200" dirty="0" smtClean="0">
-                          <a:solidFill>
-                            <a:schemeClr val="dk1"/>
-                          </a:solidFill>
-                          <a:latin typeface="Times New Roman"/>
-                          <a:ea typeface="Calibri"/>
-                          <a:cs typeface="Times New Roman"/>
-                        </a:rPr>
-                        <a:t>-Conception d’un </a:t>
-                      </a:r>
-                      <a:r>
-                        <a:rPr lang="en-US" sz="1400" kern="1200" dirty="0" err="1" smtClean="0">
-                          <a:solidFill>
-                            <a:schemeClr val="dk1"/>
-                          </a:solidFill>
-                          <a:latin typeface="Times New Roman"/>
-                          <a:ea typeface="Calibri"/>
-                          <a:cs typeface="Times New Roman"/>
-                        </a:rPr>
-                        <a:t>système</a:t>
-                      </a:r>
-                      <a:r>
-                        <a:rPr lang="en-US" sz="1400" kern="1200" dirty="0" smtClean="0">
-                          <a:solidFill>
-                            <a:schemeClr val="dk1"/>
-                          </a:solidFill>
-                          <a:latin typeface="Times New Roman"/>
-                          <a:ea typeface="Calibri"/>
-                          <a:cs typeface="Times New Roman"/>
-                        </a:rPr>
-                        <a:t> de simulation </a:t>
-                      </a:r>
-                      <a:r>
-                        <a:rPr lang="en-US" sz="1400" kern="1200" dirty="0" err="1" smtClean="0">
-                          <a:solidFill>
-                            <a:schemeClr val="dk1"/>
-                          </a:solidFill>
-                          <a:latin typeface="Times New Roman"/>
-                          <a:ea typeface="Calibri"/>
-                          <a:cs typeface="Times New Roman"/>
-                        </a:rPr>
-                        <a:t>paramétrable</a:t>
-                      </a:r>
-                      <a:r>
-                        <a:rPr lang="en-US" sz="1400" kern="1200" dirty="0" smtClean="0">
-                          <a:solidFill>
-                            <a:schemeClr val="dk1"/>
-                          </a:solidFill>
-                          <a:latin typeface="Times New Roman"/>
-                          <a:ea typeface="Calibri"/>
-                          <a:cs typeface="Times New Roman"/>
-                        </a:rPr>
-                        <a:t> (</a:t>
-                      </a:r>
-                      <a:r>
-                        <a:rPr lang="en-US" sz="1400" kern="1200" dirty="0" err="1" smtClean="0">
-                          <a:solidFill>
-                            <a:schemeClr val="dk1"/>
-                          </a:solidFill>
-                          <a:latin typeface="Times New Roman"/>
-                          <a:ea typeface="Calibri"/>
-                          <a:cs typeface="Times New Roman"/>
-                        </a:rPr>
-                        <a:t>il</a:t>
-                      </a:r>
-                      <a:r>
-                        <a:rPr lang="en-US" sz="1400" kern="1200" dirty="0" smtClean="0">
-                          <a:solidFill>
-                            <a:schemeClr val="dk1"/>
-                          </a:solidFill>
-                          <a:latin typeface="Times New Roman"/>
-                          <a:ea typeface="Calibri"/>
-                          <a:cs typeface="Times New Roman"/>
-                        </a:rPr>
-                        <a:t> </a:t>
-                      </a:r>
-                      <a:r>
-                        <a:rPr lang="en-US" sz="1400" kern="1200" dirty="0" err="1" smtClean="0">
-                          <a:solidFill>
-                            <a:schemeClr val="dk1"/>
-                          </a:solidFill>
-                          <a:latin typeface="Times New Roman"/>
-                          <a:ea typeface="Calibri"/>
-                          <a:cs typeface="Times New Roman"/>
-                        </a:rPr>
-                        <a:t>prend</a:t>
-                      </a:r>
-                      <a:r>
-                        <a:rPr lang="en-US" sz="1400" kern="1200" dirty="0" smtClean="0">
-                          <a:solidFill>
-                            <a:schemeClr val="dk1"/>
-                          </a:solidFill>
-                          <a:latin typeface="Times New Roman"/>
-                          <a:ea typeface="Calibri"/>
-                          <a:cs typeface="Times New Roman"/>
-                        </a:rPr>
-                        <a:t> la </a:t>
-                      </a:r>
-                      <a:r>
-                        <a:rPr lang="en-US" sz="1400" kern="1200" dirty="0" err="1" smtClean="0">
-                          <a:solidFill>
-                            <a:schemeClr val="dk1"/>
-                          </a:solidFill>
-                          <a:latin typeface="Times New Roman"/>
-                          <a:ea typeface="Calibri"/>
-                          <a:cs typeface="Times New Roman"/>
-                        </a:rPr>
-                        <a:t>taille</a:t>
-                      </a:r>
-                      <a:r>
-                        <a:rPr lang="en-US" sz="1400" kern="1200" dirty="0" smtClean="0">
-                          <a:solidFill>
-                            <a:schemeClr val="dk1"/>
-                          </a:solidFill>
-                          <a:latin typeface="Times New Roman"/>
-                          <a:ea typeface="Calibri"/>
-                          <a:cs typeface="Times New Roman"/>
-                        </a:rPr>
-                        <a:t> du </a:t>
-                      </a:r>
-                      <a:r>
-                        <a:rPr lang="en-US" sz="1400" kern="1200" dirty="0" err="1" smtClean="0">
-                          <a:solidFill>
-                            <a:schemeClr val="dk1"/>
-                          </a:solidFill>
-                          <a:latin typeface="Times New Roman"/>
-                          <a:ea typeface="Calibri"/>
-                          <a:cs typeface="Times New Roman"/>
-                        </a:rPr>
-                        <a:t>réseau</a:t>
-                      </a:r>
-                      <a:r>
-                        <a:rPr lang="en-US" sz="1400" kern="1200" dirty="0" smtClean="0">
-                          <a:solidFill>
-                            <a:schemeClr val="dk1"/>
-                          </a:solidFill>
-                          <a:latin typeface="Times New Roman"/>
-                          <a:ea typeface="Calibri"/>
-                          <a:cs typeface="Times New Roman"/>
-                        </a:rPr>
-                        <a:t> en </a:t>
-                      </a:r>
-                      <a:r>
-                        <a:rPr lang="en-US" sz="1400" kern="1200" dirty="0" err="1" smtClean="0">
-                          <a:solidFill>
-                            <a:schemeClr val="dk1"/>
-                          </a:solidFill>
-                          <a:latin typeface="Times New Roman"/>
-                          <a:ea typeface="Calibri"/>
-                          <a:cs typeface="Times New Roman"/>
-                        </a:rPr>
-                        <a:t>paramètre</a:t>
-                      </a:r>
-                      <a:r>
-                        <a:rPr lang="en-US" sz="1400" kern="1200" dirty="0" smtClean="0">
-                          <a:solidFill>
-                            <a:schemeClr val="dk1"/>
-                          </a:solidFill>
-                          <a:latin typeface="Times New Roman"/>
-                          <a:ea typeface="Calibri"/>
-                          <a:cs typeface="Times New Roman"/>
-                        </a:rPr>
-                        <a:t> et </a:t>
-                      </a:r>
-                      <a:r>
-                        <a:rPr lang="en-US" sz="1400" kern="1200" dirty="0" err="1" smtClean="0">
-                          <a:solidFill>
-                            <a:schemeClr val="dk1"/>
-                          </a:solidFill>
-                          <a:latin typeface="Times New Roman"/>
-                          <a:ea typeface="Calibri"/>
-                          <a:cs typeface="Times New Roman"/>
-                        </a:rPr>
-                        <a:t>s’adapte</a:t>
-                      </a:r>
-                      <a:r>
-                        <a:rPr lang="en-US" sz="1400" kern="1200" dirty="0" smtClean="0">
-                          <a:solidFill>
-                            <a:schemeClr val="dk1"/>
-                          </a:solidFill>
-                          <a:latin typeface="Times New Roman"/>
-                          <a:ea typeface="Calibri"/>
-                          <a:cs typeface="Times New Roman"/>
-                        </a:rPr>
-                        <a:t> à </a:t>
-                      </a:r>
-                      <a:r>
-                        <a:rPr lang="en-US" sz="1400" kern="1200" dirty="0" err="1" smtClean="0">
-                          <a:solidFill>
-                            <a:schemeClr val="dk1"/>
-                          </a:solidFill>
-                          <a:latin typeface="Times New Roman"/>
-                          <a:ea typeface="Calibri"/>
-                          <a:cs typeface="Times New Roman"/>
-                        </a:rPr>
-                        <a:t>cette</a:t>
-                      </a:r>
-                      <a:r>
-                        <a:rPr lang="en-US" sz="1400" kern="1200" dirty="0" smtClean="0">
-                          <a:solidFill>
-                            <a:schemeClr val="dk1"/>
-                          </a:solidFill>
-                          <a:latin typeface="Times New Roman"/>
-                          <a:ea typeface="Calibri"/>
-                          <a:cs typeface="Times New Roman"/>
-                        </a:rPr>
-                        <a:t> </a:t>
-                      </a:r>
-                      <a:r>
-                        <a:rPr lang="en-US" sz="1400" kern="1200" dirty="0" err="1" smtClean="0">
-                          <a:solidFill>
-                            <a:schemeClr val="dk1"/>
-                          </a:solidFill>
-                          <a:latin typeface="Times New Roman"/>
-                          <a:ea typeface="Calibri"/>
-                          <a:cs typeface="Times New Roman"/>
-                        </a:rPr>
-                        <a:t>dernière</a:t>
-                      </a:r>
-                      <a:r>
-                        <a:rPr lang="en-US" sz="1400" kern="1200" dirty="0" smtClean="0">
-                          <a:solidFill>
-                            <a:schemeClr val="dk1"/>
-                          </a:solidFill>
-                          <a:latin typeface="Times New Roman"/>
-                          <a:ea typeface="Calibri"/>
-                          <a:cs typeface="Times New Roman"/>
-                        </a:rPr>
-                        <a:t> par ex)</a:t>
-                      </a:r>
-                      <a:endParaRPr lang="fr-FR" sz="1400" kern="1200" dirty="0" smtClean="0">
-                        <a:solidFill>
-                          <a:schemeClr val="dk1"/>
-                        </a:solidFill>
-                        <a:latin typeface="Times New Roman"/>
-                        <a:ea typeface="Calibri"/>
-                        <a:cs typeface="Times New Roman"/>
-                      </a:endParaRPr>
                     </a:p>
                   </a:txBody>
                   <a:tcPr/>
@@ -8945,7 +9043,7 @@
         </p:nvSpPr>
         <p:spPr>
           <a:xfrm>
-            <a:off x="4953000" y="685800"/>
+            <a:off x="3082817" y="6260068"/>
             <a:ext cx="2860783" cy="369332"/>
           </a:xfrm>
           <a:prstGeom prst="rect">
@@ -8970,7 +9068,7 @@
     </p:spTree>
     <p:extLst>
       <p:ext uri="{BB962C8B-B14F-4D97-AF65-F5344CB8AC3E}">
-        <p14:creationId xmlns="" xmlns:p14="http://schemas.microsoft.com/office/powerpoint/2010/main" val="1660990754"/>
+        <p14:creationId xmlns:p14="http://schemas.microsoft.com/office/powerpoint/2010/main" val="1660990754"/>
       </p:ext>
     </p:extLst>
   </p:cSld>
@@ -9121,7 +9219,7 @@
     </p:spTree>
     <p:extLst>
       <p:ext uri="{BB962C8B-B14F-4D97-AF65-F5344CB8AC3E}">
-        <p14:creationId xmlns="" xmlns:p14="http://schemas.microsoft.com/office/powerpoint/2010/main" val="1259481295"/>
+        <p14:creationId xmlns:p14="http://schemas.microsoft.com/office/powerpoint/2010/main" val="1259481295"/>
       </p:ext>
     </p:extLst>
   </p:cSld>
@@ -9934,7 +10032,7 @@
           <a:blip r:embed="rId2" cstate="print">
             <a:extLst>
               <a:ext uri="{28A0092B-C50C-407E-A947-70E740481C1C}">
-                <a14:useLocalDpi xmlns="" xmlns:a14="http://schemas.microsoft.com/office/drawing/2010/main" val="0"/>
+                <a14:useLocalDpi xmlns:a14="http://schemas.microsoft.com/office/drawing/2010/main" val="0"/>
               </a:ext>
             </a:extLst>
           </a:blip>
@@ -9958,14 +10056,14 @@
           <a:effectLst/>
           <a:extLst>
             <a:ext uri="{909E8E84-426E-40DD-AFC4-6F175D3DCCD1}">
-              <a14:hiddenFill xmlns="" xmlns:a14="http://schemas.microsoft.com/office/drawing/2010/main">
+              <a14:hiddenFill xmlns:a14="http://schemas.microsoft.com/office/drawing/2010/main">
                 <a:solidFill>
                   <a:schemeClr val="accent1"/>
                 </a:solidFill>
               </a14:hiddenFill>
             </a:ext>
             <a:ext uri="{91240B29-F687-4F45-9708-019B960494DF}">
-              <a14:hiddenLine xmlns="" xmlns:a14="http://schemas.microsoft.com/office/drawing/2010/main" w="9525">
+              <a14:hiddenLine xmlns:a14="http://schemas.microsoft.com/office/drawing/2010/main" w="9525">
                 <a:solidFill>
                   <a:schemeClr val="tx1"/>
                 </a:solidFill>
@@ -9975,7 +10073,7 @@
               </a14:hiddenLine>
             </a:ext>
             <a:ext uri="{AF507438-7753-43E0-B8FC-AC1667EBCBE1}">
-              <a14:hiddenEffects xmlns="" xmlns:a14="http://schemas.microsoft.com/office/drawing/2010/main">
+              <a14:hiddenEffects xmlns:a14="http://schemas.microsoft.com/office/drawing/2010/main">
                 <a:effectLst>
                   <a:outerShdw dist="35921" dir="2700000" algn="ctr" rotWithShape="0">
                     <a:schemeClr val="bg2"/>
@@ -9989,7 +10087,7 @@
     </p:spTree>
     <p:extLst>
       <p:ext uri="{BB962C8B-B14F-4D97-AF65-F5344CB8AC3E}">
-        <p14:creationId xmlns="" xmlns:p14="http://schemas.microsoft.com/office/powerpoint/2010/main" val="2043196274"/>
+        <p14:creationId xmlns:p14="http://schemas.microsoft.com/office/powerpoint/2010/main" val="2043196274"/>
       </p:ext>
     </p:extLst>
   </p:cSld>
@@ -10062,7 +10160,7 @@
           <a:blip r:embed="rId2" cstate="print">
             <a:extLst>
               <a:ext uri="{28A0092B-C50C-407E-A947-70E740481C1C}">
-                <a14:useLocalDpi xmlns="" xmlns:a14="http://schemas.microsoft.com/office/drawing/2010/main" val="0"/>
+                <a14:useLocalDpi xmlns:a14="http://schemas.microsoft.com/office/drawing/2010/main" val="0"/>
               </a:ext>
             </a:extLst>
           </a:blip>
@@ -10086,14 +10184,14 @@
           <a:effectLst/>
           <a:extLst>
             <a:ext uri="{909E8E84-426E-40DD-AFC4-6F175D3DCCD1}">
-              <a14:hiddenFill xmlns="" xmlns:a14="http://schemas.microsoft.com/office/drawing/2010/main">
+              <a14:hiddenFill xmlns:a14="http://schemas.microsoft.com/office/drawing/2010/main">
                 <a:solidFill>
                   <a:schemeClr val="accent1"/>
                 </a:solidFill>
               </a14:hiddenFill>
             </a:ext>
             <a:ext uri="{91240B29-F687-4F45-9708-019B960494DF}">
-              <a14:hiddenLine xmlns="" xmlns:a14="http://schemas.microsoft.com/office/drawing/2010/main" w="9525">
+              <a14:hiddenLine xmlns:a14="http://schemas.microsoft.com/office/drawing/2010/main" w="9525">
                 <a:solidFill>
                   <a:schemeClr val="tx1"/>
                 </a:solidFill>
@@ -10103,7 +10201,7 @@
               </a14:hiddenLine>
             </a:ext>
             <a:ext uri="{AF507438-7753-43E0-B8FC-AC1667EBCBE1}">
-              <a14:hiddenEffects xmlns="" xmlns:a14="http://schemas.microsoft.com/office/drawing/2010/main">
+              <a14:hiddenEffects xmlns:a14="http://schemas.microsoft.com/office/drawing/2010/main">
                 <a:effectLst>
                   <a:outerShdw dist="35921" dir="2700000" algn="ctr" rotWithShape="0">
                     <a:schemeClr val="bg2"/>
@@ -10117,7 +10215,7 @@
     </p:spTree>
     <p:extLst>
       <p:ext uri="{BB962C8B-B14F-4D97-AF65-F5344CB8AC3E}">
-        <p14:creationId xmlns="" xmlns:p14="http://schemas.microsoft.com/office/powerpoint/2010/main" val="349231435"/>
+        <p14:creationId xmlns:p14="http://schemas.microsoft.com/office/powerpoint/2010/main" val="349231435"/>
       </p:ext>
     </p:extLst>
   </p:cSld>
@@ -10183,10 +10281,10 @@
           <p:nvPr/>
         </p:nvPicPr>
         <p:blipFill>
-          <a:blip r:embed="rId3" cstate="print">
+          <a:blip r:embed="rId3">
             <a:extLst>
               <a:ext uri="{28A0092B-C50C-407E-A947-70E740481C1C}">
-                <a14:useLocalDpi xmlns="" xmlns:a14="http://schemas.microsoft.com/office/drawing/2010/main" val="0"/>
+                <a14:useLocalDpi xmlns:a14="http://schemas.microsoft.com/office/drawing/2010/main" val="0"/>
               </a:ext>
             </a:extLst>
           </a:blip>
@@ -10213,10 +10311,10 @@
           <p:nvPr/>
         </p:nvPicPr>
         <p:blipFill>
-          <a:blip r:embed="rId3" cstate="print">
+          <a:blip r:embed="rId3">
             <a:extLst>
               <a:ext uri="{28A0092B-C50C-407E-A947-70E740481C1C}">
-                <a14:useLocalDpi xmlns="" xmlns:a14="http://schemas.microsoft.com/office/drawing/2010/main" val="0"/>
+                <a14:useLocalDpi xmlns:a14="http://schemas.microsoft.com/office/drawing/2010/main" val="0"/>
               </a:ext>
             </a:extLst>
           </a:blip>
@@ -10243,10 +10341,10 @@
           <p:nvPr/>
         </p:nvPicPr>
         <p:blipFill>
-          <a:blip r:embed="rId4" cstate="print">
+          <a:blip r:embed="rId4">
             <a:extLst>
               <a:ext uri="{28A0092B-C50C-407E-A947-70E740481C1C}">
-                <a14:useLocalDpi xmlns="" xmlns:a14="http://schemas.microsoft.com/office/drawing/2010/main" val="0"/>
+                <a14:useLocalDpi xmlns:a14="http://schemas.microsoft.com/office/drawing/2010/main" val="0"/>
               </a:ext>
             </a:extLst>
           </a:blip>
@@ -10273,10 +10371,10 @@
           <p:nvPr/>
         </p:nvPicPr>
         <p:blipFill>
-          <a:blip r:embed="rId4" cstate="print">
+          <a:blip r:embed="rId4">
             <a:extLst>
               <a:ext uri="{28A0092B-C50C-407E-A947-70E740481C1C}">
-                <a14:useLocalDpi xmlns="" xmlns:a14="http://schemas.microsoft.com/office/drawing/2010/main" val="0"/>
+                <a14:useLocalDpi xmlns:a14="http://schemas.microsoft.com/office/drawing/2010/main" val="0"/>
               </a:ext>
             </a:extLst>
           </a:blip>
@@ -10303,10 +10401,10 @@
           <p:nvPr/>
         </p:nvPicPr>
         <p:blipFill>
-          <a:blip r:embed="rId4" cstate="print">
+          <a:blip r:embed="rId4">
             <a:extLst>
               <a:ext uri="{28A0092B-C50C-407E-A947-70E740481C1C}">
-                <a14:useLocalDpi xmlns="" xmlns:a14="http://schemas.microsoft.com/office/drawing/2010/main" val="0"/>
+                <a14:useLocalDpi xmlns:a14="http://schemas.microsoft.com/office/drawing/2010/main" val="0"/>
               </a:ext>
             </a:extLst>
           </a:blip>
@@ -10632,10 +10730,10 @@
           <p:nvPr/>
         </p:nvPicPr>
         <p:blipFill>
-          <a:blip r:embed="rId5" cstate="print">
+          <a:blip r:embed="rId5">
             <a:extLst>
               <a:ext uri="{28A0092B-C50C-407E-A947-70E740481C1C}">
-                <a14:useLocalDpi xmlns="" xmlns:a14="http://schemas.microsoft.com/office/drawing/2010/main" val="0"/>
+                <a14:useLocalDpi xmlns:a14="http://schemas.microsoft.com/office/drawing/2010/main" val="0"/>
               </a:ext>
             </a:extLst>
           </a:blip>
@@ -10665,7 +10763,7 @@
           <a:blip r:embed="rId6" cstate="print">
             <a:extLst>
               <a:ext uri="{28A0092B-C50C-407E-A947-70E740481C1C}">
-                <a14:useLocalDpi xmlns="" xmlns:a14="http://schemas.microsoft.com/office/drawing/2010/main" val="0"/>
+                <a14:useLocalDpi xmlns:a14="http://schemas.microsoft.com/office/drawing/2010/main" val="0"/>
               </a:ext>
             </a:extLst>
           </a:blip>
@@ -10695,7 +10793,7 @@
           <a:blip r:embed="rId7" cstate="print">
             <a:extLst>
               <a:ext uri="{28A0092B-C50C-407E-A947-70E740481C1C}">
-                <a14:useLocalDpi xmlns="" xmlns:a14="http://schemas.microsoft.com/office/drawing/2010/main" val="0"/>
+                <a14:useLocalDpi xmlns:a14="http://schemas.microsoft.com/office/drawing/2010/main" val="0"/>
               </a:ext>
             </a:extLst>
           </a:blip>
@@ -10831,10 +10929,10 @@
           <p:nvPr/>
         </p:nvPicPr>
         <p:blipFill>
-          <a:blip r:embed="rId8" cstate="print">
+          <a:blip r:embed="rId8">
             <a:extLst>
               <a:ext uri="{28A0092B-C50C-407E-A947-70E740481C1C}">
-                <a14:useLocalDpi xmlns="" xmlns:a14="http://schemas.microsoft.com/office/drawing/2010/main" val="0"/>
+                <a14:useLocalDpi xmlns:a14="http://schemas.microsoft.com/office/drawing/2010/main" val="0"/>
               </a:ext>
             </a:extLst>
           </a:blip>
@@ -10861,10 +10959,10 @@
           <p:nvPr/>
         </p:nvPicPr>
         <p:blipFill>
-          <a:blip r:embed="rId4" cstate="print">
+          <a:blip r:embed="rId4">
             <a:extLst>
               <a:ext uri="{28A0092B-C50C-407E-A947-70E740481C1C}">
-                <a14:useLocalDpi xmlns="" xmlns:a14="http://schemas.microsoft.com/office/drawing/2010/main" val="0"/>
+                <a14:useLocalDpi xmlns:a14="http://schemas.microsoft.com/office/drawing/2010/main" val="0"/>
               </a:ext>
             </a:extLst>
           </a:blip>
@@ -10891,10 +10989,10 @@
           <p:nvPr/>
         </p:nvPicPr>
         <p:blipFill>
-          <a:blip r:embed="rId9" cstate="print">
+          <a:blip r:embed="rId9">
             <a:extLst>
               <a:ext uri="{28A0092B-C50C-407E-A947-70E740481C1C}">
-                <a14:useLocalDpi xmlns="" xmlns:a14="http://schemas.microsoft.com/office/drawing/2010/main" val="0"/>
+                <a14:useLocalDpi xmlns:a14="http://schemas.microsoft.com/office/drawing/2010/main" val="0"/>
               </a:ext>
             </a:extLst>
           </a:blip>
@@ -10918,14 +11016,14 @@
           <a:effectLst/>
           <a:extLst>
             <a:ext uri="{909E8E84-426E-40DD-AFC4-6F175D3DCCD1}">
-              <a14:hiddenFill xmlns="" xmlns:a14="http://schemas.microsoft.com/office/drawing/2010/main">
+              <a14:hiddenFill xmlns:a14="http://schemas.microsoft.com/office/drawing/2010/main">
                 <a:solidFill>
                   <a:schemeClr val="accent1"/>
                 </a:solidFill>
               </a14:hiddenFill>
             </a:ext>
             <a:ext uri="{91240B29-F687-4F45-9708-019B960494DF}">
-              <a14:hiddenLine xmlns="" xmlns:a14="http://schemas.microsoft.com/office/drawing/2010/main" w="9525">
+              <a14:hiddenLine xmlns:a14="http://schemas.microsoft.com/office/drawing/2010/main" w="9525">
                 <a:solidFill>
                   <a:schemeClr val="tx1"/>
                 </a:solidFill>
@@ -10935,7 +11033,7 @@
               </a14:hiddenLine>
             </a:ext>
             <a:ext uri="{AF507438-7753-43E0-B8FC-AC1667EBCBE1}">
-              <a14:hiddenEffects xmlns="" xmlns:a14="http://schemas.microsoft.com/office/drawing/2010/main">
+              <a14:hiddenEffects xmlns:a14="http://schemas.microsoft.com/office/drawing/2010/main">
                 <a:effectLst>
                   <a:outerShdw dist="35921" dir="2700000" algn="ctr" rotWithShape="0">
                     <a:schemeClr val="bg2"/>
@@ -11001,10 +11099,10 @@
           <p:nvPr/>
         </p:nvPicPr>
         <p:blipFill>
-          <a:blip r:embed="rId9" cstate="print">
+          <a:blip r:embed="rId9">
             <a:extLst>
               <a:ext uri="{28A0092B-C50C-407E-A947-70E740481C1C}">
-                <a14:useLocalDpi xmlns="" xmlns:a14="http://schemas.microsoft.com/office/drawing/2010/main" val="0"/>
+                <a14:useLocalDpi xmlns:a14="http://schemas.microsoft.com/office/drawing/2010/main" val="0"/>
               </a:ext>
             </a:extLst>
           </a:blip>
@@ -11028,14 +11126,14 @@
           <a:effectLst/>
           <a:extLst>
             <a:ext uri="{909E8E84-426E-40DD-AFC4-6F175D3DCCD1}">
-              <a14:hiddenFill xmlns="" xmlns:a14="http://schemas.microsoft.com/office/drawing/2010/main">
+              <a14:hiddenFill xmlns:a14="http://schemas.microsoft.com/office/drawing/2010/main">
                 <a:solidFill>
                   <a:schemeClr val="accent1"/>
                 </a:solidFill>
               </a14:hiddenFill>
             </a:ext>
             <a:ext uri="{91240B29-F687-4F45-9708-019B960494DF}">
-              <a14:hiddenLine xmlns="" xmlns:a14="http://schemas.microsoft.com/office/drawing/2010/main" w="9525">
+              <a14:hiddenLine xmlns:a14="http://schemas.microsoft.com/office/drawing/2010/main" w="9525">
                 <a:solidFill>
                   <a:schemeClr val="tx1"/>
                 </a:solidFill>
@@ -11045,7 +11143,7 @@
               </a14:hiddenLine>
             </a:ext>
             <a:ext uri="{AF507438-7753-43E0-B8FC-AC1667EBCBE1}">
-              <a14:hiddenEffects xmlns="" xmlns:a14="http://schemas.microsoft.com/office/drawing/2010/main">
+              <a14:hiddenEffects xmlns:a14="http://schemas.microsoft.com/office/drawing/2010/main">
                 <a:effectLst>
                   <a:outerShdw dist="35921" dir="2700000" algn="ctr" rotWithShape="0">
                     <a:schemeClr val="bg2"/>
@@ -11065,10 +11163,10 @@
           <p:nvPr/>
         </p:nvPicPr>
         <p:blipFill>
-          <a:blip r:embed="rId3" cstate="print">
+          <a:blip r:embed="rId3">
             <a:extLst>
               <a:ext uri="{28A0092B-C50C-407E-A947-70E740481C1C}">
-                <a14:useLocalDpi xmlns="" xmlns:a14="http://schemas.microsoft.com/office/drawing/2010/main" val="0"/>
+                <a14:useLocalDpi xmlns:a14="http://schemas.microsoft.com/office/drawing/2010/main" val="0"/>
               </a:ext>
             </a:extLst>
           </a:blip>
@@ -11397,7 +11495,7 @@
     </p:spTree>
     <p:extLst>
       <p:ext uri="{BB962C8B-B14F-4D97-AF65-F5344CB8AC3E}">
-        <p14:creationId xmlns="" xmlns:p14="http://schemas.microsoft.com/office/powerpoint/2010/main" val="2609155689"/>
+        <p14:creationId xmlns:p14="http://schemas.microsoft.com/office/powerpoint/2010/main" val="2609155689"/>
       </p:ext>
     </p:extLst>
   </p:cSld>
@@ -11466,7 +11564,7 @@
           <a:blip r:embed="rId2" cstate="print">
             <a:extLst>
               <a:ext uri="{28A0092B-C50C-407E-A947-70E740481C1C}">
-                <a14:useLocalDpi xmlns="" xmlns:a14="http://schemas.microsoft.com/office/drawing/2010/main" val="0"/>
+                <a14:useLocalDpi xmlns:a14="http://schemas.microsoft.com/office/drawing/2010/main" val="0"/>
               </a:ext>
             </a:extLst>
           </a:blip>
@@ -11486,7 +11584,7 @@
           <a:noFill/>
           <a:extLst>
             <a:ext uri="{909E8E84-426E-40DD-AFC4-6F175D3DCCD1}">
-              <a14:hiddenFill xmlns="" xmlns:a14="http://schemas.microsoft.com/office/drawing/2010/main">
+              <a14:hiddenFill xmlns:a14="http://schemas.microsoft.com/office/drawing/2010/main">
                 <a:solidFill>
                   <a:srgbClr val="FFFFFF"/>
                 </a:solidFill>
@@ -11498,7 +11596,7 @@
     </p:spTree>
     <p:extLst>
       <p:ext uri="{BB962C8B-B14F-4D97-AF65-F5344CB8AC3E}">
-        <p14:creationId xmlns="" xmlns:p14="http://schemas.microsoft.com/office/powerpoint/2010/main" val="547627724"/>
+        <p14:creationId xmlns:p14="http://schemas.microsoft.com/office/powerpoint/2010/main" val="547627724"/>
       </p:ext>
     </p:extLst>
   </p:cSld>
@@ -11544,7 +11642,7 @@
           <a:blip r:embed="rId2" cstate="print">
             <a:extLst>
               <a:ext uri="{28A0092B-C50C-407E-A947-70E740481C1C}">
-                <a14:useLocalDpi xmlns="" xmlns:a14="http://schemas.microsoft.com/office/drawing/2010/main" val="0"/>
+                <a14:useLocalDpi xmlns:a14="http://schemas.microsoft.com/office/drawing/2010/main" val="0"/>
               </a:ext>
             </a:extLst>
           </a:blip>
@@ -11564,7 +11662,7 @@
           <a:noFill/>
           <a:extLst>
             <a:ext uri="{909E8E84-426E-40DD-AFC4-6F175D3DCCD1}">
-              <a14:hiddenFill xmlns="" xmlns:a14="http://schemas.microsoft.com/office/drawing/2010/main">
+              <a14:hiddenFill xmlns:a14="http://schemas.microsoft.com/office/drawing/2010/main">
                 <a:solidFill>
                   <a:srgbClr val="FFFFFF"/>
                 </a:solidFill>
@@ -11604,7 +11702,7 @@
     </p:spTree>
     <p:extLst>
       <p:ext uri="{BB962C8B-B14F-4D97-AF65-F5344CB8AC3E}">
-        <p14:creationId xmlns="" xmlns:p14="http://schemas.microsoft.com/office/powerpoint/2010/main" val="3341074293"/>
+        <p14:creationId xmlns:p14="http://schemas.microsoft.com/office/powerpoint/2010/main" val="3341074293"/>
       </p:ext>
     </p:extLst>
   </p:cSld>
@@ -11804,7 +11902,7 @@
     </p:spTree>
     <p:extLst>
       <p:ext uri="{BB962C8B-B14F-4D97-AF65-F5344CB8AC3E}">
-        <p14:creationId xmlns="" xmlns:p14="http://schemas.microsoft.com/office/powerpoint/2010/main" val="3894779040"/>
+        <p14:creationId xmlns:p14="http://schemas.microsoft.com/office/powerpoint/2010/main" val="3894779040"/>
       </p:ext>
     </p:extLst>
   </p:cSld>
@@ -11850,7 +11948,7 @@
           <a:blip r:embed="rId2" cstate="print">
             <a:extLst>
               <a:ext uri="{28A0092B-C50C-407E-A947-70E740481C1C}">
-                <a14:useLocalDpi xmlns="" xmlns:a14="http://schemas.microsoft.com/office/drawing/2010/main" val="0"/>
+                <a14:useLocalDpi xmlns:a14="http://schemas.microsoft.com/office/drawing/2010/main" val="0"/>
               </a:ext>
             </a:extLst>
           </a:blip>
@@ -11874,14 +11972,14 @@
           <a:effectLst/>
           <a:extLst>
             <a:ext uri="{909E8E84-426E-40DD-AFC4-6F175D3DCCD1}">
-              <a14:hiddenFill xmlns="" xmlns:a14="http://schemas.microsoft.com/office/drawing/2010/main">
+              <a14:hiddenFill xmlns:a14="http://schemas.microsoft.com/office/drawing/2010/main">
                 <a:solidFill>
                   <a:schemeClr val="accent1"/>
                 </a:solidFill>
               </a14:hiddenFill>
             </a:ext>
             <a:ext uri="{91240B29-F687-4F45-9708-019B960494DF}">
-              <a14:hiddenLine xmlns="" xmlns:a14="http://schemas.microsoft.com/office/drawing/2010/main" w="9525">
+              <a14:hiddenLine xmlns:a14="http://schemas.microsoft.com/office/drawing/2010/main" w="9525">
                 <a:solidFill>
                   <a:schemeClr val="tx1"/>
                 </a:solidFill>
@@ -11891,7 +11989,7 @@
               </a14:hiddenLine>
             </a:ext>
             <a:ext uri="{AF507438-7753-43E0-B8FC-AC1667EBCBE1}">
-              <a14:hiddenEffects xmlns="" xmlns:a14="http://schemas.microsoft.com/office/drawing/2010/main">
+              <a14:hiddenEffects xmlns:a14="http://schemas.microsoft.com/office/drawing/2010/main">
                 <a:effectLst>
                   <a:outerShdw dist="35921" dir="2700000" algn="ctr" rotWithShape="0">
                     <a:schemeClr val="bg2"/>
@@ -11933,7 +12031,7 @@
     </p:spTree>
     <p:extLst>
       <p:ext uri="{BB962C8B-B14F-4D97-AF65-F5344CB8AC3E}">
-        <p14:creationId xmlns="" xmlns:p14="http://schemas.microsoft.com/office/powerpoint/2010/main" val="1239993373"/>
+        <p14:creationId xmlns:p14="http://schemas.microsoft.com/office/powerpoint/2010/main" val="1239993373"/>
       </p:ext>
     </p:extLst>
   </p:cSld>
@@ -11977,12 +12075,7 @@
             <p:ph type="title"/>
           </p:nvPr>
         </p:nvSpPr>
-        <p:spPr>
-          <a:xfrm>
-            <a:off x="457200" y="0"/>
-            <a:ext cx="8229600" cy="990600"/>
-          </a:xfrm>
-        </p:spPr>
+        <p:spPr/>
         <p:txBody>
           <a:bodyPr/>
           <a:lstStyle/>
@@ -12003,7 +12096,7 @@
         </p:nvSpPr>
         <p:spPr>
           <a:xfrm>
-            <a:off x="6019800" y="5105400"/>
+            <a:off x="5943600" y="1524000"/>
             <a:ext cx="2895600" cy="1295400"/>
           </a:xfrm>
           <a:prstGeom prst="roundRect">
@@ -12061,7 +12154,7 @@
           <a:lstStyle/>
           <a:p>
             <a:pPr algn="ctr"/>
-            <a:endParaRPr lang="fr-FR" dirty="0"/>
+            <a:endParaRPr lang="fr-FR"/>
           </a:p>
         </p:txBody>
       </p:sp>
@@ -12073,8 +12166,8 @@
         </p:nvSpPr>
         <p:spPr>
           <a:xfrm>
-            <a:off x="0" y="990600"/>
-            <a:ext cx="3528392" cy="2438400"/>
+            <a:off x="4860032" y="4365104"/>
+            <a:ext cx="3528392" cy="2088232"/>
           </a:xfrm>
           <a:prstGeom prst="roundRect">
             <a:avLst/>
@@ -12113,8 +12206,8 @@
         </p:nvSpPr>
         <p:spPr>
           <a:xfrm>
-            <a:off x="395536" y="4343400"/>
-            <a:ext cx="2880320" cy="2325960"/>
+            <a:off x="395536" y="3933056"/>
+            <a:ext cx="2880320" cy="2736304"/>
           </a:xfrm>
           <a:prstGeom prst="roundRect">
             <a:avLst/>
@@ -12153,7 +12246,7 @@
         </p:nvSpPr>
         <p:spPr>
           <a:xfrm>
-            <a:off x="7543800" y="1219200"/>
+            <a:off x="2133600" y="1524000"/>
             <a:ext cx="1219200" cy="1295400"/>
           </a:xfrm>
           <a:prstGeom prst="roundRect">
@@ -12221,7 +12314,7 @@
         </p:nvSpPr>
         <p:spPr>
           <a:xfrm>
-            <a:off x="7391400" y="5257800"/>
+            <a:off x="7162800" y="1676400"/>
             <a:ext cx="1516360" cy="990600"/>
           </a:xfrm>
           <a:prstGeom prst="roundRect">
@@ -12288,9 +12381,9 @@
           <p:nvPr/>
         </p:nvSpPr>
         <p:spPr>
-          <a:xfrm rot="5400000">
-            <a:off x="1447800" y="3733800"/>
-            <a:ext cx="762000" cy="304800"/>
+          <a:xfrm>
+            <a:off x="3275856" y="5301208"/>
+            <a:ext cx="1512168" cy="360040"/>
           </a:xfrm>
           <a:prstGeom prst="leftRightArrow">
             <a:avLst/>
@@ -12317,7 +12410,7 @@
           <a:lstStyle/>
           <a:p>
             <a:pPr algn="ctr"/>
-            <a:endParaRPr lang="fr-FR" dirty="0"/>
+            <a:endParaRPr lang="fr-FR"/>
           </a:p>
         </p:txBody>
       </p:sp>
@@ -12329,7 +12422,7 @@
         </p:nvSpPr>
         <p:spPr>
           <a:xfrm>
-            <a:off x="4191000" y="6248400"/>
+            <a:off x="3491880" y="5733256"/>
             <a:ext cx="1115370" cy="369332"/>
           </a:xfrm>
           <a:prstGeom prst="rect">
@@ -12359,7 +12452,7 @@
         </p:nvSpPr>
         <p:spPr>
           <a:xfrm>
-            <a:off x="7924800" y="1371600"/>
+            <a:off x="2438400" y="2057400"/>
             <a:ext cx="573360" cy="651520"/>
           </a:xfrm>
           <a:prstGeom prst="flowChartMagneticDisk">
@@ -12410,7 +12503,7 @@
         </p:nvSpPr>
         <p:spPr>
           <a:xfrm>
-            <a:off x="457200" y="4419600"/>
+            <a:off x="457200" y="4038600"/>
             <a:ext cx="2816797" cy="338554"/>
           </a:xfrm>
           <a:prstGeom prst="rect">
@@ -12440,7 +12533,7 @@
         </p:nvSpPr>
         <p:spPr>
           <a:xfrm rot="5400000">
-            <a:off x="6821037" y="4304163"/>
+            <a:off x="6699469" y="3575918"/>
             <a:ext cx="423444" cy="501919"/>
           </a:xfrm>
           <a:prstGeom prst="chevron">
@@ -12486,7 +12579,7 @@
         </p:nvSpPr>
         <p:spPr>
           <a:xfrm rot="10800000">
-            <a:off x="6705600" y="4038600"/>
+            <a:off x="6660232" y="3352800"/>
             <a:ext cx="504056" cy="288032"/>
           </a:xfrm>
           <a:prstGeom prst="flowChartExtract">
@@ -12526,7 +12619,7 @@
         </p:nvSpPr>
         <p:spPr>
           <a:xfrm>
-            <a:off x="7620000" y="2057400"/>
+            <a:off x="2286000" y="1752600"/>
             <a:ext cx="1080120" cy="338554"/>
           </a:xfrm>
           <a:prstGeom prst="rect">
@@ -12558,13 +12651,54 @@
       </p:sp>
       <p:sp>
         <p:nvSpPr>
+          <p:cNvPr id="16" name="Rectangle 15"/>
+          <p:cNvSpPr/>
+          <p:nvPr/>
+        </p:nvSpPr>
+        <p:spPr>
+          <a:xfrm>
+            <a:off x="3124200" y="3429000"/>
+            <a:ext cx="2163688" cy="457200"/>
+          </a:xfrm>
+          <a:prstGeom prst="rect">
+            <a:avLst/>
+          </a:prstGeom>
+          <a:noFill/>
+        </p:spPr>
+        <p:style>
+          <a:lnRef idx="2">
+            <a:schemeClr val="accent1">
+              <a:shade val="50000"/>
+            </a:schemeClr>
+          </a:lnRef>
+          <a:fillRef idx="1">
+            <a:schemeClr val="accent1"/>
+          </a:fillRef>
+          <a:effectRef idx="0">
+            <a:schemeClr val="accent1"/>
+          </a:effectRef>
+          <a:fontRef idx="minor">
+            <a:schemeClr val="lt1"/>
+          </a:fontRef>
+        </p:style>
+        <p:txBody>
+          <a:bodyPr rtlCol="0" anchor="ctr"/>
+          <a:lstStyle/>
+          <a:p>
+            <a:pPr algn="ctr"/>
+            <a:endParaRPr lang="fr-FR"/>
+          </a:p>
+        </p:txBody>
+      </p:sp>
+      <p:sp>
+        <p:nvSpPr>
           <p:cNvPr id="17" name="Rectangle 16"/>
           <p:cNvSpPr/>
           <p:nvPr/>
         </p:nvSpPr>
         <p:spPr>
           <a:xfrm>
-            <a:off x="304800" y="1219200"/>
+            <a:off x="5181600" y="4572000"/>
             <a:ext cx="3024336" cy="576064"/>
           </a:xfrm>
           <a:prstGeom prst="rect">
@@ -12616,8 +12750,8 @@
         </p:nvSpPr>
         <p:spPr>
           <a:xfrm>
-            <a:off x="228600" y="2667000"/>
-            <a:ext cx="3024336" cy="571872"/>
+            <a:off x="5181600" y="5715000"/>
+            <a:ext cx="3024336" cy="648072"/>
           </a:xfrm>
           <a:prstGeom prst="rect">
             <a:avLst/>
@@ -12660,8 +12794,8 @@
         </p:nvSpPr>
         <p:spPr>
           <a:xfrm>
-            <a:off x="7010400" y="4724400"/>
-            <a:ext cx="45719" cy="381000"/>
+            <a:off x="6902544" y="4038600"/>
+            <a:ext cx="45719" cy="326503"/>
           </a:xfrm>
           <a:prstGeom prst="downArrow">
             <a:avLst/>
@@ -12694,13 +12828,53 @@
       </p:sp>
       <p:sp>
         <p:nvSpPr>
+          <p:cNvPr id="20" name="Flèche vers le bas 30"/>
+          <p:cNvSpPr/>
+          <p:nvPr/>
+        </p:nvSpPr>
+        <p:spPr>
+          <a:xfrm>
+            <a:off x="6629400" y="2816932"/>
+            <a:ext cx="576064" cy="792088"/>
+          </a:xfrm>
+          <a:prstGeom prst="downArrow">
+            <a:avLst/>
+          </a:prstGeom>
+        </p:spPr>
+        <p:style>
+          <a:lnRef idx="2">
+            <a:schemeClr val="accent1">
+              <a:shade val="50000"/>
+            </a:schemeClr>
+          </a:lnRef>
+          <a:fillRef idx="1">
+            <a:schemeClr val="accent1"/>
+          </a:fillRef>
+          <a:effectRef idx="0">
+            <a:schemeClr val="accent1"/>
+          </a:effectRef>
+          <a:fontRef idx="minor">
+            <a:schemeClr val="lt1"/>
+          </a:fontRef>
+        </p:style>
+        <p:txBody>
+          <a:bodyPr rtlCol="0" anchor="ctr"/>
+          <a:lstStyle/>
+          <a:p>
+            <a:pPr algn="ctr"/>
+            <a:endParaRPr lang="fr-FR"/>
+          </a:p>
+        </p:txBody>
+      </p:sp>
+      <p:sp>
+        <p:nvSpPr>
           <p:cNvPr id="21" name="Rectangle 20"/>
           <p:cNvSpPr/>
           <p:nvPr/>
         </p:nvSpPr>
         <p:spPr>
           <a:xfrm>
-            <a:off x="685800" y="5791200"/>
+            <a:off x="611560" y="5301208"/>
             <a:ext cx="2232248" cy="648072"/>
           </a:xfrm>
           <a:prstGeom prst="rect">
@@ -12745,7 +12919,7 @@
           <p:nvPr/>
         </p:nvPicPr>
         <p:blipFill>
-          <a:blip r:embed="rId3" cstate="print"/>
+          <a:blip r:embed="rId2" cstate="print"/>
           <a:srcRect/>
           <a:stretch>
             <a:fillRect/>
@@ -12753,7 +12927,7 @@
         </p:blipFill>
         <p:spPr bwMode="auto">
           <a:xfrm>
-            <a:off x="4191000" y="5715000"/>
+            <a:off x="3505200" y="6096000"/>
             <a:ext cx="1107405" cy="564430"/>
           </a:xfrm>
           <a:prstGeom prst="rect">
@@ -12776,8 +12950,8 @@
         </p:nvSpPr>
         <p:spPr>
           <a:xfrm>
-            <a:off x="609600" y="5257800"/>
-            <a:ext cx="2372816" cy="584775"/>
+            <a:off x="609600" y="4876800"/>
+            <a:ext cx="2372816" cy="338554"/>
           </a:xfrm>
           <a:prstGeom prst="rect">
             <a:avLst/>
@@ -12796,7 +12970,7 @@
                   <a:srgbClr val="92D050"/>
                 </a:solidFill>
               </a:rPr>
-              <a:t>Traitement ISIAD message</a:t>
+              <a:t>Traitement message</a:t>
             </a:r>
             <a:endParaRPr lang="fr-FR" sz="1600" dirty="0">
               <a:solidFill>
@@ -12814,7 +12988,7 @@
         </p:nvSpPr>
         <p:spPr>
           <a:xfrm>
-            <a:off x="2971800" y="4038600"/>
+            <a:off x="2286000" y="3505200"/>
             <a:ext cx="838200" cy="307777"/>
           </a:xfrm>
           <a:prstGeom prst="rect">
@@ -12838,202 +13012,14 @@
       </p:sp>
       <p:sp>
         <p:nvSpPr>
-          <p:cNvPr id="29" name="Flèche droite 28"/>
-          <p:cNvSpPr/>
-          <p:nvPr/>
-        </p:nvSpPr>
-        <p:spPr>
-          <a:xfrm rot="10800000">
-            <a:off x="3581400" y="2057400"/>
-            <a:ext cx="3886200" cy="76200"/>
-          </a:xfrm>
-          <a:prstGeom prst="rightArrow">
-            <a:avLst/>
-          </a:prstGeom>
-        </p:spPr>
-        <p:style>
-          <a:lnRef idx="2">
-            <a:schemeClr val="accent1">
-              <a:shade val="50000"/>
-            </a:schemeClr>
-          </a:lnRef>
-          <a:fillRef idx="1">
-            <a:schemeClr val="accent1"/>
-          </a:fillRef>
-          <a:effectRef idx="0">
-            <a:schemeClr val="accent1"/>
-          </a:effectRef>
-          <a:fontRef idx="minor">
-            <a:schemeClr val="lt1"/>
-          </a:fontRef>
-        </p:style>
-        <p:txBody>
-          <a:bodyPr rtlCol="0" anchor="ctr"/>
-          <a:lstStyle/>
-          <a:p>
-            <a:pPr algn="ctr"/>
-            <a:endParaRPr lang="fr-FR"/>
-          </a:p>
-        </p:txBody>
-      </p:sp>
-      <p:sp>
-        <p:nvSpPr>
-          <p:cNvPr id="30" name="ZoneTexte 29"/>
-          <p:cNvSpPr txBox="1"/>
-          <p:nvPr/>
-        </p:nvSpPr>
-        <p:spPr>
-          <a:xfrm>
-            <a:off x="7620000" y="914400"/>
-            <a:ext cx="1219200" cy="307777"/>
-          </a:xfrm>
-          <a:prstGeom prst="rect">
-            <a:avLst/>
-          </a:prstGeom>
-          <a:noFill/>
-        </p:spPr>
-        <p:txBody>
-          <a:bodyPr wrap="square" rtlCol="0">
-            <a:spAutoFit/>
-          </a:bodyPr>
-          <a:lstStyle/>
-          <a:p>
-            <a:r>
-              <a:rPr lang="fr-FR" sz="1400" b="1" dirty="0" err="1" smtClean="0"/>
-              <a:t>BaseMySQL</a:t>
-            </a:r>
-            <a:endParaRPr lang="fr-FR" sz="1400" b="1" dirty="0"/>
-          </a:p>
-        </p:txBody>
-      </p:sp>
-      <p:sp>
-        <p:nvSpPr>
-          <p:cNvPr id="31" name="Flèche droite 30"/>
+          <p:cNvPr id="28" name="Rectangle 27"/>
           <p:cNvSpPr/>
           <p:nvPr/>
         </p:nvSpPr>
         <p:spPr>
           <a:xfrm>
-            <a:off x="3505200" y="2819400"/>
-            <a:ext cx="3657600" cy="381000"/>
-          </a:xfrm>
-          <a:prstGeom prst="rightArrow">
-            <a:avLst/>
-          </a:prstGeom>
-        </p:spPr>
-        <p:style>
-          <a:lnRef idx="2">
-            <a:schemeClr val="accent1">
-              <a:shade val="50000"/>
-            </a:schemeClr>
-          </a:lnRef>
-          <a:fillRef idx="1">
-            <a:schemeClr val="accent1"/>
-          </a:fillRef>
-          <a:effectRef idx="0">
-            <a:schemeClr val="accent1"/>
-          </a:effectRef>
-          <a:fontRef idx="minor">
-            <a:schemeClr val="lt1"/>
-          </a:fontRef>
-        </p:style>
-        <p:txBody>
-          <a:bodyPr rtlCol="0" anchor="ctr"/>
-          <a:lstStyle/>
-          <a:p>
-            <a:pPr algn="ctr"/>
-            <a:endParaRPr lang="fr-FR"/>
-          </a:p>
-        </p:txBody>
-      </p:sp>
-      <p:sp>
-        <p:nvSpPr>
-          <p:cNvPr id="33" name="Flèche vers le bas 32"/>
-          <p:cNvSpPr/>
-          <p:nvPr/>
-        </p:nvSpPr>
-        <p:spPr>
-          <a:xfrm>
-            <a:off x="6705600" y="2819400"/>
-            <a:ext cx="609600" cy="1524000"/>
-          </a:xfrm>
-          <a:prstGeom prst="downArrow">
-            <a:avLst/>
-          </a:prstGeom>
-        </p:spPr>
-        <p:style>
-          <a:lnRef idx="2">
-            <a:schemeClr val="accent1">
-              <a:shade val="50000"/>
-            </a:schemeClr>
-          </a:lnRef>
-          <a:fillRef idx="1">
-            <a:schemeClr val="accent1"/>
-          </a:fillRef>
-          <a:effectRef idx="0">
-            <a:schemeClr val="accent1"/>
-          </a:effectRef>
-          <a:fontRef idx="minor">
-            <a:schemeClr val="lt1"/>
-          </a:fontRef>
-        </p:style>
-        <p:txBody>
-          <a:bodyPr rtlCol="0" anchor="ctr"/>
-          <a:lstStyle/>
-          <a:p>
-            <a:pPr algn="ctr"/>
-            <a:endParaRPr lang="fr-FR"/>
-          </a:p>
-        </p:txBody>
-      </p:sp>
-      <p:sp>
-        <p:nvSpPr>
-          <p:cNvPr id="35" name="ZoneTexte 34"/>
-          <p:cNvSpPr txBox="1"/>
-          <p:nvPr/>
-        </p:nvSpPr>
-        <p:spPr>
-          <a:xfrm>
-            <a:off x="6172200" y="5181600"/>
-            <a:ext cx="1295400" cy="307777"/>
-          </a:xfrm>
-          <a:prstGeom prst="rect">
-            <a:avLst/>
-          </a:prstGeom>
-          <a:noFill/>
-        </p:spPr>
-        <p:txBody>
-          <a:bodyPr wrap="square" rtlCol="0">
-            <a:spAutoFit/>
-          </a:bodyPr>
-          <a:lstStyle/>
-          <a:p>
-            <a:r>
-              <a:rPr lang="fr-FR" sz="1400" dirty="0" err="1" smtClean="0">
-                <a:solidFill>
-                  <a:srgbClr val="FFFF00"/>
-                </a:solidFill>
-              </a:rPr>
-              <a:t>Traitemeent</a:t>
-            </a:r>
-            <a:endParaRPr lang="fr-FR" sz="1400" dirty="0">
-              <a:solidFill>
-                <a:srgbClr val="FFFF00"/>
-              </a:solidFill>
-            </a:endParaRPr>
-          </a:p>
-        </p:txBody>
-      </p:sp>
-      <p:sp>
-        <p:nvSpPr>
-          <p:cNvPr id="36" name="Rectangle 35"/>
-          <p:cNvSpPr/>
-          <p:nvPr/>
-        </p:nvSpPr>
-        <p:spPr>
-          <a:xfrm>
-            <a:off x="3733800" y="3962400"/>
-            <a:ext cx="2057400" cy="381000"/>
+            <a:off x="3124200" y="3429000"/>
+            <a:ext cx="609600" cy="457200"/>
           </a:xfrm>
           <a:prstGeom prst="rect">
             <a:avLst/>
@@ -13067,22 +13053,18 @@
       </p:sp>
       <p:sp>
         <p:nvSpPr>
-          <p:cNvPr id="38" name="Rectangle 37"/>
+          <p:cNvPr id="29" name="Flèche droite 28"/>
           <p:cNvSpPr/>
           <p:nvPr/>
         </p:nvSpPr>
         <p:spPr>
           <a:xfrm>
-            <a:off x="3733800" y="3962400"/>
-            <a:ext cx="457200" cy="381000"/>
+            <a:off x="3352800" y="2057400"/>
+            <a:ext cx="2590800" cy="228600"/>
           </a:xfrm>
-          <a:prstGeom prst="rect">
+          <a:prstGeom prst="rightArrow">
             <a:avLst/>
           </a:prstGeom>
-          <a:noFill/>
-          <a:ln>
-            <a:noFill/>
-          </a:ln>
         </p:spPr>
         <p:style>
           <a:lnRef idx="2">
@@ -13111,14 +13093,79 @@
       </p:sp>
       <p:sp>
         <p:nvSpPr>
-          <p:cNvPr id="39" name="Rectangle 38"/>
+          <p:cNvPr id="30" name="ZoneTexte 29"/>
+          <p:cNvSpPr txBox="1"/>
+          <p:nvPr/>
+        </p:nvSpPr>
+        <p:spPr>
+          <a:xfrm>
+            <a:off x="685800" y="2209800"/>
+            <a:ext cx="1219200" cy="307777"/>
+          </a:xfrm>
+          <a:prstGeom prst="rect">
+            <a:avLst/>
+          </a:prstGeom>
+          <a:noFill/>
+        </p:spPr>
+        <p:txBody>
+          <a:bodyPr wrap="square" rtlCol="0">
+            <a:spAutoFit/>
+          </a:bodyPr>
+          <a:lstStyle/>
+          <a:p>
+            <a:r>
+              <a:rPr lang="fr-FR" sz="1400" b="1" dirty="0" err="1" smtClean="0"/>
+              <a:t>BaseMySQL</a:t>
+            </a:r>
+            <a:endParaRPr lang="fr-FR" sz="1400" b="1" dirty="0"/>
+          </a:p>
+        </p:txBody>
+      </p:sp>
+      <p:cxnSp>
+        <p:nvCxnSpPr>
+          <p:cNvPr id="32" name="Connecteur droit avec flèche 31"/>
+          <p:cNvCxnSpPr>
+            <a:stCxn id="30" idx="3"/>
+          </p:cNvCxnSpPr>
+          <p:nvPr/>
+        </p:nvCxnSpPr>
+        <p:spPr>
+          <a:xfrm>
+            <a:off x="1905000" y="2363689"/>
+            <a:ext cx="485048" cy="19471"/>
+          </a:xfrm>
+          <a:prstGeom prst="straightConnector1">
+            <a:avLst/>
+          </a:prstGeom>
+          <a:ln>
+            <a:tailEnd type="arrow"/>
+          </a:ln>
+        </p:spPr>
+        <p:style>
+          <a:lnRef idx="1">
+            <a:schemeClr val="accent1"/>
+          </a:lnRef>
+          <a:fillRef idx="0">
+            <a:schemeClr val="accent1"/>
+          </a:fillRef>
+          <a:effectRef idx="0">
+            <a:schemeClr val="accent1"/>
+          </a:effectRef>
+          <a:fontRef idx="minor">
+            <a:schemeClr val="tx1"/>
+          </a:fontRef>
+        </p:style>
+      </p:cxnSp>
+      <p:sp>
+        <p:nvSpPr>
+          <p:cNvPr id="37" name="Rectangle 36"/>
           <p:cNvSpPr/>
           <p:nvPr/>
         </p:nvSpPr>
         <p:spPr>
           <a:xfrm>
-            <a:off x="3733800" y="3962400"/>
-            <a:ext cx="609600" cy="381000"/>
+            <a:off x="3429000" y="3429000"/>
+            <a:ext cx="304800" cy="457200"/>
           </a:xfrm>
           <a:prstGeom prst="rect">
             <a:avLst/>
@@ -13153,7 +13200,7 @@
     </p:spTree>
     <p:extLst>
       <p:ext uri="{BB962C8B-B14F-4D97-AF65-F5344CB8AC3E}">
-        <p14:creationId xmlns="" xmlns:p14="http://schemas.microsoft.com/office/powerpoint/2010/main" val="2899302471"/>
+        <p14:creationId xmlns:p14="http://schemas.microsoft.com/office/powerpoint/2010/main" val="2899302471"/>
       </p:ext>
     </p:extLst>
   </p:cSld>
@@ -13181,12 +13228,12 @@
                             </p:stCondLst>
                             <p:childTnLst>
                               <p:par>
-                                <p:cTn id="5" presetID="42" presetClass="path" presetSubtype="0" accel="50000" decel="50000" fill="hold" grpId="2" nodeType="clickEffect">
+                                <p:cTn id="5" presetID="63" presetClass="path" presetSubtype="0" accel="50000" decel="50000" fill="hold" grpId="0" nodeType="clickEffect">
                                   <p:stCondLst>
                                     <p:cond delay="0"/>
                                   </p:stCondLst>
                                   <p:childTnLst>
-                                    <p:animMotion origin="layout" path="M 0.41597 -0.00231 L 0.41771 0.50301 " pathEditMode="relative" rAng="0" ptsTypes="AA">
+                                    <p:animMotion origin="layout" path="M 0.05764 -0.00231 L 0.41597 -0.00231 " pathEditMode="relative" rAng="0" ptsTypes="AA">
                                       <p:cBhvr>
                                         <p:cTn id="6" dur="2000" fill="hold"/>
                                         <p:tgtEl>
@@ -13197,7 +13244,7 @@
                                           <p:attrName>ppt_y</p:attrName>
                                         </p:attrNameLst>
                                       </p:cBhvr>
-                                      <p:rCtr x="1" y="253"/>
+                                      <p:rCtr x="179" y="0"/>
                                     </p:animMotion>
                                   </p:childTnLst>
                                 </p:cTn>
@@ -13221,14 +13268,385 @@
                             </p:stCondLst>
                             <p:childTnLst>
                               <p:par>
-                                <p:cTn id="9" presetID="5" presetClass="entr" presetSubtype="10" fill="hold" grpId="0" nodeType="clickEffect">
+                                <p:cTn id="9" presetID="42" presetClass="path" presetSubtype="0" accel="50000" decel="50000" fill="hold" grpId="2" nodeType="clickEffect">
+                                  <p:stCondLst>
+                                    <p:cond delay="0"/>
+                                  </p:stCondLst>
+                                  <p:childTnLst>
+                                    <p:animMotion origin="layout" path="M 0.41597 -0.00231 L 0.41771 0.50301 " pathEditMode="relative" rAng="0" ptsTypes="AA">
+                                      <p:cBhvr>
+                                        <p:cTn id="10" dur="2000" fill="hold"/>
+                                        <p:tgtEl>
+                                          <p:spTgt spid="15"/>
+                                        </p:tgtEl>
+                                        <p:attrNameLst>
+                                          <p:attrName>ppt_x</p:attrName>
+                                          <p:attrName>ppt_y</p:attrName>
+                                        </p:attrNameLst>
+                                      </p:cBhvr>
+                                      <p:rCtr x="1" y="253"/>
+                                    </p:animMotion>
+                                  </p:childTnLst>
+                                </p:cTn>
+                              </p:par>
+                            </p:childTnLst>
+                          </p:cTn>
+                        </p:par>
+                      </p:childTnLst>
+                    </p:cTn>
+                  </p:par>
+                  <p:par>
+                    <p:cTn id="11" fill="hold">
+                      <p:stCondLst>
+                        <p:cond delay="indefinite"/>
+                      </p:stCondLst>
+                      <p:childTnLst>
+                        <p:par>
+                          <p:cTn id="12" fill="hold">
+                            <p:stCondLst>
+                              <p:cond delay="0"/>
+                            </p:stCondLst>
+                            <p:childTnLst>
+                              <p:par>
+                                <p:cTn id="13" presetID="5" presetClass="entr" presetSubtype="10" fill="hold" nodeType="clickEffect">
                                   <p:stCondLst>
                                     <p:cond delay="0"/>
                                   </p:stCondLst>
                                   <p:childTnLst>
                                     <p:set>
                                       <p:cBhvr>
-                                        <p:cTn id="10" dur="1" fill="hold">
+                                        <p:cTn id="14" dur="1" fill="hold">
+                                          <p:stCondLst>
+                                            <p:cond delay="0"/>
+                                          </p:stCondLst>
+                                        </p:cTn>
+                                        <p:tgtEl>
+                                          <p:spTgt spid="23"/>
+                                        </p:tgtEl>
+                                        <p:attrNameLst>
+                                          <p:attrName>style.visibility</p:attrName>
+                                        </p:attrNameLst>
+                                      </p:cBhvr>
+                                      <p:to>
+                                        <p:strVal val="visible"/>
+                                      </p:to>
+                                    </p:set>
+                                    <p:animEffect transition="in" filter="checkerboard(across)">
+                                      <p:cBhvr>
+                                        <p:cTn id="15" dur="500"/>
+                                        <p:tgtEl>
+                                          <p:spTgt spid="23"/>
+                                        </p:tgtEl>
+                                      </p:cBhvr>
+                                    </p:animEffect>
+                                  </p:childTnLst>
+                                </p:cTn>
+                              </p:par>
+                              <p:par>
+                                <p:cTn id="16" presetID="6" presetClass="emph" presetSubtype="0" fill="hold" grpId="0" nodeType="withEffect">
+                                  <p:stCondLst>
+                                    <p:cond delay="0"/>
+                                  </p:stCondLst>
+                                  <p:childTnLst>
+                                    <p:animScale>
+                                      <p:cBhvr>
+                                        <p:cTn id="17" dur="2000" fill="hold"/>
+                                        <p:tgtEl>
+                                          <p:spTgt spid="9"/>
+                                        </p:tgtEl>
+                                      </p:cBhvr>
+                                      <p:by x="150000" y="150000"/>
+                                    </p:animScale>
+                                  </p:childTnLst>
+                                </p:cTn>
+                              </p:par>
+                              <p:par>
+                                <p:cTn id="18" presetID="5" presetClass="entr" presetSubtype="10" fill="hold" grpId="0" nodeType="withEffect">
+                                  <p:stCondLst>
+                                    <p:cond delay="0"/>
+                                  </p:stCondLst>
+                                  <p:childTnLst>
+                                    <p:set>
+                                      <p:cBhvr>
+                                        <p:cTn id="19" dur="1" fill="hold">
+                                          <p:stCondLst>
+                                            <p:cond delay="0"/>
+                                          </p:stCondLst>
+                                        </p:cTn>
+                                        <p:tgtEl>
+                                          <p:spTgt spid="27"/>
+                                        </p:tgtEl>
+                                        <p:attrNameLst>
+                                          <p:attrName>style.visibility</p:attrName>
+                                        </p:attrNameLst>
+                                      </p:cBhvr>
+                                      <p:to>
+                                        <p:strVal val="visible"/>
+                                      </p:to>
+                                    </p:set>
+                                    <p:animEffect transition="in" filter="checkerboard(across)">
+                                      <p:cBhvr>
+                                        <p:cTn id="20" dur="500"/>
+                                        <p:tgtEl>
+                                          <p:spTgt spid="27"/>
+                                        </p:tgtEl>
+                                      </p:cBhvr>
+                                    </p:animEffect>
+                                  </p:childTnLst>
+                                </p:cTn>
+                              </p:par>
+                              <p:par>
+                                <p:cTn id="21" presetID="5" presetClass="entr" presetSubtype="10" fill="hold" grpId="0" nodeType="withEffect">
+                                  <p:stCondLst>
+                                    <p:cond delay="0"/>
+                                  </p:stCondLst>
+                                  <p:childTnLst>
+                                    <p:set>
+                                      <p:cBhvr>
+                                        <p:cTn id="22" dur="1" fill="hold">
+                                          <p:stCondLst>
+                                            <p:cond delay="0"/>
+                                          </p:stCondLst>
+                                        </p:cTn>
+                                        <p:tgtEl>
+                                          <p:spTgt spid="28"/>
+                                        </p:tgtEl>
+                                        <p:attrNameLst>
+                                          <p:attrName>style.visibility</p:attrName>
+                                        </p:attrNameLst>
+                                      </p:cBhvr>
+                                      <p:to>
+                                        <p:strVal val="visible"/>
+                                      </p:to>
+                                    </p:set>
+                                    <p:animEffect transition="in" filter="checkerboard(across)">
+                                      <p:cBhvr>
+                                        <p:cTn id="23" dur="500"/>
+                                        <p:tgtEl>
+                                          <p:spTgt spid="28"/>
+                                        </p:tgtEl>
+                                      </p:cBhvr>
+                                    </p:animEffect>
+                                  </p:childTnLst>
+                                </p:cTn>
+                              </p:par>
+                              <p:par>
+                                <p:cTn id="24" presetID="5" presetClass="entr" presetSubtype="10" fill="hold" grpId="0" nodeType="withEffect">
+                                  <p:stCondLst>
+                                    <p:cond delay="0"/>
+                                  </p:stCondLst>
+                                  <p:childTnLst>
+                                    <p:set>
+                                      <p:cBhvr>
+                                        <p:cTn id="25" dur="1" fill="hold">
+                                          <p:stCondLst>
+                                            <p:cond delay="0"/>
+                                          </p:stCondLst>
+                                        </p:cTn>
+                                        <p:tgtEl>
+                                          <p:spTgt spid="37"/>
+                                        </p:tgtEl>
+                                        <p:attrNameLst>
+                                          <p:attrName>style.visibility</p:attrName>
+                                        </p:attrNameLst>
+                                      </p:cBhvr>
+                                      <p:to>
+                                        <p:strVal val="visible"/>
+                                      </p:to>
+                                    </p:set>
+                                    <p:animEffect transition="in" filter="checkerboard(across)">
+                                      <p:cBhvr>
+                                        <p:cTn id="26" dur="500"/>
+                                        <p:tgtEl>
+                                          <p:spTgt spid="37"/>
+                                        </p:tgtEl>
+                                      </p:cBhvr>
+                                    </p:animEffect>
+                                  </p:childTnLst>
+                                </p:cTn>
+                              </p:par>
+                              <p:par>
+                                <p:cTn id="27" presetID="4" presetClass="entr" presetSubtype="16" fill="hold" grpId="0" nodeType="withEffect">
+                                  <p:stCondLst>
+                                    <p:cond delay="0"/>
+                                  </p:stCondLst>
+                                  <p:childTnLst>
+                                    <p:set>
+                                      <p:cBhvr>
+                                        <p:cTn id="28" dur="1" fill="hold">
+                                          <p:stCondLst>
+                                            <p:cond delay="0"/>
+                                          </p:stCondLst>
+                                        </p:cTn>
+                                        <p:tgtEl>
+                                          <p:spTgt spid="16"/>
+                                        </p:tgtEl>
+                                        <p:attrNameLst>
+                                          <p:attrName>style.visibility</p:attrName>
+                                        </p:attrNameLst>
+                                      </p:cBhvr>
+                                      <p:to>
+                                        <p:strVal val="visible"/>
+                                      </p:to>
+                                    </p:set>
+                                    <p:animEffect transition="in" filter="box(in)">
+                                      <p:cBhvr>
+                                        <p:cTn id="29" dur="500"/>
+                                        <p:tgtEl>
+                                          <p:spTgt spid="16"/>
+                                        </p:tgtEl>
+                                      </p:cBhvr>
+                                    </p:animEffect>
+                                  </p:childTnLst>
+                                </p:cTn>
+                              </p:par>
+                            </p:childTnLst>
+                          </p:cTn>
+                        </p:par>
+                      </p:childTnLst>
+                    </p:cTn>
+                  </p:par>
+                  <p:par>
+                    <p:cTn id="30" fill="hold">
+                      <p:stCondLst>
+                        <p:cond delay="indefinite"/>
+                      </p:stCondLst>
+                      <p:childTnLst>
+                        <p:par>
+                          <p:cTn id="31" fill="hold">
+                            <p:stCondLst>
+                              <p:cond delay="0"/>
+                            </p:stCondLst>
+                            <p:childTnLst>
+                              <p:par>
+                                <p:cTn id="32" presetID="35" presetClass="path" presetSubtype="0" accel="50000" decel="50000" fill="hold" grpId="3" nodeType="clickEffect">
+                                  <p:stCondLst>
+                                    <p:cond delay="0"/>
+                                  </p:stCondLst>
+                                  <p:childTnLst>
+                                    <p:animMotion origin="layout" path="M 0.41771 0.50301 L 0.23855 0.50578 " pathEditMode="relative" rAng="0" ptsTypes="AA">
+                                      <p:cBhvr>
+                                        <p:cTn id="33" dur="2000" fill="hold"/>
+                                        <p:tgtEl>
+                                          <p:spTgt spid="15"/>
+                                        </p:tgtEl>
+                                        <p:attrNameLst>
+                                          <p:attrName>ppt_x</p:attrName>
+                                          <p:attrName>ppt_y</p:attrName>
+                                        </p:attrNameLst>
+                                      </p:cBhvr>
+                                      <p:rCtr x="-90" y="1"/>
+                                    </p:animMotion>
+                                  </p:childTnLst>
+                                </p:cTn>
+                              </p:par>
+                            </p:childTnLst>
+                          </p:cTn>
+                        </p:par>
+                      </p:childTnLst>
+                    </p:cTn>
+                  </p:par>
+                  <p:par>
+                    <p:cTn id="34" fill="hold">
+                      <p:stCondLst>
+                        <p:cond delay="indefinite"/>
+                      </p:stCondLst>
+                      <p:childTnLst>
+                        <p:par>
+                          <p:cTn id="35" fill="hold">
+                            <p:stCondLst>
+                              <p:cond delay="0"/>
+                            </p:stCondLst>
+                            <p:childTnLst>
+                              <p:par>
+                                <p:cTn id="36" presetID="64" presetClass="path" presetSubtype="0" accel="50000" decel="50000" fill="hold" grpId="4" nodeType="clickEffect">
+                                  <p:stCondLst>
+                                    <p:cond delay="0"/>
+                                  </p:stCondLst>
+                                  <p:childTnLst>
+                                    <p:animMotion origin="layout" path="M 0.2434 0.50532 L 0.1684 0.25 " pathEditMode="relative" rAng="0" ptsTypes="AA">
+                                      <p:cBhvr>
+                                        <p:cTn id="37" dur="2000" fill="hold"/>
+                                        <p:tgtEl>
+                                          <p:spTgt spid="15"/>
+                                        </p:tgtEl>
+                                        <p:attrNameLst>
+                                          <p:attrName>ppt_x</p:attrName>
+                                          <p:attrName>ppt_y</p:attrName>
+                                        </p:attrNameLst>
+                                      </p:cBhvr>
+                                      <p:rCtr x="-38" y="-128"/>
+                                    </p:animMotion>
+                                  </p:childTnLst>
+                                </p:cTn>
+                              </p:par>
+                            </p:childTnLst>
+                          </p:cTn>
+                        </p:par>
+                      </p:childTnLst>
+                    </p:cTn>
+                  </p:par>
+                  <p:par>
+                    <p:cTn id="38" fill="hold">
+                      <p:stCondLst>
+                        <p:cond delay="indefinite"/>
+                      </p:stCondLst>
+                      <p:childTnLst>
+                        <p:par>
+                          <p:cTn id="39" fill="hold">
+                            <p:stCondLst>
+                              <p:cond delay="0"/>
+                            </p:stCondLst>
+                            <p:childTnLst>
+                              <p:par>
+                                <p:cTn id="40" presetID="42" presetClass="path" presetSubtype="0" accel="50000" decel="50000" fill="hold" grpId="5" nodeType="clickEffect">
+                                  <p:stCondLst>
+                                    <p:cond delay="0"/>
+                                  </p:stCondLst>
+                                  <p:childTnLst>
+                                    <p:animMotion origin="layout" path="M 0.1684 0.25 L -0.06736 0.41952 " pathEditMode="relative" rAng="0" ptsTypes="AA">
+                                      <p:cBhvr>
+                                        <p:cTn id="41" dur="2000" fill="hold"/>
+                                        <p:tgtEl>
+                                          <p:spTgt spid="15"/>
+                                        </p:tgtEl>
+                                        <p:attrNameLst>
+                                          <p:attrName>ppt_x</p:attrName>
+                                          <p:attrName>ppt_y</p:attrName>
+                                        </p:attrNameLst>
+                                      </p:cBhvr>
+                                      <p:rCtr x="-118" y="85"/>
+                                    </p:animMotion>
+                                  </p:childTnLst>
+                                </p:cTn>
+                              </p:par>
+                            </p:childTnLst>
+                          </p:cTn>
+                        </p:par>
+                      </p:childTnLst>
+                    </p:cTn>
+                  </p:par>
+                  <p:par>
+                    <p:cTn id="42" fill="hold">
+                      <p:stCondLst>
+                        <p:cond delay="indefinite"/>
+                      </p:stCondLst>
+                      <p:childTnLst>
+                        <p:par>
+                          <p:cTn id="43" fill="hold">
+                            <p:stCondLst>
+                              <p:cond delay="0"/>
+                            </p:stCondLst>
+                            <p:childTnLst>
+                              <p:par>
+                                <p:cTn id="44" presetID="5" presetClass="entr" presetSubtype="10" fill="hold" grpId="0" nodeType="clickEffect">
+                                  <p:stCondLst>
+                                    <p:cond delay="0"/>
+                                  </p:stCondLst>
+                                  <p:childTnLst>
+                                    <p:set>
+                                      <p:cBhvr>
+                                        <p:cTn id="45" dur="1" fill="hold">
                                           <p:stCondLst>
                                             <p:cond delay="0"/>
                                           </p:stCondLst>
@@ -13246,504 +13664,12 @@
                                     </p:set>
                                     <p:animEffect transition="in" filter="checkerboard(across)">
                                       <p:cBhvr>
-                                        <p:cTn id="11" dur="500"/>
+                                        <p:cTn id="46" dur="500"/>
                                         <p:tgtEl>
                                           <p:spTgt spid="24"/>
                                         </p:tgtEl>
                                       </p:cBhvr>
                                     </p:animEffect>
-                                  </p:childTnLst>
-                                </p:cTn>
-                              </p:par>
-                            </p:childTnLst>
-                          </p:cTn>
-                        </p:par>
-                      </p:childTnLst>
-                    </p:cTn>
-                  </p:par>
-                  <p:par>
-                    <p:cTn id="12" fill="hold">
-                      <p:stCondLst>
-                        <p:cond delay="indefinite"/>
-                      </p:stCondLst>
-                      <p:childTnLst>
-                        <p:par>
-                          <p:cTn id="13" fill="hold">
-                            <p:stCondLst>
-                              <p:cond delay="0"/>
-                            </p:stCondLst>
-                            <p:childTnLst>
-                              <p:par>
-                                <p:cTn id="14" presetID="35" presetClass="path" presetSubtype="0" accel="50000" decel="50000" fill="hold" grpId="0" nodeType="clickEffect">
-                                  <p:stCondLst>
-                                    <p:cond delay="0"/>
-                                  </p:stCondLst>
-                                  <p:childTnLst>
-                                    <p:animMotion origin="layout" path="M -1.11111E-6 2.96296E-6 L -0.58403 -0.00232 " pathEditMode="relative" rAng="0" ptsTypes="AA">
-                                      <p:cBhvr>
-                                        <p:cTn id="15" dur="2000" fill="hold"/>
-                                        <p:tgtEl>
-                                          <p:spTgt spid="15"/>
-                                        </p:tgtEl>
-                                        <p:attrNameLst>
-                                          <p:attrName>ppt_x</p:attrName>
-                                          <p:attrName>ppt_y</p:attrName>
-                                        </p:attrNameLst>
-                                      </p:cBhvr>
-                                      <p:rCtr x="-292" y="-1"/>
-                                    </p:animMotion>
-                                  </p:childTnLst>
-                                </p:cTn>
-                              </p:par>
-                            </p:childTnLst>
-                          </p:cTn>
-                        </p:par>
-                      </p:childTnLst>
-                    </p:cTn>
-                  </p:par>
-                  <p:par>
-                    <p:cTn id="16" fill="hold">
-                      <p:stCondLst>
-                        <p:cond delay="indefinite"/>
-                      </p:stCondLst>
-                      <p:childTnLst>
-                        <p:par>
-                          <p:cTn id="17" fill="hold">
-                            <p:stCondLst>
-                              <p:cond delay="0"/>
-                            </p:stCondLst>
-                            <p:childTnLst>
-                              <p:par>
-                                <p:cTn id="18" presetID="63" presetClass="path" presetSubtype="0" accel="50000" decel="50000" fill="hold" grpId="1" nodeType="clickEffect">
-                                  <p:stCondLst>
-                                    <p:cond delay="0"/>
-                                  </p:stCondLst>
-                                  <p:childTnLst>
-                                    <p:animMotion origin="layout" path="M -0.50069 0.06435 L -0.06736 0.06435 " pathEditMode="relative" rAng="0" ptsTypes="AA">
-                                      <p:cBhvr>
-                                        <p:cTn id="19" dur="2000" fill="hold"/>
-                                        <p:tgtEl>
-                                          <p:spTgt spid="15"/>
-                                        </p:tgtEl>
-                                        <p:attrNameLst>
-                                          <p:attrName>ppt_x</p:attrName>
-                                          <p:attrName>ppt_y</p:attrName>
-                                        </p:attrNameLst>
-                                      </p:cBhvr>
-                                      <p:rCtr x="217" y="0"/>
-                                    </p:animMotion>
-                                  </p:childTnLst>
-                                </p:cTn>
-                              </p:par>
-                            </p:childTnLst>
-                          </p:cTn>
-                        </p:par>
-                      </p:childTnLst>
-                    </p:cTn>
-                  </p:par>
-                  <p:par>
-                    <p:cTn id="20" fill="hold">
-                      <p:stCondLst>
-                        <p:cond delay="indefinite"/>
-                      </p:stCondLst>
-                      <p:childTnLst>
-                        <p:par>
-                          <p:cTn id="21" fill="hold">
-                            <p:stCondLst>
-                              <p:cond delay="0"/>
-                            </p:stCondLst>
-                            <p:childTnLst>
-                              <p:par>
-                                <p:cTn id="22" presetID="64" presetClass="path" presetSubtype="0" accel="50000" decel="50000" fill="hold" grpId="3" nodeType="clickEffect">
-                                  <p:stCondLst>
-                                    <p:cond delay="0"/>
-                                  </p:stCondLst>
-                                  <p:childTnLst>
-                                    <p:animMotion origin="layout" path="M -0.13403 0.50879 L -0.14236 0.03102 " pathEditMode="relative" rAng="0" ptsTypes="AA">
-                                      <p:cBhvr>
-                                        <p:cTn id="23" dur="2000" fill="hold"/>
-                                        <p:tgtEl>
-                                          <p:spTgt spid="15"/>
-                                        </p:tgtEl>
-                                        <p:attrNameLst>
-                                          <p:attrName>ppt_x</p:attrName>
-                                          <p:attrName>ppt_y</p:attrName>
-                                        </p:attrNameLst>
-                                      </p:cBhvr>
-                                      <p:rCtr x="-4" y="-239"/>
-                                    </p:animMotion>
-                                  </p:childTnLst>
-                                </p:cTn>
-                              </p:par>
-                            </p:childTnLst>
-                          </p:cTn>
-                        </p:par>
-                      </p:childTnLst>
-                    </p:cTn>
-                  </p:par>
-                  <p:par>
-                    <p:cTn id="24" fill="hold">
-                      <p:stCondLst>
-                        <p:cond delay="indefinite"/>
-                      </p:stCondLst>
-                      <p:childTnLst>
-                        <p:par>
-                          <p:cTn id="25" fill="hold">
-                            <p:stCondLst>
-                              <p:cond delay="0"/>
-                            </p:stCondLst>
-                            <p:childTnLst>
-                              <p:par>
-                                <p:cTn id="26" presetID="35" presetClass="path" presetSubtype="0" accel="50000" decel="50000" fill="hold" grpId="4" nodeType="clickEffect">
-                                  <p:stCondLst>
-                                    <p:cond delay="0"/>
-                                  </p:stCondLst>
-                                  <p:childTnLst>
-                                    <p:animMotion origin="layout" path="M -0.14236 0.03102 L -0.73403 0.03102 " pathEditMode="relative" rAng="0" ptsTypes="AA">
-                                      <p:cBhvr>
-                                        <p:cTn id="27" dur="2000" fill="hold"/>
-                                        <p:tgtEl>
-                                          <p:spTgt spid="15"/>
-                                        </p:tgtEl>
-                                        <p:attrNameLst>
-                                          <p:attrName>ppt_x</p:attrName>
-                                          <p:attrName>ppt_y</p:attrName>
-                                        </p:attrNameLst>
-                                      </p:cBhvr>
-                                      <p:rCtr x="-296" y="0"/>
-                                    </p:animMotion>
-                                  </p:childTnLst>
-                                </p:cTn>
-                              </p:par>
-                            </p:childTnLst>
-                          </p:cTn>
-                        </p:par>
-                      </p:childTnLst>
-                    </p:cTn>
-                  </p:par>
-                  <p:par>
-                    <p:cTn id="28" fill="hold">
-                      <p:stCondLst>
-                        <p:cond delay="indefinite"/>
-                      </p:stCondLst>
-                      <p:childTnLst>
-                        <p:par>
-                          <p:cTn id="29" fill="hold">
-                            <p:stCondLst>
-                              <p:cond delay="0"/>
-                            </p:stCondLst>
-                            <p:childTnLst>
-                              <p:par>
-                                <p:cTn id="30" presetID="5" presetClass="entr" presetSubtype="10" fill="hold" grpId="0" nodeType="clickEffect" nodePh="1">
-                                  <p:stCondLst>
-                                    <p:cond delay="0"/>
-                                  </p:stCondLst>
-                                  <p:endCondLst>
-                                    <p:cond evt="begin" delay="0">
-                                      <p:tn val="30"/>
-                                    </p:cond>
-                                  </p:endCondLst>
-                                  <p:childTnLst>
-                                    <p:set>
-                                      <p:cBhvr>
-                                        <p:cTn id="31" dur="1" fill="hold">
-                                          <p:stCondLst>
-                                            <p:cond delay="0"/>
-                                          </p:stCondLst>
-                                        </p:cTn>
-                                        <p:tgtEl>
-                                          <p:spTgt spid="38"/>
-                                        </p:tgtEl>
-                                        <p:attrNameLst>
-                                          <p:attrName>style.visibility</p:attrName>
-                                        </p:attrNameLst>
-                                      </p:cBhvr>
-                                      <p:to>
-                                        <p:strVal val="visible"/>
-                                      </p:to>
-                                    </p:set>
-                                    <p:animEffect transition="in" filter="checkerboard(across)">
-                                      <p:cBhvr>
-                                        <p:cTn id="32" dur="500"/>
-                                        <p:tgtEl>
-                                          <p:spTgt spid="38"/>
-                                        </p:tgtEl>
-                                      </p:cBhvr>
-                                    </p:animEffect>
-                                  </p:childTnLst>
-                                </p:cTn>
-                              </p:par>
-                            </p:childTnLst>
-                          </p:cTn>
-                        </p:par>
-                      </p:childTnLst>
-                    </p:cTn>
-                  </p:par>
-                  <p:par>
-                    <p:cTn id="33" fill="hold">
-                      <p:stCondLst>
-                        <p:cond delay="indefinite"/>
-                      </p:stCondLst>
-                      <p:childTnLst>
-                        <p:par>
-                          <p:cTn id="34" fill="hold">
-                            <p:stCondLst>
-                              <p:cond delay="0"/>
-                            </p:stCondLst>
-                            <p:childTnLst>
-                              <p:par>
-                                <p:cTn id="35" presetID="5" presetClass="entr" presetSubtype="10" fill="hold" nodeType="clickEffect">
-                                  <p:stCondLst>
-                                    <p:cond delay="0"/>
-                                  </p:stCondLst>
-                                  <p:childTnLst>
-                                    <p:set>
-                                      <p:cBhvr>
-                                        <p:cTn id="36" dur="1" fill="hold">
-                                          <p:stCondLst>
-                                            <p:cond delay="0"/>
-                                          </p:stCondLst>
-                                        </p:cTn>
-                                        <p:tgtEl>
-                                          <p:spTgt spid="23"/>
-                                        </p:tgtEl>
-                                        <p:attrNameLst>
-                                          <p:attrName>style.visibility</p:attrName>
-                                        </p:attrNameLst>
-                                      </p:cBhvr>
-                                      <p:to>
-                                        <p:strVal val="visible"/>
-                                      </p:to>
-                                    </p:set>
-                                    <p:animEffect transition="in" filter="checkerboard(across)">
-                                      <p:cBhvr>
-                                        <p:cTn id="37" dur="500"/>
-                                        <p:tgtEl>
-                                          <p:spTgt spid="23"/>
-                                        </p:tgtEl>
-                                      </p:cBhvr>
-                                    </p:animEffect>
-                                  </p:childTnLst>
-                                </p:cTn>
-                              </p:par>
-                              <p:par>
-                                <p:cTn id="38" presetID="5" presetClass="entr" presetSubtype="10" fill="hold" grpId="0" nodeType="withEffect">
-                                  <p:stCondLst>
-                                    <p:cond delay="0"/>
-                                  </p:stCondLst>
-                                  <p:childTnLst>
-                                    <p:set>
-                                      <p:cBhvr>
-                                        <p:cTn id="39" dur="1" fill="hold">
-                                          <p:stCondLst>
-                                            <p:cond delay="0"/>
-                                          </p:stCondLst>
-                                        </p:cTn>
-                                        <p:tgtEl>
-                                          <p:spTgt spid="27"/>
-                                        </p:tgtEl>
-                                        <p:attrNameLst>
-                                          <p:attrName>style.visibility</p:attrName>
-                                        </p:attrNameLst>
-                                      </p:cBhvr>
-                                      <p:to>
-                                        <p:strVal val="visible"/>
-                                      </p:to>
-                                    </p:set>
-                                    <p:animEffect transition="in" filter="checkerboard(across)">
-                                      <p:cBhvr>
-                                        <p:cTn id="40" dur="500"/>
-                                        <p:tgtEl>
-                                          <p:spTgt spid="27"/>
-                                        </p:tgtEl>
-                                      </p:cBhvr>
-                                    </p:animEffect>
-                                  </p:childTnLst>
-                                </p:cTn>
-                              </p:par>
-                            </p:childTnLst>
-                          </p:cTn>
-                        </p:par>
-                      </p:childTnLst>
-                    </p:cTn>
-                  </p:par>
-                  <p:par>
-                    <p:cTn id="41" fill="hold">
-                      <p:stCondLst>
-                        <p:cond delay="indefinite"/>
-                      </p:stCondLst>
-                      <p:childTnLst>
-                        <p:par>
-                          <p:cTn id="42" fill="hold">
-                            <p:stCondLst>
-                              <p:cond delay="0"/>
-                            </p:stCondLst>
-                            <p:childTnLst>
-                              <p:par>
-                                <p:cTn id="43" presetID="5" presetClass="entr" presetSubtype="10" fill="hold" grpId="0" nodeType="clickEffect">
-                                  <p:stCondLst>
-                                    <p:cond delay="0"/>
-                                  </p:stCondLst>
-                                  <p:childTnLst>
-                                    <p:set>
-                                      <p:cBhvr>
-                                        <p:cTn id="44" dur="1" fill="hold">
-                                          <p:stCondLst>
-                                            <p:cond delay="0"/>
-                                          </p:stCondLst>
-                                        </p:cTn>
-                                        <p:tgtEl>
-                                          <p:spTgt spid="39"/>
-                                        </p:tgtEl>
-                                        <p:attrNameLst>
-                                          <p:attrName>style.visibility</p:attrName>
-                                        </p:attrNameLst>
-                                      </p:cBhvr>
-                                      <p:to>
-                                        <p:strVal val="visible"/>
-                                      </p:to>
-                                    </p:set>
-                                    <p:animEffect transition="in" filter="checkerboard(across)">
-                                      <p:cBhvr>
-                                        <p:cTn id="45" dur="500"/>
-                                        <p:tgtEl>
-                                          <p:spTgt spid="39"/>
-                                        </p:tgtEl>
-                                      </p:cBhvr>
-                                    </p:animEffect>
-                                  </p:childTnLst>
-                                </p:cTn>
-                              </p:par>
-                              <p:par>
-                                <p:cTn id="46" presetID="5" presetClass="entr" presetSubtype="10" fill="hold" grpId="0" nodeType="withEffect">
-                                  <p:stCondLst>
-                                    <p:cond delay="0"/>
-                                  </p:stCondLst>
-                                  <p:childTnLst>
-                                    <p:set>
-                                      <p:cBhvr>
-                                        <p:cTn id="47" dur="1" fill="hold">
-                                          <p:stCondLst>
-                                            <p:cond delay="0"/>
-                                          </p:stCondLst>
-                                        </p:cTn>
-                                        <p:tgtEl>
-                                          <p:spTgt spid="36"/>
-                                        </p:tgtEl>
-                                        <p:attrNameLst>
-                                          <p:attrName>style.visibility</p:attrName>
-                                        </p:attrNameLst>
-                                      </p:cBhvr>
-                                      <p:to>
-                                        <p:strVal val="visible"/>
-                                      </p:to>
-                                    </p:set>
-                                    <p:animEffect transition="in" filter="checkerboard(across)">
-                                      <p:cBhvr>
-                                        <p:cTn id="48" dur="500"/>
-                                        <p:tgtEl>
-                                          <p:spTgt spid="36"/>
-                                        </p:tgtEl>
-                                      </p:cBhvr>
-                                    </p:animEffect>
-                                  </p:childTnLst>
-                                </p:cTn>
-                              </p:par>
-                              <p:par>
-                                <p:cTn id="49" presetID="6" presetClass="emph" presetSubtype="0" fill="hold" grpId="0" nodeType="withEffect">
-                                  <p:stCondLst>
-                                    <p:cond delay="0"/>
-                                  </p:stCondLst>
-                                  <p:childTnLst>
-                                    <p:animScale>
-                                      <p:cBhvr>
-                                        <p:cTn id="50" dur="2000" fill="hold"/>
-                                        <p:tgtEl>
-                                          <p:spTgt spid="9"/>
-                                        </p:tgtEl>
-                                      </p:cBhvr>
-                                      <p:by x="150000" y="150000"/>
-                                    </p:animScale>
-                                  </p:childTnLst>
-                                </p:cTn>
-                              </p:par>
-                            </p:childTnLst>
-                          </p:cTn>
-                        </p:par>
-                      </p:childTnLst>
-                    </p:cTn>
-                  </p:par>
-                  <p:par>
-                    <p:cTn id="51" fill="hold">
-                      <p:stCondLst>
-                        <p:cond delay="indefinite"/>
-                      </p:stCondLst>
-                      <p:childTnLst>
-                        <p:par>
-                          <p:cTn id="52" fill="hold">
-                            <p:stCondLst>
-                              <p:cond delay="0"/>
-                            </p:stCondLst>
-                            <p:childTnLst>
-                              <p:par>
-                                <p:cTn id="53" presetID="63" presetClass="path" presetSubtype="0" accel="50000" decel="50000" fill="hold" grpId="5" nodeType="clickEffect">
-                                  <p:stCondLst>
-                                    <p:cond delay="0"/>
-                                  </p:stCondLst>
-                                  <p:childTnLst>
-                                    <p:animMotion origin="layout" path="M -0.73403 0.03102 L -0.36736 0.28657 " pathEditMode="relative" rAng="0" ptsTypes="AA">
-                                      <p:cBhvr>
-                                        <p:cTn id="54" dur="2000" fill="hold"/>
-                                        <p:tgtEl>
-                                          <p:spTgt spid="15"/>
-                                        </p:tgtEl>
-                                        <p:attrNameLst>
-                                          <p:attrName>ppt_x</p:attrName>
-                                          <p:attrName>ppt_y</p:attrName>
-                                        </p:attrNameLst>
-                                      </p:cBhvr>
-                                      <p:rCtr x="183" y="128"/>
-                                    </p:animMotion>
-                                  </p:childTnLst>
-                                </p:cTn>
-                              </p:par>
-                            </p:childTnLst>
-                          </p:cTn>
-                        </p:par>
-                      </p:childTnLst>
-                    </p:cTn>
-                  </p:par>
-                  <p:par>
-                    <p:cTn id="55" fill="hold">
-                      <p:stCondLst>
-                        <p:cond delay="indefinite"/>
-                      </p:stCondLst>
-                      <p:childTnLst>
-                        <p:par>
-                          <p:cTn id="56" fill="hold">
-                            <p:stCondLst>
-                              <p:cond delay="0"/>
-                            </p:stCondLst>
-                            <p:childTnLst>
-                              <p:par>
-                                <p:cTn id="57" presetID="63" presetClass="path" presetSubtype="0" accel="50000" decel="50000" fill="hold" grpId="6" nodeType="clickEffect">
-                                  <p:stCondLst>
-                                    <p:cond delay="0"/>
-                                  </p:stCondLst>
-                                  <p:childTnLst>
-                                    <p:animMotion origin="layout" path="M -0.36736 0.28657 L -0.63403 0.40879 " pathEditMode="relative" rAng="0" ptsTypes="AA">
-                                      <p:cBhvr>
-                                        <p:cTn id="58" dur="2000" fill="hold"/>
-                                        <p:tgtEl>
-                                          <p:spTgt spid="15"/>
-                                        </p:tgtEl>
-                                        <p:attrNameLst>
-                                          <p:attrName>ppt_x</p:attrName>
-                                          <p:attrName>ppt_y</p:attrName>
-                                        </p:attrNameLst>
-                                      </p:cBhvr>
-                                      <p:rCtr x="-133" y="61"/>
-                                    </p:animMotion>
                                   </p:childTnLst>
                                 </p:cTn>
                               </p:par>
@@ -13777,17 +13703,15 @@
     <p:bldLst>
       <p:bldP spid="9" grpId="0" animBg="1"/>
       <p:bldP spid="15" grpId="0"/>
-      <p:bldP spid="15" grpId="1"/>
       <p:bldP spid="15" grpId="2"/>
       <p:bldP spid="15" grpId="3"/>
       <p:bldP spid="15" grpId="4"/>
       <p:bldP spid="15" grpId="5"/>
-      <p:bldP spid="15" grpId="6"/>
+      <p:bldP spid="16" grpId="0" animBg="1"/>
       <p:bldP spid="24" grpId="0"/>
       <p:bldP spid="27" grpId="0"/>
-      <p:bldP spid="36" grpId="0" animBg="1"/>
-      <p:bldP spid="38" grpId="0"/>
-      <p:bldP spid="39" grpId="0" animBg="1"/>
+      <p:bldP spid="28" grpId="0" animBg="1"/>
+      <p:bldP spid="37" grpId="0" animBg="1"/>
     </p:bldLst>
   </p:timing>
 </p:sld>
@@ -13874,7 +13798,7 @@
     </p:spTree>
     <p:extLst>
       <p:ext uri="{BB962C8B-B14F-4D97-AF65-F5344CB8AC3E}">
-        <p14:creationId xmlns="" xmlns:p14="http://schemas.microsoft.com/office/powerpoint/2010/main" val="2025061542"/>
+        <p14:creationId xmlns:p14="http://schemas.microsoft.com/office/powerpoint/2010/main" val="2025061542"/>
       </p:ext>
     </p:extLst>
   </p:cSld>
@@ -13934,7 +13858,7 @@
     </p:spTree>
     <p:extLst>
       <p:ext uri="{BB962C8B-B14F-4D97-AF65-F5344CB8AC3E}">
-        <p14:creationId xmlns="" xmlns:p14="http://schemas.microsoft.com/office/powerpoint/2010/main" val="353800143"/>
+        <p14:creationId xmlns:p14="http://schemas.microsoft.com/office/powerpoint/2010/main" val="353800143"/>
       </p:ext>
     </p:extLst>
   </p:cSld>
@@ -14003,7 +13927,7 @@
           <a:blip r:embed="rId2" cstate="print">
             <a:extLst>
               <a:ext uri="{28A0092B-C50C-407E-A947-70E740481C1C}">
-                <a14:useLocalDpi xmlns="" xmlns:a14="http://schemas.microsoft.com/office/drawing/2010/main" val="0"/>
+                <a14:useLocalDpi xmlns:a14="http://schemas.microsoft.com/office/drawing/2010/main" val="0"/>
               </a:ext>
             </a:extLst>
           </a:blip>
@@ -14027,14 +13951,14 @@
           <a:effectLst/>
           <a:extLst>
             <a:ext uri="{909E8E84-426E-40DD-AFC4-6F175D3DCCD1}">
-              <a14:hiddenFill xmlns="" xmlns:a14="http://schemas.microsoft.com/office/drawing/2010/main">
+              <a14:hiddenFill xmlns:a14="http://schemas.microsoft.com/office/drawing/2010/main">
                 <a:solidFill>
                   <a:schemeClr val="accent1"/>
                 </a:solidFill>
               </a14:hiddenFill>
             </a:ext>
             <a:ext uri="{91240B29-F687-4F45-9708-019B960494DF}">
-              <a14:hiddenLine xmlns="" xmlns:a14="http://schemas.microsoft.com/office/drawing/2010/main" w="9525">
+              <a14:hiddenLine xmlns:a14="http://schemas.microsoft.com/office/drawing/2010/main" w="9525">
                 <a:solidFill>
                   <a:schemeClr val="tx1"/>
                 </a:solidFill>
@@ -14044,7 +13968,7 @@
               </a14:hiddenLine>
             </a:ext>
             <a:ext uri="{AF507438-7753-43E0-B8FC-AC1667EBCBE1}">
-              <a14:hiddenEffects xmlns="" xmlns:a14="http://schemas.microsoft.com/office/drawing/2010/main">
+              <a14:hiddenEffects xmlns:a14="http://schemas.microsoft.com/office/drawing/2010/main">
                 <a:effectLst>
                   <a:outerShdw dist="35921" dir="2700000" algn="ctr" rotWithShape="0">
                     <a:schemeClr val="bg2"/>
@@ -14058,7 +13982,7 @@
     </p:spTree>
     <p:extLst>
       <p:ext uri="{BB962C8B-B14F-4D97-AF65-F5344CB8AC3E}">
-        <p14:creationId xmlns="" xmlns:p14="http://schemas.microsoft.com/office/powerpoint/2010/main" val="1922197765"/>
+        <p14:creationId xmlns:p14="http://schemas.microsoft.com/office/powerpoint/2010/main" val="1922197765"/>
       </p:ext>
     </p:extLst>
   </p:cSld>
@@ -14132,7 +14056,7 @@
           <a:blip r:embed="rId2" cstate="print">
             <a:extLst>
               <a:ext uri="{28A0092B-C50C-407E-A947-70E740481C1C}">
-                <a14:useLocalDpi xmlns="" xmlns:a14="http://schemas.microsoft.com/office/drawing/2010/main" val="0"/>
+                <a14:useLocalDpi xmlns:a14="http://schemas.microsoft.com/office/drawing/2010/main" val="0"/>
               </a:ext>
             </a:extLst>
           </a:blip>
@@ -14156,14 +14080,14 @@
           <a:effectLst/>
           <a:extLst>
             <a:ext uri="{909E8E84-426E-40DD-AFC4-6F175D3DCCD1}">
-              <a14:hiddenFill xmlns="" xmlns:a14="http://schemas.microsoft.com/office/drawing/2010/main">
+              <a14:hiddenFill xmlns:a14="http://schemas.microsoft.com/office/drawing/2010/main">
                 <a:solidFill>
                   <a:schemeClr val="accent1"/>
                 </a:solidFill>
               </a14:hiddenFill>
             </a:ext>
             <a:ext uri="{91240B29-F687-4F45-9708-019B960494DF}">
-              <a14:hiddenLine xmlns="" xmlns:a14="http://schemas.microsoft.com/office/drawing/2010/main" w="9525">
+              <a14:hiddenLine xmlns:a14="http://schemas.microsoft.com/office/drawing/2010/main" w="9525">
                 <a:solidFill>
                   <a:schemeClr val="tx1"/>
                 </a:solidFill>
@@ -14173,7 +14097,7 @@
               </a14:hiddenLine>
             </a:ext>
             <a:ext uri="{AF507438-7753-43E0-B8FC-AC1667EBCBE1}">
-              <a14:hiddenEffects xmlns="" xmlns:a14="http://schemas.microsoft.com/office/drawing/2010/main">
+              <a14:hiddenEffects xmlns:a14="http://schemas.microsoft.com/office/drawing/2010/main">
                 <a:effectLst>
                   <a:outerShdw dist="35921" dir="2700000" algn="ctr" rotWithShape="0">
                     <a:schemeClr val="bg2"/>
@@ -14187,7 +14111,7 @@
     </p:spTree>
     <p:extLst>
       <p:ext uri="{BB962C8B-B14F-4D97-AF65-F5344CB8AC3E}">
-        <p14:creationId xmlns="" xmlns:p14="http://schemas.microsoft.com/office/powerpoint/2010/main" val="2572490974"/>
+        <p14:creationId xmlns:p14="http://schemas.microsoft.com/office/powerpoint/2010/main" val="2572490974"/>
       </p:ext>
     </p:extLst>
   </p:cSld>
@@ -14374,7 +14298,7 @@
     </p:spTree>
     <p:extLst>
       <p:ext uri="{BB962C8B-B14F-4D97-AF65-F5344CB8AC3E}">
-        <p14:creationId xmlns="" xmlns:p14="http://schemas.microsoft.com/office/powerpoint/2010/main" val="143085231"/>
+        <p14:creationId xmlns:p14="http://schemas.microsoft.com/office/powerpoint/2010/main" val="143085231"/>
       </p:ext>
     </p:extLst>
   </p:cSld>
@@ -14541,7 +14465,7 @@
           <p:nvPr>
             <p:extLst>
               <p:ext uri="{D42A27DB-BD31-4B8C-83A1-F6EECF244321}">
-                <p14:modId xmlns="" xmlns:p14="http://schemas.microsoft.com/office/powerpoint/2010/main" val="3943238416"/>
+                <p14:modId xmlns:p14="http://schemas.microsoft.com/office/powerpoint/2010/main" val="3943238416"/>
               </p:ext>
             </p:extLst>
           </p:nvPr>
@@ -16051,7 +15975,7 @@
           <a:blip r:embed="rId2" cstate="print">
             <a:extLst>
               <a:ext uri="{28A0092B-C50C-407E-A947-70E740481C1C}">
-                <a14:useLocalDpi xmlns="" xmlns:a14="http://schemas.microsoft.com/office/drawing/2010/main" val="0"/>
+                <a14:useLocalDpi xmlns:a14="http://schemas.microsoft.com/office/drawing/2010/main" val="0"/>
               </a:ext>
             </a:extLst>
           </a:blip>
@@ -16241,7 +16165,7 @@
     </p:spTree>
     <p:extLst>
       <p:ext uri="{BB962C8B-B14F-4D97-AF65-F5344CB8AC3E}">
-        <p14:creationId xmlns="" xmlns:p14="http://schemas.microsoft.com/office/powerpoint/2010/main" val="772982720"/>
+        <p14:creationId xmlns:p14="http://schemas.microsoft.com/office/powerpoint/2010/main" val="772982720"/>
       </p:ext>
     </p:extLst>
   </p:cSld>
@@ -16945,7 +16869,7 @@
           <a:blip r:embed="rId2" cstate="print">
             <a:extLst>
               <a:ext uri="{28A0092B-C50C-407E-A947-70E740481C1C}">
-                <a14:useLocalDpi xmlns="" xmlns:a14="http://schemas.microsoft.com/office/drawing/2010/main" val="0"/>
+                <a14:useLocalDpi xmlns:a14="http://schemas.microsoft.com/office/drawing/2010/main" val="0"/>
               </a:ext>
             </a:extLst>
           </a:blip>
@@ -16964,7 +16888,7 @@
     </p:spTree>
     <p:extLst>
       <p:ext uri="{BB962C8B-B14F-4D97-AF65-F5344CB8AC3E}">
-        <p14:creationId xmlns="" xmlns:p14="http://schemas.microsoft.com/office/powerpoint/2010/main" val="1632595821"/>
+        <p14:creationId xmlns:p14="http://schemas.microsoft.com/office/powerpoint/2010/main" val="1632595821"/>
       </p:ext>
     </p:extLst>
   </p:cSld>
@@ -17075,7 +16999,7 @@
     </p:spTree>
     <p:extLst>
       <p:ext uri="{BB962C8B-B14F-4D97-AF65-F5344CB8AC3E}">
-        <p14:creationId xmlns="" xmlns:p14="http://schemas.microsoft.com/office/powerpoint/2010/main" val="3574730836"/>
+        <p14:creationId xmlns:p14="http://schemas.microsoft.com/office/powerpoint/2010/main" val="3574730836"/>
       </p:ext>
     </p:extLst>
   </p:cSld>
@@ -17524,7 +17448,7 @@
     </p:spTree>
     <p:extLst>
       <p:ext uri="{BB962C8B-B14F-4D97-AF65-F5344CB8AC3E}">
-        <p14:creationId xmlns="" xmlns:p14="http://schemas.microsoft.com/office/powerpoint/2010/main" val="4137496560"/>
+        <p14:creationId xmlns:p14="http://schemas.microsoft.com/office/powerpoint/2010/main" val="4137496560"/>
       </p:ext>
     </p:extLst>
   </p:cSld>

--- a/trunk/Appli/Méthodologie/Général/Copil/Copil 1/VAL.pptx
+++ b/trunk/Appli/Méthodologie/Général/Copil/Copil 1/VAL.pptx
@@ -19,8 +19,8 @@
     <p:sldId id="269" r:id="rId10"/>
     <p:sldId id="260" r:id="rId11"/>
     <p:sldId id="259" r:id="rId12"/>
-    <p:sldId id="277" r:id="rId13"/>
-    <p:sldId id="278" r:id="rId14"/>
+    <p:sldId id="288" r:id="rId13"/>
+    <p:sldId id="289" r:id="rId14"/>
     <p:sldId id="282" r:id="rId15"/>
     <p:sldId id="265" r:id="rId16"/>
     <p:sldId id="266" r:id="rId17"/>
@@ -214,7 +214,8 @@
           <a:p>
             <a:fld id="{465F8346-AC1B-4ED9-A5A2-49BCE3C4FB8F}" type="datetimeFigureOut">
               <a:rPr lang="fr-FR" smtClean="0"/>
-              <a:t>04/12/2012</a:t>
+              <a:pPr/>
+              <a:t>05/12/2012</a:t>
             </a:fld>
             <a:endParaRPr lang="fr-FR"/>
           </a:p>
@@ -373,7 +374,8 @@
           <a:p>
             <a:fld id="{F98BCAEF-4157-483F-814F-91DCDC9C17BC}" type="slidenum">
               <a:rPr lang="fr-FR" smtClean="0"/>
-              <a:t>‹#›</a:t>
+              <a:pPr/>
+              <a:t>‹N°›</a:t>
             </a:fld>
             <a:endParaRPr lang="fr-FR"/>
           </a:p>
@@ -382,7 +384,7 @@
     </p:spTree>
     <p:extLst>
       <p:ext uri="{BB962C8B-B14F-4D97-AF65-F5344CB8AC3E}">
-        <p14:creationId xmlns:p14="http://schemas.microsoft.com/office/powerpoint/2010/main" val="958719818"/>
+        <p14:creationId xmlns:p14="http://schemas.microsoft.com/office/powerpoint/2010/main" xmlns="" val="958719818"/>
       </p:ext>
     </p:extLst>
   </p:cSld>
@@ -613,6 +615,7 @@
           <a:p>
             <a:fld id="{F98BCAEF-4157-483F-814F-91DCDC9C17BC}" type="slidenum">
               <a:rPr lang="fr-FR" smtClean="0"/>
+              <a:pPr/>
               <a:t>17</a:t>
             </a:fld>
             <a:endParaRPr lang="fr-FR"/>
@@ -622,7 +625,7 @@
     </p:spTree>
     <p:extLst>
       <p:ext uri="{BB962C8B-B14F-4D97-AF65-F5344CB8AC3E}">
-        <p14:creationId xmlns:p14="http://schemas.microsoft.com/office/powerpoint/2010/main" val="1918925604"/>
+        <p14:creationId xmlns:p14="http://schemas.microsoft.com/office/powerpoint/2010/main" xmlns="" val="1918925604"/>
       </p:ext>
     </p:extLst>
   </p:cSld>
@@ -821,7 +824,7 @@
             <a:fld id="{1D8BD707-D9CF-40AE-B4C6-C98DA3205C09}" type="datetimeFigureOut">
               <a:rPr lang="en-US" smtClean="0"/>
               <a:pPr/>
-              <a:t>12/4/2012</a:t>
+              <a:t>12/5/2012</a:t>
             </a:fld>
             <a:endParaRPr lang="en-US"/>
           </a:p>
@@ -864,7 +867,7 @@
             <a:fld id="{B6F15528-21DE-4FAA-801E-634DDDAF4B2B}" type="slidenum">
               <a:rPr lang="en-US" smtClean="0"/>
               <a:pPr/>
-              <a:t>‹#›</a:t>
+              <a:t>‹N°›</a:t>
             </a:fld>
             <a:endParaRPr lang="en-US"/>
           </a:p>
@@ -1023,7 +1026,7 @@
             <a:fld id="{1D8BD707-D9CF-40AE-B4C6-C98DA3205C09}" type="datetimeFigureOut">
               <a:rPr lang="en-US" smtClean="0"/>
               <a:pPr/>
-              <a:t>12/4/2012</a:t>
+              <a:t>12/5/2012</a:t>
             </a:fld>
             <a:endParaRPr lang="en-US"/>
           </a:p>
@@ -1066,7 +1069,7 @@
             <a:fld id="{B6F15528-21DE-4FAA-801E-634DDDAF4B2B}" type="slidenum">
               <a:rPr lang="en-US" smtClean="0"/>
               <a:pPr/>
-              <a:t>‹#›</a:t>
+              <a:t>‹N°›</a:t>
             </a:fld>
             <a:endParaRPr lang="en-US"/>
           </a:p>
@@ -1200,7 +1203,7 @@
             <a:fld id="{1D8BD707-D9CF-40AE-B4C6-C98DA3205C09}" type="datetimeFigureOut">
               <a:rPr lang="en-US" smtClean="0"/>
               <a:pPr/>
-              <a:t>12/4/2012</a:t>
+              <a:t>12/5/2012</a:t>
             </a:fld>
             <a:endParaRPr lang="en-US"/>
           </a:p>
@@ -1243,7 +1246,7 @@
             <a:fld id="{B6F15528-21DE-4FAA-801E-634DDDAF4B2B}" type="slidenum">
               <a:rPr lang="en-US" smtClean="0"/>
               <a:pPr/>
-              <a:t>‹#›</a:t>
+              <a:t>‹N°›</a:t>
             </a:fld>
             <a:endParaRPr lang="en-US"/>
           </a:p>
@@ -1367,7 +1370,7 @@
             <a:fld id="{1D8BD707-D9CF-40AE-B4C6-C98DA3205C09}" type="datetimeFigureOut">
               <a:rPr lang="en-US" smtClean="0"/>
               <a:pPr/>
-              <a:t>12/4/2012</a:t>
+              <a:t>12/5/2012</a:t>
             </a:fld>
             <a:endParaRPr lang="en-US"/>
           </a:p>
@@ -1410,7 +1413,7 @@
             <a:fld id="{B6F15528-21DE-4FAA-801E-634DDDAF4B2B}" type="slidenum">
               <a:rPr lang="en-US" smtClean="0"/>
               <a:pPr/>
-              <a:t>‹#›</a:t>
+              <a:t>‹N°›</a:t>
             </a:fld>
             <a:endParaRPr lang="en-US"/>
           </a:p>
@@ -1617,7 +1620,7 @@
             <a:fld id="{1D8BD707-D9CF-40AE-B4C6-C98DA3205C09}" type="datetimeFigureOut">
               <a:rPr lang="en-US" smtClean="0"/>
               <a:pPr/>
-              <a:t>12/4/2012</a:t>
+              <a:t>12/5/2012</a:t>
             </a:fld>
             <a:endParaRPr lang="en-US"/>
           </a:p>
@@ -1660,7 +1663,7 @@
             <a:fld id="{B6F15528-21DE-4FAA-801E-634DDDAF4B2B}" type="slidenum">
               <a:rPr lang="en-US" smtClean="0"/>
               <a:pPr/>
-              <a:t>‹#›</a:t>
+              <a:t>‹N°›</a:t>
             </a:fld>
             <a:endParaRPr lang="en-US"/>
           </a:p>
@@ -1937,7 +1940,7 @@
             <a:fld id="{1D8BD707-D9CF-40AE-B4C6-C98DA3205C09}" type="datetimeFigureOut">
               <a:rPr lang="en-US" smtClean="0"/>
               <a:pPr/>
-              <a:t>12/4/2012</a:t>
+              <a:t>12/5/2012</a:t>
             </a:fld>
             <a:endParaRPr lang="en-US"/>
           </a:p>
@@ -1980,7 +1983,7 @@
             <a:fld id="{B6F15528-21DE-4FAA-801E-634DDDAF4B2B}" type="slidenum">
               <a:rPr lang="en-US" smtClean="0"/>
               <a:pPr/>
-              <a:t>‹#›</a:t>
+              <a:t>‹N°›</a:t>
             </a:fld>
             <a:endParaRPr lang="en-US"/>
           </a:p>
@@ -2405,7 +2408,7 @@
             <a:fld id="{1D8BD707-D9CF-40AE-B4C6-C98DA3205C09}" type="datetimeFigureOut">
               <a:rPr lang="en-US" smtClean="0"/>
               <a:pPr/>
-              <a:t>12/4/2012</a:t>
+              <a:t>12/5/2012</a:t>
             </a:fld>
             <a:endParaRPr lang="en-US"/>
           </a:p>
@@ -2448,7 +2451,7 @@
             <a:fld id="{B6F15528-21DE-4FAA-801E-634DDDAF4B2B}" type="slidenum">
               <a:rPr lang="en-US" smtClean="0"/>
               <a:pPr/>
-              <a:t>‹#›</a:t>
+              <a:t>‹N°›</a:t>
             </a:fld>
             <a:endParaRPr lang="en-US"/>
           </a:p>
@@ -2555,7 +2558,7 @@
             <a:fld id="{1D8BD707-D9CF-40AE-B4C6-C98DA3205C09}" type="datetimeFigureOut">
               <a:rPr lang="en-US" smtClean="0"/>
               <a:pPr/>
-              <a:t>12/4/2012</a:t>
+              <a:t>12/5/2012</a:t>
             </a:fld>
             <a:endParaRPr lang="en-US"/>
           </a:p>
@@ -2598,7 +2601,7 @@
             <a:fld id="{B6F15528-21DE-4FAA-801E-634DDDAF4B2B}" type="slidenum">
               <a:rPr lang="en-US" smtClean="0"/>
               <a:pPr/>
-              <a:t>‹#›</a:t>
+              <a:t>‹N°›</a:t>
             </a:fld>
             <a:endParaRPr lang="en-US"/>
           </a:p>
@@ -2647,7 +2650,7 @@
             <a:fld id="{1D8BD707-D9CF-40AE-B4C6-C98DA3205C09}" type="datetimeFigureOut">
               <a:rPr lang="en-US" smtClean="0"/>
               <a:pPr/>
-              <a:t>12/4/2012</a:t>
+              <a:t>12/5/2012</a:t>
             </a:fld>
             <a:endParaRPr lang="en-US"/>
           </a:p>
@@ -2690,7 +2693,7 @@
             <a:fld id="{B6F15528-21DE-4FAA-801E-634DDDAF4B2B}" type="slidenum">
               <a:rPr lang="en-US" smtClean="0"/>
               <a:pPr/>
-              <a:t>‹#›</a:t>
+              <a:t>‹N°›</a:t>
             </a:fld>
             <a:endParaRPr lang="en-US"/>
           </a:p>
@@ -2923,7 +2926,7 @@
             <a:fld id="{1D8BD707-D9CF-40AE-B4C6-C98DA3205C09}" type="datetimeFigureOut">
               <a:rPr lang="en-US" smtClean="0"/>
               <a:pPr/>
-              <a:t>12/4/2012</a:t>
+              <a:t>12/5/2012</a:t>
             </a:fld>
             <a:endParaRPr lang="en-US"/>
           </a:p>
@@ -2966,7 +2969,7 @@
             <a:fld id="{B6F15528-21DE-4FAA-801E-634DDDAF4B2B}" type="slidenum">
               <a:rPr lang="en-US" smtClean="0"/>
               <a:pPr/>
-              <a:t>‹#›</a:t>
+              <a:t>‹N°›</a:t>
             </a:fld>
             <a:endParaRPr lang="en-US"/>
           </a:p>
@@ -3230,7 +3233,7 @@
             <a:fld id="{1D8BD707-D9CF-40AE-B4C6-C98DA3205C09}" type="datetimeFigureOut">
               <a:rPr lang="en-US" smtClean="0"/>
               <a:pPr/>
-              <a:t>12/4/2012</a:t>
+              <a:t>12/5/2012</a:t>
             </a:fld>
             <a:endParaRPr lang="en-US"/>
           </a:p>
@@ -3273,7 +3276,7 @@
             <a:fld id="{B6F15528-21DE-4FAA-801E-634DDDAF4B2B}" type="slidenum">
               <a:rPr lang="en-US" smtClean="0"/>
               <a:pPr/>
-              <a:t>‹#›</a:t>
+              <a:t>‹N°›</a:t>
             </a:fld>
             <a:endParaRPr lang="en-US"/>
           </a:p>
@@ -3530,7 +3533,7 @@
             <a:fld id="{1D8BD707-D9CF-40AE-B4C6-C98DA3205C09}" type="datetimeFigureOut">
               <a:rPr lang="en-US" smtClean="0"/>
               <a:pPr/>
-              <a:t>12/4/2012</a:t>
+              <a:t>12/5/2012</a:t>
             </a:fld>
             <a:endParaRPr lang="en-US"/>
           </a:p>
@@ -3605,7 +3608,7 @@
             <a:fld id="{B6F15528-21DE-4FAA-801E-634DDDAF4B2B}" type="slidenum">
               <a:rPr lang="en-US" smtClean="0"/>
               <a:pPr/>
-              <a:t>‹#›</a:t>
+              <a:t>‹N°›</a:t>
             </a:fld>
             <a:endParaRPr lang="en-US"/>
           </a:p>
@@ -3977,7 +3980,7 @@
     </p:spTree>
     <p:extLst>
       <p:ext uri="{BB962C8B-B14F-4D97-AF65-F5344CB8AC3E}">
-        <p14:creationId xmlns:p14="http://schemas.microsoft.com/office/powerpoint/2010/main" val="3992780646"/>
+        <p14:creationId xmlns:p14="http://schemas.microsoft.com/office/powerpoint/2010/main" xmlns="" val="3992780646"/>
       </p:ext>
     </p:extLst>
   </p:cSld>
@@ -4046,7 +4049,7 @@
           <a:blip r:embed="rId2" cstate="print">
             <a:extLst>
               <a:ext uri="{28A0092B-C50C-407E-A947-70E740481C1C}">
-                <a14:useLocalDpi xmlns:a14="http://schemas.microsoft.com/office/drawing/2010/main" val="0"/>
+                <a14:useLocalDpi xmlns:a14="http://schemas.microsoft.com/office/drawing/2010/main" xmlns="" val="0"/>
               </a:ext>
             </a:extLst>
           </a:blip>
@@ -4070,14 +4073,14 @@
           <a:effectLst/>
           <a:extLst>
             <a:ext uri="{909E8E84-426E-40DD-AFC4-6F175D3DCCD1}">
-              <a14:hiddenFill xmlns:a14="http://schemas.microsoft.com/office/drawing/2010/main">
+              <a14:hiddenFill xmlns:a14="http://schemas.microsoft.com/office/drawing/2010/main" xmlns="">
                 <a:solidFill>
                   <a:schemeClr val="accent1"/>
                 </a:solidFill>
               </a14:hiddenFill>
             </a:ext>
             <a:ext uri="{91240B29-F687-4F45-9708-019B960494DF}">
-              <a14:hiddenLine xmlns:a14="http://schemas.microsoft.com/office/drawing/2010/main" w="9525">
+              <a14:hiddenLine xmlns:a14="http://schemas.microsoft.com/office/drawing/2010/main" xmlns="" w="9525">
                 <a:solidFill>
                   <a:schemeClr val="tx1"/>
                 </a:solidFill>
@@ -4087,7 +4090,7 @@
               </a14:hiddenLine>
             </a:ext>
             <a:ext uri="{AF507438-7753-43E0-B8FC-AC1667EBCBE1}">
-              <a14:hiddenEffects xmlns:a14="http://schemas.microsoft.com/office/drawing/2010/main">
+              <a14:hiddenEffects xmlns:a14="http://schemas.microsoft.com/office/drawing/2010/main" xmlns="">
                 <a:effectLst>
                   <a:outerShdw dist="35921" dir="2700000" algn="ctr" rotWithShape="0">
                     <a:schemeClr val="bg2"/>
@@ -4101,7 +4104,7 @@
     </p:spTree>
     <p:extLst>
       <p:ext uri="{BB962C8B-B14F-4D97-AF65-F5344CB8AC3E}">
-        <p14:creationId xmlns:p14="http://schemas.microsoft.com/office/powerpoint/2010/main" val="340587284"/>
+        <p14:creationId xmlns:p14="http://schemas.microsoft.com/office/powerpoint/2010/main" xmlns="" val="340587284"/>
       </p:ext>
     </p:extLst>
   </p:cSld>
@@ -4170,7 +4173,7 @@
           <a:blip r:embed="rId2" cstate="print">
             <a:extLst>
               <a:ext uri="{28A0092B-C50C-407E-A947-70E740481C1C}">
-                <a14:useLocalDpi xmlns:a14="http://schemas.microsoft.com/office/drawing/2010/main" val="0"/>
+                <a14:useLocalDpi xmlns:a14="http://schemas.microsoft.com/office/drawing/2010/main" xmlns="" val="0"/>
               </a:ext>
             </a:extLst>
           </a:blip>
@@ -4190,7 +4193,7 @@
           <a:noFill/>
           <a:extLst>
             <a:ext uri="{909E8E84-426E-40DD-AFC4-6F175D3DCCD1}">
-              <a14:hiddenFill xmlns:a14="http://schemas.microsoft.com/office/drawing/2010/main">
+              <a14:hiddenFill xmlns:a14="http://schemas.microsoft.com/office/drawing/2010/main" xmlns="">
                 <a:solidFill>
                   <a:srgbClr val="FFFFFF"/>
                 </a:solidFill>
@@ -4202,7 +4205,7 @@
     </p:spTree>
     <p:extLst>
       <p:ext uri="{BB962C8B-B14F-4D97-AF65-F5344CB8AC3E}">
-        <p14:creationId xmlns:p14="http://schemas.microsoft.com/office/powerpoint/2010/main" val="4292440096"/>
+        <p14:creationId xmlns:p14="http://schemas.microsoft.com/office/powerpoint/2010/main" xmlns="" val="4292440096"/>
       </p:ext>
     </p:extLst>
   </p:cSld>
@@ -4275,14 +4278,14 @@
           <p:nvPr>
             <p:extLst>
               <p:ext uri="{D42A27DB-BD31-4B8C-83A1-F6EECF244321}">
-                <p14:modId xmlns:p14="http://schemas.microsoft.com/office/powerpoint/2010/main" val="1117665806"/>
+                <p14:modId xmlns:p14="http://schemas.microsoft.com/office/powerpoint/2010/main" xmlns="" val="1117665806"/>
               </p:ext>
             </p:extLst>
           </p:nvPr>
         </p:nvGraphicFramePr>
         <p:xfrm>
-          <a:off x="0" y="1340768"/>
-          <a:ext cx="9144000" cy="7498432"/>
+          <a:off x="0" y="1340769"/>
+          <a:ext cx="10134601" cy="5928360"/>
         </p:xfrm>
         <a:graphic>
           <a:graphicData uri="http://schemas.openxmlformats.org/drawingml/2006/table">
@@ -4291,12 +4294,12 @@
                 <a:tableStyleId>{5C22544A-7EE6-4342-B048-85BDC9FD1C3A}</a:tableStyleId>
               </a:tblPr>
               <a:tblGrid>
-                <a:gridCol w="2219479"/>
-                <a:gridCol w="2219479"/>
-                <a:gridCol w="1276042"/>
-                <a:gridCol w="3429000"/>
+                <a:gridCol w="2459923"/>
+                <a:gridCol w="2459923"/>
+                <a:gridCol w="1414280"/>
+                <a:gridCol w="3800475"/>
               </a:tblGrid>
-              <a:tr h="1000132">
+              <a:tr h="520961">
                 <a:tc>
                   <a:txBody>
                     <a:bodyPr/>
@@ -4382,7 +4385,7 @@
                   <a:tcPr/>
                 </a:tc>
               </a:tr>
-              <a:tr h="1000132">
+              <a:tr h="1915038">
                 <a:tc>
                   <a:txBody>
                     <a:bodyPr/>
@@ -4501,277 +4504,6 @@
                         </a:spcAft>
                       </a:pPr>
                       <a:endParaRPr lang="en-US" sz="1400" kern="1200" dirty="0" smtClean="0">
-                        <a:solidFill>
-                          <a:schemeClr val="dk1"/>
-                        </a:solidFill>
-                        <a:latin typeface="Times New Roman"/>
-                        <a:ea typeface="Calibri"/>
-                        <a:cs typeface="Times New Roman"/>
-                      </a:endParaRPr>
-                    </a:p>
-                    <a:p>
-                      <a:pPr marL="0" algn="just" defTabSz="914400" rtl="0" eaLnBrk="1" latinLnBrk="0" hangingPunct="1">
-                        <a:lnSpc>
-                          <a:spcPct val="100000"/>
-                        </a:lnSpc>
-                        <a:spcAft>
-                          <a:spcPts val="1000"/>
-                        </a:spcAft>
-                      </a:pPr>
-                      <a:r>
-                        <a:rPr lang="en-US" sz="1400" kern="1200" dirty="0" smtClean="0">
-                          <a:solidFill>
-                            <a:schemeClr val="dk1"/>
-                          </a:solidFill>
-                          <a:latin typeface="Times New Roman"/>
-                          <a:ea typeface="Calibri"/>
-                          <a:cs typeface="Times New Roman"/>
-                        </a:rPr>
-                        <a:t>Les </a:t>
-                      </a:r>
-                      <a:r>
-                        <a:rPr lang="en-US" sz="1400" kern="1200" dirty="0" err="1" smtClean="0">
-                          <a:solidFill>
-                            <a:schemeClr val="dk1"/>
-                          </a:solidFill>
-                          <a:latin typeface="Times New Roman"/>
-                          <a:ea typeface="Calibri"/>
-                          <a:cs typeface="Times New Roman"/>
-                        </a:rPr>
-                        <a:t>membres</a:t>
-                      </a:r>
-                      <a:r>
-                        <a:rPr lang="en-US" sz="1400" kern="1200" dirty="0" smtClean="0">
-                          <a:solidFill>
-                            <a:schemeClr val="dk1"/>
-                          </a:solidFill>
-                          <a:latin typeface="Times New Roman"/>
-                          <a:ea typeface="Calibri"/>
-                          <a:cs typeface="Times New Roman"/>
-                        </a:rPr>
-                        <a:t> du </a:t>
-                      </a:r>
-                      <a:r>
-                        <a:rPr lang="en-US" sz="1400" kern="1200" dirty="0" err="1" smtClean="0">
-                          <a:solidFill>
-                            <a:schemeClr val="dk1"/>
-                          </a:solidFill>
-                          <a:latin typeface="Times New Roman"/>
-                          <a:ea typeface="Calibri"/>
-                          <a:cs typeface="Times New Roman"/>
-                        </a:rPr>
-                        <a:t>groupe</a:t>
-                      </a:r>
-                      <a:r>
-                        <a:rPr lang="en-US" sz="1400" kern="1200" dirty="0" smtClean="0">
-                          <a:solidFill>
-                            <a:schemeClr val="dk1"/>
-                          </a:solidFill>
-                          <a:latin typeface="Times New Roman"/>
-                          <a:ea typeface="Calibri"/>
-                          <a:cs typeface="Times New Roman"/>
-                        </a:rPr>
-                        <a:t> ne </a:t>
-                      </a:r>
-                      <a:r>
-                        <a:rPr lang="en-US" sz="1400" kern="1200" dirty="0" err="1" smtClean="0">
-                          <a:solidFill>
-                            <a:schemeClr val="dk1"/>
-                          </a:solidFill>
-                          <a:latin typeface="Times New Roman"/>
-                          <a:ea typeface="Calibri"/>
-                          <a:cs typeface="Times New Roman"/>
-                        </a:rPr>
-                        <a:t>maitrisent</a:t>
-                      </a:r>
-                      <a:r>
-                        <a:rPr lang="en-US" sz="1400" kern="1200" dirty="0" smtClean="0">
-                          <a:solidFill>
-                            <a:schemeClr val="dk1"/>
-                          </a:solidFill>
-                          <a:latin typeface="Times New Roman"/>
-                          <a:ea typeface="Calibri"/>
-                          <a:cs typeface="Times New Roman"/>
-                        </a:rPr>
-                        <a:t> pas </a:t>
-                      </a:r>
-                      <a:r>
-                        <a:rPr lang="en-US" sz="1400" kern="1200" dirty="0" err="1" smtClean="0">
-                          <a:solidFill>
-                            <a:schemeClr val="dk1"/>
-                          </a:solidFill>
-                          <a:latin typeface="Times New Roman"/>
-                          <a:ea typeface="Calibri"/>
-                          <a:cs typeface="Times New Roman"/>
-                        </a:rPr>
-                        <a:t>ActiveMQ</a:t>
-                      </a:r>
-                      <a:r>
-                        <a:rPr lang="en-US" sz="1400" kern="1200" dirty="0" smtClean="0">
-                          <a:solidFill>
-                            <a:schemeClr val="dk1"/>
-                          </a:solidFill>
-                          <a:latin typeface="Times New Roman"/>
-                          <a:ea typeface="Calibri"/>
-                          <a:cs typeface="Times New Roman"/>
-                        </a:rPr>
-                        <a:t> qui </a:t>
-                      </a:r>
-                      <a:r>
-                        <a:rPr lang="en-US" sz="1400" kern="1200" dirty="0" err="1" smtClean="0">
-                          <a:solidFill>
-                            <a:schemeClr val="dk1"/>
-                          </a:solidFill>
-                          <a:latin typeface="Times New Roman"/>
-                          <a:ea typeface="Calibri"/>
-                          <a:cs typeface="Times New Roman"/>
-                        </a:rPr>
-                        <a:t>représente</a:t>
-                      </a:r>
-                      <a:r>
-                        <a:rPr lang="en-US" sz="1400" kern="1200" dirty="0" smtClean="0">
-                          <a:solidFill>
-                            <a:schemeClr val="dk1"/>
-                          </a:solidFill>
-                          <a:latin typeface="Times New Roman"/>
-                          <a:ea typeface="Calibri"/>
-                          <a:cs typeface="Times New Roman"/>
-                        </a:rPr>
-                        <a:t> </a:t>
-                      </a:r>
-                      <a:r>
-                        <a:rPr lang="en-US" sz="1400" kern="1200" dirty="0" err="1" smtClean="0">
-                          <a:solidFill>
-                            <a:schemeClr val="dk1"/>
-                          </a:solidFill>
-                          <a:latin typeface="Times New Roman"/>
-                          <a:ea typeface="Calibri"/>
-                          <a:cs typeface="Times New Roman"/>
-                        </a:rPr>
-                        <a:t>une</a:t>
-                      </a:r>
-                      <a:r>
-                        <a:rPr lang="en-US" sz="1400" kern="1200" dirty="0" smtClean="0">
-                          <a:solidFill>
-                            <a:schemeClr val="dk1"/>
-                          </a:solidFill>
-                          <a:latin typeface="Times New Roman"/>
-                          <a:ea typeface="Calibri"/>
-                          <a:cs typeface="Times New Roman"/>
-                        </a:rPr>
-                        <a:t> </a:t>
-                      </a:r>
-                      <a:r>
-                        <a:rPr lang="en-US" sz="1400" kern="1200" dirty="0" err="1" smtClean="0">
-                          <a:solidFill>
-                            <a:schemeClr val="dk1"/>
-                          </a:solidFill>
-                          <a:latin typeface="Times New Roman"/>
-                          <a:ea typeface="Calibri"/>
-                          <a:cs typeface="Times New Roman"/>
-                        </a:rPr>
-                        <a:t>technologie</a:t>
-                      </a:r>
-                      <a:r>
-                        <a:rPr lang="en-US" sz="1400" kern="1200" dirty="0" smtClean="0">
-                          <a:solidFill>
-                            <a:schemeClr val="dk1"/>
-                          </a:solidFill>
-                          <a:latin typeface="Times New Roman"/>
-                          <a:ea typeface="Calibri"/>
-                          <a:cs typeface="Times New Roman"/>
-                        </a:rPr>
-                        <a:t> </a:t>
-                      </a:r>
-                      <a:r>
-                        <a:rPr lang="en-US" sz="1400" kern="1200" dirty="0" err="1" smtClean="0">
-                          <a:solidFill>
-                            <a:schemeClr val="dk1"/>
-                          </a:solidFill>
-                          <a:latin typeface="Times New Roman"/>
-                          <a:ea typeface="Calibri"/>
-                          <a:cs typeface="Times New Roman"/>
-                        </a:rPr>
-                        <a:t>cruciale</a:t>
-                      </a:r>
-                      <a:r>
-                        <a:rPr lang="en-US" sz="1400" kern="1200" dirty="0" smtClean="0">
-                          <a:solidFill>
-                            <a:schemeClr val="dk1"/>
-                          </a:solidFill>
-                          <a:latin typeface="Times New Roman"/>
-                          <a:ea typeface="Calibri"/>
-                          <a:cs typeface="Times New Roman"/>
-                        </a:rPr>
-                        <a:t> pour faire </a:t>
-                      </a:r>
-                      <a:r>
-                        <a:rPr lang="en-US" sz="1400" kern="1200" dirty="0" err="1" smtClean="0">
-                          <a:solidFill>
-                            <a:schemeClr val="dk1"/>
-                          </a:solidFill>
-                          <a:latin typeface="Times New Roman"/>
-                          <a:ea typeface="Calibri"/>
-                          <a:cs typeface="Times New Roman"/>
-                        </a:rPr>
-                        <a:t>communiquer</a:t>
-                      </a:r>
-                      <a:r>
-                        <a:rPr lang="en-US" sz="1400" kern="1200" dirty="0" smtClean="0">
-                          <a:solidFill>
-                            <a:schemeClr val="dk1"/>
-                          </a:solidFill>
-                          <a:latin typeface="Times New Roman"/>
-                          <a:ea typeface="Calibri"/>
-                          <a:cs typeface="Times New Roman"/>
-                        </a:rPr>
-                        <a:t> le </a:t>
-                      </a:r>
-                      <a:r>
-                        <a:rPr lang="en-US" sz="1400" kern="1200" dirty="0" err="1" smtClean="0">
-                          <a:solidFill>
-                            <a:schemeClr val="dk1"/>
-                          </a:solidFill>
-                          <a:latin typeface="Times New Roman"/>
-                          <a:ea typeface="Calibri"/>
-                          <a:cs typeface="Times New Roman"/>
-                        </a:rPr>
-                        <a:t>composant</a:t>
-                      </a:r>
-                      <a:r>
-                        <a:rPr lang="en-US" sz="1400" kern="1200" dirty="0" smtClean="0">
-                          <a:solidFill>
-                            <a:schemeClr val="dk1"/>
-                          </a:solidFill>
-                          <a:latin typeface="Times New Roman"/>
-                          <a:ea typeface="Calibri"/>
-                          <a:cs typeface="Times New Roman"/>
-                        </a:rPr>
-                        <a:t> RTDG et le </a:t>
-                      </a:r>
-                      <a:r>
-                        <a:rPr lang="en-US" sz="1400" kern="1200" dirty="0" err="1" smtClean="0">
-                          <a:solidFill>
-                            <a:schemeClr val="dk1"/>
-                          </a:solidFill>
-                          <a:latin typeface="Times New Roman"/>
-                          <a:ea typeface="Calibri"/>
-                          <a:cs typeface="Times New Roman"/>
-                        </a:rPr>
-                        <a:t>composant</a:t>
-                      </a:r>
-                      <a:r>
-                        <a:rPr lang="en-US" sz="1400" kern="1200" dirty="0" smtClean="0">
-                          <a:solidFill>
-                            <a:schemeClr val="dk1"/>
-                          </a:solidFill>
-                          <a:latin typeface="Times New Roman"/>
-                          <a:ea typeface="Calibri"/>
-                          <a:cs typeface="Times New Roman"/>
-                        </a:rPr>
-                        <a:t> RTDRS</a:t>
-                      </a:r>
-                      <a:endParaRPr lang="fr-FR" sz="1400" kern="1200" dirty="0">
                         <a:solidFill>
                           <a:schemeClr val="dk1"/>
                         </a:solidFill>
@@ -5855,25 +5587,37 @@
                   <a:tcPr/>
                 </a:tc>
               </a:tr>
-              <a:tr h="2205700">
+              <a:tr h="1648598">
                 <a:tc>
                   <a:txBody>
                     <a:bodyPr/>
                     <a:lstStyle/>
                     <a:p>
-                      <a:pPr marL="0" algn="l" defTabSz="914400" rtl="0" eaLnBrk="1" latinLnBrk="0" hangingPunct="1">
+                      <a:pPr marL="0" marR="0" indent="0" algn="just" defTabSz="914400" rtl="0" eaLnBrk="1" fontAlgn="auto" latinLnBrk="0" hangingPunct="1">
                         <a:lnSpc>
                           <a:spcPct val="100000"/>
                         </a:lnSpc>
+                        <a:spcBef>
+                          <a:spcPts val="0"/>
+                        </a:spcBef>
+                        <a:spcAft>
+                          <a:spcPts val="1000"/>
+                        </a:spcAft>
+                        <a:buClrTx/>
+                        <a:buSzTx/>
+                        <a:buFontTx/>
+                        <a:buNone/>
+                        <a:tabLst/>
+                        <a:defRPr/>
                       </a:pPr>
                       <a:r>
                         <a:rPr lang="en-US" sz="1400" kern="1200" dirty="0" err="1" smtClean="0">
                           <a:solidFill>
                             <a:schemeClr val="dk1"/>
                           </a:solidFill>
-                          <a:latin typeface="+mn-lt"/>
-                          <a:ea typeface="+mn-ea"/>
-                          <a:cs typeface="+mn-cs"/>
+                          <a:latin typeface="Times New Roman"/>
+                          <a:ea typeface="Calibri"/>
+                          <a:cs typeface="Times New Roman"/>
                         </a:rPr>
                         <a:t>Difficulté</a:t>
                       </a:r>
@@ -5882,9 +5626,9 @@
                           <a:solidFill>
                             <a:schemeClr val="dk1"/>
                           </a:solidFill>
-                          <a:latin typeface="+mn-lt"/>
-                          <a:ea typeface="+mn-ea"/>
-                          <a:cs typeface="+mn-cs"/>
+                          <a:latin typeface="Times New Roman"/>
+                          <a:ea typeface="Calibri"/>
+                          <a:cs typeface="Times New Roman"/>
                         </a:rPr>
                         <a:t> de </a:t>
                       </a:r>
@@ -5893,9 +5637,9 @@
                           <a:solidFill>
                             <a:schemeClr val="dk1"/>
                           </a:solidFill>
-                          <a:latin typeface="+mn-lt"/>
-                          <a:ea typeface="+mn-ea"/>
-                          <a:cs typeface="+mn-cs"/>
+                          <a:latin typeface="Times New Roman"/>
+                          <a:ea typeface="Calibri"/>
+                          <a:cs typeface="Times New Roman"/>
                         </a:rPr>
                         <a:t>mise</a:t>
                       </a:r>
@@ -5904,9 +5648,9 @@
                           <a:solidFill>
                             <a:schemeClr val="dk1"/>
                           </a:solidFill>
-                          <a:latin typeface="+mn-lt"/>
-                          <a:ea typeface="+mn-ea"/>
-                          <a:cs typeface="+mn-cs"/>
+                          <a:latin typeface="Times New Roman"/>
+                          <a:ea typeface="Calibri"/>
+                          <a:cs typeface="Times New Roman"/>
                         </a:rPr>
                         <a:t> en place des </a:t>
                       </a:r>
@@ -5915,9 +5659,9 @@
                           <a:solidFill>
                             <a:schemeClr val="dk1"/>
                           </a:solidFill>
-                          <a:latin typeface="+mn-lt"/>
-                          <a:ea typeface="+mn-ea"/>
-                          <a:cs typeface="+mn-cs"/>
+                          <a:latin typeface="Times New Roman"/>
+                          <a:ea typeface="Calibri"/>
+                          <a:cs typeface="Times New Roman"/>
                         </a:rPr>
                         <a:t>algorithmes</a:t>
                       </a:r>
@@ -5926,9 +5670,9 @@
                           <a:solidFill>
                             <a:schemeClr val="dk1"/>
                           </a:solidFill>
-                          <a:latin typeface="+mn-lt"/>
-                          <a:ea typeface="+mn-ea"/>
-                          <a:cs typeface="+mn-cs"/>
+                          <a:latin typeface="Times New Roman"/>
+                          <a:ea typeface="Calibri"/>
+                          <a:cs typeface="Times New Roman"/>
                         </a:rPr>
                         <a:t> de </a:t>
                       </a:r>
@@ -5937,9 +5681,9 @@
                           <a:solidFill>
                             <a:schemeClr val="dk1"/>
                           </a:solidFill>
-                          <a:latin typeface="+mn-lt"/>
-                          <a:ea typeface="+mn-ea"/>
-                          <a:cs typeface="+mn-cs"/>
+                          <a:latin typeface="Times New Roman"/>
+                          <a:ea typeface="Calibri"/>
+                          <a:cs typeface="Times New Roman"/>
                         </a:rPr>
                         <a:t>réplication</a:t>
                       </a:r>
@@ -5947,9 +5691,9 @@
                         <a:solidFill>
                           <a:schemeClr val="dk1"/>
                         </a:solidFill>
-                        <a:latin typeface="+mn-lt"/>
-                        <a:ea typeface="+mn-ea"/>
-                        <a:cs typeface="+mn-cs"/>
+                        <a:latin typeface="Times New Roman"/>
+                        <a:ea typeface="Calibri"/>
+                        <a:cs typeface="Times New Roman"/>
                       </a:endParaRPr>
                     </a:p>
                   </a:txBody>
@@ -5960,19 +5704,31 @@
                     <a:bodyPr/>
                     <a:lstStyle/>
                     <a:p>
-                      <a:pPr marL="0" algn="l" defTabSz="914400" rtl="0" eaLnBrk="1" latinLnBrk="0" hangingPunct="1">
+                      <a:pPr marL="0" marR="0" indent="0" algn="just" defTabSz="914400" rtl="0" eaLnBrk="1" fontAlgn="auto" latinLnBrk="0" hangingPunct="1">
                         <a:lnSpc>
                           <a:spcPct val="100000"/>
                         </a:lnSpc>
+                        <a:spcBef>
+                          <a:spcPts val="0"/>
+                        </a:spcBef>
+                        <a:spcAft>
+                          <a:spcPts val="1000"/>
+                        </a:spcAft>
+                        <a:buClrTx/>
+                        <a:buSzTx/>
+                        <a:buFontTx/>
+                        <a:buNone/>
+                        <a:tabLst/>
+                        <a:defRPr/>
                       </a:pPr>
                       <a:r>
                         <a:rPr lang="en-US" sz="1400" kern="1200" dirty="0" err="1" smtClean="0">
                           <a:solidFill>
                             <a:schemeClr val="dk1"/>
                           </a:solidFill>
-                          <a:latin typeface="+mn-lt"/>
-                          <a:ea typeface="+mn-ea"/>
-                          <a:cs typeface="+mn-cs"/>
+                          <a:latin typeface="Times New Roman"/>
+                          <a:ea typeface="Calibri"/>
+                          <a:cs typeface="Times New Roman"/>
                         </a:rPr>
                         <a:t>Perte</a:t>
                       </a:r>
@@ -5981,9 +5737,9 @@
                           <a:solidFill>
                             <a:schemeClr val="dk1"/>
                           </a:solidFill>
-                          <a:latin typeface="+mn-lt"/>
-                          <a:ea typeface="+mn-ea"/>
-                          <a:cs typeface="+mn-cs"/>
+                          <a:latin typeface="Times New Roman"/>
+                          <a:ea typeface="Calibri"/>
+                          <a:cs typeface="Times New Roman"/>
                         </a:rPr>
                         <a:t> de </a:t>
                       </a:r>
@@ -5992,9 +5748,9 @@
                           <a:solidFill>
                             <a:schemeClr val="dk1"/>
                           </a:solidFill>
-                          <a:latin typeface="+mn-lt"/>
-                          <a:ea typeface="+mn-ea"/>
-                          <a:cs typeface="+mn-cs"/>
+                          <a:latin typeface="Times New Roman"/>
+                          <a:ea typeface="Calibri"/>
+                          <a:cs typeface="Times New Roman"/>
                         </a:rPr>
                         <a:t>données</a:t>
                       </a:r>
@@ -6003,9 +5759,9 @@
                           <a:solidFill>
                             <a:schemeClr val="dk1"/>
                           </a:solidFill>
-                          <a:latin typeface="+mn-lt"/>
-                          <a:ea typeface="+mn-ea"/>
-                          <a:cs typeface="+mn-cs"/>
+                          <a:latin typeface="Times New Roman"/>
+                          <a:ea typeface="Calibri"/>
+                          <a:cs typeface="Times New Roman"/>
                         </a:rPr>
                         <a:t> </a:t>
                       </a:r>
@@ -6014,9 +5770,9 @@
                           <a:solidFill>
                             <a:schemeClr val="dk1"/>
                           </a:solidFill>
-                          <a:latin typeface="+mn-lt"/>
-                          <a:ea typeface="+mn-ea"/>
-                          <a:cs typeface="+mn-cs"/>
+                          <a:latin typeface="Times New Roman"/>
+                          <a:ea typeface="Calibri"/>
+                          <a:cs typeface="Times New Roman"/>
                         </a:rPr>
                         <a:t>dans</a:t>
                       </a:r>
@@ -6025,9 +5781,9 @@
                           <a:solidFill>
                             <a:schemeClr val="dk1"/>
                           </a:solidFill>
-                          <a:latin typeface="+mn-lt"/>
-                          <a:ea typeface="+mn-ea"/>
-                          <a:cs typeface="+mn-cs"/>
+                          <a:latin typeface="Times New Roman"/>
+                          <a:ea typeface="Calibri"/>
+                          <a:cs typeface="Times New Roman"/>
                         </a:rPr>
                         <a:t> le </a:t>
                       </a:r>
@@ -6036,9 +5792,9 @@
                           <a:solidFill>
                             <a:schemeClr val="dk1"/>
                           </a:solidFill>
-                          <a:latin typeface="+mn-lt"/>
-                          <a:ea typeface="+mn-ea"/>
-                          <a:cs typeface="+mn-cs"/>
+                          <a:latin typeface="Times New Roman"/>
+                          <a:ea typeface="Calibri"/>
+                          <a:cs typeface="Times New Roman"/>
                         </a:rPr>
                         <a:t>cas</a:t>
                       </a:r>
@@ -6047,9 +5803,9 @@
                           <a:solidFill>
                             <a:schemeClr val="dk1"/>
                           </a:solidFill>
-                          <a:latin typeface="+mn-lt"/>
-                          <a:ea typeface="+mn-ea"/>
-                          <a:cs typeface="+mn-cs"/>
+                          <a:latin typeface="Times New Roman"/>
+                          <a:ea typeface="Calibri"/>
+                          <a:cs typeface="Times New Roman"/>
                         </a:rPr>
                         <a:t> </a:t>
                       </a:r>
@@ -6058,9 +5814,9 @@
                           <a:solidFill>
                             <a:schemeClr val="dk1"/>
                           </a:solidFill>
-                          <a:latin typeface="+mn-lt"/>
-                          <a:ea typeface="+mn-ea"/>
-                          <a:cs typeface="+mn-cs"/>
+                          <a:latin typeface="Times New Roman"/>
+                          <a:ea typeface="Calibri"/>
+                          <a:cs typeface="Times New Roman"/>
                         </a:rPr>
                         <a:t>où</a:t>
                       </a:r>
@@ -6069,9 +5825,9 @@
                           <a:solidFill>
                             <a:schemeClr val="dk1"/>
                           </a:solidFill>
-                          <a:latin typeface="+mn-lt"/>
-                          <a:ea typeface="+mn-ea"/>
-                          <a:cs typeface="+mn-cs"/>
+                          <a:latin typeface="Times New Roman"/>
+                          <a:ea typeface="Calibri"/>
+                          <a:cs typeface="Times New Roman"/>
                         </a:rPr>
                         <a:t> le </a:t>
                       </a:r>
@@ -6080,9 +5836,9 @@
                           <a:solidFill>
                             <a:schemeClr val="dk1"/>
                           </a:solidFill>
-                          <a:latin typeface="+mn-lt"/>
-                          <a:ea typeface="+mn-ea"/>
-                          <a:cs typeface="+mn-cs"/>
+                          <a:latin typeface="Times New Roman"/>
+                          <a:ea typeface="Calibri"/>
+                          <a:cs typeface="Times New Roman"/>
                         </a:rPr>
                         <a:t>composant</a:t>
                       </a:r>
@@ -6091,9 +5847,9 @@
                           <a:solidFill>
                             <a:schemeClr val="dk1"/>
                           </a:solidFill>
-                          <a:latin typeface="+mn-lt"/>
-                          <a:ea typeface="+mn-ea"/>
-                          <a:cs typeface="+mn-cs"/>
+                          <a:latin typeface="Times New Roman"/>
+                          <a:ea typeface="Calibri"/>
+                          <a:cs typeface="Times New Roman"/>
                         </a:rPr>
                         <a:t> RTDS </a:t>
                       </a:r>
@@ -6102,9 +5858,9 @@
                           <a:solidFill>
                             <a:schemeClr val="dk1"/>
                           </a:solidFill>
-                          <a:latin typeface="+mn-lt"/>
-                          <a:ea typeface="+mn-ea"/>
-                          <a:cs typeface="+mn-cs"/>
+                          <a:latin typeface="Times New Roman"/>
+                          <a:ea typeface="Calibri"/>
+                          <a:cs typeface="Times New Roman"/>
                         </a:rPr>
                         <a:t>contenant</a:t>
                       </a:r>
@@ -6113,9 +5869,9 @@
                           <a:solidFill>
                             <a:schemeClr val="dk1"/>
                           </a:solidFill>
-                          <a:latin typeface="+mn-lt"/>
-                          <a:ea typeface="+mn-ea"/>
-                          <a:cs typeface="+mn-cs"/>
+                          <a:latin typeface="Times New Roman"/>
+                          <a:ea typeface="Calibri"/>
+                          <a:cs typeface="Times New Roman"/>
                         </a:rPr>
                         <a:t> les </a:t>
                       </a:r>
@@ -6124,9 +5880,9 @@
                           <a:solidFill>
                             <a:schemeClr val="dk1"/>
                           </a:solidFill>
-                          <a:latin typeface="+mn-lt"/>
-                          <a:ea typeface="+mn-ea"/>
-                          <a:cs typeface="+mn-cs"/>
+                          <a:latin typeface="Times New Roman"/>
+                          <a:ea typeface="Calibri"/>
+                          <a:cs typeface="Times New Roman"/>
                         </a:rPr>
                         <a:t>données</a:t>
                       </a:r>
@@ -6135,9 +5891,9 @@
                           <a:solidFill>
                             <a:schemeClr val="dk1"/>
                           </a:solidFill>
-                          <a:latin typeface="+mn-lt"/>
-                          <a:ea typeface="+mn-ea"/>
-                          <a:cs typeface="+mn-cs"/>
+                          <a:latin typeface="Times New Roman"/>
+                          <a:ea typeface="Calibri"/>
+                          <a:cs typeface="Times New Roman"/>
                         </a:rPr>
                         <a:t> </a:t>
                       </a:r>
@@ -6146,9 +5902,9 @@
                           <a:solidFill>
                             <a:schemeClr val="dk1"/>
                           </a:solidFill>
-                          <a:latin typeface="+mn-lt"/>
-                          <a:ea typeface="+mn-ea"/>
-                          <a:cs typeface="+mn-cs"/>
+                          <a:latin typeface="Times New Roman"/>
+                          <a:ea typeface="Calibri"/>
+                          <a:cs typeface="Times New Roman"/>
                         </a:rPr>
                         <a:t>tombe</a:t>
                       </a:r>
@@ -6157,9 +5913,9 @@
                           <a:solidFill>
                             <a:schemeClr val="dk1"/>
                           </a:solidFill>
-                          <a:latin typeface="+mn-lt"/>
-                          <a:ea typeface="+mn-ea"/>
-                          <a:cs typeface="+mn-cs"/>
+                          <a:latin typeface="Times New Roman"/>
+                          <a:ea typeface="Calibri"/>
+                          <a:cs typeface="Times New Roman"/>
                         </a:rPr>
                         <a:t> en </a:t>
                       </a:r>
@@ -6168,9 +5924,9 @@
                           <a:solidFill>
                             <a:schemeClr val="dk1"/>
                           </a:solidFill>
-                          <a:latin typeface="+mn-lt"/>
-                          <a:ea typeface="+mn-ea"/>
-                          <a:cs typeface="+mn-cs"/>
+                          <a:latin typeface="Times New Roman"/>
+                          <a:ea typeface="Calibri"/>
+                          <a:cs typeface="Times New Roman"/>
                         </a:rPr>
                         <a:t>panne</a:t>
                       </a:r>
@@ -6178,9 +5934,9 @@
                         <a:solidFill>
                           <a:schemeClr val="dk1"/>
                         </a:solidFill>
-                        <a:latin typeface="+mn-lt"/>
-                        <a:ea typeface="+mn-ea"/>
-                        <a:cs typeface="+mn-cs"/>
+                        <a:latin typeface="Times New Roman"/>
+                        <a:ea typeface="Calibri"/>
+                        <a:cs typeface="Times New Roman"/>
                       </a:endParaRPr>
                     </a:p>
                   </a:txBody>
@@ -6210,10 +5966,22 @@
                     <a:bodyPr/>
                     <a:lstStyle/>
                     <a:p>
-                      <a:pPr>
+                      <a:pPr marL="0" marR="0" indent="0" algn="just" defTabSz="914400" rtl="0" eaLnBrk="1" fontAlgn="auto" latinLnBrk="0" hangingPunct="1">
                         <a:lnSpc>
                           <a:spcPct val="100000"/>
                         </a:lnSpc>
+                        <a:spcBef>
+                          <a:spcPts val="0"/>
+                        </a:spcBef>
+                        <a:spcAft>
+                          <a:spcPts val="1000"/>
+                        </a:spcAft>
+                        <a:buClrTx/>
+                        <a:buSzTx/>
+                        <a:buFontTx/>
+                        <a:buNone/>
+                        <a:tabLst/>
+                        <a:defRPr/>
                       </a:pPr>
                       <a:r>
                         <a:rPr lang="en-US" sz="1800" kern="1200" dirty="0" smtClean="0">
@@ -6231,9 +5999,9 @@
                           <a:solidFill>
                             <a:schemeClr val="dk1"/>
                           </a:solidFill>
-                          <a:latin typeface="+mn-lt"/>
-                          <a:ea typeface="+mn-ea"/>
-                          <a:cs typeface="+mn-cs"/>
+                          <a:latin typeface="Times New Roman"/>
+                          <a:ea typeface="Calibri"/>
+                          <a:cs typeface="Times New Roman"/>
                         </a:rPr>
                         <a:t>Documentation </a:t>
                       </a:r>
@@ -6242,9 +6010,9 @@
                           <a:solidFill>
                             <a:schemeClr val="dk1"/>
                           </a:solidFill>
-                          <a:latin typeface="+mn-lt"/>
-                          <a:ea typeface="+mn-ea"/>
-                          <a:cs typeface="+mn-cs"/>
+                          <a:latin typeface="Times New Roman"/>
+                          <a:ea typeface="Calibri"/>
+                          <a:cs typeface="Times New Roman"/>
                         </a:rPr>
                         <a:t>sur</a:t>
                       </a:r>
@@ -6253,9 +6021,9 @@
                           <a:solidFill>
                             <a:schemeClr val="dk1"/>
                           </a:solidFill>
-                          <a:latin typeface="+mn-lt"/>
-                          <a:ea typeface="+mn-ea"/>
-                          <a:cs typeface="+mn-cs"/>
+                          <a:latin typeface="Times New Roman"/>
+                          <a:ea typeface="Calibri"/>
+                          <a:cs typeface="Times New Roman"/>
                         </a:rPr>
                         <a:t> les </a:t>
                       </a:r>
@@ -6264,9 +6032,9 @@
                           <a:solidFill>
                             <a:schemeClr val="dk1"/>
                           </a:solidFill>
-                          <a:latin typeface="+mn-lt"/>
-                          <a:ea typeface="+mn-ea"/>
-                          <a:cs typeface="+mn-cs"/>
+                          <a:latin typeface="Times New Roman"/>
+                          <a:ea typeface="Calibri"/>
+                          <a:cs typeface="Times New Roman"/>
                         </a:rPr>
                         <a:t>algorithmes</a:t>
                       </a:r>
@@ -6275,9 +6043,9 @@
                           <a:solidFill>
                             <a:schemeClr val="dk1"/>
                           </a:solidFill>
-                          <a:latin typeface="+mn-lt"/>
-                          <a:ea typeface="+mn-ea"/>
-                          <a:cs typeface="+mn-cs"/>
+                          <a:latin typeface="Times New Roman"/>
+                          <a:ea typeface="Calibri"/>
+                          <a:cs typeface="Times New Roman"/>
                         </a:rPr>
                         <a:t> de </a:t>
                       </a:r>
@@ -6286,9 +6054,9 @@
                           <a:solidFill>
                             <a:schemeClr val="dk1"/>
                           </a:solidFill>
-                          <a:latin typeface="+mn-lt"/>
-                          <a:ea typeface="+mn-ea"/>
-                          <a:cs typeface="+mn-cs"/>
+                          <a:latin typeface="Times New Roman"/>
+                          <a:ea typeface="Calibri"/>
+                          <a:cs typeface="Times New Roman"/>
                         </a:rPr>
                         <a:t>réplication</a:t>
                       </a:r>
@@ -6296,19 +6064,320 @@
                         <a:solidFill>
                           <a:schemeClr val="dk1"/>
                         </a:solidFill>
-                        <a:latin typeface="+mn-lt"/>
-                        <a:ea typeface="+mn-ea"/>
-                        <a:cs typeface="+mn-cs"/>
+                        <a:latin typeface="Times New Roman"/>
+                        <a:ea typeface="Calibri"/>
+                        <a:cs typeface="Times New Roman"/>
                       </a:endParaRPr>
                     </a:p>
                     <a:p>
-                      <a:pPr>
+                      <a:pPr marL="0" marR="0" indent="0" algn="just" defTabSz="914400" rtl="0" eaLnBrk="1" fontAlgn="auto" latinLnBrk="0" hangingPunct="1">
                         <a:lnSpc>
                           <a:spcPct val="100000"/>
                         </a:lnSpc>
+                        <a:spcBef>
+                          <a:spcPts val="0"/>
+                        </a:spcBef>
+                        <a:spcAft>
+                          <a:spcPts val="1000"/>
+                        </a:spcAft>
+                        <a:buClrTx/>
+                        <a:buSzTx/>
+                        <a:buFontTx/>
+                        <a:buNone/>
+                        <a:tabLst/>
+                        <a:defRPr/>
                       </a:pPr>
                       <a:r>
                         <a:rPr lang="en-US" sz="1400" kern="1200" dirty="0" smtClean="0">
+                          <a:solidFill>
+                            <a:schemeClr val="dk1"/>
+                          </a:solidFill>
+                          <a:latin typeface="Times New Roman"/>
+                          <a:ea typeface="Calibri"/>
+                          <a:cs typeface="Times New Roman"/>
+                        </a:rPr>
+                        <a:t>-Documentation </a:t>
+                      </a:r>
+                      <a:r>
+                        <a:rPr lang="en-US" sz="1400" kern="1200" dirty="0" err="1" smtClean="0">
+                          <a:solidFill>
+                            <a:schemeClr val="dk1"/>
+                          </a:solidFill>
+                          <a:latin typeface="Times New Roman"/>
+                          <a:ea typeface="Calibri"/>
+                          <a:cs typeface="Times New Roman"/>
+                        </a:rPr>
+                        <a:t>sur</a:t>
+                      </a:r>
+                      <a:r>
+                        <a:rPr lang="en-US" sz="1400" kern="1200" dirty="0" smtClean="0">
+                          <a:solidFill>
+                            <a:schemeClr val="dk1"/>
+                          </a:solidFill>
+                          <a:latin typeface="Times New Roman"/>
+                          <a:ea typeface="Calibri"/>
+                          <a:cs typeface="Times New Roman"/>
+                        </a:rPr>
+                        <a:t> les types de </a:t>
+                      </a:r>
+                      <a:r>
+                        <a:rPr lang="en-US" sz="1400" kern="1200" dirty="0" err="1" smtClean="0">
+                          <a:solidFill>
+                            <a:schemeClr val="dk1"/>
+                          </a:solidFill>
+                          <a:latin typeface="Times New Roman"/>
+                          <a:ea typeface="Calibri"/>
+                          <a:cs typeface="Times New Roman"/>
+                        </a:rPr>
+                        <a:t>réplication</a:t>
+                      </a:r>
+                      <a:r>
+                        <a:rPr lang="en-US" sz="1400" kern="1200" dirty="0" smtClean="0">
+                          <a:solidFill>
+                            <a:schemeClr val="dk1"/>
+                          </a:solidFill>
+                          <a:latin typeface="Times New Roman"/>
+                          <a:ea typeface="Calibri"/>
+                          <a:cs typeface="Times New Roman"/>
+                        </a:rPr>
+                        <a:t> </a:t>
+                      </a:r>
+                      <a:r>
+                        <a:rPr lang="en-US" sz="1400" kern="1200" dirty="0" err="1" smtClean="0">
+                          <a:solidFill>
+                            <a:schemeClr val="dk1"/>
+                          </a:solidFill>
+                          <a:latin typeface="Times New Roman"/>
+                          <a:ea typeface="Calibri"/>
+                          <a:cs typeface="Times New Roman"/>
+                        </a:rPr>
+                        <a:t>possibles</a:t>
+                      </a:r>
+                      <a:r>
+                        <a:rPr lang="en-US" sz="1400" kern="1200" dirty="0" smtClean="0">
+                          <a:solidFill>
+                            <a:schemeClr val="dk1"/>
+                          </a:solidFill>
+                          <a:latin typeface="Times New Roman"/>
+                          <a:ea typeface="Calibri"/>
+                          <a:cs typeface="Times New Roman"/>
+                        </a:rPr>
+                        <a:t> (</a:t>
+                      </a:r>
+                      <a:r>
+                        <a:rPr lang="en-US" sz="1400" kern="1200" dirty="0" err="1" smtClean="0">
+                          <a:solidFill>
+                            <a:schemeClr val="dk1"/>
+                          </a:solidFill>
+                          <a:latin typeface="Times New Roman"/>
+                          <a:ea typeface="Calibri"/>
+                          <a:cs typeface="Times New Roman"/>
+                        </a:rPr>
+                        <a:t>réplication</a:t>
+                      </a:r>
+                      <a:r>
+                        <a:rPr lang="en-US" sz="1400" kern="1200" dirty="0" smtClean="0">
+                          <a:solidFill>
+                            <a:schemeClr val="dk1"/>
+                          </a:solidFill>
+                          <a:latin typeface="Times New Roman"/>
+                          <a:ea typeface="Calibri"/>
+                          <a:cs typeface="Times New Roman"/>
+                        </a:rPr>
+                        <a:t> de capture </a:t>
+                      </a:r>
+                      <a:r>
+                        <a:rPr lang="en-US" sz="1400" kern="1200" dirty="0" err="1" smtClean="0">
+                          <a:solidFill>
+                            <a:schemeClr val="dk1"/>
+                          </a:solidFill>
+                          <a:latin typeface="Times New Roman"/>
+                          <a:ea typeface="Calibri"/>
+                          <a:cs typeface="Times New Roman"/>
+                        </a:rPr>
+                        <a:t>instantanée</a:t>
+                      </a:r>
+                      <a:r>
+                        <a:rPr lang="en-US" sz="1400" kern="1200" dirty="0" smtClean="0">
+                          <a:solidFill>
+                            <a:schemeClr val="dk1"/>
+                          </a:solidFill>
+                          <a:latin typeface="Times New Roman"/>
+                          <a:ea typeface="Calibri"/>
+                          <a:cs typeface="Times New Roman"/>
+                        </a:rPr>
+                        <a:t>, </a:t>
+                      </a:r>
+                      <a:r>
+                        <a:rPr lang="en-US" sz="1400" kern="1200" dirty="0" err="1" smtClean="0">
+                          <a:solidFill>
+                            <a:schemeClr val="dk1"/>
+                          </a:solidFill>
+                          <a:latin typeface="Times New Roman"/>
+                          <a:ea typeface="Calibri"/>
+                          <a:cs typeface="Times New Roman"/>
+                        </a:rPr>
+                        <a:t>réplication</a:t>
+                      </a:r>
+                      <a:r>
+                        <a:rPr lang="en-US" sz="1400" kern="1200" dirty="0" smtClean="0">
+                          <a:solidFill>
+                            <a:schemeClr val="dk1"/>
+                          </a:solidFill>
+                          <a:latin typeface="Times New Roman"/>
+                          <a:ea typeface="Calibri"/>
+                          <a:cs typeface="Times New Roman"/>
+                        </a:rPr>
+                        <a:t> </a:t>
+                      </a:r>
+                      <a:r>
+                        <a:rPr lang="en-US" sz="1400" kern="1200" dirty="0" err="1" smtClean="0">
+                          <a:solidFill>
+                            <a:schemeClr val="dk1"/>
+                          </a:solidFill>
+                          <a:latin typeface="Times New Roman"/>
+                          <a:ea typeface="Calibri"/>
+                          <a:cs typeface="Times New Roman"/>
+                        </a:rPr>
+                        <a:t>transactionnelle</a:t>
+                      </a:r>
+                      <a:r>
+                        <a:rPr lang="en-US" sz="1400" kern="1200" dirty="0" smtClean="0">
+                          <a:solidFill>
+                            <a:schemeClr val="dk1"/>
+                          </a:solidFill>
+                          <a:latin typeface="Times New Roman"/>
+                          <a:ea typeface="Calibri"/>
+                          <a:cs typeface="Times New Roman"/>
+                        </a:rPr>
+                        <a:t>, </a:t>
+                      </a:r>
+                      <a:r>
+                        <a:rPr lang="en-US" sz="1400" kern="1200" dirty="0" err="1" smtClean="0">
+                          <a:solidFill>
+                            <a:schemeClr val="dk1"/>
+                          </a:solidFill>
+                          <a:latin typeface="Times New Roman"/>
+                          <a:ea typeface="Calibri"/>
+                          <a:cs typeface="Times New Roman"/>
+                        </a:rPr>
+                        <a:t>réplication</a:t>
+                      </a:r>
+                      <a:r>
+                        <a:rPr lang="en-US" sz="1400" kern="1200" dirty="0" smtClean="0">
+                          <a:solidFill>
+                            <a:schemeClr val="dk1"/>
+                          </a:solidFill>
+                          <a:latin typeface="Times New Roman"/>
+                          <a:ea typeface="Calibri"/>
+                          <a:cs typeface="Times New Roman"/>
+                        </a:rPr>
+                        <a:t> de fusion).</a:t>
+                      </a:r>
+                    </a:p>
+                    <a:p>
+                      <a:pPr marL="0" marR="0" indent="0" algn="just" defTabSz="914400" rtl="0" eaLnBrk="1" fontAlgn="auto" latinLnBrk="0" hangingPunct="1">
+                        <a:lnSpc>
+                          <a:spcPct val="100000"/>
+                        </a:lnSpc>
+                        <a:spcBef>
+                          <a:spcPts val="0"/>
+                        </a:spcBef>
+                        <a:spcAft>
+                          <a:spcPts val="1000"/>
+                        </a:spcAft>
+                        <a:buClrTx/>
+                        <a:buSzTx/>
+                        <a:buFontTx/>
+                        <a:buNone/>
+                        <a:tabLst/>
+                        <a:defRPr/>
+                      </a:pPr>
+                      <a:r>
+                        <a:rPr lang="en-US" sz="1400" kern="1200" dirty="0" err="1" smtClean="0">
+                          <a:solidFill>
+                            <a:schemeClr val="tx1"/>
+                          </a:solidFill>
+                          <a:latin typeface="Times New Roman"/>
+                          <a:ea typeface="Calibri"/>
+                          <a:cs typeface="Times New Roman"/>
+                          <a:hlinkClick r:id="rId3"/>
+                        </a:rPr>
+                        <a:t>Siteweb</a:t>
+                      </a:r>
+                      <a:r>
+                        <a:rPr lang="en-US" sz="1400" kern="1200" dirty="0" smtClean="0">
+                          <a:solidFill>
+                            <a:schemeClr val="tx1"/>
+                          </a:solidFill>
+                          <a:latin typeface="Times New Roman"/>
+                          <a:ea typeface="Calibri"/>
+                          <a:cs typeface="Times New Roman"/>
+                          <a:hlinkClick r:id="rId3"/>
+                        </a:rPr>
+                        <a:t>:</a:t>
+                      </a:r>
+                    </a:p>
+                    <a:p>
+                      <a:pPr marL="0" marR="0" indent="0" algn="just" defTabSz="914400" rtl="0" eaLnBrk="1" fontAlgn="auto" latinLnBrk="0" hangingPunct="1">
+                        <a:lnSpc>
+                          <a:spcPct val="100000"/>
+                        </a:lnSpc>
+                        <a:spcBef>
+                          <a:spcPts val="0"/>
+                        </a:spcBef>
+                        <a:spcAft>
+                          <a:spcPts val="1000"/>
+                        </a:spcAft>
+                        <a:buClrTx/>
+                        <a:buSzTx/>
+                        <a:buFontTx/>
+                        <a:buNone/>
+                        <a:tabLst/>
+                        <a:defRPr/>
+                      </a:pPr>
+                      <a:r>
+                        <a:rPr lang="en-US" sz="1200" kern="1200" dirty="0" smtClean="0">
+                          <a:solidFill>
+                            <a:schemeClr val="dk1"/>
+                          </a:solidFill>
+                          <a:latin typeface="Times New Roman"/>
+                          <a:ea typeface="Calibri"/>
+                          <a:cs typeface="Times New Roman"/>
+                          <a:hlinkClick r:id="rId3"/>
+                        </a:rPr>
+                        <a:t>http://msdn.microsoft.com/frfr/library/ms152565%28v=sql.105%29.aspx</a:t>
+                      </a:r>
+                      <a:endParaRPr lang="fr-FR" sz="1200" kern="1200" dirty="0" smtClean="0">
+                        <a:solidFill>
+                          <a:schemeClr val="dk1"/>
+                        </a:solidFill>
+                        <a:latin typeface="Times New Roman"/>
+                        <a:ea typeface="Calibri"/>
+                        <a:cs typeface="Times New Roman"/>
+                        <a:hlinkClick r:id="rId3"/>
+                      </a:endParaRPr>
+                    </a:p>
+                    <a:p>
+                      <a:pPr marL="0" marR="0" indent="0" algn="just" defTabSz="914400" rtl="0" eaLnBrk="1" fontAlgn="auto" latinLnBrk="0" hangingPunct="1">
+                        <a:lnSpc>
+                          <a:spcPct val="100000"/>
+                        </a:lnSpc>
+                        <a:spcBef>
+                          <a:spcPts val="0"/>
+                        </a:spcBef>
+                        <a:spcAft>
+                          <a:spcPts val="1000"/>
+                        </a:spcAft>
+                        <a:buClrTx/>
+                        <a:buSzTx/>
+                        <a:buFontTx/>
+                        <a:buNone/>
+                        <a:tabLst/>
+                        <a:defRPr/>
+                      </a:pPr>
+                      <a:r>
+                        <a:rPr lang="en-US" sz="1800" kern="1200" dirty="0" smtClean="0">
                           <a:solidFill>
                             <a:schemeClr val="dk1"/>
                           </a:solidFill>
@@ -6316,313 +6385,27 @@
                           <a:ea typeface="+mn-ea"/>
                           <a:cs typeface="+mn-cs"/>
                         </a:rPr>
-                        <a:t>-Documentation </a:t>
+                        <a:t>-</a:t>
                       </a:r>
                       <a:r>
                         <a:rPr lang="en-US" sz="1400" kern="1200" dirty="0" err="1" smtClean="0">
                           <a:solidFill>
                             <a:schemeClr val="dk1"/>
                           </a:solidFill>
-                          <a:latin typeface="+mn-lt"/>
-                          <a:ea typeface="+mn-ea"/>
-                          <a:cs typeface="+mn-cs"/>
-                        </a:rPr>
-                        <a:t>sur</a:t>
+                          <a:latin typeface="Times New Roman"/>
+                          <a:ea typeface="Calibri"/>
+                          <a:cs typeface="Times New Roman"/>
+                        </a:rPr>
+                        <a:t>Définition</a:t>
                       </a:r>
                       <a:r>
                         <a:rPr lang="en-US" sz="1400" kern="1200" dirty="0" smtClean="0">
                           <a:solidFill>
                             <a:schemeClr val="dk1"/>
                           </a:solidFill>
-                          <a:latin typeface="+mn-lt"/>
-                          <a:ea typeface="+mn-ea"/>
-                          <a:cs typeface="+mn-cs"/>
-                        </a:rPr>
-                        <a:t> les types de </a:t>
-                      </a:r>
-                      <a:r>
-                        <a:rPr lang="en-US" sz="1400" kern="1200" dirty="0" err="1" smtClean="0">
-                          <a:solidFill>
-                            <a:schemeClr val="dk1"/>
-                          </a:solidFill>
-                          <a:latin typeface="+mn-lt"/>
-                          <a:ea typeface="+mn-ea"/>
-                          <a:cs typeface="+mn-cs"/>
-                        </a:rPr>
-                        <a:t>réplication</a:t>
-                      </a:r>
-                      <a:r>
-                        <a:rPr lang="en-US" sz="1400" kern="1200" dirty="0" smtClean="0">
-                          <a:solidFill>
-                            <a:schemeClr val="dk1"/>
-                          </a:solidFill>
-                          <a:latin typeface="+mn-lt"/>
-                          <a:ea typeface="+mn-ea"/>
-                          <a:cs typeface="+mn-cs"/>
-                        </a:rPr>
-                        <a:t> </a:t>
-                      </a:r>
-                      <a:r>
-                        <a:rPr lang="en-US" sz="1400" kern="1200" dirty="0" err="1" smtClean="0">
-                          <a:solidFill>
-                            <a:schemeClr val="dk1"/>
-                          </a:solidFill>
-                          <a:latin typeface="+mn-lt"/>
-                          <a:ea typeface="+mn-ea"/>
-                          <a:cs typeface="+mn-cs"/>
-                        </a:rPr>
-                        <a:t>possibles</a:t>
-                      </a:r>
-                      <a:r>
-                        <a:rPr lang="en-US" sz="1400" kern="1200" dirty="0" smtClean="0">
-                          <a:solidFill>
-                            <a:schemeClr val="dk1"/>
-                          </a:solidFill>
-                          <a:latin typeface="+mn-lt"/>
-                          <a:ea typeface="+mn-ea"/>
-                          <a:cs typeface="+mn-cs"/>
-                        </a:rPr>
-                        <a:t> (</a:t>
-                      </a:r>
-                      <a:r>
-                        <a:rPr lang="en-US" sz="1400" kern="1200" dirty="0" err="1" smtClean="0">
-                          <a:solidFill>
-                            <a:schemeClr val="dk1"/>
-                          </a:solidFill>
-                          <a:latin typeface="+mn-lt"/>
-                          <a:ea typeface="+mn-ea"/>
-                          <a:cs typeface="+mn-cs"/>
-                        </a:rPr>
-                        <a:t>réplication</a:t>
-                      </a:r>
-                      <a:r>
-                        <a:rPr lang="en-US" sz="1400" kern="1200" dirty="0" smtClean="0">
-                          <a:solidFill>
-                            <a:schemeClr val="dk1"/>
-                          </a:solidFill>
-                          <a:latin typeface="+mn-lt"/>
-                          <a:ea typeface="+mn-ea"/>
-                          <a:cs typeface="+mn-cs"/>
-                        </a:rPr>
-                        <a:t> de capture </a:t>
-                      </a:r>
-                      <a:r>
-                        <a:rPr lang="en-US" sz="1400" kern="1200" dirty="0" err="1" smtClean="0">
-                          <a:solidFill>
-                            <a:schemeClr val="dk1"/>
-                          </a:solidFill>
-                          <a:latin typeface="+mn-lt"/>
-                          <a:ea typeface="+mn-ea"/>
-                          <a:cs typeface="+mn-cs"/>
-                        </a:rPr>
-                        <a:t>instantanée</a:t>
-                      </a:r>
-                      <a:r>
-                        <a:rPr lang="en-US" sz="1400" kern="1200" dirty="0" smtClean="0">
-                          <a:solidFill>
-                            <a:schemeClr val="dk1"/>
-                          </a:solidFill>
-                          <a:latin typeface="+mn-lt"/>
-                          <a:ea typeface="+mn-ea"/>
-                          <a:cs typeface="+mn-cs"/>
-                        </a:rPr>
-                        <a:t>, </a:t>
-                      </a:r>
-                      <a:r>
-                        <a:rPr lang="en-US" sz="1400" kern="1200" dirty="0" err="1" smtClean="0">
-                          <a:solidFill>
-                            <a:schemeClr val="dk1"/>
-                          </a:solidFill>
-                          <a:latin typeface="+mn-lt"/>
-                          <a:ea typeface="+mn-ea"/>
-                          <a:cs typeface="+mn-cs"/>
-                        </a:rPr>
-                        <a:t>réplication</a:t>
-                      </a:r>
-                      <a:r>
-                        <a:rPr lang="en-US" sz="1400" kern="1200" dirty="0" smtClean="0">
-                          <a:solidFill>
-                            <a:schemeClr val="dk1"/>
-                          </a:solidFill>
-                          <a:latin typeface="+mn-lt"/>
-                          <a:ea typeface="+mn-ea"/>
-                          <a:cs typeface="+mn-cs"/>
-                        </a:rPr>
-                        <a:t> </a:t>
-                      </a:r>
-                      <a:r>
-                        <a:rPr lang="en-US" sz="1400" kern="1200" dirty="0" err="1" smtClean="0">
-                          <a:solidFill>
-                            <a:schemeClr val="dk1"/>
-                          </a:solidFill>
-                          <a:latin typeface="+mn-lt"/>
-                          <a:ea typeface="+mn-ea"/>
-                          <a:cs typeface="+mn-cs"/>
-                        </a:rPr>
-                        <a:t>transactionnelle</a:t>
-                      </a:r>
-                      <a:r>
-                        <a:rPr lang="en-US" sz="1400" kern="1200" dirty="0" smtClean="0">
-                          <a:solidFill>
-                            <a:schemeClr val="dk1"/>
-                          </a:solidFill>
-                          <a:latin typeface="+mn-lt"/>
-                          <a:ea typeface="+mn-ea"/>
-                          <a:cs typeface="+mn-cs"/>
-                        </a:rPr>
-                        <a:t>, </a:t>
-                      </a:r>
-                      <a:r>
-                        <a:rPr lang="en-US" sz="1400" kern="1200" dirty="0" err="1" smtClean="0">
-                          <a:solidFill>
-                            <a:schemeClr val="dk1"/>
-                          </a:solidFill>
-                          <a:latin typeface="+mn-lt"/>
-                          <a:ea typeface="+mn-ea"/>
-                          <a:cs typeface="+mn-cs"/>
-                        </a:rPr>
-                        <a:t>réplication</a:t>
-                      </a:r>
-                      <a:r>
-                        <a:rPr lang="en-US" sz="1400" kern="1200" dirty="0" smtClean="0">
-                          <a:solidFill>
-                            <a:schemeClr val="dk1"/>
-                          </a:solidFill>
-                          <a:latin typeface="+mn-lt"/>
-                          <a:ea typeface="+mn-ea"/>
-                          <a:cs typeface="+mn-cs"/>
-                        </a:rPr>
-                        <a:t> de fusion).</a:t>
-                      </a:r>
-                    </a:p>
-                    <a:p>
-                      <a:pPr marL="0" algn="l" defTabSz="914400" rtl="0" eaLnBrk="1" latinLnBrk="0" hangingPunct="1">
-                        <a:lnSpc>
-                          <a:spcPct val="100000"/>
-                        </a:lnSpc>
-                      </a:pPr>
-                      <a:r>
-                        <a:rPr lang="en-US" sz="1400" kern="1200" dirty="0" err="1" smtClean="0">
-                          <a:solidFill>
-                            <a:schemeClr val="dk1"/>
-                          </a:solidFill>
-                          <a:latin typeface="+mn-lt"/>
-                          <a:ea typeface="+mn-ea"/>
-                          <a:cs typeface="+mn-cs"/>
-                        </a:rPr>
-                        <a:t>Siteweb:</a:t>
-                      </a:r>
-                      <a:r>
-                        <a:rPr lang="en-US" sz="1400" kern="1200" dirty="0" err="1" smtClean="0">
-                          <a:solidFill>
-                            <a:srgbClr val="FF0000"/>
-                          </a:solidFill>
-                          <a:latin typeface="+mn-lt"/>
-                          <a:ea typeface="+mn-ea"/>
-                          <a:cs typeface="+mn-cs"/>
-                        </a:rPr>
-                        <a:t>http</a:t>
-                      </a:r>
-                      <a:r>
-                        <a:rPr lang="en-US" sz="1400" kern="1200" dirty="0" smtClean="0">
-                          <a:solidFill>
-                            <a:srgbClr val="FF0000"/>
-                          </a:solidFill>
-                          <a:latin typeface="+mn-lt"/>
-                          <a:ea typeface="+mn-ea"/>
-                          <a:cs typeface="+mn-cs"/>
-                        </a:rPr>
-                        <a:t>://</a:t>
-                      </a:r>
-                      <a:r>
-                        <a:rPr lang="en-US" sz="1400" kern="1200" dirty="0" err="1" smtClean="0">
-                          <a:solidFill>
-                            <a:srgbClr val="FF0000"/>
-                          </a:solidFill>
-                          <a:latin typeface="+mn-lt"/>
-                          <a:ea typeface="+mn-ea"/>
-                          <a:cs typeface="+mn-cs"/>
-                        </a:rPr>
-                        <a:t>msdn.microsoft.com</a:t>
-                      </a:r>
-                      <a:r>
-                        <a:rPr lang="en-US" sz="1400" kern="1200" dirty="0" smtClean="0">
-                          <a:solidFill>
-                            <a:srgbClr val="FF0000"/>
-                          </a:solidFill>
-                          <a:latin typeface="+mn-lt"/>
-                          <a:ea typeface="+mn-ea"/>
-                          <a:cs typeface="+mn-cs"/>
-                        </a:rPr>
-                        <a:t>/</a:t>
-                      </a:r>
-                      <a:r>
-                        <a:rPr lang="en-US" sz="1400" kern="1200" dirty="0" err="1" smtClean="0">
-                          <a:solidFill>
-                            <a:srgbClr val="FF0000"/>
-                          </a:solidFill>
-                          <a:latin typeface="+mn-lt"/>
-                          <a:ea typeface="+mn-ea"/>
-                          <a:cs typeface="+mn-cs"/>
-                        </a:rPr>
-                        <a:t>frfr</a:t>
-                      </a:r>
-                      <a:r>
-                        <a:rPr lang="en-US" sz="1400" kern="1200" dirty="0" smtClean="0">
-                          <a:solidFill>
-                            <a:srgbClr val="FF0000"/>
-                          </a:solidFill>
-                          <a:latin typeface="+mn-lt"/>
-                          <a:ea typeface="+mn-ea"/>
-                          <a:cs typeface="+mn-cs"/>
-                        </a:rPr>
-                        <a:t>/library/ms152565%28v=sql.105%29.aspx</a:t>
-                      </a:r>
-                      <a:endParaRPr lang="fr-FR" sz="1400" kern="1200" dirty="0" smtClean="0">
-                        <a:solidFill>
-                          <a:srgbClr val="FF0000"/>
-                        </a:solidFill>
-                        <a:latin typeface="+mn-lt"/>
-                        <a:ea typeface="+mn-ea"/>
-                        <a:cs typeface="+mn-cs"/>
-                      </a:endParaRPr>
-                    </a:p>
-                    <a:p>
-                      <a:pPr marL="0" algn="l" defTabSz="914400" rtl="0" eaLnBrk="1" latinLnBrk="0" hangingPunct="1">
-                        <a:lnSpc>
-                          <a:spcPct val="100000"/>
-                        </a:lnSpc>
-                      </a:pPr>
-                      <a:r>
-                        <a:rPr lang="en-US" sz="1400" kern="1200" dirty="0" smtClean="0">
-                          <a:solidFill>
-                            <a:schemeClr val="dk1"/>
-                          </a:solidFill>
-                          <a:latin typeface="+mn-lt"/>
-                          <a:ea typeface="+mn-ea"/>
-                          <a:cs typeface="+mn-cs"/>
-                        </a:rPr>
-                        <a:t>-</a:t>
-                      </a:r>
-                      <a:r>
-                        <a:rPr lang="en-US" sz="1400" kern="1200" dirty="0" err="1" smtClean="0">
-                          <a:solidFill>
-                            <a:schemeClr val="dk1"/>
-                          </a:solidFill>
-                          <a:latin typeface="+mn-lt"/>
-                          <a:ea typeface="+mn-ea"/>
-                          <a:cs typeface="+mn-cs"/>
-                        </a:rPr>
-                        <a:t>Définition</a:t>
-                      </a:r>
-                      <a:r>
-                        <a:rPr lang="en-US" sz="1400" kern="1200" dirty="0" smtClean="0">
-                          <a:solidFill>
-                            <a:schemeClr val="dk1"/>
-                          </a:solidFill>
-                          <a:latin typeface="+mn-lt"/>
-                          <a:ea typeface="+mn-ea"/>
-                          <a:cs typeface="+mn-cs"/>
+                          <a:latin typeface="Times New Roman"/>
+                          <a:ea typeface="Calibri"/>
+                          <a:cs typeface="Times New Roman"/>
                         </a:rPr>
                         <a:t> de prototypes</a:t>
                       </a:r>
@@ -6630,613 +6413,9 @@
                         <a:solidFill>
                           <a:schemeClr val="dk1"/>
                         </a:solidFill>
-                        <a:latin typeface="+mn-lt"/>
-                        <a:ea typeface="+mn-ea"/>
-                        <a:cs typeface="+mn-cs"/>
-                      </a:endParaRPr>
-                    </a:p>
-                  </a:txBody>
-                  <a:tcPr/>
-                </a:tc>
-              </a:tr>
-              <a:tr h="1000132">
-                <a:tc>
-                  <a:txBody>
-                    <a:bodyPr/>
-                    <a:lstStyle/>
-                    <a:p>
-                      <a:pPr marL="0" algn="l" defTabSz="914400" rtl="0" eaLnBrk="1" latinLnBrk="0" hangingPunct="1">
-                        <a:lnSpc>
-                          <a:spcPct val="100000"/>
-                        </a:lnSpc>
-                      </a:pPr>
-                      <a:r>
-                        <a:rPr lang="en-US" sz="1400" kern="1200" dirty="0" err="1" smtClean="0">
-                          <a:solidFill>
-                            <a:schemeClr val="dk1"/>
-                          </a:solidFill>
-                          <a:latin typeface="+mn-lt"/>
-                          <a:ea typeface="+mn-ea"/>
-                          <a:cs typeface="+mn-cs"/>
-                        </a:rPr>
-                        <a:t>Complexité</a:t>
-                      </a:r>
-                      <a:r>
-                        <a:rPr lang="en-US" sz="1400" kern="1200" dirty="0" smtClean="0">
-                          <a:solidFill>
-                            <a:schemeClr val="dk1"/>
-                          </a:solidFill>
-                          <a:latin typeface="+mn-lt"/>
-                          <a:ea typeface="+mn-ea"/>
-                          <a:cs typeface="+mn-cs"/>
-                        </a:rPr>
-                        <a:t> de la configuration et de la </a:t>
-                      </a:r>
-                      <a:r>
-                        <a:rPr lang="en-US" sz="1400" kern="1200" dirty="0" err="1" smtClean="0">
-                          <a:solidFill>
-                            <a:schemeClr val="dk1"/>
-                          </a:solidFill>
-                          <a:latin typeface="+mn-lt"/>
-                          <a:ea typeface="+mn-ea"/>
-                          <a:cs typeface="+mn-cs"/>
-                        </a:rPr>
-                        <a:t>mise</a:t>
-                      </a:r>
-                      <a:r>
-                        <a:rPr lang="en-US" sz="1400" kern="1200" dirty="0" smtClean="0">
-                          <a:solidFill>
-                            <a:schemeClr val="dk1"/>
-                          </a:solidFill>
-                          <a:latin typeface="+mn-lt"/>
-                          <a:ea typeface="+mn-ea"/>
-                          <a:cs typeface="+mn-cs"/>
-                        </a:rPr>
-                        <a:t> en place des </a:t>
-                      </a:r>
-                      <a:r>
-                        <a:rPr lang="en-US" sz="1400" kern="1200" dirty="0" err="1" smtClean="0">
-                          <a:solidFill>
-                            <a:schemeClr val="dk1"/>
-                          </a:solidFill>
-                          <a:latin typeface="+mn-lt"/>
-                          <a:ea typeface="+mn-ea"/>
-                          <a:cs typeface="+mn-cs"/>
-                        </a:rPr>
-                        <a:t>dépendances</a:t>
-                      </a:r>
-                      <a:r>
-                        <a:rPr lang="en-US" sz="1400" kern="1200" dirty="0" smtClean="0">
-                          <a:solidFill>
-                            <a:schemeClr val="dk1"/>
-                          </a:solidFill>
-                          <a:latin typeface="+mn-lt"/>
-                          <a:ea typeface="+mn-ea"/>
-                          <a:cs typeface="+mn-cs"/>
-                        </a:rPr>
-                        <a:t> au </a:t>
-                      </a:r>
-                      <a:r>
-                        <a:rPr lang="en-US" sz="1400" kern="1200" dirty="0" err="1" smtClean="0">
-                          <a:solidFill>
-                            <a:schemeClr val="dk1"/>
-                          </a:solidFill>
-                          <a:latin typeface="+mn-lt"/>
-                          <a:ea typeface="+mn-ea"/>
-                          <a:cs typeface="+mn-cs"/>
-                        </a:rPr>
-                        <a:t>niveau</a:t>
-                      </a:r>
-                      <a:r>
-                        <a:rPr lang="en-US" sz="1400" kern="1200" dirty="0" smtClean="0">
-                          <a:solidFill>
-                            <a:schemeClr val="dk1"/>
-                          </a:solidFill>
-                          <a:latin typeface="+mn-lt"/>
-                          <a:ea typeface="+mn-ea"/>
-                          <a:cs typeface="+mn-cs"/>
-                        </a:rPr>
-                        <a:t> de </a:t>
-                      </a:r>
-                      <a:r>
-                        <a:rPr lang="en-US" sz="1400" kern="1200" dirty="0" err="1" smtClean="0">
-                          <a:solidFill>
-                            <a:schemeClr val="dk1"/>
-                          </a:solidFill>
-                          <a:latin typeface="+mn-lt"/>
-                          <a:ea typeface="+mn-ea"/>
-                          <a:cs typeface="+mn-cs"/>
-                        </a:rPr>
-                        <a:t>l’environnement</a:t>
-                      </a:r>
-                      <a:r>
-                        <a:rPr lang="en-US" sz="1400" kern="1200" dirty="0" smtClean="0">
-                          <a:solidFill>
-                            <a:schemeClr val="dk1"/>
-                          </a:solidFill>
-                          <a:latin typeface="+mn-lt"/>
-                          <a:ea typeface="+mn-ea"/>
-                          <a:cs typeface="+mn-cs"/>
-                        </a:rPr>
-                        <a:t> de simulation </a:t>
-                      </a:r>
-                      <a:endParaRPr lang="fr-FR" sz="1400" kern="1200" dirty="0" smtClean="0">
-                        <a:solidFill>
-                          <a:schemeClr val="dk1"/>
-                        </a:solidFill>
-                        <a:latin typeface="+mn-lt"/>
-                        <a:ea typeface="+mn-ea"/>
-                        <a:cs typeface="+mn-cs"/>
-                      </a:endParaRPr>
-                    </a:p>
-                  </a:txBody>
-                  <a:tcPr/>
-                </a:tc>
-                <a:tc>
-                  <a:txBody>
-                    <a:bodyPr/>
-                    <a:lstStyle/>
-                    <a:p>
-                      <a:pPr>
-                        <a:lnSpc>
-                          <a:spcPct val="100000"/>
-                        </a:lnSpc>
-                      </a:pPr>
-                      <a:r>
-                        <a:rPr lang="en-US" sz="1400" kern="1200" dirty="0" err="1" smtClean="0">
-                          <a:solidFill>
-                            <a:schemeClr val="dk1"/>
-                          </a:solidFill>
-                          <a:latin typeface="+mn-lt"/>
-                          <a:ea typeface="+mn-ea"/>
-                          <a:cs typeface="+mn-cs"/>
-                        </a:rPr>
-                        <a:t>Risque</a:t>
-                      </a:r>
-                      <a:r>
-                        <a:rPr lang="en-US" sz="1400" kern="1200" dirty="0" smtClean="0">
-                          <a:solidFill>
-                            <a:schemeClr val="dk1"/>
-                          </a:solidFill>
-                          <a:latin typeface="+mn-lt"/>
-                          <a:ea typeface="+mn-ea"/>
-                          <a:cs typeface="+mn-cs"/>
-                        </a:rPr>
-                        <a:t> </a:t>
-                      </a:r>
-                      <a:r>
-                        <a:rPr lang="en-US" sz="1400" kern="1200" dirty="0" err="1" smtClean="0">
-                          <a:solidFill>
-                            <a:schemeClr val="dk1"/>
-                          </a:solidFill>
-                          <a:latin typeface="+mn-lt"/>
-                          <a:ea typeface="+mn-ea"/>
-                          <a:cs typeface="+mn-cs"/>
-                        </a:rPr>
-                        <a:t>que</a:t>
-                      </a:r>
-                      <a:r>
-                        <a:rPr lang="en-US" sz="1400" kern="1200" dirty="0" smtClean="0">
-                          <a:solidFill>
-                            <a:schemeClr val="dk1"/>
-                          </a:solidFill>
-                          <a:latin typeface="+mn-lt"/>
-                          <a:ea typeface="+mn-ea"/>
-                          <a:cs typeface="+mn-cs"/>
-                        </a:rPr>
-                        <a:t> </a:t>
-                      </a:r>
-                      <a:r>
-                        <a:rPr lang="en-US" sz="1400" kern="1200" dirty="0" err="1" smtClean="0">
-                          <a:solidFill>
-                            <a:schemeClr val="dk1"/>
-                          </a:solidFill>
-                          <a:latin typeface="+mn-lt"/>
-                          <a:ea typeface="+mn-ea"/>
-                          <a:cs typeface="+mn-cs"/>
-                        </a:rPr>
-                        <a:t>l’environnement</a:t>
-                      </a:r>
-                      <a:r>
-                        <a:rPr lang="en-US" sz="1400" kern="1200" dirty="0" smtClean="0">
-                          <a:solidFill>
-                            <a:schemeClr val="dk1"/>
-                          </a:solidFill>
-                          <a:latin typeface="+mn-lt"/>
-                          <a:ea typeface="+mn-ea"/>
-                          <a:cs typeface="+mn-cs"/>
-                        </a:rPr>
-                        <a:t> de simulation ne </a:t>
-                      </a:r>
-                      <a:r>
-                        <a:rPr lang="en-US" sz="1400" kern="1200" dirty="0" err="1" smtClean="0">
-                          <a:solidFill>
-                            <a:schemeClr val="dk1"/>
-                          </a:solidFill>
-                          <a:latin typeface="+mn-lt"/>
-                          <a:ea typeface="+mn-ea"/>
-                          <a:cs typeface="+mn-cs"/>
-                        </a:rPr>
-                        <a:t>s’exécute</a:t>
-                      </a:r>
-                      <a:r>
-                        <a:rPr lang="en-US" sz="1400" kern="1200" dirty="0" smtClean="0">
-                          <a:solidFill>
-                            <a:schemeClr val="dk1"/>
-                          </a:solidFill>
-                          <a:latin typeface="+mn-lt"/>
-                          <a:ea typeface="+mn-ea"/>
-                          <a:cs typeface="+mn-cs"/>
-                        </a:rPr>
-                        <a:t> pas </a:t>
-                      </a:r>
-                      <a:r>
-                        <a:rPr lang="en-US" sz="1400" kern="1200" dirty="0" err="1" smtClean="0">
-                          <a:solidFill>
-                            <a:schemeClr val="dk1"/>
-                          </a:solidFill>
-                          <a:latin typeface="+mn-lt"/>
-                          <a:ea typeface="+mn-ea"/>
-                          <a:cs typeface="+mn-cs"/>
-                        </a:rPr>
-                        <a:t>sur</a:t>
-                      </a:r>
-                      <a:r>
-                        <a:rPr lang="en-US" sz="1400" kern="1200" dirty="0" smtClean="0">
-                          <a:solidFill>
-                            <a:schemeClr val="dk1"/>
-                          </a:solidFill>
-                          <a:latin typeface="+mn-lt"/>
-                          <a:ea typeface="+mn-ea"/>
-                          <a:cs typeface="+mn-cs"/>
-                        </a:rPr>
-                        <a:t> </a:t>
-                      </a:r>
-                      <a:r>
-                        <a:rPr lang="en-US" sz="1400" kern="1200" dirty="0" err="1" smtClean="0">
-                          <a:solidFill>
-                            <a:schemeClr val="dk1"/>
-                          </a:solidFill>
-                          <a:latin typeface="+mn-lt"/>
-                          <a:ea typeface="+mn-ea"/>
-                          <a:cs typeface="+mn-cs"/>
-                        </a:rPr>
-                        <a:t>n’importe</a:t>
-                      </a:r>
-                      <a:r>
-                        <a:rPr lang="en-US" sz="1400" kern="1200" dirty="0" smtClean="0">
-                          <a:solidFill>
-                            <a:schemeClr val="dk1"/>
-                          </a:solidFill>
-                          <a:latin typeface="+mn-lt"/>
-                          <a:ea typeface="+mn-ea"/>
-                          <a:cs typeface="+mn-cs"/>
-                        </a:rPr>
-                        <a:t> </a:t>
-                      </a:r>
-                      <a:r>
-                        <a:rPr lang="en-US" sz="1400" kern="1200" dirty="0" err="1" smtClean="0">
-                          <a:solidFill>
-                            <a:schemeClr val="dk1"/>
-                          </a:solidFill>
-                          <a:latin typeface="+mn-lt"/>
-                          <a:ea typeface="+mn-ea"/>
-                          <a:cs typeface="+mn-cs"/>
-                        </a:rPr>
-                        <a:t>quel</a:t>
-                      </a:r>
-                      <a:r>
-                        <a:rPr lang="en-US" sz="1400" kern="1200" dirty="0" smtClean="0">
-                          <a:solidFill>
-                            <a:schemeClr val="dk1"/>
-                          </a:solidFill>
-                          <a:latin typeface="+mn-lt"/>
-                          <a:ea typeface="+mn-ea"/>
-                          <a:cs typeface="+mn-cs"/>
-                        </a:rPr>
-                        <a:t> </a:t>
-                      </a:r>
-                      <a:r>
-                        <a:rPr lang="en-US" sz="1400" kern="1200" dirty="0" err="1" smtClean="0">
-                          <a:solidFill>
-                            <a:schemeClr val="dk1"/>
-                          </a:solidFill>
-                          <a:latin typeface="+mn-lt"/>
-                          <a:ea typeface="+mn-ea"/>
-                          <a:cs typeface="+mn-cs"/>
-                        </a:rPr>
-                        <a:t>réseau</a:t>
-                      </a:r>
-                      <a:endParaRPr lang="fr-FR" sz="1400" kern="1200" dirty="0" smtClean="0">
-                        <a:solidFill>
-                          <a:schemeClr val="dk1"/>
-                        </a:solidFill>
-                        <a:latin typeface="+mn-lt"/>
-                        <a:ea typeface="+mn-ea"/>
-                        <a:cs typeface="+mn-cs"/>
-                      </a:endParaRPr>
-                    </a:p>
-                  </a:txBody>
-                  <a:tcPr/>
-                </a:tc>
-                <a:tc>
-                  <a:txBody>
-                    <a:bodyPr/>
-                    <a:lstStyle/>
-                    <a:p>
-                      <a:pPr>
-                        <a:lnSpc>
-                          <a:spcPct val="100000"/>
-                        </a:lnSpc>
-                      </a:pPr>
-                      <a:r>
-                        <a:rPr lang="fr-FR" dirty="0" smtClean="0"/>
-                        <a:t>9</a:t>
-                      </a:r>
-                      <a:endParaRPr lang="fr-FR" dirty="0"/>
-                    </a:p>
-                  </a:txBody>
-                  <a:tcPr/>
-                </a:tc>
-                <a:tc>
-                  <a:txBody>
-                    <a:bodyPr/>
-                    <a:lstStyle/>
-                    <a:p>
-                      <a:pPr>
-                        <a:lnSpc>
-                          <a:spcPct val="100000"/>
-                        </a:lnSpc>
-                      </a:pPr>
-                      <a:r>
-                        <a:rPr lang="en-US" sz="1800" kern="1200" dirty="0" smtClean="0">
-                          <a:solidFill>
-                            <a:schemeClr val="dk1"/>
-                          </a:solidFill>
-                          <a:latin typeface="Tahoma" pitchFamily="34" charset="0"/>
-                          <a:ea typeface="+mn-ea"/>
-                          <a:cs typeface="Tahoma" pitchFamily="34" charset="0"/>
-                        </a:rPr>
-                        <a:t>-</a:t>
-                      </a:r>
-                      <a:r>
-                        <a:rPr lang="en-US" sz="1400" kern="1200" dirty="0" smtClean="0">
-                          <a:solidFill>
-                            <a:schemeClr val="dk1"/>
-                          </a:solidFill>
-                          <a:latin typeface="+mn-lt"/>
-                          <a:ea typeface="+mn-ea"/>
-                          <a:cs typeface="+mn-cs"/>
-                        </a:rPr>
-                        <a:t>Conception d’un </a:t>
-                      </a:r>
-                      <a:r>
-                        <a:rPr lang="en-US" sz="1400" kern="1200" dirty="0" err="1" smtClean="0">
-                          <a:solidFill>
-                            <a:schemeClr val="dk1"/>
-                          </a:solidFill>
-                          <a:latin typeface="+mn-lt"/>
-                          <a:ea typeface="+mn-ea"/>
-                          <a:cs typeface="+mn-cs"/>
-                        </a:rPr>
-                        <a:t>système</a:t>
-                      </a:r>
-                      <a:r>
-                        <a:rPr lang="en-US" sz="1400" kern="1200" dirty="0" smtClean="0">
-                          <a:solidFill>
-                            <a:schemeClr val="dk1"/>
-                          </a:solidFill>
-                          <a:latin typeface="+mn-lt"/>
-                          <a:ea typeface="+mn-ea"/>
-                          <a:cs typeface="+mn-cs"/>
-                        </a:rPr>
-                        <a:t> de simulation </a:t>
-                      </a:r>
-                      <a:r>
-                        <a:rPr lang="en-US" sz="1400" kern="1200" dirty="0" err="1" smtClean="0">
-                          <a:solidFill>
-                            <a:schemeClr val="dk1"/>
-                          </a:solidFill>
-                          <a:latin typeface="+mn-lt"/>
-                          <a:ea typeface="+mn-ea"/>
-                          <a:cs typeface="+mn-cs"/>
-                        </a:rPr>
-                        <a:t>paramétrable</a:t>
-                      </a:r>
-                      <a:r>
-                        <a:rPr lang="en-US" sz="1400" kern="1200" dirty="0" smtClean="0">
-                          <a:solidFill>
-                            <a:schemeClr val="dk1"/>
-                          </a:solidFill>
-                          <a:latin typeface="+mn-lt"/>
-                          <a:ea typeface="+mn-ea"/>
-                          <a:cs typeface="+mn-cs"/>
-                        </a:rPr>
-                        <a:t> (</a:t>
-                      </a:r>
-                      <a:r>
-                        <a:rPr lang="en-US" sz="1400" kern="1200" dirty="0" err="1" smtClean="0">
-                          <a:solidFill>
-                            <a:schemeClr val="dk1"/>
-                          </a:solidFill>
-                          <a:latin typeface="+mn-lt"/>
-                          <a:ea typeface="+mn-ea"/>
-                          <a:cs typeface="+mn-cs"/>
-                        </a:rPr>
-                        <a:t>il</a:t>
-                      </a:r>
-                      <a:r>
-                        <a:rPr lang="en-US" sz="1400" kern="1200" dirty="0" smtClean="0">
-                          <a:solidFill>
-                            <a:schemeClr val="dk1"/>
-                          </a:solidFill>
-                          <a:latin typeface="+mn-lt"/>
-                          <a:ea typeface="+mn-ea"/>
-                          <a:cs typeface="+mn-cs"/>
-                        </a:rPr>
-                        <a:t> </a:t>
-                      </a:r>
-                      <a:r>
-                        <a:rPr lang="en-US" sz="1400" kern="1200" dirty="0" err="1" smtClean="0">
-                          <a:solidFill>
-                            <a:schemeClr val="dk1"/>
-                          </a:solidFill>
-                          <a:latin typeface="+mn-lt"/>
-                          <a:ea typeface="+mn-ea"/>
-                          <a:cs typeface="+mn-cs"/>
-                        </a:rPr>
-                        <a:t>prend</a:t>
-                      </a:r>
-                      <a:r>
-                        <a:rPr lang="en-US" sz="1400" kern="1200" dirty="0" smtClean="0">
-                          <a:solidFill>
-                            <a:schemeClr val="dk1"/>
-                          </a:solidFill>
-                          <a:latin typeface="+mn-lt"/>
-                          <a:ea typeface="+mn-ea"/>
-                          <a:cs typeface="+mn-cs"/>
-                        </a:rPr>
-                        <a:t> la </a:t>
-                      </a:r>
-                      <a:r>
-                        <a:rPr lang="en-US" sz="1400" kern="1200" dirty="0" err="1" smtClean="0">
-                          <a:solidFill>
-                            <a:schemeClr val="dk1"/>
-                          </a:solidFill>
-                          <a:latin typeface="+mn-lt"/>
-                          <a:ea typeface="+mn-ea"/>
-                          <a:cs typeface="+mn-cs"/>
-                        </a:rPr>
-                        <a:t>taille</a:t>
-                      </a:r>
-                      <a:r>
-                        <a:rPr lang="en-US" sz="1400" kern="1200" dirty="0" smtClean="0">
-                          <a:solidFill>
-                            <a:schemeClr val="dk1"/>
-                          </a:solidFill>
-                          <a:latin typeface="+mn-lt"/>
-                          <a:ea typeface="+mn-ea"/>
-                          <a:cs typeface="+mn-cs"/>
-                        </a:rPr>
-                        <a:t> du </a:t>
-                      </a:r>
-                      <a:r>
-                        <a:rPr lang="en-US" sz="1400" kern="1200" dirty="0" err="1" smtClean="0">
-                          <a:solidFill>
-                            <a:schemeClr val="dk1"/>
-                          </a:solidFill>
-                          <a:latin typeface="+mn-lt"/>
-                          <a:ea typeface="+mn-ea"/>
-                          <a:cs typeface="+mn-cs"/>
-                        </a:rPr>
-                        <a:t>réseau</a:t>
-                      </a:r>
-                      <a:r>
-                        <a:rPr lang="en-US" sz="1400" kern="1200" dirty="0" smtClean="0">
-                          <a:solidFill>
-                            <a:schemeClr val="dk1"/>
-                          </a:solidFill>
-                          <a:latin typeface="+mn-lt"/>
-                          <a:ea typeface="+mn-ea"/>
-                          <a:cs typeface="+mn-cs"/>
-                        </a:rPr>
-                        <a:t> en </a:t>
-                      </a:r>
-                      <a:r>
-                        <a:rPr lang="en-US" sz="1400" kern="1200" dirty="0" err="1" smtClean="0">
-                          <a:solidFill>
-                            <a:schemeClr val="dk1"/>
-                          </a:solidFill>
-                          <a:latin typeface="+mn-lt"/>
-                          <a:ea typeface="+mn-ea"/>
-                          <a:cs typeface="+mn-cs"/>
-                        </a:rPr>
-                        <a:t>paramètre</a:t>
-                      </a:r>
-                      <a:r>
-                        <a:rPr lang="en-US" sz="1400" kern="1200" dirty="0" smtClean="0">
-                          <a:solidFill>
-                            <a:schemeClr val="dk1"/>
-                          </a:solidFill>
-                          <a:latin typeface="+mn-lt"/>
-                          <a:ea typeface="+mn-ea"/>
-                          <a:cs typeface="+mn-cs"/>
-                        </a:rPr>
-                        <a:t> et </a:t>
-                      </a:r>
-                      <a:r>
-                        <a:rPr lang="en-US" sz="1400" kern="1200" dirty="0" err="1" smtClean="0">
-                          <a:solidFill>
-                            <a:schemeClr val="dk1"/>
-                          </a:solidFill>
-                          <a:latin typeface="+mn-lt"/>
-                          <a:ea typeface="+mn-ea"/>
-                          <a:cs typeface="+mn-cs"/>
-                        </a:rPr>
-                        <a:t>s’adapte</a:t>
-                      </a:r>
-                      <a:r>
-                        <a:rPr lang="en-US" sz="1400" kern="1200" dirty="0" smtClean="0">
-                          <a:solidFill>
-                            <a:schemeClr val="dk1"/>
-                          </a:solidFill>
-                          <a:latin typeface="+mn-lt"/>
-                          <a:ea typeface="+mn-ea"/>
-                          <a:cs typeface="+mn-cs"/>
-                        </a:rPr>
-                        <a:t> à </a:t>
-                      </a:r>
-                      <a:r>
-                        <a:rPr lang="en-US" sz="1400" kern="1200" dirty="0" err="1" smtClean="0">
-                          <a:solidFill>
-                            <a:schemeClr val="dk1"/>
-                          </a:solidFill>
-                          <a:latin typeface="+mn-lt"/>
-                          <a:ea typeface="+mn-ea"/>
-                          <a:cs typeface="+mn-cs"/>
-                        </a:rPr>
-                        <a:t>cette</a:t>
-                      </a:r>
-                      <a:r>
-                        <a:rPr lang="en-US" sz="1400" kern="1200" dirty="0" smtClean="0">
-                          <a:solidFill>
-                            <a:schemeClr val="dk1"/>
-                          </a:solidFill>
-                          <a:latin typeface="+mn-lt"/>
-                          <a:ea typeface="+mn-ea"/>
-                          <a:cs typeface="+mn-cs"/>
-                        </a:rPr>
-                        <a:t> </a:t>
-                      </a:r>
-                      <a:r>
-                        <a:rPr lang="en-US" sz="1400" kern="1200" dirty="0" err="1" smtClean="0">
-                          <a:solidFill>
-                            <a:schemeClr val="dk1"/>
-                          </a:solidFill>
-                          <a:latin typeface="+mn-lt"/>
-                          <a:ea typeface="+mn-ea"/>
-                          <a:cs typeface="+mn-cs"/>
-                        </a:rPr>
-                        <a:t>dernière</a:t>
-                      </a:r>
-                      <a:r>
-                        <a:rPr lang="en-US" sz="1400" kern="1200" dirty="0" smtClean="0">
-                          <a:solidFill>
-                            <a:schemeClr val="dk1"/>
-                          </a:solidFill>
-                          <a:latin typeface="+mn-lt"/>
-                          <a:ea typeface="+mn-ea"/>
-                          <a:cs typeface="+mn-cs"/>
-                        </a:rPr>
-                        <a:t> par ex)</a:t>
-                      </a:r>
-                      <a:endParaRPr lang="fr-FR" sz="1400" kern="1200" dirty="0" smtClean="0">
-                        <a:solidFill>
-                          <a:schemeClr val="dk1"/>
-                        </a:solidFill>
-                        <a:latin typeface="+mn-lt"/>
-                        <a:ea typeface="+mn-ea"/>
-                        <a:cs typeface="+mn-cs"/>
+                        <a:latin typeface="Times New Roman"/>
+                        <a:ea typeface="Calibri"/>
+                        <a:cs typeface="Times New Roman"/>
                       </a:endParaRPr>
                     </a:p>
                   </a:txBody>
@@ -7278,7 +6457,7 @@
     </p:spTree>
     <p:extLst>
       <p:ext uri="{BB962C8B-B14F-4D97-AF65-F5344CB8AC3E}">
-        <p14:creationId xmlns:p14="http://schemas.microsoft.com/office/powerpoint/2010/main" val="3388311297"/>
+        <p14:creationId xmlns:p14="http://schemas.microsoft.com/office/powerpoint/2010/main" xmlns="" val="3388311297"/>
       </p:ext>
     </p:extLst>
   </p:cSld>
@@ -7322,14 +6501,14 @@
             <p:ph idx="1"/>
             <p:extLst>
               <p:ext uri="{D42A27DB-BD31-4B8C-83A1-F6EECF244321}">
-                <p14:modId xmlns:p14="http://schemas.microsoft.com/office/powerpoint/2010/main" val="1037633673"/>
+                <p14:modId xmlns:p14="http://schemas.microsoft.com/office/powerpoint/2010/main" xmlns="" val="1037633673"/>
               </p:ext>
             </p:extLst>
           </p:nvPr>
         </p:nvGraphicFramePr>
         <p:xfrm>
           <a:off x="1" y="1166354"/>
-          <a:ext cx="9143999" cy="5005846"/>
+          <a:ext cx="9143999" cy="6164086"/>
         </p:xfrm>
         <a:graphic>
           <a:graphicData uri="http://schemas.openxmlformats.org/drawingml/2006/table">
@@ -7404,6 +6583,635 @@
                         <a:t>Plan d’action</a:t>
                       </a:r>
                       <a:endParaRPr lang="fr-FR" dirty="0"/>
+                    </a:p>
+                  </a:txBody>
+                  <a:tcPr/>
+                </a:tc>
+              </a:tr>
+              <a:tr h="1060482">
+                <a:tc>
+                  <a:txBody>
+                    <a:bodyPr/>
+                    <a:lstStyle/>
+                    <a:p>
+                      <a:pPr marL="0" marR="0" indent="0" algn="just" defTabSz="914400" rtl="0" eaLnBrk="1" fontAlgn="auto" latinLnBrk="0" hangingPunct="1">
+                        <a:lnSpc>
+                          <a:spcPct val="100000"/>
+                        </a:lnSpc>
+                        <a:spcBef>
+                          <a:spcPts val="0"/>
+                        </a:spcBef>
+                        <a:spcAft>
+                          <a:spcPts val="1000"/>
+                        </a:spcAft>
+                        <a:buClrTx/>
+                        <a:buSzTx/>
+                        <a:buFontTx/>
+                        <a:buNone/>
+                        <a:tabLst/>
+                        <a:defRPr/>
+                      </a:pPr>
+                      <a:r>
+                        <a:rPr lang="en-US" sz="1400" kern="1200" dirty="0" err="1" smtClean="0">
+                          <a:solidFill>
+                            <a:schemeClr val="dk1"/>
+                          </a:solidFill>
+                          <a:latin typeface="Times New Roman"/>
+                          <a:ea typeface="Calibri"/>
+                          <a:cs typeface="Times New Roman"/>
+                        </a:rPr>
+                        <a:t>Complexité</a:t>
+                      </a:r>
+                      <a:r>
+                        <a:rPr lang="en-US" sz="1400" kern="1200" dirty="0" smtClean="0">
+                          <a:solidFill>
+                            <a:schemeClr val="dk1"/>
+                          </a:solidFill>
+                          <a:latin typeface="Times New Roman"/>
+                          <a:ea typeface="Calibri"/>
+                          <a:cs typeface="Times New Roman"/>
+                        </a:rPr>
+                        <a:t> de la configuration et de la </a:t>
+                      </a:r>
+                      <a:r>
+                        <a:rPr lang="en-US" sz="1400" kern="1200" dirty="0" err="1" smtClean="0">
+                          <a:solidFill>
+                            <a:schemeClr val="dk1"/>
+                          </a:solidFill>
+                          <a:latin typeface="Times New Roman"/>
+                          <a:ea typeface="Calibri"/>
+                          <a:cs typeface="Times New Roman"/>
+                        </a:rPr>
+                        <a:t>mise</a:t>
+                      </a:r>
+                      <a:r>
+                        <a:rPr lang="en-US" sz="1400" kern="1200" dirty="0" smtClean="0">
+                          <a:solidFill>
+                            <a:schemeClr val="dk1"/>
+                          </a:solidFill>
+                          <a:latin typeface="Times New Roman"/>
+                          <a:ea typeface="Calibri"/>
+                          <a:cs typeface="Times New Roman"/>
+                        </a:rPr>
+                        <a:t> en place des </a:t>
+                      </a:r>
+                      <a:r>
+                        <a:rPr lang="en-US" sz="1400" kern="1200" dirty="0" err="1" smtClean="0">
+                          <a:solidFill>
+                            <a:schemeClr val="dk1"/>
+                          </a:solidFill>
+                          <a:latin typeface="Times New Roman"/>
+                          <a:ea typeface="Calibri"/>
+                          <a:cs typeface="Times New Roman"/>
+                        </a:rPr>
+                        <a:t>dépendances</a:t>
+                      </a:r>
+                      <a:r>
+                        <a:rPr lang="en-US" sz="1400" kern="1200" dirty="0" smtClean="0">
+                          <a:solidFill>
+                            <a:schemeClr val="dk1"/>
+                          </a:solidFill>
+                          <a:latin typeface="Times New Roman"/>
+                          <a:ea typeface="Calibri"/>
+                          <a:cs typeface="Times New Roman"/>
+                        </a:rPr>
+                        <a:t> au </a:t>
+                      </a:r>
+                      <a:r>
+                        <a:rPr lang="en-US" sz="1400" kern="1200" dirty="0" err="1" smtClean="0">
+                          <a:solidFill>
+                            <a:schemeClr val="dk1"/>
+                          </a:solidFill>
+                          <a:latin typeface="Times New Roman"/>
+                          <a:ea typeface="Calibri"/>
+                          <a:cs typeface="Times New Roman"/>
+                        </a:rPr>
+                        <a:t>niveau</a:t>
+                      </a:r>
+                      <a:r>
+                        <a:rPr lang="en-US" sz="1400" kern="1200" dirty="0" smtClean="0">
+                          <a:solidFill>
+                            <a:schemeClr val="dk1"/>
+                          </a:solidFill>
+                          <a:latin typeface="Times New Roman"/>
+                          <a:ea typeface="Calibri"/>
+                          <a:cs typeface="Times New Roman"/>
+                        </a:rPr>
+                        <a:t> de </a:t>
+                      </a:r>
+                      <a:r>
+                        <a:rPr lang="en-US" sz="1400" kern="1200" dirty="0" err="1" smtClean="0">
+                          <a:solidFill>
+                            <a:schemeClr val="dk1"/>
+                          </a:solidFill>
+                          <a:latin typeface="Times New Roman"/>
+                          <a:ea typeface="Calibri"/>
+                          <a:cs typeface="Times New Roman"/>
+                        </a:rPr>
+                        <a:t>l’environnement</a:t>
+                      </a:r>
+                      <a:r>
+                        <a:rPr lang="en-US" sz="1400" kern="1200" dirty="0" smtClean="0">
+                          <a:solidFill>
+                            <a:schemeClr val="dk1"/>
+                          </a:solidFill>
+                          <a:latin typeface="Times New Roman"/>
+                          <a:ea typeface="Calibri"/>
+                          <a:cs typeface="Times New Roman"/>
+                        </a:rPr>
+                        <a:t> de simulation </a:t>
+                      </a:r>
+                      <a:endParaRPr lang="fr-FR" sz="1400" kern="1200" dirty="0" smtClean="0">
+                        <a:solidFill>
+                          <a:schemeClr val="dk1"/>
+                        </a:solidFill>
+                        <a:latin typeface="Times New Roman"/>
+                        <a:ea typeface="Calibri"/>
+                        <a:cs typeface="Times New Roman"/>
+                      </a:endParaRPr>
+                    </a:p>
+                  </a:txBody>
+                  <a:tcPr/>
+                </a:tc>
+                <a:tc>
+                  <a:txBody>
+                    <a:bodyPr/>
+                    <a:lstStyle/>
+                    <a:p>
+                      <a:pPr marL="0" marR="0" indent="0" algn="just" defTabSz="914400" rtl="0" eaLnBrk="1" fontAlgn="auto" latinLnBrk="0" hangingPunct="1">
+                        <a:lnSpc>
+                          <a:spcPct val="100000"/>
+                        </a:lnSpc>
+                        <a:spcBef>
+                          <a:spcPts val="0"/>
+                        </a:spcBef>
+                        <a:spcAft>
+                          <a:spcPts val="1000"/>
+                        </a:spcAft>
+                        <a:buClrTx/>
+                        <a:buSzTx/>
+                        <a:buFontTx/>
+                        <a:buNone/>
+                        <a:tabLst/>
+                        <a:defRPr/>
+                      </a:pPr>
+                      <a:r>
+                        <a:rPr lang="en-US" sz="1400" kern="1200" dirty="0" err="1" smtClean="0">
+                          <a:solidFill>
+                            <a:schemeClr val="dk1"/>
+                          </a:solidFill>
+                          <a:latin typeface="Times New Roman"/>
+                          <a:ea typeface="Calibri"/>
+                          <a:cs typeface="Times New Roman"/>
+                        </a:rPr>
+                        <a:t>Risque</a:t>
+                      </a:r>
+                      <a:r>
+                        <a:rPr lang="en-US" sz="1400" kern="1200" dirty="0" smtClean="0">
+                          <a:solidFill>
+                            <a:schemeClr val="dk1"/>
+                          </a:solidFill>
+                          <a:latin typeface="Times New Roman"/>
+                          <a:ea typeface="Calibri"/>
+                          <a:cs typeface="Times New Roman"/>
+                        </a:rPr>
+                        <a:t> </a:t>
+                      </a:r>
+                      <a:r>
+                        <a:rPr lang="en-US" sz="1400" kern="1200" dirty="0" err="1" smtClean="0">
+                          <a:solidFill>
+                            <a:schemeClr val="dk1"/>
+                          </a:solidFill>
+                          <a:latin typeface="Times New Roman"/>
+                          <a:ea typeface="Calibri"/>
+                          <a:cs typeface="Times New Roman"/>
+                        </a:rPr>
+                        <a:t>que</a:t>
+                      </a:r>
+                      <a:r>
+                        <a:rPr lang="en-US" sz="1400" kern="1200" dirty="0" smtClean="0">
+                          <a:solidFill>
+                            <a:schemeClr val="dk1"/>
+                          </a:solidFill>
+                          <a:latin typeface="Times New Roman"/>
+                          <a:ea typeface="Calibri"/>
+                          <a:cs typeface="Times New Roman"/>
+                        </a:rPr>
+                        <a:t> </a:t>
+                      </a:r>
+                      <a:r>
+                        <a:rPr lang="en-US" sz="1400" kern="1200" dirty="0" err="1" smtClean="0">
+                          <a:solidFill>
+                            <a:schemeClr val="dk1"/>
+                          </a:solidFill>
+                          <a:latin typeface="Times New Roman"/>
+                          <a:ea typeface="Calibri"/>
+                          <a:cs typeface="Times New Roman"/>
+                        </a:rPr>
+                        <a:t>l’environnement</a:t>
+                      </a:r>
+                      <a:r>
+                        <a:rPr lang="en-US" sz="1400" kern="1200" dirty="0" smtClean="0">
+                          <a:solidFill>
+                            <a:schemeClr val="dk1"/>
+                          </a:solidFill>
+                          <a:latin typeface="Times New Roman"/>
+                          <a:ea typeface="Calibri"/>
+                          <a:cs typeface="Times New Roman"/>
+                        </a:rPr>
+                        <a:t> de simulation ne </a:t>
+                      </a:r>
+                      <a:r>
+                        <a:rPr lang="en-US" sz="1400" kern="1200" dirty="0" err="1" smtClean="0">
+                          <a:solidFill>
+                            <a:schemeClr val="dk1"/>
+                          </a:solidFill>
+                          <a:latin typeface="Times New Roman"/>
+                          <a:ea typeface="Calibri"/>
+                          <a:cs typeface="Times New Roman"/>
+                        </a:rPr>
+                        <a:t>s’exécute</a:t>
+                      </a:r>
+                      <a:r>
+                        <a:rPr lang="en-US" sz="1400" kern="1200" dirty="0" smtClean="0">
+                          <a:solidFill>
+                            <a:schemeClr val="dk1"/>
+                          </a:solidFill>
+                          <a:latin typeface="Times New Roman"/>
+                          <a:ea typeface="Calibri"/>
+                          <a:cs typeface="Times New Roman"/>
+                        </a:rPr>
+                        <a:t> pas </a:t>
+                      </a:r>
+                      <a:r>
+                        <a:rPr lang="en-US" sz="1400" kern="1200" dirty="0" err="1" smtClean="0">
+                          <a:solidFill>
+                            <a:schemeClr val="dk1"/>
+                          </a:solidFill>
+                          <a:latin typeface="Times New Roman"/>
+                          <a:ea typeface="Calibri"/>
+                          <a:cs typeface="Times New Roman"/>
+                        </a:rPr>
+                        <a:t>sur</a:t>
+                      </a:r>
+                      <a:r>
+                        <a:rPr lang="en-US" sz="1400" kern="1200" dirty="0" smtClean="0">
+                          <a:solidFill>
+                            <a:schemeClr val="dk1"/>
+                          </a:solidFill>
+                          <a:latin typeface="Times New Roman"/>
+                          <a:ea typeface="Calibri"/>
+                          <a:cs typeface="Times New Roman"/>
+                        </a:rPr>
+                        <a:t> </a:t>
+                      </a:r>
+                      <a:r>
+                        <a:rPr lang="en-US" sz="1400" kern="1200" dirty="0" err="1" smtClean="0">
+                          <a:solidFill>
+                            <a:schemeClr val="dk1"/>
+                          </a:solidFill>
+                          <a:latin typeface="Times New Roman"/>
+                          <a:ea typeface="Calibri"/>
+                          <a:cs typeface="Times New Roman"/>
+                        </a:rPr>
+                        <a:t>n’importe</a:t>
+                      </a:r>
+                      <a:r>
+                        <a:rPr lang="en-US" sz="1400" kern="1200" dirty="0" smtClean="0">
+                          <a:solidFill>
+                            <a:schemeClr val="dk1"/>
+                          </a:solidFill>
+                          <a:latin typeface="Times New Roman"/>
+                          <a:ea typeface="Calibri"/>
+                          <a:cs typeface="Times New Roman"/>
+                        </a:rPr>
+                        <a:t> </a:t>
+                      </a:r>
+                      <a:r>
+                        <a:rPr lang="en-US" sz="1400" kern="1200" dirty="0" err="1" smtClean="0">
+                          <a:solidFill>
+                            <a:schemeClr val="dk1"/>
+                          </a:solidFill>
+                          <a:latin typeface="Times New Roman"/>
+                          <a:ea typeface="Calibri"/>
+                          <a:cs typeface="Times New Roman"/>
+                        </a:rPr>
+                        <a:t>quel</a:t>
+                      </a:r>
+                      <a:r>
+                        <a:rPr lang="en-US" sz="1400" kern="1200" dirty="0" smtClean="0">
+                          <a:solidFill>
+                            <a:schemeClr val="dk1"/>
+                          </a:solidFill>
+                          <a:latin typeface="Times New Roman"/>
+                          <a:ea typeface="Calibri"/>
+                          <a:cs typeface="Times New Roman"/>
+                        </a:rPr>
+                        <a:t> </a:t>
+                      </a:r>
+                      <a:r>
+                        <a:rPr lang="en-US" sz="1400" kern="1200" dirty="0" err="1" smtClean="0">
+                          <a:solidFill>
+                            <a:schemeClr val="dk1"/>
+                          </a:solidFill>
+                          <a:latin typeface="Times New Roman"/>
+                          <a:ea typeface="Calibri"/>
+                          <a:cs typeface="Times New Roman"/>
+                        </a:rPr>
+                        <a:t>réseau</a:t>
+                      </a:r>
+                      <a:endParaRPr lang="fr-FR" sz="1400" kern="1200" dirty="0" smtClean="0">
+                        <a:solidFill>
+                          <a:schemeClr val="dk1"/>
+                        </a:solidFill>
+                        <a:latin typeface="Times New Roman"/>
+                        <a:ea typeface="Calibri"/>
+                        <a:cs typeface="Times New Roman"/>
+                      </a:endParaRPr>
+                    </a:p>
+                  </a:txBody>
+                  <a:tcPr/>
+                </a:tc>
+                <a:tc>
+                  <a:txBody>
+                    <a:bodyPr/>
+                    <a:lstStyle/>
+                    <a:p>
+                      <a:pPr>
+                        <a:lnSpc>
+                          <a:spcPct val="100000"/>
+                        </a:lnSpc>
+                      </a:pPr>
+                      <a:r>
+                        <a:rPr lang="fr-FR" dirty="0" smtClean="0"/>
+                        <a:t>9</a:t>
+                      </a:r>
+                      <a:endParaRPr lang="fr-FR" dirty="0"/>
+                    </a:p>
+                  </a:txBody>
+                  <a:tcPr/>
+                </a:tc>
+                <a:tc>
+                  <a:txBody>
+                    <a:bodyPr/>
+                    <a:lstStyle/>
+                    <a:p>
+                      <a:pPr marL="0" marR="0" indent="0" algn="just" defTabSz="914400" rtl="0" eaLnBrk="1" fontAlgn="auto" latinLnBrk="0" hangingPunct="1">
+                        <a:lnSpc>
+                          <a:spcPct val="100000"/>
+                        </a:lnSpc>
+                        <a:spcBef>
+                          <a:spcPts val="0"/>
+                        </a:spcBef>
+                        <a:spcAft>
+                          <a:spcPts val="1000"/>
+                        </a:spcAft>
+                        <a:buClrTx/>
+                        <a:buSzTx/>
+                        <a:buFontTx/>
+                        <a:buNone/>
+                        <a:tabLst/>
+                        <a:defRPr/>
+                      </a:pPr>
+                      <a:r>
+                        <a:rPr lang="en-US" sz="1400" kern="1200" dirty="0" smtClean="0">
+                          <a:solidFill>
+                            <a:schemeClr val="dk1"/>
+                          </a:solidFill>
+                          <a:latin typeface="Times New Roman"/>
+                          <a:ea typeface="Calibri"/>
+                          <a:cs typeface="Times New Roman"/>
+                        </a:rPr>
+                        <a:t>-Conception d’un </a:t>
+                      </a:r>
+                      <a:r>
+                        <a:rPr lang="en-US" sz="1400" kern="1200" dirty="0" err="1" smtClean="0">
+                          <a:solidFill>
+                            <a:schemeClr val="dk1"/>
+                          </a:solidFill>
+                          <a:latin typeface="Times New Roman"/>
+                          <a:ea typeface="Calibri"/>
+                          <a:cs typeface="Times New Roman"/>
+                        </a:rPr>
+                        <a:t>système</a:t>
+                      </a:r>
+                      <a:r>
+                        <a:rPr lang="en-US" sz="1400" kern="1200" dirty="0" smtClean="0">
+                          <a:solidFill>
+                            <a:schemeClr val="dk1"/>
+                          </a:solidFill>
+                          <a:latin typeface="Times New Roman"/>
+                          <a:ea typeface="Calibri"/>
+                          <a:cs typeface="Times New Roman"/>
+                        </a:rPr>
+                        <a:t> de simulation </a:t>
+                      </a:r>
+                      <a:r>
+                        <a:rPr lang="en-US" sz="1400" kern="1200" dirty="0" err="1" smtClean="0">
+                          <a:solidFill>
+                            <a:schemeClr val="dk1"/>
+                          </a:solidFill>
+                          <a:latin typeface="Times New Roman"/>
+                          <a:ea typeface="Calibri"/>
+                          <a:cs typeface="Times New Roman"/>
+                        </a:rPr>
+                        <a:t>paramétrable</a:t>
+                      </a:r>
+                      <a:r>
+                        <a:rPr lang="en-US" sz="1400" kern="1200" dirty="0" smtClean="0">
+                          <a:solidFill>
+                            <a:schemeClr val="dk1"/>
+                          </a:solidFill>
+                          <a:latin typeface="Times New Roman"/>
+                          <a:ea typeface="Calibri"/>
+                          <a:cs typeface="Times New Roman"/>
+                        </a:rPr>
+                        <a:t> (</a:t>
+                      </a:r>
+                      <a:r>
+                        <a:rPr lang="en-US" sz="1400" kern="1200" dirty="0" err="1" smtClean="0">
+                          <a:solidFill>
+                            <a:schemeClr val="dk1"/>
+                          </a:solidFill>
+                          <a:latin typeface="Times New Roman"/>
+                          <a:ea typeface="Calibri"/>
+                          <a:cs typeface="Times New Roman"/>
+                        </a:rPr>
+                        <a:t>il</a:t>
+                      </a:r>
+                      <a:r>
+                        <a:rPr lang="en-US" sz="1400" kern="1200" dirty="0" smtClean="0">
+                          <a:solidFill>
+                            <a:schemeClr val="dk1"/>
+                          </a:solidFill>
+                          <a:latin typeface="Times New Roman"/>
+                          <a:ea typeface="Calibri"/>
+                          <a:cs typeface="Times New Roman"/>
+                        </a:rPr>
+                        <a:t> </a:t>
+                      </a:r>
+                      <a:r>
+                        <a:rPr lang="en-US" sz="1400" kern="1200" dirty="0" err="1" smtClean="0">
+                          <a:solidFill>
+                            <a:schemeClr val="dk1"/>
+                          </a:solidFill>
+                          <a:latin typeface="Times New Roman"/>
+                          <a:ea typeface="Calibri"/>
+                          <a:cs typeface="Times New Roman"/>
+                        </a:rPr>
+                        <a:t>prend</a:t>
+                      </a:r>
+                      <a:r>
+                        <a:rPr lang="en-US" sz="1400" kern="1200" dirty="0" smtClean="0">
+                          <a:solidFill>
+                            <a:schemeClr val="dk1"/>
+                          </a:solidFill>
+                          <a:latin typeface="Times New Roman"/>
+                          <a:ea typeface="Calibri"/>
+                          <a:cs typeface="Times New Roman"/>
+                        </a:rPr>
+                        <a:t> la </a:t>
+                      </a:r>
+                      <a:r>
+                        <a:rPr lang="en-US" sz="1400" kern="1200" dirty="0" err="1" smtClean="0">
+                          <a:solidFill>
+                            <a:schemeClr val="dk1"/>
+                          </a:solidFill>
+                          <a:latin typeface="Times New Roman"/>
+                          <a:ea typeface="Calibri"/>
+                          <a:cs typeface="Times New Roman"/>
+                        </a:rPr>
+                        <a:t>taille</a:t>
+                      </a:r>
+                      <a:r>
+                        <a:rPr lang="en-US" sz="1400" kern="1200" dirty="0" smtClean="0">
+                          <a:solidFill>
+                            <a:schemeClr val="dk1"/>
+                          </a:solidFill>
+                          <a:latin typeface="Times New Roman"/>
+                          <a:ea typeface="Calibri"/>
+                          <a:cs typeface="Times New Roman"/>
+                        </a:rPr>
+                        <a:t> du </a:t>
+                      </a:r>
+                      <a:r>
+                        <a:rPr lang="en-US" sz="1400" kern="1200" dirty="0" err="1" smtClean="0">
+                          <a:solidFill>
+                            <a:schemeClr val="dk1"/>
+                          </a:solidFill>
+                          <a:latin typeface="Times New Roman"/>
+                          <a:ea typeface="Calibri"/>
+                          <a:cs typeface="Times New Roman"/>
+                        </a:rPr>
+                        <a:t>réseau</a:t>
+                      </a:r>
+                      <a:r>
+                        <a:rPr lang="en-US" sz="1400" kern="1200" dirty="0" smtClean="0">
+                          <a:solidFill>
+                            <a:schemeClr val="dk1"/>
+                          </a:solidFill>
+                          <a:latin typeface="Times New Roman"/>
+                          <a:ea typeface="Calibri"/>
+                          <a:cs typeface="Times New Roman"/>
+                        </a:rPr>
+                        <a:t> en </a:t>
+                      </a:r>
+                      <a:r>
+                        <a:rPr lang="en-US" sz="1400" kern="1200" dirty="0" err="1" smtClean="0">
+                          <a:solidFill>
+                            <a:schemeClr val="dk1"/>
+                          </a:solidFill>
+                          <a:latin typeface="Times New Roman"/>
+                          <a:ea typeface="Calibri"/>
+                          <a:cs typeface="Times New Roman"/>
+                        </a:rPr>
+                        <a:t>paramètre</a:t>
+                      </a:r>
+                      <a:r>
+                        <a:rPr lang="en-US" sz="1400" kern="1200" dirty="0" smtClean="0">
+                          <a:solidFill>
+                            <a:schemeClr val="dk1"/>
+                          </a:solidFill>
+                          <a:latin typeface="Times New Roman"/>
+                          <a:ea typeface="Calibri"/>
+                          <a:cs typeface="Times New Roman"/>
+                        </a:rPr>
+                        <a:t> et </a:t>
+                      </a:r>
+                      <a:r>
+                        <a:rPr lang="en-US" sz="1400" kern="1200" dirty="0" err="1" smtClean="0">
+                          <a:solidFill>
+                            <a:schemeClr val="dk1"/>
+                          </a:solidFill>
+                          <a:latin typeface="Times New Roman"/>
+                          <a:ea typeface="Calibri"/>
+                          <a:cs typeface="Times New Roman"/>
+                        </a:rPr>
+                        <a:t>s’adapte</a:t>
+                      </a:r>
+                      <a:r>
+                        <a:rPr lang="en-US" sz="1400" kern="1200" dirty="0" smtClean="0">
+                          <a:solidFill>
+                            <a:schemeClr val="dk1"/>
+                          </a:solidFill>
+                          <a:latin typeface="Times New Roman"/>
+                          <a:ea typeface="Calibri"/>
+                          <a:cs typeface="Times New Roman"/>
+                        </a:rPr>
+                        <a:t> à </a:t>
+                      </a:r>
+                      <a:r>
+                        <a:rPr lang="en-US" sz="1400" kern="1200" dirty="0" err="1" smtClean="0">
+                          <a:solidFill>
+                            <a:schemeClr val="dk1"/>
+                          </a:solidFill>
+                          <a:latin typeface="Times New Roman"/>
+                          <a:ea typeface="Calibri"/>
+                          <a:cs typeface="Times New Roman"/>
+                        </a:rPr>
+                        <a:t>cette</a:t>
+                      </a:r>
+                      <a:r>
+                        <a:rPr lang="en-US" sz="1400" kern="1200" dirty="0" smtClean="0">
+                          <a:solidFill>
+                            <a:schemeClr val="dk1"/>
+                          </a:solidFill>
+                          <a:latin typeface="Times New Roman"/>
+                          <a:ea typeface="Calibri"/>
+                          <a:cs typeface="Times New Roman"/>
+                        </a:rPr>
+                        <a:t> </a:t>
+                      </a:r>
+                      <a:r>
+                        <a:rPr lang="en-US" sz="1400" kern="1200" dirty="0" err="1" smtClean="0">
+                          <a:solidFill>
+                            <a:schemeClr val="dk1"/>
+                          </a:solidFill>
+                          <a:latin typeface="Times New Roman"/>
+                          <a:ea typeface="Calibri"/>
+                          <a:cs typeface="Times New Roman"/>
+                        </a:rPr>
+                        <a:t>dernière</a:t>
+                      </a:r>
+                      <a:r>
+                        <a:rPr lang="en-US" sz="1400" kern="1200" dirty="0" smtClean="0">
+                          <a:solidFill>
+                            <a:schemeClr val="dk1"/>
+                          </a:solidFill>
+                          <a:latin typeface="Times New Roman"/>
+                          <a:ea typeface="Calibri"/>
+                          <a:cs typeface="Times New Roman"/>
+                        </a:rPr>
+                        <a:t> par ex)</a:t>
+                      </a:r>
+                      <a:endParaRPr lang="fr-FR" sz="1400" kern="1200" dirty="0" smtClean="0">
+                        <a:solidFill>
+                          <a:schemeClr val="dk1"/>
+                        </a:solidFill>
+                        <a:latin typeface="Times New Roman"/>
+                        <a:ea typeface="Calibri"/>
+                        <a:cs typeface="Times New Roman"/>
+                      </a:endParaRPr>
                     </a:p>
                   </a:txBody>
                   <a:tcPr/>
@@ -9043,7 +8851,7 @@
         </p:nvSpPr>
         <p:spPr>
           <a:xfrm>
-            <a:off x="3082817" y="6260068"/>
+            <a:off x="4953000" y="685800"/>
             <a:ext cx="2860783" cy="369332"/>
           </a:xfrm>
           <a:prstGeom prst="rect">
@@ -9068,7 +8876,7 @@
     </p:spTree>
     <p:extLst>
       <p:ext uri="{BB962C8B-B14F-4D97-AF65-F5344CB8AC3E}">
-        <p14:creationId xmlns:p14="http://schemas.microsoft.com/office/powerpoint/2010/main" val="1660990754"/>
+        <p14:creationId xmlns:p14="http://schemas.microsoft.com/office/powerpoint/2010/main" xmlns="" val="1660990754"/>
       </p:ext>
     </p:extLst>
   </p:cSld>
@@ -9219,7 +9027,7 @@
     </p:spTree>
     <p:extLst>
       <p:ext uri="{BB962C8B-B14F-4D97-AF65-F5344CB8AC3E}">
-        <p14:creationId xmlns:p14="http://schemas.microsoft.com/office/powerpoint/2010/main" val="1259481295"/>
+        <p14:creationId xmlns:p14="http://schemas.microsoft.com/office/powerpoint/2010/main" xmlns="" val="1259481295"/>
       </p:ext>
     </p:extLst>
   </p:cSld>
@@ -10032,7 +9840,7 @@
           <a:blip r:embed="rId2" cstate="print">
             <a:extLst>
               <a:ext uri="{28A0092B-C50C-407E-A947-70E740481C1C}">
-                <a14:useLocalDpi xmlns:a14="http://schemas.microsoft.com/office/drawing/2010/main" val="0"/>
+                <a14:useLocalDpi xmlns:a14="http://schemas.microsoft.com/office/drawing/2010/main" xmlns="" val="0"/>
               </a:ext>
             </a:extLst>
           </a:blip>
@@ -10056,14 +9864,14 @@
           <a:effectLst/>
           <a:extLst>
             <a:ext uri="{909E8E84-426E-40DD-AFC4-6F175D3DCCD1}">
-              <a14:hiddenFill xmlns:a14="http://schemas.microsoft.com/office/drawing/2010/main">
+              <a14:hiddenFill xmlns:a14="http://schemas.microsoft.com/office/drawing/2010/main" xmlns="">
                 <a:solidFill>
                   <a:schemeClr val="accent1"/>
                 </a:solidFill>
               </a14:hiddenFill>
             </a:ext>
             <a:ext uri="{91240B29-F687-4F45-9708-019B960494DF}">
-              <a14:hiddenLine xmlns:a14="http://schemas.microsoft.com/office/drawing/2010/main" w="9525">
+              <a14:hiddenLine xmlns:a14="http://schemas.microsoft.com/office/drawing/2010/main" xmlns="" w="9525">
                 <a:solidFill>
                   <a:schemeClr val="tx1"/>
                 </a:solidFill>
@@ -10073,7 +9881,7 @@
               </a14:hiddenLine>
             </a:ext>
             <a:ext uri="{AF507438-7753-43E0-B8FC-AC1667EBCBE1}">
-              <a14:hiddenEffects xmlns:a14="http://schemas.microsoft.com/office/drawing/2010/main">
+              <a14:hiddenEffects xmlns:a14="http://schemas.microsoft.com/office/drawing/2010/main" xmlns="">
                 <a:effectLst>
                   <a:outerShdw dist="35921" dir="2700000" algn="ctr" rotWithShape="0">
                     <a:schemeClr val="bg2"/>
@@ -10087,7 +9895,7 @@
     </p:spTree>
     <p:extLst>
       <p:ext uri="{BB962C8B-B14F-4D97-AF65-F5344CB8AC3E}">
-        <p14:creationId xmlns:p14="http://schemas.microsoft.com/office/powerpoint/2010/main" val="2043196274"/>
+        <p14:creationId xmlns:p14="http://schemas.microsoft.com/office/powerpoint/2010/main" xmlns="" val="2043196274"/>
       </p:ext>
     </p:extLst>
   </p:cSld>
@@ -10160,7 +9968,7 @@
           <a:blip r:embed="rId2" cstate="print">
             <a:extLst>
               <a:ext uri="{28A0092B-C50C-407E-A947-70E740481C1C}">
-                <a14:useLocalDpi xmlns:a14="http://schemas.microsoft.com/office/drawing/2010/main" val="0"/>
+                <a14:useLocalDpi xmlns:a14="http://schemas.microsoft.com/office/drawing/2010/main" xmlns="" val="0"/>
               </a:ext>
             </a:extLst>
           </a:blip>
@@ -10184,14 +9992,14 @@
           <a:effectLst/>
           <a:extLst>
             <a:ext uri="{909E8E84-426E-40DD-AFC4-6F175D3DCCD1}">
-              <a14:hiddenFill xmlns:a14="http://schemas.microsoft.com/office/drawing/2010/main">
+              <a14:hiddenFill xmlns:a14="http://schemas.microsoft.com/office/drawing/2010/main" xmlns="">
                 <a:solidFill>
                   <a:schemeClr val="accent1"/>
                 </a:solidFill>
               </a14:hiddenFill>
             </a:ext>
             <a:ext uri="{91240B29-F687-4F45-9708-019B960494DF}">
-              <a14:hiddenLine xmlns:a14="http://schemas.microsoft.com/office/drawing/2010/main" w="9525">
+              <a14:hiddenLine xmlns:a14="http://schemas.microsoft.com/office/drawing/2010/main" xmlns="" w="9525">
                 <a:solidFill>
                   <a:schemeClr val="tx1"/>
                 </a:solidFill>
@@ -10201,7 +10009,7 @@
               </a14:hiddenLine>
             </a:ext>
             <a:ext uri="{AF507438-7753-43E0-B8FC-AC1667EBCBE1}">
-              <a14:hiddenEffects xmlns:a14="http://schemas.microsoft.com/office/drawing/2010/main">
+              <a14:hiddenEffects xmlns:a14="http://schemas.microsoft.com/office/drawing/2010/main" xmlns="">
                 <a:effectLst>
                   <a:outerShdw dist="35921" dir="2700000" algn="ctr" rotWithShape="0">
                     <a:schemeClr val="bg2"/>
@@ -10215,7 +10023,7 @@
     </p:spTree>
     <p:extLst>
       <p:ext uri="{BB962C8B-B14F-4D97-AF65-F5344CB8AC3E}">
-        <p14:creationId xmlns:p14="http://schemas.microsoft.com/office/powerpoint/2010/main" val="349231435"/>
+        <p14:creationId xmlns:p14="http://schemas.microsoft.com/office/powerpoint/2010/main" xmlns="" val="349231435"/>
       </p:ext>
     </p:extLst>
   </p:cSld>
@@ -10284,7 +10092,7 @@
           <a:blip r:embed="rId3">
             <a:extLst>
               <a:ext uri="{28A0092B-C50C-407E-A947-70E740481C1C}">
-                <a14:useLocalDpi xmlns:a14="http://schemas.microsoft.com/office/drawing/2010/main" val="0"/>
+                <a14:useLocalDpi xmlns:a14="http://schemas.microsoft.com/office/drawing/2010/main" xmlns="" val="0"/>
               </a:ext>
             </a:extLst>
           </a:blip>
@@ -10314,7 +10122,7 @@
           <a:blip r:embed="rId3">
             <a:extLst>
               <a:ext uri="{28A0092B-C50C-407E-A947-70E740481C1C}">
-                <a14:useLocalDpi xmlns:a14="http://schemas.microsoft.com/office/drawing/2010/main" val="0"/>
+                <a14:useLocalDpi xmlns:a14="http://schemas.microsoft.com/office/drawing/2010/main" xmlns="" val="0"/>
               </a:ext>
             </a:extLst>
           </a:blip>
@@ -10344,7 +10152,7 @@
           <a:blip r:embed="rId4">
             <a:extLst>
               <a:ext uri="{28A0092B-C50C-407E-A947-70E740481C1C}">
-                <a14:useLocalDpi xmlns:a14="http://schemas.microsoft.com/office/drawing/2010/main" val="0"/>
+                <a14:useLocalDpi xmlns:a14="http://schemas.microsoft.com/office/drawing/2010/main" xmlns="" val="0"/>
               </a:ext>
             </a:extLst>
           </a:blip>
@@ -10374,7 +10182,7 @@
           <a:blip r:embed="rId4">
             <a:extLst>
               <a:ext uri="{28A0092B-C50C-407E-A947-70E740481C1C}">
-                <a14:useLocalDpi xmlns:a14="http://schemas.microsoft.com/office/drawing/2010/main" val="0"/>
+                <a14:useLocalDpi xmlns:a14="http://schemas.microsoft.com/office/drawing/2010/main" xmlns="" val="0"/>
               </a:ext>
             </a:extLst>
           </a:blip>
@@ -10404,7 +10212,7 @@
           <a:blip r:embed="rId4">
             <a:extLst>
               <a:ext uri="{28A0092B-C50C-407E-A947-70E740481C1C}">
-                <a14:useLocalDpi xmlns:a14="http://schemas.microsoft.com/office/drawing/2010/main" val="0"/>
+                <a14:useLocalDpi xmlns:a14="http://schemas.microsoft.com/office/drawing/2010/main" xmlns="" val="0"/>
               </a:ext>
             </a:extLst>
           </a:blip>
@@ -10733,7 +10541,7 @@
           <a:blip r:embed="rId5">
             <a:extLst>
               <a:ext uri="{28A0092B-C50C-407E-A947-70E740481C1C}">
-                <a14:useLocalDpi xmlns:a14="http://schemas.microsoft.com/office/drawing/2010/main" val="0"/>
+                <a14:useLocalDpi xmlns:a14="http://schemas.microsoft.com/office/drawing/2010/main" xmlns="" val="0"/>
               </a:ext>
             </a:extLst>
           </a:blip>
@@ -10763,7 +10571,7 @@
           <a:blip r:embed="rId6" cstate="print">
             <a:extLst>
               <a:ext uri="{28A0092B-C50C-407E-A947-70E740481C1C}">
-                <a14:useLocalDpi xmlns:a14="http://schemas.microsoft.com/office/drawing/2010/main" val="0"/>
+                <a14:useLocalDpi xmlns:a14="http://schemas.microsoft.com/office/drawing/2010/main" xmlns="" val="0"/>
               </a:ext>
             </a:extLst>
           </a:blip>
@@ -10793,7 +10601,7 @@
           <a:blip r:embed="rId7" cstate="print">
             <a:extLst>
               <a:ext uri="{28A0092B-C50C-407E-A947-70E740481C1C}">
-                <a14:useLocalDpi xmlns:a14="http://schemas.microsoft.com/office/drawing/2010/main" val="0"/>
+                <a14:useLocalDpi xmlns:a14="http://schemas.microsoft.com/office/drawing/2010/main" xmlns="" val="0"/>
               </a:ext>
             </a:extLst>
           </a:blip>
@@ -10932,7 +10740,7 @@
           <a:blip r:embed="rId8">
             <a:extLst>
               <a:ext uri="{28A0092B-C50C-407E-A947-70E740481C1C}">
-                <a14:useLocalDpi xmlns:a14="http://schemas.microsoft.com/office/drawing/2010/main" val="0"/>
+                <a14:useLocalDpi xmlns:a14="http://schemas.microsoft.com/office/drawing/2010/main" xmlns="" val="0"/>
               </a:ext>
             </a:extLst>
           </a:blip>
@@ -10962,7 +10770,7 @@
           <a:blip r:embed="rId4">
             <a:extLst>
               <a:ext uri="{28A0092B-C50C-407E-A947-70E740481C1C}">
-                <a14:useLocalDpi xmlns:a14="http://schemas.microsoft.com/office/drawing/2010/main" val="0"/>
+                <a14:useLocalDpi xmlns:a14="http://schemas.microsoft.com/office/drawing/2010/main" xmlns="" val="0"/>
               </a:ext>
             </a:extLst>
           </a:blip>
@@ -10992,7 +10800,7 @@
           <a:blip r:embed="rId9">
             <a:extLst>
               <a:ext uri="{28A0092B-C50C-407E-A947-70E740481C1C}">
-                <a14:useLocalDpi xmlns:a14="http://schemas.microsoft.com/office/drawing/2010/main" val="0"/>
+                <a14:useLocalDpi xmlns:a14="http://schemas.microsoft.com/office/drawing/2010/main" xmlns="" val="0"/>
               </a:ext>
             </a:extLst>
           </a:blip>
@@ -11016,14 +10824,14 @@
           <a:effectLst/>
           <a:extLst>
             <a:ext uri="{909E8E84-426E-40DD-AFC4-6F175D3DCCD1}">
-              <a14:hiddenFill xmlns:a14="http://schemas.microsoft.com/office/drawing/2010/main">
+              <a14:hiddenFill xmlns:a14="http://schemas.microsoft.com/office/drawing/2010/main" xmlns="">
                 <a:solidFill>
                   <a:schemeClr val="accent1"/>
                 </a:solidFill>
               </a14:hiddenFill>
             </a:ext>
             <a:ext uri="{91240B29-F687-4F45-9708-019B960494DF}">
-              <a14:hiddenLine xmlns:a14="http://schemas.microsoft.com/office/drawing/2010/main" w="9525">
+              <a14:hiddenLine xmlns:a14="http://schemas.microsoft.com/office/drawing/2010/main" xmlns="" w="9525">
                 <a:solidFill>
                   <a:schemeClr val="tx1"/>
                 </a:solidFill>
@@ -11033,7 +10841,7 @@
               </a14:hiddenLine>
             </a:ext>
             <a:ext uri="{AF507438-7753-43E0-B8FC-AC1667EBCBE1}">
-              <a14:hiddenEffects xmlns:a14="http://schemas.microsoft.com/office/drawing/2010/main">
+              <a14:hiddenEffects xmlns:a14="http://schemas.microsoft.com/office/drawing/2010/main" xmlns="">
                 <a:effectLst>
                   <a:outerShdw dist="35921" dir="2700000" algn="ctr" rotWithShape="0">
                     <a:schemeClr val="bg2"/>
@@ -11102,7 +10910,7 @@
           <a:blip r:embed="rId9">
             <a:extLst>
               <a:ext uri="{28A0092B-C50C-407E-A947-70E740481C1C}">
-                <a14:useLocalDpi xmlns:a14="http://schemas.microsoft.com/office/drawing/2010/main" val="0"/>
+                <a14:useLocalDpi xmlns:a14="http://schemas.microsoft.com/office/drawing/2010/main" xmlns="" val="0"/>
               </a:ext>
             </a:extLst>
           </a:blip>
@@ -11126,14 +10934,14 @@
           <a:effectLst/>
           <a:extLst>
             <a:ext uri="{909E8E84-426E-40DD-AFC4-6F175D3DCCD1}">
-              <a14:hiddenFill xmlns:a14="http://schemas.microsoft.com/office/drawing/2010/main">
+              <a14:hiddenFill xmlns:a14="http://schemas.microsoft.com/office/drawing/2010/main" xmlns="">
                 <a:solidFill>
                   <a:schemeClr val="accent1"/>
                 </a:solidFill>
               </a14:hiddenFill>
             </a:ext>
             <a:ext uri="{91240B29-F687-4F45-9708-019B960494DF}">
-              <a14:hiddenLine xmlns:a14="http://schemas.microsoft.com/office/drawing/2010/main" w="9525">
+              <a14:hiddenLine xmlns:a14="http://schemas.microsoft.com/office/drawing/2010/main" xmlns="" w="9525">
                 <a:solidFill>
                   <a:schemeClr val="tx1"/>
                 </a:solidFill>
@@ -11143,7 +10951,7 @@
               </a14:hiddenLine>
             </a:ext>
             <a:ext uri="{AF507438-7753-43E0-B8FC-AC1667EBCBE1}">
-              <a14:hiddenEffects xmlns:a14="http://schemas.microsoft.com/office/drawing/2010/main">
+              <a14:hiddenEffects xmlns:a14="http://schemas.microsoft.com/office/drawing/2010/main" xmlns="">
                 <a:effectLst>
                   <a:outerShdw dist="35921" dir="2700000" algn="ctr" rotWithShape="0">
                     <a:schemeClr val="bg2"/>
@@ -11166,7 +10974,7 @@
           <a:blip r:embed="rId3">
             <a:extLst>
               <a:ext uri="{28A0092B-C50C-407E-A947-70E740481C1C}">
-                <a14:useLocalDpi xmlns:a14="http://schemas.microsoft.com/office/drawing/2010/main" val="0"/>
+                <a14:useLocalDpi xmlns:a14="http://schemas.microsoft.com/office/drawing/2010/main" xmlns="" val="0"/>
               </a:ext>
             </a:extLst>
           </a:blip>
@@ -11495,7 +11303,7 @@
     </p:spTree>
     <p:extLst>
       <p:ext uri="{BB962C8B-B14F-4D97-AF65-F5344CB8AC3E}">
-        <p14:creationId xmlns:p14="http://schemas.microsoft.com/office/powerpoint/2010/main" val="2609155689"/>
+        <p14:creationId xmlns:p14="http://schemas.microsoft.com/office/powerpoint/2010/main" xmlns="" val="2609155689"/>
       </p:ext>
     </p:extLst>
   </p:cSld>
@@ -11564,7 +11372,7 @@
           <a:blip r:embed="rId2" cstate="print">
             <a:extLst>
               <a:ext uri="{28A0092B-C50C-407E-A947-70E740481C1C}">
-                <a14:useLocalDpi xmlns:a14="http://schemas.microsoft.com/office/drawing/2010/main" val="0"/>
+                <a14:useLocalDpi xmlns:a14="http://schemas.microsoft.com/office/drawing/2010/main" xmlns="" val="0"/>
               </a:ext>
             </a:extLst>
           </a:blip>
@@ -11584,7 +11392,7 @@
           <a:noFill/>
           <a:extLst>
             <a:ext uri="{909E8E84-426E-40DD-AFC4-6F175D3DCCD1}">
-              <a14:hiddenFill xmlns:a14="http://schemas.microsoft.com/office/drawing/2010/main">
+              <a14:hiddenFill xmlns:a14="http://schemas.microsoft.com/office/drawing/2010/main" xmlns="">
                 <a:solidFill>
                   <a:srgbClr val="FFFFFF"/>
                 </a:solidFill>
@@ -11596,7 +11404,7 @@
     </p:spTree>
     <p:extLst>
       <p:ext uri="{BB962C8B-B14F-4D97-AF65-F5344CB8AC3E}">
-        <p14:creationId xmlns:p14="http://schemas.microsoft.com/office/powerpoint/2010/main" val="547627724"/>
+        <p14:creationId xmlns:p14="http://schemas.microsoft.com/office/powerpoint/2010/main" xmlns="" val="547627724"/>
       </p:ext>
     </p:extLst>
   </p:cSld>
@@ -11642,7 +11450,7 @@
           <a:blip r:embed="rId2" cstate="print">
             <a:extLst>
               <a:ext uri="{28A0092B-C50C-407E-A947-70E740481C1C}">
-                <a14:useLocalDpi xmlns:a14="http://schemas.microsoft.com/office/drawing/2010/main" val="0"/>
+                <a14:useLocalDpi xmlns:a14="http://schemas.microsoft.com/office/drawing/2010/main" xmlns="" val="0"/>
               </a:ext>
             </a:extLst>
           </a:blip>
@@ -11662,7 +11470,7 @@
           <a:noFill/>
           <a:extLst>
             <a:ext uri="{909E8E84-426E-40DD-AFC4-6F175D3DCCD1}">
-              <a14:hiddenFill xmlns:a14="http://schemas.microsoft.com/office/drawing/2010/main">
+              <a14:hiddenFill xmlns:a14="http://schemas.microsoft.com/office/drawing/2010/main" xmlns="">
                 <a:solidFill>
                   <a:srgbClr val="FFFFFF"/>
                 </a:solidFill>
@@ -11702,7 +11510,7 @@
     </p:spTree>
     <p:extLst>
       <p:ext uri="{BB962C8B-B14F-4D97-AF65-F5344CB8AC3E}">
-        <p14:creationId xmlns:p14="http://schemas.microsoft.com/office/powerpoint/2010/main" val="3341074293"/>
+        <p14:creationId xmlns:p14="http://schemas.microsoft.com/office/powerpoint/2010/main" xmlns="" val="3341074293"/>
       </p:ext>
     </p:extLst>
   </p:cSld>
@@ -11902,7 +11710,7 @@
     </p:spTree>
     <p:extLst>
       <p:ext uri="{BB962C8B-B14F-4D97-AF65-F5344CB8AC3E}">
-        <p14:creationId xmlns:p14="http://schemas.microsoft.com/office/powerpoint/2010/main" val="3894779040"/>
+        <p14:creationId xmlns:p14="http://schemas.microsoft.com/office/powerpoint/2010/main" xmlns="" val="3894779040"/>
       </p:ext>
     </p:extLst>
   </p:cSld>
@@ -11948,7 +11756,7 @@
           <a:blip r:embed="rId2" cstate="print">
             <a:extLst>
               <a:ext uri="{28A0092B-C50C-407E-A947-70E740481C1C}">
-                <a14:useLocalDpi xmlns:a14="http://schemas.microsoft.com/office/drawing/2010/main" val="0"/>
+                <a14:useLocalDpi xmlns:a14="http://schemas.microsoft.com/office/drawing/2010/main" xmlns="" val="0"/>
               </a:ext>
             </a:extLst>
           </a:blip>
@@ -11972,14 +11780,14 @@
           <a:effectLst/>
           <a:extLst>
             <a:ext uri="{909E8E84-426E-40DD-AFC4-6F175D3DCCD1}">
-              <a14:hiddenFill xmlns:a14="http://schemas.microsoft.com/office/drawing/2010/main">
+              <a14:hiddenFill xmlns:a14="http://schemas.microsoft.com/office/drawing/2010/main" xmlns="">
                 <a:solidFill>
                   <a:schemeClr val="accent1"/>
                 </a:solidFill>
               </a14:hiddenFill>
             </a:ext>
             <a:ext uri="{91240B29-F687-4F45-9708-019B960494DF}">
-              <a14:hiddenLine xmlns:a14="http://schemas.microsoft.com/office/drawing/2010/main" w="9525">
+              <a14:hiddenLine xmlns:a14="http://schemas.microsoft.com/office/drawing/2010/main" xmlns="" w="9525">
                 <a:solidFill>
                   <a:schemeClr val="tx1"/>
                 </a:solidFill>
@@ -11989,7 +11797,7 @@
               </a14:hiddenLine>
             </a:ext>
             <a:ext uri="{AF507438-7753-43E0-B8FC-AC1667EBCBE1}">
-              <a14:hiddenEffects xmlns:a14="http://schemas.microsoft.com/office/drawing/2010/main">
+              <a14:hiddenEffects xmlns:a14="http://schemas.microsoft.com/office/drawing/2010/main" xmlns="">
                 <a:effectLst>
                   <a:outerShdw dist="35921" dir="2700000" algn="ctr" rotWithShape="0">
                     <a:schemeClr val="bg2"/>
@@ -12031,7 +11839,7 @@
     </p:spTree>
     <p:extLst>
       <p:ext uri="{BB962C8B-B14F-4D97-AF65-F5344CB8AC3E}">
-        <p14:creationId xmlns:p14="http://schemas.microsoft.com/office/powerpoint/2010/main" val="1239993373"/>
+        <p14:creationId xmlns:p14="http://schemas.microsoft.com/office/powerpoint/2010/main" xmlns="" val="1239993373"/>
       </p:ext>
     </p:extLst>
   </p:cSld>
@@ -13200,7 +13008,7 @@
     </p:spTree>
     <p:extLst>
       <p:ext uri="{BB962C8B-B14F-4D97-AF65-F5344CB8AC3E}">
-        <p14:creationId xmlns:p14="http://schemas.microsoft.com/office/powerpoint/2010/main" val="2899302471"/>
+        <p14:creationId xmlns:p14="http://schemas.microsoft.com/office/powerpoint/2010/main" xmlns="" val="2899302471"/>
       </p:ext>
     </p:extLst>
   </p:cSld>
@@ -13798,7 +13606,7 @@
     </p:spTree>
     <p:extLst>
       <p:ext uri="{BB962C8B-B14F-4D97-AF65-F5344CB8AC3E}">
-        <p14:creationId xmlns:p14="http://schemas.microsoft.com/office/powerpoint/2010/main" val="2025061542"/>
+        <p14:creationId xmlns:p14="http://schemas.microsoft.com/office/powerpoint/2010/main" xmlns="" val="2025061542"/>
       </p:ext>
     </p:extLst>
   </p:cSld>
@@ -13858,7 +13666,7 @@
     </p:spTree>
     <p:extLst>
       <p:ext uri="{BB962C8B-B14F-4D97-AF65-F5344CB8AC3E}">
-        <p14:creationId xmlns:p14="http://schemas.microsoft.com/office/powerpoint/2010/main" val="353800143"/>
+        <p14:creationId xmlns:p14="http://schemas.microsoft.com/office/powerpoint/2010/main" xmlns="" val="353800143"/>
       </p:ext>
     </p:extLst>
   </p:cSld>
@@ -13927,7 +13735,7 @@
           <a:blip r:embed="rId2" cstate="print">
             <a:extLst>
               <a:ext uri="{28A0092B-C50C-407E-A947-70E740481C1C}">
-                <a14:useLocalDpi xmlns:a14="http://schemas.microsoft.com/office/drawing/2010/main" val="0"/>
+                <a14:useLocalDpi xmlns:a14="http://schemas.microsoft.com/office/drawing/2010/main" xmlns="" val="0"/>
               </a:ext>
             </a:extLst>
           </a:blip>
@@ -13951,14 +13759,14 @@
           <a:effectLst/>
           <a:extLst>
             <a:ext uri="{909E8E84-426E-40DD-AFC4-6F175D3DCCD1}">
-              <a14:hiddenFill xmlns:a14="http://schemas.microsoft.com/office/drawing/2010/main">
+              <a14:hiddenFill xmlns:a14="http://schemas.microsoft.com/office/drawing/2010/main" xmlns="">
                 <a:solidFill>
                   <a:schemeClr val="accent1"/>
                 </a:solidFill>
               </a14:hiddenFill>
             </a:ext>
             <a:ext uri="{91240B29-F687-4F45-9708-019B960494DF}">
-              <a14:hiddenLine xmlns:a14="http://schemas.microsoft.com/office/drawing/2010/main" w="9525">
+              <a14:hiddenLine xmlns:a14="http://schemas.microsoft.com/office/drawing/2010/main" xmlns="" w="9525">
                 <a:solidFill>
                   <a:schemeClr val="tx1"/>
                 </a:solidFill>
@@ -13968,7 +13776,7 @@
               </a14:hiddenLine>
             </a:ext>
             <a:ext uri="{AF507438-7753-43E0-B8FC-AC1667EBCBE1}">
-              <a14:hiddenEffects xmlns:a14="http://schemas.microsoft.com/office/drawing/2010/main">
+              <a14:hiddenEffects xmlns:a14="http://schemas.microsoft.com/office/drawing/2010/main" xmlns="">
                 <a:effectLst>
                   <a:outerShdw dist="35921" dir="2700000" algn="ctr" rotWithShape="0">
                     <a:schemeClr val="bg2"/>
@@ -13982,7 +13790,7 @@
     </p:spTree>
     <p:extLst>
       <p:ext uri="{BB962C8B-B14F-4D97-AF65-F5344CB8AC3E}">
-        <p14:creationId xmlns:p14="http://schemas.microsoft.com/office/powerpoint/2010/main" val="1922197765"/>
+        <p14:creationId xmlns:p14="http://schemas.microsoft.com/office/powerpoint/2010/main" xmlns="" val="1922197765"/>
       </p:ext>
     </p:extLst>
   </p:cSld>
@@ -14056,7 +13864,7 @@
           <a:blip r:embed="rId2" cstate="print">
             <a:extLst>
               <a:ext uri="{28A0092B-C50C-407E-A947-70E740481C1C}">
-                <a14:useLocalDpi xmlns:a14="http://schemas.microsoft.com/office/drawing/2010/main" val="0"/>
+                <a14:useLocalDpi xmlns:a14="http://schemas.microsoft.com/office/drawing/2010/main" xmlns="" val="0"/>
               </a:ext>
             </a:extLst>
           </a:blip>
@@ -14080,14 +13888,14 @@
           <a:effectLst/>
           <a:extLst>
             <a:ext uri="{909E8E84-426E-40DD-AFC4-6F175D3DCCD1}">
-              <a14:hiddenFill xmlns:a14="http://schemas.microsoft.com/office/drawing/2010/main">
+              <a14:hiddenFill xmlns:a14="http://schemas.microsoft.com/office/drawing/2010/main" xmlns="">
                 <a:solidFill>
                   <a:schemeClr val="accent1"/>
                 </a:solidFill>
               </a14:hiddenFill>
             </a:ext>
             <a:ext uri="{91240B29-F687-4F45-9708-019B960494DF}">
-              <a14:hiddenLine xmlns:a14="http://schemas.microsoft.com/office/drawing/2010/main" w="9525">
+              <a14:hiddenLine xmlns:a14="http://schemas.microsoft.com/office/drawing/2010/main" xmlns="" w="9525">
                 <a:solidFill>
                   <a:schemeClr val="tx1"/>
                 </a:solidFill>
@@ -14097,7 +13905,7 @@
               </a14:hiddenLine>
             </a:ext>
             <a:ext uri="{AF507438-7753-43E0-B8FC-AC1667EBCBE1}">
-              <a14:hiddenEffects xmlns:a14="http://schemas.microsoft.com/office/drawing/2010/main">
+              <a14:hiddenEffects xmlns:a14="http://schemas.microsoft.com/office/drawing/2010/main" xmlns="">
                 <a:effectLst>
                   <a:outerShdw dist="35921" dir="2700000" algn="ctr" rotWithShape="0">
                     <a:schemeClr val="bg2"/>
@@ -14111,7 +13919,7 @@
     </p:spTree>
     <p:extLst>
       <p:ext uri="{BB962C8B-B14F-4D97-AF65-F5344CB8AC3E}">
-        <p14:creationId xmlns:p14="http://schemas.microsoft.com/office/powerpoint/2010/main" val="2572490974"/>
+        <p14:creationId xmlns:p14="http://schemas.microsoft.com/office/powerpoint/2010/main" xmlns="" val="2572490974"/>
       </p:ext>
     </p:extLst>
   </p:cSld>
@@ -14298,7 +14106,7 @@
     </p:spTree>
     <p:extLst>
       <p:ext uri="{BB962C8B-B14F-4D97-AF65-F5344CB8AC3E}">
-        <p14:creationId xmlns:p14="http://schemas.microsoft.com/office/powerpoint/2010/main" val="143085231"/>
+        <p14:creationId xmlns:p14="http://schemas.microsoft.com/office/powerpoint/2010/main" xmlns="" val="143085231"/>
       </p:ext>
     </p:extLst>
   </p:cSld>
@@ -14465,7 +14273,7 @@
           <p:nvPr>
             <p:extLst>
               <p:ext uri="{D42A27DB-BD31-4B8C-83A1-F6EECF244321}">
-                <p14:modId xmlns:p14="http://schemas.microsoft.com/office/powerpoint/2010/main" val="3943238416"/>
+                <p14:modId xmlns:p14="http://schemas.microsoft.com/office/powerpoint/2010/main" xmlns="" val="3943238416"/>
               </p:ext>
             </p:extLst>
           </p:nvPr>
@@ -15975,7 +15783,7 @@
           <a:blip r:embed="rId2" cstate="print">
             <a:extLst>
               <a:ext uri="{28A0092B-C50C-407E-A947-70E740481C1C}">
-                <a14:useLocalDpi xmlns:a14="http://schemas.microsoft.com/office/drawing/2010/main" val="0"/>
+                <a14:useLocalDpi xmlns:a14="http://schemas.microsoft.com/office/drawing/2010/main" xmlns="" val="0"/>
               </a:ext>
             </a:extLst>
           </a:blip>
@@ -16165,7 +15973,7 @@
     </p:spTree>
     <p:extLst>
       <p:ext uri="{BB962C8B-B14F-4D97-AF65-F5344CB8AC3E}">
-        <p14:creationId xmlns:p14="http://schemas.microsoft.com/office/powerpoint/2010/main" val="772982720"/>
+        <p14:creationId xmlns:p14="http://schemas.microsoft.com/office/powerpoint/2010/main" xmlns="" val="772982720"/>
       </p:ext>
     </p:extLst>
   </p:cSld>
@@ -16869,7 +16677,7 @@
           <a:blip r:embed="rId2" cstate="print">
             <a:extLst>
               <a:ext uri="{28A0092B-C50C-407E-A947-70E740481C1C}">
-                <a14:useLocalDpi xmlns:a14="http://schemas.microsoft.com/office/drawing/2010/main" val="0"/>
+                <a14:useLocalDpi xmlns:a14="http://schemas.microsoft.com/office/drawing/2010/main" xmlns="" val="0"/>
               </a:ext>
             </a:extLst>
           </a:blip>
@@ -16888,7 +16696,7 @@
     </p:spTree>
     <p:extLst>
       <p:ext uri="{BB962C8B-B14F-4D97-AF65-F5344CB8AC3E}">
-        <p14:creationId xmlns:p14="http://schemas.microsoft.com/office/powerpoint/2010/main" val="1632595821"/>
+        <p14:creationId xmlns:p14="http://schemas.microsoft.com/office/powerpoint/2010/main" xmlns="" val="1632595821"/>
       </p:ext>
     </p:extLst>
   </p:cSld>
@@ -16999,7 +16807,7 @@
     </p:spTree>
     <p:extLst>
       <p:ext uri="{BB962C8B-B14F-4D97-AF65-F5344CB8AC3E}">
-        <p14:creationId xmlns:p14="http://schemas.microsoft.com/office/powerpoint/2010/main" val="3574730836"/>
+        <p14:creationId xmlns:p14="http://schemas.microsoft.com/office/powerpoint/2010/main" xmlns="" val="3574730836"/>
       </p:ext>
     </p:extLst>
   </p:cSld>
@@ -17448,7 +17256,7 @@
     </p:spTree>
     <p:extLst>
       <p:ext uri="{BB962C8B-B14F-4D97-AF65-F5344CB8AC3E}">
-        <p14:creationId xmlns:p14="http://schemas.microsoft.com/office/powerpoint/2010/main" val="4137496560"/>
+        <p14:creationId xmlns:p14="http://schemas.microsoft.com/office/powerpoint/2010/main" xmlns="" val="4137496560"/>
       </p:ext>
     </p:extLst>
   </p:cSld>

--- a/trunk/Appli/Méthodologie/Général/Copil/Copil 1/VAL.pptx
+++ b/trunk/Appli/Méthodologie/Général/Copil/Copil 1/VAL.pptx
@@ -4719,371 +4719,6 @@
                         <a:cs typeface="Times New Roman"/>
                       </a:endParaRPr>
                     </a:p>
-                    <a:p>
-                      <a:pPr algn="just">
-                        <a:lnSpc>
-                          <a:spcPct val="100000"/>
-                        </a:lnSpc>
-                        <a:spcAft>
-                          <a:spcPts val="1000"/>
-                        </a:spcAft>
-                      </a:pPr>
-                      <a:r>
-                        <a:rPr lang="en-US" sz="1200" dirty="0" smtClean="0">
-                          <a:latin typeface="Times New Roman"/>
-                          <a:ea typeface="Times New Roman"/>
-                          <a:cs typeface="Times New Roman"/>
-                        </a:rPr>
-                        <a:t>-</a:t>
-                      </a:r>
-                      <a:r>
-                        <a:rPr lang="en-US" sz="1200" dirty="0" err="1" smtClean="0">
-                          <a:latin typeface="Times New Roman"/>
-                          <a:ea typeface="Times New Roman"/>
-                          <a:cs typeface="Times New Roman"/>
-                        </a:rPr>
-                        <a:t>Risque</a:t>
-                      </a:r>
-                      <a:r>
-                        <a:rPr lang="en-US" sz="1200" dirty="0" smtClean="0">
-                          <a:latin typeface="Times New Roman"/>
-                          <a:ea typeface="Times New Roman"/>
-                          <a:cs typeface="Times New Roman"/>
-                        </a:rPr>
-                        <a:t> </a:t>
-                      </a:r>
-                      <a:r>
-                        <a:rPr lang="en-US" sz="1200" dirty="0" err="1">
-                          <a:latin typeface="Times New Roman"/>
-                          <a:ea typeface="Times New Roman"/>
-                          <a:cs typeface="Times New Roman"/>
-                        </a:rPr>
-                        <a:t>que</a:t>
-                      </a:r>
-                      <a:r>
-                        <a:rPr lang="en-US" sz="1200" dirty="0">
-                          <a:latin typeface="Times New Roman"/>
-                          <a:ea typeface="Times New Roman"/>
-                          <a:cs typeface="Times New Roman"/>
-                        </a:rPr>
-                        <a:t> le </a:t>
-                      </a:r>
-                      <a:r>
-                        <a:rPr lang="en-US" sz="1200" dirty="0" err="1">
-                          <a:latin typeface="Times New Roman"/>
-                          <a:ea typeface="Times New Roman"/>
-                          <a:cs typeface="Times New Roman"/>
-                        </a:rPr>
-                        <a:t>composant</a:t>
-                      </a:r>
-                      <a:r>
-                        <a:rPr lang="en-US" sz="1200" dirty="0">
-                          <a:latin typeface="Times New Roman"/>
-                          <a:ea typeface="Times New Roman"/>
-                          <a:cs typeface="Times New Roman"/>
-                        </a:rPr>
-                        <a:t> RTDRS ne </a:t>
-                      </a:r>
-                      <a:r>
-                        <a:rPr lang="en-US" sz="1200" dirty="0" err="1">
-                          <a:latin typeface="Times New Roman"/>
-                          <a:ea typeface="Times New Roman"/>
-                          <a:cs typeface="Times New Roman"/>
-                        </a:rPr>
-                        <a:t>reçoive</a:t>
-                      </a:r>
-                      <a:r>
-                        <a:rPr lang="en-US" sz="1200" dirty="0">
-                          <a:latin typeface="Times New Roman"/>
-                          <a:ea typeface="Times New Roman"/>
-                          <a:cs typeface="Times New Roman"/>
-                        </a:rPr>
-                        <a:t> pas les </a:t>
-                      </a:r>
-                      <a:r>
-                        <a:rPr lang="en-US" sz="1200" dirty="0" err="1">
-                          <a:latin typeface="Times New Roman"/>
-                          <a:ea typeface="Times New Roman"/>
-                          <a:cs typeface="Times New Roman"/>
-                        </a:rPr>
-                        <a:t>informations</a:t>
-                      </a:r>
-                      <a:r>
-                        <a:rPr lang="en-US" sz="1200" dirty="0">
-                          <a:latin typeface="Times New Roman"/>
-                          <a:ea typeface="Times New Roman"/>
-                          <a:cs typeface="Times New Roman"/>
-                        </a:rPr>
-                        <a:t> terrains  par </a:t>
-                      </a:r>
-                      <a:r>
-                        <a:rPr lang="en-US" sz="1200" dirty="0" err="1">
-                          <a:latin typeface="Times New Roman"/>
-                          <a:ea typeface="Times New Roman"/>
-                          <a:cs typeface="Times New Roman"/>
-                        </a:rPr>
-                        <a:t>l’intermédiaire</a:t>
-                      </a:r>
-                      <a:r>
-                        <a:rPr lang="en-US" sz="1200" dirty="0">
-                          <a:latin typeface="Times New Roman"/>
-                          <a:ea typeface="Times New Roman"/>
-                          <a:cs typeface="Times New Roman"/>
-                        </a:rPr>
-                        <a:t> du </a:t>
-                      </a:r>
-                      <a:r>
-                        <a:rPr lang="en-US" sz="1200" dirty="0" err="1">
-                          <a:latin typeface="Times New Roman"/>
-                          <a:ea typeface="Times New Roman"/>
-                          <a:cs typeface="Times New Roman"/>
-                        </a:rPr>
-                        <a:t>composant</a:t>
-                      </a:r>
-                      <a:r>
-                        <a:rPr lang="en-US" sz="1200" dirty="0">
-                          <a:latin typeface="Times New Roman"/>
-                          <a:ea typeface="Times New Roman"/>
-                          <a:cs typeface="Times New Roman"/>
-                        </a:rPr>
-                        <a:t> RTDG</a:t>
-                      </a:r>
-                      <a:r>
-                        <a:rPr lang="en-US" sz="1200" dirty="0" smtClean="0">
-                          <a:latin typeface="Times New Roman"/>
-                          <a:ea typeface="Times New Roman"/>
-                          <a:cs typeface="Times New Roman"/>
-                        </a:rPr>
-                        <a:t>.</a:t>
-                      </a:r>
-                    </a:p>
-                    <a:p>
-                      <a:pPr marL="0" algn="just" defTabSz="914400" rtl="0" eaLnBrk="1" latinLnBrk="0" hangingPunct="1">
-                        <a:lnSpc>
-                          <a:spcPct val="100000"/>
-                        </a:lnSpc>
-                        <a:spcAft>
-                          <a:spcPts val="1000"/>
-                        </a:spcAft>
-                      </a:pPr>
-                      <a:r>
-                        <a:rPr lang="en-US" sz="1200" kern="1200" dirty="0" smtClean="0">
-                          <a:solidFill>
-                            <a:schemeClr val="dk1"/>
-                          </a:solidFill>
-                          <a:latin typeface="Times New Roman"/>
-                          <a:ea typeface="Times New Roman"/>
-                          <a:cs typeface="Times New Roman"/>
-                        </a:rPr>
-                        <a:t>-</a:t>
-                      </a:r>
-                      <a:r>
-                        <a:rPr lang="en-US" sz="1200" kern="1200" dirty="0" err="1" smtClean="0">
-                          <a:solidFill>
-                            <a:schemeClr val="dk1"/>
-                          </a:solidFill>
-                          <a:latin typeface="Times New Roman"/>
-                          <a:ea typeface="Times New Roman"/>
-                          <a:cs typeface="Times New Roman"/>
-                        </a:rPr>
-                        <a:t>Risque</a:t>
-                      </a:r>
-                      <a:r>
-                        <a:rPr lang="en-US" sz="1200" kern="1200" dirty="0" smtClean="0">
-                          <a:solidFill>
-                            <a:schemeClr val="dk1"/>
-                          </a:solidFill>
-                          <a:latin typeface="Times New Roman"/>
-                          <a:ea typeface="Times New Roman"/>
-                          <a:cs typeface="Times New Roman"/>
-                        </a:rPr>
-                        <a:t> </a:t>
-                      </a:r>
-                      <a:r>
-                        <a:rPr lang="en-US" sz="1200" kern="1200" dirty="0" err="1" smtClean="0">
-                          <a:solidFill>
-                            <a:schemeClr val="dk1"/>
-                          </a:solidFill>
-                          <a:latin typeface="Times New Roman"/>
-                          <a:ea typeface="Times New Roman"/>
-                          <a:cs typeface="Times New Roman"/>
-                        </a:rPr>
-                        <a:t>que</a:t>
-                      </a:r>
-                      <a:r>
-                        <a:rPr lang="en-US" sz="1200" kern="1200" dirty="0" smtClean="0">
-                          <a:solidFill>
-                            <a:schemeClr val="dk1"/>
-                          </a:solidFill>
-                          <a:latin typeface="Times New Roman"/>
-                          <a:ea typeface="Times New Roman"/>
-                          <a:cs typeface="Times New Roman"/>
-                        </a:rPr>
-                        <a:t> le </a:t>
-                      </a:r>
-                      <a:r>
-                        <a:rPr lang="en-US" sz="1200" kern="1200" dirty="0" err="1" smtClean="0">
-                          <a:solidFill>
-                            <a:schemeClr val="dk1"/>
-                          </a:solidFill>
-                          <a:latin typeface="Times New Roman"/>
-                          <a:ea typeface="Times New Roman"/>
-                          <a:cs typeface="Times New Roman"/>
-                        </a:rPr>
-                        <a:t>composant</a:t>
-                      </a:r>
-                      <a:r>
-                        <a:rPr lang="en-US" sz="1200" kern="1200" dirty="0" smtClean="0">
-                          <a:solidFill>
-                            <a:schemeClr val="dk1"/>
-                          </a:solidFill>
-                          <a:latin typeface="Times New Roman"/>
-                          <a:ea typeface="Times New Roman"/>
-                          <a:cs typeface="Times New Roman"/>
-                        </a:rPr>
-                        <a:t> RTDG ne </a:t>
-                      </a:r>
-                      <a:r>
-                        <a:rPr lang="en-US" sz="1200" kern="1200" dirty="0" err="1" smtClean="0">
-                          <a:solidFill>
-                            <a:schemeClr val="dk1"/>
-                          </a:solidFill>
-                          <a:latin typeface="Times New Roman"/>
-                          <a:ea typeface="Times New Roman"/>
-                          <a:cs typeface="Times New Roman"/>
-                        </a:rPr>
-                        <a:t>reçoive</a:t>
-                      </a:r>
-                      <a:r>
-                        <a:rPr lang="en-US" sz="1200" kern="1200" dirty="0" smtClean="0">
-                          <a:solidFill>
-                            <a:schemeClr val="dk1"/>
-                          </a:solidFill>
-                          <a:latin typeface="Times New Roman"/>
-                          <a:ea typeface="Times New Roman"/>
-                          <a:cs typeface="Times New Roman"/>
-                        </a:rPr>
-                        <a:t> pas les </a:t>
-                      </a:r>
-                      <a:r>
-                        <a:rPr lang="en-US" sz="1200" kern="1200" dirty="0" err="1" smtClean="0">
-                          <a:solidFill>
-                            <a:schemeClr val="dk1"/>
-                          </a:solidFill>
-                          <a:latin typeface="Times New Roman"/>
-                          <a:ea typeface="Times New Roman"/>
-                          <a:cs typeface="Times New Roman"/>
-                        </a:rPr>
-                        <a:t>informations</a:t>
-                      </a:r>
-                      <a:r>
-                        <a:rPr lang="en-US" sz="1200" kern="1200" dirty="0" smtClean="0">
-                          <a:solidFill>
-                            <a:schemeClr val="dk1"/>
-                          </a:solidFill>
-                          <a:latin typeface="Times New Roman"/>
-                          <a:ea typeface="Times New Roman"/>
-                          <a:cs typeface="Times New Roman"/>
-                        </a:rPr>
-                        <a:t>, </a:t>
-                      </a:r>
-                      <a:r>
-                        <a:rPr lang="en-US" sz="1200" kern="1200" dirty="0" err="1" smtClean="0">
-                          <a:solidFill>
-                            <a:schemeClr val="dk1"/>
-                          </a:solidFill>
-                          <a:latin typeface="Times New Roman"/>
-                          <a:ea typeface="Times New Roman"/>
-                          <a:cs typeface="Times New Roman"/>
-                        </a:rPr>
-                        <a:t>représentant</a:t>
-                      </a:r>
-                      <a:r>
-                        <a:rPr lang="en-US" sz="1200" kern="1200" dirty="0" smtClean="0">
-                          <a:solidFill>
-                            <a:schemeClr val="dk1"/>
-                          </a:solidFill>
-                          <a:latin typeface="Times New Roman"/>
-                          <a:ea typeface="Times New Roman"/>
-                          <a:cs typeface="Times New Roman"/>
-                        </a:rPr>
-                        <a:t> les </a:t>
-                      </a:r>
-                      <a:r>
-                        <a:rPr lang="en-US" sz="1200" kern="1200" dirty="0" err="1" smtClean="0">
-                          <a:solidFill>
-                            <a:schemeClr val="dk1"/>
-                          </a:solidFill>
-                          <a:latin typeface="Times New Roman"/>
-                          <a:ea typeface="Times New Roman"/>
-                          <a:cs typeface="Times New Roman"/>
-                        </a:rPr>
-                        <a:t>ordres</a:t>
-                      </a:r>
-                      <a:r>
-                        <a:rPr lang="en-US" sz="1200" kern="1200" dirty="0" smtClean="0">
-                          <a:solidFill>
-                            <a:schemeClr val="dk1"/>
-                          </a:solidFill>
-                          <a:latin typeface="Times New Roman"/>
-                          <a:ea typeface="Times New Roman"/>
-                          <a:cs typeface="Times New Roman"/>
-                        </a:rPr>
-                        <a:t> de </a:t>
-                      </a:r>
-                      <a:r>
-                        <a:rPr lang="en-US" sz="1200" kern="1200" dirty="0" err="1" smtClean="0">
-                          <a:solidFill>
-                            <a:schemeClr val="dk1"/>
-                          </a:solidFill>
-                          <a:latin typeface="Times New Roman"/>
-                          <a:ea typeface="Times New Roman"/>
-                          <a:cs typeface="Times New Roman"/>
-                        </a:rPr>
-                        <a:t>contre-mesures</a:t>
-                      </a:r>
-                      <a:r>
-                        <a:rPr lang="en-US" sz="1200" kern="1200" dirty="0" smtClean="0">
-                          <a:solidFill>
-                            <a:schemeClr val="dk1"/>
-                          </a:solidFill>
-                          <a:latin typeface="Times New Roman"/>
-                          <a:ea typeface="Times New Roman"/>
-                          <a:cs typeface="Times New Roman"/>
-                        </a:rPr>
-                        <a:t> du </a:t>
-                      </a:r>
-                      <a:r>
-                        <a:rPr lang="en-US" sz="1200" kern="1200" dirty="0" err="1" smtClean="0">
-                          <a:solidFill>
-                            <a:schemeClr val="dk1"/>
-                          </a:solidFill>
-                          <a:latin typeface="Times New Roman"/>
-                          <a:ea typeface="Times New Roman"/>
-                          <a:cs typeface="Times New Roman"/>
-                        </a:rPr>
-                        <a:t>composant</a:t>
-                      </a:r>
-                      <a:r>
-                        <a:rPr lang="en-US" sz="1200" kern="1200" dirty="0" smtClean="0">
-                          <a:solidFill>
-                            <a:schemeClr val="dk1"/>
-                          </a:solidFill>
-                          <a:latin typeface="Times New Roman"/>
-                          <a:ea typeface="Times New Roman"/>
-                          <a:cs typeface="Times New Roman"/>
-                        </a:rPr>
-                        <a:t> RTDRS</a:t>
-                      </a:r>
-                      <a:endParaRPr lang="fr-FR" sz="1200" kern="1200" dirty="0">
-                        <a:solidFill>
-                          <a:schemeClr val="dk1"/>
-                        </a:solidFill>
-                        <a:latin typeface="Times New Roman"/>
-                        <a:ea typeface="Times New Roman"/>
-                        <a:cs typeface="Times New Roman"/>
-                      </a:endParaRPr>
-                    </a:p>
                   </a:txBody>
                   <a:tcPr marL="89535" marR="89535" marT="0" marB="0"/>
                 </a:tc>
@@ -6508,7 +6143,7 @@
         </p:nvGraphicFramePr>
         <p:xfrm>
           <a:off x="1" y="1166354"/>
-          <a:ext cx="9143999" cy="6164086"/>
+          <a:ext cx="9143999" cy="6392686"/>
         </p:xfrm>
         <a:graphic>
           <a:graphicData uri="http://schemas.openxmlformats.org/drawingml/2006/table">
@@ -7364,7 +6999,7 @@
                           <a:ea typeface="Calibri"/>
                           <a:cs typeface="Times New Roman"/>
                         </a:rPr>
-                        <a:t> de </a:t>
+                        <a:t> de surcharge d’un </a:t>
                       </a:r>
                       <a:r>
                         <a:rPr lang="en-US" sz="1200" kern="1200" dirty="0" err="1" smtClean="0">
@@ -7375,7 +7010,7 @@
                           <a:ea typeface="Calibri"/>
                           <a:cs typeface="Times New Roman"/>
                         </a:rPr>
-                        <a:t>réponses</a:t>
+                        <a:t>composant</a:t>
                       </a:r>
                       <a:r>
                         <a:rPr lang="en-US" sz="1200" kern="1200" dirty="0" smtClean="0">
@@ -7386,6 +7021,28 @@
                           <a:ea typeface="Calibri"/>
                           <a:cs typeface="Times New Roman"/>
                         </a:rPr>
+                        <a:t> RTDG qui ne </a:t>
+                      </a:r>
+                      <a:r>
+                        <a:rPr lang="en-US" sz="1200" kern="1200" dirty="0" err="1" smtClean="0">
+                          <a:solidFill>
+                            <a:schemeClr val="dk1"/>
+                          </a:solidFill>
+                          <a:latin typeface="Times New Roman"/>
+                          <a:ea typeface="Calibri"/>
+                          <a:cs typeface="Times New Roman"/>
+                        </a:rPr>
+                        <a:t>pourra</a:t>
+                      </a:r>
+                      <a:r>
+                        <a:rPr lang="en-US" sz="1200" kern="1200" dirty="0" smtClean="0">
+                          <a:solidFill>
+                            <a:schemeClr val="dk1"/>
+                          </a:solidFill>
+                          <a:latin typeface="Times New Roman"/>
+                          <a:ea typeface="Calibri"/>
+                          <a:cs typeface="Times New Roman"/>
+                        </a:rPr>
                         <a:t> </a:t>
                       </a:r>
                       <a:r>
@@ -7397,7 +7054,7 @@
                           <a:ea typeface="Calibri"/>
                           <a:cs typeface="Times New Roman"/>
                         </a:rPr>
-                        <a:t>tardives</a:t>
+                        <a:t>traiter</a:t>
                       </a:r>
                       <a:r>
                         <a:rPr lang="en-US" sz="1200" kern="1200" dirty="0" smtClean="0">
@@ -7408,7 +7065,7 @@
                           <a:ea typeface="Calibri"/>
                           <a:cs typeface="Times New Roman"/>
                         </a:rPr>
-                        <a:t> aux messages du </a:t>
+                        <a:t> les </a:t>
                       </a:r>
                       <a:r>
                         <a:rPr lang="en-US" sz="1200" kern="1200" dirty="0" err="1" smtClean="0">
@@ -7419,6 +7076,204 @@
                           <a:ea typeface="Calibri"/>
                           <a:cs typeface="Times New Roman"/>
                         </a:rPr>
+                        <a:t>requêtes</a:t>
+                      </a:r>
+                      <a:r>
+                        <a:rPr lang="en-US" sz="1200" kern="1200" dirty="0" smtClean="0">
+                          <a:solidFill>
+                            <a:schemeClr val="dk1"/>
+                          </a:solidFill>
+                          <a:latin typeface="Times New Roman"/>
+                          <a:ea typeface="Calibri"/>
+                          <a:cs typeface="Times New Roman"/>
+                        </a:rPr>
+                        <a:t> qui </a:t>
+                      </a:r>
+                      <a:r>
+                        <a:rPr lang="en-US" sz="1200" kern="1200" dirty="0" err="1" smtClean="0">
+                          <a:solidFill>
+                            <a:schemeClr val="dk1"/>
+                          </a:solidFill>
+                          <a:latin typeface="Times New Roman"/>
+                          <a:ea typeface="Calibri"/>
+                          <a:cs typeface="Times New Roman"/>
+                        </a:rPr>
+                        <a:t>lui</a:t>
+                      </a:r>
+                      <a:r>
+                        <a:rPr lang="en-US" sz="1200" kern="1200" dirty="0" smtClean="0">
+                          <a:solidFill>
+                            <a:schemeClr val="dk1"/>
+                          </a:solidFill>
+                          <a:latin typeface="Times New Roman"/>
+                          <a:ea typeface="Calibri"/>
+                          <a:cs typeface="Times New Roman"/>
+                        </a:rPr>
+                        <a:t> </a:t>
+                      </a:r>
+                      <a:r>
+                        <a:rPr lang="en-US" sz="1200" kern="1200" dirty="0" err="1" smtClean="0">
+                          <a:solidFill>
+                            <a:schemeClr val="dk1"/>
+                          </a:solidFill>
+                          <a:latin typeface="Times New Roman"/>
+                          <a:ea typeface="Calibri"/>
+                          <a:cs typeface="Times New Roman"/>
+                        </a:rPr>
+                        <a:t>ont</a:t>
+                      </a:r>
+                      <a:r>
+                        <a:rPr lang="en-US" sz="1200" kern="1200" dirty="0" smtClean="0">
+                          <a:solidFill>
+                            <a:schemeClr val="dk1"/>
+                          </a:solidFill>
+                          <a:latin typeface="Times New Roman"/>
+                          <a:ea typeface="Calibri"/>
+                          <a:cs typeface="Times New Roman"/>
+                        </a:rPr>
+                        <a:t> </a:t>
+                      </a:r>
+                      <a:r>
+                        <a:rPr lang="en-US" sz="1200" kern="1200" dirty="0" err="1" smtClean="0">
+                          <a:solidFill>
+                            <a:schemeClr val="dk1"/>
+                          </a:solidFill>
+                          <a:latin typeface="Times New Roman"/>
+                          <a:ea typeface="Calibri"/>
+                          <a:cs typeface="Times New Roman"/>
+                        </a:rPr>
+                        <a:t>été</a:t>
+                      </a:r>
+                      <a:r>
+                        <a:rPr lang="en-US" sz="1200" kern="1200" dirty="0" smtClean="0">
+                          <a:solidFill>
+                            <a:schemeClr val="dk1"/>
+                          </a:solidFill>
+                          <a:latin typeface="Times New Roman"/>
+                          <a:ea typeface="Calibri"/>
+                          <a:cs typeface="Times New Roman"/>
+                        </a:rPr>
+                        <a:t> </a:t>
+                      </a:r>
+                      <a:r>
+                        <a:rPr lang="en-US" sz="1200" kern="1200" dirty="0" err="1" smtClean="0">
+                          <a:solidFill>
+                            <a:schemeClr val="dk1"/>
+                          </a:solidFill>
+                          <a:latin typeface="Times New Roman"/>
+                          <a:ea typeface="Calibri"/>
+                          <a:cs typeface="Times New Roman"/>
+                        </a:rPr>
+                        <a:t>envoyées</a:t>
+                      </a:r>
+                      <a:r>
+                        <a:rPr lang="en-US" sz="1200" kern="1200" dirty="0" smtClean="0">
+                          <a:solidFill>
+                            <a:schemeClr val="dk1"/>
+                          </a:solidFill>
+                          <a:latin typeface="Times New Roman"/>
+                          <a:ea typeface="Calibri"/>
+                          <a:cs typeface="Times New Roman"/>
+                        </a:rPr>
+                        <a:t> </a:t>
+                      </a:r>
+                      <a:r>
+                        <a:rPr lang="en-US" sz="1200" kern="1200" dirty="0" err="1" smtClean="0">
+                          <a:solidFill>
+                            <a:schemeClr val="dk1"/>
+                          </a:solidFill>
+                          <a:latin typeface="Times New Roman"/>
+                          <a:ea typeface="Calibri"/>
+                          <a:cs typeface="Times New Roman"/>
+                        </a:rPr>
+                        <a:t>que</a:t>
+                      </a:r>
+                      <a:r>
+                        <a:rPr lang="en-US" sz="1200" kern="1200" dirty="0" smtClean="0">
+                          <a:solidFill>
+                            <a:schemeClr val="dk1"/>
+                          </a:solidFill>
+                          <a:latin typeface="Times New Roman"/>
+                          <a:ea typeface="Calibri"/>
+                          <a:cs typeface="Times New Roman"/>
+                        </a:rPr>
+                        <a:t> </a:t>
+                      </a:r>
+                      <a:r>
+                        <a:rPr lang="en-US" sz="1200" kern="1200" dirty="0" err="1" smtClean="0">
+                          <a:solidFill>
+                            <a:schemeClr val="dk1"/>
+                          </a:solidFill>
+                          <a:latin typeface="Times New Roman"/>
+                          <a:ea typeface="Calibri"/>
+                          <a:cs typeface="Times New Roman"/>
+                        </a:rPr>
+                        <a:t>ce</a:t>
+                      </a:r>
+                      <a:r>
+                        <a:rPr lang="en-US" sz="1200" kern="1200" dirty="0" smtClean="0">
+                          <a:solidFill>
+                            <a:schemeClr val="dk1"/>
+                          </a:solidFill>
+                          <a:latin typeface="Times New Roman"/>
+                          <a:ea typeface="Calibri"/>
+                          <a:cs typeface="Times New Roman"/>
+                        </a:rPr>
+                        <a:t> </a:t>
+                      </a:r>
+                      <a:r>
+                        <a:rPr lang="en-US" sz="1200" kern="1200" dirty="0" err="1" smtClean="0">
+                          <a:solidFill>
+                            <a:schemeClr val="dk1"/>
+                          </a:solidFill>
+                          <a:latin typeface="Times New Roman"/>
+                          <a:ea typeface="Calibri"/>
+                          <a:cs typeface="Times New Roman"/>
+                        </a:rPr>
+                        <a:t>soit</a:t>
+                      </a:r>
+                      <a:r>
+                        <a:rPr lang="en-US" sz="1200" kern="1200" dirty="0" smtClean="0">
+                          <a:solidFill>
+                            <a:schemeClr val="dk1"/>
+                          </a:solidFill>
+                          <a:latin typeface="Times New Roman"/>
+                          <a:ea typeface="Calibri"/>
+                          <a:cs typeface="Times New Roman"/>
+                        </a:rPr>
+                        <a:t> de la part du RTDRS </a:t>
+                      </a:r>
+                      <a:r>
+                        <a:rPr lang="en-US" sz="1200" kern="1200" dirty="0" err="1" smtClean="0">
+                          <a:solidFill>
+                            <a:schemeClr val="dk1"/>
+                          </a:solidFill>
+                          <a:latin typeface="Times New Roman"/>
+                          <a:ea typeface="Calibri"/>
+                          <a:cs typeface="Times New Roman"/>
+                        </a:rPr>
+                        <a:t>ou</a:t>
+                      </a:r>
+                      <a:r>
+                        <a:rPr lang="en-US" sz="1200" kern="1200" dirty="0" smtClean="0">
+                          <a:solidFill>
+                            <a:schemeClr val="dk1"/>
+                          </a:solidFill>
+                          <a:latin typeface="Times New Roman"/>
+                          <a:ea typeface="Calibri"/>
+                          <a:cs typeface="Times New Roman"/>
+                        </a:rPr>
+                        <a:t> du </a:t>
+                      </a:r>
+                      <a:r>
+                        <a:rPr lang="en-US" sz="1200" kern="1200" dirty="0" err="1" smtClean="0">
+                          <a:solidFill>
+                            <a:schemeClr val="dk1"/>
+                          </a:solidFill>
+                          <a:latin typeface="Times New Roman"/>
+                          <a:ea typeface="Calibri"/>
+                          <a:cs typeface="Times New Roman"/>
+                        </a:rPr>
                         <a:t>composant</a:t>
                       </a:r>
                       <a:r>
@@ -7452,62 +7307,7 @@
                           <a:ea typeface="Calibri"/>
                           <a:cs typeface="Times New Roman"/>
                         </a:rPr>
-                        <a:t> qui </a:t>
-                      </a:r>
-                      <a:r>
-                        <a:rPr lang="en-US" sz="1200" kern="1200" dirty="0" err="1" smtClean="0">
-                          <a:solidFill>
-                            <a:schemeClr val="dk1"/>
-                          </a:solidFill>
-                          <a:latin typeface="Times New Roman"/>
-                          <a:ea typeface="Calibri"/>
-                          <a:cs typeface="Times New Roman"/>
-                        </a:rPr>
-                        <a:t>doivent</a:t>
-                      </a:r>
-                      <a:r>
-                        <a:rPr lang="en-US" sz="1200" kern="1200" dirty="0" smtClean="0">
-                          <a:solidFill>
-                            <a:schemeClr val="dk1"/>
-                          </a:solidFill>
-                          <a:latin typeface="Times New Roman"/>
-                          <a:ea typeface="Calibri"/>
-                          <a:cs typeface="Times New Roman"/>
-                        </a:rPr>
-                        <a:t> respecter la </a:t>
-                      </a:r>
-                      <a:r>
-                        <a:rPr lang="en-US" sz="1200" kern="1200" dirty="0" err="1" smtClean="0">
-                          <a:solidFill>
-                            <a:schemeClr val="dk1"/>
-                          </a:solidFill>
-                          <a:latin typeface="Times New Roman"/>
-                          <a:ea typeface="Calibri"/>
-                          <a:cs typeface="Times New Roman"/>
-                        </a:rPr>
-                        <a:t>contrainte</a:t>
-                      </a:r>
-                      <a:r>
-                        <a:rPr lang="en-US" sz="1200" kern="1200" dirty="0" smtClean="0">
-                          <a:solidFill>
-                            <a:schemeClr val="dk1"/>
-                          </a:solidFill>
-                          <a:latin typeface="Times New Roman"/>
-                          <a:ea typeface="Calibri"/>
-                          <a:cs typeface="Times New Roman"/>
-                        </a:rPr>
-                        <a:t> du temps </a:t>
-                      </a:r>
-                      <a:r>
-                        <a:rPr lang="en-US" sz="1200" kern="1200" dirty="0" err="1" smtClean="0">
-                          <a:solidFill>
-                            <a:schemeClr val="dk1"/>
-                          </a:solidFill>
-                          <a:latin typeface="Times New Roman"/>
-                          <a:ea typeface="Calibri"/>
-                          <a:cs typeface="Times New Roman"/>
-                        </a:rPr>
-                        <a:t>réel</a:t>
+                        <a:t>.</a:t>
                       </a:r>
                       <a:endParaRPr lang="fr-FR" sz="1200" kern="1200" dirty="0" smtClean="0">
                         <a:solidFill>
@@ -7540,16 +7340,8 @@
                     <a:bodyPr/>
                     <a:lstStyle/>
                     <a:p>
-                      <a:pPr marL="0" algn="just" defTabSz="914400" rtl="0" eaLnBrk="1" latinLnBrk="0" hangingPunct="1">
-                        <a:lnSpc>
-                          <a:spcPct val="115000"/>
-                        </a:lnSpc>
-                        <a:spcAft>
-                          <a:spcPts val="1000"/>
-                        </a:spcAft>
-                      </a:pPr>
-                      <a:r>
-                        <a:rPr lang="en-US" sz="1200" kern="1200" dirty="0" smtClean="0">
+                      <a:r>
+                        <a:rPr lang="en-US" sz="1400" kern="1200" smtClean="0">
                           <a:solidFill>
                             <a:schemeClr val="dk1"/>
                           </a:solidFill>
@@ -7560,336 +7352,54 @@
                         <a:t>-</a:t>
                       </a:r>
                       <a:r>
-                        <a:rPr lang="en-US" sz="1200" kern="1200" dirty="0" err="1" smtClean="0">
-                          <a:solidFill>
-                            <a:schemeClr val="dk1"/>
-                          </a:solidFill>
-                          <a:latin typeface="Times New Roman"/>
-                          <a:ea typeface="Calibri"/>
-                          <a:cs typeface="Times New Roman"/>
-                        </a:rPr>
-                        <a:t>Risque</a:t>
-                      </a:r>
-                      <a:r>
-                        <a:rPr lang="en-US" sz="1200" kern="1200" dirty="0" smtClean="0">
-                          <a:solidFill>
-                            <a:schemeClr val="dk1"/>
-                          </a:solidFill>
-                          <a:latin typeface="Times New Roman"/>
-                          <a:ea typeface="Calibri"/>
-                          <a:cs typeface="Times New Roman"/>
-                        </a:rPr>
-                        <a:t> de surcharge d’un </a:t>
-                      </a:r>
-                      <a:r>
-                        <a:rPr lang="en-US" sz="1200" kern="1200" dirty="0" err="1" smtClean="0">
-                          <a:solidFill>
-                            <a:schemeClr val="dk1"/>
-                          </a:solidFill>
-                          <a:latin typeface="Times New Roman"/>
-                          <a:ea typeface="Calibri"/>
-                          <a:cs typeface="Times New Roman"/>
-                        </a:rPr>
-                        <a:t>composant</a:t>
-                      </a:r>
-                      <a:r>
-                        <a:rPr lang="en-US" sz="1200" kern="1200" dirty="0" smtClean="0">
-                          <a:solidFill>
-                            <a:schemeClr val="dk1"/>
-                          </a:solidFill>
-                          <a:latin typeface="Times New Roman"/>
-                          <a:ea typeface="Calibri"/>
-                          <a:cs typeface="Times New Roman"/>
-                        </a:rPr>
-                        <a:t> RTDG qui ne </a:t>
-                      </a:r>
-                      <a:r>
-                        <a:rPr lang="en-US" sz="1200" kern="1200" dirty="0" err="1" smtClean="0">
-                          <a:solidFill>
-                            <a:schemeClr val="dk1"/>
-                          </a:solidFill>
-                          <a:latin typeface="Times New Roman"/>
-                          <a:ea typeface="Calibri"/>
-                          <a:cs typeface="Times New Roman"/>
-                        </a:rPr>
-                        <a:t>pourra</a:t>
-                      </a:r>
-                      <a:r>
-                        <a:rPr lang="en-US" sz="1200" kern="1200" dirty="0" smtClean="0">
-                          <a:solidFill>
-                            <a:schemeClr val="dk1"/>
-                          </a:solidFill>
-                          <a:latin typeface="Times New Roman"/>
-                          <a:ea typeface="Calibri"/>
-                          <a:cs typeface="Times New Roman"/>
-                        </a:rPr>
-                        <a:t> </a:t>
-                      </a:r>
-                      <a:r>
-                        <a:rPr lang="en-US" sz="1200" kern="1200" dirty="0" err="1" smtClean="0">
-                          <a:solidFill>
-                            <a:schemeClr val="dk1"/>
-                          </a:solidFill>
-                          <a:latin typeface="Times New Roman"/>
-                          <a:ea typeface="Calibri"/>
-                          <a:cs typeface="Times New Roman"/>
-                        </a:rPr>
-                        <a:t>traiter</a:t>
-                      </a:r>
-                      <a:r>
-                        <a:rPr lang="en-US" sz="1200" kern="1200" dirty="0" smtClean="0">
-                          <a:solidFill>
-                            <a:schemeClr val="dk1"/>
-                          </a:solidFill>
-                          <a:latin typeface="Times New Roman"/>
-                          <a:ea typeface="Calibri"/>
-                          <a:cs typeface="Times New Roman"/>
-                        </a:rPr>
-                        <a:t> les </a:t>
-                      </a:r>
-                      <a:r>
-                        <a:rPr lang="en-US" sz="1200" kern="1200" dirty="0" err="1" smtClean="0">
-                          <a:solidFill>
-                            <a:schemeClr val="dk1"/>
-                          </a:solidFill>
-                          <a:latin typeface="Times New Roman"/>
-                          <a:ea typeface="Calibri"/>
-                          <a:cs typeface="Times New Roman"/>
-                        </a:rPr>
-                        <a:t>requêtes</a:t>
-                      </a:r>
-                      <a:r>
-                        <a:rPr lang="en-US" sz="1200" kern="1200" dirty="0" smtClean="0">
-                          <a:solidFill>
-                            <a:schemeClr val="dk1"/>
-                          </a:solidFill>
-                          <a:latin typeface="Times New Roman"/>
-                          <a:ea typeface="Calibri"/>
-                          <a:cs typeface="Times New Roman"/>
-                        </a:rPr>
-                        <a:t> qui </a:t>
-                      </a:r>
-                      <a:r>
-                        <a:rPr lang="en-US" sz="1200" kern="1200" dirty="0" err="1" smtClean="0">
-                          <a:solidFill>
-                            <a:schemeClr val="dk1"/>
-                          </a:solidFill>
-                          <a:latin typeface="Times New Roman"/>
-                          <a:ea typeface="Calibri"/>
-                          <a:cs typeface="Times New Roman"/>
-                        </a:rPr>
-                        <a:t>lui</a:t>
-                      </a:r>
-                      <a:r>
-                        <a:rPr lang="en-US" sz="1200" kern="1200" dirty="0" smtClean="0">
-                          <a:solidFill>
-                            <a:schemeClr val="dk1"/>
-                          </a:solidFill>
-                          <a:latin typeface="Times New Roman"/>
-                          <a:ea typeface="Calibri"/>
-                          <a:cs typeface="Times New Roman"/>
-                        </a:rPr>
-                        <a:t> </a:t>
-                      </a:r>
-                      <a:r>
-                        <a:rPr lang="en-US" sz="1200" kern="1200" dirty="0" err="1" smtClean="0">
-                          <a:solidFill>
-                            <a:schemeClr val="dk1"/>
-                          </a:solidFill>
-                          <a:latin typeface="Times New Roman"/>
-                          <a:ea typeface="Calibri"/>
-                          <a:cs typeface="Times New Roman"/>
-                        </a:rPr>
-                        <a:t>ont</a:t>
-                      </a:r>
-                      <a:r>
-                        <a:rPr lang="en-US" sz="1200" kern="1200" dirty="0" smtClean="0">
-                          <a:solidFill>
-                            <a:schemeClr val="dk1"/>
-                          </a:solidFill>
-                          <a:latin typeface="Times New Roman"/>
-                          <a:ea typeface="Calibri"/>
-                          <a:cs typeface="Times New Roman"/>
-                        </a:rPr>
-                        <a:t> </a:t>
-                      </a:r>
-                      <a:r>
-                        <a:rPr lang="en-US" sz="1200" kern="1200" dirty="0" err="1" smtClean="0">
-                          <a:solidFill>
-                            <a:schemeClr val="dk1"/>
-                          </a:solidFill>
-                          <a:latin typeface="Times New Roman"/>
-                          <a:ea typeface="Calibri"/>
-                          <a:cs typeface="Times New Roman"/>
-                        </a:rPr>
-                        <a:t>été</a:t>
-                      </a:r>
-                      <a:r>
-                        <a:rPr lang="en-US" sz="1200" kern="1200" dirty="0" smtClean="0">
-                          <a:solidFill>
-                            <a:schemeClr val="dk1"/>
-                          </a:solidFill>
-                          <a:latin typeface="Times New Roman"/>
-                          <a:ea typeface="Calibri"/>
-                          <a:cs typeface="Times New Roman"/>
-                        </a:rPr>
-                        <a:t> </a:t>
-                      </a:r>
-                      <a:r>
-                        <a:rPr lang="en-US" sz="1200" kern="1200" dirty="0" err="1" smtClean="0">
-                          <a:solidFill>
-                            <a:schemeClr val="dk1"/>
-                          </a:solidFill>
-                          <a:latin typeface="Times New Roman"/>
-                          <a:ea typeface="Calibri"/>
-                          <a:cs typeface="Times New Roman"/>
-                        </a:rPr>
-                        <a:t>envoyées</a:t>
-                      </a:r>
-                      <a:r>
-                        <a:rPr lang="en-US" sz="1200" kern="1200" dirty="0" smtClean="0">
-                          <a:solidFill>
-                            <a:schemeClr val="dk1"/>
-                          </a:solidFill>
-                          <a:latin typeface="Times New Roman"/>
-                          <a:ea typeface="Calibri"/>
-                          <a:cs typeface="Times New Roman"/>
-                        </a:rPr>
-                        <a:t> </a:t>
-                      </a:r>
-                      <a:r>
-                        <a:rPr lang="en-US" sz="1200" kern="1200" dirty="0" err="1" smtClean="0">
-                          <a:solidFill>
-                            <a:schemeClr val="dk1"/>
-                          </a:solidFill>
-                          <a:latin typeface="Times New Roman"/>
-                          <a:ea typeface="Calibri"/>
-                          <a:cs typeface="Times New Roman"/>
-                        </a:rPr>
-                        <a:t>que</a:t>
-                      </a:r>
-                      <a:r>
-                        <a:rPr lang="en-US" sz="1200" kern="1200" dirty="0" smtClean="0">
-                          <a:solidFill>
-                            <a:schemeClr val="dk1"/>
-                          </a:solidFill>
-                          <a:latin typeface="Times New Roman"/>
-                          <a:ea typeface="Calibri"/>
-                          <a:cs typeface="Times New Roman"/>
-                        </a:rPr>
-                        <a:t> </a:t>
-                      </a:r>
-                      <a:r>
-                        <a:rPr lang="en-US" sz="1200" kern="1200" dirty="0" err="1" smtClean="0">
-                          <a:solidFill>
-                            <a:schemeClr val="dk1"/>
-                          </a:solidFill>
-                          <a:latin typeface="Times New Roman"/>
-                          <a:ea typeface="Calibri"/>
-                          <a:cs typeface="Times New Roman"/>
-                        </a:rPr>
-                        <a:t>ce</a:t>
-                      </a:r>
-                      <a:r>
-                        <a:rPr lang="en-US" sz="1200" kern="1200" dirty="0" smtClean="0">
-                          <a:solidFill>
-                            <a:schemeClr val="dk1"/>
-                          </a:solidFill>
-                          <a:latin typeface="Times New Roman"/>
-                          <a:ea typeface="Calibri"/>
-                          <a:cs typeface="Times New Roman"/>
-                        </a:rPr>
-                        <a:t> </a:t>
-                      </a:r>
-                      <a:r>
-                        <a:rPr lang="en-US" sz="1200" kern="1200" dirty="0" err="1" smtClean="0">
-                          <a:solidFill>
-                            <a:schemeClr val="dk1"/>
-                          </a:solidFill>
-                          <a:latin typeface="Times New Roman"/>
-                          <a:ea typeface="Calibri"/>
-                          <a:cs typeface="Times New Roman"/>
-                        </a:rPr>
-                        <a:t>soit</a:t>
-                      </a:r>
-                      <a:r>
-                        <a:rPr lang="en-US" sz="1200" kern="1200" dirty="0" smtClean="0">
-                          <a:solidFill>
-                            <a:schemeClr val="dk1"/>
-                          </a:solidFill>
-                          <a:latin typeface="Times New Roman"/>
-                          <a:ea typeface="Calibri"/>
-                          <a:cs typeface="Times New Roman"/>
-                        </a:rPr>
-                        <a:t> de la part du RTDRS </a:t>
-                      </a:r>
-                      <a:r>
-                        <a:rPr lang="en-US" sz="1200" kern="1200" dirty="0" err="1" smtClean="0">
-                          <a:solidFill>
-                            <a:schemeClr val="dk1"/>
-                          </a:solidFill>
-                          <a:latin typeface="Times New Roman"/>
-                          <a:ea typeface="Calibri"/>
-                          <a:cs typeface="Times New Roman"/>
-                        </a:rPr>
-                        <a:t>ou</a:t>
-                      </a:r>
-                      <a:r>
-                        <a:rPr lang="en-US" sz="1200" kern="1200" dirty="0" smtClean="0">
-                          <a:solidFill>
-                            <a:schemeClr val="dk1"/>
-                          </a:solidFill>
-                          <a:latin typeface="Times New Roman"/>
-                          <a:ea typeface="Calibri"/>
-                          <a:cs typeface="Times New Roman"/>
-                        </a:rPr>
-                        <a:t> du </a:t>
-                      </a:r>
-                      <a:r>
-                        <a:rPr lang="en-US" sz="1200" kern="1200" dirty="0" err="1" smtClean="0">
-                          <a:solidFill>
-                            <a:schemeClr val="dk1"/>
-                          </a:solidFill>
-                          <a:latin typeface="Times New Roman"/>
-                          <a:ea typeface="Calibri"/>
-                          <a:cs typeface="Times New Roman"/>
-                        </a:rPr>
-                        <a:t>composant</a:t>
-                      </a:r>
-                      <a:r>
-                        <a:rPr lang="en-US" sz="1200" kern="1200" dirty="0" smtClean="0">
-                          <a:solidFill>
-                            <a:schemeClr val="dk1"/>
-                          </a:solidFill>
-                          <a:latin typeface="Times New Roman"/>
-                          <a:ea typeface="Calibri"/>
-                          <a:cs typeface="Times New Roman"/>
-                        </a:rPr>
-                        <a:t> </a:t>
-                      </a:r>
-                      <a:r>
-                        <a:rPr lang="en-US" sz="1200" kern="1200" dirty="0" err="1" smtClean="0">
-                          <a:solidFill>
-                            <a:schemeClr val="dk1"/>
-                          </a:solidFill>
-                          <a:latin typeface="Times New Roman"/>
-                          <a:ea typeface="Calibri"/>
-                          <a:cs typeface="Times New Roman"/>
-                        </a:rPr>
-                        <a:t>embarqué</a:t>
-                      </a:r>
-                      <a:r>
-                        <a:rPr lang="en-US" sz="1200" kern="1200" dirty="0" smtClean="0">
-                          <a:solidFill>
-                            <a:schemeClr val="dk1"/>
-                          </a:solidFill>
-                          <a:latin typeface="Times New Roman"/>
-                          <a:ea typeface="Calibri"/>
-                          <a:cs typeface="Times New Roman"/>
-                        </a:rPr>
-                        <a:t>.</a:t>
-                      </a:r>
-                      <a:endParaRPr lang="fr-FR" sz="1200" kern="1200" dirty="0" smtClean="0">
+                        <a:rPr lang="fr-FR" sz="1400" kern="1200" smtClean="0">
+                          <a:solidFill>
+                            <a:schemeClr val="dk1"/>
+                          </a:solidFill>
+                          <a:latin typeface="Times New Roman"/>
+                          <a:ea typeface="Calibri"/>
+                          <a:cs typeface="Times New Roman"/>
+                        </a:rPr>
+                        <a:t>Documentation </a:t>
+                      </a:r>
+                      <a:r>
+                        <a:rPr lang="fr-FR" sz="1400" kern="1200" dirty="0" smtClean="0">
+                          <a:solidFill>
+                            <a:schemeClr val="dk1"/>
+                          </a:solidFill>
+                          <a:latin typeface="Times New Roman"/>
+                          <a:ea typeface="Calibri"/>
+                          <a:cs typeface="Times New Roman"/>
+                        </a:rPr>
+                        <a:t>sur les algorithmes d’équilibrage de charge </a:t>
+                      </a:r>
+                    </a:p>
+                    <a:p>
+                      <a:r>
+                        <a:rPr lang="fr-FR" sz="1400" kern="1200" dirty="0" smtClean="0">
+                          <a:solidFill>
+                            <a:schemeClr val="dk1"/>
+                          </a:solidFill>
+                          <a:latin typeface="Times New Roman"/>
+                          <a:ea typeface="Calibri"/>
+                          <a:cs typeface="Times New Roman"/>
+                        </a:rPr>
+                        <a:t>-Estimation du temps d'indisponibilité toléré sur une durée donnée (un an par exemple) d’une copie du composant RTDG</a:t>
+                      </a:r>
+                    </a:p>
+                    <a:p>
+                      <a:r>
+                        <a:rPr lang="fr-FR" sz="1400" kern="1200" dirty="0" smtClean="0">
+                          <a:solidFill>
+                            <a:schemeClr val="dk1"/>
+                          </a:solidFill>
+                          <a:latin typeface="Times New Roman"/>
+                          <a:ea typeface="Calibri"/>
+                          <a:cs typeface="Times New Roman"/>
+                        </a:rPr>
+                        <a:t> -Définition de prototypes</a:t>
+                      </a:r>
+                      <a:endParaRPr lang="fr-FR" sz="1400" kern="1200" dirty="0" smtClean="0">
                         <a:solidFill>
                           <a:schemeClr val="dk1"/>
                         </a:solidFill>
@@ -8305,8 +7815,258 @@
                           <a:ea typeface="Times New Roman"/>
                           <a:cs typeface="Times New Roman"/>
                         </a:rPr>
-                        <a:t> RTDG.</a:t>
-                      </a:r>
+                        <a:t> RTDG</a:t>
+                      </a:r>
+                      <a:r>
+                        <a:rPr lang="en-US" sz="1200" dirty="0" smtClean="0">
+                          <a:latin typeface="Times New Roman"/>
+                          <a:ea typeface="Times New Roman"/>
+                          <a:cs typeface="Times New Roman"/>
+                        </a:rPr>
+                        <a:t>.</a:t>
+                      </a:r>
+                      <a:endParaRPr lang="en-US" sz="1100" dirty="0" smtClean="0">
+                        <a:latin typeface="Times New Roman"/>
+                        <a:ea typeface="Times New Roman"/>
+                        <a:cs typeface="Times New Roman"/>
+                      </a:endParaRPr>
+                    </a:p>
+                    <a:p>
+                      <a:pPr marL="0" algn="just" defTabSz="914400" rtl="0" eaLnBrk="1" latinLnBrk="0" hangingPunct="1">
+                        <a:lnSpc>
+                          <a:spcPct val="115000"/>
+                        </a:lnSpc>
+                        <a:spcAft>
+                          <a:spcPts val="1000"/>
+                        </a:spcAft>
+                      </a:pPr>
+                      <a:r>
+                        <a:rPr lang="en-US" sz="1200" kern="1200" dirty="0" smtClean="0">
+                          <a:solidFill>
+                            <a:schemeClr val="dk1"/>
+                          </a:solidFill>
+                          <a:latin typeface="Times New Roman"/>
+                          <a:ea typeface="Times New Roman"/>
+                          <a:cs typeface="Times New Roman"/>
+                        </a:rPr>
+                        <a:t>-</a:t>
+                      </a:r>
+                      <a:r>
+                        <a:rPr lang="en-US" sz="1200" kern="1200" dirty="0" err="1" smtClean="0">
+                          <a:solidFill>
+                            <a:schemeClr val="dk1"/>
+                          </a:solidFill>
+                          <a:latin typeface="Times New Roman"/>
+                          <a:ea typeface="Times New Roman"/>
+                          <a:cs typeface="Times New Roman"/>
+                        </a:rPr>
+                        <a:t>Risque</a:t>
+                      </a:r>
+                      <a:r>
+                        <a:rPr lang="en-US" sz="1200" kern="1200" dirty="0" smtClean="0">
+                          <a:solidFill>
+                            <a:schemeClr val="dk1"/>
+                          </a:solidFill>
+                          <a:latin typeface="Times New Roman"/>
+                          <a:ea typeface="Times New Roman"/>
+                          <a:cs typeface="Times New Roman"/>
+                        </a:rPr>
+                        <a:t> </a:t>
+                      </a:r>
+                      <a:r>
+                        <a:rPr lang="en-US" sz="1200" kern="1200" dirty="0" err="1" smtClean="0">
+                          <a:solidFill>
+                            <a:schemeClr val="dk1"/>
+                          </a:solidFill>
+                          <a:latin typeface="Times New Roman"/>
+                          <a:ea typeface="Times New Roman"/>
+                          <a:cs typeface="Times New Roman"/>
+                        </a:rPr>
+                        <a:t>que</a:t>
+                      </a:r>
+                      <a:r>
+                        <a:rPr lang="en-US" sz="1200" kern="1200" dirty="0" smtClean="0">
+                          <a:solidFill>
+                            <a:schemeClr val="dk1"/>
+                          </a:solidFill>
+                          <a:latin typeface="Times New Roman"/>
+                          <a:ea typeface="Times New Roman"/>
+                          <a:cs typeface="Times New Roman"/>
+                        </a:rPr>
+                        <a:t> le </a:t>
+                      </a:r>
+                      <a:r>
+                        <a:rPr lang="en-US" sz="1200" kern="1200" dirty="0" err="1" smtClean="0">
+                          <a:solidFill>
+                            <a:schemeClr val="dk1"/>
+                          </a:solidFill>
+                          <a:latin typeface="Times New Roman"/>
+                          <a:ea typeface="Times New Roman"/>
+                          <a:cs typeface="Times New Roman"/>
+                        </a:rPr>
+                        <a:t>composant</a:t>
+                      </a:r>
+                      <a:r>
+                        <a:rPr lang="en-US" sz="1200" kern="1200" dirty="0" smtClean="0">
+                          <a:solidFill>
+                            <a:schemeClr val="dk1"/>
+                          </a:solidFill>
+                          <a:latin typeface="Times New Roman"/>
+                          <a:ea typeface="Times New Roman"/>
+                          <a:cs typeface="Times New Roman"/>
+                        </a:rPr>
+                        <a:t> RTDG ne </a:t>
+                      </a:r>
+                      <a:r>
+                        <a:rPr lang="en-US" sz="1200" kern="1200" dirty="0" err="1" smtClean="0">
+                          <a:solidFill>
+                            <a:schemeClr val="dk1"/>
+                          </a:solidFill>
+                          <a:latin typeface="Times New Roman"/>
+                          <a:ea typeface="Times New Roman"/>
+                          <a:cs typeface="Times New Roman"/>
+                        </a:rPr>
+                        <a:t>reçoive</a:t>
+                      </a:r>
+                      <a:r>
+                        <a:rPr lang="en-US" sz="1200" kern="1200" dirty="0" smtClean="0">
+                          <a:solidFill>
+                            <a:schemeClr val="dk1"/>
+                          </a:solidFill>
+                          <a:latin typeface="Times New Roman"/>
+                          <a:ea typeface="Times New Roman"/>
+                          <a:cs typeface="Times New Roman"/>
+                        </a:rPr>
+                        <a:t> pas les </a:t>
+                      </a:r>
+                      <a:r>
+                        <a:rPr lang="en-US" sz="1200" kern="1200" dirty="0" err="1" smtClean="0">
+                          <a:solidFill>
+                            <a:schemeClr val="dk1"/>
+                          </a:solidFill>
+                          <a:latin typeface="Times New Roman"/>
+                          <a:ea typeface="Times New Roman"/>
+                          <a:cs typeface="Times New Roman"/>
+                        </a:rPr>
+                        <a:t>informations</a:t>
+                      </a:r>
+                      <a:r>
+                        <a:rPr lang="en-US" sz="1200" kern="1200" dirty="0" smtClean="0">
+                          <a:solidFill>
+                            <a:schemeClr val="dk1"/>
+                          </a:solidFill>
+                          <a:latin typeface="Times New Roman"/>
+                          <a:ea typeface="Times New Roman"/>
+                          <a:cs typeface="Times New Roman"/>
+                        </a:rPr>
+                        <a:t>, </a:t>
+                      </a:r>
+                      <a:r>
+                        <a:rPr lang="en-US" sz="1200" kern="1200" dirty="0" err="1" smtClean="0">
+                          <a:solidFill>
+                            <a:schemeClr val="dk1"/>
+                          </a:solidFill>
+                          <a:latin typeface="Times New Roman"/>
+                          <a:ea typeface="Times New Roman"/>
+                          <a:cs typeface="Times New Roman"/>
+                        </a:rPr>
+                        <a:t>représentant</a:t>
+                      </a:r>
+                      <a:r>
+                        <a:rPr lang="en-US" sz="1200" kern="1200" dirty="0" smtClean="0">
+                          <a:solidFill>
+                            <a:schemeClr val="dk1"/>
+                          </a:solidFill>
+                          <a:latin typeface="Times New Roman"/>
+                          <a:ea typeface="Times New Roman"/>
+                          <a:cs typeface="Times New Roman"/>
+                        </a:rPr>
+                        <a:t> les </a:t>
+                      </a:r>
+                      <a:r>
+                        <a:rPr lang="en-US" sz="1200" kern="1200" dirty="0" err="1" smtClean="0">
+                          <a:solidFill>
+                            <a:schemeClr val="dk1"/>
+                          </a:solidFill>
+                          <a:latin typeface="Times New Roman"/>
+                          <a:ea typeface="Times New Roman"/>
+                          <a:cs typeface="Times New Roman"/>
+                        </a:rPr>
+                        <a:t>ordres</a:t>
+                      </a:r>
+                      <a:r>
+                        <a:rPr lang="en-US" sz="1200" kern="1200" dirty="0" smtClean="0">
+                          <a:solidFill>
+                            <a:schemeClr val="dk1"/>
+                          </a:solidFill>
+                          <a:latin typeface="Times New Roman"/>
+                          <a:ea typeface="Times New Roman"/>
+                          <a:cs typeface="Times New Roman"/>
+                        </a:rPr>
+                        <a:t> de </a:t>
+                      </a:r>
+                      <a:r>
+                        <a:rPr lang="en-US" sz="1200" kern="1200" dirty="0" err="1" smtClean="0">
+                          <a:solidFill>
+                            <a:schemeClr val="dk1"/>
+                          </a:solidFill>
+                          <a:latin typeface="Times New Roman"/>
+                          <a:ea typeface="Times New Roman"/>
+                          <a:cs typeface="Times New Roman"/>
+                        </a:rPr>
+                        <a:t>contre-mesures</a:t>
+                      </a:r>
+                      <a:r>
+                        <a:rPr lang="en-US" sz="1200" kern="1200" dirty="0" smtClean="0">
+                          <a:solidFill>
+                            <a:schemeClr val="dk1"/>
+                          </a:solidFill>
+                          <a:latin typeface="Times New Roman"/>
+                          <a:ea typeface="Times New Roman"/>
+                          <a:cs typeface="Times New Roman"/>
+                        </a:rPr>
+                        <a:t> du </a:t>
+                      </a:r>
+                      <a:r>
+                        <a:rPr lang="en-US" sz="1200" kern="1200" dirty="0" err="1" smtClean="0">
+                          <a:solidFill>
+                            <a:schemeClr val="dk1"/>
+                          </a:solidFill>
+                          <a:latin typeface="Times New Roman"/>
+                          <a:ea typeface="Times New Roman"/>
+                          <a:cs typeface="Times New Roman"/>
+                        </a:rPr>
+                        <a:t>composant</a:t>
+                      </a:r>
+                      <a:r>
+                        <a:rPr lang="en-US" sz="1200" kern="1200" dirty="0" smtClean="0">
+                          <a:solidFill>
+                            <a:schemeClr val="dk1"/>
+                          </a:solidFill>
+                          <a:latin typeface="Times New Roman"/>
+                          <a:ea typeface="Times New Roman"/>
+                          <a:cs typeface="Times New Roman"/>
+                        </a:rPr>
+                        <a:t> RTDRS</a:t>
+                      </a:r>
+                      <a:endParaRPr lang="fr-FR" sz="1200" kern="1200" dirty="0" smtClean="0">
+                        <a:solidFill>
+                          <a:schemeClr val="dk1"/>
+                        </a:solidFill>
+                        <a:latin typeface="Times New Roman"/>
+                        <a:ea typeface="Times New Roman"/>
+                        <a:cs typeface="Times New Roman"/>
+                      </a:endParaRPr>
+                    </a:p>
+                    <a:p>
+                      <a:pPr algn="just">
+                        <a:lnSpc>
+                          <a:spcPct val="115000"/>
+                        </a:lnSpc>
+                        <a:spcAft>
+                          <a:spcPts val="1000"/>
+                        </a:spcAft>
+                      </a:pPr>
                       <a:endParaRPr lang="fr-FR" sz="1100" dirty="0">
                         <a:latin typeface="Cambria"/>
                         <a:ea typeface="Times New Roman"/>

--- a/trunk/Appli/Méthodologie/Général/Copil/Copil 1/VAL.pptx
+++ b/trunk/Appli/Méthodologie/Général/Copil/Copil 1/VAL.pptx
@@ -384,7 +384,7 @@
     </p:spTree>
     <p:extLst>
       <p:ext uri="{BB962C8B-B14F-4D97-AF65-F5344CB8AC3E}">
-        <p14:creationId xmlns:p14="http://schemas.microsoft.com/office/powerpoint/2010/main" xmlns="" val="958719818"/>
+        <p14:creationId xmlns="" xmlns:p14="http://schemas.microsoft.com/office/powerpoint/2010/main" val="958719818"/>
       </p:ext>
     </p:extLst>
   </p:cSld>
@@ -625,7 +625,7 @@
     </p:spTree>
     <p:extLst>
       <p:ext uri="{BB962C8B-B14F-4D97-AF65-F5344CB8AC3E}">
-        <p14:creationId xmlns:p14="http://schemas.microsoft.com/office/powerpoint/2010/main" xmlns="" val="1918925604"/>
+        <p14:creationId xmlns="" xmlns:p14="http://schemas.microsoft.com/office/powerpoint/2010/main" val="1918925604"/>
       </p:ext>
     </p:extLst>
   </p:cSld>
@@ -3980,7 +3980,7 @@
     </p:spTree>
     <p:extLst>
       <p:ext uri="{BB962C8B-B14F-4D97-AF65-F5344CB8AC3E}">
-        <p14:creationId xmlns:p14="http://schemas.microsoft.com/office/powerpoint/2010/main" xmlns="" val="3992780646"/>
+        <p14:creationId xmlns="" xmlns:p14="http://schemas.microsoft.com/office/powerpoint/2010/main" val="3992780646"/>
       </p:ext>
     </p:extLst>
   </p:cSld>
@@ -4049,7 +4049,7 @@
           <a:blip r:embed="rId2" cstate="print">
             <a:extLst>
               <a:ext uri="{28A0092B-C50C-407E-A947-70E740481C1C}">
-                <a14:useLocalDpi xmlns:a14="http://schemas.microsoft.com/office/drawing/2010/main" xmlns="" val="0"/>
+                <a14:useLocalDpi xmlns="" xmlns:a14="http://schemas.microsoft.com/office/drawing/2010/main" val="0"/>
               </a:ext>
             </a:extLst>
           </a:blip>
@@ -4073,14 +4073,14 @@
           <a:effectLst/>
           <a:extLst>
             <a:ext uri="{909E8E84-426E-40DD-AFC4-6F175D3DCCD1}">
-              <a14:hiddenFill xmlns:a14="http://schemas.microsoft.com/office/drawing/2010/main" xmlns="">
+              <a14:hiddenFill xmlns="" xmlns:a14="http://schemas.microsoft.com/office/drawing/2010/main">
                 <a:solidFill>
                   <a:schemeClr val="accent1"/>
                 </a:solidFill>
               </a14:hiddenFill>
             </a:ext>
             <a:ext uri="{91240B29-F687-4F45-9708-019B960494DF}">
-              <a14:hiddenLine xmlns:a14="http://schemas.microsoft.com/office/drawing/2010/main" xmlns="" w="9525">
+              <a14:hiddenLine xmlns="" xmlns:a14="http://schemas.microsoft.com/office/drawing/2010/main" w="9525">
                 <a:solidFill>
                   <a:schemeClr val="tx1"/>
                 </a:solidFill>
@@ -4090,7 +4090,7 @@
               </a14:hiddenLine>
             </a:ext>
             <a:ext uri="{AF507438-7753-43E0-B8FC-AC1667EBCBE1}">
-              <a14:hiddenEffects xmlns:a14="http://schemas.microsoft.com/office/drawing/2010/main" xmlns="">
+              <a14:hiddenEffects xmlns="" xmlns:a14="http://schemas.microsoft.com/office/drawing/2010/main">
                 <a:effectLst>
                   <a:outerShdw dist="35921" dir="2700000" algn="ctr" rotWithShape="0">
                     <a:schemeClr val="bg2"/>
@@ -4104,7 +4104,7 @@
     </p:spTree>
     <p:extLst>
       <p:ext uri="{BB962C8B-B14F-4D97-AF65-F5344CB8AC3E}">
-        <p14:creationId xmlns:p14="http://schemas.microsoft.com/office/powerpoint/2010/main" xmlns="" val="340587284"/>
+        <p14:creationId xmlns="" xmlns:p14="http://schemas.microsoft.com/office/powerpoint/2010/main" val="340587284"/>
       </p:ext>
     </p:extLst>
   </p:cSld>
@@ -4173,7 +4173,7 @@
           <a:blip r:embed="rId2" cstate="print">
             <a:extLst>
               <a:ext uri="{28A0092B-C50C-407E-A947-70E740481C1C}">
-                <a14:useLocalDpi xmlns:a14="http://schemas.microsoft.com/office/drawing/2010/main" xmlns="" val="0"/>
+                <a14:useLocalDpi xmlns="" xmlns:a14="http://schemas.microsoft.com/office/drawing/2010/main" val="0"/>
               </a:ext>
             </a:extLst>
           </a:blip>
@@ -4193,7 +4193,7 @@
           <a:noFill/>
           <a:extLst>
             <a:ext uri="{909E8E84-426E-40DD-AFC4-6F175D3DCCD1}">
-              <a14:hiddenFill xmlns:a14="http://schemas.microsoft.com/office/drawing/2010/main" xmlns="">
+              <a14:hiddenFill xmlns="" xmlns:a14="http://schemas.microsoft.com/office/drawing/2010/main">
                 <a:solidFill>
                   <a:srgbClr val="FFFFFF"/>
                 </a:solidFill>
@@ -4205,7 +4205,7 @@
     </p:spTree>
     <p:extLst>
       <p:ext uri="{BB962C8B-B14F-4D97-AF65-F5344CB8AC3E}">
-        <p14:creationId xmlns:p14="http://schemas.microsoft.com/office/powerpoint/2010/main" xmlns="" val="4292440096"/>
+        <p14:creationId xmlns="" xmlns:p14="http://schemas.microsoft.com/office/powerpoint/2010/main" val="4292440096"/>
       </p:ext>
     </p:extLst>
   </p:cSld>
@@ -4278,7 +4278,7 @@
           <p:nvPr>
             <p:extLst>
               <p:ext uri="{D42A27DB-BD31-4B8C-83A1-F6EECF244321}">
-                <p14:modId xmlns:p14="http://schemas.microsoft.com/office/powerpoint/2010/main" xmlns="" val="1117665806"/>
+                <p14:modId xmlns="" xmlns:p14="http://schemas.microsoft.com/office/powerpoint/2010/main" val="1117665806"/>
               </p:ext>
             </p:extLst>
           </p:nvPr>
@@ -6092,7 +6092,7 @@
     </p:spTree>
     <p:extLst>
       <p:ext uri="{BB962C8B-B14F-4D97-AF65-F5344CB8AC3E}">
-        <p14:creationId xmlns:p14="http://schemas.microsoft.com/office/powerpoint/2010/main" xmlns="" val="3388311297"/>
+        <p14:creationId xmlns="" xmlns:p14="http://schemas.microsoft.com/office/powerpoint/2010/main" val="3388311297"/>
       </p:ext>
     </p:extLst>
   </p:cSld>
@@ -6136,14 +6136,14 @@
             <p:ph idx="1"/>
             <p:extLst>
               <p:ext uri="{D42A27DB-BD31-4B8C-83A1-F6EECF244321}">
-                <p14:modId xmlns:p14="http://schemas.microsoft.com/office/powerpoint/2010/main" xmlns="" val="1037633673"/>
+                <p14:modId xmlns="" xmlns:p14="http://schemas.microsoft.com/office/powerpoint/2010/main" val="1037633673"/>
               </p:ext>
             </p:extLst>
           </p:nvPr>
         </p:nvGraphicFramePr>
         <p:xfrm>
           <a:off x="1" y="1166354"/>
-          <a:ext cx="9143999" cy="6392686"/>
+          <a:ext cx="9143999" cy="6166079"/>
         </p:xfrm>
         <a:graphic>
           <a:graphicData uri="http://schemas.openxmlformats.org/drawingml/2006/table">
@@ -7341,7 +7341,7 @@
                     <a:lstStyle/>
                     <a:p>
                       <a:r>
-                        <a:rPr lang="en-US" sz="1400" kern="1200" smtClean="0">
+                        <a:rPr lang="en-US" sz="1400" kern="1200" dirty="0" smtClean="0">
                           <a:solidFill>
                             <a:schemeClr val="dk1"/>
                           </a:solidFill>
@@ -7352,17 +7352,6 @@
                         <a:t>-</a:t>
                       </a:r>
                       <a:r>
-                        <a:rPr lang="fr-FR" sz="1400" kern="1200" smtClean="0">
-                          <a:solidFill>
-                            <a:schemeClr val="dk1"/>
-                          </a:solidFill>
-                          <a:latin typeface="Times New Roman"/>
-                          <a:ea typeface="Calibri"/>
-                          <a:cs typeface="Times New Roman"/>
-                        </a:rPr>
-                        <a:t>Documentation </a:t>
-                      </a:r>
-                      <a:r>
                         <a:rPr lang="fr-FR" sz="1400" kern="1200" dirty="0" smtClean="0">
                           <a:solidFill>
                             <a:schemeClr val="dk1"/>
@@ -7371,7 +7360,7 @@
                           <a:ea typeface="Calibri"/>
                           <a:cs typeface="Times New Roman"/>
                         </a:rPr>
-                        <a:t>sur les algorithmes d’équilibrage de charge </a:t>
+                        <a:t>Documentation sur les algorithmes d’équilibrage de charge </a:t>
                       </a:r>
                     </a:p>
                     <a:p>
@@ -8095,475 +8084,167 @@
                     <a:bodyPr/>
                     <a:lstStyle/>
                     <a:p>
-                      <a:pPr marL="0" algn="just" defTabSz="914400" rtl="0" eaLnBrk="1" latinLnBrk="0" hangingPunct="1">
-                        <a:lnSpc>
-                          <a:spcPct val="100000"/>
-                        </a:lnSpc>
-                        <a:spcAft>
-                          <a:spcPts val="1000"/>
-                        </a:spcAft>
-                      </a:pPr>
-                      <a:r>
-                        <a:rPr lang="en-US" sz="1200" kern="1200" dirty="0" smtClean="0">
-                          <a:solidFill>
-                            <a:schemeClr val="dk1"/>
-                          </a:solidFill>
-                          <a:latin typeface="Times New Roman"/>
-                          <a:ea typeface="Times New Roman"/>
-                          <a:cs typeface="Times New Roman"/>
-                        </a:rPr>
-                        <a:t>Documentation </a:t>
-                      </a:r>
-                      <a:r>
-                        <a:rPr lang="en-US" sz="1200" kern="1200" dirty="0" err="1" smtClean="0">
-                          <a:solidFill>
-                            <a:schemeClr val="dk1"/>
-                          </a:solidFill>
-                          <a:latin typeface="Times New Roman"/>
-                          <a:ea typeface="Times New Roman"/>
-                          <a:cs typeface="Times New Roman"/>
-                        </a:rPr>
-                        <a:t>sur</a:t>
-                      </a:r>
-                      <a:r>
-                        <a:rPr lang="en-US" sz="1200" kern="1200" dirty="0" smtClean="0">
-                          <a:solidFill>
-                            <a:schemeClr val="dk1"/>
-                          </a:solidFill>
-                          <a:latin typeface="Times New Roman"/>
-                          <a:ea typeface="Times New Roman"/>
-                          <a:cs typeface="Times New Roman"/>
-                        </a:rPr>
-                        <a:t> la RTSJ (Real Time Specification for Java)</a:t>
-                      </a:r>
-                      <a:endParaRPr lang="fr-FR" sz="1200" kern="1200" dirty="0" smtClean="0">
+                      <a:pPr marL="0" algn="l" defTabSz="914400" rtl="0" eaLnBrk="1" latinLnBrk="0" hangingPunct="1"/>
+                      <a:r>
+                        <a:rPr lang="fr-FR" sz="1800" kern="1200" dirty="0" smtClean="0">
+                          <a:solidFill>
+                            <a:schemeClr val="dk1"/>
+                          </a:solidFill>
+                          <a:latin typeface="+mn-lt"/>
+                          <a:ea typeface="+mn-ea"/>
+                          <a:cs typeface="+mn-cs"/>
+                        </a:rPr>
+                        <a:t>-</a:t>
+                      </a:r>
+                      <a:r>
+                        <a:rPr lang="fr-FR" sz="1400" kern="1200" dirty="0" smtClean="0">
+                          <a:solidFill>
+                            <a:schemeClr val="dk1"/>
+                          </a:solidFill>
+                          <a:latin typeface="Times New Roman"/>
+                          <a:ea typeface="Calibri"/>
+                          <a:cs typeface="Times New Roman"/>
+                        </a:rPr>
+                        <a:t>Documentation sur </a:t>
+                      </a:r>
+                      <a:r>
+                        <a:rPr lang="fr-FR" sz="1400" kern="1200" dirty="0" err="1" smtClean="0">
+                          <a:solidFill>
+                            <a:schemeClr val="dk1"/>
+                          </a:solidFill>
+                          <a:latin typeface="Times New Roman"/>
+                          <a:ea typeface="Calibri"/>
+                          <a:cs typeface="Times New Roman"/>
+                        </a:rPr>
+                        <a:t>ActiveMQ</a:t>
+                      </a:r>
+                      <a:r>
+                        <a:rPr lang="fr-FR" sz="1400" kern="1200" dirty="0" smtClean="0">
+                          <a:solidFill>
+                            <a:schemeClr val="dk1"/>
+                          </a:solidFill>
+                          <a:latin typeface="Times New Roman"/>
+                          <a:ea typeface="Calibri"/>
+                          <a:cs typeface="Times New Roman"/>
+                        </a:rPr>
+                        <a:t> : « </a:t>
+                      </a:r>
+                      <a:r>
+                        <a:rPr lang="fr-FR" sz="1400" kern="1200" dirty="0" err="1" smtClean="0">
+                          <a:solidFill>
+                            <a:schemeClr val="dk1"/>
+                          </a:solidFill>
+                          <a:latin typeface="Times New Roman"/>
+                          <a:ea typeface="Calibri"/>
+                          <a:cs typeface="Times New Roman"/>
+                        </a:rPr>
+                        <a:t>ActiveMQ</a:t>
+                      </a:r>
+                      <a:r>
+                        <a:rPr lang="fr-FR" sz="1400" kern="1200" dirty="0" smtClean="0">
+                          <a:solidFill>
+                            <a:schemeClr val="dk1"/>
+                          </a:solidFill>
+                          <a:latin typeface="Times New Roman"/>
+                          <a:ea typeface="Calibri"/>
+                          <a:cs typeface="Times New Roman"/>
+                        </a:rPr>
+                        <a:t> in action » de Bruce Snyder disponible en format papier et </a:t>
+                      </a:r>
+                      <a:r>
+                        <a:rPr lang="fr-FR" sz="1400" kern="1200" dirty="0" err="1" smtClean="0">
+                          <a:solidFill>
+                            <a:schemeClr val="dk1"/>
+                          </a:solidFill>
+                          <a:latin typeface="Times New Roman"/>
+                          <a:ea typeface="Calibri"/>
+                          <a:cs typeface="Times New Roman"/>
+                        </a:rPr>
+                        <a:t>ebook</a:t>
+                      </a:r>
+                      <a:endParaRPr lang="fr-FR" sz="1400" kern="1200" dirty="0" smtClean="0">
                         <a:solidFill>
                           <a:schemeClr val="dk1"/>
                         </a:solidFill>
                         <a:latin typeface="Times New Roman"/>
-                        <a:ea typeface="Times New Roman"/>
+                        <a:ea typeface="Calibri"/>
                         <a:cs typeface="Times New Roman"/>
                       </a:endParaRPr>
                     </a:p>
                     <a:p>
-                      <a:pPr marL="0" algn="just" defTabSz="914400" rtl="0" eaLnBrk="1" latinLnBrk="0" hangingPunct="1">
-                        <a:lnSpc>
-                          <a:spcPct val="100000"/>
-                        </a:lnSpc>
-                        <a:spcAft>
-                          <a:spcPts val="1000"/>
-                        </a:spcAft>
-                      </a:pPr>
-                      <a:r>
-                        <a:rPr lang="en-US" sz="1200" kern="1200" dirty="0" smtClean="0">
-                          <a:solidFill>
-                            <a:schemeClr val="dk1"/>
-                          </a:solidFill>
-                          <a:latin typeface="Times New Roman"/>
-                          <a:ea typeface="Times New Roman"/>
-                          <a:cs typeface="Times New Roman"/>
-                        </a:rPr>
-                        <a:t>-Documentation </a:t>
-                      </a:r>
-                      <a:r>
-                        <a:rPr lang="en-US" sz="1200" kern="1200" dirty="0" err="1" smtClean="0">
-                          <a:solidFill>
-                            <a:schemeClr val="dk1"/>
-                          </a:solidFill>
-                          <a:latin typeface="Times New Roman"/>
-                          <a:ea typeface="Times New Roman"/>
-                          <a:cs typeface="Times New Roman"/>
-                        </a:rPr>
-                        <a:t>sur</a:t>
-                      </a:r>
-                      <a:r>
-                        <a:rPr lang="en-US" sz="1200" kern="1200" dirty="0" smtClean="0">
-                          <a:solidFill>
-                            <a:schemeClr val="dk1"/>
-                          </a:solidFill>
-                          <a:latin typeface="Times New Roman"/>
-                          <a:ea typeface="Times New Roman"/>
-                          <a:cs typeface="Times New Roman"/>
-                        </a:rPr>
-                        <a:t> les JVM </a:t>
-                      </a:r>
-                      <a:r>
-                        <a:rPr lang="en-US" sz="1200" kern="1200" dirty="0" err="1" smtClean="0">
-                          <a:solidFill>
-                            <a:schemeClr val="dk1"/>
-                          </a:solidFill>
-                          <a:latin typeface="Times New Roman"/>
-                          <a:ea typeface="Times New Roman"/>
-                          <a:cs typeface="Times New Roman"/>
-                        </a:rPr>
-                        <a:t>représentant</a:t>
-                      </a:r>
-                      <a:r>
-                        <a:rPr lang="en-US" sz="1200" kern="1200" dirty="0" smtClean="0">
-                          <a:solidFill>
-                            <a:schemeClr val="dk1"/>
-                          </a:solidFill>
-                          <a:latin typeface="Times New Roman"/>
-                          <a:ea typeface="Times New Roman"/>
-                          <a:cs typeface="Times New Roman"/>
-                        </a:rPr>
-                        <a:t> les </a:t>
-                      </a:r>
-                      <a:r>
-                        <a:rPr lang="en-US" sz="1200" kern="1200" dirty="0" err="1" smtClean="0">
-                          <a:solidFill>
-                            <a:schemeClr val="dk1"/>
-                          </a:solidFill>
-                          <a:latin typeface="Times New Roman"/>
-                          <a:ea typeface="Times New Roman"/>
-                          <a:cs typeface="Times New Roman"/>
-                        </a:rPr>
-                        <a:t>implémentations</a:t>
-                      </a:r>
-                      <a:r>
-                        <a:rPr lang="en-US" sz="1200" kern="1200" dirty="0" smtClean="0">
-                          <a:solidFill>
-                            <a:schemeClr val="dk1"/>
-                          </a:solidFill>
-                          <a:latin typeface="Times New Roman"/>
-                          <a:ea typeface="Times New Roman"/>
-                          <a:cs typeface="Times New Roman"/>
-                        </a:rPr>
-                        <a:t> de la RTSJ : Sun JVM</a:t>
-                      </a:r>
-                      <a:endParaRPr lang="fr-FR" sz="1200" kern="1200" dirty="0" smtClean="0">
+                      <a:pPr marL="0" algn="l" defTabSz="914400" rtl="0" eaLnBrk="1" latinLnBrk="0" hangingPunct="1"/>
+                      <a:r>
+                        <a:rPr lang="fr-FR" sz="1400" kern="1200" dirty="0" smtClean="0">
+                          <a:solidFill>
+                            <a:schemeClr val="dk1"/>
+                          </a:solidFill>
+                          <a:latin typeface="Times New Roman"/>
+                          <a:ea typeface="Calibri"/>
+                          <a:cs typeface="Times New Roman"/>
+                        </a:rPr>
+                        <a:t>- Formation Samedi 08/12/12 en </a:t>
+                      </a:r>
+                      <a:r>
+                        <a:rPr lang="fr-FR" sz="1400" kern="1200" dirty="0" err="1" smtClean="0">
+                          <a:solidFill>
+                            <a:schemeClr val="dk1"/>
+                          </a:solidFill>
+                          <a:latin typeface="Times New Roman"/>
+                          <a:ea typeface="Calibri"/>
+                          <a:cs typeface="Times New Roman"/>
+                        </a:rPr>
+                        <a:t>ActiveMQ</a:t>
+                      </a:r>
+                      <a:r>
+                        <a:rPr lang="fr-FR" sz="1400" kern="1200" dirty="0" smtClean="0">
+                          <a:solidFill>
+                            <a:schemeClr val="dk1"/>
+                          </a:solidFill>
+                          <a:latin typeface="Times New Roman"/>
+                          <a:ea typeface="Calibri"/>
+                          <a:cs typeface="Times New Roman"/>
+                        </a:rPr>
+                        <a:t> avec Mr </a:t>
+                      </a:r>
+                      <a:r>
+                        <a:rPr lang="fr-FR" sz="1400" kern="1200" dirty="0" err="1" smtClean="0">
+                          <a:solidFill>
+                            <a:schemeClr val="dk1"/>
+                          </a:solidFill>
+                          <a:latin typeface="Times New Roman"/>
+                          <a:ea typeface="Calibri"/>
+                          <a:cs typeface="Times New Roman"/>
+                        </a:rPr>
+                        <a:t>Redouane</a:t>
+                      </a:r>
+                      <a:r>
+                        <a:rPr lang="fr-FR" sz="1400" kern="1200" dirty="0" smtClean="0">
+                          <a:solidFill>
+                            <a:schemeClr val="dk1"/>
+                          </a:solidFill>
+                          <a:latin typeface="Times New Roman"/>
+                          <a:ea typeface="Calibri"/>
+                          <a:cs typeface="Times New Roman"/>
+                        </a:rPr>
+                        <a:t> </a:t>
+                      </a:r>
+                      <a:r>
+                        <a:rPr lang="fr-FR" sz="1400" kern="1200" dirty="0" err="1" smtClean="0">
+                          <a:solidFill>
+                            <a:schemeClr val="dk1"/>
+                          </a:solidFill>
+                          <a:latin typeface="Times New Roman"/>
+                          <a:ea typeface="Calibri"/>
+                          <a:cs typeface="Times New Roman"/>
+                        </a:rPr>
+                        <a:t>Qarra</a:t>
+                      </a:r>
+                      <a:endParaRPr lang="fr-FR" sz="1400" kern="1200" dirty="0" smtClean="0">
                         <a:solidFill>
                           <a:schemeClr val="dk1"/>
                         </a:solidFill>
                         <a:latin typeface="Times New Roman"/>
-                        <a:ea typeface="Times New Roman"/>
-                        <a:cs typeface="Times New Roman"/>
-                      </a:endParaRPr>
-                    </a:p>
-                    <a:p>
-                      <a:pPr marL="0" algn="just" defTabSz="914400" rtl="0" eaLnBrk="1" latinLnBrk="0" hangingPunct="1">
-                        <a:lnSpc>
-                          <a:spcPct val="100000"/>
-                        </a:lnSpc>
-                        <a:spcAft>
-                          <a:spcPts val="1000"/>
-                        </a:spcAft>
-                      </a:pPr>
-                      <a:r>
-                        <a:rPr lang="en-US" sz="1200" kern="1200" dirty="0" smtClean="0">
-                          <a:solidFill>
-                            <a:schemeClr val="dk1"/>
-                          </a:solidFill>
-                          <a:latin typeface="Times New Roman"/>
-                          <a:ea typeface="Times New Roman"/>
-                          <a:cs typeface="Times New Roman"/>
-                        </a:rPr>
-                        <a:t>-Documentation </a:t>
-                      </a:r>
-                      <a:r>
-                        <a:rPr lang="en-US" sz="1200" kern="1200" dirty="0" err="1" smtClean="0">
-                          <a:solidFill>
-                            <a:schemeClr val="dk1"/>
-                          </a:solidFill>
-                          <a:latin typeface="Times New Roman"/>
-                          <a:ea typeface="Times New Roman"/>
-                          <a:cs typeface="Times New Roman"/>
-                        </a:rPr>
-                        <a:t>sur</a:t>
-                      </a:r>
-                      <a:r>
-                        <a:rPr lang="en-US" sz="1200" kern="1200" dirty="0" smtClean="0">
-                          <a:solidFill>
-                            <a:schemeClr val="dk1"/>
-                          </a:solidFill>
-                          <a:latin typeface="Times New Roman"/>
-                          <a:ea typeface="Times New Roman"/>
-                          <a:cs typeface="Times New Roman"/>
-                        </a:rPr>
-                        <a:t> </a:t>
-                      </a:r>
-                      <a:r>
-                        <a:rPr lang="en-US" sz="1200" kern="1200" dirty="0" err="1" smtClean="0">
-                          <a:solidFill>
-                            <a:schemeClr val="dk1"/>
-                          </a:solidFill>
-                          <a:latin typeface="Times New Roman"/>
-                          <a:ea typeface="Times New Roman"/>
-                          <a:cs typeface="Times New Roman"/>
-                        </a:rPr>
-                        <a:t>l’API</a:t>
-                      </a:r>
-                      <a:r>
-                        <a:rPr lang="en-US" sz="1200" kern="1200" dirty="0" smtClean="0">
-                          <a:solidFill>
-                            <a:schemeClr val="dk1"/>
-                          </a:solidFill>
-                          <a:latin typeface="Times New Roman"/>
-                          <a:ea typeface="Times New Roman"/>
-                          <a:cs typeface="Times New Roman"/>
-                        </a:rPr>
-                        <a:t> de temps </a:t>
-                      </a:r>
-                      <a:r>
-                        <a:rPr lang="en-US" sz="1200" kern="1200" dirty="0" err="1" smtClean="0">
-                          <a:solidFill>
-                            <a:schemeClr val="dk1"/>
-                          </a:solidFill>
-                          <a:latin typeface="Times New Roman"/>
-                          <a:ea typeface="Times New Roman"/>
-                          <a:cs typeface="Times New Roman"/>
-                        </a:rPr>
-                        <a:t>réel</a:t>
-                      </a:r>
-                      <a:r>
-                        <a:rPr lang="en-US" sz="1200" kern="1200" dirty="0" smtClean="0">
-                          <a:solidFill>
-                            <a:schemeClr val="dk1"/>
-                          </a:solidFill>
-                          <a:latin typeface="Times New Roman"/>
-                          <a:ea typeface="Times New Roman"/>
-                          <a:cs typeface="Times New Roman"/>
-                        </a:rPr>
-                        <a:t> se </a:t>
-                      </a:r>
-                      <a:r>
-                        <a:rPr lang="en-US" sz="1200" kern="1200" dirty="0" err="1" smtClean="0">
-                          <a:solidFill>
-                            <a:schemeClr val="dk1"/>
-                          </a:solidFill>
-                          <a:latin typeface="Times New Roman"/>
-                          <a:ea typeface="Times New Roman"/>
-                          <a:cs typeface="Times New Roman"/>
-                        </a:rPr>
-                        <a:t>trouvant</a:t>
-                      </a:r>
-                      <a:r>
-                        <a:rPr lang="en-US" sz="1200" kern="1200" dirty="0" smtClean="0">
-                          <a:solidFill>
-                            <a:schemeClr val="dk1"/>
-                          </a:solidFill>
-                          <a:latin typeface="Times New Roman"/>
-                          <a:ea typeface="Times New Roman"/>
-                          <a:cs typeface="Times New Roman"/>
-                        </a:rPr>
-                        <a:t> </a:t>
-                      </a:r>
-                      <a:r>
-                        <a:rPr lang="en-US" sz="1200" kern="1200" dirty="0" err="1" smtClean="0">
-                          <a:solidFill>
-                            <a:schemeClr val="dk1"/>
-                          </a:solidFill>
-                          <a:latin typeface="Times New Roman"/>
-                          <a:ea typeface="Times New Roman"/>
-                          <a:cs typeface="Times New Roman"/>
-                        </a:rPr>
-                        <a:t>dans</a:t>
-                      </a:r>
-                      <a:r>
-                        <a:rPr lang="en-US" sz="1200" kern="1200" dirty="0" smtClean="0">
-                          <a:solidFill>
-                            <a:schemeClr val="dk1"/>
-                          </a:solidFill>
-                          <a:latin typeface="Times New Roman"/>
-                          <a:ea typeface="Times New Roman"/>
-                          <a:cs typeface="Times New Roman"/>
-                        </a:rPr>
-                        <a:t> le package </a:t>
-                      </a:r>
-                      <a:r>
-                        <a:rPr lang="en-US" sz="1200" kern="1200" dirty="0" err="1" smtClean="0">
-                          <a:solidFill>
-                            <a:schemeClr val="dk1"/>
-                          </a:solidFill>
-                          <a:latin typeface="Times New Roman"/>
-                          <a:ea typeface="Times New Roman"/>
-                          <a:cs typeface="Times New Roman"/>
-                        </a:rPr>
-                        <a:t>javax.realtime</a:t>
-                      </a:r>
-                      <a:endParaRPr lang="fr-FR" sz="1200" kern="1200" dirty="0" smtClean="0">
-                        <a:solidFill>
-                          <a:schemeClr val="dk1"/>
-                        </a:solidFill>
-                        <a:latin typeface="Times New Roman"/>
-                        <a:ea typeface="Times New Roman"/>
-                        <a:cs typeface="Times New Roman"/>
-                      </a:endParaRPr>
-                    </a:p>
-                    <a:p>
-                      <a:pPr marL="0" algn="just" defTabSz="914400" rtl="0" eaLnBrk="1" latinLnBrk="0" hangingPunct="1">
-                        <a:lnSpc>
-                          <a:spcPct val="100000"/>
-                        </a:lnSpc>
-                        <a:spcAft>
-                          <a:spcPts val="1000"/>
-                        </a:spcAft>
-                      </a:pPr>
-                      <a:r>
-                        <a:rPr lang="en-US" sz="1200" kern="1200" dirty="0" smtClean="0">
-                          <a:solidFill>
-                            <a:schemeClr val="dk1"/>
-                          </a:solidFill>
-                          <a:latin typeface="Times New Roman"/>
-                          <a:ea typeface="Times New Roman"/>
-                          <a:cs typeface="Times New Roman"/>
-                        </a:rPr>
-                        <a:t>Site web : </a:t>
-                      </a:r>
-                      <a:r>
-                        <a:rPr lang="en-US" sz="1200" kern="1200" dirty="0" smtClean="0">
-                          <a:solidFill>
-                            <a:schemeClr val="dk1"/>
-                          </a:solidFill>
-                          <a:latin typeface="Times New Roman"/>
-                          <a:ea typeface="Times New Roman"/>
-                          <a:cs typeface="Times New Roman"/>
-                          <a:hlinkClick r:id="rId2"/>
-                        </a:rPr>
-                        <a:t>http://jrate.sourceforge.net/api/stable/javax/realtime/package-tree.html</a:t>
-                      </a:r>
-                      <a:endParaRPr lang="fr-FR" sz="1200" kern="1200" dirty="0" smtClean="0">
-                        <a:solidFill>
-                          <a:schemeClr val="dk1"/>
-                        </a:solidFill>
-                        <a:latin typeface="Times New Roman"/>
-                        <a:ea typeface="Times New Roman"/>
-                        <a:cs typeface="Times New Roman"/>
-                      </a:endParaRPr>
-                    </a:p>
-                    <a:p>
-                      <a:pPr marL="0" algn="just" defTabSz="914400" rtl="0" eaLnBrk="1" latinLnBrk="0" hangingPunct="1">
-                        <a:lnSpc>
-                          <a:spcPct val="100000"/>
-                        </a:lnSpc>
-                        <a:spcAft>
-                          <a:spcPts val="1000"/>
-                        </a:spcAft>
-                      </a:pPr>
-                      <a:r>
-                        <a:rPr lang="en-US" sz="1200" kern="1200" dirty="0" smtClean="0">
-                          <a:solidFill>
-                            <a:schemeClr val="dk1"/>
-                          </a:solidFill>
-                          <a:latin typeface="Times New Roman"/>
-                          <a:ea typeface="Times New Roman"/>
-                          <a:cs typeface="Times New Roman"/>
-                        </a:rPr>
-                        <a:t>-</a:t>
-                      </a:r>
-                      <a:r>
-                        <a:rPr lang="en-US" sz="1200" kern="1200" dirty="0" err="1" smtClean="0">
-                          <a:solidFill>
-                            <a:schemeClr val="dk1"/>
-                          </a:solidFill>
-                          <a:latin typeface="Times New Roman"/>
-                          <a:ea typeface="Times New Roman"/>
-                          <a:cs typeface="Times New Roman"/>
-                        </a:rPr>
-                        <a:t>Création</a:t>
-                      </a:r>
-                      <a:r>
-                        <a:rPr lang="en-US" sz="1200" kern="1200" dirty="0" smtClean="0">
-                          <a:solidFill>
-                            <a:schemeClr val="dk1"/>
-                          </a:solidFill>
-                          <a:latin typeface="Times New Roman"/>
-                          <a:ea typeface="Times New Roman"/>
-                          <a:cs typeface="Times New Roman"/>
-                        </a:rPr>
-                        <a:t> de thread qui </a:t>
-                      </a:r>
-                      <a:r>
-                        <a:rPr lang="en-US" sz="1200" kern="1200" dirty="0" err="1" smtClean="0">
-                          <a:solidFill>
-                            <a:schemeClr val="dk1"/>
-                          </a:solidFill>
-                          <a:latin typeface="Times New Roman"/>
-                          <a:ea typeface="Times New Roman"/>
-                          <a:cs typeface="Times New Roman"/>
-                        </a:rPr>
-                        <a:t>s’exécute</a:t>
-                      </a:r>
-                      <a:r>
-                        <a:rPr lang="en-US" sz="1200" kern="1200" dirty="0" smtClean="0">
-                          <a:solidFill>
-                            <a:schemeClr val="dk1"/>
-                          </a:solidFill>
-                          <a:latin typeface="Times New Roman"/>
-                          <a:ea typeface="Times New Roman"/>
-                          <a:cs typeface="Times New Roman"/>
-                        </a:rPr>
-                        <a:t> en temps </a:t>
-                      </a:r>
-                      <a:r>
-                        <a:rPr lang="en-US" sz="1200" kern="1200" dirty="0" err="1" smtClean="0">
-                          <a:solidFill>
-                            <a:schemeClr val="dk1"/>
-                          </a:solidFill>
-                          <a:latin typeface="Times New Roman"/>
-                          <a:ea typeface="Times New Roman"/>
-                          <a:cs typeface="Times New Roman"/>
-                        </a:rPr>
-                        <a:t>réel</a:t>
-                      </a:r>
-                      <a:endParaRPr lang="fr-FR" sz="1200" kern="1200" dirty="0" smtClean="0">
-                        <a:solidFill>
-                          <a:schemeClr val="dk1"/>
-                        </a:solidFill>
-                        <a:latin typeface="Times New Roman"/>
-                        <a:ea typeface="Times New Roman"/>
-                        <a:cs typeface="Times New Roman"/>
-                      </a:endParaRPr>
-                    </a:p>
-                    <a:p>
-                      <a:pPr marL="0" algn="just" defTabSz="914400" rtl="0" eaLnBrk="1" latinLnBrk="0" hangingPunct="1">
-                        <a:lnSpc>
-                          <a:spcPct val="100000"/>
-                        </a:lnSpc>
-                        <a:spcAft>
-                          <a:spcPts val="1000"/>
-                        </a:spcAft>
-                      </a:pPr>
-                      <a:r>
-                        <a:rPr lang="en-US" sz="1200" kern="1200" dirty="0" err="1" smtClean="0">
-                          <a:solidFill>
-                            <a:schemeClr val="dk1"/>
-                          </a:solidFill>
-                          <a:latin typeface="Times New Roman"/>
-                          <a:ea typeface="Times New Roman"/>
-                          <a:cs typeface="Times New Roman"/>
-                        </a:rPr>
-                        <a:t>Tutoriel</a:t>
-                      </a:r>
-                      <a:r>
-                        <a:rPr lang="en-US" sz="1200" kern="1200" dirty="0" smtClean="0">
-                          <a:solidFill>
-                            <a:schemeClr val="dk1"/>
-                          </a:solidFill>
-                          <a:latin typeface="Times New Roman"/>
-                          <a:ea typeface="Times New Roman"/>
-                          <a:cs typeface="Times New Roman"/>
-                        </a:rPr>
-                        <a:t> : </a:t>
-                      </a:r>
-                      <a:r>
-                        <a:rPr lang="en-US" sz="1200" kern="1200" dirty="0" smtClean="0">
-                          <a:solidFill>
-                            <a:schemeClr val="dk1"/>
-                          </a:solidFill>
-                          <a:latin typeface="Times New Roman"/>
-                          <a:ea typeface="Times New Roman"/>
-                          <a:cs typeface="Times New Roman"/>
-                          <a:hlinkClick r:id="rId3"/>
-                        </a:rPr>
-                        <a:t>http://www.infres.enst.fr/~domas/TPJavaRTS.html</a:t>
-                      </a:r>
-                      <a:endParaRPr lang="fr-FR" sz="1200" kern="1200" dirty="0" smtClean="0">
-                        <a:solidFill>
-                          <a:schemeClr val="dk1"/>
-                        </a:solidFill>
-                        <a:latin typeface="Times New Roman"/>
-                        <a:ea typeface="Times New Roman"/>
+                        <a:ea typeface="Calibri"/>
                         <a:cs typeface="Times New Roman"/>
                       </a:endParaRPr>
                     </a:p>
@@ -8636,7 +8317,7 @@
     </p:spTree>
     <p:extLst>
       <p:ext uri="{BB962C8B-B14F-4D97-AF65-F5344CB8AC3E}">
-        <p14:creationId xmlns:p14="http://schemas.microsoft.com/office/powerpoint/2010/main" xmlns="" val="1660990754"/>
+        <p14:creationId xmlns="" xmlns:p14="http://schemas.microsoft.com/office/powerpoint/2010/main" val="1660990754"/>
       </p:ext>
     </p:extLst>
   </p:cSld>
@@ -8787,7 +8468,7 @@
     </p:spTree>
     <p:extLst>
       <p:ext uri="{BB962C8B-B14F-4D97-AF65-F5344CB8AC3E}">
-        <p14:creationId xmlns:p14="http://schemas.microsoft.com/office/powerpoint/2010/main" xmlns="" val="1259481295"/>
+        <p14:creationId xmlns="" xmlns:p14="http://schemas.microsoft.com/office/powerpoint/2010/main" val="1259481295"/>
       </p:ext>
     </p:extLst>
   </p:cSld>
@@ -9600,7 +9281,7 @@
           <a:blip r:embed="rId2" cstate="print">
             <a:extLst>
               <a:ext uri="{28A0092B-C50C-407E-A947-70E740481C1C}">
-                <a14:useLocalDpi xmlns:a14="http://schemas.microsoft.com/office/drawing/2010/main" xmlns="" val="0"/>
+                <a14:useLocalDpi xmlns="" xmlns:a14="http://schemas.microsoft.com/office/drawing/2010/main" val="0"/>
               </a:ext>
             </a:extLst>
           </a:blip>
@@ -9624,14 +9305,14 @@
           <a:effectLst/>
           <a:extLst>
             <a:ext uri="{909E8E84-426E-40DD-AFC4-6F175D3DCCD1}">
-              <a14:hiddenFill xmlns:a14="http://schemas.microsoft.com/office/drawing/2010/main" xmlns="">
+              <a14:hiddenFill xmlns="" xmlns:a14="http://schemas.microsoft.com/office/drawing/2010/main">
                 <a:solidFill>
                   <a:schemeClr val="accent1"/>
                 </a:solidFill>
               </a14:hiddenFill>
             </a:ext>
             <a:ext uri="{91240B29-F687-4F45-9708-019B960494DF}">
-              <a14:hiddenLine xmlns:a14="http://schemas.microsoft.com/office/drawing/2010/main" xmlns="" w="9525">
+              <a14:hiddenLine xmlns="" xmlns:a14="http://schemas.microsoft.com/office/drawing/2010/main" w="9525">
                 <a:solidFill>
                   <a:schemeClr val="tx1"/>
                 </a:solidFill>
@@ -9641,7 +9322,7 @@
               </a14:hiddenLine>
             </a:ext>
             <a:ext uri="{AF507438-7753-43E0-B8FC-AC1667EBCBE1}">
-              <a14:hiddenEffects xmlns:a14="http://schemas.microsoft.com/office/drawing/2010/main" xmlns="">
+              <a14:hiddenEffects xmlns="" xmlns:a14="http://schemas.microsoft.com/office/drawing/2010/main">
                 <a:effectLst>
                   <a:outerShdw dist="35921" dir="2700000" algn="ctr" rotWithShape="0">
                     <a:schemeClr val="bg2"/>
@@ -9655,7 +9336,7 @@
     </p:spTree>
     <p:extLst>
       <p:ext uri="{BB962C8B-B14F-4D97-AF65-F5344CB8AC3E}">
-        <p14:creationId xmlns:p14="http://schemas.microsoft.com/office/powerpoint/2010/main" xmlns="" val="2043196274"/>
+        <p14:creationId xmlns="" xmlns:p14="http://schemas.microsoft.com/office/powerpoint/2010/main" val="2043196274"/>
       </p:ext>
     </p:extLst>
   </p:cSld>
@@ -9728,7 +9409,7 @@
           <a:blip r:embed="rId2" cstate="print">
             <a:extLst>
               <a:ext uri="{28A0092B-C50C-407E-A947-70E740481C1C}">
-                <a14:useLocalDpi xmlns:a14="http://schemas.microsoft.com/office/drawing/2010/main" xmlns="" val="0"/>
+                <a14:useLocalDpi xmlns="" xmlns:a14="http://schemas.microsoft.com/office/drawing/2010/main" val="0"/>
               </a:ext>
             </a:extLst>
           </a:blip>
@@ -9752,14 +9433,14 @@
           <a:effectLst/>
           <a:extLst>
             <a:ext uri="{909E8E84-426E-40DD-AFC4-6F175D3DCCD1}">
-              <a14:hiddenFill xmlns:a14="http://schemas.microsoft.com/office/drawing/2010/main" xmlns="">
+              <a14:hiddenFill xmlns="" xmlns:a14="http://schemas.microsoft.com/office/drawing/2010/main">
                 <a:solidFill>
                   <a:schemeClr val="accent1"/>
                 </a:solidFill>
               </a14:hiddenFill>
             </a:ext>
             <a:ext uri="{91240B29-F687-4F45-9708-019B960494DF}">
-              <a14:hiddenLine xmlns:a14="http://schemas.microsoft.com/office/drawing/2010/main" xmlns="" w="9525">
+              <a14:hiddenLine xmlns="" xmlns:a14="http://schemas.microsoft.com/office/drawing/2010/main" w="9525">
                 <a:solidFill>
                   <a:schemeClr val="tx1"/>
                 </a:solidFill>
@@ -9769,7 +9450,7 @@
               </a14:hiddenLine>
             </a:ext>
             <a:ext uri="{AF507438-7753-43E0-B8FC-AC1667EBCBE1}">
-              <a14:hiddenEffects xmlns:a14="http://schemas.microsoft.com/office/drawing/2010/main" xmlns="">
+              <a14:hiddenEffects xmlns="" xmlns:a14="http://schemas.microsoft.com/office/drawing/2010/main">
                 <a:effectLst>
                   <a:outerShdw dist="35921" dir="2700000" algn="ctr" rotWithShape="0">
                     <a:schemeClr val="bg2"/>
@@ -9783,7 +9464,7 @@
     </p:spTree>
     <p:extLst>
       <p:ext uri="{BB962C8B-B14F-4D97-AF65-F5344CB8AC3E}">
-        <p14:creationId xmlns:p14="http://schemas.microsoft.com/office/powerpoint/2010/main" xmlns="" val="349231435"/>
+        <p14:creationId xmlns="" xmlns:p14="http://schemas.microsoft.com/office/powerpoint/2010/main" val="349231435"/>
       </p:ext>
     </p:extLst>
   </p:cSld>
@@ -9852,7 +9533,7 @@
           <a:blip r:embed="rId3">
             <a:extLst>
               <a:ext uri="{28A0092B-C50C-407E-A947-70E740481C1C}">
-                <a14:useLocalDpi xmlns:a14="http://schemas.microsoft.com/office/drawing/2010/main" xmlns="" val="0"/>
+                <a14:useLocalDpi xmlns="" xmlns:a14="http://schemas.microsoft.com/office/drawing/2010/main" val="0"/>
               </a:ext>
             </a:extLst>
           </a:blip>
@@ -9882,7 +9563,7 @@
           <a:blip r:embed="rId3">
             <a:extLst>
               <a:ext uri="{28A0092B-C50C-407E-A947-70E740481C1C}">
-                <a14:useLocalDpi xmlns:a14="http://schemas.microsoft.com/office/drawing/2010/main" xmlns="" val="0"/>
+                <a14:useLocalDpi xmlns="" xmlns:a14="http://schemas.microsoft.com/office/drawing/2010/main" val="0"/>
               </a:ext>
             </a:extLst>
           </a:blip>
@@ -9912,7 +9593,7 @@
           <a:blip r:embed="rId4">
             <a:extLst>
               <a:ext uri="{28A0092B-C50C-407E-A947-70E740481C1C}">
-                <a14:useLocalDpi xmlns:a14="http://schemas.microsoft.com/office/drawing/2010/main" xmlns="" val="0"/>
+                <a14:useLocalDpi xmlns="" xmlns:a14="http://schemas.microsoft.com/office/drawing/2010/main" val="0"/>
               </a:ext>
             </a:extLst>
           </a:blip>
@@ -9942,7 +9623,7 @@
           <a:blip r:embed="rId4">
             <a:extLst>
               <a:ext uri="{28A0092B-C50C-407E-A947-70E740481C1C}">
-                <a14:useLocalDpi xmlns:a14="http://schemas.microsoft.com/office/drawing/2010/main" xmlns="" val="0"/>
+                <a14:useLocalDpi xmlns="" xmlns:a14="http://schemas.microsoft.com/office/drawing/2010/main" val="0"/>
               </a:ext>
             </a:extLst>
           </a:blip>
@@ -9972,7 +9653,7 @@
           <a:blip r:embed="rId4">
             <a:extLst>
               <a:ext uri="{28A0092B-C50C-407E-A947-70E740481C1C}">
-                <a14:useLocalDpi xmlns:a14="http://schemas.microsoft.com/office/drawing/2010/main" xmlns="" val="0"/>
+                <a14:useLocalDpi xmlns="" xmlns:a14="http://schemas.microsoft.com/office/drawing/2010/main" val="0"/>
               </a:ext>
             </a:extLst>
           </a:blip>
@@ -10301,7 +9982,7 @@
           <a:blip r:embed="rId5">
             <a:extLst>
               <a:ext uri="{28A0092B-C50C-407E-A947-70E740481C1C}">
-                <a14:useLocalDpi xmlns:a14="http://schemas.microsoft.com/office/drawing/2010/main" xmlns="" val="0"/>
+                <a14:useLocalDpi xmlns="" xmlns:a14="http://schemas.microsoft.com/office/drawing/2010/main" val="0"/>
               </a:ext>
             </a:extLst>
           </a:blip>
@@ -10331,7 +10012,7 @@
           <a:blip r:embed="rId6" cstate="print">
             <a:extLst>
               <a:ext uri="{28A0092B-C50C-407E-A947-70E740481C1C}">
-                <a14:useLocalDpi xmlns:a14="http://schemas.microsoft.com/office/drawing/2010/main" xmlns="" val="0"/>
+                <a14:useLocalDpi xmlns="" xmlns:a14="http://schemas.microsoft.com/office/drawing/2010/main" val="0"/>
               </a:ext>
             </a:extLst>
           </a:blip>
@@ -10361,7 +10042,7 @@
           <a:blip r:embed="rId7" cstate="print">
             <a:extLst>
               <a:ext uri="{28A0092B-C50C-407E-A947-70E740481C1C}">
-                <a14:useLocalDpi xmlns:a14="http://schemas.microsoft.com/office/drawing/2010/main" xmlns="" val="0"/>
+                <a14:useLocalDpi xmlns="" xmlns:a14="http://schemas.microsoft.com/office/drawing/2010/main" val="0"/>
               </a:ext>
             </a:extLst>
           </a:blip>
@@ -10500,7 +10181,7 @@
           <a:blip r:embed="rId8">
             <a:extLst>
               <a:ext uri="{28A0092B-C50C-407E-A947-70E740481C1C}">
-                <a14:useLocalDpi xmlns:a14="http://schemas.microsoft.com/office/drawing/2010/main" xmlns="" val="0"/>
+                <a14:useLocalDpi xmlns="" xmlns:a14="http://schemas.microsoft.com/office/drawing/2010/main" val="0"/>
               </a:ext>
             </a:extLst>
           </a:blip>
@@ -10530,7 +10211,7 @@
           <a:blip r:embed="rId4">
             <a:extLst>
               <a:ext uri="{28A0092B-C50C-407E-A947-70E740481C1C}">
-                <a14:useLocalDpi xmlns:a14="http://schemas.microsoft.com/office/drawing/2010/main" xmlns="" val="0"/>
+                <a14:useLocalDpi xmlns="" xmlns:a14="http://schemas.microsoft.com/office/drawing/2010/main" val="0"/>
               </a:ext>
             </a:extLst>
           </a:blip>
@@ -10560,7 +10241,7 @@
           <a:blip r:embed="rId9">
             <a:extLst>
               <a:ext uri="{28A0092B-C50C-407E-A947-70E740481C1C}">
-                <a14:useLocalDpi xmlns:a14="http://schemas.microsoft.com/office/drawing/2010/main" xmlns="" val="0"/>
+                <a14:useLocalDpi xmlns="" xmlns:a14="http://schemas.microsoft.com/office/drawing/2010/main" val="0"/>
               </a:ext>
             </a:extLst>
           </a:blip>
@@ -10584,14 +10265,14 @@
           <a:effectLst/>
           <a:extLst>
             <a:ext uri="{909E8E84-426E-40DD-AFC4-6F175D3DCCD1}">
-              <a14:hiddenFill xmlns:a14="http://schemas.microsoft.com/office/drawing/2010/main" xmlns="">
+              <a14:hiddenFill xmlns="" xmlns:a14="http://schemas.microsoft.com/office/drawing/2010/main">
                 <a:solidFill>
                   <a:schemeClr val="accent1"/>
                 </a:solidFill>
               </a14:hiddenFill>
             </a:ext>
             <a:ext uri="{91240B29-F687-4F45-9708-019B960494DF}">
-              <a14:hiddenLine xmlns:a14="http://schemas.microsoft.com/office/drawing/2010/main" xmlns="" w="9525">
+              <a14:hiddenLine xmlns="" xmlns:a14="http://schemas.microsoft.com/office/drawing/2010/main" w="9525">
                 <a:solidFill>
                   <a:schemeClr val="tx1"/>
                 </a:solidFill>
@@ -10601,7 +10282,7 @@
               </a14:hiddenLine>
             </a:ext>
             <a:ext uri="{AF507438-7753-43E0-B8FC-AC1667EBCBE1}">
-              <a14:hiddenEffects xmlns:a14="http://schemas.microsoft.com/office/drawing/2010/main" xmlns="">
+              <a14:hiddenEffects xmlns="" xmlns:a14="http://schemas.microsoft.com/office/drawing/2010/main">
                 <a:effectLst>
                   <a:outerShdw dist="35921" dir="2700000" algn="ctr" rotWithShape="0">
                     <a:schemeClr val="bg2"/>
@@ -10670,7 +10351,7 @@
           <a:blip r:embed="rId9">
             <a:extLst>
               <a:ext uri="{28A0092B-C50C-407E-A947-70E740481C1C}">
-                <a14:useLocalDpi xmlns:a14="http://schemas.microsoft.com/office/drawing/2010/main" xmlns="" val="0"/>
+                <a14:useLocalDpi xmlns="" xmlns:a14="http://schemas.microsoft.com/office/drawing/2010/main" val="0"/>
               </a:ext>
             </a:extLst>
           </a:blip>
@@ -10694,14 +10375,14 @@
           <a:effectLst/>
           <a:extLst>
             <a:ext uri="{909E8E84-426E-40DD-AFC4-6F175D3DCCD1}">
-              <a14:hiddenFill xmlns:a14="http://schemas.microsoft.com/office/drawing/2010/main" xmlns="">
+              <a14:hiddenFill xmlns="" xmlns:a14="http://schemas.microsoft.com/office/drawing/2010/main">
                 <a:solidFill>
                   <a:schemeClr val="accent1"/>
                 </a:solidFill>
               </a14:hiddenFill>
             </a:ext>
             <a:ext uri="{91240B29-F687-4F45-9708-019B960494DF}">
-              <a14:hiddenLine xmlns:a14="http://schemas.microsoft.com/office/drawing/2010/main" xmlns="" w="9525">
+              <a14:hiddenLine xmlns="" xmlns:a14="http://schemas.microsoft.com/office/drawing/2010/main" w="9525">
                 <a:solidFill>
                   <a:schemeClr val="tx1"/>
                 </a:solidFill>
@@ -10711,7 +10392,7 @@
               </a14:hiddenLine>
             </a:ext>
             <a:ext uri="{AF507438-7753-43E0-B8FC-AC1667EBCBE1}">
-              <a14:hiddenEffects xmlns:a14="http://schemas.microsoft.com/office/drawing/2010/main" xmlns="">
+              <a14:hiddenEffects xmlns="" xmlns:a14="http://schemas.microsoft.com/office/drawing/2010/main">
                 <a:effectLst>
                   <a:outerShdw dist="35921" dir="2700000" algn="ctr" rotWithShape="0">
                     <a:schemeClr val="bg2"/>
@@ -10734,7 +10415,7 @@
           <a:blip r:embed="rId3">
             <a:extLst>
               <a:ext uri="{28A0092B-C50C-407E-A947-70E740481C1C}">
-                <a14:useLocalDpi xmlns:a14="http://schemas.microsoft.com/office/drawing/2010/main" xmlns="" val="0"/>
+                <a14:useLocalDpi xmlns="" xmlns:a14="http://schemas.microsoft.com/office/drawing/2010/main" val="0"/>
               </a:ext>
             </a:extLst>
           </a:blip>
@@ -11063,7 +10744,7 @@
     </p:spTree>
     <p:extLst>
       <p:ext uri="{BB962C8B-B14F-4D97-AF65-F5344CB8AC3E}">
-        <p14:creationId xmlns:p14="http://schemas.microsoft.com/office/powerpoint/2010/main" xmlns="" val="2609155689"/>
+        <p14:creationId xmlns="" xmlns:p14="http://schemas.microsoft.com/office/powerpoint/2010/main" val="2609155689"/>
       </p:ext>
     </p:extLst>
   </p:cSld>
@@ -11132,7 +10813,7 @@
           <a:blip r:embed="rId2" cstate="print">
             <a:extLst>
               <a:ext uri="{28A0092B-C50C-407E-A947-70E740481C1C}">
-                <a14:useLocalDpi xmlns:a14="http://schemas.microsoft.com/office/drawing/2010/main" xmlns="" val="0"/>
+                <a14:useLocalDpi xmlns="" xmlns:a14="http://schemas.microsoft.com/office/drawing/2010/main" val="0"/>
               </a:ext>
             </a:extLst>
           </a:blip>
@@ -11152,7 +10833,7 @@
           <a:noFill/>
           <a:extLst>
             <a:ext uri="{909E8E84-426E-40DD-AFC4-6F175D3DCCD1}">
-              <a14:hiddenFill xmlns:a14="http://schemas.microsoft.com/office/drawing/2010/main" xmlns="">
+              <a14:hiddenFill xmlns="" xmlns:a14="http://schemas.microsoft.com/office/drawing/2010/main">
                 <a:solidFill>
                   <a:srgbClr val="FFFFFF"/>
                 </a:solidFill>
@@ -11164,7 +10845,7 @@
     </p:spTree>
     <p:extLst>
       <p:ext uri="{BB962C8B-B14F-4D97-AF65-F5344CB8AC3E}">
-        <p14:creationId xmlns:p14="http://schemas.microsoft.com/office/powerpoint/2010/main" xmlns="" val="547627724"/>
+        <p14:creationId xmlns="" xmlns:p14="http://schemas.microsoft.com/office/powerpoint/2010/main" val="547627724"/>
       </p:ext>
     </p:extLst>
   </p:cSld>
@@ -11210,7 +10891,7 @@
           <a:blip r:embed="rId2" cstate="print">
             <a:extLst>
               <a:ext uri="{28A0092B-C50C-407E-A947-70E740481C1C}">
-                <a14:useLocalDpi xmlns:a14="http://schemas.microsoft.com/office/drawing/2010/main" xmlns="" val="0"/>
+                <a14:useLocalDpi xmlns="" xmlns:a14="http://schemas.microsoft.com/office/drawing/2010/main" val="0"/>
               </a:ext>
             </a:extLst>
           </a:blip>
@@ -11230,7 +10911,7 @@
           <a:noFill/>
           <a:extLst>
             <a:ext uri="{909E8E84-426E-40DD-AFC4-6F175D3DCCD1}">
-              <a14:hiddenFill xmlns:a14="http://schemas.microsoft.com/office/drawing/2010/main" xmlns="">
+              <a14:hiddenFill xmlns="" xmlns:a14="http://schemas.microsoft.com/office/drawing/2010/main">
                 <a:solidFill>
                   <a:srgbClr val="FFFFFF"/>
                 </a:solidFill>
@@ -11270,7 +10951,7 @@
     </p:spTree>
     <p:extLst>
       <p:ext uri="{BB962C8B-B14F-4D97-AF65-F5344CB8AC3E}">
-        <p14:creationId xmlns:p14="http://schemas.microsoft.com/office/powerpoint/2010/main" xmlns="" val="3341074293"/>
+        <p14:creationId xmlns="" xmlns:p14="http://schemas.microsoft.com/office/powerpoint/2010/main" val="3341074293"/>
       </p:ext>
     </p:extLst>
   </p:cSld>
@@ -11470,7 +11151,7 @@
     </p:spTree>
     <p:extLst>
       <p:ext uri="{BB962C8B-B14F-4D97-AF65-F5344CB8AC3E}">
-        <p14:creationId xmlns:p14="http://schemas.microsoft.com/office/powerpoint/2010/main" xmlns="" val="3894779040"/>
+        <p14:creationId xmlns="" xmlns:p14="http://schemas.microsoft.com/office/powerpoint/2010/main" val="3894779040"/>
       </p:ext>
     </p:extLst>
   </p:cSld>
@@ -11516,7 +11197,7 @@
           <a:blip r:embed="rId2" cstate="print">
             <a:extLst>
               <a:ext uri="{28A0092B-C50C-407E-A947-70E740481C1C}">
-                <a14:useLocalDpi xmlns:a14="http://schemas.microsoft.com/office/drawing/2010/main" xmlns="" val="0"/>
+                <a14:useLocalDpi xmlns="" xmlns:a14="http://schemas.microsoft.com/office/drawing/2010/main" val="0"/>
               </a:ext>
             </a:extLst>
           </a:blip>
@@ -11540,14 +11221,14 @@
           <a:effectLst/>
           <a:extLst>
             <a:ext uri="{909E8E84-426E-40DD-AFC4-6F175D3DCCD1}">
-              <a14:hiddenFill xmlns:a14="http://schemas.microsoft.com/office/drawing/2010/main" xmlns="">
+              <a14:hiddenFill xmlns="" xmlns:a14="http://schemas.microsoft.com/office/drawing/2010/main">
                 <a:solidFill>
                   <a:schemeClr val="accent1"/>
                 </a:solidFill>
               </a14:hiddenFill>
             </a:ext>
             <a:ext uri="{91240B29-F687-4F45-9708-019B960494DF}">
-              <a14:hiddenLine xmlns:a14="http://schemas.microsoft.com/office/drawing/2010/main" xmlns="" w="9525">
+              <a14:hiddenLine xmlns="" xmlns:a14="http://schemas.microsoft.com/office/drawing/2010/main" w="9525">
                 <a:solidFill>
                   <a:schemeClr val="tx1"/>
                 </a:solidFill>
@@ -11557,7 +11238,7 @@
               </a14:hiddenLine>
             </a:ext>
             <a:ext uri="{AF507438-7753-43E0-B8FC-AC1667EBCBE1}">
-              <a14:hiddenEffects xmlns:a14="http://schemas.microsoft.com/office/drawing/2010/main" xmlns="">
+              <a14:hiddenEffects xmlns="" xmlns:a14="http://schemas.microsoft.com/office/drawing/2010/main">
                 <a:effectLst>
                   <a:outerShdw dist="35921" dir="2700000" algn="ctr" rotWithShape="0">
                     <a:schemeClr val="bg2"/>
@@ -11599,7 +11280,7 @@
     </p:spTree>
     <p:extLst>
       <p:ext uri="{BB962C8B-B14F-4D97-AF65-F5344CB8AC3E}">
-        <p14:creationId xmlns:p14="http://schemas.microsoft.com/office/powerpoint/2010/main" xmlns="" val="1239993373"/>
+        <p14:creationId xmlns="" xmlns:p14="http://schemas.microsoft.com/office/powerpoint/2010/main" val="1239993373"/>
       </p:ext>
     </p:extLst>
   </p:cSld>
@@ -12768,7 +12449,7 @@
     </p:spTree>
     <p:extLst>
       <p:ext uri="{BB962C8B-B14F-4D97-AF65-F5344CB8AC3E}">
-        <p14:creationId xmlns:p14="http://schemas.microsoft.com/office/powerpoint/2010/main" xmlns="" val="2899302471"/>
+        <p14:creationId xmlns="" xmlns:p14="http://schemas.microsoft.com/office/powerpoint/2010/main" val="2899302471"/>
       </p:ext>
     </p:extLst>
   </p:cSld>
@@ -13366,7 +13047,7 @@
     </p:spTree>
     <p:extLst>
       <p:ext uri="{BB962C8B-B14F-4D97-AF65-F5344CB8AC3E}">
-        <p14:creationId xmlns:p14="http://schemas.microsoft.com/office/powerpoint/2010/main" xmlns="" val="2025061542"/>
+        <p14:creationId xmlns="" xmlns:p14="http://schemas.microsoft.com/office/powerpoint/2010/main" val="2025061542"/>
       </p:ext>
     </p:extLst>
   </p:cSld>
@@ -13426,7 +13107,7 @@
     </p:spTree>
     <p:extLst>
       <p:ext uri="{BB962C8B-B14F-4D97-AF65-F5344CB8AC3E}">
-        <p14:creationId xmlns:p14="http://schemas.microsoft.com/office/powerpoint/2010/main" xmlns="" val="353800143"/>
+        <p14:creationId xmlns="" xmlns:p14="http://schemas.microsoft.com/office/powerpoint/2010/main" val="353800143"/>
       </p:ext>
     </p:extLst>
   </p:cSld>
@@ -13495,7 +13176,7 @@
           <a:blip r:embed="rId2" cstate="print">
             <a:extLst>
               <a:ext uri="{28A0092B-C50C-407E-A947-70E740481C1C}">
-                <a14:useLocalDpi xmlns:a14="http://schemas.microsoft.com/office/drawing/2010/main" xmlns="" val="0"/>
+                <a14:useLocalDpi xmlns="" xmlns:a14="http://schemas.microsoft.com/office/drawing/2010/main" val="0"/>
               </a:ext>
             </a:extLst>
           </a:blip>
@@ -13519,14 +13200,14 @@
           <a:effectLst/>
           <a:extLst>
             <a:ext uri="{909E8E84-426E-40DD-AFC4-6F175D3DCCD1}">
-              <a14:hiddenFill xmlns:a14="http://schemas.microsoft.com/office/drawing/2010/main" xmlns="">
+              <a14:hiddenFill xmlns="" xmlns:a14="http://schemas.microsoft.com/office/drawing/2010/main">
                 <a:solidFill>
                   <a:schemeClr val="accent1"/>
                 </a:solidFill>
               </a14:hiddenFill>
             </a:ext>
             <a:ext uri="{91240B29-F687-4F45-9708-019B960494DF}">
-              <a14:hiddenLine xmlns:a14="http://schemas.microsoft.com/office/drawing/2010/main" xmlns="" w="9525">
+              <a14:hiddenLine xmlns="" xmlns:a14="http://schemas.microsoft.com/office/drawing/2010/main" w="9525">
                 <a:solidFill>
                   <a:schemeClr val="tx1"/>
                 </a:solidFill>
@@ -13536,7 +13217,7 @@
               </a14:hiddenLine>
             </a:ext>
             <a:ext uri="{AF507438-7753-43E0-B8FC-AC1667EBCBE1}">
-              <a14:hiddenEffects xmlns:a14="http://schemas.microsoft.com/office/drawing/2010/main" xmlns="">
+              <a14:hiddenEffects xmlns="" xmlns:a14="http://schemas.microsoft.com/office/drawing/2010/main">
                 <a:effectLst>
                   <a:outerShdw dist="35921" dir="2700000" algn="ctr" rotWithShape="0">
                     <a:schemeClr val="bg2"/>
@@ -13550,7 +13231,7 @@
     </p:spTree>
     <p:extLst>
       <p:ext uri="{BB962C8B-B14F-4D97-AF65-F5344CB8AC3E}">
-        <p14:creationId xmlns:p14="http://schemas.microsoft.com/office/powerpoint/2010/main" xmlns="" val="1922197765"/>
+        <p14:creationId xmlns="" xmlns:p14="http://schemas.microsoft.com/office/powerpoint/2010/main" val="1922197765"/>
       </p:ext>
     </p:extLst>
   </p:cSld>
@@ -13624,7 +13305,7 @@
           <a:blip r:embed="rId2" cstate="print">
             <a:extLst>
               <a:ext uri="{28A0092B-C50C-407E-A947-70E740481C1C}">
-                <a14:useLocalDpi xmlns:a14="http://schemas.microsoft.com/office/drawing/2010/main" xmlns="" val="0"/>
+                <a14:useLocalDpi xmlns="" xmlns:a14="http://schemas.microsoft.com/office/drawing/2010/main" val="0"/>
               </a:ext>
             </a:extLst>
           </a:blip>
@@ -13648,14 +13329,14 @@
           <a:effectLst/>
           <a:extLst>
             <a:ext uri="{909E8E84-426E-40DD-AFC4-6F175D3DCCD1}">
-              <a14:hiddenFill xmlns:a14="http://schemas.microsoft.com/office/drawing/2010/main" xmlns="">
+              <a14:hiddenFill xmlns="" xmlns:a14="http://schemas.microsoft.com/office/drawing/2010/main">
                 <a:solidFill>
                   <a:schemeClr val="accent1"/>
                 </a:solidFill>
               </a14:hiddenFill>
             </a:ext>
             <a:ext uri="{91240B29-F687-4F45-9708-019B960494DF}">
-              <a14:hiddenLine xmlns:a14="http://schemas.microsoft.com/office/drawing/2010/main" xmlns="" w="9525">
+              <a14:hiddenLine xmlns="" xmlns:a14="http://schemas.microsoft.com/office/drawing/2010/main" w="9525">
                 <a:solidFill>
                   <a:schemeClr val="tx1"/>
                 </a:solidFill>
@@ -13665,7 +13346,7 @@
               </a14:hiddenLine>
             </a:ext>
             <a:ext uri="{AF507438-7753-43E0-B8FC-AC1667EBCBE1}">
-              <a14:hiddenEffects xmlns:a14="http://schemas.microsoft.com/office/drawing/2010/main" xmlns="">
+              <a14:hiddenEffects xmlns="" xmlns:a14="http://schemas.microsoft.com/office/drawing/2010/main">
                 <a:effectLst>
                   <a:outerShdw dist="35921" dir="2700000" algn="ctr" rotWithShape="0">
                     <a:schemeClr val="bg2"/>
@@ -13679,7 +13360,7 @@
     </p:spTree>
     <p:extLst>
       <p:ext uri="{BB962C8B-B14F-4D97-AF65-F5344CB8AC3E}">
-        <p14:creationId xmlns:p14="http://schemas.microsoft.com/office/powerpoint/2010/main" xmlns="" val="2572490974"/>
+        <p14:creationId xmlns="" xmlns:p14="http://schemas.microsoft.com/office/powerpoint/2010/main" val="2572490974"/>
       </p:ext>
     </p:extLst>
   </p:cSld>
@@ -13866,7 +13547,7 @@
     </p:spTree>
     <p:extLst>
       <p:ext uri="{BB962C8B-B14F-4D97-AF65-F5344CB8AC3E}">
-        <p14:creationId xmlns:p14="http://schemas.microsoft.com/office/powerpoint/2010/main" xmlns="" val="143085231"/>
+        <p14:creationId xmlns="" xmlns:p14="http://schemas.microsoft.com/office/powerpoint/2010/main" val="143085231"/>
       </p:ext>
     </p:extLst>
   </p:cSld>
@@ -14033,7 +13714,7 @@
           <p:nvPr>
             <p:extLst>
               <p:ext uri="{D42A27DB-BD31-4B8C-83A1-F6EECF244321}">
-                <p14:modId xmlns:p14="http://schemas.microsoft.com/office/powerpoint/2010/main" xmlns="" val="3943238416"/>
+                <p14:modId xmlns="" xmlns:p14="http://schemas.microsoft.com/office/powerpoint/2010/main" val="3943238416"/>
               </p:ext>
             </p:extLst>
           </p:nvPr>
@@ -15543,7 +15224,7 @@
           <a:blip r:embed="rId2" cstate="print">
             <a:extLst>
               <a:ext uri="{28A0092B-C50C-407E-A947-70E740481C1C}">
-                <a14:useLocalDpi xmlns:a14="http://schemas.microsoft.com/office/drawing/2010/main" xmlns="" val="0"/>
+                <a14:useLocalDpi xmlns="" xmlns:a14="http://schemas.microsoft.com/office/drawing/2010/main" val="0"/>
               </a:ext>
             </a:extLst>
           </a:blip>
@@ -15733,7 +15414,7 @@
     </p:spTree>
     <p:extLst>
       <p:ext uri="{BB962C8B-B14F-4D97-AF65-F5344CB8AC3E}">
-        <p14:creationId xmlns:p14="http://schemas.microsoft.com/office/powerpoint/2010/main" xmlns="" val="772982720"/>
+        <p14:creationId xmlns="" xmlns:p14="http://schemas.microsoft.com/office/powerpoint/2010/main" val="772982720"/>
       </p:ext>
     </p:extLst>
   </p:cSld>
@@ -16437,7 +16118,7 @@
           <a:blip r:embed="rId2" cstate="print">
             <a:extLst>
               <a:ext uri="{28A0092B-C50C-407E-A947-70E740481C1C}">
-                <a14:useLocalDpi xmlns:a14="http://schemas.microsoft.com/office/drawing/2010/main" xmlns="" val="0"/>
+                <a14:useLocalDpi xmlns="" xmlns:a14="http://schemas.microsoft.com/office/drawing/2010/main" val="0"/>
               </a:ext>
             </a:extLst>
           </a:blip>
@@ -16456,7 +16137,7 @@
     </p:spTree>
     <p:extLst>
       <p:ext uri="{BB962C8B-B14F-4D97-AF65-F5344CB8AC3E}">
-        <p14:creationId xmlns:p14="http://schemas.microsoft.com/office/powerpoint/2010/main" xmlns="" val="1632595821"/>
+        <p14:creationId xmlns="" xmlns:p14="http://schemas.microsoft.com/office/powerpoint/2010/main" val="1632595821"/>
       </p:ext>
     </p:extLst>
   </p:cSld>
@@ -16567,7 +16248,7 @@
     </p:spTree>
     <p:extLst>
       <p:ext uri="{BB962C8B-B14F-4D97-AF65-F5344CB8AC3E}">
-        <p14:creationId xmlns:p14="http://schemas.microsoft.com/office/powerpoint/2010/main" xmlns="" val="3574730836"/>
+        <p14:creationId xmlns="" xmlns:p14="http://schemas.microsoft.com/office/powerpoint/2010/main" val="3574730836"/>
       </p:ext>
     </p:extLst>
   </p:cSld>
@@ -17016,7 +16697,7 @@
     </p:spTree>
     <p:extLst>
       <p:ext uri="{BB962C8B-B14F-4D97-AF65-F5344CB8AC3E}">
-        <p14:creationId xmlns:p14="http://schemas.microsoft.com/office/powerpoint/2010/main" xmlns="" val="4137496560"/>
+        <p14:creationId xmlns="" xmlns:p14="http://schemas.microsoft.com/office/powerpoint/2010/main" val="4137496560"/>
       </p:ext>
     </p:extLst>
   </p:cSld>

--- a/trunk/Appli/Méthodologie/Général/Copil/Copil 1/VAL.pptx
+++ b/trunk/Appli/Méthodologie/Général/Copil/Copil 1/VAL.pptx
@@ -384,7 +384,7 @@
     </p:spTree>
     <p:extLst>
       <p:ext uri="{BB962C8B-B14F-4D97-AF65-F5344CB8AC3E}">
-        <p14:creationId xmlns="" xmlns:p14="http://schemas.microsoft.com/office/powerpoint/2010/main" val="958719818"/>
+        <p14:creationId xmlns:p14="http://schemas.microsoft.com/office/powerpoint/2010/main" xmlns="" val="958719818"/>
       </p:ext>
     </p:extLst>
   </p:cSld>
@@ -625,9 +625,91 @@
     </p:spTree>
     <p:extLst>
       <p:ext uri="{BB962C8B-B14F-4D97-AF65-F5344CB8AC3E}">
-        <p14:creationId xmlns="" xmlns:p14="http://schemas.microsoft.com/office/powerpoint/2010/main" val="1918925604"/>
+        <p14:creationId xmlns:p14="http://schemas.microsoft.com/office/powerpoint/2010/main" xmlns="" val="1918925604"/>
       </p:ext>
     </p:extLst>
+  </p:cSld>
+  <p:clrMapOvr>
+    <a:masterClrMapping/>
+  </p:clrMapOvr>
+</p:notes>
+</file>
+
+<file path=ppt/notesSlides/notesSlide2.xml><?xml version="1.0" encoding="utf-8"?>
+<p:notes xmlns:a="http://schemas.openxmlformats.org/drawingml/2006/main" xmlns:r="http://schemas.openxmlformats.org/officeDocument/2006/relationships" xmlns:p="http://schemas.openxmlformats.org/presentationml/2006/main">
+  <p:cSld>
+    <p:spTree>
+      <p:nvGrpSpPr>
+        <p:cNvPr id="1" name=""/>
+        <p:cNvGrpSpPr/>
+        <p:nvPr/>
+      </p:nvGrpSpPr>
+      <p:grpSpPr>
+        <a:xfrm>
+          <a:off x="0" y="0"/>
+          <a:ext cx="0" cy="0"/>
+          <a:chOff x="0" y="0"/>
+          <a:chExt cx="0" cy="0"/>
+        </a:xfrm>
+      </p:grpSpPr>
+      <p:sp>
+        <p:nvSpPr>
+          <p:cNvPr id="2" name="Espace réservé de l'image des diapositives 1"/>
+          <p:cNvSpPr>
+            <a:spLocks noGrp="1" noRot="1" noChangeAspect="1"/>
+          </p:cNvSpPr>
+          <p:nvPr>
+            <p:ph type="sldImg"/>
+          </p:nvPr>
+        </p:nvSpPr>
+        <p:spPr/>
+      </p:sp>
+      <p:sp>
+        <p:nvSpPr>
+          <p:cNvPr id="3" name="Espace réservé des commentaires 2"/>
+          <p:cNvSpPr>
+            <a:spLocks noGrp="1"/>
+          </p:cNvSpPr>
+          <p:nvPr>
+            <p:ph type="body" idx="1"/>
+          </p:nvPr>
+        </p:nvSpPr>
+        <p:spPr/>
+        <p:txBody>
+          <a:bodyPr>
+            <a:normAutofit/>
+          </a:bodyPr>
+          <a:lstStyle/>
+          <a:p>
+            <a:endParaRPr lang="fr-FR"/>
+          </a:p>
+        </p:txBody>
+      </p:sp>
+      <p:sp>
+        <p:nvSpPr>
+          <p:cNvPr id="4" name="Espace réservé du numéro de diapositive 3"/>
+          <p:cNvSpPr>
+            <a:spLocks noGrp="1"/>
+          </p:cNvSpPr>
+          <p:nvPr>
+            <p:ph type="sldNum" sz="quarter" idx="10"/>
+          </p:nvPr>
+        </p:nvSpPr>
+        <p:spPr/>
+        <p:txBody>
+          <a:bodyPr/>
+          <a:lstStyle/>
+          <a:p>
+            <a:fld id="{F98BCAEF-4157-483F-814F-91DCDC9C17BC}" type="slidenum">
+              <a:rPr lang="fr-FR" smtClean="0"/>
+              <a:pPr/>
+              <a:t>21</a:t>
+            </a:fld>
+            <a:endParaRPr lang="fr-FR"/>
+          </a:p>
+        </p:txBody>
+      </p:sp>
+    </p:spTree>
   </p:cSld>
   <p:clrMapOvr>
     <a:masterClrMapping/>
@@ -3980,7 +4062,7 @@
     </p:spTree>
     <p:extLst>
       <p:ext uri="{BB962C8B-B14F-4D97-AF65-F5344CB8AC3E}">
-        <p14:creationId xmlns="" xmlns:p14="http://schemas.microsoft.com/office/powerpoint/2010/main" val="3992780646"/>
+        <p14:creationId xmlns:p14="http://schemas.microsoft.com/office/powerpoint/2010/main" xmlns="" val="3992780646"/>
       </p:ext>
     </p:extLst>
   </p:cSld>
@@ -4049,7 +4131,7 @@
           <a:blip r:embed="rId2" cstate="print">
             <a:extLst>
               <a:ext uri="{28A0092B-C50C-407E-A947-70E740481C1C}">
-                <a14:useLocalDpi xmlns="" xmlns:a14="http://schemas.microsoft.com/office/drawing/2010/main" val="0"/>
+                <a14:useLocalDpi xmlns:a14="http://schemas.microsoft.com/office/drawing/2010/main" xmlns="" val="0"/>
               </a:ext>
             </a:extLst>
           </a:blip>
@@ -4073,14 +4155,14 @@
           <a:effectLst/>
           <a:extLst>
             <a:ext uri="{909E8E84-426E-40DD-AFC4-6F175D3DCCD1}">
-              <a14:hiddenFill xmlns="" xmlns:a14="http://schemas.microsoft.com/office/drawing/2010/main">
+              <a14:hiddenFill xmlns:a14="http://schemas.microsoft.com/office/drawing/2010/main" xmlns="">
                 <a:solidFill>
                   <a:schemeClr val="accent1"/>
                 </a:solidFill>
               </a14:hiddenFill>
             </a:ext>
             <a:ext uri="{91240B29-F687-4F45-9708-019B960494DF}">
-              <a14:hiddenLine xmlns="" xmlns:a14="http://schemas.microsoft.com/office/drawing/2010/main" w="9525">
+              <a14:hiddenLine xmlns:a14="http://schemas.microsoft.com/office/drawing/2010/main" xmlns="" w="9525">
                 <a:solidFill>
                   <a:schemeClr val="tx1"/>
                 </a:solidFill>
@@ -4090,7 +4172,7 @@
               </a14:hiddenLine>
             </a:ext>
             <a:ext uri="{AF507438-7753-43E0-B8FC-AC1667EBCBE1}">
-              <a14:hiddenEffects xmlns="" xmlns:a14="http://schemas.microsoft.com/office/drawing/2010/main">
+              <a14:hiddenEffects xmlns:a14="http://schemas.microsoft.com/office/drawing/2010/main" xmlns="">
                 <a:effectLst>
                   <a:outerShdw dist="35921" dir="2700000" algn="ctr" rotWithShape="0">
                     <a:schemeClr val="bg2"/>
@@ -4104,7 +4186,7 @@
     </p:spTree>
     <p:extLst>
       <p:ext uri="{BB962C8B-B14F-4D97-AF65-F5344CB8AC3E}">
-        <p14:creationId xmlns="" xmlns:p14="http://schemas.microsoft.com/office/powerpoint/2010/main" val="340587284"/>
+        <p14:creationId xmlns:p14="http://schemas.microsoft.com/office/powerpoint/2010/main" xmlns="" val="340587284"/>
       </p:ext>
     </p:extLst>
   </p:cSld>
@@ -4173,7 +4255,7 @@
           <a:blip r:embed="rId2" cstate="print">
             <a:extLst>
               <a:ext uri="{28A0092B-C50C-407E-A947-70E740481C1C}">
-                <a14:useLocalDpi xmlns="" xmlns:a14="http://schemas.microsoft.com/office/drawing/2010/main" val="0"/>
+                <a14:useLocalDpi xmlns:a14="http://schemas.microsoft.com/office/drawing/2010/main" xmlns="" val="0"/>
               </a:ext>
             </a:extLst>
           </a:blip>
@@ -4193,7 +4275,7 @@
           <a:noFill/>
           <a:extLst>
             <a:ext uri="{909E8E84-426E-40DD-AFC4-6F175D3DCCD1}">
-              <a14:hiddenFill xmlns="" xmlns:a14="http://schemas.microsoft.com/office/drawing/2010/main">
+              <a14:hiddenFill xmlns:a14="http://schemas.microsoft.com/office/drawing/2010/main" xmlns="">
                 <a:solidFill>
                   <a:srgbClr val="FFFFFF"/>
                 </a:solidFill>
@@ -4205,7 +4287,7 @@
     </p:spTree>
     <p:extLst>
       <p:ext uri="{BB962C8B-B14F-4D97-AF65-F5344CB8AC3E}">
-        <p14:creationId xmlns="" xmlns:p14="http://schemas.microsoft.com/office/powerpoint/2010/main" val="4292440096"/>
+        <p14:creationId xmlns:p14="http://schemas.microsoft.com/office/powerpoint/2010/main" xmlns="" val="4292440096"/>
       </p:ext>
     </p:extLst>
   </p:cSld>
@@ -4278,7 +4360,7 @@
           <p:nvPr>
             <p:extLst>
               <p:ext uri="{D42A27DB-BD31-4B8C-83A1-F6EECF244321}">
-                <p14:modId xmlns="" xmlns:p14="http://schemas.microsoft.com/office/powerpoint/2010/main" val="1117665806"/>
+                <p14:modId xmlns:p14="http://schemas.microsoft.com/office/powerpoint/2010/main" xmlns="" val="1117665806"/>
               </p:ext>
             </p:extLst>
           </p:nvPr>
@@ -6092,7 +6174,7 @@
     </p:spTree>
     <p:extLst>
       <p:ext uri="{BB962C8B-B14F-4D97-AF65-F5344CB8AC3E}">
-        <p14:creationId xmlns="" xmlns:p14="http://schemas.microsoft.com/office/powerpoint/2010/main" val="3388311297"/>
+        <p14:creationId xmlns:p14="http://schemas.microsoft.com/office/powerpoint/2010/main" xmlns="" val="3388311297"/>
       </p:ext>
     </p:extLst>
   </p:cSld>
@@ -6136,7 +6218,7 @@
             <p:ph idx="1"/>
             <p:extLst>
               <p:ext uri="{D42A27DB-BD31-4B8C-83A1-F6EECF244321}">
-                <p14:modId xmlns="" xmlns:p14="http://schemas.microsoft.com/office/powerpoint/2010/main" val="1037633673"/>
+                <p14:modId xmlns:p14="http://schemas.microsoft.com/office/powerpoint/2010/main" xmlns="" val="1037633673"/>
               </p:ext>
             </p:extLst>
           </p:nvPr>
@@ -8317,7 +8399,7 @@
     </p:spTree>
     <p:extLst>
       <p:ext uri="{BB962C8B-B14F-4D97-AF65-F5344CB8AC3E}">
-        <p14:creationId xmlns="" xmlns:p14="http://schemas.microsoft.com/office/powerpoint/2010/main" val="1660990754"/>
+        <p14:creationId xmlns:p14="http://schemas.microsoft.com/office/powerpoint/2010/main" xmlns="" val="1660990754"/>
       </p:ext>
     </p:extLst>
   </p:cSld>
@@ -8468,7 +8550,7 @@
     </p:spTree>
     <p:extLst>
       <p:ext uri="{BB962C8B-B14F-4D97-AF65-F5344CB8AC3E}">
-        <p14:creationId xmlns="" xmlns:p14="http://schemas.microsoft.com/office/powerpoint/2010/main" val="1259481295"/>
+        <p14:creationId xmlns:p14="http://schemas.microsoft.com/office/powerpoint/2010/main" xmlns="" val="1259481295"/>
       </p:ext>
     </p:extLst>
   </p:cSld>
@@ -9281,7 +9363,7 @@
           <a:blip r:embed="rId2" cstate="print">
             <a:extLst>
               <a:ext uri="{28A0092B-C50C-407E-A947-70E740481C1C}">
-                <a14:useLocalDpi xmlns="" xmlns:a14="http://schemas.microsoft.com/office/drawing/2010/main" val="0"/>
+                <a14:useLocalDpi xmlns:a14="http://schemas.microsoft.com/office/drawing/2010/main" xmlns="" val="0"/>
               </a:ext>
             </a:extLst>
           </a:blip>
@@ -9305,14 +9387,14 @@
           <a:effectLst/>
           <a:extLst>
             <a:ext uri="{909E8E84-426E-40DD-AFC4-6F175D3DCCD1}">
-              <a14:hiddenFill xmlns="" xmlns:a14="http://schemas.microsoft.com/office/drawing/2010/main">
+              <a14:hiddenFill xmlns:a14="http://schemas.microsoft.com/office/drawing/2010/main" xmlns="">
                 <a:solidFill>
                   <a:schemeClr val="accent1"/>
                 </a:solidFill>
               </a14:hiddenFill>
             </a:ext>
             <a:ext uri="{91240B29-F687-4F45-9708-019B960494DF}">
-              <a14:hiddenLine xmlns="" xmlns:a14="http://schemas.microsoft.com/office/drawing/2010/main" w="9525">
+              <a14:hiddenLine xmlns:a14="http://schemas.microsoft.com/office/drawing/2010/main" xmlns="" w="9525">
                 <a:solidFill>
                   <a:schemeClr val="tx1"/>
                 </a:solidFill>
@@ -9322,7 +9404,7 @@
               </a14:hiddenLine>
             </a:ext>
             <a:ext uri="{AF507438-7753-43E0-B8FC-AC1667EBCBE1}">
-              <a14:hiddenEffects xmlns="" xmlns:a14="http://schemas.microsoft.com/office/drawing/2010/main">
+              <a14:hiddenEffects xmlns:a14="http://schemas.microsoft.com/office/drawing/2010/main" xmlns="">
                 <a:effectLst>
                   <a:outerShdw dist="35921" dir="2700000" algn="ctr" rotWithShape="0">
                     <a:schemeClr val="bg2"/>
@@ -9336,7 +9418,7 @@
     </p:spTree>
     <p:extLst>
       <p:ext uri="{BB962C8B-B14F-4D97-AF65-F5344CB8AC3E}">
-        <p14:creationId xmlns="" xmlns:p14="http://schemas.microsoft.com/office/powerpoint/2010/main" val="2043196274"/>
+        <p14:creationId xmlns:p14="http://schemas.microsoft.com/office/powerpoint/2010/main" xmlns="" val="2043196274"/>
       </p:ext>
     </p:extLst>
   </p:cSld>
@@ -9409,7 +9491,7 @@
           <a:blip r:embed="rId2" cstate="print">
             <a:extLst>
               <a:ext uri="{28A0092B-C50C-407E-A947-70E740481C1C}">
-                <a14:useLocalDpi xmlns="" xmlns:a14="http://schemas.microsoft.com/office/drawing/2010/main" val="0"/>
+                <a14:useLocalDpi xmlns:a14="http://schemas.microsoft.com/office/drawing/2010/main" xmlns="" val="0"/>
               </a:ext>
             </a:extLst>
           </a:blip>
@@ -9433,14 +9515,14 @@
           <a:effectLst/>
           <a:extLst>
             <a:ext uri="{909E8E84-426E-40DD-AFC4-6F175D3DCCD1}">
-              <a14:hiddenFill xmlns="" xmlns:a14="http://schemas.microsoft.com/office/drawing/2010/main">
+              <a14:hiddenFill xmlns:a14="http://schemas.microsoft.com/office/drawing/2010/main" xmlns="">
                 <a:solidFill>
                   <a:schemeClr val="accent1"/>
                 </a:solidFill>
               </a14:hiddenFill>
             </a:ext>
             <a:ext uri="{91240B29-F687-4F45-9708-019B960494DF}">
-              <a14:hiddenLine xmlns="" xmlns:a14="http://schemas.microsoft.com/office/drawing/2010/main" w="9525">
+              <a14:hiddenLine xmlns:a14="http://schemas.microsoft.com/office/drawing/2010/main" xmlns="" w="9525">
                 <a:solidFill>
                   <a:schemeClr val="tx1"/>
                 </a:solidFill>
@@ -9450,7 +9532,7 @@
               </a14:hiddenLine>
             </a:ext>
             <a:ext uri="{AF507438-7753-43E0-B8FC-AC1667EBCBE1}">
-              <a14:hiddenEffects xmlns="" xmlns:a14="http://schemas.microsoft.com/office/drawing/2010/main">
+              <a14:hiddenEffects xmlns:a14="http://schemas.microsoft.com/office/drawing/2010/main" xmlns="">
                 <a:effectLst>
                   <a:outerShdw dist="35921" dir="2700000" algn="ctr" rotWithShape="0">
                     <a:schemeClr val="bg2"/>
@@ -9464,7 +9546,7 @@
     </p:spTree>
     <p:extLst>
       <p:ext uri="{BB962C8B-B14F-4D97-AF65-F5344CB8AC3E}">
-        <p14:creationId xmlns="" xmlns:p14="http://schemas.microsoft.com/office/powerpoint/2010/main" val="349231435"/>
+        <p14:creationId xmlns:p14="http://schemas.microsoft.com/office/powerpoint/2010/main" xmlns="" val="349231435"/>
       </p:ext>
     </p:extLst>
   </p:cSld>
@@ -9530,10 +9612,10 @@
           <p:nvPr/>
         </p:nvPicPr>
         <p:blipFill>
-          <a:blip r:embed="rId3">
+          <a:blip r:embed="rId3" cstate="print">
             <a:extLst>
               <a:ext uri="{28A0092B-C50C-407E-A947-70E740481C1C}">
-                <a14:useLocalDpi xmlns="" xmlns:a14="http://schemas.microsoft.com/office/drawing/2010/main" val="0"/>
+                <a14:useLocalDpi xmlns:a14="http://schemas.microsoft.com/office/drawing/2010/main" xmlns="" val="0"/>
               </a:ext>
             </a:extLst>
           </a:blip>
@@ -9560,10 +9642,10 @@
           <p:nvPr/>
         </p:nvPicPr>
         <p:blipFill>
-          <a:blip r:embed="rId3">
+          <a:blip r:embed="rId3" cstate="print">
             <a:extLst>
               <a:ext uri="{28A0092B-C50C-407E-A947-70E740481C1C}">
-                <a14:useLocalDpi xmlns="" xmlns:a14="http://schemas.microsoft.com/office/drawing/2010/main" val="0"/>
+                <a14:useLocalDpi xmlns:a14="http://schemas.microsoft.com/office/drawing/2010/main" xmlns="" val="0"/>
               </a:ext>
             </a:extLst>
           </a:blip>
@@ -9590,10 +9672,10 @@
           <p:nvPr/>
         </p:nvPicPr>
         <p:blipFill>
-          <a:blip r:embed="rId4">
+          <a:blip r:embed="rId4" cstate="print">
             <a:extLst>
               <a:ext uri="{28A0092B-C50C-407E-A947-70E740481C1C}">
-                <a14:useLocalDpi xmlns="" xmlns:a14="http://schemas.microsoft.com/office/drawing/2010/main" val="0"/>
+                <a14:useLocalDpi xmlns:a14="http://schemas.microsoft.com/office/drawing/2010/main" xmlns="" val="0"/>
               </a:ext>
             </a:extLst>
           </a:blip>
@@ -9620,10 +9702,10 @@
           <p:nvPr/>
         </p:nvPicPr>
         <p:blipFill>
-          <a:blip r:embed="rId4">
+          <a:blip r:embed="rId4" cstate="print">
             <a:extLst>
               <a:ext uri="{28A0092B-C50C-407E-A947-70E740481C1C}">
-                <a14:useLocalDpi xmlns="" xmlns:a14="http://schemas.microsoft.com/office/drawing/2010/main" val="0"/>
+                <a14:useLocalDpi xmlns:a14="http://schemas.microsoft.com/office/drawing/2010/main" xmlns="" val="0"/>
               </a:ext>
             </a:extLst>
           </a:blip>
@@ -9650,10 +9732,10 @@
           <p:nvPr/>
         </p:nvPicPr>
         <p:blipFill>
-          <a:blip r:embed="rId4">
+          <a:blip r:embed="rId4" cstate="print">
             <a:extLst>
               <a:ext uri="{28A0092B-C50C-407E-A947-70E740481C1C}">
-                <a14:useLocalDpi xmlns="" xmlns:a14="http://schemas.microsoft.com/office/drawing/2010/main" val="0"/>
+                <a14:useLocalDpi xmlns:a14="http://schemas.microsoft.com/office/drawing/2010/main" xmlns="" val="0"/>
               </a:ext>
             </a:extLst>
           </a:blip>
@@ -9979,10 +10061,10 @@
           <p:nvPr/>
         </p:nvPicPr>
         <p:blipFill>
-          <a:blip r:embed="rId5">
+          <a:blip r:embed="rId5" cstate="print">
             <a:extLst>
               <a:ext uri="{28A0092B-C50C-407E-A947-70E740481C1C}">
-                <a14:useLocalDpi xmlns="" xmlns:a14="http://schemas.microsoft.com/office/drawing/2010/main" val="0"/>
+                <a14:useLocalDpi xmlns:a14="http://schemas.microsoft.com/office/drawing/2010/main" xmlns="" val="0"/>
               </a:ext>
             </a:extLst>
           </a:blip>
@@ -10012,7 +10094,7 @@
           <a:blip r:embed="rId6" cstate="print">
             <a:extLst>
               <a:ext uri="{28A0092B-C50C-407E-A947-70E740481C1C}">
-                <a14:useLocalDpi xmlns="" xmlns:a14="http://schemas.microsoft.com/office/drawing/2010/main" val="0"/>
+                <a14:useLocalDpi xmlns:a14="http://schemas.microsoft.com/office/drawing/2010/main" xmlns="" val="0"/>
               </a:ext>
             </a:extLst>
           </a:blip>
@@ -10042,7 +10124,7 @@
           <a:blip r:embed="rId7" cstate="print">
             <a:extLst>
               <a:ext uri="{28A0092B-C50C-407E-A947-70E740481C1C}">
-                <a14:useLocalDpi xmlns="" xmlns:a14="http://schemas.microsoft.com/office/drawing/2010/main" val="0"/>
+                <a14:useLocalDpi xmlns:a14="http://schemas.microsoft.com/office/drawing/2010/main" xmlns="" val="0"/>
               </a:ext>
             </a:extLst>
           </a:blip>
@@ -10178,10 +10260,10 @@
           <p:nvPr/>
         </p:nvPicPr>
         <p:blipFill>
-          <a:blip r:embed="rId8">
+          <a:blip r:embed="rId8" cstate="print">
             <a:extLst>
               <a:ext uri="{28A0092B-C50C-407E-A947-70E740481C1C}">
-                <a14:useLocalDpi xmlns="" xmlns:a14="http://schemas.microsoft.com/office/drawing/2010/main" val="0"/>
+                <a14:useLocalDpi xmlns:a14="http://schemas.microsoft.com/office/drawing/2010/main" xmlns="" val="0"/>
               </a:ext>
             </a:extLst>
           </a:blip>
@@ -10208,10 +10290,10 @@
           <p:nvPr/>
         </p:nvPicPr>
         <p:blipFill>
-          <a:blip r:embed="rId4">
+          <a:blip r:embed="rId4" cstate="print">
             <a:extLst>
               <a:ext uri="{28A0092B-C50C-407E-A947-70E740481C1C}">
-                <a14:useLocalDpi xmlns="" xmlns:a14="http://schemas.microsoft.com/office/drawing/2010/main" val="0"/>
+                <a14:useLocalDpi xmlns:a14="http://schemas.microsoft.com/office/drawing/2010/main" xmlns="" val="0"/>
               </a:ext>
             </a:extLst>
           </a:blip>
@@ -10238,10 +10320,10 @@
           <p:nvPr/>
         </p:nvPicPr>
         <p:blipFill>
-          <a:blip r:embed="rId9">
+          <a:blip r:embed="rId9" cstate="print">
             <a:extLst>
               <a:ext uri="{28A0092B-C50C-407E-A947-70E740481C1C}">
-                <a14:useLocalDpi xmlns="" xmlns:a14="http://schemas.microsoft.com/office/drawing/2010/main" val="0"/>
+                <a14:useLocalDpi xmlns:a14="http://schemas.microsoft.com/office/drawing/2010/main" xmlns="" val="0"/>
               </a:ext>
             </a:extLst>
           </a:blip>
@@ -10265,14 +10347,14 @@
           <a:effectLst/>
           <a:extLst>
             <a:ext uri="{909E8E84-426E-40DD-AFC4-6F175D3DCCD1}">
-              <a14:hiddenFill xmlns="" xmlns:a14="http://schemas.microsoft.com/office/drawing/2010/main">
+              <a14:hiddenFill xmlns:a14="http://schemas.microsoft.com/office/drawing/2010/main" xmlns="">
                 <a:solidFill>
                   <a:schemeClr val="accent1"/>
                 </a:solidFill>
               </a14:hiddenFill>
             </a:ext>
             <a:ext uri="{91240B29-F687-4F45-9708-019B960494DF}">
-              <a14:hiddenLine xmlns="" xmlns:a14="http://schemas.microsoft.com/office/drawing/2010/main" w="9525">
+              <a14:hiddenLine xmlns:a14="http://schemas.microsoft.com/office/drawing/2010/main" xmlns="" w="9525">
                 <a:solidFill>
                   <a:schemeClr val="tx1"/>
                 </a:solidFill>
@@ -10282,7 +10364,7 @@
               </a14:hiddenLine>
             </a:ext>
             <a:ext uri="{AF507438-7753-43E0-B8FC-AC1667EBCBE1}">
-              <a14:hiddenEffects xmlns="" xmlns:a14="http://schemas.microsoft.com/office/drawing/2010/main">
+              <a14:hiddenEffects xmlns:a14="http://schemas.microsoft.com/office/drawing/2010/main" xmlns="">
                 <a:effectLst>
                   <a:outerShdw dist="35921" dir="2700000" algn="ctr" rotWithShape="0">
                     <a:schemeClr val="bg2"/>
@@ -10348,10 +10430,10 @@
           <p:nvPr/>
         </p:nvPicPr>
         <p:blipFill>
-          <a:blip r:embed="rId9">
+          <a:blip r:embed="rId9" cstate="print">
             <a:extLst>
               <a:ext uri="{28A0092B-C50C-407E-A947-70E740481C1C}">
-                <a14:useLocalDpi xmlns="" xmlns:a14="http://schemas.microsoft.com/office/drawing/2010/main" val="0"/>
+                <a14:useLocalDpi xmlns:a14="http://schemas.microsoft.com/office/drawing/2010/main" xmlns="" val="0"/>
               </a:ext>
             </a:extLst>
           </a:blip>
@@ -10375,14 +10457,14 @@
           <a:effectLst/>
           <a:extLst>
             <a:ext uri="{909E8E84-426E-40DD-AFC4-6F175D3DCCD1}">
-              <a14:hiddenFill xmlns="" xmlns:a14="http://schemas.microsoft.com/office/drawing/2010/main">
+              <a14:hiddenFill xmlns:a14="http://schemas.microsoft.com/office/drawing/2010/main" xmlns="">
                 <a:solidFill>
                   <a:schemeClr val="accent1"/>
                 </a:solidFill>
               </a14:hiddenFill>
             </a:ext>
             <a:ext uri="{91240B29-F687-4F45-9708-019B960494DF}">
-              <a14:hiddenLine xmlns="" xmlns:a14="http://schemas.microsoft.com/office/drawing/2010/main" w="9525">
+              <a14:hiddenLine xmlns:a14="http://schemas.microsoft.com/office/drawing/2010/main" xmlns="" w="9525">
                 <a:solidFill>
                   <a:schemeClr val="tx1"/>
                 </a:solidFill>
@@ -10392,7 +10474,7 @@
               </a14:hiddenLine>
             </a:ext>
             <a:ext uri="{AF507438-7753-43E0-B8FC-AC1667EBCBE1}">
-              <a14:hiddenEffects xmlns="" xmlns:a14="http://schemas.microsoft.com/office/drawing/2010/main">
+              <a14:hiddenEffects xmlns:a14="http://schemas.microsoft.com/office/drawing/2010/main" xmlns="">
                 <a:effectLst>
                   <a:outerShdw dist="35921" dir="2700000" algn="ctr" rotWithShape="0">
                     <a:schemeClr val="bg2"/>
@@ -10412,10 +10494,10 @@
           <p:nvPr/>
         </p:nvPicPr>
         <p:blipFill>
-          <a:blip r:embed="rId3">
+          <a:blip r:embed="rId3" cstate="print">
             <a:extLst>
               <a:ext uri="{28A0092B-C50C-407E-A947-70E740481C1C}">
-                <a14:useLocalDpi xmlns="" xmlns:a14="http://schemas.microsoft.com/office/drawing/2010/main" val="0"/>
+                <a14:useLocalDpi xmlns:a14="http://schemas.microsoft.com/office/drawing/2010/main" xmlns="" val="0"/>
               </a:ext>
             </a:extLst>
           </a:blip>
@@ -10744,7 +10826,7 @@
     </p:spTree>
     <p:extLst>
       <p:ext uri="{BB962C8B-B14F-4D97-AF65-F5344CB8AC3E}">
-        <p14:creationId xmlns="" xmlns:p14="http://schemas.microsoft.com/office/powerpoint/2010/main" val="2609155689"/>
+        <p14:creationId xmlns:p14="http://schemas.microsoft.com/office/powerpoint/2010/main" xmlns="" val="2609155689"/>
       </p:ext>
     </p:extLst>
   </p:cSld>
@@ -10813,7 +10895,7 @@
           <a:blip r:embed="rId2" cstate="print">
             <a:extLst>
               <a:ext uri="{28A0092B-C50C-407E-A947-70E740481C1C}">
-                <a14:useLocalDpi xmlns="" xmlns:a14="http://schemas.microsoft.com/office/drawing/2010/main" val="0"/>
+                <a14:useLocalDpi xmlns:a14="http://schemas.microsoft.com/office/drawing/2010/main" xmlns="" val="0"/>
               </a:ext>
             </a:extLst>
           </a:blip>
@@ -10833,7 +10915,7 @@
           <a:noFill/>
           <a:extLst>
             <a:ext uri="{909E8E84-426E-40DD-AFC4-6F175D3DCCD1}">
-              <a14:hiddenFill xmlns="" xmlns:a14="http://schemas.microsoft.com/office/drawing/2010/main">
+              <a14:hiddenFill xmlns:a14="http://schemas.microsoft.com/office/drawing/2010/main" xmlns="">
                 <a:solidFill>
                   <a:srgbClr val="FFFFFF"/>
                 </a:solidFill>
@@ -10845,7 +10927,7 @@
     </p:spTree>
     <p:extLst>
       <p:ext uri="{BB962C8B-B14F-4D97-AF65-F5344CB8AC3E}">
-        <p14:creationId xmlns="" xmlns:p14="http://schemas.microsoft.com/office/powerpoint/2010/main" val="547627724"/>
+        <p14:creationId xmlns:p14="http://schemas.microsoft.com/office/powerpoint/2010/main" xmlns="" val="547627724"/>
       </p:ext>
     </p:extLst>
   </p:cSld>
@@ -10891,7 +10973,7 @@
           <a:blip r:embed="rId2" cstate="print">
             <a:extLst>
               <a:ext uri="{28A0092B-C50C-407E-A947-70E740481C1C}">
-                <a14:useLocalDpi xmlns="" xmlns:a14="http://schemas.microsoft.com/office/drawing/2010/main" val="0"/>
+                <a14:useLocalDpi xmlns:a14="http://schemas.microsoft.com/office/drawing/2010/main" xmlns="" val="0"/>
               </a:ext>
             </a:extLst>
           </a:blip>
@@ -10911,7 +10993,7 @@
           <a:noFill/>
           <a:extLst>
             <a:ext uri="{909E8E84-426E-40DD-AFC4-6F175D3DCCD1}">
-              <a14:hiddenFill xmlns="" xmlns:a14="http://schemas.microsoft.com/office/drawing/2010/main">
+              <a14:hiddenFill xmlns:a14="http://schemas.microsoft.com/office/drawing/2010/main" xmlns="">
                 <a:solidFill>
                   <a:srgbClr val="FFFFFF"/>
                 </a:solidFill>
@@ -10951,7 +11033,7 @@
     </p:spTree>
     <p:extLst>
       <p:ext uri="{BB962C8B-B14F-4D97-AF65-F5344CB8AC3E}">
-        <p14:creationId xmlns="" xmlns:p14="http://schemas.microsoft.com/office/powerpoint/2010/main" val="3341074293"/>
+        <p14:creationId xmlns:p14="http://schemas.microsoft.com/office/powerpoint/2010/main" xmlns="" val="3341074293"/>
       </p:ext>
     </p:extLst>
   </p:cSld>
@@ -11151,7 +11233,7 @@
     </p:spTree>
     <p:extLst>
       <p:ext uri="{BB962C8B-B14F-4D97-AF65-F5344CB8AC3E}">
-        <p14:creationId xmlns="" xmlns:p14="http://schemas.microsoft.com/office/powerpoint/2010/main" val="3894779040"/>
+        <p14:creationId xmlns:p14="http://schemas.microsoft.com/office/powerpoint/2010/main" xmlns="" val="3894779040"/>
       </p:ext>
     </p:extLst>
   </p:cSld>
@@ -11197,7 +11279,7 @@
           <a:blip r:embed="rId2" cstate="print">
             <a:extLst>
               <a:ext uri="{28A0092B-C50C-407E-A947-70E740481C1C}">
-                <a14:useLocalDpi xmlns="" xmlns:a14="http://schemas.microsoft.com/office/drawing/2010/main" val="0"/>
+                <a14:useLocalDpi xmlns:a14="http://schemas.microsoft.com/office/drawing/2010/main" xmlns="" val="0"/>
               </a:ext>
             </a:extLst>
           </a:blip>
@@ -11221,14 +11303,14 @@
           <a:effectLst/>
           <a:extLst>
             <a:ext uri="{909E8E84-426E-40DD-AFC4-6F175D3DCCD1}">
-              <a14:hiddenFill xmlns="" xmlns:a14="http://schemas.microsoft.com/office/drawing/2010/main">
+              <a14:hiddenFill xmlns:a14="http://schemas.microsoft.com/office/drawing/2010/main" xmlns="">
                 <a:solidFill>
                   <a:schemeClr val="accent1"/>
                 </a:solidFill>
               </a14:hiddenFill>
             </a:ext>
             <a:ext uri="{91240B29-F687-4F45-9708-019B960494DF}">
-              <a14:hiddenLine xmlns="" xmlns:a14="http://schemas.microsoft.com/office/drawing/2010/main" w="9525">
+              <a14:hiddenLine xmlns:a14="http://schemas.microsoft.com/office/drawing/2010/main" xmlns="" w="9525">
                 <a:solidFill>
                   <a:schemeClr val="tx1"/>
                 </a:solidFill>
@@ -11238,7 +11320,7 @@
               </a14:hiddenLine>
             </a:ext>
             <a:ext uri="{AF507438-7753-43E0-B8FC-AC1667EBCBE1}">
-              <a14:hiddenEffects xmlns="" xmlns:a14="http://schemas.microsoft.com/office/drawing/2010/main">
+              <a14:hiddenEffects xmlns:a14="http://schemas.microsoft.com/office/drawing/2010/main" xmlns="">
                 <a:effectLst>
                   <a:outerShdw dist="35921" dir="2700000" algn="ctr" rotWithShape="0">
                     <a:schemeClr val="bg2"/>
@@ -11280,7 +11362,7 @@
     </p:spTree>
     <p:extLst>
       <p:ext uri="{BB962C8B-B14F-4D97-AF65-F5344CB8AC3E}">
-        <p14:creationId xmlns="" xmlns:p14="http://schemas.microsoft.com/office/powerpoint/2010/main" val="1239993373"/>
+        <p14:creationId xmlns:p14="http://schemas.microsoft.com/office/powerpoint/2010/main" xmlns="" val="1239993373"/>
       </p:ext>
     </p:extLst>
   </p:cSld>
@@ -11316,7 +11398,7 @@
       </p:grpSpPr>
       <p:sp>
         <p:nvSpPr>
-          <p:cNvPr id="2" name="Title 1"/>
+          <p:cNvPr id="90" name="Title 1"/>
           <p:cNvSpPr>
             <a:spLocks noGrp="1"/>
           </p:cNvSpPr>
@@ -11324,7 +11406,12 @@
             <p:ph type="title"/>
           </p:nvPr>
         </p:nvSpPr>
-        <p:spPr/>
+        <p:spPr>
+          <a:xfrm>
+            <a:off x="457200" y="0"/>
+            <a:ext cx="8229600" cy="990600"/>
+          </a:xfrm>
+        </p:spPr>
         <p:txBody>
           <a:bodyPr/>
           <a:lstStyle/>
@@ -11339,13 +11426,13 @@
       </p:sp>
       <p:sp>
         <p:nvSpPr>
-          <p:cNvPr id="4" name="Rectangle à coins arrondis 3"/>
+          <p:cNvPr id="91" name="Rectangle à coins arrondis 90"/>
           <p:cNvSpPr/>
           <p:nvPr/>
         </p:nvSpPr>
         <p:spPr>
           <a:xfrm>
-            <a:off x="5943600" y="1524000"/>
+            <a:off x="6019800" y="5105400"/>
             <a:ext cx="2895600" cy="1295400"/>
           </a:xfrm>
           <a:prstGeom prst="roundRect">
@@ -11403,20 +11490,20 @@
           <a:lstStyle/>
           <a:p>
             <a:pPr algn="ctr"/>
-            <a:endParaRPr lang="fr-FR"/>
+            <a:endParaRPr lang="fr-FR" dirty="0"/>
           </a:p>
         </p:txBody>
       </p:sp>
       <p:sp>
         <p:nvSpPr>
-          <p:cNvPr id="5" name="Rectangle à coins arrondis 4"/>
+          <p:cNvPr id="92" name="Rectangle à coins arrondis 91"/>
           <p:cNvSpPr/>
           <p:nvPr/>
         </p:nvSpPr>
         <p:spPr>
           <a:xfrm>
-            <a:off x="4860032" y="4365104"/>
-            <a:ext cx="3528392" cy="2088232"/>
+            <a:off x="0" y="990600"/>
+            <a:ext cx="3528392" cy="2438400"/>
           </a:xfrm>
           <a:prstGeom prst="roundRect">
             <a:avLst/>
@@ -11449,14 +11536,14 @@
       </p:sp>
       <p:sp>
         <p:nvSpPr>
-          <p:cNvPr id="6" name="Rectangle à coins arrondis 5"/>
+          <p:cNvPr id="93" name="Rectangle à coins arrondis 92"/>
           <p:cNvSpPr/>
           <p:nvPr/>
         </p:nvSpPr>
         <p:spPr>
           <a:xfrm>
-            <a:off x="395536" y="3933056"/>
-            <a:ext cx="2880320" cy="2736304"/>
+            <a:off x="395536" y="4343400"/>
+            <a:ext cx="2880320" cy="2325960"/>
           </a:xfrm>
           <a:prstGeom prst="roundRect">
             <a:avLst/>
@@ -11489,13 +11576,13 @@
       </p:sp>
       <p:sp>
         <p:nvSpPr>
-          <p:cNvPr id="7" name="Rectangle à coins arrondis 6"/>
+          <p:cNvPr id="94" name="Rectangle à coins arrondis 93"/>
           <p:cNvSpPr/>
           <p:nvPr/>
         </p:nvSpPr>
         <p:spPr>
           <a:xfrm>
-            <a:off x="2133600" y="1524000"/>
+            <a:off x="7543800" y="1219200"/>
             <a:ext cx="1219200" cy="1295400"/>
           </a:xfrm>
           <a:prstGeom prst="roundRect">
@@ -11557,13 +11644,13 @@
       </p:sp>
       <p:sp>
         <p:nvSpPr>
-          <p:cNvPr id="8" name="Rectangle à coins arrondis 7"/>
+          <p:cNvPr id="95" name="Rectangle à coins arrondis 94"/>
           <p:cNvSpPr/>
           <p:nvPr/>
         </p:nvSpPr>
         <p:spPr>
           <a:xfrm>
-            <a:off x="7162800" y="1676400"/>
+            <a:off x="7391400" y="5257800"/>
             <a:ext cx="1516360" cy="990600"/>
           </a:xfrm>
           <a:prstGeom prst="roundRect">
@@ -11625,14 +11712,14 @@
       </p:sp>
       <p:sp>
         <p:nvSpPr>
-          <p:cNvPr id="9" name="Double flèche horizontale 8"/>
+          <p:cNvPr id="96" name="Double flèche horizontale 95"/>
           <p:cNvSpPr/>
           <p:nvPr/>
         </p:nvSpPr>
         <p:spPr>
-          <a:xfrm>
-            <a:off x="3275856" y="5301208"/>
-            <a:ext cx="1512168" cy="360040"/>
+          <a:xfrm rot="5400000">
+            <a:off x="1447800" y="3733800"/>
+            <a:ext cx="762000" cy="304800"/>
           </a:xfrm>
           <a:prstGeom prst="leftRightArrow">
             <a:avLst/>
@@ -11659,19 +11746,19 @@
           <a:lstStyle/>
           <a:p>
             <a:pPr algn="ctr"/>
-            <a:endParaRPr lang="fr-FR"/>
+            <a:endParaRPr lang="fr-FR" dirty="0"/>
           </a:p>
         </p:txBody>
       </p:sp>
       <p:sp>
         <p:nvSpPr>
-          <p:cNvPr id="10" name="ZoneTexte 9"/>
+          <p:cNvPr id="97" name="ZoneTexte 96"/>
           <p:cNvSpPr txBox="1"/>
           <p:nvPr/>
         </p:nvSpPr>
         <p:spPr>
           <a:xfrm>
-            <a:off x="3491880" y="5733256"/>
+            <a:off x="4191000" y="6248400"/>
             <a:ext cx="1115370" cy="369332"/>
           </a:xfrm>
           <a:prstGeom prst="rect">
@@ -11695,13 +11782,13 @@
       </p:sp>
       <p:sp>
         <p:nvSpPr>
-          <p:cNvPr id="11" name="Organigramme : Disque magnétique 10"/>
+          <p:cNvPr id="98" name="Organigramme : Disque magnétique 97"/>
           <p:cNvSpPr/>
           <p:nvPr/>
         </p:nvSpPr>
         <p:spPr>
           <a:xfrm>
-            <a:off x="2438400" y="2057400"/>
+            <a:off x="7924800" y="1371600"/>
             <a:ext cx="573360" cy="651520"/>
           </a:xfrm>
           <a:prstGeom prst="flowChartMagneticDisk">
@@ -11746,13 +11833,13 @@
       </p:sp>
       <p:sp>
         <p:nvSpPr>
-          <p:cNvPr id="12" name="ZoneTexte 11"/>
+          <p:cNvPr id="99" name="ZoneTexte 98"/>
           <p:cNvSpPr txBox="1"/>
           <p:nvPr/>
         </p:nvSpPr>
         <p:spPr>
           <a:xfrm>
-            <a:off x="457200" y="4038600"/>
+            <a:off x="457200" y="4419600"/>
             <a:ext cx="2816797" cy="338554"/>
           </a:xfrm>
           <a:prstGeom prst="rect">
@@ -11776,13 +11863,13 @@
       </p:sp>
       <p:sp>
         <p:nvSpPr>
-          <p:cNvPr id="13" name="Chevron 12"/>
+          <p:cNvPr id="100" name="Chevron 99"/>
           <p:cNvSpPr/>
           <p:nvPr/>
         </p:nvSpPr>
         <p:spPr>
           <a:xfrm rot="5400000">
-            <a:off x="6699469" y="3575918"/>
+            <a:off x="6821037" y="4304163"/>
             <a:ext cx="423444" cy="501919"/>
           </a:xfrm>
           <a:prstGeom prst="chevron">
@@ -11822,13 +11909,13 @@
       </p:sp>
       <p:sp>
         <p:nvSpPr>
-          <p:cNvPr id="14" name="Organigramme : Extraire 15"/>
+          <p:cNvPr id="101" name="Organigramme : Extraire 15"/>
           <p:cNvSpPr/>
           <p:nvPr/>
         </p:nvSpPr>
         <p:spPr>
           <a:xfrm rot="10800000">
-            <a:off x="6660232" y="3352800"/>
+            <a:off x="6705600" y="4038600"/>
             <a:ext cx="504056" cy="288032"/>
           </a:xfrm>
           <a:prstGeom prst="flowChartExtract">
@@ -11862,13 +11949,13 @@
       </p:sp>
       <p:sp>
         <p:nvSpPr>
-          <p:cNvPr id="15" name="ZoneTexte 21"/>
+          <p:cNvPr id="102" name="ZoneTexte 21"/>
           <p:cNvSpPr txBox="1"/>
           <p:nvPr/>
         </p:nvSpPr>
         <p:spPr>
           <a:xfrm>
-            <a:off x="2286000" y="1752600"/>
+            <a:off x="7620000" y="2057400"/>
             <a:ext cx="1080120" cy="338554"/>
           </a:xfrm>
           <a:prstGeom prst="rect">
@@ -11900,14 +11987,482 @@
       </p:sp>
       <p:sp>
         <p:nvSpPr>
-          <p:cNvPr id="16" name="Rectangle 15"/>
+          <p:cNvPr id="103" name="Rectangle 102"/>
           <p:cNvSpPr/>
           <p:nvPr/>
         </p:nvSpPr>
         <p:spPr>
           <a:xfrm>
-            <a:off x="3124200" y="3429000"/>
-            <a:ext cx="2163688" cy="457200"/>
+            <a:off x="304800" y="1219200"/>
+            <a:ext cx="3024336" cy="576064"/>
+          </a:xfrm>
+          <a:prstGeom prst="rect">
+            <a:avLst/>
+          </a:prstGeom>
+        </p:spPr>
+        <p:style>
+          <a:lnRef idx="2">
+            <a:schemeClr val="accent1">
+              <a:shade val="50000"/>
+            </a:schemeClr>
+          </a:lnRef>
+          <a:fillRef idx="1">
+            <a:schemeClr val="accent1"/>
+          </a:fillRef>
+          <a:effectRef idx="0">
+            <a:schemeClr val="accent1"/>
+          </a:effectRef>
+          <a:fontRef idx="minor">
+            <a:schemeClr val="lt1"/>
+          </a:fontRef>
+        </p:style>
+        <p:txBody>
+          <a:bodyPr rtlCol="0" anchor="ctr"/>
+          <a:lstStyle/>
+          <a:p>
+            <a:pPr algn="ctr"/>
+            <a:r>
+              <a:rPr lang="fr-FR" dirty="0" err="1" smtClean="0"/>
+              <a:t>WebS</a:t>
+            </a:r>
+            <a:r>
+              <a:rPr lang="fr-FR" dirty="0" smtClean="0"/>
+              <a:t> </a:t>
+            </a:r>
+            <a:r>
+              <a:rPr lang="fr-FR" dirty="0" err="1" smtClean="0"/>
+              <a:t>erviceClient</a:t>
+            </a:r>
+            <a:endParaRPr lang="fr-FR" dirty="0"/>
+          </a:p>
+        </p:txBody>
+      </p:sp>
+      <p:sp>
+        <p:nvSpPr>
+          <p:cNvPr id="104" name="Rectangle 103"/>
+          <p:cNvSpPr/>
+          <p:nvPr/>
+        </p:nvSpPr>
+        <p:spPr>
+          <a:xfrm>
+            <a:off x="228600" y="2667000"/>
+            <a:ext cx="3024336" cy="571872"/>
+          </a:xfrm>
+          <a:prstGeom prst="rect">
+            <a:avLst/>
+          </a:prstGeom>
+        </p:spPr>
+        <p:style>
+          <a:lnRef idx="2">
+            <a:schemeClr val="accent1">
+              <a:shade val="50000"/>
+            </a:schemeClr>
+          </a:lnRef>
+          <a:fillRef idx="1">
+            <a:schemeClr val="accent1"/>
+          </a:fillRef>
+          <a:effectRef idx="0">
+            <a:schemeClr val="accent1"/>
+          </a:effectRef>
+          <a:fontRef idx="minor">
+            <a:schemeClr val="lt1"/>
+          </a:fontRef>
+        </p:style>
+        <p:txBody>
+          <a:bodyPr rtlCol="0" anchor="ctr"/>
+          <a:lstStyle/>
+          <a:p>
+            <a:pPr algn="ctr"/>
+            <a:r>
+              <a:rPr lang="fr-FR" dirty="0" err="1" smtClean="0"/>
+              <a:t>ActiveMQProducer</a:t>
+            </a:r>
+            <a:endParaRPr lang="fr-FR" dirty="0"/>
+          </a:p>
+        </p:txBody>
+      </p:sp>
+      <p:sp>
+        <p:nvSpPr>
+          <p:cNvPr id="105" name="Flèche vers le bas 27"/>
+          <p:cNvSpPr/>
+          <p:nvPr/>
+        </p:nvSpPr>
+        <p:spPr>
+          <a:xfrm>
+            <a:off x="7010400" y="4724400"/>
+            <a:ext cx="45719" cy="381000"/>
+          </a:xfrm>
+          <a:prstGeom prst="downArrow">
+            <a:avLst/>
+          </a:prstGeom>
+        </p:spPr>
+        <p:style>
+          <a:lnRef idx="2">
+            <a:schemeClr val="accent1">
+              <a:shade val="50000"/>
+            </a:schemeClr>
+          </a:lnRef>
+          <a:fillRef idx="1">
+            <a:schemeClr val="accent1"/>
+          </a:fillRef>
+          <a:effectRef idx="0">
+            <a:schemeClr val="accent1"/>
+          </a:effectRef>
+          <a:fontRef idx="minor">
+            <a:schemeClr val="lt1"/>
+          </a:fontRef>
+        </p:style>
+        <p:txBody>
+          <a:bodyPr rtlCol="0" anchor="ctr"/>
+          <a:lstStyle/>
+          <a:p>
+            <a:pPr algn="ctr"/>
+            <a:endParaRPr lang="fr-FR"/>
+          </a:p>
+        </p:txBody>
+      </p:sp>
+      <p:sp>
+        <p:nvSpPr>
+          <p:cNvPr id="106" name="Rectangle 105"/>
+          <p:cNvSpPr/>
+          <p:nvPr/>
+        </p:nvSpPr>
+        <p:spPr>
+          <a:xfrm>
+            <a:off x="685800" y="5791200"/>
+            <a:ext cx="2232248" cy="648072"/>
+          </a:xfrm>
+          <a:prstGeom prst="rect">
+            <a:avLst/>
+          </a:prstGeom>
+        </p:spPr>
+        <p:style>
+          <a:lnRef idx="2">
+            <a:schemeClr val="accent1">
+              <a:shade val="50000"/>
+            </a:schemeClr>
+          </a:lnRef>
+          <a:fillRef idx="1">
+            <a:schemeClr val="accent1"/>
+          </a:fillRef>
+          <a:effectRef idx="0">
+            <a:schemeClr val="accent1"/>
+          </a:effectRef>
+          <a:fontRef idx="minor">
+            <a:schemeClr val="lt1"/>
+          </a:fontRef>
+        </p:style>
+        <p:txBody>
+          <a:bodyPr rtlCol="0" anchor="ctr"/>
+          <a:lstStyle/>
+          <a:p>
+            <a:pPr algn="ctr"/>
+            <a:r>
+              <a:rPr lang="fr-FR" dirty="0" err="1" smtClean="0"/>
+              <a:t>ActiveMQConsumer</a:t>
+            </a:r>
+            <a:endParaRPr lang="fr-FR" dirty="0"/>
+          </a:p>
+        </p:txBody>
+      </p:sp>
+      <p:pic>
+        <p:nvPicPr>
+          <p:cNvPr id="107" name="Picture 2"/>
+          <p:cNvPicPr>
+            <a:picLocks noChangeAspect="1" noChangeArrowheads="1"/>
+          </p:cNvPicPr>
+          <p:nvPr/>
+        </p:nvPicPr>
+        <p:blipFill>
+          <a:blip r:embed="rId3" cstate="print"/>
+          <a:srcRect/>
+          <a:stretch>
+            <a:fillRect/>
+          </a:stretch>
+        </p:blipFill>
+        <p:spPr bwMode="auto">
+          <a:xfrm>
+            <a:off x="4191000" y="5715000"/>
+            <a:ext cx="1107405" cy="564430"/>
+          </a:xfrm>
+          <a:prstGeom prst="rect">
+            <a:avLst/>
+          </a:prstGeom>
+          <a:noFill/>
+          <a:ln w="9525">
+            <a:noFill/>
+            <a:miter lim="800000"/>
+            <a:headEnd/>
+            <a:tailEnd/>
+          </a:ln>
+        </p:spPr>
+      </p:pic>
+      <p:sp>
+        <p:nvSpPr>
+          <p:cNvPr id="108" name="ZoneTexte 34"/>
+          <p:cNvSpPr txBox="1"/>
+          <p:nvPr/>
+        </p:nvSpPr>
+        <p:spPr>
+          <a:xfrm>
+            <a:off x="609600" y="5257800"/>
+            <a:ext cx="2372816" cy="584775"/>
+          </a:xfrm>
+          <a:prstGeom prst="rect">
+            <a:avLst/>
+          </a:prstGeom>
+          <a:noFill/>
+        </p:spPr>
+        <p:txBody>
+          <a:bodyPr wrap="square" rtlCol="0">
+            <a:spAutoFit/>
+          </a:bodyPr>
+          <a:lstStyle/>
+          <a:p>
+            <a:r>
+              <a:rPr lang="fr-FR" sz="1600" dirty="0" smtClean="0">
+                <a:solidFill>
+                  <a:srgbClr val="92D050"/>
+                </a:solidFill>
+              </a:rPr>
+              <a:t>Traitement ISIAD message</a:t>
+            </a:r>
+            <a:endParaRPr lang="fr-FR" sz="1600" dirty="0">
+              <a:solidFill>
+                <a:srgbClr val="92D050"/>
+              </a:solidFill>
+            </a:endParaRPr>
+          </a:p>
+        </p:txBody>
+      </p:sp>
+      <p:sp>
+        <p:nvSpPr>
+          <p:cNvPr id="109" name="ZoneTexte 108"/>
+          <p:cNvSpPr txBox="1"/>
+          <p:nvPr/>
+        </p:nvSpPr>
+        <p:spPr>
+          <a:xfrm>
+            <a:off x="2971800" y="4038600"/>
+            <a:ext cx="838200" cy="307777"/>
+          </a:xfrm>
+          <a:prstGeom prst="rect">
+            <a:avLst/>
+          </a:prstGeom>
+          <a:noFill/>
+        </p:spPr>
+        <p:txBody>
+          <a:bodyPr wrap="square" rtlCol="0">
+            <a:spAutoFit/>
+          </a:bodyPr>
+          <a:lstStyle/>
+          <a:p>
+            <a:r>
+              <a:rPr lang="fr-FR" sz="1400" dirty="0" smtClean="0"/>
+              <a:t>Queue :</a:t>
+            </a:r>
+            <a:endParaRPr lang="fr-FR" sz="1400" dirty="0"/>
+          </a:p>
+        </p:txBody>
+      </p:sp>
+      <p:sp>
+        <p:nvSpPr>
+          <p:cNvPr id="110" name="Flèche droite 109"/>
+          <p:cNvSpPr/>
+          <p:nvPr/>
+        </p:nvSpPr>
+        <p:spPr>
+          <a:xfrm rot="10800000">
+            <a:off x="3581400" y="2057400"/>
+            <a:ext cx="3886200" cy="76200"/>
+          </a:xfrm>
+          <a:prstGeom prst="rightArrow">
+            <a:avLst/>
+          </a:prstGeom>
+        </p:spPr>
+        <p:style>
+          <a:lnRef idx="2">
+            <a:schemeClr val="accent1">
+              <a:shade val="50000"/>
+            </a:schemeClr>
+          </a:lnRef>
+          <a:fillRef idx="1">
+            <a:schemeClr val="accent1"/>
+          </a:fillRef>
+          <a:effectRef idx="0">
+            <a:schemeClr val="accent1"/>
+          </a:effectRef>
+          <a:fontRef idx="minor">
+            <a:schemeClr val="lt1"/>
+          </a:fontRef>
+        </p:style>
+        <p:txBody>
+          <a:bodyPr rtlCol="0" anchor="ctr"/>
+          <a:lstStyle/>
+          <a:p>
+            <a:pPr algn="ctr"/>
+            <a:endParaRPr lang="fr-FR"/>
+          </a:p>
+        </p:txBody>
+      </p:sp>
+      <p:sp>
+        <p:nvSpPr>
+          <p:cNvPr id="111" name="ZoneTexte 110"/>
+          <p:cNvSpPr txBox="1"/>
+          <p:nvPr/>
+        </p:nvSpPr>
+        <p:spPr>
+          <a:xfrm>
+            <a:off x="7620000" y="914400"/>
+            <a:ext cx="1219200" cy="307777"/>
+          </a:xfrm>
+          <a:prstGeom prst="rect">
+            <a:avLst/>
+          </a:prstGeom>
+          <a:noFill/>
+        </p:spPr>
+        <p:txBody>
+          <a:bodyPr wrap="square" rtlCol="0">
+            <a:spAutoFit/>
+          </a:bodyPr>
+          <a:lstStyle/>
+          <a:p>
+            <a:r>
+              <a:rPr lang="fr-FR" sz="1400" b="1" dirty="0" err="1" smtClean="0"/>
+              <a:t>BaseMySQL</a:t>
+            </a:r>
+            <a:endParaRPr lang="fr-FR" sz="1400" b="1" dirty="0"/>
+          </a:p>
+        </p:txBody>
+      </p:sp>
+      <p:sp>
+        <p:nvSpPr>
+          <p:cNvPr id="112" name="Flèche droite 111"/>
+          <p:cNvSpPr/>
+          <p:nvPr/>
+        </p:nvSpPr>
+        <p:spPr>
+          <a:xfrm>
+            <a:off x="3505200" y="2819400"/>
+            <a:ext cx="3657600" cy="381000"/>
+          </a:xfrm>
+          <a:prstGeom prst="rightArrow">
+            <a:avLst/>
+          </a:prstGeom>
+        </p:spPr>
+        <p:style>
+          <a:lnRef idx="2">
+            <a:schemeClr val="accent1">
+              <a:shade val="50000"/>
+            </a:schemeClr>
+          </a:lnRef>
+          <a:fillRef idx="1">
+            <a:schemeClr val="accent1"/>
+          </a:fillRef>
+          <a:effectRef idx="0">
+            <a:schemeClr val="accent1"/>
+          </a:effectRef>
+          <a:fontRef idx="minor">
+            <a:schemeClr val="lt1"/>
+          </a:fontRef>
+        </p:style>
+        <p:txBody>
+          <a:bodyPr rtlCol="0" anchor="ctr"/>
+          <a:lstStyle/>
+          <a:p>
+            <a:pPr algn="ctr"/>
+            <a:endParaRPr lang="fr-FR"/>
+          </a:p>
+        </p:txBody>
+      </p:sp>
+      <p:sp>
+        <p:nvSpPr>
+          <p:cNvPr id="113" name="Flèche vers le bas 112"/>
+          <p:cNvSpPr/>
+          <p:nvPr/>
+        </p:nvSpPr>
+        <p:spPr>
+          <a:xfrm>
+            <a:off x="6705600" y="2819400"/>
+            <a:ext cx="609600" cy="1524000"/>
+          </a:xfrm>
+          <a:prstGeom prst="downArrow">
+            <a:avLst/>
+          </a:prstGeom>
+        </p:spPr>
+        <p:style>
+          <a:lnRef idx="2">
+            <a:schemeClr val="accent1">
+              <a:shade val="50000"/>
+            </a:schemeClr>
+          </a:lnRef>
+          <a:fillRef idx="1">
+            <a:schemeClr val="accent1"/>
+          </a:fillRef>
+          <a:effectRef idx="0">
+            <a:schemeClr val="accent1"/>
+          </a:effectRef>
+          <a:fontRef idx="minor">
+            <a:schemeClr val="lt1"/>
+          </a:fontRef>
+        </p:style>
+        <p:txBody>
+          <a:bodyPr rtlCol="0" anchor="ctr"/>
+          <a:lstStyle/>
+          <a:p>
+            <a:pPr algn="ctr"/>
+            <a:endParaRPr lang="fr-FR"/>
+          </a:p>
+        </p:txBody>
+      </p:sp>
+      <p:sp>
+        <p:nvSpPr>
+          <p:cNvPr id="114" name="ZoneTexte 113"/>
+          <p:cNvSpPr txBox="1"/>
+          <p:nvPr/>
+        </p:nvSpPr>
+        <p:spPr>
+          <a:xfrm>
+            <a:off x="6172200" y="5181600"/>
+            <a:ext cx="1295400" cy="307777"/>
+          </a:xfrm>
+          <a:prstGeom prst="rect">
+            <a:avLst/>
+          </a:prstGeom>
+          <a:noFill/>
+        </p:spPr>
+        <p:txBody>
+          <a:bodyPr wrap="square" rtlCol="0">
+            <a:spAutoFit/>
+          </a:bodyPr>
+          <a:lstStyle/>
+          <a:p>
+            <a:r>
+              <a:rPr lang="fr-FR" sz="1400" dirty="0" err="1" smtClean="0">
+                <a:solidFill>
+                  <a:srgbClr val="FFFF00"/>
+                </a:solidFill>
+              </a:rPr>
+              <a:t>Traitemeent</a:t>
+            </a:r>
+            <a:endParaRPr lang="fr-FR" sz="1400" dirty="0">
+              <a:solidFill>
+                <a:srgbClr val="FFFF00"/>
+              </a:solidFill>
+            </a:endParaRPr>
+          </a:p>
+        </p:txBody>
+      </p:sp>
+      <p:sp>
+        <p:nvSpPr>
+          <p:cNvPr id="115" name="Rectangle 114"/>
+          <p:cNvSpPr/>
+          <p:nvPr/>
+        </p:nvSpPr>
+        <p:spPr>
+          <a:xfrm>
+            <a:off x="3733800" y="3962400"/>
+            <a:ext cx="2057400" cy="381000"/>
           </a:xfrm>
           <a:prstGeom prst="rect">
             <a:avLst/>
@@ -11941,18 +12496,22 @@
       </p:sp>
       <p:sp>
         <p:nvSpPr>
-          <p:cNvPr id="17" name="Rectangle 16"/>
+          <p:cNvPr id="116" name="Rectangle 115"/>
           <p:cNvSpPr/>
           <p:nvPr/>
         </p:nvSpPr>
         <p:spPr>
           <a:xfrm>
-            <a:off x="5181600" y="4572000"/>
-            <a:ext cx="3024336" cy="576064"/>
+            <a:off x="3733800" y="3962400"/>
+            <a:ext cx="457200" cy="381000"/>
           </a:xfrm>
           <a:prstGeom prst="rect">
             <a:avLst/>
           </a:prstGeom>
+          <a:noFill/>
+          <a:ln>
+            <a:noFill/>
+          </a:ln>
         </p:spPr>
         <p:style>
           <a:lnRef idx="2">
@@ -11975,300 +12534,20 @@
           <a:lstStyle/>
           <a:p>
             <a:pPr algn="ctr"/>
-            <a:r>
-              <a:rPr lang="fr-FR" dirty="0" err="1" smtClean="0"/>
-              <a:t>WebS</a:t>
-            </a:r>
-            <a:r>
-              <a:rPr lang="fr-FR" dirty="0" smtClean="0"/>
-              <a:t> </a:t>
-            </a:r>
-            <a:r>
-              <a:rPr lang="fr-FR" dirty="0" err="1" smtClean="0"/>
-              <a:t>erviceClient</a:t>
-            </a:r>
-            <a:endParaRPr lang="fr-FR" dirty="0"/>
+            <a:endParaRPr lang="fr-FR"/>
           </a:p>
         </p:txBody>
       </p:sp>
       <p:sp>
         <p:nvSpPr>
-          <p:cNvPr id="18" name="Rectangle 17"/>
+          <p:cNvPr id="117" name="Rectangle 116"/>
           <p:cNvSpPr/>
           <p:nvPr/>
         </p:nvSpPr>
         <p:spPr>
           <a:xfrm>
-            <a:off x="5181600" y="5715000"/>
-            <a:ext cx="3024336" cy="648072"/>
-          </a:xfrm>
-          <a:prstGeom prst="rect">
-            <a:avLst/>
-          </a:prstGeom>
-        </p:spPr>
-        <p:style>
-          <a:lnRef idx="2">
-            <a:schemeClr val="accent1">
-              <a:shade val="50000"/>
-            </a:schemeClr>
-          </a:lnRef>
-          <a:fillRef idx="1">
-            <a:schemeClr val="accent1"/>
-          </a:fillRef>
-          <a:effectRef idx="0">
-            <a:schemeClr val="accent1"/>
-          </a:effectRef>
-          <a:fontRef idx="minor">
-            <a:schemeClr val="lt1"/>
-          </a:fontRef>
-        </p:style>
-        <p:txBody>
-          <a:bodyPr rtlCol="0" anchor="ctr"/>
-          <a:lstStyle/>
-          <a:p>
-            <a:pPr algn="ctr"/>
-            <a:r>
-              <a:rPr lang="fr-FR" dirty="0" err="1" smtClean="0"/>
-              <a:t>ActiveMQProducer</a:t>
-            </a:r>
-            <a:endParaRPr lang="fr-FR" dirty="0"/>
-          </a:p>
-        </p:txBody>
-      </p:sp>
-      <p:sp>
-        <p:nvSpPr>
-          <p:cNvPr id="19" name="Flèche vers le bas 27"/>
-          <p:cNvSpPr/>
-          <p:nvPr/>
-        </p:nvSpPr>
-        <p:spPr>
-          <a:xfrm>
-            <a:off x="6902544" y="4038600"/>
-            <a:ext cx="45719" cy="326503"/>
-          </a:xfrm>
-          <a:prstGeom prst="downArrow">
-            <a:avLst/>
-          </a:prstGeom>
-        </p:spPr>
-        <p:style>
-          <a:lnRef idx="2">
-            <a:schemeClr val="accent1">
-              <a:shade val="50000"/>
-            </a:schemeClr>
-          </a:lnRef>
-          <a:fillRef idx="1">
-            <a:schemeClr val="accent1"/>
-          </a:fillRef>
-          <a:effectRef idx="0">
-            <a:schemeClr val="accent1"/>
-          </a:effectRef>
-          <a:fontRef idx="minor">
-            <a:schemeClr val="lt1"/>
-          </a:fontRef>
-        </p:style>
-        <p:txBody>
-          <a:bodyPr rtlCol="0" anchor="ctr"/>
-          <a:lstStyle/>
-          <a:p>
-            <a:pPr algn="ctr"/>
-            <a:endParaRPr lang="fr-FR"/>
-          </a:p>
-        </p:txBody>
-      </p:sp>
-      <p:sp>
-        <p:nvSpPr>
-          <p:cNvPr id="20" name="Flèche vers le bas 30"/>
-          <p:cNvSpPr/>
-          <p:nvPr/>
-        </p:nvSpPr>
-        <p:spPr>
-          <a:xfrm>
-            <a:off x="6629400" y="2816932"/>
-            <a:ext cx="576064" cy="792088"/>
-          </a:xfrm>
-          <a:prstGeom prst="downArrow">
-            <a:avLst/>
-          </a:prstGeom>
-        </p:spPr>
-        <p:style>
-          <a:lnRef idx="2">
-            <a:schemeClr val="accent1">
-              <a:shade val="50000"/>
-            </a:schemeClr>
-          </a:lnRef>
-          <a:fillRef idx="1">
-            <a:schemeClr val="accent1"/>
-          </a:fillRef>
-          <a:effectRef idx="0">
-            <a:schemeClr val="accent1"/>
-          </a:effectRef>
-          <a:fontRef idx="minor">
-            <a:schemeClr val="lt1"/>
-          </a:fontRef>
-        </p:style>
-        <p:txBody>
-          <a:bodyPr rtlCol="0" anchor="ctr"/>
-          <a:lstStyle/>
-          <a:p>
-            <a:pPr algn="ctr"/>
-            <a:endParaRPr lang="fr-FR"/>
-          </a:p>
-        </p:txBody>
-      </p:sp>
-      <p:sp>
-        <p:nvSpPr>
-          <p:cNvPr id="21" name="Rectangle 20"/>
-          <p:cNvSpPr/>
-          <p:nvPr/>
-        </p:nvSpPr>
-        <p:spPr>
-          <a:xfrm>
-            <a:off x="611560" y="5301208"/>
-            <a:ext cx="2232248" cy="648072"/>
-          </a:xfrm>
-          <a:prstGeom prst="rect">
-            <a:avLst/>
-          </a:prstGeom>
-        </p:spPr>
-        <p:style>
-          <a:lnRef idx="2">
-            <a:schemeClr val="accent1">
-              <a:shade val="50000"/>
-            </a:schemeClr>
-          </a:lnRef>
-          <a:fillRef idx="1">
-            <a:schemeClr val="accent1"/>
-          </a:fillRef>
-          <a:effectRef idx="0">
-            <a:schemeClr val="accent1"/>
-          </a:effectRef>
-          <a:fontRef idx="minor">
-            <a:schemeClr val="lt1"/>
-          </a:fontRef>
-        </p:style>
-        <p:txBody>
-          <a:bodyPr rtlCol="0" anchor="ctr"/>
-          <a:lstStyle/>
-          <a:p>
-            <a:pPr algn="ctr"/>
-            <a:r>
-              <a:rPr lang="fr-FR" dirty="0" err="1" smtClean="0"/>
-              <a:t>ActiveMQConsumer</a:t>
-            </a:r>
-            <a:endParaRPr lang="fr-FR" dirty="0"/>
-          </a:p>
-        </p:txBody>
-      </p:sp>
-      <p:pic>
-        <p:nvPicPr>
-          <p:cNvPr id="23" name="Picture 2"/>
-          <p:cNvPicPr>
-            <a:picLocks noChangeAspect="1" noChangeArrowheads="1"/>
-          </p:cNvPicPr>
-          <p:nvPr/>
-        </p:nvPicPr>
-        <p:blipFill>
-          <a:blip r:embed="rId2" cstate="print"/>
-          <a:srcRect/>
-          <a:stretch>
-            <a:fillRect/>
-          </a:stretch>
-        </p:blipFill>
-        <p:spPr bwMode="auto">
-          <a:xfrm>
-            <a:off x="3505200" y="6096000"/>
-            <a:ext cx="1107405" cy="564430"/>
-          </a:xfrm>
-          <a:prstGeom prst="rect">
-            <a:avLst/>
-          </a:prstGeom>
-          <a:noFill/>
-          <a:ln w="9525">
-            <a:noFill/>
-            <a:miter lim="800000"/>
-            <a:headEnd/>
-            <a:tailEnd/>
-          </a:ln>
-        </p:spPr>
-      </p:pic>
-      <p:sp>
-        <p:nvSpPr>
-          <p:cNvPr id="24" name="ZoneTexte 34"/>
-          <p:cNvSpPr txBox="1"/>
-          <p:nvPr/>
-        </p:nvSpPr>
-        <p:spPr>
-          <a:xfrm>
-            <a:off x="609600" y="4876800"/>
-            <a:ext cx="2372816" cy="338554"/>
-          </a:xfrm>
-          <a:prstGeom prst="rect">
-            <a:avLst/>
-          </a:prstGeom>
-          <a:noFill/>
-        </p:spPr>
-        <p:txBody>
-          <a:bodyPr wrap="square" rtlCol="0">
-            <a:spAutoFit/>
-          </a:bodyPr>
-          <a:lstStyle/>
-          <a:p>
-            <a:r>
-              <a:rPr lang="fr-FR" sz="1600" dirty="0" smtClean="0">
-                <a:solidFill>
-                  <a:srgbClr val="92D050"/>
-                </a:solidFill>
-              </a:rPr>
-              <a:t>Traitement message</a:t>
-            </a:r>
-            <a:endParaRPr lang="fr-FR" sz="1600" dirty="0">
-              <a:solidFill>
-                <a:srgbClr val="92D050"/>
-              </a:solidFill>
-            </a:endParaRPr>
-          </a:p>
-        </p:txBody>
-      </p:sp>
-      <p:sp>
-        <p:nvSpPr>
-          <p:cNvPr id="27" name="ZoneTexte 26"/>
-          <p:cNvSpPr txBox="1"/>
-          <p:nvPr/>
-        </p:nvSpPr>
-        <p:spPr>
-          <a:xfrm>
-            <a:off x="2286000" y="3505200"/>
-            <a:ext cx="838200" cy="307777"/>
-          </a:xfrm>
-          <a:prstGeom prst="rect">
-            <a:avLst/>
-          </a:prstGeom>
-          <a:noFill/>
-        </p:spPr>
-        <p:txBody>
-          <a:bodyPr wrap="square" rtlCol="0">
-            <a:spAutoFit/>
-          </a:bodyPr>
-          <a:lstStyle/>
-          <a:p>
-            <a:r>
-              <a:rPr lang="fr-FR" sz="1400" dirty="0" smtClean="0"/>
-              <a:t>Queue :</a:t>
-            </a:r>
-            <a:endParaRPr lang="fr-FR" sz="1400" dirty="0"/>
-          </a:p>
-        </p:txBody>
-      </p:sp>
-      <p:sp>
-        <p:nvSpPr>
-          <p:cNvPr id="28" name="Rectangle 27"/>
-          <p:cNvSpPr/>
-          <p:nvPr/>
-        </p:nvSpPr>
-        <p:spPr>
-          <a:xfrm>
-            <a:off x="3124200" y="3429000"/>
-            <a:ext cx="609600" cy="457200"/>
+            <a:off x="3733800" y="3962400"/>
+            <a:ext cx="609600" cy="381000"/>
           </a:xfrm>
           <a:prstGeom prst="rect">
             <a:avLst/>
@@ -12300,156 +12579,10 @@
           </a:p>
         </p:txBody>
       </p:sp>
-      <p:sp>
-        <p:nvSpPr>
-          <p:cNvPr id="29" name="Flèche droite 28"/>
-          <p:cNvSpPr/>
-          <p:nvPr/>
-        </p:nvSpPr>
-        <p:spPr>
-          <a:xfrm>
-            <a:off x="3352800" y="2057400"/>
-            <a:ext cx="2590800" cy="228600"/>
-          </a:xfrm>
-          <a:prstGeom prst="rightArrow">
-            <a:avLst/>
-          </a:prstGeom>
-        </p:spPr>
-        <p:style>
-          <a:lnRef idx="2">
-            <a:schemeClr val="accent1">
-              <a:shade val="50000"/>
-            </a:schemeClr>
-          </a:lnRef>
-          <a:fillRef idx="1">
-            <a:schemeClr val="accent1"/>
-          </a:fillRef>
-          <a:effectRef idx="0">
-            <a:schemeClr val="accent1"/>
-          </a:effectRef>
-          <a:fontRef idx="minor">
-            <a:schemeClr val="lt1"/>
-          </a:fontRef>
-        </p:style>
-        <p:txBody>
-          <a:bodyPr rtlCol="0" anchor="ctr"/>
-          <a:lstStyle/>
-          <a:p>
-            <a:pPr algn="ctr"/>
-            <a:endParaRPr lang="fr-FR"/>
-          </a:p>
-        </p:txBody>
-      </p:sp>
-      <p:sp>
-        <p:nvSpPr>
-          <p:cNvPr id="30" name="ZoneTexte 29"/>
-          <p:cNvSpPr txBox="1"/>
-          <p:nvPr/>
-        </p:nvSpPr>
-        <p:spPr>
-          <a:xfrm>
-            <a:off x="685800" y="2209800"/>
-            <a:ext cx="1219200" cy="307777"/>
-          </a:xfrm>
-          <a:prstGeom prst="rect">
-            <a:avLst/>
-          </a:prstGeom>
-          <a:noFill/>
-        </p:spPr>
-        <p:txBody>
-          <a:bodyPr wrap="square" rtlCol="0">
-            <a:spAutoFit/>
-          </a:bodyPr>
-          <a:lstStyle/>
-          <a:p>
-            <a:r>
-              <a:rPr lang="fr-FR" sz="1400" b="1" dirty="0" err="1" smtClean="0"/>
-              <a:t>BaseMySQL</a:t>
-            </a:r>
-            <a:endParaRPr lang="fr-FR" sz="1400" b="1" dirty="0"/>
-          </a:p>
-        </p:txBody>
-      </p:sp>
-      <p:cxnSp>
-        <p:nvCxnSpPr>
-          <p:cNvPr id="32" name="Connecteur droit avec flèche 31"/>
-          <p:cNvCxnSpPr>
-            <a:stCxn id="30" idx="3"/>
-          </p:cNvCxnSpPr>
-          <p:nvPr/>
-        </p:nvCxnSpPr>
-        <p:spPr>
-          <a:xfrm>
-            <a:off x="1905000" y="2363689"/>
-            <a:ext cx="485048" cy="19471"/>
-          </a:xfrm>
-          <a:prstGeom prst="straightConnector1">
-            <a:avLst/>
-          </a:prstGeom>
-          <a:ln>
-            <a:tailEnd type="arrow"/>
-          </a:ln>
-        </p:spPr>
-        <p:style>
-          <a:lnRef idx="1">
-            <a:schemeClr val="accent1"/>
-          </a:lnRef>
-          <a:fillRef idx="0">
-            <a:schemeClr val="accent1"/>
-          </a:fillRef>
-          <a:effectRef idx="0">
-            <a:schemeClr val="accent1"/>
-          </a:effectRef>
-          <a:fontRef idx="minor">
-            <a:schemeClr val="tx1"/>
-          </a:fontRef>
-        </p:style>
-      </p:cxnSp>
-      <p:sp>
-        <p:nvSpPr>
-          <p:cNvPr id="37" name="Rectangle 36"/>
-          <p:cNvSpPr/>
-          <p:nvPr/>
-        </p:nvSpPr>
-        <p:spPr>
-          <a:xfrm>
-            <a:off x="3429000" y="3429000"/>
-            <a:ext cx="304800" cy="457200"/>
-          </a:xfrm>
-          <a:prstGeom prst="rect">
-            <a:avLst/>
-          </a:prstGeom>
-          <a:noFill/>
-        </p:spPr>
-        <p:style>
-          <a:lnRef idx="2">
-            <a:schemeClr val="accent1">
-              <a:shade val="50000"/>
-            </a:schemeClr>
-          </a:lnRef>
-          <a:fillRef idx="1">
-            <a:schemeClr val="accent1"/>
-          </a:fillRef>
-          <a:effectRef idx="0">
-            <a:schemeClr val="accent1"/>
-          </a:effectRef>
-          <a:fontRef idx="minor">
-            <a:schemeClr val="lt1"/>
-          </a:fontRef>
-        </p:style>
-        <p:txBody>
-          <a:bodyPr rtlCol="0" anchor="ctr"/>
-          <a:lstStyle/>
-          <a:p>
-            <a:pPr algn="ctr"/>
-            <a:endParaRPr lang="fr-FR"/>
-          </a:p>
-        </p:txBody>
-      </p:sp>
     </p:spTree>
     <p:extLst>
       <p:ext uri="{BB962C8B-B14F-4D97-AF65-F5344CB8AC3E}">
-        <p14:creationId xmlns="" xmlns:p14="http://schemas.microsoft.com/office/powerpoint/2010/main" val="2899302471"/>
+        <p14:creationId xmlns:p14="http://schemas.microsoft.com/office/powerpoint/2010/main" xmlns="" val="2899302471"/>
       </p:ext>
     </p:extLst>
   </p:cSld>
@@ -12477,23 +12610,23 @@
                             </p:stCondLst>
                             <p:childTnLst>
                               <p:par>
-                                <p:cTn id="5" presetID="63" presetClass="path" presetSubtype="0" accel="50000" decel="50000" fill="hold" grpId="0" nodeType="clickEffect">
+                                <p:cTn id="5" presetID="42" presetClass="path" presetSubtype="0" accel="50000" decel="50000" fill="hold" grpId="2" nodeType="clickEffect">
                                   <p:stCondLst>
                                     <p:cond delay="0"/>
                                   </p:stCondLst>
                                   <p:childTnLst>
-                                    <p:animMotion origin="layout" path="M 0.05764 -0.00231 L 0.41597 -0.00231 " pathEditMode="relative" rAng="0" ptsTypes="AA">
+                                    <p:animMotion origin="layout" path="M 0.41597 -0.00231 L 0.41771 0.50301 " pathEditMode="relative" rAng="0" ptsTypes="AA">
                                       <p:cBhvr>
                                         <p:cTn id="6" dur="2000" fill="hold"/>
                                         <p:tgtEl>
-                                          <p:spTgt spid="15"/>
+                                          <p:spTgt spid="102"/>
                                         </p:tgtEl>
                                         <p:attrNameLst>
                                           <p:attrName>ppt_x</p:attrName>
                                           <p:attrName>ppt_y</p:attrName>
                                         </p:attrNameLst>
                                       </p:cBhvr>
-                                      <p:rCtr x="179" y="0"/>
+                                      <p:rCtr x="1" y="253"/>
                                     </p:animMotion>
                                   </p:childTnLst>
                                 </p:cTn>
@@ -12517,60 +12650,20 @@
                             </p:stCondLst>
                             <p:childTnLst>
                               <p:par>
-                                <p:cTn id="9" presetID="42" presetClass="path" presetSubtype="0" accel="50000" decel="50000" fill="hold" grpId="2" nodeType="clickEffect">
-                                  <p:stCondLst>
-                                    <p:cond delay="0"/>
-                                  </p:stCondLst>
-                                  <p:childTnLst>
-                                    <p:animMotion origin="layout" path="M 0.41597 -0.00231 L 0.41771 0.50301 " pathEditMode="relative" rAng="0" ptsTypes="AA">
-                                      <p:cBhvr>
-                                        <p:cTn id="10" dur="2000" fill="hold"/>
-                                        <p:tgtEl>
-                                          <p:spTgt spid="15"/>
-                                        </p:tgtEl>
-                                        <p:attrNameLst>
-                                          <p:attrName>ppt_x</p:attrName>
-                                          <p:attrName>ppt_y</p:attrName>
-                                        </p:attrNameLst>
-                                      </p:cBhvr>
-                                      <p:rCtr x="1" y="253"/>
-                                    </p:animMotion>
-                                  </p:childTnLst>
-                                </p:cTn>
-                              </p:par>
-                            </p:childTnLst>
-                          </p:cTn>
-                        </p:par>
-                      </p:childTnLst>
-                    </p:cTn>
-                  </p:par>
-                  <p:par>
-                    <p:cTn id="11" fill="hold">
-                      <p:stCondLst>
-                        <p:cond delay="indefinite"/>
-                      </p:stCondLst>
-                      <p:childTnLst>
-                        <p:par>
-                          <p:cTn id="12" fill="hold">
-                            <p:stCondLst>
-                              <p:cond delay="0"/>
-                            </p:stCondLst>
-                            <p:childTnLst>
-                              <p:par>
-                                <p:cTn id="13" presetID="5" presetClass="entr" presetSubtype="10" fill="hold" nodeType="clickEffect">
+                                <p:cTn id="9" presetID="5" presetClass="entr" presetSubtype="10" fill="hold" grpId="0" nodeType="clickEffect">
                                   <p:stCondLst>
                                     <p:cond delay="0"/>
                                   </p:stCondLst>
                                   <p:childTnLst>
                                     <p:set>
                                       <p:cBhvr>
-                                        <p:cTn id="14" dur="1" fill="hold">
+                                        <p:cTn id="10" dur="1" fill="hold">
                                           <p:stCondLst>
                                             <p:cond delay="0"/>
                                           </p:stCondLst>
                                         </p:cTn>
                                         <p:tgtEl>
-                                          <p:spTgt spid="23"/>
+                                          <p:spTgt spid="108"/>
                                         </p:tgtEl>
                                         <p:attrNameLst>
                                           <p:attrName>style.visibility</p:attrName>
@@ -12582,167 +12675,9 @@
                                     </p:set>
                                     <p:animEffect transition="in" filter="checkerboard(across)">
                                       <p:cBhvr>
-                                        <p:cTn id="15" dur="500"/>
+                                        <p:cTn id="11" dur="500"/>
                                         <p:tgtEl>
-                                          <p:spTgt spid="23"/>
-                                        </p:tgtEl>
-                                      </p:cBhvr>
-                                    </p:animEffect>
-                                  </p:childTnLst>
-                                </p:cTn>
-                              </p:par>
-                              <p:par>
-                                <p:cTn id="16" presetID="6" presetClass="emph" presetSubtype="0" fill="hold" grpId="0" nodeType="withEffect">
-                                  <p:stCondLst>
-                                    <p:cond delay="0"/>
-                                  </p:stCondLst>
-                                  <p:childTnLst>
-                                    <p:animScale>
-                                      <p:cBhvr>
-                                        <p:cTn id="17" dur="2000" fill="hold"/>
-                                        <p:tgtEl>
-                                          <p:spTgt spid="9"/>
-                                        </p:tgtEl>
-                                      </p:cBhvr>
-                                      <p:by x="150000" y="150000"/>
-                                    </p:animScale>
-                                  </p:childTnLst>
-                                </p:cTn>
-                              </p:par>
-                              <p:par>
-                                <p:cTn id="18" presetID="5" presetClass="entr" presetSubtype="10" fill="hold" grpId="0" nodeType="withEffect">
-                                  <p:stCondLst>
-                                    <p:cond delay="0"/>
-                                  </p:stCondLst>
-                                  <p:childTnLst>
-                                    <p:set>
-                                      <p:cBhvr>
-                                        <p:cTn id="19" dur="1" fill="hold">
-                                          <p:stCondLst>
-                                            <p:cond delay="0"/>
-                                          </p:stCondLst>
-                                        </p:cTn>
-                                        <p:tgtEl>
-                                          <p:spTgt spid="27"/>
-                                        </p:tgtEl>
-                                        <p:attrNameLst>
-                                          <p:attrName>style.visibility</p:attrName>
-                                        </p:attrNameLst>
-                                      </p:cBhvr>
-                                      <p:to>
-                                        <p:strVal val="visible"/>
-                                      </p:to>
-                                    </p:set>
-                                    <p:animEffect transition="in" filter="checkerboard(across)">
-                                      <p:cBhvr>
-                                        <p:cTn id="20" dur="500"/>
-                                        <p:tgtEl>
-                                          <p:spTgt spid="27"/>
-                                        </p:tgtEl>
-                                      </p:cBhvr>
-                                    </p:animEffect>
-                                  </p:childTnLst>
-                                </p:cTn>
-                              </p:par>
-                              <p:par>
-                                <p:cTn id="21" presetID="5" presetClass="entr" presetSubtype="10" fill="hold" grpId="0" nodeType="withEffect">
-                                  <p:stCondLst>
-                                    <p:cond delay="0"/>
-                                  </p:stCondLst>
-                                  <p:childTnLst>
-                                    <p:set>
-                                      <p:cBhvr>
-                                        <p:cTn id="22" dur="1" fill="hold">
-                                          <p:stCondLst>
-                                            <p:cond delay="0"/>
-                                          </p:stCondLst>
-                                        </p:cTn>
-                                        <p:tgtEl>
-                                          <p:spTgt spid="28"/>
-                                        </p:tgtEl>
-                                        <p:attrNameLst>
-                                          <p:attrName>style.visibility</p:attrName>
-                                        </p:attrNameLst>
-                                      </p:cBhvr>
-                                      <p:to>
-                                        <p:strVal val="visible"/>
-                                      </p:to>
-                                    </p:set>
-                                    <p:animEffect transition="in" filter="checkerboard(across)">
-                                      <p:cBhvr>
-                                        <p:cTn id="23" dur="500"/>
-                                        <p:tgtEl>
-                                          <p:spTgt spid="28"/>
-                                        </p:tgtEl>
-                                      </p:cBhvr>
-                                    </p:animEffect>
-                                  </p:childTnLst>
-                                </p:cTn>
-                              </p:par>
-                              <p:par>
-                                <p:cTn id="24" presetID="5" presetClass="entr" presetSubtype="10" fill="hold" grpId="0" nodeType="withEffect">
-                                  <p:stCondLst>
-                                    <p:cond delay="0"/>
-                                  </p:stCondLst>
-                                  <p:childTnLst>
-                                    <p:set>
-                                      <p:cBhvr>
-                                        <p:cTn id="25" dur="1" fill="hold">
-                                          <p:stCondLst>
-                                            <p:cond delay="0"/>
-                                          </p:stCondLst>
-                                        </p:cTn>
-                                        <p:tgtEl>
-                                          <p:spTgt spid="37"/>
-                                        </p:tgtEl>
-                                        <p:attrNameLst>
-                                          <p:attrName>style.visibility</p:attrName>
-                                        </p:attrNameLst>
-                                      </p:cBhvr>
-                                      <p:to>
-                                        <p:strVal val="visible"/>
-                                      </p:to>
-                                    </p:set>
-                                    <p:animEffect transition="in" filter="checkerboard(across)">
-                                      <p:cBhvr>
-                                        <p:cTn id="26" dur="500"/>
-                                        <p:tgtEl>
-                                          <p:spTgt spid="37"/>
-                                        </p:tgtEl>
-                                      </p:cBhvr>
-                                    </p:animEffect>
-                                  </p:childTnLst>
-                                </p:cTn>
-                              </p:par>
-                              <p:par>
-                                <p:cTn id="27" presetID="4" presetClass="entr" presetSubtype="16" fill="hold" grpId="0" nodeType="withEffect">
-                                  <p:stCondLst>
-                                    <p:cond delay="0"/>
-                                  </p:stCondLst>
-                                  <p:childTnLst>
-                                    <p:set>
-                                      <p:cBhvr>
-                                        <p:cTn id="28" dur="1" fill="hold">
-                                          <p:stCondLst>
-                                            <p:cond delay="0"/>
-                                          </p:stCondLst>
-                                        </p:cTn>
-                                        <p:tgtEl>
-                                          <p:spTgt spid="16"/>
-                                        </p:tgtEl>
-                                        <p:attrNameLst>
-                                          <p:attrName>style.visibility</p:attrName>
-                                        </p:attrNameLst>
-                                      </p:cBhvr>
-                                      <p:to>
-                                        <p:strVal val="visible"/>
-                                      </p:to>
-                                    </p:set>
-                                    <p:animEffect transition="in" filter="box(in)">
-                                      <p:cBhvr>
-                                        <p:cTn id="29" dur="500"/>
-                                        <p:tgtEl>
-                                          <p:spTgt spid="16"/>
+                                          <p:spTgt spid="108"/>
                                         </p:tgtEl>
                                       </p:cBhvr>
                                     </p:animEffect>
@@ -12756,35 +12691,35 @@
                     </p:cTn>
                   </p:par>
                   <p:par>
-                    <p:cTn id="30" fill="hold">
+                    <p:cTn id="12" fill="hold">
                       <p:stCondLst>
                         <p:cond delay="indefinite"/>
                       </p:stCondLst>
                       <p:childTnLst>
                         <p:par>
-                          <p:cTn id="31" fill="hold">
+                          <p:cTn id="13" fill="hold">
                             <p:stCondLst>
                               <p:cond delay="0"/>
                             </p:stCondLst>
                             <p:childTnLst>
                               <p:par>
-                                <p:cTn id="32" presetID="35" presetClass="path" presetSubtype="0" accel="50000" decel="50000" fill="hold" grpId="3" nodeType="clickEffect">
+                                <p:cTn id="14" presetID="35" presetClass="path" presetSubtype="0" accel="50000" decel="50000" fill="hold" grpId="0" nodeType="clickEffect">
                                   <p:stCondLst>
                                     <p:cond delay="0"/>
                                   </p:stCondLst>
                                   <p:childTnLst>
-                                    <p:animMotion origin="layout" path="M 0.41771 0.50301 L 0.23855 0.50578 " pathEditMode="relative" rAng="0" ptsTypes="AA">
+                                    <p:animMotion origin="layout" path="M -1.11111E-6 2.96296E-6 L -0.58403 -0.00232 " pathEditMode="relative" rAng="0" ptsTypes="AA">
                                       <p:cBhvr>
-                                        <p:cTn id="33" dur="2000" fill="hold"/>
+                                        <p:cTn id="15" dur="2000" fill="hold"/>
                                         <p:tgtEl>
-                                          <p:spTgt spid="15"/>
+                                          <p:spTgt spid="102"/>
                                         </p:tgtEl>
                                         <p:attrNameLst>
                                           <p:attrName>ppt_x</p:attrName>
                                           <p:attrName>ppt_y</p:attrName>
                                         </p:attrNameLst>
                                       </p:cBhvr>
-                                      <p:rCtr x="-90" y="1"/>
+                                      <p:rCtr x="-292" y="-1"/>
                                     </p:animMotion>
                                   </p:childTnLst>
                                 </p:cTn>
@@ -12796,35 +12731,35 @@
                     </p:cTn>
                   </p:par>
                   <p:par>
-                    <p:cTn id="34" fill="hold">
+                    <p:cTn id="16" fill="hold">
                       <p:stCondLst>
                         <p:cond delay="indefinite"/>
                       </p:stCondLst>
                       <p:childTnLst>
                         <p:par>
-                          <p:cTn id="35" fill="hold">
+                          <p:cTn id="17" fill="hold">
                             <p:stCondLst>
                               <p:cond delay="0"/>
                             </p:stCondLst>
                             <p:childTnLst>
                               <p:par>
-                                <p:cTn id="36" presetID="64" presetClass="path" presetSubtype="0" accel="50000" decel="50000" fill="hold" grpId="4" nodeType="clickEffect">
+                                <p:cTn id="18" presetID="63" presetClass="path" presetSubtype="0" accel="50000" decel="50000" fill="hold" grpId="1" nodeType="clickEffect">
                                   <p:stCondLst>
                                     <p:cond delay="0"/>
                                   </p:stCondLst>
                                   <p:childTnLst>
-                                    <p:animMotion origin="layout" path="M 0.2434 0.50532 L 0.1684 0.25 " pathEditMode="relative" rAng="0" ptsTypes="AA">
+                                    <p:animMotion origin="layout" path="M -0.50069 0.06435 L -0.06736 0.06435 " pathEditMode="relative" rAng="0" ptsTypes="AA">
                                       <p:cBhvr>
-                                        <p:cTn id="37" dur="2000" fill="hold"/>
+                                        <p:cTn id="19" dur="2000" fill="hold"/>
                                         <p:tgtEl>
-                                          <p:spTgt spid="15"/>
+                                          <p:spTgt spid="102"/>
                                         </p:tgtEl>
                                         <p:attrNameLst>
                                           <p:attrName>ppt_x</p:attrName>
                                           <p:attrName>ppt_y</p:attrName>
                                         </p:attrNameLst>
                                       </p:cBhvr>
-                                      <p:rCtr x="-38" y="-128"/>
+                                      <p:rCtr x="217" y="0"/>
                                     </p:animMotion>
                                   </p:childTnLst>
                                 </p:cTn>
@@ -12836,35 +12771,35 @@
                     </p:cTn>
                   </p:par>
                   <p:par>
-                    <p:cTn id="38" fill="hold">
+                    <p:cTn id="20" fill="hold">
                       <p:stCondLst>
                         <p:cond delay="indefinite"/>
                       </p:stCondLst>
                       <p:childTnLst>
                         <p:par>
-                          <p:cTn id="39" fill="hold">
+                          <p:cTn id="21" fill="hold">
                             <p:stCondLst>
                               <p:cond delay="0"/>
                             </p:stCondLst>
                             <p:childTnLst>
                               <p:par>
-                                <p:cTn id="40" presetID="42" presetClass="path" presetSubtype="0" accel="50000" decel="50000" fill="hold" grpId="5" nodeType="clickEffect">
+                                <p:cTn id="22" presetID="64" presetClass="path" presetSubtype="0" accel="50000" decel="50000" fill="hold" grpId="3" nodeType="clickEffect">
                                   <p:stCondLst>
                                     <p:cond delay="0"/>
                                   </p:stCondLst>
                                   <p:childTnLst>
-                                    <p:animMotion origin="layout" path="M 0.1684 0.25 L -0.06736 0.41952 " pathEditMode="relative" rAng="0" ptsTypes="AA">
+                                    <p:animMotion origin="layout" path="M -0.13403 0.50879 L -0.14236 0.03102 " pathEditMode="relative" rAng="0" ptsTypes="AA">
                                       <p:cBhvr>
-                                        <p:cTn id="41" dur="2000" fill="hold"/>
+                                        <p:cTn id="23" dur="2000" fill="hold"/>
                                         <p:tgtEl>
-                                          <p:spTgt spid="15"/>
+                                          <p:spTgt spid="102"/>
                                         </p:tgtEl>
                                         <p:attrNameLst>
                                           <p:attrName>ppt_x</p:attrName>
                                           <p:attrName>ppt_y</p:attrName>
                                         </p:attrNameLst>
                                       </p:cBhvr>
-                                      <p:rCtr x="-118" y="85"/>
+                                      <p:rCtr x="-4" y="-239"/>
                                     </p:animMotion>
                                   </p:childTnLst>
                                 </p:cTn>
@@ -12876,32 +12811,77 @@
                     </p:cTn>
                   </p:par>
                   <p:par>
-                    <p:cTn id="42" fill="hold">
+                    <p:cTn id="24" fill="hold">
                       <p:stCondLst>
                         <p:cond delay="indefinite"/>
                       </p:stCondLst>
                       <p:childTnLst>
                         <p:par>
-                          <p:cTn id="43" fill="hold">
+                          <p:cTn id="25" fill="hold">
                             <p:stCondLst>
                               <p:cond delay="0"/>
                             </p:stCondLst>
                             <p:childTnLst>
                               <p:par>
-                                <p:cTn id="44" presetID="5" presetClass="entr" presetSubtype="10" fill="hold" grpId="0" nodeType="clickEffect">
+                                <p:cTn id="26" presetID="35" presetClass="path" presetSubtype="0" accel="50000" decel="50000" fill="hold" grpId="4" nodeType="clickEffect">
                                   <p:stCondLst>
                                     <p:cond delay="0"/>
                                   </p:stCondLst>
                                   <p:childTnLst>
+                                    <p:animMotion origin="layout" path="M -0.14236 0.03102 L -0.73403 0.03102 " pathEditMode="relative" rAng="0" ptsTypes="AA">
+                                      <p:cBhvr>
+                                        <p:cTn id="27" dur="2000" fill="hold"/>
+                                        <p:tgtEl>
+                                          <p:spTgt spid="102"/>
+                                        </p:tgtEl>
+                                        <p:attrNameLst>
+                                          <p:attrName>ppt_x</p:attrName>
+                                          <p:attrName>ppt_y</p:attrName>
+                                        </p:attrNameLst>
+                                      </p:cBhvr>
+                                      <p:rCtr x="-296" y="0"/>
+                                    </p:animMotion>
+                                  </p:childTnLst>
+                                </p:cTn>
+                              </p:par>
+                            </p:childTnLst>
+                          </p:cTn>
+                        </p:par>
+                      </p:childTnLst>
+                    </p:cTn>
+                  </p:par>
+                  <p:par>
+                    <p:cTn id="28" fill="hold">
+                      <p:stCondLst>
+                        <p:cond delay="indefinite"/>
+                      </p:stCondLst>
+                      <p:childTnLst>
+                        <p:par>
+                          <p:cTn id="29" fill="hold">
+                            <p:stCondLst>
+                              <p:cond delay="0"/>
+                            </p:stCondLst>
+                            <p:childTnLst>
+                              <p:par>
+                                <p:cTn id="30" presetID="5" presetClass="entr" presetSubtype="10" fill="hold" grpId="0" nodeType="clickEffect" nodePh="1">
+                                  <p:stCondLst>
+                                    <p:cond delay="0"/>
+                                  </p:stCondLst>
+                                  <p:endCondLst>
+                                    <p:cond evt="begin" delay="0">
+                                      <p:tn val="30"/>
+                                    </p:cond>
+                                  </p:endCondLst>
+                                  <p:childTnLst>
                                     <p:set>
                                       <p:cBhvr>
-                                        <p:cTn id="45" dur="1" fill="hold">
+                                        <p:cTn id="31" dur="1" fill="hold">
                                           <p:stCondLst>
                                             <p:cond delay="0"/>
                                           </p:stCondLst>
                                         </p:cTn>
                                         <p:tgtEl>
-                                          <p:spTgt spid="24"/>
+                                          <p:spTgt spid="116"/>
                                         </p:tgtEl>
                                         <p:attrNameLst>
                                           <p:attrName>style.visibility</p:attrName>
@@ -12913,12 +12893,286 @@
                                     </p:set>
                                     <p:animEffect transition="in" filter="checkerboard(across)">
                                       <p:cBhvr>
-                                        <p:cTn id="46" dur="500"/>
+                                        <p:cTn id="32" dur="500"/>
                                         <p:tgtEl>
-                                          <p:spTgt spid="24"/>
+                                          <p:spTgt spid="116"/>
                                         </p:tgtEl>
                                       </p:cBhvr>
                                     </p:animEffect>
+                                  </p:childTnLst>
+                                </p:cTn>
+                              </p:par>
+                            </p:childTnLst>
+                          </p:cTn>
+                        </p:par>
+                      </p:childTnLst>
+                    </p:cTn>
+                  </p:par>
+                  <p:par>
+                    <p:cTn id="33" fill="hold">
+                      <p:stCondLst>
+                        <p:cond delay="indefinite"/>
+                      </p:stCondLst>
+                      <p:childTnLst>
+                        <p:par>
+                          <p:cTn id="34" fill="hold">
+                            <p:stCondLst>
+                              <p:cond delay="0"/>
+                            </p:stCondLst>
+                            <p:childTnLst>
+                              <p:par>
+                                <p:cTn id="35" presetID="5" presetClass="entr" presetSubtype="10" fill="hold" nodeType="clickEffect">
+                                  <p:stCondLst>
+                                    <p:cond delay="0"/>
+                                  </p:stCondLst>
+                                  <p:childTnLst>
+                                    <p:set>
+                                      <p:cBhvr>
+                                        <p:cTn id="36" dur="1" fill="hold">
+                                          <p:stCondLst>
+                                            <p:cond delay="0"/>
+                                          </p:stCondLst>
+                                        </p:cTn>
+                                        <p:tgtEl>
+                                          <p:spTgt spid="107"/>
+                                        </p:tgtEl>
+                                        <p:attrNameLst>
+                                          <p:attrName>style.visibility</p:attrName>
+                                        </p:attrNameLst>
+                                      </p:cBhvr>
+                                      <p:to>
+                                        <p:strVal val="visible"/>
+                                      </p:to>
+                                    </p:set>
+                                    <p:animEffect transition="in" filter="checkerboard(across)">
+                                      <p:cBhvr>
+                                        <p:cTn id="37" dur="500"/>
+                                        <p:tgtEl>
+                                          <p:spTgt spid="107"/>
+                                        </p:tgtEl>
+                                      </p:cBhvr>
+                                    </p:animEffect>
+                                  </p:childTnLst>
+                                </p:cTn>
+                              </p:par>
+                              <p:par>
+                                <p:cTn id="38" presetID="5" presetClass="entr" presetSubtype="10" fill="hold" grpId="0" nodeType="withEffect">
+                                  <p:stCondLst>
+                                    <p:cond delay="0"/>
+                                  </p:stCondLst>
+                                  <p:childTnLst>
+                                    <p:set>
+                                      <p:cBhvr>
+                                        <p:cTn id="39" dur="1" fill="hold">
+                                          <p:stCondLst>
+                                            <p:cond delay="0"/>
+                                          </p:stCondLst>
+                                        </p:cTn>
+                                        <p:tgtEl>
+                                          <p:spTgt spid="109"/>
+                                        </p:tgtEl>
+                                        <p:attrNameLst>
+                                          <p:attrName>style.visibility</p:attrName>
+                                        </p:attrNameLst>
+                                      </p:cBhvr>
+                                      <p:to>
+                                        <p:strVal val="visible"/>
+                                      </p:to>
+                                    </p:set>
+                                    <p:animEffect transition="in" filter="checkerboard(across)">
+                                      <p:cBhvr>
+                                        <p:cTn id="40" dur="500"/>
+                                        <p:tgtEl>
+                                          <p:spTgt spid="109"/>
+                                        </p:tgtEl>
+                                      </p:cBhvr>
+                                    </p:animEffect>
+                                  </p:childTnLst>
+                                </p:cTn>
+                              </p:par>
+                            </p:childTnLst>
+                          </p:cTn>
+                        </p:par>
+                      </p:childTnLst>
+                    </p:cTn>
+                  </p:par>
+                  <p:par>
+                    <p:cTn id="41" fill="hold">
+                      <p:stCondLst>
+                        <p:cond delay="indefinite"/>
+                      </p:stCondLst>
+                      <p:childTnLst>
+                        <p:par>
+                          <p:cTn id="42" fill="hold">
+                            <p:stCondLst>
+                              <p:cond delay="0"/>
+                            </p:stCondLst>
+                            <p:childTnLst>
+                              <p:par>
+                                <p:cTn id="43" presetID="5" presetClass="entr" presetSubtype="10" fill="hold" grpId="0" nodeType="clickEffect">
+                                  <p:stCondLst>
+                                    <p:cond delay="0"/>
+                                  </p:stCondLst>
+                                  <p:childTnLst>
+                                    <p:set>
+                                      <p:cBhvr>
+                                        <p:cTn id="44" dur="1" fill="hold">
+                                          <p:stCondLst>
+                                            <p:cond delay="0"/>
+                                          </p:stCondLst>
+                                        </p:cTn>
+                                        <p:tgtEl>
+                                          <p:spTgt spid="117"/>
+                                        </p:tgtEl>
+                                        <p:attrNameLst>
+                                          <p:attrName>style.visibility</p:attrName>
+                                        </p:attrNameLst>
+                                      </p:cBhvr>
+                                      <p:to>
+                                        <p:strVal val="visible"/>
+                                      </p:to>
+                                    </p:set>
+                                    <p:animEffect transition="in" filter="checkerboard(across)">
+                                      <p:cBhvr>
+                                        <p:cTn id="45" dur="500"/>
+                                        <p:tgtEl>
+                                          <p:spTgt spid="117"/>
+                                        </p:tgtEl>
+                                      </p:cBhvr>
+                                    </p:animEffect>
+                                  </p:childTnLst>
+                                </p:cTn>
+                              </p:par>
+                              <p:par>
+                                <p:cTn id="46" presetID="5" presetClass="entr" presetSubtype="10" fill="hold" grpId="0" nodeType="withEffect">
+                                  <p:stCondLst>
+                                    <p:cond delay="0"/>
+                                  </p:stCondLst>
+                                  <p:childTnLst>
+                                    <p:set>
+                                      <p:cBhvr>
+                                        <p:cTn id="47" dur="1" fill="hold">
+                                          <p:stCondLst>
+                                            <p:cond delay="0"/>
+                                          </p:stCondLst>
+                                        </p:cTn>
+                                        <p:tgtEl>
+                                          <p:spTgt spid="115"/>
+                                        </p:tgtEl>
+                                        <p:attrNameLst>
+                                          <p:attrName>style.visibility</p:attrName>
+                                        </p:attrNameLst>
+                                      </p:cBhvr>
+                                      <p:to>
+                                        <p:strVal val="visible"/>
+                                      </p:to>
+                                    </p:set>
+                                    <p:animEffect transition="in" filter="checkerboard(across)">
+                                      <p:cBhvr>
+                                        <p:cTn id="48" dur="500"/>
+                                        <p:tgtEl>
+                                          <p:spTgt spid="115"/>
+                                        </p:tgtEl>
+                                      </p:cBhvr>
+                                    </p:animEffect>
+                                  </p:childTnLst>
+                                </p:cTn>
+                              </p:par>
+                              <p:par>
+                                <p:cTn id="49" presetID="6" presetClass="emph" presetSubtype="0" fill="hold" grpId="0" nodeType="withEffect">
+                                  <p:stCondLst>
+                                    <p:cond delay="0"/>
+                                  </p:stCondLst>
+                                  <p:childTnLst>
+                                    <p:animScale>
+                                      <p:cBhvr>
+                                        <p:cTn id="50" dur="2000" fill="hold"/>
+                                        <p:tgtEl>
+                                          <p:spTgt spid="96"/>
+                                        </p:tgtEl>
+                                      </p:cBhvr>
+                                      <p:by x="150000" y="150000"/>
+                                    </p:animScale>
+                                  </p:childTnLst>
+                                </p:cTn>
+                              </p:par>
+                            </p:childTnLst>
+                          </p:cTn>
+                        </p:par>
+                      </p:childTnLst>
+                    </p:cTn>
+                  </p:par>
+                  <p:par>
+                    <p:cTn id="51" fill="hold">
+                      <p:stCondLst>
+                        <p:cond delay="indefinite"/>
+                      </p:stCondLst>
+                      <p:childTnLst>
+                        <p:par>
+                          <p:cTn id="52" fill="hold">
+                            <p:stCondLst>
+                              <p:cond delay="0"/>
+                            </p:stCondLst>
+                            <p:childTnLst>
+                              <p:par>
+                                <p:cTn id="53" presetID="63" presetClass="path" presetSubtype="0" accel="50000" decel="50000" fill="hold" grpId="5" nodeType="clickEffect">
+                                  <p:stCondLst>
+                                    <p:cond delay="0"/>
+                                  </p:stCondLst>
+                                  <p:childTnLst>
+                                    <p:animMotion origin="layout" path="M -0.73403 0.03102 L -0.36736 0.28657 " pathEditMode="relative" rAng="0" ptsTypes="AA">
+                                      <p:cBhvr>
+                                        <p:cTn id="54" dur="2000" fill="hold"/>
+                                        <p:tgtEl>
+                                          <p:spTgt spid="102"/>
+                                        </p:tgtEl>
+                                        <p:attrNameLst>
+                                          <p:attrName>ppt_x</p:attrName>
+                                          <p:attrName>ppt_y</p:attrName>
+                                        </p:attrNameLst>
+                                      </p:cBhvr>
+                                      <p:rCtr x="183" y="128"/>
+                                    </p:animMotion>
+                                  </p:childTnLst>
+                                </p:cTn>
+                              </p:par>
+                            </p:childTnLst>
+                          </p:cTn>
+                        </p:par>
+                      </p:childTnLst>
+                    </p:cTn>
+                  </p:par>
+                  <p:par>
+                    <p:cTn id="55" fill="hold">
+                      <p:stCondLst>
+                        <p:cond delay="indefinite"/>
+                      </p:stCondLst>
+                      <p:childTnLst>
+                        <p:par>
+                          <p:cTn id="56" fill="hold">
+                            <p:stCondLst>
+                              <p:cond delay="0"/>
+                            </p:stCondLst>
+                            <p:childTnLst>
+                              <p:par>
+                                <p:cTn id="57" presetID="63" presetClass="path" presetSubtype="0" accel="50000" decel="50000" fill="hold" grpId="6" nodeType="clickEffect">
+                                  <p:stCondLst>
+                                    <p:cond delay="0"/>
+                                  </p:stCondLst>
+                                  <p:childTnLst>
+                                    <p:animMotion origin="layout" path="M -0.36736 0.28657 L -0.63403 0.40879 " pathEditMode="relative" rAng="0" ptsTypes="AA">
+                                      <p:cBhvr>
+                                        <p:cTn id="58" dur="2000" fill="hold"/>
+                                        <p:tgtEl>
+                                          <p:spTgt spid="102"/>
+                                        </p:tgtEl>
+                                        <p:attrNameLst>
+                                          <p:attrName>ppt_x</p:attrName>
+                                          <p:attrName>ppt_y</p:attrName>
+                                        </p:attrNameLst>
+                                      </p:cBhvr>
+                                      <p:rCtr x="-133" y="61"/>
+                                    </p:animMotion>
                                   </p:childTnLst>
                                 </p:cTn>
                               </p:par>
@@ -12950,17 +13204,19 @@
       </p:par>
     </p:tnLst>
     <p:bldLst>
-      <p:bldP spid="9" grpId="0" animBg="1"/>
-      <p:bldP spid="15" grpId="0"/>
-      <p:bldP spid="15" grpId="2"/>
-      <p:bldP spid="15" grpId="3"/>
-      <p:bldP spid="15" grpId="4"/>
-      <p:bldP spid="15" grpId="5"/>
-      <p:bldP spid="16" grpId="0" animBg="1"/>
-      <p:bldP spid="24" grpId="0"/>
-      <p:bldP spid="27" grpId="0"/>
-      <p:bldP spid="28" grpId="0" animBg="1"/>
-      <p:bldP spid="37" grpId="0" animBg="1"/>
+      <p:bldP spid="96" grpId="0" animBg="1"/>
+      <p:bldP spid="102" grpId="0"/>
+      <p:bldP spid="102" grpId="1"/>
+      <p:bldP spid="102" grpId="2"/>
+      <p:bldP spid="102" grpId="3"/>
+      <p:bldP spid="102" grpId="4"/>
+      <p:bldP spid="102" grpId="5"/>
+      <p:bldP spid="102" grpId="6"/>
+      <p:bldP spid="108" grpId="0"/>
+      <p:bldP spid="109" grpId="0"/>
+      <p:bldP spid="115" grpId="0" animBg="1"/>
+      <p:bldP spid="116" grpId="0"/>
+      <p:bldP spid="117" grpId="0" animBg="1"/>
     </p:bldLst>
   </p:timing>
 </p:sld>
@@ -13047,7 +13303,7 @@
     </p:spTree>
     <p:extLst>
       <p:ext uri="{BB962C8B-B14F-4D97-AF65-F5344CB8AC3E}">
-        <p14:creationId xmlns="" xmlns:p14="http://schemas.microsoft.com/office/powerpoint/2010/main" val="2025061542"/>
+        <p14:creationId xmlns:p14="http://schemas.microsoft.com/office/powerpoint/2010/main" xmlns="" val="2025061542"/>
       </p:ext>
     </p:extLst>
   </p:cSld>
@@ -13107,7 +13363,7 @@
     </p:spTree>
     <p:extLst>
       <p:ext uri="{BB962C8B-B14F-4D97-AF65-F5344CB8AC3E}">
-        <p14:creationId xmlns="" xmlns:p14="http://schemas.microsoft.com/office/powerpoint/2010/main" val="353800143"/>
+        <p14:creationId xmlns:p14="http://schemas.microsoft.com/office/powerpoint/2010/main" xmlns="" val="353800143"/>
       </p:ext>
     </p:extLst>
   </p:cSld>
@@ -13176,7 +13432,7 @@
           <a:blip r:embed="rId2" cstate="print">
             <a:extLst>
               <a:ext uri="{28A0092B-C50C-407E-A947-70E740481C1C}">
-                <a14:useLocalDpi xmlns="" xmlns:a14="http://schemas.microsoft.com/office/drawing/2010/main" val="0"/>
+                <a14:useLocalDpi xmlns:a14="http://schemas.microsoft.com/office/drawing/2010/main" xmlns="" val="0"/>
               </a:ext>
             </a:extLst>
           </a:blip>
@@ -13200,14 +13456,14 @@
           <a:effectLst/>
           <a:extLst>
             <a:ext uri="{909E8E84-426E-40DD-AFC4-6F175D3DCCD1}">
-              <a14:hiddenFill xmlns="" xmlns:a14="http://schemas.microsoft.com/office/drawing/2010/main">
+              <a14:hiddenFill xmlns:a14="http://schemas.microsoft.com/office/drawing/2010/main" xmlns="">
                 <a:solidFill>
                   <a:schemeClr val="accent1"/>
                 </a:solidFill>
               </a14:hiddenFill>
             </a:ext>
             <a:ext uri="{91240B29-F687-4F45-9708-019B960494DF}">
-              <a14:hiddenLine xmlns="" xmlns:a14="http://schemas.microsoft.com/office/drawing/2010/main" w="9525">
+              <a14:hiddenLine xmlns:a14="http://schemas.microsoft.com/office/drawing/2010/main" xmlns="" w="9525">
                 <a:solidFill>
                   <a:schemeClr val="tx1"/>
                 </a:solidFill>
@@ -13217,7 +13473,7 @@
               </a14:hiddenLine>
             </a:ext>
             <a:ext uri="{AF507438-7753-43E0-B8FC-AC1667EBCBE1}">
-              <a14:hiddenEffects xmlns="" xmlns:a14="http://schemas.microsoft.com/office/drawing/2010/main">
+              <a14:hiddenEffects xmlns:a14="http://schemas.microsoft.com/office/drawing/2010/main" xmlns="">
                 <a:effectLst>
                   <a:outerShdw dist="35921" dir="2700000" algn="ctr" rotWithShape="0">
                     <a:schemeClr val="bg2"/>
@@ -13231,7 +13487,7 @@
     </p:spTree>
     <p:extLst>
       <p:ext uri="{BB962C8B-B14F-4D97-AF65-F5344CB8AC3E}">
-        <p14:creationId xmlns="" xmlns:p14="http://schemas.microsoft.com/office/powerpoint/2010/main" val="1922197765"/>
+        <p14:creationId xmlns:p14="http://schemas.microsoft.com/office/powerpoint/2010/main" xmlns="" val="1922197765"/>
       </p:ext>
     </p:extLst>
   </p:cSld>
@@ -13305,7 +13561,7 @@
           <a:blip r:embed="rId2" cstate="print">
             <a:extLst>
               <a:ext uri="{28A0092B-C50C-407E-A947-70E740481C1C}">
-                <a14:useLocalDpi xmlns="" xmlns:a14="http://schemas.microsoft.com/office/drawing/2010/main" val="0"/>
+                <a14:useLocalDpi xmlns:a14="http://schemas.microsoft.com/office/drawing/2010/main" xmlns="" val="0"/>
               </a:ext>
             </a:extLst>
           </a:blip>
@@ -13329,14 +13585,14 @@
           <a:effectLst/>
           <a:extLst>
             <a:ext uri="{909E8E84-426E-40DD-AFC4-6F175D3DCCD1}">
-              <a14:hiddenFill xmlns="" xmlns:a14="http://schemas.microsoft.com/office/drawing/2010/main">
+              <a14:hiddenFill xmlns:a14="http://schemas.microsoft.com/office/drawing/2010/main" xmlns="">
                 <a:solidFill>
                   <a:schemeClr val="accent1"/>
                 </a:solidFill>
               </a14:hiddenFill>
             </a:ext>
             <a:ext uri="{91240B29-F687-4F45-9708-019B960494DF}">
-              <a14:hiddenLine xmlns="" xmlns:a14="http://schemas.microsoft.com/office/drawing/2010/main" w="9525">
+              <a14:hiddenLine xmlns:a14="http://schemas.microsoft.com/office/drawing/2010/main" xmlns="" w="9525">
                 <a:solidFill>
                   <a:schemeClr val="tx1"/>
                 </a:solidFill>
@@ -13346,7 +13602,7 @@
               </a14:hiddenLine>
             </a:ext>
             <a:ext uri="{AF507438-7753-43E0-B8FC-AC1667EBCBE1}">
-              <a14:hiddenEffects xmlns="" xmlns:a14="http://schemas.microsoft.com/office/drawing/2010/main">
+              <a14:hiddenEffects xmlns:a14="http://schemas.microsoft.com/office/drawing/2010/main" xmlns="">
                 <a:effectLst>
                   <a:outerShdw dist="35921" dir="2700000" algn="ctr" rotWithShape="0">
                     <a:schemeClr val="bg2"/>
@@ -13360,7 +13616,7 @@
     </p:spTree>
     <p:extLst>
       <p:ext uri="{BB962C8B-B14F-4D97-AF65-F5344CB8AC3E}">
-        <p14:creationId xmlns="" xmlns:p14="http://schemas.microsoft.com/office/powerpoint/2010/main" val="2572490974"/>
+        <p14:creationId xmlns:p14="http://schemas.microsoft.com/office/powerpoint/2010/main" xmlns="" val="2572490974"/>
       </p:ext>
     </p:extLst>
   </p:cSld>
@@ -13547,7 +13803,7 @@
     </p:spTree>
     <p:extLst>
       <p:ext uri="{BB962C8B-B14F-4D97-AF65-F5344CB8AC3E}">
-        <p14:creationId xmlns="" xmlns:p14="http://schemas.microsoft.com/office/powerpoint/2010/main" val="143085231"/>
+        <p14:creationId xmlns:p14="http://schemas.microsoft.com/office/powerpoint/2010/main" xmlns="" val="143085231"/>
       </p:ext>
     </p:extLst>
   </p:cSld>
@@ -13714,7 +13970,7 @@
           <p:nvPr>
             <p:extLst>
               <p:ext uri="{D42A27DB-BD31-4B8C-83A1-F6EECF244321}">
-                <p14:modId xmlns="" xmlns:p14="http://schemas.microsoft.com/office/powerpoint/2010/main" val="3943238416"/>
+                <p14:modId xmlns:p14="http://schemas.microsoft.com/office/powerpoint/2010/main" xmlns="" val="3943238416"/>
               </p:ext>
             </p:extLst>
           </p:nvPr>
@@ -15224,7 +15480,7 @@
           <a:blip r:embed="rId2" cstate="print">
             <a:extLst>
               <a:ext uri="{28A0092B-C50C-407E-A947-70E740481C1C}">
-                <a14:useLocalDpi xmlns="" xmlns:a14="http://schemas.microsoft.com/office/drawing/2010/main" val="0"/>
+                <a14:useLocalDpi xmlns:a14="http://schemas.microsoft.com/office/drawing/2010/main" xmlns="" val="0"/>
               </a:ext>
             </a:extLst>
           </a:blip>
@@ -15414,7 +15670,7 @@
     </p:spTree>
     <p:extLst>
       <p:ext uri="{BB962C8B-B14F-4D97-AF65-F5344CB8AC3E}">
-        <p14:creationId xmlns="" xmlns:p14="http://schemas.microsoft.com/office/powerpoint/2010/main" val="772982720"/>
+        <p14:creationId xmlns:p14="http://schemas.microsoft.com/office/powerpoint/2010/main" xmlns="" val="772982720"/>
       </p:ext>
     </p:extLst>
   </p:cSld>
@@ -16118,7 +16374,7 @@
           <a:blip r:embed="rId2" cstate="print">
             <a:extLst>
               <a:ext uri="{28A0092B-C50C-407E-A947-70E740481C1C}">
-                <a14:useLocalDpi xmlns="" xmlns:a14="http://schemas.microsoft.com/office/drawing/2010/main" val="0"/>
+                <a14:useLocalDpi xmlns:a14="http://schemas.microsoft.com/office/drawing/2010/main" xmlns="" val="0"/>
               </a:ext>
             </a:extLst>
           </a:blip>
@@ -16137,7 +16393,7 @@
     </p:spTree>
     <p:extLst>
       <p:ext uri="{BB962C8B-B14F-4D97-AF65-F5344CB8AC3E}">
-        <p14:creationId xmlns="" xmlns:p14="http://schemas.microsoft.com/office/powerpoint/2010/main" val="1632595821"/>
+        <p14:creationId xmlns:p14="http://schemas.microsoft.com/office/powerpoint/2010/main" xmlns="" val="1632595821"/>
       </p:ext>
     </p:extLst>
   </p:cSld>
@@ -16248,7 +16504,7 @@
     </p:spTree>
     <p:extLst>
       <p:ext uri="{BB962C8B-B14F-4D97-AF65-F5344CB8AC3E}">
-        <p14:creationId xmlns="" xmlns:p14="http://schemas.microsoft.com/office/powerpoint/2010/main" val="3574730836"/>
+        <p14:creationId xmlns:p14="http://schemas.microsoft.com/office/powerpoint/2010/main" xmlns="" val="3574730836"/>
       </p:ext>
     </p:extLst>
   </p:cSld>
@@ -16697,7 +16953,7 @@
     </p:spTree>
     <p:extLst>
       <p:ext uri="{BB962C8B-B14F-4D97-AF65-F5344CB8AC3E}">
-        <p14:creationId xmlns="" xmlns:p14="http://schemas.microsoft.com/office/powerpoint/2010/main" val="4137496560"/>
+        <p14:creationId xmlns:p14="http://schemas.microsoft.com/office/powerpoint/2010/main" xmlns="" val="4137496560"/>
       </p:ext>
     </p:extLst>
   </p:cSld>

--- a/trunk/Appli/Méthodologie/Général/Copil/Copil 1/VAL.pptx
+++ b/trunk/Appli/Méthodologie/Général/Copil/Copil 1/VAL.pptx
@@ -375,7 +375,7 @@
             <a:fld id="{F98BCAEF-4157-483F-814F-91DCDC9C17BC}" type="slidenum">
               <a:rPr lang="fr-FR" smtClean="0"/>
               <a:pPr/>
-              <a:t>‹N°›</a:t>
+              <a:t>‹#›</a:t>
             </a:fld>
             <a:endParaRPr lang="fr-FR"/>
           </a:p>
@@ -384,7 +384,7 @@
     </p:spTree>
     <p:extLst>
       <p:ext uri="{BB962C8B-B14F-4D97-AF65-F5344CB8AC3E}">
-        <p14:creationId xmlns:p14="http://schemas.microsoft.com/office/powerpoint/2010/main" xmlns="" val="958719818"/>
+        <p14:creationId xmlns:p14="http://schemas.microsoft.com/office/powerpoint/2010/main" val="958719818"/>
       </p:ext>
     </p:extLst>
   </p:cSld>
@@ -625,7 +625,7 @@
     </p:spTree>
     <p:extLst>
       <p:ext uri="{BB962C8B-B14F-4D97-AF65-F5344CB8AC3E}">
-        <p14:creationId xmlns:p14="http://schemas.microsoft.com/office/powerpoint/2010/main" xmlns="" val="1918925604"/>
+        <p14:creationId xmlns:p14="http://schemas.microsoft.com/office/powerpoint/2010/main" val="1918925604"/>
       </p:ext>
     </p:extLst>
   </p:cSld>
@@ -949,7 +949,7 @@
             <a:fld id="{B6F15528-21DE-4FAA-801E-634DDDAF4B2B}" type="slidenum">
               <a:rPr lang="en-US" smtClean="0"/>
               <a:pPr/>
-              <a:t>‹N°›</a:t>
+              <a:t>‹#›</a:t>
             </a:fld>
             <a:endParaRPr lang="en-US"/>
           </a:p>
@@ -1151,7 +1151,7 @@
             <a:fld id="{B6F15528-21DE-4FAA-801E-634DDDAF4B2B}" type="slidenum">
               <a:rPr lang="en-US" smtClean="0"/>
               <a:pPr/>
-              <a:t>‹N°›</a:t>
+              <a:t>‹#›</a:t>
             </a:fld>
             <a:endParaRPr lang="en-US"/>
           </a:p>
@@ -1328,7 +1328,7 @@
             <a:fld id="{B6F15528-21DE-4FAA-801E-634DDDAF4B2B}" type="slidenum">
               <a:rPr lang="en-US" smtClean="0"/>
               <a:pPr/>
-              <a:t>‹N°›</a:t>
+              <a:t>‹#›</a:t>
             </a:fld>
             <a:endParaRPr lang="en-US"/>
           </a:p>
@@ -1495,7 +1495,7 @@
             <a:fld id="{B6F15528-21DE-4FAA-801E-634DDDAF4B2B}" type="slidenum">
               <a:rPr lang="en-US" smtClean="0"/>
               <a:pPr/>
-              <a:t>‹N°›</a:t>
+              <a:t>‹#›</a:t>
             </a:fld>
             <a:endParaRPr lang="en-US"/>
           </a:p>
@@ -1745,7 +1745,7 @@
             <a:fld id="{B6F15528-21DE-4FAA-801E-634DDDAF4B2B}" type="slidenum">
               <a:rPr lang="en-US" smtClean="0"/>
               <a:pPr/>
-              <a:t>‹N°›</a:t>
+              <a:t>‹#›</a:t>
             </a:fld>
             <a:endParaRPr lang="en-US"/>
           </a:p>
@@ -2065,7 +2065,7 @@
             <a:fld id="{B6F15528-21DE-4FAA-801E-634DDDAF4B2B}" type="slidenum">
               <a:rPr lang="en-US" smtClean="0"/>
               <a:pPr/>
-              <a:t>‹N°›</a:t>
+              <a:t>‹#›</a:t>
             </a:fld>
             <a:endParaRPr lang="en-US"/>
           </a:p>
@@ -2533,7 +2533,7 @@
             <a:fld id="{B6F15528-21DE-4FAA-801E-634DDDAF4B2B}" type="slidenum">
               <a:rPr lang="en-US" smtClean="0"/>
               <a:pPr/>
-              <a:t>‹N°›</a:t>
+              <a:t>‹#›</a:t>
             </a:fld>
             <a:endParaRPr lang="en-US"/>
           </a:p>
@@ -2683,7 +2683,7 @@
             <a:fld id="{B6F15528-21DE-4FAA-801E-634DDDAF4B2B}" type="slidenum">
               <a:rPr lang="en-US" smtClean="0"/>
               <a:pPr/>
-              <a:t>‹N°›</a:t>
+              <a:t>‹#›</a:t>
             </a:fld>
             <a:endParaRPr lang="en-US"/>
           </a:p>
@@ -2775,7 +2775,7 @@
             <a:fld id="{B6F15528-21DE-4FAA-801E-634DDDAF4B2B}" type="slidenum">
               <a:rPr lang="en-US" smtClean="0"/>
               <a:pPr/>
-              <a:t>‹N°›</a:t>
+              <a:t>‹#›</a:t>
             </a:fld>
             <a:endParaRPr lang="en-US"/>
           </a:p>
@@ -3051,7 +3051,7 @@
             <a:fld id="{B6F15528-21DE-4FAA-801E-634DDDAF4B2B}" type="slidenum">
               <a:rPr lang="en-US" smtClean="0"/>
               <a:pPr/>
-              <a:t>‹N°›</a:t>
+              <a:t>‹#›</a:t>
             </a:fld>
             <a:endParaRPr lang="en-US"/>
           </a:p>
@@ -3358,7 +3358,7 @@
             <a:fld id="{B6F15528-21DE-4FAA-801E-634DDDAF4B2B}" type="slidenum">
               <a:rPr lang="en-US" smtClean="0"/>
               <a:pPr/>
-              <a:t>‹N°›</a:t>
+              <a:t>‹#›</a:t>
             </a:fld>
             <a:endParaRPr lang="en-US"/>
           </a:p>
@@ -3690,7 +3690,7 @@
             <a:fld id="{B6F15528-21DE-4FAA-801E-634DDDAF4B2B}" type="slidenum">
               <a:rPr lang="en-US" smtClean="0"/>
               <a:pPr/>
-              <a:t>‹N°›</a:t>
+              <a:t>‹#›</a:t>
             </a:fld>
             <a:endParaRPr lang="en-US"/>
           </a:p>
@@ -4062,7 +4062,7 @@
     </p:spTree>
     <p:extLst>
       <p:ext uri="{BB962C8B-B14F-4D97-AF65-F5344CB8AC3E}">
-        <p14:creationId xmlns:p14="http://schemas.microsoft.com/office/powerpoint/2010/main" xmlns="" val="3992780646"/>
+        <p14:creationId xmlns:p14="http://schemas.microsoft.com/office/powerpoint/2010/main" val="3992780646"/>
       </p:ext>
     </p:extLst>
   </p:cSld>
@@ -4131,7 +4131,7 @@
           <a:blip r:embed="rId2" cstate="print">
             <a:extLst>
               <a:ext uri="{28A0092B-C50C-407E-A947-70E740481C1C}">
-                <a14:useLocalDpi xmlns:a14="http://schemas.microsoft.com/office/drawing/2010/main" xmlns="" val="0"/>
+                <a14:useLocalDpi xmlns:a14="http://schemas.microsoft.com/office/drawing/2010/main" val="0"/>
               </a:ext>
             </a:extLst>
           </a:blip>
@@ -4155,14 +4155,14 @@
           <a:effectLst/>
           <a:extLst>
             <a:ext uri="{909E8E84-426E-40DD-AFC4-6F175D3DCCD1}">
-              <a14:hiddenFill xmlns:a14="http://schemas.microsoft.com/office/drawing/2010/main" xmlns="">
+              <a14:hiddenFill xmlns:a14="http://schemas.microsoft.com/office/drawing/2010/main">
                 <a:solidFill>
                   <a:schemeClr val="accent1"/>
                 </a:solidFill>
               </a14:hiddenFill>
             </a:ext>
             <a:ext uri="{91240B29-F687-4F45-9708-019B960494DF}">
-              <a14:hiddenLine xmlns:a14="http://schemas.microsoft.com/office/drawing/2010/main" xmlns="" w="9525">
+              <a14:hiddenLine xmlns:a14="http://schemas.microsoft.com/office/drawing/2010/main" w="9525">
                 <a:solidFill>
                   <a:schemeClr val="tx1"/>
                 </a:solidFill>
@@ -4172,7 +4172,7 @@
               </a14:hiddenLine>
             </a:ext>
             <a:ext uri="{AF507438-7753-43E0-B8FC-AC1667EBCBE1}">
-              <a14:hiddenEffects xmlns:a14="http://schemas.microsoft.com/office/drawing/2010/main" xmlns="">
+              <a14:hiddenEffects xmlns:a14="http://schemas.microsoft.com/office/drawing/2010/main">
                 <a:effectLst>
                   <a:outerShdw dist="35921" dir="2700000" algn="ctr" rotWithShape="0">
                     <a:schemeClr val="bg2"/>
@@ -4186,7 +4186,7 @@
     </p:spTree>
     <p:extLst>
       <p:ext uri="{BB962C8B-B14F-4D97-AF65-F5344CB8AC3E}">
-        <p14:creationId xmlns:p14="http://schemas.microsoft.com/office/powerpoint/2010/main" xmlns="" val="340587284"/>
+        <p14:creationId xmlns:p14="http://schemas.microsoft.com/office/powerpoint/2010/main" val="340587284"/>
       </p:ext>
     </p:extLst>
   </p:cSld>
@@ -4255,7 +4255,7 @@
           <a:blip r:embed="rId2" cstate="print">
             <a:extLst>
               <a:ext uri="{28A0092B-C50C-407E-A947-70E740481C1C}">
-                <a14:useLocalDpi xmlns:a14="http://schemas.microsoft.com/office/drawing/2010/main" xmlns="" val="0"/>
+                <a14:useLocalDpi xmlns:a14="http://schemas.microsoft.com/office/drawing/2010/main" val="0"/>
               </a:ext>
             </a:extLst>
           </a:blip>
@@ -4275,7 +4275,7 @@
           <a:noFill/>
           <a:extLst>
             <a:ext uri="{909E8E84-426E-40DD-AFC4-6F175D3DCCD1}">
-              <a14:hiddenFill xmlns:a14="http://schemas.microsoft.com/office/drawing/2010/main" xmlns="">
+              <a14:hiddenFill xmlns:a14="http://schemas.microsoft.com/office/drawing/2010/main">
                 <a:solidFill>
                   <a:srgbClr val="FFFFFF"/>
                 </a:solidFill>
@@ -4287,7 +4287,7 @@
     </p:spTree>
     <p:extLst>
       <p:ext uri="{BB962C8B-B14F-4D97-AF65-F5344CB8AC3E}">
-        <p14:creationId xmlns:p14="http://schemas.microsoft.com/office/powerpoint/2010/main" xmlns="" val="4292440096"/>
+        <p14:creationId xmlns:p14="http://schemas.microsoft.com/office/powerpoint/2010/main" val="4292440096"/>
       </p:ext>
     </p:extLst>
   </p:cSld>
@@ -4360,7 +4360,7 @@
           <p:nvPr>
             <p:extLst>
               <p:ext uri="{D42A27DB-BD31-4B8C-83A1-F6EECF244321}">
-                <p14:modId xmlns:p14="http://schemas.microsoft.com/office/powerpoint/2010/main" xmlns="" val="1117665806"/>
+                <p14:modId xmlns:p14="http://schemas.microsoft.com/office/powerpoint/2010/main" val="1117665806"/>
               </p:ext>
             </p:extLst>
           </p:nvPr>
@@ -6174,7 +6174,7 @@
     </p:spTree>
     <p:extLst>
       <p:ext uri="{BB962C8B-B14F-4D97-AF65-F5344CB8AC3E}">
-        <p14:creationId xmlns:p14="http://schemas.microsoft.com/office/powerpoint/2010/main" xmlns="" val="3388311297"/>
+        <p14:creationId xmlns:p14="http://schemas.microsoft.com/office/powerpoint/2010/main" val="3388311297"/>
       </p:ext>
     </p:extLst>
   </p:cSld>
@@ -6218,7 +6218,7 @@
             <p:ph idx="1"/>
             <p:extLst>
               <p:ext uri="{D42A27DB-BD31-4B8C-83A1-F6EECF244321}">
-                <p14:modId xmlns:p14="http://schemas.microsoft.com/office/powerpoint/2010/main" xmlns="" val="1037633673"/>
+                <p14:modId xmlns:p14="http://schemas.microsoft.com/office/powerpoint/2010/main" val="1037633673"/>
               </p:ext>
             </p:extLst>
           </p:nvPr>
@@ -8399,7 +8399,7 @@
     </p:spTree>
     <p:extLst>
       <p:ext uri="{BB962C8B-B14F-4D97-AF65-F5344CB8AC3E}">
-        <p14:creationId xmlns:p14="http://schemas.microsoft.com/office/powerpoint/2010/main" xmlns="" val="1660990754"/>
+        <p14:creationId xmlns:p14="http://schemas.microsoft.com/office/powerpoint/2010/main" val="1660990754"/>
       </p:ext>
     </p:extLst>
   </p:cSld>
@@ -8513,7 +8513,7 @@
             </a:r>
             <a:r>
               <a:rPr lang="fr-FR" dirty="0" err="1" smtClean="0"/>
-              <a:t>Javolotion</a:t>
+              <a:t>Javolution</a:t>
             </a:r>
             <a:endParaRPr lang="fr-FR" dirty="0"/>
           </a:p>
@@ -8550,7 +8550,7 @@
     </p:spTree>
     <p:extLst>
       <p:ext uri="{BB962C8B-B14F-4D97-AF65-F5344CB8AC3E}">
-        <p14:creationId xmlns:p14="http://schemas.microsoft.com/office/powerpoint/2010/main" xmlns="" val="1259481295"/>
+        <p14:creationId xmlns:p14="http://schemas.microsoft.com/office/powerpoint/2010/main" val="1259481295"/>
       </p:ext>
     </p:extLst>
   </p:cSld>
@@ -9363,7 +9363,7 @@
           <a:blip r:embed="rId2" cstate="print">
             <a:extLst>
               <a:ext uri="{28A0092B-C50C-407E-A947-70E740481C1C}">
-                <a14:useLocalDpi xmlns:a14="http://schemas.microsoft.com/office/drawing/2010/main" xmlns="" val="0"/>
+                <a14:useLocalDpi xmlns:a14="http://schemas.microsoft.com/office/drawing/2010/main" val="0"/>
               </a:ext>
             </a:extLst>
           </a:blip>
@@ -9387,14 +9387,14 @@
           <a:effectLst/>
           <a:extLst>
             <a:ext uri="{909E8E84-426E-40DD-AFC4-6F175D3DCCD1}">
-              <a14:hiddenFill xmlns:a14="http://schemas.microsoft.com/office/drawing/2010/main" xmlns="">
+              <a14:hiddenFill xmlns:a14="http://schemas.microsoft.com/office/drawing/2010/main">
                 <a:solidFill>
                   <a:schemeClr val="accent1"/>
                 </a:solidFill>
               </a14:hiddenFill>
             </a:ext>
             <a:ext uri="{91240B29-F687-4F45-9708-019B960494DF}">
-              <a14:hiddenLine xmlns:a14="http://schemas.microsoft.com/office/drawing/2010/main" xmlns="" w="9525">
+              <a14:hiddenLine xmlns:a14="http://schemas.microsoft.com/office/drawing/2010/main" w="9525">
                 <a:solidFill>
                   <a:schemeClr val="tx1"/>
                 </a:solidFill>
@@ -9404,7 +9404,7 @@
               </a14:hiddenLine>
             </a:ext>
             <a:ext uri="{AF507438-7753-43E0-B8FC-AC1667EBCBE1}">
-              <a14:hiddenEffects xmlns:a14="http://schemas.microsoft.com/office/drawing/2010/main" xmlns="">
+              <a14:hiddenEffects xmlns:a14="http://schemas.microsoft.com/office/drawing/2010/main">
                 <a:effectLst>
                   <a:outerShdw dist="35921" dir="2700000" algn="ctr" rotWithShape="0">
                     <a:schemeClr val="bg2"/>
@@ -9418,7 +9418,7 @@
     </p:spTree>
     <p:extLst>
       <p:ext uri="{BB962C8B-B14F-4D97-AF65-F5344CB8AC3E}">
-        <p14:creationId xmlns:p14="http://schemas.microsoft.com/office/powerpoint/2010/main" xmlns="" val="2043196274"/>
+        <p14:creationId xmlns:p14="http://schemas.microsoft.com/office/powerpoint/2010/main" val="2043196274"/>
       </p:ext>
     </p:extLst>
   </p:cSld>
@@ -9491,7 +9491,7 @@
           <a:blip r:embed="rId2" cstate="print">
             <a:extLst>
               <a:ext uri="{28A0092B-C50C-407E-A947-70E740481C1C}">
-                <a14:useLocalDpi xmlns:a14="http://schemas.microsoft.com/office/drawing/2010/main" xmlns="" val="0"/>
+                <a14:useLocalDpi xmlns:a14="http://schemas.microsoft.com/office/drawing/2010/main" val="0"/>
               </a:ext>
             </a:extLst>
           </a:blip>
@@ -9515,14 +9515,14 @@
           <a:effectLst/>
           <a:extLst>
             <a:ext uri="{909E8E84-426E-40DD-AFC4-6F175D3DCCD1}">
-              <a14:hiddenFill xmlns:a14="http://schemas.microsoft.com/office/drawing/2010/main" xmlns="">
+              <a14:hiddenFill xmlns:a14="http://schemas.microsoft.com/office/drawing/2010/main">
                 <a:solidFill>
                   <a:schemeClr val="accent1"/>
                 </a:solidFill>
               </a14:hiddenFill>
             </a:ext>
             <a:ext uri="{91240B29-F687-4F45-9708-019B960494DF}">
-              <a14:hiddenLine xmlns:a14="http://schemas.microsoft.com/office/drawing/2010/main" xmlns="" w="9525">
+              <a14:hiddenLine xmlns:a14="http://schemas.microsoft.com/office/drawing/2010/main" w="9525">
                 <a:solidFill>
                   <a:schemeClr val="tx1"/>
                 </a:solidFill>
@@ -9532,7 +9532,7 @@
               </a14:hiddenLine>
             </a:ext>
             <a:ext uri="{AF507438-7753-43E0-B8FC-AC1667EBCBE1}">
-              <a14:hiddenEffects xmlns:a14="http://schemas.microsoft.com/office/drawing/2010/main" xmlns="">
+              <a14:hiddenEffects xmlns:a14="http://schemas.microsoft.com/office/drawing/2010/main">
                 <a:effectLst>
                   <a:outerShdw dist="35921" dir="2700000" algn="ctr" rotWithShape="0">
                     <a:schemeClr val="bg2"/>
@@ -9546,7 +9546,7 @@
     </p:spTree>
     <p:extLst>
       <p:ext uri="{BB962C8B-B14F-4D97-AF65-F5344CB8AC3E}">
-        <p14:creationId xmlns:p14="http://schemas.microsoft.com/office/powerpoint/2010/main" xmlns="" val="349231435"/>
+        <p14:creationId xmlns:p14="http://schemas.microsoft.com/office/powerpoint/2010/main" val="349231435"/>
       </p:ext>
     </p:extLst>
   </p:cSld>
@@ -9615,7 +9615,7 @@
           <a:blip r:embed="rId3" cstate="print">
             <a:extLst>
               <a:ext uri="{28A0092B-C50C-407E-A947-70E740481C1C}">
-                <a14:useLocalDpi xmlns:a14="http://schemas.microsoft.com/office/drawing/2010/main" xmlns="" val="0"/>
+                <a14:useLocalDpi xmlns:a14="http://schemas.microsoft.com/office/drawing/2010/main" val="0"/>
               </a:ext>
             </a:extLst>
           </a:blip>
@@ -9645,7 +9645,7 @@
           <a:blip r:embed="rId3" cstate="print">
             <a:extLst>
               <a:ext uri="{28A0092B-C50C-407E-A947-70E740481C1C}">
-                <a14:useLocalDpi xmlns:a14="http://schemas.microsoft.com/office/drawing/2010/main" xmlns="" val="0"/>
+                <a14:useLocalDpi xmlns:a14="http://schemas.microsoft.com/office/drawing/2010/main" val="0"/>
               </a:ext>
             </a:extLst>
           </a:blip>
@@ -9675,7 +9675,7 @@
           <a:blip r:embed="rId4" cstate="print">
             <a:extLst>
               <a:ext uri="{28A0092B-C50C-407E-A947-70E740481C1C}">
-                <a14:useLocalDpi xmlns:a14="http://schemas.microsoft.com/office/drawing/2010/main" xmlns="" val="0"/>
+                <a14:useLocalDpi xmlns:a14="http://schemas.microsoft.com/office/drawing/2010/main" val="0"/>
               </a:ext>
             </a:extLst>
           </a:blip>
@@ -9705,7 +9705,7 @@
           <a:blip r:embed="rId4" cstate="print">
             <a:extLst>
               <a:ext uri="{28A0092B-C50C-407E-A947-70E740481C1C}">
-                <a14:useLocalDpi xmlns:a14="http://schemas.microsoft.com/office/drawing/2010/main" xmlns="" val="0"/>
+                <a14:useLocalDpi xmlns:a14="http://schemas.microsoft.com/office/drawing/2010/main" val="0"/>
               </a:ext>
             </a:extLst>
           </a:blip>
@@ -9735,7 +9735,7 @@
           <a:blip r:embed="rId4" cstate="print">
             <a:extLst>
               <a:ext uri="{28A0092B-C50C-407E-A947-70E740481C1C}">
-                <a14:useLocalDpi xmlns:a14="http://schemas.microsoft.com/office/drawing/2010/main" xmlns="" val="0"/>
+                <a14:useLocalDpi xmlns:a14="http://schemas.microsoft.com/office/drawing/2010/main" val="0"/>
               </a:ext>
             </a:extLst>
           </a:blip>
@@ -10064,7 +10064,7 @@
           <a:blip r:embed="rId5" cstate="print">
             <a:extLst>
               <a:ext uri="{28A0092B-C50C-407E-A947-70E740481C1C}">
-                <a14:useLocalDpi xmlns:a14="http://schemas.microsoft.com/office/drawing/2010/main" xmlns="" val="0"/>
+                <a14:useLocalDpi xmlns:a14="http://schemas.microsoft.com/office/drawing/2010/main" val="0"/>
               </a:ext>
             </a:extLst>
           </a:blip>
@@ -10094,7 +10094,7 @@
           <a:blip r:embed="rId6" cstate="print">
             <a:extLst>
               <a:ext uri="{28A0092B-C50C-407E-A947-70E740481C1C}">
-                <a14:useLocalDpi xmlns:a14="http://schemas.microsoft.com/office/drawing/2010/main" xmlns="" val="0"/>
+                <a14:useLocalDpi xmlns:a14="http://schemas.microsoft.com/office/drawing/2010/main" val="0"/>
               </a:ext>
             </a:extLst>
           </a:blip>
@@ -10124,7 +10124,7 @@
           <a:blip r:embed="rId7" cstate="print">
             <a:extLst>
               <a:ext uri="{28A0092B-C50C-407E-A947-70E740481C1C}">
-                <a14:useLocalDpi xmlns:a14="http://schemas.microsoft.com/office/drawing/2010/main" xmlns="" val="0"/>
+                <a14:useLocalDpi xmlns:a14="http://schemas.microsoft.com/office/drawing/2010/main" val="0"/>
               </a:ext>
             </a:extLst>
           </a:blip>
@@ -10263,7 +10263,7 @@
           <a:blip r:embed="rId8" cstate="print">
             <a:extLst>
               <a:ext uri="{28A0092B-C50C-407E-A947-70E740481C1C}">
-                <a14:useLocalDpi xmlns:a14="http://schemas.microsoft.com/office/drawing/2010/main" xmlns="" val="0"/>
+                <a14:useLocalDpi xmlns:a14="http://schemas.microsoft.com/office/drawing/2010/main" val="0"/>
               </a:ext>
             </a:extLst>
           </a:blip>
@@ -10293,7 +10293,7 @@
           <a:blip r:embed="rId4" cstate="print">
             <a:extLst>
               <a:ext uri="{28A0092B-C50C-407E-A947-70E740481C1C}">
-                <a14:useLocalDpi xmlns:a14="http://schemas.microsoft.com/office/drawing/2010/main" xmlns="" val="0"/>
+                <a14:useLocalDpi xmlns:a14="http://schemas.microsoft.com/office/drawing/2010/main" val="0"/>
               </a:ext>
             </a:extLst>
           </a:blip>
@@ -10323,7 +10323,7 @@
           <a:blip r:embed="rId9" cstate="print">
             <a:extLst>
               <a:ext uri="{28A0092B-C50C-407E-A947-70E740481C1C}">
-                <a14:useLocalDpi xmlns:a14="http://schemas.microsoft.com/office/drawing/2010/main" xmlns="" val="0"/>
+                <a14:useLocalDpi xmlns:a14="http://schemas.microsoft.com/office/drawing/2010/main" val="0"/>
               </a:ext>
             </a:extLst>
           </a:blip>
@@ -10347,14 +10347,14 @@
           <a:effectLst/>
           <a:extLst>
             <a:ext uri="{909E8E84-426E-40DD-AFC4-6F175D3DCCD1}">
-              <a14:hiddenFill xmlns:a14="http://schemas.microsoft.com/office/drawing/2010/main" xmlns="">
+              <a14:hiddenFill xmlns:a14="http://schemas.microsoft.com/office/drawing/2010/main">
                 <a:solidFill>
                   <a:schemeClr val="accent1"/>
                 </a:solidFill>
               </a14:hiddenFill>
             </a:ext>
             <a:ext uri="{91240B29-F687-4F45-9708-019B960494DF}">
-              <a14:hiddenLine xmlns:a14="http://schemas.microsoft.com/office/drawing/2010/main" xmlns="" w="9525">
+              <a14:hiddenLine xmlns:a14="http://schemas.microsoft.com/office/drawing/2010/main" w="9525">
                 <a:solidFill>
                   <a:schemeClr val="tx1"/>
                 </a:solidFill>
@@ -10364,7 +10364,7 @@
               </a14:hiddenLine>
             </a:ext>
             <a:ext uri="{AF507438-7753-43E0-B8FC-AC1667EBCBE1}">
-              <a14:hiddenEffects xmlns:a14="http://schemas.microsoft.com/office/drawing/2010/main" xmlns="">
+              <a14:hiddenEffects xmlns:a14="http://schemas.microsoft.com/office/drawing/2010/main">
                 <a:effectLst>
                   <a:outerShdw dist="35921" dir="2700000" algn="ctr" rotWithShape="0">
                     <a:schemeClr val="bg2"/>
@@ -10433,7 +10433,7 @@
           <a:blip r:embed="rId9" cstate="print">
             <a:extLst>
               <a:ext uri="{28A0092B-C50C-407E-A947-70E740481C1C}">
-                <a14:useLocalDpi xmlns:a14="http://schemas.microsoft.com/office/drawing/2010/main" xmlns="" val="0"/>
+                <a14:useLocalDpi xmlns:a14="http://schemas.microsoft.com/office/drawing/2010/main" val="0"/>
               </a:ext>
             </a:extLst>
           </a:blip>
@@ -10457,14 +10457,14 @@
           <a:effectLst/>
           <a:extLst>
             <a:ext uri="{909E8E84-426E-40DD-AFC4-6F175D3DCCD1}">
-              <a14:hiddenFill xmlns:a14="http://schemas.microsoft.com/office/drawing/2010/main" xmlns="">
+              <a14:hiddenFill xmlns:a14="http://schemas.microsoft.com/office/drawing/2010/main">
                 <a:solidFill>
                   <a:schemeClr val="accent1"/>
                 </a:solidFill>
               </a14:hiddenFill>
             </a:ext>
             <a:ext uri="{91240B29-F687-4F45-9708-019B960494DF}">
-              <a14:hiddenLine xmlns:a14="http://schemas.microsoft.com/office/drawing/2010/main" xmlns="" w="9525">
+              <a14:hiddenLine xmlns:a14="http://schemas.microsoft.com/office/drawing/2010/main" w="9525">
                 <a:solidFill>
                   <a:schemeClr val="tx1"/>
                 </a:solidFill>
@@ -10474,7 +10474,7 @@
               </a14:hiddenLine>
             </a:ext>
             <a:ext uri="{AF507438-7753-43E0-B8FC-AC1667EBCBE1}">
-              <a14:hiddenEffects xmlns:a14="http://schemas.microsoft.com/office/drawing/2010/main" xmlns="">
+              <a14:hiddenEffects xmlns:a14="http://schemas.microsoft.com/office/drawing/2010/main">
                 <a:effectLst>
                   <a:outerShdw dist="35921" dir="2700000" algn="ctr" rotWithShape="0">
                     <a:schemeClr val="bg2"/>
@@ -10497,7 +10497,7 @@
           <a:blip r:embed="rId3" cstate="print">
             <a:extLst>
               <a:ext uri="{28A0092B-C50C-407E-A947-70E740481C1C}">
-                <a14:useLocalDpi xmlns:a14="http://schemas.microsoft.com/office/drawing/2010/main" xmlns="" val="0"/>
+                <a14:useLocalDpi xmlns:a14="http://schemas.microsoft.com/office/drawing/2010/main" val="0"/>
               </a:ext>
             </a:extLst>
           </a:blip>
@@ -10826,7 +10826,7 @@
     </p:spTree>
     <p:extLst>
       <p:ext uri="{BB962C8B-B14F-4D97-AF65-F5344CB8AC3E}">
-        <p14:creationId xmlns:p14="http://schemas.microsoft.com/office/powerpoint/2010/main" xmlns="" val="2609155689"/>
+        <p14:creationId xmlns:p14="http://schemas.microsoft.com/office/powerpoint/2010/main" val="2609155689"/>
       </p:ext>
     </p:extLst>
   </p:cSld>
@@ -10895,7 +10895,7 @@
           <a:blip r:embed="rId2" cstate="print">
             <a:extLst>
               <a:ext uri="{28A0092B-C50C-407E-A947-70E740481C1C}">
-                <a14:useLocalDpi xmlns:a14="http://schemas.microsoft.com/office/drawing/2010/main" xmlns="" val="0"/>
+                <a14:useLocalDpi xmlns:a14="http://schemas.microsoft.com/office/drawing/2010/main" val="0"/>
               </a:ext>
             </a:extLst>
           </a:blip>
@@ -10915,7 +10915,7 @@
           <a:noFill/>
           <a:extLst>
             <a:ext uri="{909E8E84-426E-40DD-AFC4-6F175D3DCCD1}">
-              <a14:hiddenFill xmlns:a14="http://schemas.microsoft.com/office/drawing/2010/main" xmlns="">
+              <a14:hiddenFill xmlns:a14="http://schemas.microsoft.com/office/drawing/2010/main">
                 <a:solidFill>
                   <a:srgbClr val="FFFFFF"/>
                 </a:solidFill>
@@ -10927,7 +10927,7 @@
     </p:spTree>
     <p:extLst>
       <p:ext uri="{BB962C8B-B14F-4D97-AF65-F5344CB8AC3E}">
-        <p14:creationId xmlns:p14="http://schemas.microsoft.com/office/powerpoint/2010/main" xmlns="" val="547627724"/>
+        <p14:creationId xmlns:p14="http://schemas.microsoft.com/office/powerpoint/2010/main" val="547627724"/>
       </p:ext>
     </p:extLst>
   </p:cSld>
@@ -10973,7 +10973,7 @@
           <a:blip r:embed="rId2" cstate="print">
             <a:extLst>
               <a:ext uri="{28A0092B-C50C-407E-A947-70E740481C1C}">
-                <a14:useLocalDpi xmlns:a14="http://schemas.microsoft.com/office/drawing/2010/main" xmlns="" val="0"/>
+                <a14:useLocalDpi xmlns:a14="http://schemas.microsoft.com/office/drawing/2010/main" val="0"/>
               </a:ext>
             </a:extLst>
           </a:blip>
@@ -10993,7 +10993,7 @@
           <a:noFill/>
           <a:extLst>
             <a:ext uri="{909E8E84-426E-40DD-AFC4-6F175D3DCCD1}">
-              <a14:hiddenFill xmlns:a14="http://schemas.microsoft.com/office/drawing/2010/main" xmlns="">
+              <a14:hiddenFill xmlns:a14="http://schemas.microsoft.com/office/drawing/2010/main">
                 <a:solidFill>
                   <a:srgbClr val="FFFFFF"/>
                 </a:solidFill>
@@ -11033,7 +11033,7 @@
     </p:spTree>
     <p:extLst>
       <p:ext uri="{BB962C8B-B14F-4D97-AF65-F5344CB8AC3E}">
-        <p14:creationId xmlns:p14="http://schemas.microsoft.com/office/powerpoint/2010/main" xmlns="" val="3341074293"/>
+        <p14:creationId xmlns:p14="http://schemas.microsoft.com/office/powerpoint/2010/main" val="3341074293"/>
       </p:ext>
     </p:extLst>
   </p:cSld>
@@ -11233,7 +11233,7 @@
     </p:spTree>
     <p:extLst>
       <p:ext uri="{BB962C8B-B14F-4D97-AF65-F5344CB8AC3E}">
-        <p14:creationId xmlns:p14="http://schemas.microsoft.com/office/powerpoint/2010/main" xmlns="" val="3894779040"/>
+        <p14:creationId xmlns:p14="http://schemas.microsoft.com/office/powerpoint/2010/main" val="3894779040"/>
       </p:ext>
     </p:extLst>
   </p:cSld>
@@ -11279,7 +11279,7 @@
           <a:blip r:embed="rId2" cstate="print">
             <a:extLst>
               <a:ext uri="{28A0092B-C50C-407E-A947-70E740481C1C}">
-                <a14:useLocalDpi xmlns:a14="http://schemas.microsoft.com/office/drawing/2010/main" xmlns="" val="0"/>
+                <a14:useLocalDpi xmlns:a14="http://schemas.microsoft.com/office/drawing/2010/main" val="0"/>
               </a:ext>
             </a:extLst>
           </a:blip>
@@ -11303,14 +11303,14 @@
           <a:effectLst/>
           <a:extLst>
             <a:ext uri="{909E8E84-426E-40DD-AFC4-6F175D3DCCD1}">
-              <a14:hiddenFill xmlns:a14="http://schemas.microsoft.com/office/drawing/2010/main" xmlns="">
+              <a14:hiddenFill xmlns:a14="http://schemas.microsoft.com/office/drawing/2010/main">
                 <a:solidFill>
                   <a:schemeClr val="accent1"/>
                 </a:solidFill>
               </a14:hiddenFill>
             </a:ext>
             <a:ext uri="{91240B29-F687-4F45-9708-019B960494DF}">
-              <a14:hiddenLine xmlns:a14="http://schemas.microsoft.com/office/drawing/2010/main" xmlns="" w="9525">
+              <a14:hiddenLine xmlns:a14="http://schemas.microsoft.com/office/drawing/2010/main" w="9525">
                 <a:solidFill>
                   <a:schemeClr val="tx1"/>
                 </a:solidFill>
@@ -11320,7 +11320,7 @@
               </a14:hiddenLine>
             </a:ext>
             <a:ext uri="{AF507438-7753-43E0-B8FC-AC1667EBCBE1}">
-              <a14:hiddenEffects xmlns:a14="http://schemas.microsoft.com/office/drawing/2010/main" xmlns="">
+              <a14:hiddenEffects xmlns:a14="http://schemas.microsoft.com/office/drawing/2010/main">
                 <a:effectLst>
                   <a:outerShdw dist="35921" dir="2700000" algn="ctr" rotWithShape="0">
                     <a:schemeClr val="bg2"/>
@@ -11362,7 +11362,7 @@
     </p:spTree>
     <p:extLst>
       <p:ext uri="{BB962C8B-B14F-4D97-AF65-F5344CB8AC3E}">
-        <p14:creationId xmlns:p14="http://schemas.microsoft.com/office/powerpoint/2010/main" xmlns="" val="1239993373"/>
+        <p14:creationId xmlns:p14="http://schemas.microsoft.com/office/powerpoint/2010/main" val="1239993373"/>
       </p:ext>
     </p:extLst>
   </p:cSld>
@@ -12582,7 +12582,7 @@
     </p:spTree>
     <p:extLst>
       <p:ext uri="{BB962C8B-B14F-4D97-AF65-F5344CB8AC3E}">
-        <p14:creationId xmlns:p14="http://schemas.microsoft.com/office/powerpoint/2010/main" xmlns="" val="2899302471"/>
+        <p14:creationId xmlns:p14="http://schemas.microsoft.com/office/powerpoint/2010/main" val="2899302471"/>
       </p:ext>
     </p:extLst>
   </p:cSld>
@@ -13303,7 +13303,7 @@
     </p:spTree>
     <p:extLst>
       <p:ext uri="{BB962C8B-B14F-4D97-AF65-F5344CB8AC3E}">
-        <p14:creationId xmlns:p14="http://schemas.microsoft.com/office/powerpoint/2010/main" xmlns="" val="2025061542"/>
+        <p14:creationId xmlns:p14="http://schemas.microsoft.com/office/powerpoint/2010/main" val="2025061542"/>
       </p:ext>
     </p:extLst>
   </p:cSld>
@@ -13347,7 +13347,12 @@
             <p:ph type="title"/>
           </p:nvPr>
         </p:nvSpPr>
-        <p:spPr/>
+        <p:spPr>
+          <a:xfrm>
+            <a:off x="3039144" y="2780928"/>
+            <a:ext cx="2756992" cy="990600"/>
+          </a:xfrm>
+        </p:spPr>
         <p:txBody>
           <a:bodyPr/>
           <a:lstStyle/>
@@ -13363,7 +13368,7 @@
     </p:spTree>
     <p:extLst>
       <p:ext uri="{BB962C8B-B14F-4D97-AF65-F5344CB8AC3E}">
-        <p14:creationId xmlns:p14="http://schemas.microsoft.com/office/powerpoint/2010/main" xmlns="" val="353800143"/>
+        <p14:creationId xmlns:p14="http://schemas.microsoft.com/office/powerpoint/2010/main" val="353800143"/>
       </p:ext>
     </p:extLst>
   </p:cSld>
@@ -13432,7 +13437,7 @@
           <a:blip r:embed="rId2" cstate="print">
             <a:extLst>
               <a:ext uri="{28A0092B-C50C-407E-A947-70E740481C1C}">
-                <a14:useLocalDpi xmlns:a14="http://schemas.microsoft.com/office/drawing/2010/main" xmlns="" val="0"/>
+                <a14:useLocalDpi xmlns:a14="http://schemas.microsoft.com/office/drawing/2010/main" val="0"/>
               </a:ext>
             </a:extLst>
           </a:blip>
@@ -13456,14 +13461,14 @@
           <a:effectLst/>
           <a:extLst>
             <a:ext uri="{909E8E84-426E-40DD-AFC4-6F175D3DCCD1}">
-              <a14:hiddenFill xmlns:a14="http://schemas.microsoft.com/office/drawing/2010/main" xmlns="">
+              <a14:hiddenFill xmlns:a14="http://schemas.microsoft.com/office/drawing/2010/main">
                 <a:solidFill>
                   <a:schemeClr val="accent1"/>
                 </a:solidFill>
               </a14:hiddenFill>
             </a:ext>
             <a:ext uri="{91240B29-F687-4F45-9708-019B960494DF}">
-              <a14:hiddenLine xmlns:a14="http://schemas.microsoft.com/office/drawing/2010/main" xmlns="" w="9525">
+              <a14:hiddenLine xmlns:a14="http://schemas.microsoft.com/office/drawing/2010/main" w="9525">
                 <a:solidFill>
                   <a:schemeClr val="tx1"/>
                 </a:solidFill>
@@ -13473,7 +13478,7 @@
               </a14:hiddenLine>
             </a:ext>
             <a:ext uri="{AF507438-7753-43E0-B8FC-AC1667EBCBE1}">
-              <a14:hiddenEffects xmlns:a14="http://schemas.microsoft.com/office/drawing/2010/main" xmlns="">
+              <a14:hiddenEffects xmlns:a14="http://schemas.microsoft.com/office/drawing/2010/main">
                 <a:effectLst>
                   <a:outerShdw dist="35921" dir="2700000" algn="ctr" rotWithShape="0">
                     <a:schemeClr val="bg2"/>
@@ -13487,7 +13492,7 @@
     </p:spTree>
     <p:extLst>
       <p:ext uri="{BB962C8B-B14F-4D97-AF65-F5344CB8AC3E}">
-        <p14:creationId xmlns:p14="http://schemas.microsoft.com/office/powerpoint/2010/main" xmlns="" val="1922197765"/>
+        <p14:creationId xmlns:p14="http://schemas.microsoft.com/office/powerpoint/2010/main" val="1922197765"/>
       </p:ext>
     </p:extLst>
   </p:cSld>
@@ -13561,7 +13566,7 @@
           <a:blip r:embed="rId2" cstate="print">
             <a:extLst>
               <a:ext uri="{28A0092B-C50C-407E-A947-70E740481C1C}">
-                <a14:useLocalDpi xmlns:a14="http://schemas.microsoft.com/office/drawing/2010/main" xmlns="" val="0"/>
+                <a14:useLocalDpi xmlns:a14="http://schemas.microsoft.com/office/drawing/2010/main" val="0"/>
               </a:ext>
             </a:extLst>
           </a:blip>
@@ -13585,14 +13590,14 @@
           <a:effectLst/>
           <a:extLst>
             <a:ext uri="{909E8E84-426E-40DD-AFC4-6F175D3DCCD1}">
-              <a14:hiddenFill xmlns:a14="http://schemas.microsoft.com/office/drawing/2010/main" xmlns="">
+              <a14:hiddenFill xmlns:a14="http://schemas.microsoft.com/office/drawing/2010/main">
                 <a:solidFill>
                   <a:schemeClr val="accent1"/>
                 </a:solidFill>
               </a14:hiddenFill>
             </a:ext>
             <a:ext uri="{91240B29-F687-4F45-9708-019B960494DF}">
-              <a14:hiddenLine xmlns:a14="http://schemas.microsoft.com/office/drawing/2010/main" xmlns="" w="9525">
+              <a14:hiddenLine xmlns:a14="http://schemas.microsoft.com/office/drawing/2010/main" w="9525">
                 <a:solidFill>
                   <a:schemeClr val="tx1"/>
                 </a:solidFill>
@@ -13602,7 +13607,7 @@
               </a14:hiddenLine>
             </a:ext>
             <a:ext uri="{AF507438-7753-43E0-B8FC-AC1667EBCBE1}">
-              <a14:hiddenEffects xmlns:a14="http://schemas.microsoft.com/office/drawing/2010/main" xmlns="">
+              <a14:hiddenEffects xmlns:a14="http://schemas.microsoft.com/office/drawing/2010/main">
                 <a:effectLst>
                   <a:outerShdw dist="35921" dir="2700000" algn="ctr" rotWithShape="0">
                     <a:schemeClr val="bg2"/>
@@ -13616,7 +13621,7 @@
     </p:spTree>
     <p:extLst>
       <p:ext uri="{BB962C8B-B14F-4D97-AF65-F5344CB8AC3E}">
-        <p14:creationId xmlns:p14="http://schemas.microsoft.com/office/powerpoint/2010/main" xmlns="" val="2572490974"/>
+        <p14:creationId xmlns:p14="http://schemas.microsoft.com/office/powerpoint/2010/main" val="2572490974"/>
       </p:ext>
     </p:extLst>
   </p:cSld>
@@ -13803,7 +13808,7 @@
     </p:spTree>
     <p:extLst>
       <p:ext uri="{BB962C8B-B14F-4D97-AF65-F5344CB8AC3E}">
-        <p14:creationId xmlns:p14="http://schemas.microsoft.com/office/powerpoint/2010/main" xmlns="" val="143085231"/>
+        <p14:creationId xmlns:p14="http://schemas.microsoft.com/office/powerpoint/2010/main" val="143085231"/>
       </p:ext>
     </p:extLst>
   </p:cSld>
@@ -13970,7 +13975,7 @@
           <p:nvPr>
             <p:extLst>
               <p:ext uri="{D42A27DB-BD31-4B8C-83A1-F6EECF244321}">
-                <p14:modId xmlns:p14="http://schemas.microsoft.com/office/powerpoint/2010/main" xmlns="" val="3943238416"/>
+                <p14:modId xmlns:p14="http://schemas.microsoft.com/office/powerpoint/2010/main" val="3943238416"/>
               </p:ext>
             </p:extLst>
           </p:nvPr>
@@ -15480,7 +15485,7 @@
           <a:blip r:embed="rId2" cstate="print">
             <a:extLst>
               <a:ext uri="{28A0092B-C50C-407E-A947-70E740481C1C}">
-                <a14:useLocalDpi xmlns:a14="http://schemas.microsoft.com/office/drawing/2010/main" xmlns="" val="0"/>
+                <a14:useLocalDpi xmlns:a14="http://schemas.microsoft.com/office/drawing/2010/main" val="0"/>
               </a:ext>
             </a:extLst>
           </a:blip>
@@ -15670,7 +15675,7 @@
     </p:spTree>
     <p:extLst>
       <p:ext uri="{BB962C8B-B14F-4D97-AF65-F5344CB8AC3E}">
-        <p14:creationId xmlns:p14="http://schemas.microsoft.com/office/powerpoint/2010/main" xmlns="" val="772982720"/>
+        <p14:creationId xmlns:p14="http://schemas.microsoft.com/office/powerpoint/2010/main" val="772982720"/>
       </p:ext>
     </p:extLst>
   </p:cSld>
@@ -16374,7 +16379,7 @@
           <a:blip r:embed="rId2" cstate="print">
             <a:extLst>
               <a:ext uri="{28A0092B-C50C-407E-A947-70E740481C1C}">
-                <a14:useLocalDpi xmlns:a14="http://schemas.microsoft.com/office/drawing/2010/main" xmlns="" val="0"/>
+                <a14:useLocalDpi xmlns:a14="http://schemas.microsoft.com/office/drawing/2010/main" val="0"/>
               </a:ext>
             </a:extLst>
           </a:blip>
@@ -16393,7 +16398,7 @@
     </p:spTree>
     <p:extLst>
       <p:ext uri="{BB962C8B-B14F-4D97-AF65-F5344CB8AC3E}">
-        <p14:creationId xmlns:p14="http://schemas.microsoft.com/office/powerpoint/2010/main" xmlns="" val="1632595821"/>
+        <p14:creationId xmlns:p14="http://schemas.microsoft.com/office/powerpoint/2010/main" val="1632595821"/>
       </p:ext>
     </p:extLst>
   </p:cSld>
@@ -16504,7 +16509,7 @@
     </p:spTree>
     <p:extLst>
       <p:ext uri="{BB962C8B-B14F-4D97-AF65-F5344CB8AC3E}">
-        <p14:creationId xmlns:p14="http://schemas.microsoft.com/office/powerpoint/2010/main" xmlns="" val="3574730836"/>
+        <p14:creationId xmlns:p14="http://schemas.microsoft.com/office/powerpoint/2010/main" val="3574730836"/>
       </p:ext>
     </p:extLst>
   </p:cSld>
@@ -16953,7 +16958,7 @@
     </p:spTree>
     <p:extLst>
       <p:ext uri="{BB962C8B-B14F-4D97-AF65-F5344CB8AC3E}">
-        <p14:creationId xmlns:p14="http://schemas.microsoft.com/office/powerpoint/2010/main" xmlns="" val="4137496560"/>
+        <p14:creationId xmlns:p14="http://schemas.microsoft.com/office/powerpoint/2010/main" val="4137496560"/>
       </p:ext>
     </p:extLst>
   </p:cSld>
